--- a/Docs/Presentation.pptx
+++ b/Docs/Presentation.pptx
@@ -3,13 +3,17 @@
 <p:presentation xmlns:a="http://schemas.openxmlformats.org/drawingml/2006/main" xmlns:r="http://schemas.openxmlformats.org/officeDocument/2006/relationships" xmlns:p="http://schemas.openxmlformats.org/presentationml/2006/main" saveSubsetFonts="1">
   <p:sldMasterIdLst>
     <p:sldMasterId id="2147483672" r:id="rId1"/>
+    <p:sldMasterId id="2147483684" r:id="rId2"/>
+    <p:sldMasterId id="2147483696" r:id="rId3"/>
   </p:sldMasterIdLst>
   <p:notesMasterIdLst>
-    <p:notesMasterId r:id="rId4"/>
+    <p:notesMasterId r:id="rId8"/>
   </p:notesMasterIdLst>
   <p:sldIdLst>
-    <p:sldId id="256" r:id="rId2"/>
-    <p:sldId id="257" r:id="rId3"/>
+    <p:sldId id="256" r:id="rId4"/>
+    <p:sldId id="257" r:id="rId5"/>
+    <p:sldId id="258" r:id="rId6"/>
+    <p:sldId id="259" r:id="rId7"/>
   </p:sldIdLst>
   <p:sldSz cx="9144000" cy="6858000" type="screen4x3"/>
   <p:notesSz cx="6858000" cy="9144000"/>
@@ -1139,7 +1143,297 @@
 </p:sldLayout>
 </file>
 
-<file path=ppt/slideLayouts/slideLayout2.xml><?xml version="1.0" encoding="utf-8"?>
+<file path=ppt/slideLayouts/slideLayout12.xml><?xml version="1.0" encoding="utf-8"?>
+<p:sldLayout xmlns:a="http://schemas.openxmlformats.org/drawingml/2006/main" xmlns:r="http://schemas.openxmlformats.org/officeDocument/2006/relationships" xmlns:p="http://schemas.openxmlformats.org/presentationml/2006/main" type="title" preserve="1">
+  <p:cSld name="Title Slide">
+    <p:spTree>
+      <p:nvGrpSpPr>
+        <p:cNvPr id="1" name=""/>
+        <p:cNvGrpSpPr/>
+        <p:nvPr/>
+      </p:nvGrpSpPr>
+      <p:grpSpPr>
+        <a:xfrm>
+          <a:off x="0" y="0"/>
+          <a:ext cx="0" cy="0"/>
+          <a:chOff x="0" y="0"/>
+          <a:chExt cx="0" cy="0"/>
+        </a:xfrm>
+      </p:grpSpPr>
+      <p:sp>
+        <p:nvSpPr>
+          <p:cNvPr id="2" name="Title 1"/>
+          <p:cNvSpPr>
+            <a:spLocks noGrp="1"/>
+          </p:cNvSpPr>
+          <p:nvPr>
+            <p:ph type="ctrTitle"/>
+          </p:nvPr>
+        </p:nvSpPr>
+        <p:spPr>
+          <a:xfrm>
+            <a:off x="685800" y="609601"/>
+            <a:ext cx="7772400" cy="4267200"/>
+          </a:xfrm>
+        </p:spPr>
+        <p:txBody>
+          <a:bodyPr anchor="b">
+            <a:noAutofit/>
+          </a:bodyPr>
+          <a:lstStyle>
+            <a:lvl1pPr>
+              <a:lnSpc>
+                <a:spcPct val="100000"/>
+              </a:lnSpc>
+              <a:defRPr sz="8000"/>
+            </a:lvl1pPr>
+          </a:lstStyle>
+          <a:p>
+            <a:r>
+              <a:rPr lang="en-US" smtClean="0"/>
+              <a:t>Click to edit Master title style</a:t>
+            </a:r>
+            <a:endParaRPr lang="en-US" dirty="0"/>
+          </a:p>
+        </p:txBody>
+      </p:sp>
+      <p:sp>
+        <p:nvSpPr>
+          <p:cNvPr id="3" name="Subtitle 2"/>
+          <p:cNvSpPr>
+            <a:spLocks noGrp="1"/>
+          </p:cNvSpPr>
+          <p:nvPr>
+            <p:ph type="subTitle" idx="1"/>
+          </p:nvPr>
+        </p:nvSpPr>
+        <p:spPr>
+          <a:xfrm>
+            <a:off x="1371600" y="4953000"/>
+            <a:ext cx="6400800" cy="1219200"/>
+          </a:xfrm>
+        </p:spPr>
+        <p:txBody>
+          <a:bodyPr>
+            <a:normAutofit/>
+          </a:bodyPr>
+          <a:lstStyle>
+            <a:lvl1pPr marL="0" indent="0" algn="ctr">
+              <a:buNone/>
+              <a:defRPr sz="2400">
+                <a:solidFill>
+                  <a:schemeClr val="tx1">
+                    <a:tint val="75000"/>
+                  </a:schemeClr>
+                </a:solidFill>
+              </a:defRPr>
+            </a:lvl1pPr>
+            <a:lvl2pPr marL="457200" indent="0" algn="ctr">
+              <a:buNone/>
+              <a:defRPr>
+                <a:solidFill>
+                  <a:schemeClr val="tx1">
+                    <a:tint val="75000"/>
+                  </a:schemeClr>
+                </a:solidFill>
+              </a:defRPr>
+            </a:lvl2pPr>
+            <a:lvl3pPr marL="914400" indent="0" algn="ctr">
+              <a:buNone/>
+              <a:defRPr>
+                <a:solidFill>
+                  <a:schemeClr val="tx1">
+                    <a:tint val="75000"/>
+                  </a:schemeClr>
+                </a:solidFill>
+              </a:defRPr>
+            </a:lvl3pPr>
+            <a:lvl4pPr marL="1371600" indent="0" algn="ctr">
+              <a:buNone/>
+              <a:defRPr>
+                <a:solidFill>
+                  <a:schemeClr val="tx1">
+                    <a:tint val="75000"/>
+                  </a:schemeClr>
+                </a:solidFill>
+              </a:defRPr>
+            </a:lvl4pPr>
+            <a:lvl5pPr marL="1828800" indent="0" algn="ctr">
+              <a:buNone/>
+              <a:defRPr>
+                <a:solidFill>
+                  <a:schemeClr val="tx1">
+                    <a:tint val="75000"/>
+                  </a:schemeClr>
+                </a:solidFill>
+              </a:defRPr>
+            </a:lvl5pPr>
+            <a:lvl6pPr marL="2286000" indent="0" algn="ctr">
+              <a:buNone/>
+              <a:defRPr>
+                <a:solidFill>
+                  <a:schemeClr val="tx1">
+                    <a:tint val="75000"/>
+                  </a:schemeClr>
+                </a:solidFill>
+              </a:defRPr>
+            </a:lvl6pPr>
+            <a:lvl7pPr marL="2743200" indent="0" algn="ctr">
+              <a:buNone/>
+              <a:defRPr>
+                <a:solidFill>
+                  <a:schemeClr val="tx1">
+                    <a:tint val="75000"/>
+                  </a:schemeClr>
+                </a:solidFill>
+              </a:defRPr>
+            </a:lvl7pPr>
+            <a:lvl8pPr marL="3200400" indent="0" algn="ctr">
+              <a:buNone/>
+              <a:defRPr>
+                <a:solidFill>
+                  <a:schemeClr val="tx1">
+                    <a:tint val="75000"/>
+                  </a:schemeClr>
+                </a:solidFill>
+              </a:defRPr>
+            </a:lvl8pPr>
+            <a:lvl9pPr marL="3657600" indent="0" algn="ctr">
+              <a:buNone/>
+              <a:defRPr>
+                <a:solidFill>
+                  <a:schemeClr val="tx1">
+                    <a:tint val="75000"/>
+                  </a:schemeClr>
+                </a:solidFill>
+              </a:defRPr>
+            </a:lvl9pPr>
+          </a:lstStyle>
+          <a:p>
+            <a:r>
+              <a:rPr lang="en-US" smtClean="0"/>
+              <a:t>Click to edit Master subtitle style</a:t>
+            </a:r>
+            <a:endParaRPr lang="en-US" dirty="0"/>
+          </a:p>
+        </p:txBody>
+      </p:sp>
+      <p:sp>
+        <p:nvSpPr>
+          <p:cNvPr id="7" name="Date Placeholder 6"/>
+          <p:cNvSpPr>
+            <a:spLocks noGrp="1"/>
+          </p:cNvSpPr>
+          <p:nvPr>
+            <p:ph type="dt" sz="half" idx="10"/>
+          </p:nvPr>
+        </p:nvSpPr>
+        <p:spPr/>
+        <p:txBody>
+          <a:bodyPr/>
+          <a:lstStyle/>
+          <a:p>
+            <a:fld id="{1D8BD707-D9CF-40AE-B4C6-C98DA3205C09}" type="datetimeFigureOut">
+              <a:rPr lang="en-US" smtClean="0">
+                <a:solidFill>
+                  <a:prstClr val="black">
+                    <a:lumMod val="65000"/>
+                    <a:lumOff val="35000"/>
+                  </a:prstClr>
+                </a:solidFill>
+              </a:rPr>
+              <a:pPr/>
+              <a:t>29/5/2017</a:t>
+            </a:fld>
+            <a:endParaRPr lang="en-US">
+              <a:solidFill>
+                <a:prstClr val="black">
+                  <a:lumMod val="65000"/>
+                  <a:lumOff val="35000"/>
+                </a:prstClr>
+              </a:solidFill>
+            </a:endParaRPr>
+          </a:p>
+        </p:txBody>
+      </p:sp>
+      <p:sp>
+        <p:nvSpPr>
+          <p:cNvPr id="8" name="Slide Number Placeholder 7"/>
+          <p:cNvSpPr>
+            <a:spLocks noGrp="1"/>
+          </p:cNvSpPr>
+          <p:nvPr>
+            <p:ph type="sldNum" sz="quarter" idx="11"/>
+          </p:nvPr>
+        </p:nvSpPr>
+        <p:spPr/>
+        <p:txBody>
+          <a:bodyPr/>
+          <a:lstStyle/>
+          <a:p>
+            <a:fld id="{B6F15528-21DE-4FAA-801E-634DDDAF4B2B}" type="slidenum">
+              <a:rPr lang="en-US" smtClean="0">
+                <a:solidFill>
+                  <a:prstClr val="black">
+                    <a:lumMod val="65000"/>
+                    <a:lumOff val="35000"/>
+                  </a:prstClr>
+                </a:solidFill>
+              </a:rPr>
+              <a:pPr/>
+              <a:t>‹#›</a:t>
+            </a:fld>
+            <a:endParaRPr lang="en-US">
+              <a:solidFill>
+                <a:prstClr val="black">
+                  <a:lumMod val="65000"/>
+                  <a:lumOff val="35000"/>
+                </a:prstClr>
+              </a:solidFill>
+            </a:endParaRPr>
+          </a:p>
+        </p:txBody>
+      </p:sp>
+      <p:sp>
+        <p:nvSpPr>
+          <p:cNvPr id="9" name="Footer Placeholder 8"/>
+          <p:cNvSpPr>
+            <a:spLocks noGrp="1"/>
+          </p:cNvSpPr>
+          <p:nvPr>
+            <p:ph type="ftr" sz="quarter" idx="12"/>
+          </p:nvPr>
+        </p:nvSpPr>
+        <p:spPr/>
+        <p:txBody>
+          <a:bodyPr/>
+          <a:lstStyle/>
+          <a:p>
+            <a:endParaRPr lang="en-US">
+              <a:solidFill>
+                <a:prstClr val="black">
+                  <a:lumMod val="65000"/>
+                  <a:lumOff val="35000"/>
+                </a:prstClr>
+              </a:solidFill>
+            </a:endParaRPr>
+          </a:p>
+        </p:txBody>
+      </p:sp>
+    </p:spTree>
+    <p:extLst>
+      <p:ext uri="{BB962C8B-B14F-4D97-AF65-F5344CB8AC3E}">
+        <p14:creationId xmlns:p14="http://schemas.microsoft.com/office/powerpoint/2010/main" val="4079227816"/>
+      </p:ext>
+    </p:extLst>
+  </p:cSld>
+  <p:clrMapOvr>
+    <a:masterClrMapping/>
+  </p:clrMapOvr>
+</p:sldLayout>
+</file>
+
+<file path=ppt/slideLayouts/slideLayout13.xml><?xml version="1.0" encoding="utf-8"?>
 <p:sldLayout xmlns:a="http://schemas.openxmlformats.org/drawingml/2006/main" xmlns:r="http://schemas.openxmlformats.org/officeDocument/2006/relationships" xmlns:p="http://schemas.openxmlformats.org/presentationml/2006/main" type="obj" preserve="1">
   <p:cSld name="Title and Content">
     <p:spTree>
@@ -1265,11 +1559,25 @@
           <a:lstStyle/>
           <a:p>
             <a:fld id="{1D8BD707-D9CF-40AE-B4C6-C98DA3205C09}" type="datetimeFigureOut">
-              <a:rPr lang="en-US" smtClean="0"/>
+              <a:rPr lang="en-US" smtClean="0">
+                <a:solidFill>
+                  <a:prstClr val="black">
+                    <a:lumMod val="65000"/>
+                    <a:lumOff val="35000"/>
+                  </a:prstClr>
+                </a:solidFill>
+              </a:rPr>
               <a:pPr/>
               <a:t>29/5/2017</a:t>
             </a:fld>
-            <a:endParaRPr lang="en-US"/>
+            <a:endParaRPr lang="en-US">
+              <a:solidFill>
+                <a:prstClr val="black">
+                  <a:lumMod val="65000"/>
+                  <a:lumOff val="35000"/>
+                </a:prstClr>
+              </a:solidFill>
+            </a:endParaRPr>
           </a:p>
         </p:txBody>
       </p:sp>
@@ -1288,7 +1596,14 @@
           <a:bodyPr/>
           <a:lstStyle/>
           <a:p>
-            <a:endParaRPr lang="en-US"/>
+            <a:endParaRPr lang="en-US">
+              <a:solidFill>
+                <a:prstClr val="black">
+                  <a:lumMod val="65000"/>
+                  <a:lumOff val="35000"/>
+                </a:prstClr>
+              </a:solidFill>
+            </a:endParaRPr>
           </a:p>
         </p:txBody>
       </p:sp>
@@ -1308,15 +1623,34 @@
           <a:lstStyle/>
           <a:p>
             <a:fld id="{B6F15528-21DE-4FAA-801E-634DDDAF4B2B}" type="slidenum">
-              <a:rPr lang="en-US" smtClean="0"/>
+              <a:rPr lang="en-US" smtClean="0">
+                <a:solidFill>
+                  <a:prstClr val="black">
+                    <a:lumMod val="65000"/>
+                    <a:lumOff val="35000"/>
+                  </a:prstClr>
+                </a:solidFill>
+              </a:rPr>
               <a:pPr/>
               <a:t>‹#›</a:t>
             </a:fld>
-            <a:endParaRPr lang="en-US"/>
+            <a:endParaRPr lang="en-US">
+              <a:solidFill>
+                <a:prstClr val="black">
+                  <a:lumMod val="65000"/>
+                  <a:lumOff val="35000"/>
+                </a:prstClr>
+              </a:solidFill>
+            </a:endParaRPr>
           </a:p>
         </p:txBody>
       </p:sp>
     </p:spTree>
+    <p:extLst>
+      <p:ext uri="{BB962C8B-B14F-4D97-AF65-F5344CB8AC3E}">
+        <p14:creationId xmlns:p14="http://schemas.microsoft.com/office/powerpoint/2010/main" val="2796357439"/>
+      </p:ext>
+    </p:extLst>
   </p:cSld>
   <p:clrMapOvr>
     <a:masterClrMapping/>
@@ -1324,7 +1658,7 @@
 </p:sldLayout>
 </file>
 
-<file path=ppt/slideLayouts/slideLayout3.xml><?xml version="1.0" encoding="utf-8"?>
+<file path=ppt/slideLayouts/slideLayout14.xml><?xml version="1.0" encoding="utf-8"?>
 <p:sldLayout xmlns:a="http://schemas.openxmlformats.org/drawingml/2006/main" xmlns:r="http://schemas.openxmlformats.org/officeDocument/2006/relationships" xmlns:p="http://schemas.openxmlformats.org/presentationml/2006/main" type="secHead" preserve="1">
   <p:cSld name="Section Header">
     <p:spTree>
@@ -1529,11 +1863,25 @@
           <a:lstStyle/>
           <a:p>
             <a:fld id="{1D8BD707-D9CF-40AE-B4C6-C98DA3205C09}" type="datetimeFigureOut">
-              <a:rPr lang="en-US" smtClean="0"/>
+              <a:rPr lang="en-US" smtClean="0">
+                <a:solidFill>
+                  <a:prstClr val="black">
+                    <a:lumMod val="65000"/>
+                    <a:lumOff val="35000"/>
+                  </a:prstClr>
+                </a:solidFill>
+              </a:rPr>
               <a:pPr/>
               <a:t>29/5/2017</a:t>
             </a:fld>
-            <a:endParaRPr lang="en-US"/>
+            <a:endParaRPr lang="en-US">
+              <a:solidFill>
+                <a:prstClr val="black">
+                  <a:lumMod val="65000"/>
+                  <a:lumOff val="35000"/>
+                </a:prstClr>
+              </a:solidFill>
+            </a:endParaRPr>
           </a:p>
         </p:txBody>
       </p:sp>
@@ -1552,7 +1900,14 @@
           <a:bodyPr/>
           <a:lstStyle/>
           <a:p>
-            <a:endParaRPr lang="en-US"/>
+            <a:endParaRPr lang="en-US">
+              <a:solidFill>
+                <a:prstClr val="black">
+                  <a:lumMod val="65000"/>
+                  <a:lumOff val="35000"/>
+                </a:prstClr>
+              </a:solidFill>
+            </a:endParaRPr>
           </a:p>
         </p:txBody>
       </p:sp>
@@ -1572,11 +1927,25 @@
           <a:lstStyle/>
           <a:p>
             <a:fld id="{B6F15528-21DE-4FAA-801E-634DDDAF4B2B}" type="slidenum">
-              <a:rPr lang="en-US" smtClean="0"/>
+              <a:rPr lang="en-US" smtClean="0">
+                <a:solidFill>
+                  <a:prstClr val="black">
+                    <a:lumMod val="65000"/>
+                    <a:lumOff val="35000"/>
+                  </a:prstClr>
+                </a:solidFill>
+              </a:rPr>
               <a:pPr/>
               <a:t>‹#›</a:t>
             </a:fld>
-            <a:endParaRPr lang="en-US"/>
+            <a:endParaRPr lang="en-US">
+              <a:solidFill>
+                <a:prstClr val="black">
+                  <a:lumMod val="65000"/>
+                  <a:lumOff val="35000"/>
+                </a:prstClr>
+              </a:solidFill>
+            </a:endParaRPr>
           </a:p>
         </p:txBody>
       </p:sp>
@@ -1626,7 +1995,11 @@
           <a:lstStyle/>
           <a:p>
             <a:pPr algn="ctr"/>
-            <a:endParaRPr lang="en-US"/>
+            <a:endParaRPr lang="en-US">
+              <a:solidFill>
+                <a:prstClr val="white"/>
+              </a:solidFill>
+            </a:endParaRPr>
           </a:p>
         </p:txBody>
       </p:sp>
@@ -1676,7 +2049,11 @@
           <a:lstStyle/>
           <a:p>
             <a:pPr algn="ctr"/>
-            <a:endParaRPr lang="en-US"/>
+            <a:endParaRPr lang="en-US">
+              <a:solidFill>
+                <a:prstClr val="white"/>
+              </a:solidFill>
+            </a:endParaRPr>
           </a:p>
         </p:txBody>
       </p:sp>
@@ -1726,11 +2103,5712 @@
           <a:lstStyle/>
           <a:p>
             <a:pPr algn="ctr"/>
+            <a:endParaRPr lang="en-US">
+              <a:solidFill>
+                <a:prstClr val="white"/>
+              </a:solidFill>
+            </a:endParaRPr>
+          </a:p>
+        </p:txBody>
+      </p:sp>
+    </p:spTree>
+    <p:extLst>
+      <p:ext uri="{BB962C8B-B14F-4D97-AF65-F5344CB8AC3E}">
+        <p14:creationId xmlns:p14="http://schemas.microsoft.com/office/powerpoint/2010/main" val="3675616988"/>
+      </p:ext>
+    </p:extLst>
+  </p:cSld>
+  <p:clrMapOvr>
+    <a:masterClrMapping/>
+  </p:clrMapOvr>
+</p:sldLayout>
+</file>
+
+<file path=ppt/slideLayouts/slideLayout15.xml><?xml version="1.0" encoding="utf-8"?>
+<p:sldLayout xmlns:a="http://schemas.openxmlformats.org/drawingml/2006/main" xmlns:r="http://schemas.openxmlformats.org/officeDocument/2006/relationships" xmlns:p="http://schemas.openxmlformats.org/presentationml/2006/main" type="twoObj" preserve="1">
+  <p:cSld name="Two Content">
+    <p:spTree>
+      <p:nvGrpSpPr>
+        <p:cNvPr id="1" name=""/>
+        <p:cNvGrpSpPr/>
+        <p:nvPr/>
+      </p:nvGrpSpPr>
+      <p:grpSpPr>
+        <a:xfrm>
+          <a:off x="0" y="0"/>
+          <a:ext cx="0" cy="0"/>
+          <a:chOff x="0" y="0"/>
+          <a:chExt cx="0" cy="0"/>
+        </a:xfrm>
+      </p:grpSpPr>
+      <p:sp>
+        <p:nvSpPr>
+          <p:cNvPr id="2" name="Title 1"/>
+          <p:cNvSpPr>
+            <a:spLocks noGrp="1"/>
+          </p:cNvSpPr>
+          <p:nvPr>
+            <p:ph type="title"/>
+          </p:nvPr>
+        </p:nvSpPr>
+        <p:spPr/>
+        <p:txBody>
+          <a:bodyPr/>
+          <a:lstStyle/>
+          <a:p>
+            <a:r>
+              <a:rPr lang="en-US" smtClean="0"/>
+              <a:t>Click to edit Master title style</a:t>
+            </a:r>
             <a:endParaRPr lang="en-US"/>
           </a:p>
         </p:txBody>
       </p:sp>
+      <p:sp>
+        <p:nvSpPr>
+          <p:cNvPr id="4" name="Content Placeholder 3"/>
+          <p:cNvSpPr>
+            <a:spLocks noGrp="1"/>
+          </p:cNvSpPr>
+          <p:nvPr>
+            <p:ph sz="half" idx="2"/>
+          </p:nvPr>
+        </p:nvSpPr>
+        <p:spPr>
+          <a:xfrm>
+            <a:off x="4648200" y="1600200"/>
+            <a:ext cx="4038600" cy="4525963"/>
+          </a:xfrm>
+        </p:spPr>
+        <p:txBody>
+          <a:bodyPr/>
+          <a:lstStyle>
+            <a:lvl1pPr>
+              <a:defRPr sz="2400"/>
+            </a:lvl1pPr>
+            <a:lvl2pPr>
+              <a:defRPr sz="1600"/>
+            </a:lvl2pPr>
+            <a:lvl3pPr>
+              <a:defRPr sz="1600"/>
+            </a:lvl3pPr>
+            <a:lvl4pPr>
+              <a:defRPr sz="1600"/>
+            </a:lvl4pPr>
+            <a:lvl5pPr>
+              <a:defRPr sz="1600"/>
+            </a:lvl5pPr>
+            <a:lvl6pPr>
+              <a:defRPr sz="1600"/>
+            </a:lvl6pPr>
+            <a:lvl7pPr>
+              <a:defRPr sz="1600"/>
+            </a:lvl7pPr>
+            <a:lvl8pPr>
+              <a:defRPr sz="1600"/>
+            </a:lvl8pPr>
+            <a:lvl9pPr>
+              <a:defRPr sz="1600"/>
+            </a:lvl9pPr>
+          </a:lstStyle>
+          <a:p>
+            <a:pPr lvl="0"/>
+            <a:r>
+              <a:rPr lang="en-US" smtClean="0"/>
+              <a:t>Click to edit Master text styles</a:t>
+            </a:r>
+          </a:p>
+          <a:p>
+            <a:pPr lvl="1"/>
+            <a:r>
+              <a:rPr lang="en-US" smtClean="0"/>
+              <a:t>Second level</a:t>
+            </a:r>
+          </a:p>
+          <a:p>
+            <a:pPr lvl="2"/>
+            <a:r>
+              <a:rPr lang="en-US" smtClean="0"/>
+              <a:t>Third level</a:t>
+            </a:r>
+          </a:p>
+          <a:p>
+            <a:pPr lvl="3"/>
+            <a:r>
+              <a:rPr lang="en-US" smtClean="0"/>
+              <a:t>Fourth level</a:t>
+            </a:r>
+          </a:p>
+          <a:p>
+            <a:pPr lvl="4"/>
+            <a:r>
+              <a:rPr lang="en-US" smtClean="0"/>
+              <a:t>Fifth level</a:t>
+            </a:r>
+            <a:endParaRPr lang="en-US" dirty="0" smtClean="0"/>
+          </a:p>
+        </p:txBody>
+      </p:sp>
+      <p:sp>
+        <p:nvSpPr>
+          <p:cNvPr id="5" name="Date Placeholder 4"/>
+          <p:cNvSpPr>
+            <a:spLocks noGrp="1"/>
+          </p:cNvSpPr>
+          <p:nvPr>
+            <p:ph type="dt" sz="half" idx="10"/>
+          </p:nvPr>
+        </p:nvSpPr>
+        <p:spPr/>
+        <p:txBody>
+          <a:bodyPr/>
+          <a:lstStyle/>
+          <a:p>
+            <a:fld id="{1D8BD707-D9CF-40AE-B4C6-C98DA3205C09}" type="datetimeFigureOut">
+              <a:rPr lang="en-US" smtClean="0">
+                <a:solidFill>
+                  <a:prstClr val="black">
+                    <a:lumMod val="65000"/>
+                    <a:lumOff val="35000"/>
+                  </a:prstClr>
+                </a:solidFill>
+              </a:rPr>
+              <a:pPr/>
+              <a:t>29/5/2017</a:t>
+            </a:fld>
+            <a:endParaRPr lang="en-US">
+              <a:solidFill>
+                <a:prstClr val="black">
+                  <a:lumMod val="65000"/>
+                  <a:lumOff val="35000"/>
+                </a:prstClr>
+              </a:solidFill>
+            </a:endParaRPr>
+          </a:p>
+        </p:txBody>
+      </p:sp>
+      <p:sp>
+        <p:nvSpPr>
+          <p:cNvPr id="6" name="Footer Placeholder 5"/>
+          <p:cNvSpPr>
+            <a:spLocks noGrp="1"/>
+          </p:cNvSpPr>
+          <p:nvPr>
+            <p:ph type="ftr" sz="quarter" idx="11"/>
+          </p:nvPr>
+        </p:nvSpPr>
+        <p:spPr/>
+        <p:txBody>
+          <a:bodyPr/>
+          <a:lstStyle/>
+          <a:p>
+            <a:endParaRPr lang="en-US">
+              <a:solidFill>
+                <a:prstClr val="black">
+                  <a:lumMod val="65000"/>
+                  <a:lumOff val="35000"/>
+                </a:prstClr>
+              </a:solidFill>
+            </a:endParaRPr>
+          </a:p>
+        </p:txBody>
+      </p:sp>
+      <p:sp>
+        <p:nvSpPr>
+          <p:cNvPr id="7" name="Slide Number Placeholder 6"/>
+          <p:cNvSpPr>
+            <a:spLocks noGrp="1"/>
+          </p:cNvSpPr>
+          <p:nvPr>
+            <p:ph type="sldNum" sz="quarter" idx="12"/>
+          </p:nvPr>
+        </p:nvSpPr>
+        <p:spPr/>
+        <p:txBody>
+          <a:bodyPr/>
+          <a:lstStyle/>
+          <a:p>
+            <a:fld id="{B6F15528-21DE-4FAA-801E-634DDDAF4B2B}" type="slidenum">
+              <a:rPr lang="en-US" smtClean="0">
+                <a:solidFill>
+                  <a:prstClr val="black">
+                    <a:lumMod val="65000"/>
+                    <a:lumOff val="35000"/>
+                  </a:prstClr>
+                </a:solidFill>
+              </a:rPr>
+              <a:pPr/>
+              <a:t>‹#›</a:t>
+            </a:fld>
+            <a:endParaRPr lang="en-US">
+              <a:solidFill>
+                <a:prstClr val="black">
+                  <a:lumMod val="65000"/>
+                  <a:lumOff val="35000"/>
+                </a:prstClr>
+              </a:solidFill>
+            </a:endParaRPr>
+          </a:p>
+        </p:txBody>
+      </p:sp>
+      <p:sp>
+        <p:nvSpPr>
+          <p:cNvPr id="9" name="Content Placeholder 8"/>
+          <p:cNvSpPr>
+            <a:spLocks noGrp="1"/>
+          </p:cNvSpPr>
+          <p:nvPr>
+            <p:ph sz="quarter" idx="13"/>
+          </p:nvPr>
+        </p:nvSpPr>
+        <p:spPr>
+          <a:xfrm>
+            <a:off x="365760" y="1600200"/>
+            <a:ext cx="4041648" cy="4526280"/>
+          </a:xfrm>
+        </p:spPr>
+        <p:txBody>
+          <a:bodyPr/>
+          <a:lstStyle/>
+          <a:p>
+            <a:pPr lvl="0"/>
+            <a:r>
+              <a:rPr lang="en-US" smtClean="0"/>
+              <a:t>Click to edit Master text styles</a:t>
+            </a:r>
+          </a:p>
+          <a:p>
+            <a:pPr lvl="1"/>
+            <a:r>
+              <a:rPr lang="en-US" smtClean="0"/>
+              <a:t>Second level</a:t>
+            </a:r>
+          </a:p>
+          <a:p>
+            <a:pPr lvl="2"/>
+            <a:r>
+              <a:rPr lang="en-US" smtClean="0"/>
+              <a:t>Third level</a:t>
+            </a:r>
+          </a:p>
+          <a:p>
+            <a:pPr lvl="3"/>
+            <a:r>
+              <a:rPr lang="en-US" smtClean="0"/>
+              <a:t>Fourth level</a:t>
+            </a:r>
+          </a:p>
+          <a:p>
+            <a:pPr lvl="4"/>
+            <a:r>
+              <a:rPr lang="en-US" smtClean="0"/>
+              <a:t>Fifth level</a:t>
+            </a:r>
+            <a:endParaRPr lang="en-US"/>
+          </a:p>
+        </p:txBody>
+      </p:sp>
     </p:spTree>
+    <p:extLst>
+      <p:ext uri="{BB962C8B-B14F-4D97-AF65-F5344CB8AC3E}">
+        <p14:creationId xmlns:p14="http://schemas.microsoft.com/office/powerpoint/2010/main" val="4160311798"/>
+      </p:ext>
+    </p:extLst>
+  </p:cSld>
+  <p:clrMapOvr>
+    <a:masterClrMapping/>
+  </p:clrMapOvr>
+</p:sldLayout>
+</file>
+
+<file path=ppt/slideLayouts/slideLayout16.xml><?xml version="1.0" encoding="utf-8"?>
+<p:sldLayout xmlns:a="http://schemas.openxmlformats.org/drawingml/2006/main" xmlns:r="http://schemas.openxmlformats.org/officeDocument/2006/relationships" xmlns:p="http://schemas.openxmlformats.org/presentationml/2006/main" type="twoTxTwoObj" preserve="1">
+  <p:cSld name="Comparison">
+    <p:spTree>
+      <p:nvGrpSpPr>
+        <p:cNvPr id="1" name=""/>
+        <p:cNvGrpSpPr/>
+        <p:nvPr/>
+      </p:nvGrpSpPr>
+      <p:grpSpPr>
+        <a:xfrm>
+          <a:off x="0" y="0"/>
+          <a:ext cx="0" cy="0"/>
+          <a:chOff x="0" y="0"/>
+          <a:chExt cx="0" cy="0"/>
+        </a:xfrm>
+      </p:grpSpPr>
+      <p:sp>
+        <p:nvSpPr>
+          <p:cNvPr id="2" name="Title 1"/>
+          <p:cNvSpPr>
+            <a:spLocks noGrp="1"/>
+          </p:cNvSpPr>
+          <p:nvPr>
+            <p:ph type="title"/>
+          </p:nvPr>
+        </p:nvSpPr>
+        <p:spPr/>
+        <p:txBody>
+          <a:bodyPr/>
+          <a:lstStyle>
+            <a:lvl1pPr>
+              <a:defRPr/>
+            </a:lvl1pPr>
+          </a:lstStyle>
+          <a:p>
+            <a:r>
+              <a:rPr lang="en-US" smtClean="0"/>
+              <a:t>Click to edit Master title style</a:t>
+            </a:r>
+            <a:endParaRPr lang="en-US"/>
+          </a:p>
+        </p:txBody>
+      </p:sp>
+      <p:sp>
+        <p:nvSpPr>
+          <p:cNvPr id="3" name="Text Placeholder 2"/>
+          <p:cNvSpPr>
+            <a:spLocks noGrp="1"/>
+          </p:cNvSpPr>
+          <p:nvPr>
+            <p:ph type="body" idx="1"/>
+          </p:nvPr>
+        </p:nvSpPr>
+        <p:spPr>
+          <a:xfrm>
+            <a:off x="457200" y="1600200"/>
+            <a:ext cx="4040188" cy="609600"/>
+          </a:xfrm>
+        </p:spPr>
+        <p:txBody>
+          <a:bodyPr anchor="b">
+            <a:noAutofit/>
+          </a:bodyPr>
+          <a:lstStyle>
+            <a:lvl1pPr marL="0" indent="0" algn="ctr">
+              <a:buNone/>
+              <a:defRPr sz="2400" b="0"/>
+            </a:lvl1pPr>
+            <a:lvl2pPr marL="457200" indent="0">
+              <a:buNone/>
+              <a:defRPr sz="2000" b="1"/>
+            </a:lvl2pPr>
+            <a:lvl3pPr marL="914400" indent="0">
+              <a:buNone/>
+              <a:defRPr sz="1800" b="1"/>
+            </a:lvl3pPr>
+            <a:lvl4pPr marL="1371600" indent="0">
+              <a:buNone/>
+              <a:defRPr sz="1600" b="1"/>
+            </a:lvl4pPr>
+            <a:lvl5pPr marL="1828800" indent="0">
+              <a:buNone/>
+              <a:defRPr sz="1600" b="1"/>
+            </a:lvl5pPr>
+            <a:lvl6pPr marL="2286000" indent="0">
+              <a:buNone/>
+              <a:defRPr sz="1600" b="1"/>
+            </a:lvl6pPr>
+            <a:lvl7pPr marL="2743200" indent="0">
+              <a:buNone/>
+              <a:defRPr sz="1600" b="1"/>
+            </a:lvl7pPr>
+            <a:lvl8pPr marL="3200400" indent="0">
+              <a:buNone/>
+              <a:defRPr sz="1600" b="1"/>
+            </a:lvl8pPr>
+            <a:lvl9pPr marL="3657600" indent="0">
+              <a:buNone/>
+              <a:defRPr sz="1600" b="1"/>
+            </a:lvl9pPr>
+          </a:lstStyle>
+          <a:p>
+            <a:pPr lvl="0"/>
+            <a:r>
+              <a:rPr lang="en-US" smtClean="0"/>
+              <a:t>Click to edit Master text styles</a:t>
+            </a:r>
+          </a:p>
+        </p:txBody>
+      </p:sp>
+      <p:sp>
+        <p:nvSpPr>
+          <p:cNvPr id="5" name="Text Placeholder 4"/>
+          <p:cNvSpPr>
+            <a:spLocks noGrp="1"/>
+          </p:cNvSpPr>
+          <p:nvPr>
+            <p:ph type="body" sz="quarter" idx="3"/>
+          </p:nvPr>
+        </p:nvSpPr>
+        <p:spPr>
+          <a:xfrm>
+            <a:off x="4648200" y="1600200"/>
+            <a:ext cx="4041775" cy="609600"/>
+          </a:xfrm>
+        </p:spPr>
+        <p:txBody>
+          <a:bodyPr anchor="b">
+            <a:noAutofit/>
+          </a:bodyPr>
+          <a:lstStyle>
+            <a:lvl1pPr marL="0" indent="0" algn="ctr">
+              <a:buNone/>
+              <a:defRPr sz="2400" b="0"/>
+            </a:lvl1pPr>
+            <a:lvl2pPr marL="457200" indent="0">
+              <a:buNone/>
+              <a:defRPr sz="2000" b="1"/>
+            </a:lvl2pPr>
+            <a:lvl3pPr marL="914400" indent="0">
+              <a:buNone/>
+              <a:defRPr sz="1800" b="1"/>
+            </a:lvl3pPr>
+            <a:lvl4pPr marL="1371600" indent="0">
+              <a:buNone/>
+              <a:defRPr sz="1600" b="1"/>
+            </a:lvl4pPr>
+            <a:lvl5pPr marL="1828800" indent="0">
+              <a:buNone/>
+              <a:defRPr sz="1600" b="1"/>
+            </a:lvl5pPr>
+            <a:lvl6pPr marL="2286000" indent="0">
+              <a:buNone/>
+              <a:defRPr sz="1600" b="1"/>
+            </a:lvl6pPr>
+            <a:lvl7pPr marL="2743200" indent="0">
+              <a:buNone/>
+              <a:defRPr sz="1600" b="1"/>
+            </a:lvl7pPr>
+            <a:lvl8pPr marL="3200400" indent="0">
+              <a:buNone/>
+              <a:defRPr sz="1600" b="1"/>
+            </a:lvl8pPr>
+            <a:lvl9pPr marL="3657600" indent="0">
+              <a:buNone/>
+              <a:defRPr sz="1600" b="1"/>
+            </a:lvl9pPr>
+          </a:lstStyle>
+          <a:p>
+            <a:pPr lvl="0"/>
+            <a:r>
+              <a:rPr lang="en-US" smtClean="0"/>
+              <a:t>Click to edit Master text styles</a:t>
+            </a:r>
+          </a:p>
+        </p:txBody>
+      </p:sp>
+      <p:sp>
+        <p:nvSpPr>
+          <p:cNvPr id="7" name="Date Placeholder 6"/>
+          <p:cNvSpPr>
+            <a:spLocks noGrp="1"/>
+          </p:cNvSpPr>
+          <p:nvPr>
+            <p:ph type="dt" sz="half" idx="10"/>
+          </p:nvPr>
+        </p:nvSpPr>
+        <p:spPr/>
+        <p:txBody>
+          <a:bodyPr/>
+          <a:lstStyle/>
+          <a:p>
+            <a:fld id="{1D8BD707-D9CF-40AE-B4C6-C98DA3205C09}" type="datetimeFigureOut">
+              <a:rPr lang="en-US" smtClean="0">
+                <a:solidFill>
+                  <a:prstClr val="black">
+                    <a:lumMod val="65000"/>
+                    <a:lumOff val="35000"/>
+                  </a:prstClr>
+                </a:solidFill>
+              </a:rPr>
+              <a:pPr/>
+              <a:t>29/5/2017</a:t>
+            </a:fld>
+            <a:endParaRPr lang="en-US">
+              <a:solidFill>
+                <a:prstClr val="black">
+                  <a:lumMod val="65000"/>
+                  <a:lumOff val="35000"/>
+                </a:prstClr>
+              </a:solidFill>
+            </a:endParaRPr>
+          </a:p>
+        </p:txBody>
+      </p:sp>
+      <p:sp>
+        <p:nvSpPr>
+          <p:cNvPr id="8" name="Footer Placeholder 7"/>
+          <p:cNvSpPr>
+            <a:spLocks noGrp="1"/>
+          </p:cNvSpPr>
+          <p:nvPr>
+            <p:ph type="ftr" sz="quarter" idx="11"/>
+          </p:nvPr>
+        </p:nvSpPr>
+        <p:spPr/>
+        <p:txBody>
+          <a:bodyPr/>
+          <a:lstStyle/>
+          <a:p>
+            <a:endParaRPr lang="en-US">
+              <a:solidFill>
+                <a:prstClr val="black">
+                  <a:lumMod val="65000"/>
+                  <a:lumOff val="35000"/>
+                </a:prstClr>
+              </a:solidFill>
+            </a:endParaRPr>
+          </a:p>
+        </p:txBody>
+      </p:sp>
+      <p:sp>
+        <p:nvSpPr>
+          <p:cNvPr id="9" name="Slide Number Placeholder 8"/>
+          <p:cNvSpPr>
+            <a:spLocks noGrp="1"/>
+          </p:cNvSpPr>
+          <p:nvPr>
+            <p:ph type="sldNum" sz="quarter" idx="12"/>
+          </p:nvPr>
+        </p:nvSpPr>
+        <p:spPr/>
+        <p:txBody>
+          <a:bodyPr/>
+          <a:lstStyle/>
+          <a:p>
+            <a:fld id="{B6F15528-21DE-4FAA-801E-634DDDAF4B2B}" type="slidenum">
+              <a:rPr lang="en-US" smtClean="0">
+                <a:solidFill>
+                  <a:prstClr val="black">
+                    <a:lumMod val="65000"/>
+                    <a:lumOff val="35000"/>
+                  </a:prstClr>
+                </a:solidFill>
+              </a:rPr>
+              <a:pPr/>
+              <a:t>‹#›</a:t>
+            </a:fld>
+            <a:endParaRPr lang="en-US">
+              <a:solidFill>
+                <a:prstClr val="black">
+                  <a:lumMod val="65000"/>
+                  <a:lumOff val="35000"/>
+                </a:prstClr>
+              </a:solidFill>
+            </a:endParaRPr>
+          </a:p>
+        </p:txBody>
+      </p:sp>
+      <p:sp>
+        <p:nvSpPr>
+          <p:cNvPr id="11" name="Content Placeholder 10"/>
+          <p:cNvSpPr>
+            <a:spLocks noGrp="1"/>
+          </p:cNvSpPr>
+          <p:nvPr>
+            <p:ph sz="quarter" idx="13"/>
+          </p:nvPr>
+        </p:nvSpPr>
+        <p:spPr>
+          <a:xfrm>
+            <a:off x="457200" y="2212848"/>
+            <a:ext cx="4041648" cy="3913632"/>
+          </a:xfrm>
+        </p:spPr>
+        <p:txBody>
+          <a:bodyPr/>
+          <a:lstStyle/>
+          <a:p>
+            <a:pPr lvl="0"/>
+            <a:r>
+              <a:rPr lang="en-US" smtClean="0"/>
+              <a:t>Click to edit Master text styles</a:t>
+            </a:r>
+          </a:p>
+          <a:p>
+            <a:pPr lvl="1"/>
+            <a:r>
+              <a:rPr lang="en-US" smtClean="0"/>
+              <a:t>Second level</a:t>
+            </a:r>
+          </a:p>
+          <a:p>
+            <a:pPr lvl="2"/>
+            <a:r>
+              <a:rPr lang="en-US" smtClean="0"/>
+              <a:t>Third level</a:t>
+            </a:r>
+          </a:p>
+          <a:p>
+            <a:pPr lvl="3"/>
+            <a:r>
+              <a:rPr lang="en-US" smtClean="0"/>
+              <a:t>Fourth level</a:t>
+            </a:r>
+          </a:p>
+          <a:p>
+            <a:pPr lvl="4"/>
+            <a:r>
+              <a:rPr lang="en-US" smtClean="0"/>
+              <a:t>Fifth level</a:t>
+            </a:r>
+            <a:endParaRPr lang="en-US" dirty="0"/>
+          </a:p>
+        </p:txBody>
+      </p:sp>
+      <p:sp>
+        <p:nvSpPr>
+          <p:cNvPr id="13" name="Content Placeholder 12"/>
+          <p:cNvSpPr>
+            <a:spLocks noGrp="1"/>
+          </p:cNvSpPr>
+          <p:nvPr>
+            <p:ph sz="quarter" idx="14"/>
+          </p:nvPr>
+        </p:nvSpPr>
+        <p:spPr>
+          <a:xfrm>
+            <a:off x="4672584" y="2212848"/>
+            <a:ext cx="4041648" cy="3913187"/>
+          </a:xfrm>
+        </p:spPr>
+        <p:txBody>
+          <a:bodyPr/>
+          <a:lstStyle/>
+          <a:p>
+            <a:pPr lvl="0"/>
+            <a:r>
+              <a:rPr lang="en-US" smtClean="0"/>
+              <a:t>Click to edit Master text styles</a:t>
+            </a:r>
+          </a:p>
+          <a:p>
+            <a:pPr lvl="1"/>
+            <a:r>
+              <a:rPr lang="en-US" smtClean="0"/>
+              <a:t>Second level</a:t>
+            </a:r>
+          </a:p>
+          <a:p>
+            <a:pPr lvl="2"/>
+            <a:r>
+              <a:rPr lang="en-US" smtClean="0"/>
+              <a:t>Third level</a:t>
+            </a:r>
+          </a:p>
+          <a:p>
+            <a:pPr lvl="3"/>
+            <a:r>
+              <a:rPr lang="en-US" smtClean="0"/>
+              <a:t>Fourth level</a:t>
+            </a:r>
+          </a:p>
+          <a:p>
+            <a:pPr lvl="4"/>
+            <a:r>
+              <a:rPr lang="en-US" smtClean="0"/>
+              <a:t>Fifth level</a:t>
+            </a:r>
+            <a:endParaRPr lang="en-US" dirty="0"/>
+          </a:p>
+        </p:txBody>
+      </p:sp>
+    </p:spTree>
+    <p:extLst>
+      <p:ext uri="{BB962C8B-B14F-4D97-AF65-F5344CB8AC3E}">
+        <p14:creationId xmlns:p14="http://schemas.microsoft.com/office/powerpoint/2010/main" val="159959063"/>
+      </p:ext>
+    </p:extLst>
+  </p:cSld>
+  <p:clrMapOvr>
+    <a:masterClrMapping/>
+  </p:clrMapOvr>
+</p:sldLayout>
+</file>
+
+<file path=ppt/slideLayouts/slideLayout17.xml><?xml version="1.0" encoding="utf-8"?>
+<p:sldLayout xmlns:a="http://schemas.openxmlformats.org/drawingml/2006/main" xmlns:r="http://schemas.openxmlformats.org/officeDocument/2006/relationships" xmlns:p="http://schemas.openxmlformats.org/presentationml/2006/main" type="titleOnly" preserve="1">
+  <p:cSld name="Title Only">
+    <p:spTree>
+      <p:nvGrpSpPr>
+        <p:cNvPr id="1" name=""/>
+        <p:cNvGrpSpPr/>
+        <p:nvPr/>
+      </p:nvGrpSpPr>
+      <p:grpSpPr>
+        <a:xfrm>
+          <a:off x="0" y="0"/>
+          <a:ext cx="0" cy="0"/>
+          <a:chOff x="0" y="0"/>
+          <a:chExt cx="0" cy="0"/>
+        </a:xfrm>
+      </p:grpSpPr>
+      <p:sp>
+        <p:nvSpPr>
+          <p:cNvPr id="2" name="Title 1"/>
+          <p:cNvSpPr>
+            <a:spLocks noGrp="1"/>
+          </p:cNvSpPr>
+          <p:nvPr>
+            <p:ph type="title"/>
+          </p:nvPr>
+        </p:nvSpPr>
+        <p:spPr/>
+        <p:txBody>
+          <a:bodyPr/>
+          <a:lstStyle/>
+          <a:p>
+            <a:r>
+              <a:rPr lang="en-US" smtClean="0"/>
+              <a:t>Click to edit Master title style</a:t>
+            </a:r>
+            <a:endParaRPr lang="en-US" dirty="0"/>
+          </a:p>
+        </p:txBody>
+      </p:sp>
+      <p:sp>
+        <p:nvSpPr>
+          <p:cNvPr id="3" name="Date Placeholder 2"/>
+          <p:cNvSpPr>
+            <a:spLocks noGrp="1"/>
+          </p:cNvSpPr>
+          <p:nvPr>
+            <p:ph type="dt" sz="half" idx="10"/>
+          </p:nvPr>
+        </p:nvSpPr>
+        <p:spPr/>
+        <p:txBody>
+          <a:bodyPr/>
+          <a:lstStyle/>
+          <a:p>
+            <a:fld id="{1D8BD707-D9CF-40AE-B4C6-C98DA3205C09}" type="datetimeFigureOut">
+              <a:rPr lang="en-US" smtClean="0">
+                <a:solidFill>
+                  <a:prstClr val="black">
+                    <a:lumMod val="65000"/>
+                    <a:lumOff val="35000"/>
+                  </a:prstClr>
+                </a:solidFill>
+              </a:rPr>
+              <a:pPr/>
+              <a:t>29/5/2017</a:t>
+            </a:fld>
+            <a:endParaRPr lang="en-US">
+              <a:solidFill>
+                <a:prstClr val="black">
+                  <a:lumMod val="65000"/>
+                  <a:lumOff val="35000"/>
+                </a:prstClr>
+              </a:solidFill>
+            </a:endParaRPr>
+          </a:p>
+        </p:txBody>
+      </p:sp>
+      <p:sp>
+        <p:nvSpPr>
+          <p:cNvPr id="4" name="Footer Placeholder 3"/>
+          <p:cNvSpPr>
+            <a:spLocks noGrp="1"/>
+          </p:cNvSpPr>
+          <p:nvPr>
+            <p:ph type="ftr" sz="quarter" idx="11"/>
+          </p:nvPr>
+        </p:nvSpPr>
+        <p:spPr/>
+        <p:txBody>
+          <a:bodyPr/>
+          <a:lstStyle/>
+          <a:p>
+            <a:endParaRPr lang="en-US">
+              <a:solidFill>
+                <a:prstClr val="black">
+                  <a:lumMod val="65000"/>
+                  <a:lumOff val="35000"/>
+                </a:prstClr>
+              </a:solidFill>
+            </a:endParaRPr>
+          </a:p>
+        </p:txBody>
+      </p:sp>
+      <p:sp>
+        <p:nvSpPr>
+          <p:cNvPr id="5" name="Slide Number Placeholder 4"/>
+          <p:cNvSpPr>
+            <a:spLocks noGrp="1"/>
+          </p:cNvSpPr>
+          <p:nvPr>
+            <p:ph type="sldNum" sz="quarter" idx="12"/>
+          </p:nvPr>
+        </p:nvSpPr>
+        <p:spPr/>
+        <p:txBody>
+          <a:bodyPr/>
+          <a:lstStyle/>
+          <a:p>
+            <a:fld id="{B6F15528-21DE-4FAA-801E-634DDDAF4B2B}" type="slidenum">
+              <a:rPr lang="en-US" smtClean="0">
+                <a:solidFill>
+                  <a:prstClr val="black">
+                    <a:lumMod val="65000"/>
+                    <a:lumOff val="35000"/>
+                  </a:prstClr>
+                </a:solidFill>
+              </a:rPr>
+              <a:pPr/>
+              <a:t>‹#›</a:t>
+            </a:fld>
+            <a:endParaRPr lang="en-US">
+              <a:solidFill>
+                <a:prstClr val="black">
+                  <a:lumMod val="65000"/>
+                  <a:lumOff val="35000"/>
+                </a:prstClr>
+              </a:solidFill>
+            </a:endParaRPr>
+          </a:p>
+        </p:txBody>
+      </p:sp>
+    </p:spTree>
+    <p:extLst>
+      <p:ext uri="{BB962C8B-B14F-4D97-AF65-F5344CB8AC3E}">
+        <p14:creationId xmlns:p14="http://schemas.microsoft.com/office/powerpoint/2010/main" val="1438783904"/>
+      </p:ext>
+    </p:extLst>
+  </p:cSld>
+  <p:clrMapOvr>
+    <a:masterClrMapping/>
+  </p:clrMapOvr>
+</p:sldLayout>
+</file>
+
+<file path=ppt/slideLayouts/slideLayout18.xml><?xml version="1.0" encoding="utf-8"?>
+<p:sldLayout xmlns:a="http://schemas.openxmlformats.org/drawingml/2006/main" xmlns:r="http://schemas.openxmlformats.org/officeDocument/2006/relationships" xmlns:p="http://schemas.openxmlformats.org/presentationml/2006/main" type="blank" preserve="1">
+  <p:cSld name="Blank">
+    <p:spTree>
+      <p:nvGrpSpPr>
+        <p:cNvPr id="1" name=""/>
+        <p:cNvGrpSpPr/>
+        <p:nvPr/>
+      </p:nvGrpSpPr>
+      <p:grpSpPr>
+        <a:xfrm>
+          <a:off x="0" y="0"/>
+          <a:ext cx="0" cy="0"/>
+          <a:chOff x="0" y="0"/>
+          <a:chExt cx="0" cy="0"/>
+        </a:xfrm>
+      </p:grpSpPr>
+      <p:sp>
+        <p:nvSpPr>
+          <p:cNvPr id="2" name="Date Placeholder 1"/>
+          <p:cNvSpPr>
+            <a:spLocks noGrp="1"/>
+          </p:cNvSpPr>
+          <p:nvPr>
+            <p:ph type="dt" sz="half" idx="10"/>
+          </p:nvPr>
+        </p:nvSpPr>
+        <p:spPr/>
+        <p:txBody>
+          <a:bodyPr/>
+          <a:lstStyle/>
+          <a:p>
+            <a:fld id="{1D8BD707-D9CF-40AE-B4C6-C98DA3205C09}" type="datetimeFigureOut">
+              <a:rPr lang="en-US" smtClean="0">
+                <a:solidFill>
+                  <a:prstClr val="black">
+                    <a:lumMod val="65000"/>
+                    <a:lumOff val="35000"/>
+                  </a:prstClr>
+                </a:solidFill>
+              </a:rPr>
+              <a:pPr/>
+              <a:t>29/5/2017</a:t>
+            </a:fld>
+            <a:endParaRPr lang="en-US">
+              <a:solidFill>
+                <a:prstClr val="black">
+                  <a:lumMod val="65000"/>
+                  <a:lumOff val="35000"/>
+                </a:prstClr>
+              </a:solidFill>
+            </a:endParaRPr>
+          </a:p>
+        </p:txBody>
+      </p:sp>
+      <p:sp>
+        <p:nvSpPr>
+          <p:cNvPr id="3" name="Footer Placeholder 2"/>
+          <p:cNvSpPr>
+            <a:spLocks noGrp="1"/>
+          </p:cNvSpPr>
+          <p:nvPr>
+            <p:ph type="ftr" sz="quarter" idx="11"/>
+          </p:nvPr>
+        </p:nvSpPr>
+        <p:spPr/>
+        <p:txBody>
+          <a:bodyPr/>
+          <a:lstStyle/>
+          <a:p>
+            <a:endParaRPr lang="en-US">
+              <a:solidFill>
+                <a:prstClr val="black">
+                  <a:lumMod val="65000"/>
+                  <a:lumOff val="35000"/>
+                </a:prstClr>
+              </a:solidFill>
+            </a:endParaRPr>
+          </a:p>
+        </p:txBody>
+      </p:sp>
+      <p:sp>
+        <p:nvSpPr>
+          <p:cNvPr id="4" name="Slide Number Placeholder 3"/>
+          <p:cNvSpPr>
+            <a:spLocks noGrp="1"/>
+          </p:cNvSpPr>
+          <p:nvPr>
+            <p:ph type="sldNum" sz="quarter" idx="12"/>
+          </p:nvPr>
+        </p:nvSpPr>
+        <p:spPr/>
+        <p:txBody>
+          <a:bodyPr/>
+          <a:lstStyle/>
+          <a:p>
+            <a:fld id="{B6F15528-21DE-4FAA-801E-634DDDAF4B2B}" type="slidenum">
+              <a:rPr lang="en-US" smtClean="0">
+                <a:solidFill>
+                  <a:prstClr val="black">
+                    <a:lumMod val="65000"/>
+                    <a:lumOff val="35000"/>
+                  </a:prstClr>
+                </a:solidFill>
+              </a:rPr>
+              <a:pPr/>
+              <a:t>‹#›</a:t>
+            </a:fld>
+            <a:endParaRPr lang="en-US">
+              <a:solidFill>
+                <a:prstClr val="black">
+                  <a:lumMod val="65000"/>
+                  <a:lumOff val="35000"/>
+                </a:prstClr>
+              </a:solidFill>
+            </a:endParaRPr>
+          </a:p>
+        </p:txBody>
+      </p:sp>
+    </p:spTree>
+    <p:extLst>
+      <p:ext uri="{BB962C8B-B14F-4D97-AF65-F5344CB8AC3E}">
+        <p14:creationId xmlns:p14="http://schemas.microsoft.com/office/powerpoint/2010/main" val="1607947987"/>
+      </p:ext>
+    </p:extLst>
+  </p:cSld>
+  <p:clrMapOvr>
+    <a:masterClrMapping/>
+  </p:clrMapOvr>
+</p:sldLayout>
+</file>
+
+<file path=ppt/slideLayouts/slideLayout19.xml><?xml version="1.0" encoding="utf-8"?>
+<p:sldLayout xmlns:a="http://schemas.openxmlformats.org/drawingml/2006/main" xmlns:r="http://schemas.openxmlformats.org/officeDocument/2006/relationships" xmlns:p="http://schemas.openxmlformats.org/presentationml/2006/main" type="objTx" preserve="1">
+  <p:cSld name="Content with Caption">
+    <p:spTree>
+      <p:nvGrpSpPr>
+        <p:cNvPr id="1" name=""/>
+        <p:cNvGrpSpPr/>
+        <p:nvPr/>
+      </p:nvGrpSpPr>
+      <p:grpSpPr>
+        <a:xfrm>
+          <a:off x="0" y="0"/>
+          <a:ext cx="0" cy="0"/>
+          <a:chOff x="0" y="0"/>
+          <a:chExt cx="0" cy="0"/>
+        </a:xfrm>
+      </p:grpSpPr>
+      <p:sp>
+        <p:nvSpPr>
+          <p:cNvPr id="2" name="Title 1"/>
+          <p:cNvSpPr>
+            <a:spLocks noGrp="1"/>
+          </p:cNvSpPr>
+          <p:nvPr>
+            <p:ph type="title"/>
+          </p:nvPr>
+        </p:nvSpPr>
+        <p:spPr>
+          <a:xfrm>
+            <a:off x="5907087" y="266700"/>
+            <a:ext cx="3008313" cy="2095500"/>
+          </a:xfrm>
+        </p:spPr>
+        <p:txBody>
+          <a:bodyPr anchor="b"/>
+          <a:lstStyle>
+            <a:lvl1pPr algn="ctr">
+              <a:lnSpc>
+                <a:spcPct val="100000"/>
+              </a:lnSpc>
+              <a:defRPr sz="2800" b="0">
+                <a:effectLst>
+                  <a:outerShdw blurRad="50800" dist="25400" dir="5400000" algn="t" rotWithShape="0">
+                    <a:prstClr val="black">
+                      <a:alpha val="25000"/>
+                    </a:prstClr>
+                  </a:outerShdw>
+                </a:effectLst>
+              </a:defRPr>
+            </a:lvl1pPr>
+          </a:lstStyle>
+          <a:p>
+            <a:r>
+              <a:rPr lang="en-US" smtClean="0"/>
+              <a:t>Click to edit Master title style</a:t>
+            </a:r>
+            <a:endParaRPr lang="en-US" dirty="0"/>
+          </a:p>
+        </p:txBody>
+      </p:sp>
+      <p:sp>
+        <p:nvSpPr>
+          <p:cNvPr id="3" name="Content Placeholder 2"/>
+          <p:cNvSpPr>
+            <a:spLocks noGrp="1"/>
+          </p:cNvSpPr>
+          <p:nvPr>
+            <p:ph idx="1"/>
+          </p:nvPr>
+        </p:nvSpPr>
+        <p:spPr>
+          <a:xfrm>
+            <a:off x="719137" y="273050"/>
+            <a:ext cx="4995863" cy="5853113"/>
+          </a:xfrm>
+        </p:spPr>
+        <p:txBody>
+          <a:bodyPr/>
+          <a:lstStyle>
+            <a:lvl1pPr>
+              <a:defRPr sz="3200"/>
+            </a:lvl1pPr>
+            <a:lvl2pPr>
+              <a:defRPr sz="2800"/>
+            </a:lvl2pPr>
+            <a:lvl3pPr>
+              <a:defRPr sz="2400"/>
+            </a:lvl3pPr>
+            <a:lvl4pPr>
+              <a:defRPr sz="2000"/>
+            </a:lvl4pPr>
+            <a:lvl5pPr>
+              <a:defRPr sz="2000"/>
+            </a:lvl5pPr>
+            <a:lvl6pPr>
+              <a:defRPr sz="2000"/>
+            </a:lvl6pPr>
+            <a:lvl7pPr>
+              <a:defRPr sz="2000"/>
+            </a:lvl7pPr>
+            <a:lvl8pPr>
+              <a:defRPr sz="2000"/>
+            </a:lvl8pPr>
+            <a:lvl9pPr>
+              <a:defRPr sz="2000"/>
+            </a:lvl9pPr>
+          </a:lstStyle>
+          <a:p>
+            <a:pPr lvl="0"/>
+            <a:r>
+              <a:rPr lang="en-US" smtClean="0"/>
+              <a:t>Click to edit Master text styles</a:t>
+            </a:r>
+          </a:p>
+          <a:p>
+            <a:pPr lvl="1"/>
+            <a:r>
+              <a:rPr lang="en-US" smtClean="0"/>
+              <a:t>Second level</a:t>
+            </a:r>
+          </a:p>
+          <a:p>
+            <a:pPr lvl="2"/>
+            <a:r>
+              <a:rPr lang="en-US" smtClean="0"/>
+              <a:t>Third level</a:t>
+            </a:r>
+          </a:p>
+          <a:p>
+            <a:pPr lvl="3"/>
+            <a:r>
+              <a:rPr lang="en-US" smtClean="0"/>
+              <a:t>Fourth level</a:t>
+            </a:r>
+          </a:p>
+          <a:p>
+            <a:pPr lvl="4"/>
+            <a:r>
+              <a:rPr lang="en-US" smtClean="0"/>
+              <a:t>Fifth level</a:t>
+            </a:r>
+            <a:endParaRPr lang="en-US" dirty="0"/>
+          </a:p>
+        </p:txBody>
+      </p:sp>
+      <p:sp>
+        <p:nvSpPr>
+          <p:cNvPr id="4" name="Text Placeholder 3"/>
+          <p:cNvSpPr>
+            <a:spLocks noGrp="1"/>
+          </p:cNvSpPr>
+          <p:nvPr>
+            <p:ph type="body" sz="half" idx="2"/>
+          </p:nvPr>
+        </p:nvSpPr>
+        <p:spPr>
+          <a:xfrm>
+            <a:off x="5907087" y="2438400"/>
+            <a:ext cx="3008313" cy="3687763"/>
+          </a:xfrm>
+        </p:spPr>
+        <p:txBody>
+          <a:bodyPr>
+            <a:normAutofit/>
+          </a:bodyPr>
+          <a:lstStyle>
+            <a:lvl1pPr marL="0" indent="0" algn="ctr">
+              <a:lnSpc>
+                <a:spcPct val="125000"/>
+              </a:lnSpc>
+              <a:buNone/>
+              <a:defRPr sz="1600"/>
+            </a:lvl1pPr>
+            <a:lvl2pPr marL="457200" indent="0">
+              <a:buNone/>
+              <a:defRPr sz="1200"/>
+            </a:lvl2pPr>
+            <a:lvl3pPr marL="914400" indent="0">
+              <a:buNone/>
+              <a:defRPr sz="1000"/>
+            </a:lvl3pPr>
+            <a:lvl4pPr marL="1371600" indent="0">
+              <a:buNone/>
+              <a:defRPr sz="900"/>
+            </a:lvl4pPr>
+            <a:lvl5pPr marL="1828800" indent="0">
+              <a:buNone/>
+              <a:defRPr sz="900"/>
+            </a:lvl5pPr>
+            <a:lvl6pPr marL="2286000" indent="0">
+              <a:buNone/>
+              <a:defRPr sz="900"/>
+            </a:lvl6pPr>
+            <a:lvl7pPr marL="2743200" indent="0">
+              <a:buNone/>
+              <a:defRPr sz="900"/>
+            </a:lvl7pPr>
+            <a:lvl8pPr marL="3200400" indent="0">
+              <a:buNone/>
+              <a:defRPr sz="900"/>
+            </a:lvl8pPr>
+            <a:lvl9pPr marL="3657600" indent="0">
+              <a:buNone/>
+              <a:defRPr sz="900"/>
+            </a:lvl9pPr>
+          </a:lstStyle>
+          <a:p>
+            <a:pPr lvl="0"/>
+            <a:r>
+              <a:rPr lang="en-US" smtClean="0"/>
+              <a:t>Click to edit Master text styles</a:t>
+            </a:r>
+          </a:p>
+        </p:txBody>
+      </p:sp>
+      <p:sp>
+        <p:nvSpPr>
+          <p:cNvPr id="5" name="Date Placeholder 4"/>
+          <p:cNvSpPr>
+            <a:spLocks noGrp="1"/>
+          </p:cNvSpPr>
+          <p:nvPr>
+            <p:ph type="dt" sz="half" idx="10"/>
+          </p:nvPr>
+        </p:nvSpPr>
+        <p:spPr/>
+        <p:txBody>
+          <a:bodyPr/>
+          <a:lstStyle/>
+          <a:p>
+            <a:fld id="{1D8BD707-D9CF-40AE-B4C6-C98DA3205C09}" type="datetimeFigureOut">
+              <a:rPr lang="en-US" smtClean="0">
+                <a:solidFill>
+                  <a:prstClr val="black">
+                    <a:lumMod val="65000"/>
+                    <a:lumOff val="35000"/>
+                  </a:prstClr>
+                </a:solidFill>
+              </a:rPr>
+              <a:pPr/>
+              <a:t>29/5/2017</a:t>
+            </a:fld>
+            <a:endParaRPr lang="en-US">
+              <a:solidFill>
+                <a:prstClr val="black">
+                  <a:lumMod val="65000"/>
+                  <a:lumOff val="35000"/>
+                </a:prstClr>
+              </a:solidFill>
+            </a:endParaRPr>
+          </a:p>
+        </p:txBody>
+      </p:sp>
+      <p:sp>
+        <p:nvSpPr>
+          <p:cNvPr id="6" name="Footer Placeholder 5"/>
+          <p:cNvSpPr>
+            <a:spLocks noGrp="1"/>
+          </p:cNvSpPr>
+          <p:nvPr>
+            <p:ph type="ftr" sz="quarter" idx="11"/>
+          </p:nvPr>
+        </p:nvSpPr>
+        <p:spPr/>
+        <p:txBody>
+          <a:bodyPr/>
+          <a:lstStyle/>
+          <a:p>
+            <a:endParaRPr lang="en-US">
+              <a:solidFill>
+                <a:prstClr val="black">
+                  <a:lumMod val="65000"/>
+                  <a:lumOff val="35000"/>
+                </a:prstClr>
+              </a:solidFill>
+            </a:endParaRPr>
+          </a:p>
+        </p:txBody>
+      </p:sp>
+      <p:sp>
+        <p:nvSpPr>
+          <p:cNvPr id="7" name="Slide Number Placeholder 6"/>
+          <p:cNvSpPr>
+            <a:spLocks noGrp="1"/>
+          </p:cNvSpPr>
+          <p:nvPr>
+            <p:ph type="sldNum" sz="quarter" idx="12"/>
+          </p:nvPr>
+        </p:nvSpPr>
+        <p:spPr/>
+        <p:txBody>
+          <a:bodyPr/>
+          <a:lstStyle/>
+          <a:p>
+            <a:fld id="{B6F15528-21DE-4FAA-801E-634DDDAF4B2B}" type="slidenum">
+              <a:rPr lang="en-US" smtClean="0">
+                <a:solidFill>
+                  <a:prstClr val="black">
+                    <a:lumMod val="65000"/>
+                    <a:lumOff val="35000"/>
+                  </a:prstClr>
+                </a:solidFill>
+              </a:rPr>
+              <a:pPr/>
+              <a:t>‹#›</a:t>
+            </a:fld>
+            <a:endParaRPr lang="en-US">
+              <a:solidFill>
+                <a:prstClr val="black">
+                  <a:lumMod val="65000"/>
+                  <a:lumOff val="35000"/>
+                </a:prstClr>
+              </a:solidFill>
+            </a:endParaRPr>
+          </a:p>
+        </p:txBody>
+      </p:sp>
+    </p:spTree>
+    <p:extLst>
+      <p:ext uri="{BB962C8B-B14F-4D97-AF65-F5344CB8AC3E}">
+        <p14:creationId xmlns:p14="http://schemas.microsoft.com/office/powerpoint/2010/main" val="1386970742"/>
+      </p:ext>
+    </p:extLst>
+  </p:cSld>
+  <p:clrMapOvr>
+    <a:masterClrMapping/>
+  </p:clrMapOvr>
+</p:sldLayout>
+</file>
+
+<file path=ppt/slideLayouts/slideLayout2.xml><?xml version="1.0" encoding="utf-8"?>
+<p:sldLayout xmlns:a="http://schemas.openxmlformats.org/drawingml/2006/main" xmlns:r="http://schemas.openxmlformats.org/officeDocument/2006/relationships" xmlns:p="http://schemas.openxmlformats.org/presentationml/2006/main" type="obj" preserve="1">
+  <p:cSld name="Title and Content">
+    <p:spTree>
+      <p:nvGrpSpPr>
+        <p:cNvPr id="1" name=""/>
+        <p:cNvGrpSpPr/>
+        <p:nvPr/>
+      </p:nvGrpSpPr>
+      <p:grpSpPr>
+        <a:xfrm>
+          <a:off x="0" y="0"/>
+          <a:ext cx="0" cy="0"/>
+          <a:chOff x="0" y="0"/>
+          <a:chExt cx="0" cy="0"/>
+        </a:xfrm>
+      </p:grpSpPr>
+      <p:sp>
+        <p:nvSpPr>
+          <p:cNvPr id="2" name="Title 1"/>
+          <p:cNvSpPr>
+            <a:spLocks noGrp="1"/>
+          </p:cNvSpPr>
+          <p:nvPr>
+            <p:ph type="title"/>
+          </p:nvPr>
+        </p:nvSpPr>
+        <p:spPr/>
+        <p:txBody>
+          <a:bodyPr/>
+          <a:lstStyle/>
+          <a:p>
+            <a:r>
+              <a:rPr lang="en-US" smtClean="0"/>
+              <a:t>Click to edit Master title style</a:t>
+            </a:r>
+            <a:endParaRPr lang="en-US" dirty="0"/>
+          </a:p>
+        </p:txBody>
+      </p:sp>
+      <p:sp>
+        <p:nvSpPr>
+          <p:cNvPr id="3" name="Content Placeholder 2"/>
+          <p:cNvSpPr>
+            <a:spLocks noGrp="1"/>
+          </p:cNvSpPr>
+          <p:nvPr>
+            <p:ph idx="1"/>
+          </p:nvPr>
+        </p:nvSpPr>
+        <p:spPr/>
+        <p:txBody>
+          <a:bodyPr/>
+          <a:lstStyle>
+            <a:lvl5pPr>
+              <a:defRPr/>
+            </a:lvl5pPr>
+            <a:lvl6pPr>
+              <a:defRPr/>
+            </a:lvl6pPr>
+            <a:lvl7pPr>
+              <a:defRPr/>
+            </a:lvl7pPr>
+            <a:lvl8pPr>
+              <a:defRPr/>
+            </a:lvl8pPr>
+            <a:lvl9pPr>
+              <a:buFont typeface="Arial" pitchFamily="34" charset="0"/>
+              <a:buChar char="•"/>
+              <a:defRPr/>
+            </a:lvl9pPr>
+          </a:lstStyle>
+          <a:p>
+            <a:pPr lvl="0"/>
+            <a:r>
+              <a:rPr lang="en-US" smtClean="0"/>
+              <a:t>Click to edit Master text styles</a:t>
+            </a:r>
+          </a:p>
+          <a:p>
+            <a:pPr lvl="1"/>
+            <a:r>
+              <a:rPr lang="en-US" smtClean="0"/>
+              <a:t>Second level</a:t>
+            </a:r>
+          </a:p>
+          <a:p>
+            <a:pPr lvl="2"/>
+            <a:r>
+              <a:rPr lang="en-US" smtClean="0"/>
+              <a:t>Third level</a:t>
+            </a:r>
+          </a:p>
+          <a:p>
+            <a:pPr lvl="3"/>
+            <a:r>
+              <a:rPr lang="en-US" smtClean="0"/>
+              <a:t>Fourth level</a:t>
+            </a:r>
+          </a:p>
+          <a:p>
+            <a:pPr lvl="4"/>
+            <a:r>
+              <a:rPr lang="en-US" smtClean="0"/>
+              <a:t>Fifth level</a:t>
+            </a:r>
+            <a:endParaRPr lang="en-US" dirty="0" smtClean="0"/>
+          </a:p>
+        </p:txBody>
+      </p:sp>
+      <p:sp>
+        <p:nvSpPr>
+          <p:cNvPr id="4" name="Date Placeholder 3"/>
+          <p:cNvSpPr>
+            <a:spLocks noGrp="1"/>
+          </p:cNvSpPr>
+          <p:nvPr>
+            <p:ph type="dt" sz="half" idx="10"/>
+          </p:nvPr>
+        </p:nvSpPr>
+        <p:spPr/>
+        <p:txBody>
+          <a:bodyPr/>
+          <a:lstStyle/>
+          <a:p>
+            <a:fld id="{1D8BD707-D9CF-40AE-B4C6-C98DA3205C09}" type="datetimeFigureOut">
+              <a:rPr lang="en-US" smtClean="0"/>
+              <a:pPr/>
+              <a:t>29/5/2017</a:t>
+            </a:fld>
+            <a:endParaRPr lang="en-US"/>
+          </a:p>
+        </p:txBody>
+      </p:sp>
+      <p:sp>
+        <p:nvSpPr>
+          <p:cNvPr id="5" name="Footer Placeholder 4"/>
+          <p:cNvSpPr>
+            <a:spLocks noGrp="1"/>
+          </p:cNvSpPr>
+          <p:nvPr>
+            <p:ph type="ftr" sz="quarter" idx="11"/>
+          </p:nvPr>
+        </p:nvSpPr>
+        <p:spPr/>
+        <p:txBody>
+          <a:bodyPr/>
+          <a:lstStyle/>
+          <a:p>
+            <a:endParaRPr lang="en-US"/>
+          </a:p>
+        </p:txBody>
+      </p:sp>
+      <p:sp>
+        <p:nvSpPr>
+          <p:cNvPr id="6" name="Slide Number Placeholder 5"/>
+          <p:cNvSpPr>
+            <a:spLocks noGrp="1"/>
+          </p:cNvSpPr>
+          <p:nvPr>
+            <p:ph type="sldNum" sz="quarter" idx="12"/>
+          </p:nvPr>
+        </p:nvSpPr>
+        <p:spPr/>
+        <p:txBody>
+          <a:bodyPr/>
+          <a:lstStyle/>
+          <a:p>
+            <a:fld id="{B6F15528-21DE-4FAA-801E-634DDDAF4B2B}" type="slidenum">
+              <a:rPr lang="en-US" smtClean="0"/>
+              <a:pPr/>
+              <a:t>‹#›</a:t>
+            </a:fld>
+            <a:endParaRPr lang="en-US"/>
+          </a:p>
+        </p:txBody>
+      </p:sp>
+    </p:spTree>
+  </p:cSld>
+  <p:clrMapOvr>
+    <a:masterClrMapping/>
+  </p:clrMapOvr>
+</p:sldLayout>
+</file>
+
+<file path=ppt/slideLayouts/slideLayout20.xml><?xml version="1.0" encoding="utf-8"?>
+<p:sldLayout xmlns:a="http://schemas.openxmlformats.org/drawingml/2006/main" xmlns:r="http://schemas.openxmlformats.org/officeDocument/2006/relationships" xmlns:p="http://schemas.openxmlformats.org/presentationml/2006/main" type="picTx" preserve="1">
+  <p:cSld name="Picture with Caption">
+    <p:spTree>
+      <p:nvGrpSpPr>
+        <p:cNvPr id="1" name=""/>
+        <p:cNvGrpSpPr/>
+        <p:nvPr/>
+      </p:nvGrpSpPr>
+      <p:grpSpPr>
+        <a:xfrm>
+          <a:off x="0" y="0"/>
+          <a:ext cx="0" cy="0"/>
+          <a:chOff x="0" y="0"/>
+          <a:chExt cx="0" cy="0"/>
+        </a:xfrm>
+      </p:grpSpPr>
+      <p:sp>
+        <p:nvSpPr>
+          <p:cNvPr id="2" name="Title 1"/>
+          <p:cNvSpPr>
+            <a:spLocks noGrp="1"/>
+          </p:cNvSpPr>
+          <p:nvPr>
+            <p:ph type="title"/>
+          </p:nvPr>
+        </p:nvSpPr>
+        <p:spPr>
+          <a:xfrm>
+            <a:off x="1679576" y="228600"/>
+            <a:ext cx="5711824" cy="895350"/>
+          </a:xfrm>
+        </p:spPr>
+        <p:txBody>
+          <a:bodyPr anchor="b"/>
+          <a:lstStyle>
+            <a:lvl1pPr algn="ctr">
+              <a:lnSpc>
+                <a:spcPct val="100000"/>
+              </a:lnSpc>
+              <a:defRPr sz="2800" b="0"/>
+            </a:lvl1pPr>
+          </a:lstStyle>
+          <a:p>
+            <a:r>
+              <a:rPr lang="en-US" smtClean="0"/>
+              <a:t>Click to edit Master title style</a:t>
+            </a:r>
+            <a:endParaRPr lang="en-US" dirty="0"/>
+          </a:p>
+        </p:txBody>
+      </p:sp>
+      <p:sp>
+        <p:nvSpPr>
+          <p:cNvPr id="3" name="Picture Placeholder 2"/>
+          <p:cNvSpPr>
+            <a:spLocks noGrp="1"/>
+          </p:cNvSpPr>
+          <p:nvPr>
+            <p:ph type="pic" idx="1"/>
+          </p:nvPr>
+        </p:nvSpPr>
+        <p:spPr>
+          <a:xfrm>
+            <a:off x="1508126" y="1143000"/>
+            <a:ext cx="6054724" cy="4541044"/>
+          </a:xfrm>
+          <a:ln w="76200">
+            <a:solidFill>
+              <a:schemeClr val="bg1"/>
+            </a:solidFill>
+          </a:ln>
+          <a:effectLst>
+            <a:outerShdw blurRad="88900" dist="50800" dir="5400000" algn="ctr" rotWithShape="0">
+              <a:srgbClr val="000000">
+                <a:alpha val="25000"/>
+              </a:srgbClr>
+            </a:outerShdw>
+          </a:effectLst>
+        </p:spPr>
+        <p:txBody>
+          <a:bodyPr anchor="t"/>
+          <a:lstStyle>
+            <a:lvl1pPr marL="0" indent="0" algn="ctr">
+              <a:buNone/>
+              <a:defRPr sz="3200"/>
+            </a:lvl1pPr>
+            <a:lvl2pPr marL="457200" indent="0">
+              <a:buNone/>
+              <a:defRPr sz="2800"/>
+            </a:lvl2pPr>
+            <a:lvl3pPr marL="914400" indent="0">
+              <a:buNone/>
+              <a:defRPr sz="2400"/>
+            </a:lvl3pPr>
+            <a:lvl4pPr marL="1371600" indent="0">
+              <a:buNone/>
+              <a:defRPr sz="2000"/>
+            </a:lvl4pPr>
+            <a:lvl5pPr marL="1828800" indent="0">
+              <a:buNone/>
+              <a:defRPr sz="2000"/>
+            </a:lvl5pPr>
+            <a:lvl6pPr marL="2286000" indent="0">
+              <a:buNone/>
+              <a:defRPr sz="2000"/>
+            </a:lvl6pPr>
+            <a:lvl7pPr marL="2743200" indent="0">
+              <a:buNone/>
+              <a:defRPr sz="2000"/>
+            </a:lvl7pPr>
+            <a:lvl8pPr marL="3200400" indent="0">
+              <a:buNone/>
+              <a:defRPr sz="2000"/>
+            </a:lvl8pPr>
+            <a:lvl9pPr marL="3657600" indent="0">
+              <a:buNone/>
+              <a:defRPr sz="2000"/>
+            </a:lvl9pPr>
+          </a:lstStyle>
+          <a:p>
+            <a:r>
+              <a:rPr lang="en-US" smtClean="0"/>
+              <a:t>Click icon to add picture</a:t>
+            </a:r>
+            <a:endParaRPr lang="en-US" dirty="0"/>
+          </a:p>
+        </p:txBody>
+      </p:sp>
+      <p:sp>
+        <p:nvSpPr>
+          <p:cNvPr id="4" name="Text Placeholder 3"/>
+          <p:cNvSpPr>
+            <a:spLocks noGrp="1"/>
+          </p:cNvSpPr>
+          <p:nvPr>
+            <p:ph type="body" sz="half" idx="2"/>
+          </p:nvPr>
+        </p:nvSpPr>
+        <p:spPr>
+          <a:xfrm>
+            <a:off x="1679576" y="5810250"/>
+            <a:ext cx="5711824" cy="533400"/>
+          </a:xfrm>
+        </p:spPr>
+        <p:txBody>
+          <a:bodyPr>
+            <a:normAutofit/>
+          </a:bodyPr>
+          <a:lstStyle>
+            <a:lvl1pPr marL="0" indent="0" algn="ctr">
+              <a:buNone/>
+              <a:defRPr sz="1600"/>
+            </a:lvl1pPr>
+            <a:lvl2pPr marL="457200" indent="0">
+              <a:buNone/>
+              <a:defRPr sz="1200"/>
+            </a:lvl2pPr>
+            <a:lvl3pPr marL="914400" indent="0">
+              <a:buNone/>
+              <a:defRPr sz="1000"/>
+            </a:lvl3pPr>
+            <a:lvl4pPr marL="1371600" indent="0">
+              <a:buNone/>
+              <a:defRPr sz="900"/>
+            </a:lvl4pPr>
+            <a:lvl5pPr marL="1828800" indent="0">
+              <a:buNone/>
+              <a:defRPr sz="900"/>
+            </a:lvl5pPr>
+            <a:lvl6pPr marL="2286000" indent="0">
+              <a:buNone/>
+              <a:defRPr sz="900"/>
+            </a:lvl6pPr>
+            <a:lvl7pPr marL="2743200" indent="0">
+              <a:buNone/>
+              <a:defRPr sz="900"/>
+            </a:lvl7pPr>
+            <a:lvl8pPr marL="3200400" indent="0">
+              <a:buNone/>
+              <a:defRPr sz="900"/>
+            </a:lvl8pPr>
+            <a:lvl9pPr marL="3657600" indent="0">
+              <a:buNone/>
+              <a:defRPr sz="900"/>
+            </a:lvl9pPr>
+          </a:lstStyle>
+          <a:p>
+            <a:pPr lvl="0"/>
+            <a:r>
+              <a:rPr lang="en-US" smtClean="0"/>
+              <a:t>Click to edit Master text styles</a:t>
+            </a:r>
+          </a:p>
+        </p:txBody>
+      </p:sp>
+      <p:sp>
+        <p:nvSpPr>
+          <p:cNvPr id="5" name="Date Placeholder 4"/>
+          <p:cNvSpPr>
+            <a:spLocks noGrp="1"/>
+          </p:cNvSpPr>
+          <p:nvPr>
+            <p:ph type="dt" sz="half" idx="10"/>
+          </p:nvPr>
+        </p:nvSpPr>
+        <p:spPr/>
+        <p:txBody>
+          <a:bodyPr/>
+          <a:lstStyle/>
+          <a:p>
+            <a:fld id="{1D8BD707-D9CF-40AE-B4C6-C98DA3205C09}" type="datetimeFigureOut">
+              <a:rPr lang="en-US" smtClean="0">
+                <a:solidFill>
+                  <a:prstClr val="black">
+                    <a:lumMod val="65000"/>
+                    <a:lumOff val="35000"/>
+                  </a:prstClr>
+                </a:solidFill>
+              </a:rPr>
+              <a:pPr/>
+              <a:t>29/5/2017</a:t>
+            </a:fld>
+            <a:endParaRPr lang="en-US">
+              <a:solidFill>
+                <a:prstClr val="black">
+                  <a:lumMod val="65000"/>
+                  <a:lumOff val="35000"/>
+                </a:prstClr>
+              </a:solidFill>
+            </a:endParaRPr>
+          </a:p>
+        </p:txBody>
+      </p:sp>
+      <p:sp>
+        <p:nvSpPr>
+          <p:cNvPr id="6" name="Footer Placeholder 5"/>
+          <p:cNvSpPr>
+            <a:spLocks noGrp="1"/>
+          </p:cNvSpPr>
+          <p:nvPr>
+            <p:ph type="ftr" sz="quarter" idx="11"/>
+          </p:nvPr>
+        </p:nvSpPr>
+        <p:spPr/>
+        <p:txBody>
+          <a:bodyPr/>
+          <a:lstStyle/>
+          <a:p>
+            <a:endParaRPr lang="en-US">
+              <a:solidFill>
+                <a:prstClr val="black">
+                  <a:lumMod val="65000"/>
+                  <a:lumOff val="35000"/>
+                </a:prstClr>
+              </a:solidFill>
+            </a:endParaRPr>
+          </a:p>
+        </p:txBody>
+      </p:sp>
+      <p:sp>
+        <p:nvSpPr>
+          <p:cNvPr id="7" name="Slide Number Placeholder 6"/>
+          <p:cNvSpPr>
+            <a:spLocks noGrp="1"/>
+          </p:cNvSpPr>
+          <p:nvPr>
+            <p:ph type="sldNum" sz="quarter" idx="12"/>
+          </p:nvPr>
+        </p:nvSpPr>
+        <p:spPr/>
+        <p:txBody>
+          <a:bodyPr/>
+          <a:lstStyle/>
+          <a:p>
+            <a:fld id="{B6F15528-21DE-4FAA-801E-634DDDAF4B2B}" type="slidenum">
+              <a:rPr lang="en-US" smtClean="0">
+                <a:solidFill>
+                  <a:prstClr val="black">
+                    <a:lumMod val="65000"/>
+                    <a:lumOff val="35000"/>
+                  </a:prstClr>
+                </a:solidFill>
+              </a:rPr>
+              <a:pPr/>
+              <a:t>‹#›</a:t>
+            </a:fld>
+            <a:endParaRPr lang="en-US">
+              <a:solidFill>
+                <a:prstClr val="black">
+                  <a:lumMod val="65000"/>
+                  <a:lumOff val="35000"/>
+                </a:prstClr>
+              </a:solidFill>
+            </a:endParaRPr>
+          </a:p>
+        </p:txBody>
+      </p:sp>
+    </p:spTree>
+    <p:extLst>
+      <p:ext uri="{BB962C8B-B14F-4D97-AF65-F5344CB8AC3E}">
+        <p14:creationId xmlns:p14="http://schemas.microsoft.com/office/powerpoint/2010/main" val="4185565606"/>
+      </p:ext>
+    </p:extLst>
+  </p:cSld>
+  <p:clrMapOvr>
+    <a:masterClrMapping/>
+  </p:clrMapOvr>
+</p:sldLayout>
+</file>
+
+<file path=ppt/slideLayouts/slideLayout21.xml><?xml version="1.0" encoding="utf-8"?>
+<p:sldLayout xmlns:a="http://schemas.openxmlformats.org/drawingml/2006/main" xmlns:r="http://schemas.openxmlformats.org/officeDocument/2006/relationships" xmlns:p="http://schemas.openxmlformats.org/presentationml/2006/main" type="vertTx" preserve="1">
+  <p:cSld name="Title and Vertical Text">
+    <p:spTree>
+      <p:nvGrpSpPr>
+        <p:cNvPr id="1" name=""/>
+        <p:cNvGrpSpPr/>
+        <p:nvPr/>
+      </p:nvGrpSpPr>
+      <p:grpSpPr>
+        <a:xfrm>
+          <a:off x="0" y="0"/>
+          <a:ext cx="0" cy="0"/>
+          <a:chOff x="0" y="0"/>
+          <a:chExt cx="0" cy="0"/>
+        </a:xfrm>
+      </p:grpSpPr>
+      <p:sp>
+        <p:nvSpPr>
+          <p:cNvPr id="2" name="Title 1"/>
+          <p:cNvSpPr>
+            <a:spLocks noGrp="1"/>
+          </p:cNvSpPr>
+          <p:nvPr>
+            <p:ph type="title"/>
+          </p:nvPr>
+        </p:nvSpPr>
+        <p:spPr/>
+        <p:txBody>
+          <a:bodyPr/>
+          <a:lstStyle/>
+          <a:p>
+            <a:r>
+              <a:rPr lang="en-US" smtClean="0"/>
+              <a:t>Click to edit Master title style</a:t>
+            </a:r>
+            <a:endParaRPr lang="en-US" dirty="0"/>
+          </a:p>
+        </p:txBody>
+      </p:sp>
+      <p:sp>
+        <p:nvSpPr>
+          <p:cNvPr id="3" name="Vertical Text Placeholder 2"/>
+          <p:cNvSpPr>
+            <a:spLocks noGrp="1"/>
+          </p:cNvSpPr>
+          <p:nvPr>
+            <p:ph type="body" orient="vert" idx="1"/>
+          </p:nvPr>
+        </p:nvSpPr>
+        <p:spPr/>
+        <p:txBody>
+          <a:bodyPr vert="eaVert"/>
+          <a:lstStyle/>
+          <a:p>
+            <a:pPr lvl="0"/>
+            <a:r>
+              <a:rPr lang="en-US" smtClean="0"/>
+              <a:t>Click to edit Master text styles</a:t>
+            </a:r>
+          </a:p>
+          <a:p>
+            <a:pPr lvl="1"/>
+            <a:r>
+              <a:rPr lang="en-US" smtClean="0"/>
+              <a:t>Second level</a:t>
+            </a:r>
+          </a:p>
+          <a:p>
+            <a:pPr lvl="2"/>
+            <a:r>
+              <a:rPr lang="en-US" smtClean="0"/>
+              <a:t>Third level</a:t>
+            </a:r>
+          </a:p>
+          <a:p>
+            <a:pPr lvl="3"/>
+            <a:r>
+              <a:rPr lang="en-US" smtClean="0"/>
+              <a:t>Fourth level</a:t>
+            </a:r>
+          </a:p>
+          <a:p>
+            <a:pPr lvl="4"/>
+            <a:r>
+              <a:rPr lang="en-US" smtClean="0"/>
+              <a:t>Fifth level</a:t>
+            </a:r>
+            <a:endParaRPr lang="en-US"/>
+          </a:p>
+        </p:txBody>
+      </p:sp>
+      <p:sp>
+        <p:nvSpPr>
+          <p:cNvPr id="4" name="Date Placeholder 3"/>
+          <p:cNvSpPr>
+            <a:spLocks noGrp="1"/>
+          </p:cNvSpPr>
+          <p:nvPr>
+            <p:ph type="dt" sz="half" idx="10"/>
+          </p:nvPr>
+        </p:nvSpPr>
+        <p:spPr/>
+        <p:txBody>
+          <a:bodyPr/>
+          <a:lstStyle/>
+          <a:p>
+            <a:fld id="{1D8BD707-D9CF-40AE-B4C6-C98DA3205C09}" type="datetimeFigureOut">
+              <a:rPr lang="en-US" smtClean="0">
+                <a:solidFill>
+                  <a:prstClr val="black">
+                    <a:lumMod val="65000"/>
+                    <a:lumOff val="35000"/>
+                  </a:prstClr>
+                </a:solidFill>
+              </a:rPr>
+              <a:pPr/>
+              <a:t>29/5/2017</a:t>
+            </a:fld>
+            <a:endParaRPr lang="en-US">
+              <a:solidFill>
+                <a:prstClr val="black">
+                  <a:lumMod val="65000"/>
+                  <a:lumOff val="35000"/>
+                </a:prstClr>
+              </a:solidFill>
+            </a:endParaRPr>
+          </a:p>
+        </p:txBody>
+      </p:sp>
+      <p:sp>
+        <p:nvSpPr>
+          <p:cNvPr id="5" name="Footer Placeholder 4"/>
+          <p:cNvSpPr>
+            <a:spLocks noGrp="1"/>
+          </p:cNvSpPr>
+          <p:nvPr>
+            <p:ph type="ftr" sz="quarter" idx="11"/>
+          </p:nvPr>
+        </p:nvSpPr>
+        <p:spPr/>
+        <p:txBody>
+          <a:bodyPr/>
+          <a:lstStyle/>
+          <a:p>
+            <a:endParaRPr lang="en-US">
+              <a:solidFill>
+                <a:prstClr val="black">
+                  <a:lumMod val="65000"/>
+                  <a:lumOff val="35000"/>
+                </a:prstClr>
+              </a:solidFill>
+            </a:endParaRPr>
+          </a:p>
+        </p:txBody>
+      </p:sp>
+      <p:sp>
+        <p:nvSpPr>
+          <p:cNvPr id="6" name="Slide Number Placeholder 5"/>
+          <p:cNvSpPr>
+            <a:spLocks noGrp="1"/>
+          </p:cNvSpPr>
+          <p:nvPr>
+            <p:ph type="sldNum" sz="quarter" idx="12"/>
+          </p:nvPr>
+        </p:nvSpPr>
+        <p:spPr/>
+        <p:txBody>
+          <a:bodyPr/>
+          <a:lstStyle/>
+          <a:p>
+            <a:fld id="{B6F15528-21DE-4FAA-801E-634DDDAF4B2B}" type="slidenum">
+              <a:rPr lang="en-US" smtClean="0">
+                <a:solidFill>
+                  <a:prstClr val="black">
+                    <a:lumMod val="65000"/>
+                    <a:lumOff val="35000"/>
+                  </a:prstClr>
+                </a:solidFill>
+              </a:rPr>
+              <a:pPr/>
+              <a:t>‹#›</a:t>
+            </a:fld>
+            <a:endParaRPr lang="en-US">
+              <a:solidFill>
+                <a:prstClr val="black">
+                  <a:lumMod val="65000"/>
+                  <a:lumOff val="35000"/>
+                </a:prstClr>
+              </a:solidFill>
+            </a:endParaRPr>
+          </a:p>
+        </p:txBody>
+      </p:sp>
+    </p:spTree>
+    <p:extLst>
+      <p:ext uri="{BB962C8B-B14F-4D97-AF65-F5344CB8AC3E}">
+        <p14:creationId xmlns:p14="http://schemas.microsoft.com/office/powerpoint/2010/main" val="2532781609"/>
+      </p:ext>
+    </p:extLst>
+  </p:cSld>
+  <p:clrMapOvr>
+    <a:masterClrMapping/>
+  </p:clrMapOvr>
+</p:sldLayout>
+</file>
+
+<file path=ppt/slideLayouts/slideLayout22.xml><?xml version="1.0" encoding="utf-8"?>
+<p:sldLayout xmlns:a="http://schemas.openxmlformats.org/drawingml/2006/main" xmlns:r="http://schemas.openxmlformats.org/officeDocument/2006/relationships" xmlns:p="http://schemas.openxmlformats.org/presentationml/2006/main" type="vertTitleAndTx" preserve="1">
+  <p:cSld name="Vertical Title and Text">
+    <p:spTree>
+      <p:nvGrpSpPr>
+        <p:cNvPr id="1" name=""/>
+        <p:cNvGrpSpPr/>
+        <p:nvPr/>
+      </p:nvGrpSpPr>
+      <p:grpSpPr>
+        <a:xfrm>
+          <a:off x="0" y="0"/>
+          <a:ext cx="0" cy="0"/>
+          <a:chOff x="0" y="0"/>
+          <a:chExt cx="0" cy="0"/>
+        </a:xfrm>
+      </p:grpSpPr>
+      <p:sp>
+        <p:nvSpPr>
+          <p:cNvPr id="2" name="Vertical Title 1"/>
+          <p:cNvSpPr>
+            <a:spLocks noGrp="1"/>
+          </p:cNvSpPr>
+          <p:nvPr>
+            <p:ph type="title" orient="vert"/>
+          </p:nvPr>
+        </p:nvSpPr>
+        <p:spPr>
+          <a:xfrm>
+            <a:off x="6629400" y="274638"/>
+            <a:ext cx="2057400" cy="5851525"/>
+          </a:xfrm>
+        </p:spPr>
+        <p:txBody>
+          <a:bodyPr vert="eaVert"/>
+          <a:lstStyle/>
+          <a:p>
+            <a:r>
+              <a:rPr lang="en-US" smtClean="0"/>
+              <a:t>Click to edit Master title style</a:t>
+            </a:r>
+            <a:endParaRPr lang="en-US" dirty="0"/>
+          </a:p>
+        </p:txBody>
+      </p:sp>
+      <p:sp>
+        <p:nvSpPr>
+          <p:cNvPr id="3" name="Vertical Text Placeholder 2"/>
+          <p:cNvSpPr>
+            <a:spLocks noGrp="1"/>
+          </p:cNvSpPr>
+          <p:nvPr>
+            <p:ph type="body" orient="vert" idx="1"/>
+          </p:nvPr>
+        </p:nvSpPr>
+        <p:spPr>
+          <a:xfrm>
+            <a:off x="457200" y="274638"/>
+            <a:ext cx="6019800" cy="5851525"/>
+          </a:xfrm>
+        </p:spPr>
+        <p:txBody>
+          <a:bodyPr vert="eaVert"/>
+          <a:lstStyle/>
+          <a:p>
+            <a:pPr lvl="0"/>
+            <a:r>
+              <a:rPr lang="en-US" smtClean="0"/>
+              <a:t>Click to edit Master text styles</a:t>
+            </a:r>
+          </a:p>
+          <a:p>
+            <a:pPr lvl="1"/>
+            <a:r>
+              <a:rPr lang="en-US" smtClean="0"/>
+              <a:t>Second level</a:t>
+            </a:r>
+          </a:p>
+          <a:p>
+            <a:pPr lvl="2"/>
+            <a:r>
+              <a:rPr lang="en-US" smtClean="0"/>
+              <a:t>Third level</a:t>
+            </a:r>
+          </a:p>
+          <a:p>
+            <a:pPr lvl="3"/>
+            <a:r>
+              <a:rPr lang="en-US" smtClean="0"/>
+              <a:t>Fourth level</a:t>
+            </a:r>
+          </a:p>
+          <a:p>
+            <a:pPr lvl="4"/>
+            <a:r>
+              <a:rPr lang="en-US" smtClean="0"/>
+              <a:t>Fifth level</a:t>
+            </a:r>
+            <a:endParaRPr lang="en-US"/>
+          </a:p>
+        </p:txBody>
+      </p:sp>
+      <p:sp>
+        <p:nvSpPr>
+          <p:cNvPr id="4" name="Date Placeholder 3"/>
+          <p:cNvSpPr>
+            <a:spLocks noGrp="1"/>
+          </p:cNvSpPr>
+          <p:nvPr>
+            <p:ph type="dt" sz="half" idx="10"/>
+          </p:nvPr>
+        </p:nvSpPr>
+        <p:spPr/>
+        <p:txBody>
+          <a:bodyPr/>
+          <a:lstStyle/>
+          <a:p>
+            <a:fld id="{1D8BD707-D9CF-40AE-B4C6-C98DA3205C09}" type="datetimeFigureOut">
+              <a:rPr lang="en-US" smtClean="0">
+                <a:solidFill>
+                  <a:prstClr val="black">
+                    <a:lumMod val="65000"/>
+                    <a:lumOff val="35000"/>
+                  </a:prstClr>
+                </a:solidFill>
+              </a:rPr>
+              <a:pPr/>
+              <a:t>29/5/2017</a:t>
+            </a:fld>
+            <a:endParaRPr lang="en-US">
+              <a:solidFill>
+                <a:prstClr val="black">
+                  <a:lumMod val="65000"/>
+                  <a:lumOff val="35000"/>
+                </a:prstClr>
+              </a:solidFill>
+            </a:endParaRPr>
+          </a:p>
+        </p:txBody>
+      </p:sp>
+      <p:sp>
+        <p:nvSpPr>
+          <p:cNvPr id="5" name="Footer Placeholder 4"/>
+          <p:cNvSpPr>
+            <a:spLocks noGrp="1"/>
+          </p:cNvSpPr>
+          <p:nvPr>
+            <p:ph type="ftr" sz="quarter" idx="11"/>
+          </p:nvPr>
+        </p:nvSpPr>
+        <p:spPr/>
+        <p:txBody>
+          <a:bodyPr/>
+          <a:lstStyle/>
+          <a:p>
+            <a:endParaRPr lang="en-US">
+              <a:solidFill>
+                <a:prstClr val="black">
+                  <a:lumMod val="65000"/>
+                  <a:lumOff val="35000"/>
+                </a:prstClr>
+              </a:solidFill>
+            </a:endParaRPr>
+          </a:p>
+        </p:txBody>
+      </p:sp>
+      <p:sp>
+        <p:nvSpPr>
+          <p:cNvPr id="6" name="Slide Number Placeholder 5"/>
+          <p:cNvSpPr>
+            <a:spLocks noGrp="1"/>
+          </p:cNvSpPr>
+          <p:nvPr>
+            <p:ph type="sldNum" sz="quarter" idx="12"/>
+          </p:nvPr>
+        </p:nvSpPr>
+        <p:spPr/>
+        <p:txBody>
+          <a:bodyPr/>
+          <a:lstStyle/>
+          <a:p>
+            <a:fld id="{B6F15528-21DE-4FAA-801E-634DDDAF4B2B}" type="slidenum">
+              <a:rPr lang="en-US" smtClean="0">
+                <a:solidFill>
+                  <a:prstClr val="black">
+                    <a:lumMod val="65000"/>
+                    <a:lumOff val="35000"/>
+                  </a:prstClr>
+                </a:solidFill>
+              </a:rPr>
+              <a:pPr/>
+              <a:t>‹#›</a:t>
+            </a:fld>
+            <a:endParaRPr lang="en-US">
+              <a:solidFill>
+                <a:prstClr val="black">
+                  <a:lumMod val="65000"/>
+                  <a:lumOff val="35000"/>
+                </a:prstClr>
+              </a:solidFill>
+            </a:endParaRPr>
+          </a:p>
+        </p:txBody>
+      </p:sp>
+    </p:spTree>
+    <p:extLst>
+      <p:ext uri="{BB962C8B-B14F-4D97-AF65-F5344CB8AC3E}">
+        <p14:creationId xmlns:p14="http://schemas.microsoft.com/office/powerpoint/2010/main" val="412380246"/>
+      </p:ext>
+    </p:extLst>
+  </p:cSld>
+  <p:clrMapOvr>
+    <a:masterClrMapping/>
+  </p:clrMapOvr>
+</p:sldLayout>
+</file>
+
+<file path=ppt/slideLayouts/slideLayout23.xml><?xml version="1.0" encoding="utf-8"?>
+<p:sldLayout xmlns:a="http://schemas.openxmlformats.org/drawingml/2006/main" xmlns:r="http://schemas.openxmlformats.org/officeDocument/2006/relationships" xmlns:p="http://schemas.openxmlformats.org/presentationml/2006/main" type="title" preserve="1">
+  <p:cSld name="Title Slide">
+    <p:spTree>
+      <p:nvGrpSpPr>
+        <p:cNvPr id="1" name=""/>
+        <p:cNvGrpSpPr/>
+        <p:nvPr/>
+      </p:nvGrpSpPr>
+      <p:grpSpPr>
+        <a:xfrm>
+          <a:off x="0" y="0"/>
+          <a:ext cx="0" cy="0"/>
+          <a:chOff x="0" y="0"/>
+          <a:chExt cx="0" cy="0"/>
+        </a:xfrm>
+      </p:grpSpPr>
+      <p:sp>
+        <p:nvSpPr>
+          <p:cNvPr id="2" name="Title 1"/>
+          <p:cNvSpPr>
+            <a:spLocks noGrp="1"/>
+          </p:cNvSpPr>
+          <p:nvPr>
+            <p:ph type="ctrTitle"/>
+          </p:nvPr>
+        </p:nvSpPr>
+        <p:spPr>
+          <a:xfrm>
+            <a:off x="685800" y="609601"/>
+            <a:ext cx="7772400" cy="4267200"/>
+          </a:xfrm>
+        </p:spPr>
+        <p:txBody>
+          <a:bodyPr anchor="b">
+            <a:noAutofit/>
+          </a:bodyPr>
+          <a:lstStyle>
+            <a:lvl1pPr>
+              <a:lnSpc>
+                <a:spcPct val="100000"/>
+              </a:lnSpc>
+              <a:defRPr sz="8000"/>
+            </a:lvl1pPr>
+          </a:lstStyle>
+          <a:p>
+            <a:r>
+              <a:rPr lang="en-US" smtClean="0"/>
+              <a:t>Click to edit Master title style</a:t>
+            </a:r>
+            <a:endParaRPr lang="en-US" dirty="0"/>
+          </a:p>
+        </p:txBody>
+      </p:sp>
+      <p:sp>
+        <p:nvSpPr>
+          <p:cNvPr id="3" name="Subtitle 2"/>
+          <p:cNvSpPr>
+            <a:spLocks noGrp="1"/>
+          </p:cNvSpPr>
+          <p:nvPr>
+            <p:ph type="subTitle" idx="1"/>
+          </p:nvPr>
+        </p:nvSpPr>
+        <p:spPr>
+          <a:xfrm>
+            <a:off x="1371600" y="4953000"/>
+            <a:ext cx="6400800" cy="1219200"/>
+          </a:xfrm>
+        </p:spPr>
+        <p:txBody>
+          <a:bodyPr>
+            <a:normAutofit/>
+          </a:bodyPr>
+          <a:lstStyle>
+            <a:lvl1pPr marL="0" indent="0" algn="ctr">
+              <a:buNone/>
+              <a:defRPr sz="2400">
+                <a:solidFill>
+                  <a:schemeClr val="tx1">
+                    <a:tint val="75000"/>
+                  </a:schemeClr>
+                </a:solidFill>
+              </a:defRPr>
+            </a:lvl1pPr>
+            <a:lvl2pPr marL="457200" indent="0" algn="ctr">
+              <a:buNone/>
+              <a:defRPr>
+                <a:solidFill>
+                  <a:schemeClr val="tx1">
+                    <a:tint val="75000"/>
+                  </a:schemeClr>
+                </a:solidFill>
+              </a:defRPr>
+            </a:lvl2pPr>
+            <a:lvl3pPr marL="914400" indent="0" algn="ctr">
+              <a:buNone/>
+              <a:defRPr>
+                <a:solidFill>
+                  <a:schemeClr val="tx1">
+                    <a:tint val="75000"/>
+                  </a:schemeClr>
+                </a:solidFill>
+              </a:defRPr>
+            </a:lvl3pPr>
+            <a:lvl4pPr marL="1371600" indent="0" algn="ctr">
+              <a:buNone/>
+              <a:defRPr>
+                <a:solidFill>
+                  <a:schemeClr val="tx1">
+                    <a:tint val="75000"/>
+                  </a:schemeClr>
+                </a:solidFill>
+              </a:defRPr>
+            </a:lvl4pPr>
+            <a:lvl5pPr marL="1828800" indent="0" algn="ctr">
+              <a:buNone/>
+              <a:defRPr>
+                <a:solidFill>
+                  <a:schemeClr val="tx1">
+                    <a:tint val="75000"/>
+                  </a:schemeClr>
+                </a:solidFill>
+              </a:defRPr>
+            </a:lvl5pPr>
+            <a:lvl6pPr marL="2286000" indent="0" algn="ctr">
+              <a:buNone/>
+              <a:defRPr>
+                <a:solidFill>
+                  <a:schemeClr val="tx1">
+                    <a:tint val="75000"/>
+                  </a:schemeClr>
+                </a:solidFill>
+              </a:defRPr>
+            </a:lvl6pPr>
+            <a:lvl7pPr marL="2743200" indent="0" algn="ctr">
+              <a:buNone/>
+              <a:defRPr>
+                <a:solidFill>
+                  <a:schemeClr val="tx1">
+                    <a:tint val="75000"/>
+                  </a:schemeClr>
+                </a:solidFill>
+              </a:defRPr>
+            </a:lvl7pPr>
+            <a:lvl8pPr marL="3200400" indent="0" algn="ctr">
+              <a:buNone/>
+              <a:defRPr>
+                <a:solidFill>
+                  <a:schemeClr val="tx1">
+                    <a:tint val="75000"/>
+                  </a:schemeClr>
+                </a:solidFill>
+              </a:defRPr>
+            </a:lvl8pPr>
+            <a:lvl9pPr marL="3657600" indent="0" algn="ctr">
+              <a:buNone/>
+              <a:defRPr>
+                <a:solidFill>
+                  <a:schemeClr val="tx1">
+                    <a:tint val="75000"/>
+                  </a:schemeClr>
+                </a:solidFill>
+              </a:defRPr>
+            </a:lvl9pPr>
+          </a:lstStyle>
+          <a:p>
+            <a:r>
+              <a:rPr lang="en-US" smtClean="0"/>
+              <a:t>Click to edit Master subtitle style</a:t>
+            </a:r>
+            <a:endParaRPr lang="en-US" dirty="0"/>
+          </a:p>
+        </p:txBody>
+      </p:sp>
+      <p:sp>
+        <p:nvSpPr>
+          <p:cNvPr id="7" name="Date Placeholder 6"/>
+          <p:cNvSpPr>
+            <a:spLocks noGrp="1"/>
+          </p:cNvSpPr>
+          <p:nvPr>
+            <p:ph type="dt" sz="half" idx="10"/>
+          </p:nvPr>
+        </p:nvSpPr>
+        <p:spPr/>
+        <p:txBody>
+          <a:bodyPr/>
+          <a:lstStyle/>
+          <a:p>
+            <a:fld id="{1D8BD707-D9CF-40AE-B4C6-C98DA3205C09}" type="datetimeFigureOut">
+              <a:rPr lang="en-US" smtClean="0">
+                <a:solidFill>
+                  <a:prstClr val="black">
+                    <a:lumMod val="65000"/>
+                    <a:lumOff val="35000"/>
+                  </a:prstClr>
+                </a:solidFill>
+              </a:rPr>
+              <a:pPr/>
+              <a:t>29/5/2017</a:t>
+            </a:fld>
+            <a:endParaRPr lang="en-US">
+              <a:solidFill>
+                <a:prstClr val="black">
+                  <a:lumMod val="65000"/>
+                  <a:lumOff val="35000"/>
+                </a:prstClr>
+              </a:solidFill>
+            </a:endParaRPr>
+          </a:p>
+        </p:txBody>
+      </p:sp>
+      <p:sp>
+        <p:nvSpPr>
+          <p:cNvPr id="8" name="Slide Number Placeholder 7"/>
+          <p:cNvSpPr>
+            <a:spLocks noGrp="1"/>
+          </p:cNvSpPr>
+          <p:nvPr>
+            <p:ph type="sldNum" sz="quarter" idx="11"/>
+          </p:nvPr>
+        </p:nvSpPr>
+        <p:spPr/>
+        <p:txBody>
+          <a:bodyPr/>
+          <a:lstStyle/>
+          <a:p>
+            <a:fld id="{B6F15528-21DE-4FAA-801E-634DDDAF4B2B}" type="slidenum">
+              <a:rPr lang="en-US" smtClean="0">
+                <a:solidFill>
+                  <a:prstClr val="black">
+                    <a:lumMod val="65000"/>
+                    <a:lumOff val="35000"/>
+                  </a:prstClr>
+                </a:solidFill>
+              </a:rPr>
+              <a:pPr/>
+              <a:t>‹#›</a:t>
+            </a:fld>
+            <a:endParaRPr lang="en-US">
+              <a:solidFill>
+                <a:prstClr val="black">
+                  <a:lumMod val="65000"/>
+                  <a:lumOff val="35000"/>
+                </a:prstClr>
+              </a:solidFill>
+            </a:endParaRPr>
+          </a:p>
+        </p:txBody>
+      </p:sp>
+      <p:sp>
+        <p:nvSpPr>
+          <p:cNvPr id="9" name="Footer Placeholder 8"/>
+          <p:cNvSpPr>
+            <a:spLocks noGrp="1"/>
+          </p:cNvSpPr>
+          <p:nvPr>
+            <p:ph type="ftr" sz="quarter" idx="12"/>
+          </p:nvPr>
+        </p:nvSpPr>
+        <p:spPr/>
+        <p:txBody>
+          <a:bodyPr/>
+          <a:lstStyle/>
+          <a:p>
+            <a:endParaRPr lang="en-US">
+              <a:solidFill>
+                <a:prstClr val="black">
+                  <a:lumMod val="65000"/>
+                  <a:lumOff val="35000"/>
+                </a:prstClr>
+              </a:solidFill>
+            </a:endParaRPr>
+          </a:p>
+        </p:txBody>
+      </p:sp>
+    </p:spTree>
+    <p:extLst>
+      <p:ext uri="{BB962C8B-B14F-4D97-AF65-F5344CB8AC3E}">
+        <p14:creationId xmlns:p14="http://schemas.microsoft.com/office/powerpoint/2010/main" val="4079227816"/>
+      </p:ext>
+    </p:extLst>
+  </p:cSld>
+  <p:clrMapOvr>
+    <a:masterClrMapping/>
+  </p:clrMapOvr>
+</p:sldLayout>
+</file>
+
+<file path=ppt/slideLayouts/slideLayout24.xml><?xml version="1.0" encoding="utf-8"?>
+<p:sldLayout xmlns:a="http://schemas.openxmlformats.org/drawingml/2006/main" xmlns:r="http://schemas.openxmlformats.org/officeDocument/2006/relationships" xmlns:p="http://schemas.openxmlformats.org/presentationml/2006/main" type="obj" preserve="1">
+  <p:cSld name="Title and Content">
+    <p:spTree>
+      <p:nvGrpSpPr>
+        <p:cNvPr id="1" name=""/>
+        <p:cNvGrpSpPr/>
+        <p:nvPr/>
+      </p:nvGrpSpPr>
+      <p:grpSpPr>
+        <a:xfrm>
+          <a:off x="0" y="0"/>
+          <a:ext cx="0" cy="0"/>
+          <a:chOff x="0" y="0"/>
+          <a:chExt cx="0" cy="0"/>
+        </a:xfrm>
+      </p:grpSpPr>
+      <p:sp>
+        <p:nvSpPr>
+          <p:cNvPr id="2" name="Title 1"/>
+          <p:cNvSpPr>
+            <a:spLocks noGrp="1"/>
+          </p:cNvSpPr>
+          <p:nvPr>
+            <p:ph type="title"/>
+          </p:nvPr>
+        </p:nvSpPr>
+        <p:spPr/>
+        <p:txBody>
+          <a:bodyPr/>
+          <a:lstStyle/>
+          <a:p>
+            <a:r>
+              <a:rPr lang="en-US" smtClean="0"/>
+              <a:t>Click to edit Master title style</a:t>
+            </a:r>
+            <a:endParaRPr lang="en-US" dirty="0"/>
+          </a:p>
+        </p:txBody>
+      </p:sp>
+      <p:sp>
+        <p:nvSpPr>
+          <p:cNvPr id="3" name="Content Placeholder 2"/>
+          <p:cNvSpPr>
+            <a:spLocks noGrp="1"/>
+          </p:cNvSpPr>
+          <p:nvPr>
+            <p:ph idx="1"/>
+          </p:nvPr>
+        </p:nvSpPr>
+        <p:spPr/>
+        <p:txBody>
+          <a:bodyPr/>
+          <a:lstStyle>
+            <a:lvl5pPr>
+              <a:defRPr/>
+            </a:lvl5pPr>
+            <a:lvl6pPr>
+              <a:defRPr/>
+            </a:lvl6pPr>
+            <a:lvl7pPr>
+              <a:defRPr/>
+            </a:lvl7pPr>
+            <a:lvl8pPr>
+              <a:defRPr/>
+            </a:lvl8pPr>
+            <a:lvl9pPr>
+              <a:buFont typeface="Arial" pitchFamily="34" charset="0"/>
+              <a:buChar char="•"/>
+              <a:defRPr/>
+            </a:lvl9pPr>
+          </a:lstStyle>
+          <a:p>
+            <a:pPr lvl="0"/>
+            <a:r>
+              <a:rPr lang="en-US" smtClean="0"/>
+              <a:t>Click to edit Master text styles</a:t>
+            </a:r>
+          </a:p>
+          <a:p>
+            <a:pPr lvl="1"/>
+            <a:r>
+              <a:rPr lang="en-US" smtClean="0"/>
+              <a:t>Second level</a:t>
+            </a:r>
+          </a:p>
+          <a:p>
+            <a:pPr lvl="2"/>
+            <a:r>
+              <a:rPr lang="en-US" smtClean="0"/>
+              <a:t>Third level</a:t>
+            </a:r>
+          </a:p>
+          <a:p>
+            <a:pPr lvl="3"/>
+            <a:r>
+              <a:rPr lang="en-US" smtClean="0"/>
+              <a:t>Fourth level</a:t>
+            </a:r>
+          </a:p>
+          <a:p>
+            <a:pPr lvl="4"/>
+            <a:r>
+              <a:rPr lang="en-US" smtClean="0"/>
+              <a:t>Fifth level</a:t>
+            </a:r>
+            <a:endParaRPr lang="en-US" dirty="0" smtClean="0"/>
+          </a:p>
+        </p:txBody>
+      </p:sp>
+      <p:sp>
+        <p:nvSpPr>
+          <p:cNvPr id="4" name="Date Placeholder 3"/>
+          <p:cNvSpPr>
+            <a:spLocks noGrp="1"/>
+          </p:cNvSpPr>
+          <p:nvPr>
+            <p:ph type="dt" sz="half" idx="10"/>
+          </p:nvPr>
+        </p:nvSpPr>
+        <p:spPr/>
+        <p:txBody>
+          <a:bodyPr/>
+          <a:lstStyle/>
+          <a:p>
+            <a:fld id="{1D8BD707-D9CF-40AE-B4C6-C98DA3205C09}" type="datetimeFigureOut">
+              <a:rPr lang="en-US" smtClean="0">
+                <a:solidFill>
+                  <a:prstClr val="black">
+                    <a:lumMod val="65000"/>
+                    <a:lumOff val="35000"/>
+                  </a:prstClr>
+                </a:solidFill>
+              </a:rPr>
+              <a:pPr/>
+              <a:t>29/5/2017</a:t>
+            </a:fld>
+            <a:endParaRPr lang="en-US">
+              <a:solidFill>
+                <a:prstClr val="black">
+                  <a:lumMod val="65000"/>
+                  <a:lumOff val="35000"/>
+                </a:prstClr>
+              </a:solidFill>
+            </a:endParaRPr>
+          </a:p>
+        </p:txBody>
+      </p:sp>
+      <p:sp>
+        <p:nvSpPr>
+          <p:cNvPr id="5" name="Footer Placeholder 4"/>
+          <p:cNvSpPr>
+            <a:spLocks noGrp="1"/>
+          </p:cNvSpPr>
+          <p:nvPr>
+            <p:ph type="ftr" sz="quarter" idx="11"/>
+          </p:nvPr>
+        </p:nvSpPr>
+        <p:spPr/>
+        <p:txBody>
+          <a:bodyPr/>
+          <a:lstStyle/>
+          <a:p>
+            <a:endParaRPr lang="en-US">
+              <a:solidFill>
+                <a:prstClr val="black">
+                  <a:lumMod val="65000"/>
+                  <a:lumOff val="35000"/>
+                </a:prstClr>
+              </a:solidFill>
+            </a:endParaRPr>
+          </a:p>
+        </p:txBody>
+      </p:sp>
+      <p:sp>
+        <p:nvSpPr>
+          <p:cNvPr id="6" name="Slide Number Placeholder 5"/>
+          <p:cNvSpPr>
+            <a:spLocks noGrp="1"/>
+          </p:cNvSpPr>
+          <p:nvPr>
+            <p:ph type="sldNum" sz="quarter" idx="12"/>
+          </p:nvPr>
+        </p:nvSpPr>
+        <p:spPr/>
+        <p:txBody>
+          <a:bodyPr/>
+          <a:lstStyle/>
+          <a:p>
+            <a:fld id="{B6F15528-21DE-4FAA-801E-634DDDAF4B2B}" type="slidenum">
+              <a:rPr lang="en-US" smtClean="0">
+                <a:solidFill>
+                  <a:prstClr val="black">
+                    <a:lumMod val="65000"/>
+                    <a:lumOff val="35000"/>
+                  </a:prstClr>
+                </a:solidFill>
+              </a:rPr>
+              <a:pPr/>
+              <a:t>‹#›</a:t>
+            </a:fld>
+            <a:endParaRPr lang="en-US">
+              <a:solidFill>
+                <a:prstClr val="black">
+                  <a:lumMod val="65000"/>
+                  <a:lumOff val="35000"/>
+                </a:prstClr>
+              </a:solidFill>
+            </a:endParaRPr>
+          </a:p>
+        </p:txBody>
+      </p:sp>
+    </p:spTree>
+    <p:extLst>
+      <p:ext uri="{BB962C8B-B14F-4D97-AF65-F5344CB8AC3E}">
+        <p14:creationId xmlns:p14="http://schemas.microsoft.com/office/powerpoint/2010/main" val="2796357439"/>
+      </p:ext>
+    </p:extLst>
+  </p:cSld>
+  <p:clrMapOvr>
+    <a:masterClrMapping/>
+  </p:clrMapOvr>
+</p:sldLayout>
+</file>
+
+<file path=ppt/slideLayouts/slideLayout25.xml><?xml version="1.0" encoding="utf-8"?>
+<p:sldLayout xmlns:a="http://schemas.openxmlformats.org/drawingml/2006/main" xmlns:r="http://schemas.openxmlformats.org/officeDocument/2006/relationships" xmlns:p="http://schemas.openxmlformats.org/presentationml/2006/main" type="secHead" preserve="1">
+  <p:cSld name="Section Header">
+    <p:spTree>
+      <p:nvGrpSpPr>
+        <p:cNvPr id="1" name=""/>
+        <p:cNvGrpSpPr/>
+        <p:nvPr/>
+      </p:nvGrpSpPr>
+      <p:grpSpPr>
+        <a:xfrm>
+          <a:off x="0" y="0"/>
+          <a:ext cx="0" cy="0"/>
+          <a:chOff x="0" y="0"/>
+          <a:chExt cx="0" cy="0"/>
+        </a:xfrm>
+      </p:grpSpPr>
+      <p:sp>
+        <p:nvSpPr>
+          <p:cNvPr id="2" name="Title 1"/>
+          <p:cNvSpPr>
+            <a:spLocks noGrp="1"/>
+          </p:cNvSpPr>
+          <p:nvPr>
+            <p:ph type="title"/>
+          </p:nvPr>
+        </p:nvSpPr>
+        <p:spPr>
+          <a:xfrm>
+            <a:off x="722313" y="1371600"/>
+            <a:ext cx="7772400" cy="2505075"/>
+          </a:xfrm>
+        </p:spPr>
+        <p:txBody>
+          <a:bodyPr anchor="b"/>
+          <a:lstStyle>
+            <a:lvl1pPr algn="ctr" defTabSz="914400" rtl="0" eaLnBrk="1" latinLnBrk="0" hangingPunct="1">
+              <a:lnSpc>
+                <a:spcPct val="100000"/>
+              </a:lnSpc>
+              <a:spcBef>
+                <a:spcPct val="0"/>
+              </a:spcBef>
+              <a:buNone/>
+              <a:defRPr lang="en-US" sz="4800" kern="1200" dirty="0" smtClean="0">
+                <a:solidFill>
+                  <a:schemeClr val="tx2"/>
+                </a:solidFill>
+                <a:effectLst>
+                  <a:outerShdw blurRad="63500" dist="38100" dir="5400000" algn="t" rotWithShape="0">
+                    <a:prstClr val="black">
+                      <a:alpha val="25000"/>
+                    </a:prstClr>
+                  </a:outerShdw>
+                </a:effectLst>
+                <a:latin typeface="+mn-lt"/>
+                <a:ea typeface="+mj-ea"/>
+                <a:cs typeface="+mj-cs"/>
+              </a:defRPr>
+            </a:lvl1pPr>
+          </a:lstStyle>
+          <a:p>
+            <a:r>
+              <a:rPr lang="en-US" smtClean="0"/>
+              <a:t>Click to edit Master title style</a:t>
+            </a:r>
+            <a:endParaRPr lang="en-US" dirty="0"/>
+          </a:p>
+        </p:txBody>
+      </p:sp>
+      <p:sp>
+        <p:nvSpPr>
+          <p:cNvPr id="3" name="Text Placeholder 2"/>
+          <p:cNvSpPr>
+            <a:spLocks noGrp="1"/>
+          </p:cNvSpPr>
+          <p:nvPr>
+            <p:ph type="body" idx="1"/>
+          </p:nvPr>
+        </p:nvSpPr>
+        <p:spPr>
+          <a:xfrm>
+            <a:off x="722313" y="4068763"/>
+            <a:ext cx="7772400" cy="1131887"/>
+          </a:xfrm>
+        </p:spPr>
+        <p:txBody>
+          <a:bodyPr anchor="t"/>
+          <a:lstStyle>
+            <a:lvl1pPr marL="0" indent="0" algn="ctr">
+              <a:buNone/>
+              <a:defRPr sz="2000">
+                <a:solidFill>
+                  <a:schemeClr val="tx1">
+                    <a:tint val="75000"/>
+                  </a:schemeClr>
+                </a:solidFill>
+              </a:defRPr>
+            </a:lvl1pPr>
+            <a:lvl2pPr marL="457200" indent="0">
+              <a:buNone/>
+              <a:defRPr sz="1800">
+                <a:solidFill>
+                  <a:schemeClr val="tx1">
+                    <a:tint val="75000"/>
+                  </a:schemeClr>
+                </a:solidFill>
+              </a:defRPr>
+            </a:lvl2pPr>
+            <a:lvl3pPr marL="914400" indent="0">
+              <a:buNone/>
+              <a:defRPr sz="1600">
+                <a:solidFill>
+                  <a:schemeClr val="tx1">
+                    <a:tint val="75000"/>
+                  </a:schemeClr>
+                </a:solidFill>
+              </a:defRPr>
+            </a:lvl3pPr>
+            <a:lvl4pPr marL="1371600" indent="0">
+              <a:buNone/>
+              <a:defRPr sz="1400">
+                <a:solidFill>
+                  <a:schemeClr val="tx1">
+                    <a:tint val="75000"/>
+                  </a:schemeClr>
+                </a:solidFill>
+              </a:defRPr>
+            </a:lvl4pPr>
+            <a:lvl5pPr marL="1828800" indent="0">
+              <a:buNone/>
+              <a:defRPr sz="1400">
+                <a:solidFill>
+                  <a:schemeClr val="tx1">
+                    <a:tint val="75000"/>
+                  </a:schemeClr>
+                </a:solidFill>
+              </a:defRPr>
+            </a:lvl5pPr>
+            <a:lvl6pPr marL="2286000" indent="0">
+              <a:buNone/>
+              <a:defRPr sz="1400">
+                <a:solidFill>
+                  <a:schemeClr val="tx1">
+                    <a:tint val="75000"/>
+                  </a:schemeClr>
+                </a:solidFill>
+              </a:defRPr>
+            </a:lvl6pPr>
+            <a:lvl7pPr marL="2743200" indent="0">
+              <a:buNone/>
+              <a:defRPr sz="1400">
+                <a:solidFill>
+                  <a:schemeClr val="tx1">
+                    <a:tint val="75000"/>
+                  </a:schemeClr>
+                </a:solidFill>
+              </a:defRPr>
+            </a:lvl7pPr>
+            <a:lvl8pPr marL="3200400" indent="0">
+              <a:buNone/>
+              <a:defRPr sz="1400">
+                <a:solidFill>
+                  <a:schemeClr val="tx1">
+                    <a:tint val="75000"/>
+                  </a:schemeClr>
+                </a:solidFill>
+              </a:defRPr>
+            </a:lvl8pPr>
+            <a:lvl9pPr marL="3657600" indent="0">
+              <a:buNone/>
+              <a:defRPr sz="1400">
+                <a:solidFill>
+                  <a:schemeClr val="tx1">
+                    <a:tint val="75000"/>
+                  </a:schemeClr>
+                </a:solidFill>
+              </a:defRPr>
+            </a:lvl9pPr>
+          </a:lstStyle>
+          <a:p>
+            <a:pPr lvl="0"/>
+            <a:r>
+              <a:rPr lang="en-US" smtClean="0"/>
+              <a:t>Click to edit Master text styles</a:t>
+            </a:r>
+          </a:p>
+        </p:txBody>
+      </p:sp>
+      <p:sp>
+        <p:nvSpPr>
+          <p:cNvPr id="4" name="Date Placeholder 3"/>
+          <p:cNvSpPr>
+            <a:spLocks noGrp="1"/>
+          </p:cNvSpPr>
+          <p:nvPr>
+            <p:ph type="dt" sz="half" idx="10"/>
+          </p:nvPr>
+        </p:nvSpPr>
+        <p:spPr/>
+        <p:txBody>
+          <a:bodyPr/>
+          <a:lstStyle/>
+          <a:p>
+            <a:fld id="{1D8BD707-D9CF-40AE-B4C6-C98DA3205C09}" type="datetimeFigureOut">
+              <a:rPr lang="en-US" smtClean="0">
+                <a:solidFill>
+                  <a:prstClr val="black">
+                    <a:lumMod val="65000"/>
+                    <a:lumOff val="35000"/>
+                  </a:prstClr>
+                </a:solidFill>
+              </a:rPr>
+              <a:pPr/>
+              <a:t>29/5/2017</a:t>
+            </a:fld>
+            <a:endParaRPr lang="en-US">
+              <a:solidFill>
+                <a:prstClr val="black">
+                  <a:lumMod val="65000"/>
+                  <a:lumOff val="35000"/>
+                </a:prstClr>
+              </a:solidFill>
+            </a:endParaRPr>
+          </a:p>
+        </p:txBody>
+      </p:sp>
+      <p:sp>
+        <p:nvSpPr>
+          <p:cNvPr id="5" name="Footer Placeholder 4"/>
+          <p:cNvSpPr>
+            <a:spLocks noGrp="1"/>
+          </p:cNvSpPr>
+          <p:nvPr>
+            <p:ph type="ftr" sz="quarter" idx="11"/>
+          </p:nvPr>
+        </p:nvSpPr>
+        <p:spPr/>
+        <p:txBody>
+          <a:bodyPr/>
+          <a:lstStyle/>
+          <a:p>
+            <a:endParaRPr lang="en-US">
+              <a:solidFill>
+                <a:prstClr val="black">
+                  <a:lumMod val="65000"/>
+                  <a:lumOff val="35000"/>
+                </a:prstClr>
+              </a:solidFill>
+            </a:endParaRPr>
+          </a:p>
+        </p:txBody>
+      </p:sp>
+      <p:sp>
+        <p:nvSpPr>
+          <p:cNvPr id="6" name="Slide Number Placeholder 5"/>
+          <p:cNvSpPr>
+            <a:spLocks noGrp="1"/>
+          </p:cNvSpPr>
+          <p:nvPr>
+            <p:ph type="sldNum" sz="quarter" idx="12"/>
+          </p:nvPr>
+        </p:nvSpPr>
+        <p:spPr/>
+        <p:txBody>
+          <a:bodyPr/>
+          <a:lstStyle/>
+          <a:p>
+            <a:fld id="{B6F15528-21DE-4FAA-801E-634DDDAF4B2B}" type="slidenum">
+              <a:rPr lang="en-US" smtClean="0">
+                <a:solidFill>
+                  <a:prstClr val="black">
+                    <a:lumMod val="65000"/>
+                    <a:lumOff val="35000"/>
+                  </a:prstClr>
+                </a:solidFill>
+              </a:rPr>
+              <a:pPr/>
+              <a:t>‹#›</a:t>
+            </a:fld>
+            <a:endParaRPr lang="en-US">
+              <a:solidFill>
+                <a:prstClr val="black">
+                  <a:lumMod val="65000"/>
+                  <a:lumOff val="35000"/>
+                </a:prstClr>
+              </a:solidFill>
+            </a:endParaRPr>
+          </a:p>
+        </p:txBody>
+      </p:sp>
+      <p:sp>
+        <p:nvSpPr>
+          <p:cNvPr id="7" name="Oval 6"/>
+          <p:cNvSpPr/>
+          <p:nvPr/>
+        </p:nvSpPr>
+        <p:spPr>
+          <a:xfrm>
+            <a:off x="4495800" y="3924300"/>
+            <a:ext cx="84772" cy="84772"/>
+          </a:xfrm>
+          <a:prstGeom prst="ellipse">
+            <a:avLst/>
+          </a:prstGeom>
+          <a:solidFill>
+            <a:schemeClr val="tx1">
+              <a:lumMod val="50000"/>
+              <a:lumOff val="50000"/>
+            </a:schemeClr>
+          </a:solidFill>
+          <a:ln w="12700">
+            <a:noFill/>
+          </a:ln>
+          <a:effectLst/>
+        </p:spPr>
+        <p:style>
+          <a:lnRef idx="2">
+            <a:schemeClr val="accent1">
+              <a:shade val="50000"/>
+            </a:schemeClr>
+          </a:lnRef>
+          <a:fillRef idx="1">
+            <a:schemeClr val="accent1"/>
+          </a:fillRef>
+          <a:effectRef idx="0">
+            <a:schemeClr val="accent1"/>
+          </a:effectRef>
+          <a:fontRef idx="minor">
+            <a:schemeClr val="lt1"/>
+          </a:fontRef>
+        </p:style>
+        <p:txBody>
+          <a:bodyPr rtlCol="0" anchor="ctr"/>
+          <a:lstStyle/>
+          <a:p>
+            <a:pPr algn="ctr"/>
+            <a:endParaRPr lang="en-US">
+              <a:solidFill>
+                <a:prstClr val="white"/>
+              </a:solidFill>
+            </a:endParaRPr>
+          </a:p>
+        </p:txBody>
+      </p:sp>
+      <p:sp>
+        <p:nvSpPr>
+          <p:cNvPr id="8" name="Oval 7"/>
+          <p:cNvSpPr/>
+          <p:nvPr/>
+        </p:nvSpPr>
+        <p:spPr>
+          <a:xfrm>
+            <a:off x="4695825" y="3924300"/>
+            <a:ext cx="84772" cy="84772"/>
+          </a:xfrm>
+          <a:prstGeom prst="ellipse">
+            <a:avLst/>
+          </a:prstGeom>
+          <a:solidFill>
+            <a:schemeClr val="tx1">
+              <a:lumMod val="50000"/>
+              <a:lumOff val="50000"/>
+            </a:schemeClr>
+          </a:solidFill>
+          <a:ln w="12700">
+            <a:noFill/>
+          </a:ln>
+          <a:effectLst/>
+        </p:spPr>
+        <p:style>
+          <a:lnRef idx="2">
+            <a:schemeClr val="accent1">
+              <a:shade val="50000"/>
+            </a:schemeClr>
+          </a:lnRef>
+          <a:fillRef idx="1">
+            <a:schemeClr val="accent1"/>
+          </a:fillRef>
+          <a:effectRef idx="0">
+            <a:schemeClr val="accent1"/>
+          </a:effectRef>
+          <a:fontRef idx="minor">
+            <a:schemeClr val="lt1"/>
+          </a:fontRef>
+        </p:style>
+        <p:txBody>
+          <a:bodyPr rtlCol="0" anchor="ctr"/>
+          <a:lstStyle/>
+          <a:p>
+            <a:pPr algn="ctr"/>
+            <a:endParaRPr lang="en-US">
+              <a:solidFill>
+                <a:prstClr val="white"/>
+              </a:solidFill>
+            </a:endParaRPr>
+          </a:p>
+        </p:txBody>
+      </p:sp>
+      <p:sp>
+        <p:nvSpPr>
+          <p:cNvPr id="9" name="Oval 8"/>
+          <p:cNvSpPr/>
+          <p:nvPr/>
+        </p:nvSpPr>
+        <p:spPr>
+          <a:xfrm>
+            <a:off x="4296728" y="3924300"/>
+            <a:ext cx="84772" cy="84772"/>
+          </a:xfrm>
+          <a:prstGeom prst="ellipse">
+            <a:avLst/>
+          </a:prstGeom>
+          <a:solidFill>
+            <a:schemeClr val="tx1">
+              <a:lumMod val="50000"/>
+              <a:lumOff val="50000"/>
+            </a:schemeClr>
+          </a:solidFill>
+          <a:ln w="12700">
+            <a:noFill/>
+          </a:ln>
+          <a:effectLst/>
+        </p:spPr>
+        <p:style>
+          <a:lnRef idx="2">
+            <a:schemeClr val="accent1">
+              <a:shade val="50000"/>
+            </a:schemeClr>
+          </a:lnRef>
+          <a:fillRef idx="1">
+            <a:schemeClr val="accent1"/>
+          </a:fillRef>
+          <a:effectRef idx="0">
+            <a:schemeClr val="accent1"/>
+          </a:effectRef>
+          <a:fontRef idx="minor">
+            <a:schemeClr val="lt1"/>
+          </a:fontRef>
+        </p:style>
+        <p:txBody>
+          <a:bodyPr rtlCol="0" anchor="ctr"/>
+          <a:lstStyle/>
+          <a:p>
+            <a:pPr algn="ctr"/>
+            <a:endParaRPr lang="en-US">
+              <a:solidFill>
+                <a:prstClr val="white"/>
+              </a:solidFill>
+            </a:endParaRPr>
+          </a:p>
+        </p:txBody>
+      </p:sp>
+    </p:spTree>
+    <p:extLst>
+      <p:ext uri="{BB962C8B-B14F-4D97-AF65-F5344CB8AC3E}">
+        <p14:creationId xmlns:p14="http://schemas.microsoft.com/office/powerpoint/2010/main" val="3675616988"/>
+      </p:ext>
+    </p:extLst>
+  </p:cSld>
+  <p:clrMapOvr>
+    <a:masterClrMapping/>
+  </p:clrMapOvr>
+</p:sldLayout>
+</file>
+
+<file path=ppt/slideLayouts/slideLayout26.xml><?xml version="1.0" encoding="utf-8"?>
+<p:sldLayout xmlns:a="http://schemas.openxmlformats.org/drawingml/2006/main" xmlns:r="http://schemas.openxmlformats.org/officeDocument/2006/relationships" xmlns:p="http://schemas.openxmlformats.org/presentationml/2006/main" type="twoObj" preserve="1">
+  <p:cSld name="Two Content">
+    <p:spTree>
+      <p:nvGrpSpPr>
+        <p:cNvPr id="1" name=""/>
+        <p:cNvGrpSpPr/>
+        <p:nvPr/>
+      </p:nvGrpSpPr>
+      <p:grpSpPr>
+        <a:xfrm>
+          <a:off x="0" y="0"/>
+          <a:ext cx="0" cy="0"/>
+          <a:chOff x="0" y="0"/>
+          <a:chExt cx="0" cy="0"/>
+        </a:xfrm>
+      </p:grpSpPr>
+      <p:sp>
+        <p:nvSpPr>
+          <p:cNvPr id="2" name="Title 1"/>
+          <p:cNvSpPr>
+            <a:spLocks noGrp="1"/>
+          </p:cNvSpPr>
+          <p:nvPr>
+            <p:ph type="title"/>
+          </p:nvPr>
+        </p:nvSpPr>
+        <p:spPr/>
+        <p:txBody>
+          <a:bodyPr/>
+          <a:lstStyle/>
+          <a:p>
+            <a:r>
+              <a:rPr lang="en-US" smtClean="0"/>
+              <a:t>Click to edit Master title style</a:t>
+            </a:r>
+            <a:endParaRPr lang="en-US"/>
+          </a:p>
+        </p:txBody>
+      </p:sp>
+      <p:sp>
+        <p:nvSpPr>
+          <p:cNvPr id="4" name="Content Placeholder 3"/>
+          <p:cNvSpPr>
+            <a:spLocks noGrp="1"/>
+          </p:cNvSpPr>
+          <p:nvPr>
+            <p:ph sz="half" idx="2"/>
+          </p:nvPr>
+        </p:nvSpPr>
+        <p:spPr>
+          <a:xfrm>
+            <a:off x="4648200" y="1600200"/>
+            <a:ext cx="4038600" cy="4525963"/>
+          </a:xfrm>
+        </p:spPr>
+        <p:txBody>
+          <a:bodyPr/>
+          <a:lstStyle>
+            <a:lvl1pPr>
+              <a:defRPr sz="2400"/>
+            </a:lvl1pPr>
+            <a:lvl2pPr>
+              <a:defRPr sz="1600"/>
+            </a:lvl2pPr>
+            <a:lvl3pPr>
+              <a:defRPr sz="1600"/>
+            </a:lvl3pPr>
+            <a:lvl4pPr>
+              <a:defRPr sz="1600"/>
+            </a:lvl4pPr>
+            <a:lvl5pPr>
+              <a:defRPr sz="1600"/>
+            </a:lvl5pPr>
+            <a:lvl6pPr>
+              <a:defRPr sz="1600"/>
+            </a:lvl6pPr>
+            <a:lvl7pPr>
+              <a:defRPr sz="1600"/>
+            </a:lvl7pPr>
+            <a:lvl8pPr>
+              <a:defRPr sz="1600"/>
+            </a:lvl8pPr>
+            <a:lvl9pPr>
+              <a:defRPr sz="1600"/>
+            </a:lvl9pPr>
+          </a:lstStyle>
+          <a:p>
+            <a:pPr lvl="0"/>
+            <a:r>
+              <a:rPr lang="en-US" smtClean="0"/>
+              <a:t>Click to edit Master text styles</a:t>
+            </a:r>
+          </a:p>
+          <a:p>
+            <a:pPr lvl="1"/>
+            <a:r>
+              <a:rPr lang="en-US" smtClean="0"/>
+              <a:t>Second level</a:t>
+            </a:r>
+          </a:p>
+          <a:p>
+            <a:pPr lvl="2"/>
+            <a:r>
+              <a:rPr lang="en-US" smtClean="0"/>
+              <a:t>Third level</a:t>
+            </a:r>
+          </a:p>
+          <a:p>
+            <a:pPr lvl="3"/>
+            <a:r>
+              <a:rPr lang="en-US" smtClean="0"/>
+              <a:t>Fourth level</a:t>
+            </a:r>
+          </a:p>
+          <a:p>
+            <a:pPr lvl="4"/>
+            <a:r>
+              <a:rPr lang="en-US" smtClean="0"/>
+              <a:t>Fifth level</a:t>
+            </a:r>
+            <a:endParaRPr lang="en-US" dirty="0" smtClean="0"/>
+          </a:p>
+        </p:txBody>
+      </p:sp>
+      <p:sp>
+        <p:nvSpPr>
+          <p:cNvPr id="5" name="Date Placeholder 4"/>
+          <p:cNvSpPr>
+            <a:spLocks noGrp="1"/>
+          </p:cNvSpPr>
+          <p:nvPr>
+            <p:ph type="dt" sz="half" idx="10"/>
+          </p:nvPr>
+        </p:nvSpPr>
+        <p:spPr/>
+        <p:txBody>
+          <a:bodyPr/>
+          <a:lstStyle/>
+          <a:p>
+            <a:fld id="{1D8BD707-D9CF-40AE-B4C6-C98DA3205C09}" type="datetimeFigureOut">
+              <a:rPr lang="en-US" smtClean="0">
+                <a:solidFill>
+                  <a:prstClr val="black">
+                    <a:lumMod val="65000"/>
+                    <a:lumOff val="35000"/>
+                  </a:prstClr>
+                </a:solidFill>
+              </a:rPr>
+              <a:pPr/>
+              <a:t>29/5/2017</a:t>
+            </a:fld>
+            <a:endParaRPr lang="en-US">
+              <a:solidFill>
+                <a:prstClr val="black">
+                  <a:lumMod val="65000"/>
+                  <a:lumOff val="35000"/>
+                </a:prstClr>
+              </a:solidFill>
+            </a:endParaRPr>
+          </a:p>
+        </p:txBody>
+      </p:sp>
+      <p:sp>
+        <p:nvSpPr>
+          <p:cNvPr id="6" name="Footer Placeholder 5"/>
+          <p:cNvSpPr>
+            <a:spLocks noGrp="1"/>
+          </p:cNvSpPr>
+          <p:nvPr>
+            <p:ph type="ftr" sz="quarter" idx="11"/>
+          </p:nvPr>
+        </p:nvSpPr>
+        <p:spPr/>
+        <p:txBody>
+          <a:bodyPr/>
+          <a:lstStyle/>
+          <a:p>
+            <a:endParaRPr lang="en-US">
+              <a:solidFill>
+                <a:prstClr val="black">
+                  <a:lumMod val="65000"/>
+                  <a:lumOff val="35000"/>
+                </a:prstClr>
+              </a:solidFill>
+            </a:endParaRPr>
+          </a:p>
+        </p:txBody>
+      </p:sp>
+      <p:sp>
+        <p:nvSpPr>
+          <p:cNvPr id="7" name="Slide Number Placeholder 6"/>
+          <p:cNvSpPr>
+            <a:spLocks noGrp="1"/>
+          </p:cNvSpPr>
+          <p:nvPr>
+            <p:ph type="sldNum" sz="quarter" idx="12"/>
+          </p:nvPr>
+        </p:nvSpPr>
+        <p:spPr/>
+        <p:txBody>
+          <a:bodyPr/>
+          <a:lstStyle/>
+          <a:p>
+            <a:fld id="{B6F15528-21DE-4FAA-801E-634DDDAF4B2B}" type="slidenum">
+              <a:rPr lang="en-US" smtClean="0">
+                <a:solidFill>
+                  <a:prstClr val="black">
+                    <a:lumMod val="65000"/>
+                    <a:lumOff val="35000"/>
+                  </a:prstClr>
+                </a:solidFill>
+              </a:rPr>
+              <a:pPr/>
+              <a:t>‹#›</a:t>
+            </a:fld>
+            <a:endParaRPr lang="en-US">
+              <a:solidFill>
+                <a:prstClr val="black">
+                  <a:lumMod val="65000"/>
+                  <a:lumOff val="35000"/>
+                </a:prstClr>
+              </a:solidFill>
+            </a:endParaRPr>
+          </a:p>
+        </p:txBody>
+      </p:sp>
+      <p:sp>
+        <p:nvSpPr>
+          <p:cNvPr id="9" name="Content Placeholder 8"/>
+          <p:cNvSpPr>
+            <a:spLocks noGrp="1"/>
+          </p:cNvSpPr>
+          <p:nvPr>
+            <p:ph sz="quarter" idx="13"/>
+          </p:nvPr>
+        </p:nvSpPr>
+        <p:spPr>
+          <a:xfrm>
+            <a:off x="365760" y="1600200"/>
+            <a:ext cx="4041648" cy="4526280"/>
+          </a:xfrm>
+        </p:spPr>
+        <p:txBody>
+          <a:bodyPr/>
+          <a:lstStyle/>
+          <a:p>
+            <a:pPr lvl="0"/>
+            <a:r>
+              <a:rPr lang="en-US" smtClean="0"/>
+              <a:t>Click to edit Master text styles</a:t>
+            </a:r>
+          </a:p>
+          <a:p>
+            <a:pPr lvl="1"/>
+            <a:r>
+              <a:rPr lang="en-US" smtClean="0"/>
+              <a:t>Second level</a:t>
+            </a:r>
+          </a:p>
+          <a:p>
+            <a:pPr lvl="2"/>
+            <a:r>
+              <a:rPr lang="en-US" smtClean="0"/>
+              <a:t>Third level</a:t>
+            </a:r>
+          </a:p>
+          <a:p>
+            <a:pPr lvl="3"/>
+            <a:r>
+              <a:rPr lang="en-US" smtClean="0"/>
+              <a:t>Fourth level</a:t>
+            </a:r>
+          </a:p>
+          <a:p>
+            <a:pPr lvl="4"/>
+            <a:r>
+              <a:rPr lang="en-US" smtClean="0"/>
+              <a:t>Fifth level</a:t>
+            </a:r>
+            <a:endParaRPr lang="en-US"/>
+          </a:p>
+        </p:txBody>
+      </p:sp>
+    </p:spTree>
+    <p:extLst>
+      <p:ext uri="{BB962C8B-B14F-4D97-AF65-F5344CB8AC3E}">
+        <p14:creationId xmlns:p14="http://schemas.microsoft.com/office/powerpoint/2010/main" val="4160311798"/>
+      </p:ext>
+    </p:extLst>
+  </p:cSld>
+  <p:clrMapOvr>
+    <a:masterClrMapping/>
+  </p:clrMapOvr>
+</p:sldLayout>
+</file>
+
+<file path=ppt/slideLayouts/slideLayout27.xml><?xml version="1.0" encoding="utf-8"?>
+<p:sldLayout xmlns:a="http://schemas.openxmlformats.org/drawingml/2006/main" xmlns:r="http://schemas.openxmlformats.org/officeDocument/2006/relationships" xmlns:p="http://schemas.openxmlformats.org/presentationml/2006/main" type="twoTxTwoObj" preserve="1">
+  <p:cSld name="Comparison">
+    <p:spTree>
+      <p:nvGrpSpPr>
+        <p:cNvPr id="1" name=""/>
+        <p:cNvGrpSpPr/>
+        <p:nvPr/>
+      </p:nvGrpSpPr>
+      <p:grpSpPr>
+        <a:xfrm>
+          <a:off x="0" y="0"/>
+          <a:ext cx="0" cy="0"/>
+          <a:chOff x="0" y="0"/>
+          <a:chExt cx="0" cy="0"/>
+        </a:xfrm>
+      </p:grpSpPr>
+      <p:sp>
+        <p:nvSpPr>
+          <p:cNvPr id="2" name="Title 1"/>
+          <p:cNvSpPr>
+            <a:spLocks noGrp="1"/>
+          </p:cNvSpPr>
+          <p:nvPr>
+            <p:ph type="title"/>
+          </p:nvPr>
+        </p:nvSpPr>
+        <p:spPr/>
+        <p:txBody>
+          <a:bodyPr/>
+          <a:lstStyle>
+            <a:lvl1pPr>
+              <a:defRPr/>
+            </a:lvl1pPr>
+          </a:lstStyle>
+          <a:p>
+            <a:r>
+              <a:rPr lang="en-US" smtClean="0"/>
+              <a:t>Click to edit Master title style</a:t>
+            </a:r>
+            <a:endParaRPr lang="en-US"/>
+          </a:p>
+        </p:txBody>
+      </p:sp>
+      <p:sp>
+        <p:nvSpPr>
+          <p:cNvPr id="3" name="Text Placeholder 2"/>
+          <p:cNvSpPr>
+            <a:spLocks noGrp="1"/>
+          </p:cNvSpPr>
+          <p:nvPr>
+            <p:ph type="body" idx="1"/>
+          </p:nvPr>
+        </p:nvSpPr>
+        <p:spPr>
+          <a:xfrm>
+            <a:off x="457200" y="1600200"/>
+            <a:ext cx="4040188" cy="609600"/>
+          </a:xfrm>
+        </p:spPr>
+        <p:txBody>
+          <a:bodyPr anchor="b">
+            <a:noAutofit/>
+          </a:bodyPr>
+          <a:lstStyle>
+            <a:lvl1pPr marL="0" indent="0" algn="ctr">
+              <a:buNone/>
+              <a:defRPr sz="2400" b="0"/>
+            </a:lvl1pPr>
+            <a:lvl2pPr marL="457200" indent="0">
+              <a:buNone/>
+              <a:defRPr sz="2000" b="1"/>
+            </a:lvl2pPr>
+            <a:lvl3pPr marL="914400" indent="0">
+              <a:buNone/>
+              <a:defRPr sz="1800" b="1"/>
+            </a:lvl3pPr>
+            <a:lvl4pPr marL="1371600" indent="0">
+              <a:buNone/>
+              <a:defRPr sz="1600" b="1"/>
+            </a:lvl4pPr>
+            <a:lvl5pPr marL="1828800" indent="0">
+              <a:buNone/>
+              <a:defRPr sz="1600" b="1"/>
+            </a:lvl5pPr>
+            <a:lvl6pPr marL="2286000" indent="0">
+              <a:buNone/>
+              <a:defRPr sz="1600" b="1"/>
+            </a:lvl6pPr>
+            <a:lvl7pPr marL="2743200" indent="0">
+              <a:buNone/>
+              <a:defRPr sz="1600" b="1"/>
+            </a:lvl7pPr>
+            <a:lvl8pPr marL="3200400" indent="0">
+              <a:buNone/>
+              <a:defRPr sz="1600" b="1"/>
+            </a:lvl8pPr>
+            <a:lvl9pPr marL="3657600" indent="0">
+              <a:buNone/>
+              <a:defRPr sz="1600" b="1"/>
+            </a:lvl9pPr>
+          </a:lstStyle>
+          <a:p>
+            <a:pPr lvl="0"/>
+            <a:r>
+              <a:rPr lang="en-US" smtClean="0"/>
+              <a:t>Click to edit Master text styles</a:t>
+            </a:r>
+          </a:p>
+        </p:txBody>
+      </p:sp>
+      <p:sp>
+        <p:nvSpPr>
+          <p:cNvPr id="5" name="Text Placeholder 4"/>
+          <p:cNvSpPr>
+            <a:spLocks noGrp="1"/>
+          </p:cNvSpPr>
+          <p:nvPr>
+            <p:ph type="body" sz="quarter" idx="3"/>
+          </p:nvPr>
+        </p:nvSpPr>
+        <p:spPr>
+          <a:xfrm>
+            <a:off x="4648200" y="1600200"/>
+            <a:ext cx="4041775" cy="609600"/>
+          </a:xfrm>
+        </p:spPr>
+        <p:txBody>
+          <a:bodyPr anchor="b">
+            <a:noAutofit/>
+          </a:bodyPr>
+          <a:lstStyle>
+            <a:lvl1pPr marL="0" indent="0" algn="ctr">
+              <a:buNone/>
+              <a:defRPr sz="2400" b="0"/>
+            </a:lvl1pPr>
+            <a:lvl2pPr marL="457200" indent="0">
+              <a:buNone/>
+              <a:defRPr sz="2000" b="1"/>
+            </a:lvl2pPr>
+            <a:lvl3pPr marL="914400" indent="0">
+              <a:buNone/>
+              <a:defRPr sz="1800" b="1"/>
+            </a:lvl3pPr>
+            <a:lvl4pPr marL="1371600" indent="0">
+              <a:buNone/>
+              <a:defRPr sz="1600" b="1"/>
+            </a:lvl4pPr>
+            <a:lvl5pPr marL="1828800" indent="0">
+              <a:buNone/>
+              <a:defRPr sz="1600" b="1"/>
+            </a:lvl5pPr>
+            <a:lvl6pPr marL="2286000" indent="0">
+              <a:buNone/>
+              <a:defRPr sz="1600" b="1"/>
+            </a:lvl6pPr>
+            <a:lvl7pPr marL="2743200" indent="0">
+              <a:buNone/>
+              <a:defRPr sz="1600" b="1"/>
+            </a:lvl7pPr>
+            <a:lvl8pPr marL="3200400" indent="0">
+              <a:buNone/>
+              <a:defRPr sz="1600" b="1"/>
+            </a:lvl8pPr>
+            <a:lvl9pPr marL="3657600" indent="0">
+              <a:buNone/>
+              <a:defRPr sz="1600" b="1"/>
+            </a:lvl9pPr>
+          </a:lstStyle>
+          <a:p>
+            <a:pPr lvl="0"/>
+            <a:r>
+              <a:rPr lang="en-US" smtClean="0"/>
+              <a:t>Click to edit Master text styles</a:t>
+            </a:r>
+          </a:p>
+        </p:txBody>
+      </p:sp>
+      <p:sp>
+        <p:nvSpPr>
+          <p:cNvPr id="7" name="Date Placeholder 6"/>
+          <p:cNvSpPr>
+            <a:spLocks noGrp="1"/>
+          </p:cNvSpPr>
+          <p:nvPr>
+            <p:ph type="dt" sz="half" idx="10"/>
+          </p:nvPr>
+        </p:nvSpPr>
+        <p:spPr/>
+        <p:txBody>
+          <a:bodyPr/>
+          <a:lstStyle/>
+          <a:p>
+            <a:fld id="{1D8BD707-D9CF-40AE-B4C6-C98DA3205C09}" type="datetimeFigureOut">
+              <a:rPr lang="en-US" smtClean="0">
+                <a:solidFill>
+                  <a:prstClr val="black">
+                    <a:lumMod val="65000"/>
+                    <a:lumOff val="35000"/>
+                  </a:prstClr>
+                </a:solidFill>
+              </a:rPr>
+              <a:pPr/>
+              <a:t>29/5/2017</a:t>
+            </a:fld>
+            <a:endParaRPr lang="en-US">
+              <a:solidFill>
+                <a:prstClr val="black">
+                  <a:lumMod val="65000"/>
+                  <a:lumOff val="35000"/>
+                </a:prstClr>
+              </a:solidFill>
+            </a:endParaRPr>
+          </a:p>
+        </p:txBody>
+      </p:sp>
+      <p:sp>
+        <p:nvSpPr>
+          <p:cNvPr id="8" name="Footer Placeholder 7"/>
+          <p:cNvSpPr>
+            <a:spLocks noGrp="1"/>
+          </p:cNvSpPr>
+          <p:nvPr>
+            <p:ph type="ftr" sz="quarter" idx="11"/>
+          </p:nvPr>
+        </p:nvSpPr>
+        <p:spPr/>
+        <p:txBody>
+          <a:bodyPr/>
+          <a:lstStyle/>
+          <a:p>
+            <a:endParaRPr lang="en-US">
+              <a:solidFill>
+                <a:prstClr val="black">
+                  <a:lumMod val="65000"/>
+                  <a:lumOff val="35000"/>
+                </a:prstClr>
+              </a:solidFill>
+            </a:endParaRPr>
+          </a:p>
+        </p:txBody>
+      </p:sp>
+      <p:sp>
+        <p:nvSpPr>
+          <p:cNvPr id="9" name="Slide Number Placeholder 8"/>
+          <p:cNvSpPr>
+            <a:spLocks noGrp="1"/>
+          </p:cNvSpPr>
+          <p:nvPr>
+            <p:ph type="sldNum" sz="quarter" idx="12"/>
+          </p:nvPr>
+        </p:nvSpPr>
+        <p:spPr/>
+        <p:txBody>
+          <a:bodyPr/>
+          <a:lstStyle/>
+          <a:p>
+            <a:fld id="{B6F15528-21DE-4FAA-801E-634DDDAF4B2B}" type="slidenum">
+              <a:rPr lang="en-US" smtClean="0">
+                <a:solidFill>
+                  <a:prstClr val="black">
+                    <a:lumMod val="65000"/>
+                    <a:lumOff val="35000"/>
+                  </a:prstClr>
+                </a:solidFill>
+              </a:rPr>
+              <a:pPr/>
+              <a:t>‹#›</a:t>
+            </a:fld>
+            <a:endParaRPr lang="en-US">
+              <a:solidFill>
+                <a:prstClr val="black">
+                  <a:lumMod val="65000"/>
+                  <a:lumOff val="35000"/>
+                </a:prstClr>
+              </a:solidFill>
+            </a:endParaRPr>
+          </a:p>
+        </p:txBody>
+      </p:sp>
+      <p:sp>
+        <p:nvSpPr>
+          <p:cNvPr id="11" name="Content Placeholder 10"/>
+          <p:cNvSpPr>
+            <a:spLocks noGrp="1"/>
+          </p:cNvSpPr>
+          <p:nvPr>
+            <p:ph sz="quarter" idx="13"/>
+          </p:nvPr>
+        </p:nvSpPr>
+        <p:spPr>
+          <a:xfrm>
+            <a:off x="457200" y="2212848"/>
+            <a:ext cx="4041648" cy="3913632"/>
+          </a:xfrm>
+        </p:spPr>
+        <p:txBody>
+          <a:bodyPr/>
+          <a:lstStyle/>
+          <a:p>
+            <a:pPr lvl="0"/>
+            <a:r>
+              <a:rPr lang="en-US" smtClean="0"/>
+              <a:t>Click to edit Master text styles</a:t>
+            </a:r>
+          </a:p>
+          <a:p>
+            <a:pPr lvl="1"/>
+            <a:r>
+              <a:rPr lang="en-US" smtClean="0"/>
+              <a:t>Second level</a:t>
+            </a:r>
+          </a:p>
+          <a:p>
+            <a:pPr lvl="2"/>
+            <a:r>
+              <a:rPr lang="en-US" smtClean="0"/>
+              <a:t>Third level</a:t>
+            </a:r>
+          </a:p>
+          <a:p>
+            <a:pPr lvl="3"/>
+            <a:r>
+              <a:rPr lang="en-US" smtClean="0"/>
+              <a:t>Fourth level</a:t>
+            </a:r>
+          </a:p>
+          <a:p>
+            <a:pPr lvl="4"/>
+            <a:r>
+              <a:rPr lang="en-US" smtClean="0"/>
+              <a:t>Fifth level</a:t>
+            </a:r>
+            <a:endParaRPr lang="en-US" dirty="0"/>
+          </a:p>
+        </p:txBody>
+      </p:sp>
+      <p:sp>
+        <p:nvSpPr>
+          <p:cNvPr id="13" name="Content Placeholder 12"/>
+          <p:cNvSpPr>
+            <a:spLocks noGrp="1"/>
+          </p:cNvSpPr>
+          <p:nvPr>
+            <p:ph sz="quarter" idx="14"/>
+          </p:nvPr>
+        </p:nvSpPr>
+        <p:spPr>
+          <a:xfrm>
+            <a:off x="4672584" y="2212848"/>
+            <a:ext cx="4041648" cy="3913187"/>
+          </a:xfrm>
+        </p:spPr>
+        <p:txBody>
+          <a:bodyPr/>
+          <a:lstStyle/>
+          <a:p>
+            <a:pPr lvl="0"/>
+            <a:r>
+              <a:rPr lang="en-US" smtClean="0"/>
+              <a:t>Click to edit Master text styles</a:t>
+            </a:r>
+          </a:p>
+          <a:p>
+            <a:pPr lvl="1"/>
+            <a:r>
+              <a:rPr lang="en-US" smtClean="0"/>
+              <a:t>Second level</a:t>
+            </a:r>
+          </a:p>
+          <a:p>
+            <a:pPr lvl="2"/>
+            <a:r>
+              <a:rPr lang="en-US" smtClean="0"/>
+              <a:t>Third level</a:t>
+            </a:r>
+          </a:p>
+          <a:p>
+            <a:pPr lvl="3"/>
+            <a:r>
+              <a:rPr lang="en-US" smtClean="0"/>
+              <a:t>Fourth level</a:t>
+            </a:r>
+          </a:p>
+          <a:p>
+            <a:pPr lvl="4"/>
+            <a:r>
+              <a:rPr lang="en-US" smtClean="0"/>
+              <a:t>Fifth level</a:t>
+            </a:r>
+            <a:endParaRPr lang="en-US" dirty="0"/>
+          </a:p>
+        </p:txBody>
+      </p:sp>
+    </p:spTree>
+    <p:extLst>
+      <p:ext uri="{BB962C8B-B14F-4D97-AF65-F5344CB8AC3E}">
+        <p14:creationId xmlns:p14="http://schemas.microsoft.com/office/powerpoint/2010/main" val="159959063"/>
+      </p:ext>
+    </p:extLst>
+  </p:cSld>
+  <p:clrMapOvr>
+    <a:masterClrMapping/>
+  </p:clrMapOvr>
+</p:sldLayout>
+</file>
+
+<file path=ppt/slideLayouts/slideLayout28.xml><?xml version="1.0" encoding="utf-8"?>
+<p:sldLayout xmlns:a="http://schemas.openxmlformats.org/drawingml/2006/main" xmlns:r="http://schemas.openxmlformats.org/officeDocument/2006/relationships" xmlns:p="http://schemas.openxmlformats.org/presentationml/2006/main" type="titleOnly" preserve="1">
+  <p:cSld name="Title Only">
+    <p:spTree>
+      <p:nvGrpSpPr>
+        <p:cNvPr id="1" name=""/>
+        <p:cNvGrpSpPr/>
+        <p:nvPr/>
+      </p:nvGrpSpPr>
+      <p:grpSpPr>
+        <a:xfrm>
+          <a:off x="0" y="0"/>
+          <a:ext cx="0" cy="0"/>
+          <a:chOff x="0" y="0"/>
+          <a:chExt cx="0" cy="0"/>
+        </a:xfrm>
+      </p:grpSpPr>
+      <p:sp>
+        <p:nvSpPr>
+          <p:cNvPr id="2" name="Title 1"/>
+          <p:cNvSpPr>
+            <a:spLocks noGrp="1"/>
+          </p:cNvSpPr>
+          <p:nvPr>
+            <p:ph type="title"/>
+          </p:nvPr>
+        </p:nvSpPr>
+        <p:spPr/>
+        <p:txBody>
+          <a:bodyPr/>
+          <a:lstStyle/>
+          <a:p>
+            <a:r>
+              <a:rPr lang="en-US" smtClean="0"/>
+              <a:t>Click to edit Master title style</a:t>
+            </a:r>
+            <a:endParaRPr lang="en-US" dirty="0"/>
+          </a:p>
+        </p:txBody>
+      </p:sp>
+      <p:sp>
+        <p:nvSpPr>
+          <p:cNvPr id="3" name="Date Placeholder 2"/>
+          <p:cNvSpPr>
+            <a:spLocks noGrp="1"/>
+          </p:cNvSpPr>
+          <p:nvPr>
+            <p:ph type="dt" sz="half" idx="10"/>
+          </p:nvPr>
+        </p:nvSpPr>
+        <p:spPr/>
+        <p:txBody>
+          <a:bodyPr/>
+          <a:lstStyle/>
+          <a:p>
+            <a:fld id="{1D8BD707-D9CF-40AE-B4C6-C98DA3205C09}" type="datetimeFigureOut">
+              <a:rPr lang="en-US" smtClean="0">
+                <a:solidFill>
+                  <a:prstClr val="black">
+                    <a:lumMod val="65000"/>
+                    <a:lumOff val="35000"/>
+                  </a:prstClr>
+                </a:solidFill>
+              </a:rPr>
+              <a:pPr/>
+              <a:t>29/5/2017</a:t>
+            </a:fld>
+            <a:endParaRPr lang="en-US">
+              <a:solidFill>
+                <a:prstClr val="black">
+                  <a:lumMod val="65000"/>
+                  <a:lumOff val="35000"/>
+                </a:prstClr>
+              </a:solidFill>
+            </a:endParaRPr>
+          </a:p>
+        </p:txBody>
+      </p:sp>
+      <p:sp>
+        <p:nvSpPr>
+          <p:cNvPr id="4" name="Footer Placeholder 3"/>
+          <p:cNvSpPr>
+            <a:spLocks noGrp="1"/>
+          </p:cNvSpPr>
+          <p:nvPr>
+            <p:ph type="ftr" sz="quarter" idx="11"/>
+          </p:nvPr>
+        </p:nvSpPr>
+        <p:spPr/>
+        <p:txBody>
+          <a:bodyPr/>
+          <a:lstStyle/>
+          <a:p>
+            <a:endParaRPr lang="en-US">
+              <a:solidFill>
+                <a:prstClr val="black">
+                  <a:lumMod val="65000"/>
+                  <a:lumOff val="35000"/>
+                </a:prstClr>
+              </a:solidFill>
+            </a:endParaRPr>
+          </a:p>
+        </p:txBody>
+      </p:sp>
+      <p:sp>
+        <p:nvSpPr>
+          <p:cNvPr id="5" name="Slide Number Placeholder 4"/>
+          <p:cNvSpPr>
+            <a:spLocks noGrp="1"/>
+          </p:cNvSpPr>
+          <p:nvPr>
+            <p:ph type="sldNum" sz="quarter" idx="12"/>
+          </p:nvPr>
+        </p:nvSpPr>
+        <p:spPr/>
+        <p:txBody>
+          <a:bodyPr/>
+          <a:lstStyle/>
+          <a:p>
+            <a:fld id="{B6F15528-21DE-4FAA-801E-634DDDAF4B2B}" type="slidenum">
+              <a:rPr lang="en-US" smtClean="0">
+                <a:solidFill>
+                  <a:prstClr val="black">
+                    <a:lumMod val="65000"/>
+                    <a:lumOff val="35000"/>
+                  </a:prstClr>
+                </a:solidFill>
+              </a:rPr>
+              <a:pPr/>
+              <a:t>‹#›</a:t>
+            </a:fld>
+            <a:endParaRPr lang="en-US">
+              <a:solidFill>
+                <a:prstClr val="black">
+                  <a:lumMod val="65000"/>
+                  <a:lumOff val="35000"/>
+                </a:prstClr>
+              </a:solidFill>
+            </a:endParaRPr>
+          </a:p>
+        </p:txBody>
+      </p:sp>
+    </p:spTree>
+    <p:extLst>
+      <p:ext uri="{BB962C8B-B14F-4D97-AF65-F5344CB8AC3E}">
+        <p14:creationId xmlns:p14="http://schemas.microsoft.com/office/powerpoint/2010/main" val="1438783904"/>
+      </p:ext>
+    </p:extLst>
+  </p:cSld>
+  <p:clrMapOvr>
+    <a:masterClrMapping/>
+  </p:clrMapOvr>
+</p:sldLayout>
+</file>
+
+<file path=ppt/slideLayouts/slideLayout29.xml><?xml version="1.0" encoding="utf-8"?>
+<p:sldLayout xmlns:a="http://schemas.openxmlformats.org/drawingml/2006/main" xmlns:r="http://schemas.openxmlformats.org/officeDocument/2006/relationships" xmlns:p="http://schemas.openxmlformats.org/presentationml/2006/main" type="blank" preserve="1">
+  <p:cSld name="Blank">
+    <p:spTree>
+      <p:nvGrpSpPr>
+        <p:cNvPr id="1" name=""/>
+        <p:cNvGrpSpPr/>
+        <p:nvPr/>
+      </p:nvGrpSpPr>
+      <p:grpSpPr>
+        <a:xfrm>
+          <a:off x="0" y="0"/>
+          <a:ext cx="0" cy="0"/>
+          <a:chOff x="0" y="0"/>
+          <a:chExt cx="0" cy="0"/>
+        </a:xfrm>
+      </p:grpSpPr>
+      <p:sp>
+        <p:nvSpPr>
+          <p:cNvPr id="2" name="Date Placeholder 1"/>
+          <p:cNvSpPr>
+            <a:spLocks noGrp="1"/>
+          </p:cNvSpPr>
+          <p:nvPr>
+            <p:ph type="dt" sz="half" idx="10"/>
+          </p:nvPr>
+        </p:nvSpPr>
+        <p:spPr/>
+        <p:txBody>
+          <a:bodyPr/>
+          <a:lstStyle/>
+          <a:p>
+            <a:fld id="{1D8BD707-D9CF-40AE-B4C6-C98DA3205C09}" type="datetimeFigureOut">
+              <a:rPr lang="en-US" smtClean="0">
+                <a:solidFill>
+                  <a:prstClr val="black">
+                    <a:lumMod val="65000"/>
+                    <a:lumOff val="35000"/>
+                  </a:prstClr>
+                </a:solidFill>
+              </a:rPr>
+              <a:pPr/>
+              <a:t>29/5/2017</a:t>
+            </a:fld>
+            <a:endParaRPr lang="en-US">
+              <a:solidFill>
+                <a:prstClr val="black">
+                  <a:lumMod val="65000"/>
+                  <a:lumOff val="35000"/>
+                </a:prstClr>
+              </a:solidFill>
+            </a:endParaRPr>
+          </a:p>
+        </p:txBody>
+      </p:sp>
+      <p:sp>
+        <p:nvSpPr>
+          <p:cNvPr id="3" name="Footer Placeholder 2"/>
+          <p:cNvSpPr>
+            <a:spLocks noGrp="1"/>
+          </p:cNvSpPr>
+          <p:nvPr>
+            <p:ph type="ftr" sz="quarter" idx="11"/>
+          </p:nvPr>
+        </p:nvSpPr>
+        <p:spPr/>
+        <p:txBody>
+          <a:bodyPr/>
+          <a:lstStyle/>
+          <a:p>
+            <a:endParaRPr lang="en-US">
+              <a:solidFill>
+                <a:prstClr val="black">
+                  <a:lumMod val="65000"/>
+                  <a:lumOff val="35000"/>
+                </a:prstClr>
+              </a:solidFill>
+            </a:endParaRPr>
+          </a:p>
+        </p:txBody>
+      </p:sp>
+      <p:sp>
+        <p:nvSpPr>
+          <p:cNvPr id="4" name="Slide Number Placeholder 3"/>
+          <p:cNvSpPr>
+            <a:spLocks noGrp="1"/>
+          </p:cNvSpPr>
+          <p:nvPr>
+            <p:ph type="sldNum" sz="quarter" idx="12"/>
+          </p:nvPr>
+        </p:nvSpPr>
+        <p:spPr/>
+        <p:txBody>
+          <a:bodyPr/>
+          <a:lstStyle/>
+          <a:p>
+            <a:fld id="{B6F15528-21DE-4FAA-801E-634DDDAF4B2B}" type="slidenum">
+              <a:rPr lang="en-US" smtClean="0">
+                <a:solidFill>
+                  <a:prstClr val="black">
+                    <a:lumMod val="65000"/>
+                    <a:lumOff val="35000"/>
+                  </a:prstClr>
+                </a:solidFill>
+              </a:rPr>
+              <a:pPr/>
+              <a:t>‹#›</a:t>
+            </a:fld>
+            <a:endParaRPr lang="en-US">
+              <a:solidFill>
+                <a:prstClr val="black">
+                  <a:lumMod val="65000"/>
+                  <a:lumOff val="35000"/>
+                </a:prstClr>
+              </a:solidFill>
+            </a:endParaRPr>
+          </a:p>
+        </p:txBody>
+      </p:sp>
+    </p:spTree>
+    <p:extLst>
+      <p:ext uri="{BB962C8B-B14F-4D97-AF65-F5344CB8AC3E}">
+        <p14:creationId xmlns:p14="http://schemas.microsoft.com/office/powerpoint/2010/main" val="1607947987"/>
+      </p:ext>
+    </p:extLst>
+  </p:cSld>
+  <p:clrMapOvr>
+    <a:masterClrMapping/>
+  </p:clrMapOvr>
+</p:sldLayout>
+</file>
+
+<file path=ppt/slideLayouts/slideLayout3.xml><?xml version="1.0" encoding="utf-8"?>
+<p:sldLayout xmlns:a="http://schemas.openxmlformats.org/drawingml/2006/main" xmlns:r="http://schemas.openxmlformats.org/officeDocument/2006/relationships" xmlns:p="http://schemas.openxmlformats.org/presentationml/2006/main" type="secHead" preserve="1">
+  <p:cSld name="Section Header">
+    <p:spTree>
+      <p:nvGrpSpPr>
+        <p:cNvPr id="1" name=""/>
+        <p:cNvGrpSpPr/>
+        <p:nvPr/>
+      </p:nvGrpSpPr>
+      <p:grpSpPr>
+        <a:xfrm>
+          <a:off x="0" y="0"/>
+          <a:ext cx="0" cy="0"/>
+          <a:chOff x="0" y="0"/>
+          <a:chExt cx="0" cy="0"/>
+        </a:xfrm>
+      </p:grpSpPr>
+      <p:sp>
+        <p:nvSpPr>
+          <p:cNvPr id="2" name="Title 1"/>
+          <p:cNvSpPr>
+            <a:spLocks noGrp="1"/>
+          </p:cNvSpPr>
+          <p:nvPr>
+            <p:ph type="title"/>
+          </p:nvPr>
+        </p:nvSpPr>
+        <p:spPr>
+          <a:xfrm>
+            <a:off x="722313" y="1371600"/>
+            <a:ext cx="7772400" cy="2505075"/>
+          </a:xfrm>
+        </p:spPr>
+        <p:txBody>
+          <a:bodyPr anchor="b"/>
+          <a:lstStyle>
+            <a:lvl1pPr algn="ctr" defTabSz="914400" rtl="0" eaLnBrk="1" latinLnBrk="0" hangingPunct="1">
+              <a:lnSpc>
+                <a:spcPct val="100000"/>
+              </a:lnSpc>
+              <a:spcBef>
+                <a:spcPct val="0"/>
+              </a:spcBef>
+              <a:buNone/>
+              <a:defRPr lang="en-US" sz="4800" kern="1200" dirty="0" smtClean="0">
+                <a:solidFill>
+                  <a:schemeClr val="tx2"/>
+                </a:solidFill>
+                <a:effectLst>
+                  <a:outerShdw blurRad="63500" dist="38100" dir="5400000" algn="t" rotWithShape="0">
+                    <a:prstClr val="black">
+                      <a:alpha val="25000"/>
+                    </a:prstClr>
+                  </a:outerShdw>
+                </a:effectLst>
+                <a:latin typeface="+mn-lt"/>
+                <a:ea typeface="+mj-ea"/>
+                <a:cs typeface="+mj-cs"/>
+              </a:defRPr>
+            </a:lvl1pPr>
+          </a:lstStyle>
+          <a:p>
+            <a:r>
+              <a:rPr lang="en-US" smtClean="0"/>
+              <a:t>Click to edit Master title style</a:t>
+            </a:r>
+            <a:endParaRPr lang="en-US" dirty="0"/>
+          </a:p>
+        </p:txBody>
+      </p:sp>
+      <p:sp>
+        <p:nvSpPr>
+          <p:cNvPr id="3" name="Text Placeholder 2"/>
+          <p:cNvSpPr>
+            <a:spLocks noGrp="1"/>
+          </p:cNvSpPr>
+          <p:nvPr>
+            <p:ph type="body" idx="1"/>
+          </p:nvPr>
+        </p:nvSpPr>
+        <p:spPr>
+          <a:xfrm>
+            <a:off x="722313" y="4068763"/>
+            <a:ext cx="7772400" cy="1131887"/>
+          </a:xfrm>
+        </p:spPr>
+        <p:txBody>
+          <a:bodyPr anchor="t"/>
+          <a:lstStyle>
+            <a:lvl1pPr marL="0" indent="0" algn="ctr">
+              <a:buNone/>
+              <a:defRPr sz="2000">
+                <a:solidFill>
+                  <a:schemeClr val="tx1">
+                    <a:tint val="75000"/>
+                  </a:schemeClr>
+                </a:solidFill>
+              </a:defRPr>
+            </a:lvl1pPr>
+            <a:lvl2pPr marL="457200" indent="0">
+              <a:buNone/>
+              <a:defRPr sz="1800">
+                <a:solidFill>
+                  <a:schemeClr val="tx1">
+                    <a:tint val="75000"/>
+                  </a:schemeClr>
+                </a:solidFill>
+              </a:defRPr>
+            </a:lvl2pPr>
+            <a:lvl3pPr marL="914400" indent="0">
+              <a:buNone/>
+              <a:defRPr sz="1600">
+                <a:solidFill>
+                  <a:schemeClr val="tx1">
+                    <a:tint val="75000"/>
+                  </a:schemeClr>
+                </a:solidFill>
+              </a:defRPr>
+            </a:lvl3pPr>
+            <a:lvl4pPr marL="1371600" indent="0">
+              <a:buNone/>
+              <a:defRPr sz="1400">
+                <a:solidFill>
+                  <a:schemeClr val="tx1">
+                    <a:tint val="75000"/>
+                  </a:schemeClr>
+                </a:solidFill>
+              </a:defRPr>
+            </a:lvl4pPr>
+            <a:lvl5pPr marL="1828800" indent="0">
+              <a:buNone/>
+              <a:defRPr sz="1400">
+                <a:solidFill>
+                  <a:schemeClr val="tx1">
+                    <a:tint val="75000"/>
+                  </a:schemeClr>
+                </a:solidFill>
+              </a:defRPr>
+            </a:lvl5pPr>
+            <a:lvl6pPr marL="2286000" indent="0">
+              <a:buNone/>
+              <a:defRPr sz="1400">
+                <a:solidFill>
+                  <a:schemeClr val="tx1">
+                    <a:tint val="75000"/>
+                  </a:schemeClr>
+                </a:solidFill>
+              </a:defRPr>
+            </a:lvl6pPr>
+            <a:lvl7pPr marL="2743200" indent="0">
+              <a:buNone/>
+              <a:defRPr sz="1400">
+                <a:solidFill>
+                  <a:schemeClr val="tx1">
+                    <a:tint val="75000"/>
+                  </a:schemeClr>
+                </a:solidFill>
+              </a:defRPr>
+            </a:lvl7pPr>
+            <a:lvl8pPr marL="3200400" indent="0">
+              <a:buNone/>
+              <a:defRPr sz="1400">
+                <a:solidFill>
+                  <a:schemeClr val="tx1">
+                    <a:tint val="75000"/>
+                  </a:schemeClr>
+                </a:solidFill>
+              </a:defRPr>
+            </a:lvl8pPr>
+            <a:lvl9pPr marL="3657600" indent="0">
+              <a:buNone/>
+              <a:defRPr sz="1400">
+                <a:solidFill>
+                  <a:schemeClr val="tx1">
+                    <a:tint val="75000"/>
+                  </a:schemeClr>
+                </a:solidFill>
+              </a:defRPr>
+            </a:lvl9pPr>
+          </a:lstStyle>
+          <a:p>
+            <a:pPr lvl="0"/>
+            <a:r>
+              <a:rPr lang="en-US" smtClean="0"/>
+              <a:t>Click to edit Master text styles</a:t>
+            </a:r>
+          </a:p>
+        </p:txBody>
+      </p:sp>
+      <p:sp>
+        <p:nvSpPr>
+          <p:cNvPr id="4" name="Date Placeholder 3"/>
+          <p:cNvSpPr>
+            <a:spLocks noGrp="1"/>
+          </p:cNvSpPr>
+          <p:nvPr>
+            <p:ph type="dt" sz="half" idx="10"/>
+          </p:nvPr>
+        </p:nvSpPr>
+        <p:spPr/>
+        <p:txBody>
+          <a:bodyPr/>
+          <a:lstStyle/>
+          <a:p>
+            <a:fld id="{1D8BD707-D9CF-40AE-B4C6-C98DA3205C09}" type="datetimeFigureOut">
+              <a:rPr lang="en-US" smtClean="0"/>
+              <a:pPr/>
+              <a:t>29/5/2017</a:t>
+            </a:fld>
+            <a:endParaRPr lang="en-US"/>
+          </a:p>
+        </p:txBody>
+      </p:sp>
+      <p:sp>
+        <p:nvSpPr>
+          <p:cNvPr id="5" name="Footer Placeholder 4"/>
+          <p:cNvSpPr>
+            <a:spLocks noGrp="1"/>
+          </p:cNvSpPr>
+          <p:nvPr>
+            <p:ph type="ftr" sz="quarter" idx="11"/>
+          </p:nvPr>
+        </p:nvSpPr>
+        <p:spPr/>
+        <p:txBody>
+          <a:bodyPr/>
+          <a:lstStyle/>
+          <a:p>
+            <a:endParaRPr lang="en-US"/>
+          </a:p>
+        </p:txBody>
+      </p:sp>
+      <p:sp>
+        <p:nvSpPr>
+          <p:cNvPr id="6" name="Slide Number Placeholder 5"/>
+          <p:cNvSpPr>
+            <a:spLocks noGrp="1"/>
+          </p:cNvSpPr>
+          <p:nvPr>
+            <p:ph type="sldNum" sz="quarter" idx="12"/>
+          </p:nvPr>
+        </p:nvSpPr>
+        <p:spPr/>
+        <p:txBody>
+          <a:bodyPr/>
+          <a:lstStyle/>
+          <a:p>
+            <a:fld id="{B6F15528-21DE-4FAA-801E-634DDDAF4B2B}" type="slidenum">
+              <a:rPr lang="en-US" smtClean="0"/>
+              <a:pPr/>
+              <a:t>‹#›</a:t>
+            </a:fld>
+            <a:endParaRPr lang="en-US"/>
+          </a:p>
+        </p:txBody>
+      </p:sp>
+      <p:sp>
+        <p:nvSpPr>
+          <p:cNvPr id="7" name="Oval 6"/>
+          <p:cNvSpPr/>
+          <p:nvPr/>
+        </p:nvSpPr>
+        <p:spPr>
+          <a:xfrm>
+            <a:off x="4495800" y="3924300"/>
+            <a:ext cx="84772" cy="84772"/>
+          </a:xfrm>
+          <a:prstGeom prst="ellipse">
+            <a:avLst/>
+          </a:prstGeom>
+          <a:solidFill>
+            <a:schemeClr val="tx1">
+              <a:lumMod val="50000"/>
+              <a:lumOff val="50000"/>
+            </a:schemeClr>
+          </a:solidFill>
+          <a:ln w="12700">
+            <a:noFill/>
+          </a:ln>
+          <a:effectLst/>
+        </p:spPr>
+        <p:style>
+          <a:lnRef idx="2">
+            <a:schemeClr val="accent1">
+              <a:shade val="50000"/>
+            </a:schemeClr>
+          </a:lnRef>
+          <a:fillRef idx="1">
+            <a:schemeClr val="accent1"/>
+          </a:fillRef>
+          <a:effectRef idx="0">
+            <a:schemeClr val="accent1"/>
+          </a:effectRef>
+          <a:fontRef idx="minor">
+            <a:schemeClr val="lt1"/>
+          </a:fontRef>
+        </p:style>
+        <p:txBody>
+          <a:bodyPr rtlCol="0" anchor="ctr"/>
+          <a:lstStyle/>
+          <a:p>
+            <a:pPr algn="ctr"/>
+            <a:endParaRPr lang="en-US"/>
+          </a:p>
+        </p:txBody>
+      </p:sp>
+      <p:sp>
+        <p:nvSpPr>
+          <p:cNvPr id="8" name="Oval 7"/>
+          <p:cNvSpPr/>
+          <p:nvPr/>
+        </p:nvSpPr>
+        <p:spPr>
+          <a:xfrm>
+            <a:off x="4695825" y="3924300"/>
+            <a:ext cx="84772" cy="84772"/>
+          </a:xfrm>
+          <a:prstGeom prst="ellipse">
+            <a:avLst/>
+          </a:prstGeom>
+          <a:solidFill>
+            <a:schemeClr val="tx1">
+              <a:lumMod val="50000"/>
+              <a:lumOff val="50000"/>
+            </a:schemeClr>
+          </a:solidFill>
+          <a:ln w="12700">
+            <a:noFill/>
+          </a:ln>
+          <a:effectLst/>
+        </p:spPr>
+        <p:style>
+          <a:lnRef idx="2">
+            <a:schemeClr val="accent1">
+              <a:shade val="50000"/>
+            </a:schemeClr>
+          </a:lnRef>
+          <a:fillRef idx="1">
+            <a:schemeClr val="accent1"/>
+          </a:fillRef>
+          <a:effectRef idx="0">
+            <a:schemeClr val="accent1"/>
+          </a:effectRef>
+          <a:fontRef idx="minor">
+            <a:schemeClr val="lt1"/>
+          </a:fontRef>
+        </p:style>
+        <p:txBody>
+          <a:bodyPr rtlCol="0" anchor="ctr"/>
+          <a:lstStyle/>
+          <a:p>
+            <a:pPr algn="ctr"/>
+            <a:endParaRPr lang="en-US"/>
+          </a:p>
+        </p:txBody>
+      </p:sp>
+      <p:sp>
+        <p:nvSpPr>
+          <p:cNvPr id="9" name="Oval 8"/>
+          <p:cNvSpPr/>
+          <p:nvPr/>
+        </p:nvSpPr>
+        <p:spPr>
+          <a:xfrm>
+            <a:off x="4296728" y="3924300"/>
+            <a:ext cx="84772" cy="84772"/>
+          </a:xfrm>
+          <a:prstGeom prst="ellipse">
+            <a:avLst/>
+          </a:prstGeom>
+          <a:solidFill>
+            <a:schemeClr val="tx1">
+              <a:lumMod val="50000"/>
+              <a:lumOff val="50000"/>
+            </a:schemeClr>
+          </a:solidFill>
+          <a:ln w="12700">
+            <a:noFill/>
+          </a:ln>
+          <a:effectLst/>
+        </p:spPr>
+        <p:style>
+          <a:lnRef idx="2">
+            <a:schemeClr val="accent1">
+              <a:shade val="50000"/>
+            </a:schemeClr>
+          </a:lnRef>
+          <a:fillRef idx="1">
+            <a:schemeClr val="accent1"/>
+          </a:fillRef>
+          <a:effectRef idx="0">
+            <a:schemeClr val="accent1"/>
+          </a:effectRef>
+          <a:fontRef idx="minor">
+            <a:schemeClr val="lt1"/>
+          </a:fontRef>
+        </p:style>
+        <p:txBody>
+          <a:bodyPr rtlCol="0" anchor="ctr"/>
+          <a:lstStyle/>
+          <a:p>
+            <a:pPr algn="ctr"/>
+            <a:endParaRPr lang="en-US"/>
+          </a:p>
+        </p:txBody>
+      </p:sp>
+    </p:spTree>
+  </p:cSld>
+  <p:clrMapOvr>
+    <a:masterClrMapping/>
+  </p:clrMapOvr>
+</p:sldLayout>
+</file>
+
+<file path=ppt/slideLayouts/slideLayout30.xml><?xml version="1.0" encoding="utf-8"?>
+<p:sldLayout xmlns:a="http://schemas.openxmlformats.org/drawingml/2006/main" xmlns:r="http://schemas.openxmlformats.org/officeDocument/2006/relationships" xmlns:p="http://schemas.openxmlformats.org/presentationml/2006/main" type="objTx" preserve="1">
+  <p:cSld name="Content with Caption">
+    <p:spTree>
+      <p:nvGrpSpPr>
+        <p:cNvPr id="1" name=""/>
+        <p:cNvGrpSpPr/>
+        <p:nvPr/>
+      </p:nvGrpSpPr>
+      <p:grpSpPr>
+        <a:xfrm>
+          <a:off x="0" y="0"/>
+          <a:ext cx="0" cy="0"/>
+          <a:chOff x="0" y="0"/>
+          <a:chExt cx="0" cy="0"/>
+        </a:xfrm>
+      </p:grpSpPr>
+      <p:sp>
+        <p:nvSpPr>
+          <p:cNvPr id="2" name="Title 1"/>
+          <p:cNvSpPr>
+            <a:spLocks noGrp="1"/>
+          </p:cNvSpPr>
+          <p:nvPr>
+            <p:ph type="title"/>
+          </p:nvPr>
+        </p:nvSpPr>
+        <p:spPr>
+          <a:xfrm>
+            <a:off x="5907087" y="266700"/>
+            <a:ext cx="3008313" cy="2095500"/>
+          </a:xfrm>
+        </p:spPr>
+        <p:txBody>
+          <a:bodyPr anchor="b"/>
+          <a:lstStyle>
+            <a:lvl1pPr algn="ctr">
+              <a:lnSpc>
+                <a:spcPct val="100000"/>
+              </a:lnSpc>
+              <a:defRPr sz="2800" b="0">
+                <a:effectLst>
+                  <a:outerShdw blurRad="50800" dist="25400" dir="5400000" algn="t" rotWithShape="0">
+                    <a:prstClr val="black">
+                      <a:alpha val="25000"/>
+                    </a:prstClr>
+                  </a:outerShdw>
+                </a:effectLst>
+              </a:defRPr>
+            </a:lvl1pPr>
+          </a:lstStyle>
+          <a:p>
+            <a:r>
+              <a:rPr lang="en-US" smtClean="0"/>
+              <a:t>Click to edit Master title style</a:t>
+            </a:r>
+            <a:endParaRPr lang="en-US" dirty="0"/>
+          </a:p>
+        </p:txBody>
+      </p:sp>
+      <p:sp>
+        <p:nvSpPr>
+          <p:cNvPr id="3" name="Content Placeholder 2"/>
+          <p:cNvSpPr>
+            <a:spLocks noGrp="1"/>
+          </p:cNvSpPr>
+          <p:nvPr>
+            <p:ph idx="1"/>
+          </p:nvPr>
+        </p:nvSpPr>
+        <p:spPr>
+          <a:xfrm>
+            <a:off x="719137" y="273050"/>
+            <a:ext cx="4995863" cy="5853113"/>
+          </a:xfrm>
+        </p:spPr>
+        <p:txBody>
+          <a:bodyPr/>
+          <a:lstStyle>
+            <a:lvl1pPr>
+              <a:defRPr sz="3200"/>
+            </a:lvl1pPr>
+            <a:lvl2pPr>
+              <a:defRPr sz="2800"/>
+            </a:lvl2pPr>
+            <a:lvl3pPr>
+              <a:defRPr sz="2400"/>
+            </a:lvl3pPr>
+            <a:lvl4pPr>
+              <a:defRPr sz="2000"/>
+            </a:lvl4pPr>
+            <a:lvl5pPr>
+              <a:defRPr sz="2000"/>
+            </a:lvl5pPr>
+            <a:lvl6pPr>
+              <a:defRPr sz="2000"/>
+            </a:lvl6pPr>
+            <a:lvl7pPr>
+              <a:defRPr sz="2000"/>
+            </a:lvl7pPr>
+            <a:lvl8pPr>
+              <a:defRPr sz="2000"/>
+            </a:lvl8pPr>
+            <a:lvl9pPr>
+              <a:defRPr sz="2000"/>
+            </a:lvl9pPr>
+          </a:lstStyle>
+          <a:p>
+            <a:pPr lvl="0"/>
+            <a:r>
+              <a:rPr lang="en-US" smtClean="0"/>
+              <a:t>Click to edit Master text styles</a:t>
+            </a:r>
+          </a:p>
+          <a:p>
+            <a:pPr lvl="1"/>
+            <a:r>
+              <a:rPr lang="en-US" smtClean="0"/>
+              <a:t>Second level</a:t>
+            </a:r>
+          </a:p>
+          <a:p>
+            <a:pPr lvl="2"/>
+            <a:r>
+              <a:rPr lang="en-US" smtClean="0"/>
+              <a:t>Third level</a:t>
+            </a:r>
+          </a:p>
+          <a:p>
+            <a:pPr lvl="3"/>
+            <a:r>
+              <a:rPr lang="en-US" smtClean="0"/>
+              <a:t>Fourth level</a:t>
+            </a:r>
+          </a:p>
+          <a:p>
+            <a:pPr lvl="4"/>
+            <a:r>
+              <a:rPr lang="en-US" smtClean="0"/>
+              <a:t>Fifth level</a:t>
+            </a:r>
+            <a:endParaRPr lang="en-US" dirty="0"/>
+          </a:p>
+        </p:txBody>
+      </p:sp>
+      <p:sp>
+        <p:nvSpPr>
+          <p:cNvPr id="4" name="Text Placeholder 3"/>
+          <p:cNvSpPr>
+            <a:spLocks noGrp="1"/>
+          </p:cNvSpPr>
+          <p:nvPr>
+            <p:ph type="body" sz="half" idx="2"/>
+          </p:nvPr>
+        </p:nvSpPr>
+        <p:spPr>
+          <a:xfrm>
+            <a:off x="5907087" y="2438400"/>
+            <a:ext cx="3008313" cy="3687763"/>
+          </a:xfrm>
+        </p:spPr>
+        <p:txBody>
+          <a:bodyPr>
+            <a:normAutofit/>
+          </a:bodyPr>
+          <a:lstStyle>
+            <a:lvl1pPr marL="0" indent="0" algn="ctr">
+              <a:lnSpc>
+                <a:spcPct val="125000"/>
+              </a:lnSpc>
+              <a:buNone/>
+              <a:defRPr sz="1600"/>
+            </a:lvl1pPr>
+            <a:lvl2pPr marL="457200" indent="0">
+              <a:buNone/>
+              <a:defRPr sz="1200"/>
+            </a:lvl2pPr>
+            <a:lvl3pPr marL="914400" indent="0">
+              <a:buNone/>
+              <a:defRPr sz="1000"/>
+            </a:lvl3pPr>
+            <a:lvl4pPr marL="1371600" indent="0">
+              <a:buNone/>
+              <a:defRPr sz="900"/>
+            </a:lvl4pPr>
+            <a:lvl5pPr marL="1828800" indent="0">
+              <a:buNone/>
+              <a:defRPr sz="900"/>
+            </a:lvl5pPr>
+            <a:lvl6pPr marL="2286000" indent="0">
+              <a:buNone/>
+              <a:defRPr sz="900"/>
+            </a:lvl6pPr>
+            <a:lvl7pPr marL="2743200" indent="0">
+              <a:buNone/>
+              <a:defRPr sz="900"/>
+            </a:lvl7pPr>
+            <a:lvl8pPr marL="3200400" indent="0">
+              <a:buNone/>
+              <a:defRPr sz="900"/>
+            </a:lvl8pPr>
+            <a:lvl9pPr marL="3657600" indent="0">
+              <a:buNone/>
+              <a:defRPr sz="900"/>
+            </a:lvl9pPr>
+          </a:lstStyle>
+          <a:p>
+            <a:pPr lvl="0"/>
+            <a:r>
+              <a:rPr lang="en-US" smtClean="0"/>
+              <a:t>Click to edit Master text styles</a:t>
+            </a:r>
+          </a:p>
+        </p:txBody>
+      </p:sp>
+      <p:sp>
+        <p:nvSpPr>
+          <p:cNvPr id="5" name="Date Placeholder 4"/>
+          <p:cNvSpPr>
+            <a:spLocks noGrp="1"/>
+          </p:cNvSpPr>
+          <p:nvPr>
+            <p:ph type="dt" sz="half" idx="10"/>
+          </p:nvPr>
+        </p:nvSpPr>
+        <p:spPr/>
+        <p:txBody>
+          <a:bodyPr/>
+          <a:lstStyle/>
+          <a:p>
+            <a:fld id="{1D8BD707-D9CF-40AE-B4C6-C98DA3205C09}" type="datetimeFigureOut">
+              <a:rPr lang="en-US" smtClean="0">
+                <a:solidFill>
+                  <a:prstClr val="black">
+                    <a:lumMod val="65000"/>
+                    <a:lumOff val="35000"/>
+                  </a:prstClr>
+                </a:solidFill>
+              </a:rPr>
+              <a:pPr/>
+              <a:t>29/5/2017</a:t>
+            </a:fld>
+            <a:endParaRPr lang="en-US">
+              <a:solidFill>
+                <a:prstClr val="black">
+                  <a:lumMod val="65000"/>
+                  <a:lumOff val="35000"/>
+                </a:prstClr>
+              </a:solidFill>
+            </a:endParaRPr>
+          </a:p>
+        </p:txBody>
+      </p:sp>
+      <p:sp>
+        <p:nvSpPr>
+          <p:cNvPr id="6" name="Footer Placeholder 5"/>
+          <p:cNvSpPr>
+            <a:spLocks noGrp="1"/>
+          </p:cNvSpPr>
+          <p:nvPr>
+            <p:ph type="ftr" sz="quarter" idx="11"/>
+          </p:nvPr>
+        </p:nvSpPr>
+        <p:spPr/>
+        <p:txBody>
+          <a:bodyPr/>
+          <a:lstStyle/>
+          <a:p>
+            <a:endParaRPr lang="en-US">
+              <a:solidFill>
+                <a:prstClr val="black">
+                  <a:lumMod val="65000"/>
+                  <a:lumOff val="35000"/>
+                </a:prstClr>
+              </a:solidFill>
+            </a:endParaRPr>
+          </a:p>
+        </p:txBody>
+      </p:sp>
+      <p:sp>
+        <p:nvSpPr>
+          <p:cNvPr id="7" name="Slide Number Placeholder 6"/>
+          <p:cNvSpPr>
+            <a:spLocks noGrp="1"/>
+          </p:cNvSpPr>
+          <p:nvPr>
+            <p:ph type="sldNum" sz="quarter" idx="12"/>
+          </p:nvPr>
+        </p:nvSpPr>
+        <p:spPr/>
+        <p:txBody>
+          <a:bodyPr/>
+          <a:lstStyle/>
+          <a:p>
+            <a:fld id="{B6F15528-21DE-4FAA-801E-634DDDAF4B2B}" type="slidenum">
+              <a:rPr lang="en-US" smtClean="0">
+                <a:solidFill>
+                  <a:prstClr val="black">
+                    <a:lumMod val="65000"/>
+                    <a:lumOff val="35000"/>
+                  </a:prstClr>
+                </a:solidFill>
+              </a:rPr>
+              <a:pPr/>
+              <a:t>‹#›</a:t>
+            </a:fld>
+            <a:endParaRPr lang="en-US">
+              <a:solidFill>
+                <a:prstClr val="black">
+                  <a:lumMod val="65000"/>
+                  <a:lumOff val="35000"/>
+                </a:prstClr>
+              </a:solidFill>
+            </a:endParaRPr>
+          </a:p>
+        </p:txBody>
+      </p:sp>
+    </p:spTree>
+    <p:extLst>
+      <p:ext uri="{BB962C8B-B14F-4D97-AF65-F5344CB8AC3E}">
+        <p14:creationId xmlns:p14="http://schemas.microsoft.com/office/powerpoint/2010/main" val="1386970742"/>
+      </p:ext>
+    </p:extLst>
+  </p:cSld>
+  <p:clrMapOvr>
+    <a:masterClrMapping/>
+  </p:clrMapOvr>
+</p:sldLayout>
+</file>
+
+<file path=ppt/slideLayouts/slideLayout31.xml><?xml version="1.0" encoding="utf-8"?>
+<p:sldLayout xmlns:a="http://schemas.openxmlformats.org/drawingml/2006/main" xmlns:r="http://schemas.openxmlformats.org/officeDocument/2006/relationships" xmlns:p="http://schemas.openxmlformats.org/presentationml/2006/main" type="picTx" preserve="1">
+  <p:cSld name="Picture with Caption">
+    <p:spTree>
+      <p:nvGrpSpPr>
+        <p:cNvPr id="1" name=""/>
+        <p:cNvGrpSpPr/>
+        <p:nvPr/>
+      </p:nvGrpSpPr>
+      <p:grpSpPr>
+        <a:xfrm>
+          <a:off x="0" y="0"/>
+          <a:ext cx="0" cy="0"/>
+          <a:chOff x="0" y="0"/>
+          <a:chExt cx="0" cy="0"/>
+        </a:xfrm>
+      </p:grpSpPr>
+      <p:sp>
+        <p:nvSpPr>
+          <p:cNvPr id="2" name="Title 1"/>
+          <p:cNvSpPr>
+            <a:spLocks noGrp="1"/>
+          </p:cNvSpPr>
+          <p:nvPr>
+            <p:ph type="title"/>
+          </p:nvPr>
+        </p:nvSpPr>
+        <p:spPr>
+          <a:xfrm>
+            <a:off x="1679576" y="228600"/>
+            <a:ext cx="5711824" cy="895350"/>
+          </a:xfrm>
+        </p:spPr>
+        <p:txBody>
+          <a:bodyPr anchor="b"/>
+          <a:lstStyle>
+            <a:lvl1pPr algn="ctr">
+              <a:lnSpc>
+                <a:spcPct val="100000"/>
+              </a:lnSpc>
+              <a:defRPr sz="2800" b="0"/>
+            </a:lvl1pPr>
+          </a:lstStyle>
+          <a:p>
+            <a:r>
+              <a:rPr lang="en-US" smtClean="0"/>
+              <a:t>Click to edit Master title style</a:t>
+            </a:r>
+            <a:endParaRPr lang="en-US" dirty="0"/>
+          </a:p>
+        </p:txBody>
+      </p:sp>
+      <p:sp>
+        <p:nvSpPr>
+          <p:cNvPr id="3" name="Picture Placeholder 2"/>
+          <p:cNvSpPr>
+            <a:spLocks noGrp="1"/>
+          </p:cNvSpPr>
+          <p:nvPr>
+            <p:ph type="pic" idx="1"/>
+          </p:nvPr>
+        </p:nvSpPr>
+        <p:spPr>
+          <a:xfrm>
+            <a:off x="1508126" y="1143000"/>
+            <a:ext cx="6054724" cy="4541044"/>
+          </a:xfrm>
+          <a:ln w="76200">
+            <a:solidFill>
+              <a:schemeClr val="bg1"/>
+            </a:solidFill>
+          </a:ln>
+          <a:effectLst>
+            <a:outerShdw blurRad="88900" dist="50800" dir="5400000" algn="ctr" rotWithShape="0">
+              <a:srgbClr val="000000">
+                <a:alpha val="25000"/>
+              </a:srgbClr>
+            </a:outerShdw>
+          </a:effectLst>
+        </p:spPr>
+        <p:txBody>
+          <a:bodyPr anchor="t"/>
+          <a:lstStyle>
+            <a:lvl1pPr marL="0" indent="0" algn="ctr">
+              <a:buNone/>
+              <a:defRPr sz="3200"/>
+            </a:lvl1pPr>
+            <a:lvl2pPr marL="457200" indent="0">
+              <a:buNone/>
+              <a:defRPr sz="2800"/>
+            </a:lvl2pPr>
+            <a:lvl3pPr marL="914400" indent="0">
+              <a:buNone/>
+              <a:defRPr sz="2400"/>
+            </a:lvl3pPr>
+            <a:lvl4pPr marL="1371600" indent="0">
+              <a:buNone/>
+              <a:defRPr sz="2000"/>
+            </a:lvl4pPr>
+            <a:lvl5pPr marL="1828800" indent="0">
+              <a:buNone/>
+              <a:defRPr sz="2000"/>
+            </a:lvl5pPr>
+            <a:lvl6pPr marL="2286000" indent="0">
+              <a:buNone/>
+              <a:defRPr sz="2000"/>
+            </a:lvl6pPr>
+            <a:lvl7pPr marL="2743200" indent="0">
+              <a:buNone/>
+              <a:defRPr sz="2000"/>
+            </a:lvl7pPr>
+            <a:lvl8pPr marL="3200400" indent="0">
+              <a:buNone/>
+              <a:defRPr sz="2000"/>
+            </a:lvl8pPr>
+            <a:lvl9pPr marL="3657600" indent="0">
+              <a:buNone/>
+              <a:defRPr sz="2000"/>
+            </a:lvl9pPr>
+          </a:lstStyle>
+          <a:p>
+            <a:r>
+              <a:rPr lang="en-US" smtClean="0"/>
+              <a:t>Click icon to add picture</a:t>
+            </a:r>
+            <a:endParaRPr lang="en-US" dirty="0"/>
+          </a:p>
+        </p:txBody>
+      </p:sp>
+      <p:sp>
+        <p:nvSpPr>
+          <p:cNvPr id="4" name="Text Placeholder 3"/>
+          <p:cNvSpPr>
+            <a:spLocks noGrp="1"/>
+          </p:cNvSpPr>
+          <p:nvPr>
+            <p:ph type="body" sz="half" idx="2"/>
+          </p:nvPr>
+        </p:nvSpPr>
+        <p:spPr>
+          <a:xfrm>
+            <a:off x="1679576" y="5810250"/>
+            <a:ext cx="5711824" cy="533400"/>
+          </a:xfrm>
+        </p:spPr>
+        <p:txBody>
+          <a:bodyPr>
+            <a:normAutofit/>
+          </a:bodyPr>
+          <a:lstStyle>
+            <a:lvl1pPr marL="0" indent="0" algn="ctr">
+              <a:buNone/>
+              <a:defRPr sz="1600"/>
+            </a:lvl1pPr>
+            <a:lvl2pPr marL="457200" indent="0">
+              <a:buNone/>
+              <a:defRPr sz="1200"/>
+            </a:lvl2pPr>
+            <a:lvl3pPr marL="914400" indent="0">
+              <a:buNone/>
+              <a:defRPr sz="1000"/>
+            </a:lvl3pPr>
+            <a:lvl4pPr marL="1371600" indent="0">
+              <a:buNone/>
+              <a:defRPr sz="900"/>
+            </a:lvl4pPr>
+            <a:lvl5pPr marL="1828800" indent="0">
+              <a:buNone/>
+              <a:defRPr sz="900"/>
+            </a:lvl5pPr>
+            <a:lvl6pPr marL="2286000" indent="0">
+              <a:buNone/>
+              <a:defRPr sz="900"/>
+            </a:lvl6pPr>
+            <a:lvl7pPr marL="2743200" indent="0">
+              <a:buNone/>
+              <a:defRPr sz="900"/>
+            </a:lvl7pPr>
+            <a:lvl8pPr marL="3200400" indent="0">
+              <a:buNone/>
+              <a:defRPr sz="900"/>
+            </a:lvl8pPr>
+            <a:lvl9pPr marL="3657600" indent="0">
+              <a:buNone/>
+              <a:defRPr sz="900"/>
+            </a:lvl9pPr>
+          </a:lstStyle>
+          <a:p>
+            <a:pPr lvl="0"/>
+            <a:r>
+              <a:rPr lang="en-US" smtClean="0"/>
+              <a:t>Click to edit Master text styles</a:t>
+            </a:r>
+          </a:p>
+        </p:txBody>
+      </p:sp>
+      <p:sp>
+        <p:nvSpPr>
+          <p:cNvPr id="5" name="Date Placeholder 4"/>
+          <p:cNvSpPr>
+            <a:spLocks noGrp="1"/>
+          </p:cNvSpPr>
+          <p:nvPr>
+            <p:ph type="dt" sz="half" idx="10"/>
+          </p:nvPr>
+        </p:nvSpPr>
+        <p:spPr/>
+        <p:txBody>
+          <a:bodyPr/>
+          <a:lstStyle/>
+          <a:p>
+            <a:fld id="{1D8BD707-D9CF-40AE-B4C6-C98DA3205C09}" type="datetimeFigureOut">
+              <a:rPr lang="en-US" smtClean="0">
+                <a:solidFill>
+                  <a:prstClr val="black">
+                    <a:lumMod val="65000"/>
+                    <a:lumOff val="35000"/>
+                  </a:prstClr>
+                </a:solidFill>
+              </a:rPr>
+              <a:pPr/>
+              <a:t>29/5/2017</a:t>
+            </a:fld>
+            <a:endParaRPr lang="en-US">
+              <a:solidFill>
+                <a:prstClr val="black">
+                  <a:lumMod val="65000"/>
+                  <a:lumOff val="35000"/>
+                </a:prstClr>
+              </a:solidFill>
+            </a:endParaRPr>
+          </a:p>
+        </p:txBody>
+      </p:sp>
+      <p:sp>
+        <p:nvSpPr>
+          <p:cNvPr id="6" name="Footer Placeholder 5"/>
+          <p:cNvSpPr>
+            <a:spLocks noGrp="1"/>
+          </p:cNvSpPr>
+          <p:nvPr>
+            <p:ph type="ftr" sz="quarter" idx="11"/>
+          </p:nvPr>
+        </p:nvSpPr>
+        <p:spPr/>
+        <p:txBody>
+          <a:bodyPr/>
+          <a:lstStyle/>
+          <a:p>
+            <a:endParaRPr lang="en-US">
+              <a:solidFill>
+                <a:prstClr val="black">
+                  <a:lumMod val="65000"/>
+                  <a:lumOff val="35000"/>
+                </a:prstClr>
+              </a:solidFill>
+            </a:endParaRPr>
+          </a:p>
+        </p:txBody>
+      </p:sp>
+      <p:sp>
+        <p:nvSpPr>
+          <p:cNvPr id="7" name="Slide Number Placeholder 6"/>
+          <p:cNvSpPr>
+            <a:spLocks noGrp="1"/>
+          </p:cNvSpPr>
+          <p:nvPr>
+            <p:ph type="sldNum" sz="quarter" idx="12"/>
+          </p:nvPr>
+        </p:nvSpPr>
+        <p:spPr/>
+        <p:txBody>
+          <a:bodyPr/>
+          <a:lstStyle/>
+          <a:p>
+            <a:fld id="{B6F15528-21DE-4FAA-801E-634DDDAF4B2B}" type="slidenum">
+              <a:rPr lang="en-US" smtClean="0">
+                <a:solidFill>
+                  <a:prstClr val="black">
+                    <a:lumMod val="65000"/>
+                    <a:lumOff val="35000"/>
+                  </a:prstClr>
+                </a:solidFill>
+              </a:rPr>
+              <a:pPr/>
+              <a:t>‹#›</a:t>
+            </a:fld>
+            <a:endParaRPr lang="en-US">
+              <a:solidFill>
+                <a:prstClr val="black">
+                  <a:lumMod val="65000"/>
+                  <a:lumOff val="35000"/>
+                </a:prstClr>
+              </a:solidFill>
+            </a:endParaRPr>
+          </a:p>
+        </p:txBody>
+      </p:sp>
+    </p:spTree>
+    <p:extLst>
+      <p:ext uri="{BB962C8B-B14F-4D97-AF65-F5344CB8AC3E}">
+        <p14:creationId xmlns:p14="http://schemas.microsoft.com/office/powerpoint/2010/main" val="4185565606"/>
+      </p:ext>
+    </p:extLst>
+  </p:cSld>
+  <p:clrMapOvr>
+    <a:masterClrMapping/>
+  </p:clrMapOvr>
+</p:sldLayout>
+</file>
+
+<file path=ppt/slideLayouts/slideLayout32.xml><?xml version="1.0" encoding="utf-8"?>
+<p:sldLayout xmlns:a="http://schemas.openxmlformats.org/drawingml/2006/main" xmlns:r="http://schemas.openxmlformats.org/officeDocument/2006/relationships" xmlns:p="http://schemas.openxmlformats.org/presentationml/2006/main" type="vertTx" preserve="1">
+  <p:cSld name="Title and Vertical Text">
+    <p:spTree>
+      <p:nvGrpSpPr>
+        <p:cNvPr id="1" name=""/>
+        <p:cNvGrpSpPr/>
+        <p:nvPr/>
+      </p:nvGrpSpPr>
+      <p:grpSpPr>
+        <a:xfrm>
+          <a:off x="0" y="0"/>
+          <a:ext cx="0" cy="0"/>
+          <a:chOff x="0" y="0"/>
+          <a:chExt cx="0" cy="0"/>
+        </a:xfrm>
+      </p:grpSpPr>
+      <p:sp>
+        <p:nvSpPr>
+          <p:cNvPr id="2" name="Title 1"/>
+          <p:cNvSpPr>
+            <a:spLocks noGrp="1"/>
+          </p:cNvSpPr>
+          <p:nvPr>
+            <p:ph type="title"/>
+          </p:nvPr>
+        </p:nvSpPr>
+        <p:spPr/>
+        <p:txBody>
+          <a:bodyPr/>
+          <a:lstStyle/>
+          <a:p>
+            <a:r>
+              <a:rPr lang="en-US" smtClean="0"/>
+              <a:t>Click to edit Master title style</a:t>
+            </a:r>
+            <a:endParaRPr lang="en-US" dirty="0"/>
+          </a:p>
+        </p:txBody>
+      </p:sp>
+      <p:sp>
+        <p:nvSpPr>
+          <p:cNvPr id="3" name="Vertical Text Placeholder 2"/>
+          <p:cNvSpPr>
+            <a:spLocks noGrp="1"/>
+          </p:cNvSpPr>
+          <p:nvPr>
+            <p:ph type="body" orient="vert" idx="1"/>
+          </p:nvPr>
+        </p:nvSpPr>
+        <p:spPr/>
+        <p:txBody>
+          <a:bodyPr vert="eaVert"/>
+          <a:lstStyle/>
+          <a:p>
+            <a:pPr lvl="0"/>
+            <a:r>
+              <a:rPr lang="en-US" smtClean="0"/>
+              <a:t>Click to edit Master text styles</a:t>
+            </a:r>
+          </a:p>
+          <a:p>
+            <a:pPr lvl="1"/>
+            <a:r>
+              <a:rPr lang="en-US" smtClean="0"/>
+              <a:t>Second level</a:t>
+            </a:r>
+          </a:p>
+          <a:p>
+            <a:pPr lvl="2"/>
+            <a:r>
+              <a:rPr lang="en-US" smtClean="0"/>
+              <a:t>Third level</a:t>
+            </a:r>
+          </a:p>
+          <a:p>
+            <a:pPr lvl="3"/>
+            <a:r>
+              <a:rPr lang="en-US" smtClean="0"/>
+              <a:t>Fourth level</a:t>
+            </a:r>
+          </a:p>
+          <a:p>
+            <a:pPr lvl="4"/>
+            <a:r>
+              <a:rPr lang="en-US" smtClean="0"/>
+              <a:t>Fifth level</a:t>
+            </a:r>
+            <a:endParaRPr lang="en-US"/>
+          </a:p>
+        </p:txBody>
+      </p:sp>
+      <p:sp>
+        <p:nvSpPr>
+          <p:cNvPr id="4" name="Date Placeholder 3"/>
+          <p:cNvSpPr>
+            <a:spLocks noGrp="1"/>
+          </p:cNvSpPr>
+          <p:nvPr>
+            <p:ph type="dt" sz="half" idx="10"/>
+          </p:nvPr>
+        </p:nvSpPr>
+        <p:spPr/>
+        <p:txBody>
+          <a:bodyPr/>
+          <a:lstStyle/>
+          <a:p>
+            <a:fld id="{1D8BD707-D9CF-40AE-B4C6-C98DA3205C09}" type="datetimeFigureOut">
+              <a:rPr lang="en-US" smtClean="0">
+                <a:solidFill>
+                  <a:prstClr val="black">
+                    <a:lumMod val="65000"/>
+                    <a:lumOff val="35000"/>
+                  </a:prstClr>
+                </a:solidFill>
+              </a:rPr>
+              <a:pPr/>
+              <a:t>29/5/2017</a:t>
+            </a:fld>
+            <a:endParaRPr lang="en-US">
+              <a:solidFill>
+                <a:prstClr val="black">
+                  <a:lumMod val="65000"/>
+                  <a:lumOff val="35000"/>
+                </a:prstClr>
+              </a:solidFill>
+            </a:endParaRPr>
+          </a:p>
+        </p:txBody>
+      </p:sp>
+      <p:sp>
+        <p:nvSpPr>
+          <p:cNvPr id="5" name="Footer Placeholder 4"/>
+          <p:cNvSpPr>
+            <a:spLocks noGrp="1"/>
+          </p:cNvSpPr>
+          <p:nvPr>
+            <p:ph type="ftr" sz="quarter" idx="11"/>
+          </p:nvPr>
+        </p:nvSpPr>
+        <p:spPr/>
+        <p:txBody>
+          <a:bodyPr/>
+          <a:lstStyle/>
+          <a:p>
+            <a:endParaRPr lang="en-US">
+              <a:solidFill>
+                <a:prstClr val="black">
+                  <a:lumMod val="65000"/>
+                  <a:lumOff val="35000"/>
+                </a:prstClr>
+              </a:solidFill>
+            </a:endParaRPr>
+          </a:p>
+        </p:txBody>
+      </p:sp>
+      <p:sp>
+        <p:nvSpPr>
+          <p:cNvPr id="6" name="Slide Number Placeholder 5"/>
+          <p:cNvSpPr>
+            <a:spLocks noGrp="1"/>
+          </p:cNvSpPr>
+          <p:nvPr>
+            <p:ph type="sldNum" sz="quarter" idx="12"/>
+          </p:nvPr>
+        </p:nvSpPr>
+        <p:spPr/>
+        <p:txBody>
+          <a:bodyPr/>
+          <a:lstStyle/>
+          <a:p>
+            <a:fld id="{B6F15528-21DE-4FAA-801E-634DDDAF4B2B}" type="slidenum">
+              <a:rPr lang="en-US" smtClean="0">
+                <a:solidFill>
+                  <a:prstClr val="black">
+                    <a:lumMod val="65000"/>
+                    <a:lumOff val="35000"/>
+                  </a:prstClr>
+                </a:solidFill>
+              </a:rPr>
+              <a:pPr/>
+              <a:t>‹#›</a:t>
+            </a:fld>
+            <a:endParaRPr lang="en-US">
+              <a:solidFill>
+                <a:prstClr val="black">
+                  <a:lumMod val="65000"/>
+                  <a:lumOff val="35000"/>
+                </a:prstClr>
+              </a:solidFill>
+            </a:endParaRPr>
+          </a:p>
+        </p:txBody>
+      </p:sp>
+    </p:spTree>
+    <p:extLst>
+      <p:ext uri="{BB962C8B-B14F-4D97-AF65-F5344CB8AC3E}">
+        <p14:creationId xmlns:p14="http://schemas.microsoft.com/office/powerpoint/2010/main" val="2532781609"/>
+      </p:ext>
+    </p:extLst>
+  </p:cSld>
+  <p:clrMapOvr>
+    <a:masterClrMapping/>
+  </p:clrMapOvr>
+</p:sldLayout>
+</file>
+
+<file path=ppt/slideLayouts/slideLayout33.xml><?xml version="1.0" encoding="utf-8"?>
+<p:sldLayout xmlns:a="http://schemas.openxmlformats.org/drawingml/2006/main" xmlns:r="http://schemas.openxmlformats.org/officeDocument/2006/relationships" xmlns:p="http://schemas.openxmlformats.org/presentationml/2006/main" type="vertTitleAndTx" preserve="1">
+  <p:cSld name="Vertical Title and Text">
+    <p:spTree>
+      <p:nvGrpSpPr>
+        <p:cNvPr id="1" name=""/>
+        <p:cNvGrpSpPr/>
+        <p:nvPr/>
+      </p:nvGrpSpPr>
+      <p:grpSpPr>
+        <a:xfrm>
+          <a:off x="0" y="0"/>
+          <a:ext cx="0" cy="0"/>
+          <a:chOff x="0" y="0"/>
+          <a:chExt cx="0" cy="0"/>
+        </a:xfrm>
+      </p:grpSpPr>
+      <p:sp>
+        <p:nvSpPr>
+          <p:cNvPr id="2" name="Vertical Title 1"/>
+          <p:cNvSpPr>
+            <a:spLocks noGrp="1"/>
+          </p:cNvSpPr>
+          <p:nvPr>
+            <p:ph type="title" orient="vert"/>
+          </p:nvPr>
+        </p:nvSpPr>
+        <p:spPr>
+          <a:xfrm>
+            <a:off x="6629400" y="274638"/>
+            <a:ext cx="2057400" cy="5851525"/>
+          </a:xfrm>
+        </p:spPr>
+        <p:txBody>
+          <a:bodyPr vert="eaVert"/>
+          <a:lstStyle/>
+          <a:p>
+            <a:r>
+              <a:rPr lang="en-US" smtClean="0"/>
+              <a:t>Click to edit Master title style</a:t>
+            </a:r>
+            <a:endParaRPr lang="en-US" dirty="0"/>
+          </a:p>
+        </p:txBody>
+      </p:sp>
+      <p:sp>
+        <p:nvSpPr>
+          <p:cNvPr id="3" name="Vertical Text Placeholder 2"/>
+          <p:cNvSpPr>
+            <a:spLocks noGrp="1"/>
+          </p:cNvSpPr>
+          <p:nvPr>
+            <p:ph type="body" orient="vert" idx="1"/>
+          </p:nvPr>
+        </p:nvSpPr>
+        <p:spPr>
+          <a:xfrm>
+            <a:off x="457200" y="274638"/>
+            <a:ext cx="6019800" cy="5851525"/>
+          </a:xfrm>
+        </p:spPr>
+        <p:txBody>
+          <a:bodyPr vert="eaVert"/>
+          <a:lstStyle/>
+          <a:p>
+            <a:pPr lvl="0"/>
+            <a:r>
+              <a:rPr lang="en-US" smtClean="0"/>
+              <a:t>Click to edit Master text styles</a:t>
+            </a:r>
+          </a:p>
+          <a:p>
+            <a:pPr lvl="1"/>
+            <a:r>
+              <a:rPr lang="en-US" smtClean="0"/>
+              <a:t>Second level</a:t>
+            </a:r>
+          </a:p>
+          <a:p>
+            <a:pPr lvl="2"/>
+            <a:r>
+              <a:rPr lang="en-US" smtClean="0"/>
+              <a:t>Third level</a:t>
+            </a:r>
+          </a:p>
+          <a:p>
+            <a:pPr lvl="3"/>
+            <a:r>
+              <a:rPr lang="en-US" smtClean="0"/>
+              <a:t>Fourth level</a:t>
+            </a:r>
+          </a:p>
+          <a:p>
+            <a:pPr lvl="4"/>
+            <a:r>
+              <a:rPr lang="en-US" smtClean="0"/>
+              <a:t>Fifth level</a:t>
+            </a:r>
+            <a:endParaRPr lang="en-US"/>
+          </a:p>
+        </p:txBody>
+      </p:sp>
+      <p:sp>
+        <p:nvSpPr>
+          <p:cNvPr id="4" name="Date Placeholder 3"/>
+          <p:cNvSpPr>
+            <a:spLocks noGrp="1"/>
+          </p:cNvSpPr>
+          <p:nvPr>
+            <p:ph type="dt" sz="half" idx="10"/>
+          </p:nvPr>
+        </p:nvSpPr>
+        <p:spPr/>
+        <p:txBody>
+          <a:bodyPr/>
+          <a:lstStyle/>
+          <a:p>
+            <a:fld id="{1D8BD707-D9CF-40AE-B4C6-C98DA3205C09}" type="datetimeFigureOut">
+              <a:rPr lang="en-US" smtClean="0">
+                <a:solidFill>
+                  <a:prstClr val="black">
+                    <a:lumMod val="65000"/>
+                    <a:lumOff val="35000"/>
+                  </a:prstClr>
+                </a:solidFill>
+              </a:rPr>
+              <a:pPr/>
+              <a:t>29/5/2017</a:t>
+            </a:fld>
+            <a:endParaRPr lang="en-US">
+              <a:solidFill>
+                <a:prstClr val="black">
+                  <a:lumMod val="65000"/>
+                  <a:lumOff val="35000"/>
+                </a:prstClr>
+              </a:solidFill>
+            </a:endParaRPr>
+          </a:p>
+        </p:txBody>
+      </p:sp>
+      <p:sp>
+        <p:nvSpPr>
+          <p:cNvPr id="5" name="Footer Placeholder 4"/>
+          <p:cNvSpPr>
+            <a:spLocks noGrp="1"/>
+          </p:cNvSpPr>
+          <p:nvPr>
+            <p:ph type="ftr" sz="quarter" idx="11"/>
+          </p:nvPr>
+        </p:nvSpPr>
+        <p:spPr/>
+        <p:txBody>
+          <a:bodyPr/>
+          <a:lstStyle/>
+          <a:p>
+            <a:endParaRPr lang="en-US">
+              <a:solidFill>
+                <a:prstClr val="black">
+                  <a:lumMod val="65000"/>
+                  <a:lumOff val="35000"/>
+                </a:prstClr>
+              </a:solidFill>
+            </a:endParaRPr>
+          </a:p>
+        </p:txBody>
+      </p:sp>
+      <p:sp>
+        <p:nvSpPr>
+          <p:cNvPr id="6" name="Slide Number Placeholder 5"/>
+          <p:cNvSpPr>
+            <a:spLocks noGrp="1"/>
+          </p:cNvSpPr>
+          <p:nvPr>
+            <p:ph type="sldNum" sz="quarter" idx="12"/>
+          </p:nvPr>
+        </p:nvSpPr>
+        <p:spPr/>
+        <p:txBody>
+          <a:bodyPr/>
+          <a:lstStyle/>
+          <a:p>
+            <a:fld id="{B6F15528-21DE-4FAA-801E-634DDDAF4B2B}" type="slidenum">
+              <a:rPr lang="en-US" smtClean="0">
+                <a:solidFill>
+                  <a:prstClr val="black">
+                    <a:lumMod val="65000"/>
+                    <a:lumOff val="35000"/>
+                  </a:prstClr>
+                </a:solidFill>
+              </a:rPr>
+              <a:pPr/>
+              <a:t>‹#›</a:t>
+            </a:fld>
+            <a:endParaRPr lang="en-US">
+              <a:solidFill>
+                <a:prstClr val="black">
+                  <a:lumMod val="65000"/>
+                  <a:lumOff val="35000"/>
+                </a:prstClr>
+              </a:solidFill>
+            </a:endParaRPr>
+          </a:p>
+        </p:txBody>
+      </p:sp>
+    </p:spTree>
+    <p:extLst>
+      <p:ext uri="{BB962C8B-B14F-4D97-AF65-F5344CB8AC3E}">
+        <p14:creationId xmlns:p14="http://schemas.microsoft.com/office/powerpoint/2010/main" val="412380246"/>
+      </p:ext>
+    </p:extLst>
   </p:cSld>
   <p:clrMapOvr>
     <a:masterClrMapping/>
@@ -3787,8 +9865,1404 @@
 </p:sldMaster>
 </file>
 
+<file path=ppt/slideMasters/slideMaster2.xml><?xml version="1.0" encoding="utf-8"?>
+<p:sldMaster xmlns:a="http://schemas.openxmlformats.org/drawingml/2006/main" xmlns:r="http://schemas.openxmlformats.org/officeDocument/2006/relationships" xmlns:p="http://schemas.openxmlformats.org/presentationml/2006/main">
+  <p:cSld>
+    <p:bg>
+      <p:bgRef idx="1002">
+        <a:schemeClr val="bg1"/>
+      </p:bgRef>
+    </p:bg>
+    <p:spTree>
+      <p:nvGrpSpPr>
+        <p:cNvPr id="1" name=""/>
+        <p:cNvGrpSpPr/>
+        <p:nvPr/>
+      </p:nvGrpSpPr>
+      <p:grpSpPr>
+        <a:xfrm>
+          <a:off x="0" y="0"/>
+          <a:ext cx="0" cy="0"/>
+          <a:chOff x="0" y="0"/>
+          <a:chExt cx="0" cy="0"/>
+        </a:xfrm>
+      </p:grpSpPr>
+      <p:sp>
+        <p:nvSpPr>
+          <p:cNvPr id="2" name="Title Placeholder 1"/>
+          <p:cNvSpPr>
+            <a:spLocks noGrp="1"/>
+          </p:cNvSpPr>
+          <p:nvPr>
+            <p:ph type="title"/>
+          </p:nvPr>
+        </p:nvSpPr>
+        <p:spPr>
+          <a:xfrm>
+            <a:off x="457200" y="0"/>
+            <a:ext cx="8229600" cy="1600200"/>
+          </a:xfrm>
+          <a:prstGeom prst="rect">
+            <a:avLst/>
+          </a:prstGeom>
+        </p:spPr>
+        <p:txBody>
+          <a:bodyPr vert="horz" lIns="91440" tIns="45720" rIns="91440" bIns="45720" rtlCol="0" anchor="b">
+            <a:noAutofit/>
+          </a:bodyPr>
+          <a:lstStyle/>
+          <a:p>
+            <a:r>
+              <a:rPr lang="en-US" smtClean="0"/>
+              <a:t>Click to edit Master title style</a:t>
+            </a:r>
+            <a:endParaRPr lang="en-US" dirty="0"/>
+          </a:p>
+        </p:txBody>
+      </p:sp>
+      <p:sp>
+        <p:nvSpPr>
+          <p:cNvPr id="3" name="Text Placeholder 2"/>
+          <p:cNvSpPr>
+            <a:spLocks noGrp="1"/>
+          </p:cNvSpPr>
+          <p:nvPr>
+            <p:ph type="body" idx="1"/>
+          </p:nvPr>
+        </p:nvSpPr>
+        <p:spPr>
+          <a:xfrm>
+            <a:off x="457200" y="1600200"/>
+            <a:ext cx="8229600" cy="4525963"/>
+          </a:xfrm>
+          <a:prstGeom prst="rect">
+            <a:avLst/>
+          </a:prstGeom>
+        </p:spPr>
+        <p:txBody>
+          <a:bodyPr vert="horz" lIns="91440" tIns="45720" rIns="91440" bIns="45720" rtlCol="0">
+            <a:normAutofit/>
+          </a:bodyPr>
+          <a:lstStyle/>
+          <a:p>
+            <a:pPr lvl="0"/>
+            <a:r>
+              <a:rPr lang="en-US" smtClean="0"/>
+              <a:t>Click to edit Master text styles</a:t>
+            </a:r>
+          </a:p>
+          <a:p>
+            <a:pPr lvl="1"/>
+            <a:r>
+              <a:rPr lang="en-US" smtClean="0"/>
+              <a:t>Second level</a:t>
+            </a:r>
+          </a:p>
+          <a:p>
+            <a:pPr lvl="2"/>
+            <a:r>
+              <a:rPr lang="en-US" smtClean="0"/>
+              <a:t>Third level</a:t>
+            </a:r>
+          </a:p>
+          <a:p>
+            <a:pPr lvl="3"/>
+            <a:r>
+              <a:rPr lang="en-US" smtClean="0"/>
+              <a:t>Fourth level</a:t>
+            </a:r>
+          </a:p>
+          <a:p>
+            <a:pPr lvl="4"/>
+            <a:r>
+              <a:rPr lang="en-US" smtClean="0"/>
+              <a:t>Fifth level</a:t>
+            </a:r>
+            <a:endParaRPr lang="en-US" dirty="0" smtClean="0"/>
+          </a:p>
+        </p:txBody>
+      </p:sp>
+      <p:sp>
+        <p:nvSpPr>
+          <p:cNvPr id="4" name="Date Placeholder 3"/>
+          <p:cNvSpPr>
+            <a:spLocks noGrp="1"/>
+          </p:cNvSpPr>
+          <p:nvPr>
+            <p:ph type="dt" sz="half" idx="2"/>
+          </p:nvPr>
+        </p:nvSpPr>
+        <p:spPr>
+          <a:xfrm>
+            <a:off x="6363347" y="6356350"/>
+            <a:ext cx="2085975" cy="365125"/>
+          </a:xfrm>
+          <a:prstGeom prst="rect">
+            <a:avLst/>
+          </a:prstGeom>
+        </p:spPr>
+        <p:txBody>
+          <a:bodyPr vert="horz" lIns="91440" tIns="45720" rIns="45720" bIns="45720" rtlCol="0" anchor="ctr"/>
+          <a:lstStyle>
+            <a:lvl1pPr algn="r">
+              <a:defRPr sz="1200">
+                <a:solidFill>
+                  <a:schemeClr val="tx1">
+                    <a:lumMod val="65000"/>
+                    <a:lumOff val="35000"/>
+                  </a:schemeClr>
+                </a:solidFill>
+                <a:latin typeface="Century Gothic" pitchFamily="34" charset="0"/>
+              </a:defRPr>
+            </a:lvl1pPr>
+          </a:lstStyle>
+          <a:p>
+            <a:fld id="{1D8BD707-D9CF-40AE-B4C6-C98DA3205C09}" type="datetimeFigureOut">
+              <a:rPr lang="en-US" smtClean="0">
+                <a:solidFill>
+                  <a:prstClr val="black">
+                    <a:lumMod val="65000"/>
+                    <a:lumOff val="35000"/>
+                  </a:prstClr>
+                </a:solidFill>
+              </a:rPr>
+              <a:pPr/>
+              <a:t>29/5/2017</a:t>
+            </a:fld>
+            <a:endParaRPr lang="en-US">
+              <a:solidFill>
+                <a:prstClr val="black">
+                  <a:lumMod val="65000"/>
+                  <a:lumOff val="35000"/>
+                </a:prstClr>
+              </a:solidFill>
+            </a:endParaRPr>
+          </a:p>
+        </p:txBody>
+      </p:sp>
+      <p:sp>
+        <p:nvSpPr>
+          <p:cNvPr id="5" name="Footer Placeholder 4"/>
+          <p:cNvSpPr>
+            <a:spLocks noGrp="1"/>
+          </p:cNvSpPr>
+          <p:nvPr>
+            <p:ph type="ftr" sz="quarter" idx="3"/>
+          </p:nvPr>
+        </p:nvSpPr>
+        <p:spPr>
+          <a:xfrm>
+            <a:off x="659165" y="6356350"/>
+            <a:ext cx="2847975" cy="365125"/>
+          </a:xfrm>
+          <a:prstGeom prst="rect">
+            <a:avLst/>
+          </a:prstGeom>
+        </p:spPr>
+        <p:txBody>
+          <a:bodyPr vert="horz" lIns="45720" tIns="45720" rIns="91440" bIns="45720" rtlCol="0" anchor="ctr"/>
+          <a:lstStyle>
+            <a:lvl1pPr algn="l">
+              <a:defRPr sz="1200">
+                <a:solidFill>
+                  <a:schemeClr val="tx1">
+                    <a:lumMod val="65000"/>
+                    <a:lumOff val="35000"/>
+                  </a:schemeClr>
+                </a:solidFill>
+                <a:latin typeface="Century Gothic" pitchFamily="34" charset="0"/>
+              </a:defRPr>
+            </a:lvl1pPr>
+          </a:lstStyle>
+          <a:p>
+            <a:endParaRPr lang="en-US">
+              <a:solidFill>
+                <a:prstClr val="black">
+                  <a:lumMod val="65000"/>
+                  <a:lumOff val="35000"/>
+                </a:prstClr>
+              </a:solidFill>
+            </a:endParaRPr>
+          </a:p>
+        </p:txBody>
+      </p:sp>
+      <p:sp>
+        <p:nvSpPr>
+          <p:cNvPr id="6" name="Slide Number Placeholder 5"/>
+          <p:cNvSpPr>
+            <a:spLocks noGrp="1"/>
+          </p:cNvSpPr>
+          <p:nvPr>
+            <p:ph type="sldNum" sz="quarter" idx="4"/>
+          </p:nvPr>
+        </p:nvSpPr>
+        <p:spPr>
+          <a:xfrm>
+            <a:off x="8543278" y="6356350"/>
+            <a:ext cx="561975" cy="365125"/>
+          </a:xfrm>
+          <a:prstGeom prst="rect">
+            <a:avLst/>
+          </a:prstGeom>
+        </p:spPr>
+        <p:txBody>
+          <a:bodyPr vert="horz" lIns="27432" tIns="45720" rIns="45720" bIns="45720" rtlCol="0" anchor="ctr"/>
+          <a:lstStyle>
+            <a:lvl1pPr algn="l">
+              <a:defRPr sz="1200">
+                <a:solidFill>
+                  <a:schemeClr val="tx1">
+                    <a:lumMod val="65000"/>
+                    <a:lumOff val="35000"/>
+                  </a:schemeClr>
+                </a:solidFill>
+                <a:latin typeface="Century Gothic" pitchFamily="34" charset="0"/>
+              </a:defRPr>
+            </a:lvl1pPr>
+          </a:lstStyle>
+          <a:p>
+            <a:fld id="{B6F15528-21DE-4FAA-801E-634DDDAF4B2B}" type="slidenum">
+              <a:rPr lang="en-US" smtClean="0">
+                <a:solidFill>
+                  <a:prstClr val="black">
+                    <a:lumMod val="65000"/>
+                    <a:lumOff val="35000"/>
+                  </a:prstClr>
+                </a:solidFill>
+              </a:rPr>
+              <a:pPr/>
+              <a:t>‹#›</a:t>
+            </a:fld>
+            <a:endParaRPr lang="en-US">
+              <a:solidFill>
+                <a:prstClr val="black">
+                  <a:lumMod val="65000"/>
+                  <a:lumOff val="35000"/>
+                </a:prstClr>
+              </a:solidFill>
+            </a:endParaRPr>
+          </a:p>
+        </p:txBody>
+      </p:sp>
+      <p:sp>
+        <p:nvSpPr>
+          <p:cNvPr id="7" name="Oval 6"/>
+          <p:cNvSpPr/>
+          <p:nvPr/>
+        </p:nvSpPr>
+        <p:spPr>
+          <a:xfrm>
+            <a:off x="8457760" y="6499384"/>
+            <a:ext cx="84772" cy="84772"/>
+          </a:xfrm>
+          <a:prstGeom prst="ellipse">
+            <a:avLst/>
+          </a:prstGeom>
+          <a:solidFill>
+            <a:schemeClr val="tx1">
+              <a:lumMod val="50000"/>
+              <a:lumOff val="50000"/>
+            </a:schemeClr>
+          </a:solidFill>
+          <a:ln w="12700">
+            <a:noFill/>
+          </a:ln>
+          <a:effectLst/>
+        </p:spPr>
+        <p:style>
+          <a:lnRef idx="2">
+            <a:schemeClr val="accent1">
+              <a:shade val="50000"/>
+            </a:schemeClr>
+          </a:lnRef>
+          <a:fillRef idx="1">
+            <a:schemeClr val="accent1"/>
+          </a:fillRef>
+          <a:effectRef idx="0">
+            <a:schemeClr val="accent1"/>
+          </a:effectRef>
+          <a:fontRef idx="minor">
+            <a:schemeClr val="lt1"/>
+          </a:fontRef>
+        </p:style>
+        <p:txBody>
+          <a:bodyPr rtlCol="0" anchor="ctr"/>
+          <a:lstStyle/>
+          <a:p>
+            <a:pPr algn="ctr"/>
+            <a:endParaRPr lang="en-US">
+              <a:solidFill>
+                <a:prstClr val="white"/>
+              </a:solidFill>
+            </a:endParaRPr>
+          </a:p>
+        </p:txBody>
+      </p:sp>
+      <p:sp>
+        <p:nvSpPr>
+          <p:cNvPr id="8" name="Oval 7"/>
+          <p:cNvSpPr/>
+          <p:nvPr/>
+        </p:nvSpPr>
+        <p:spPr>
+          <a:xfrm>
+            <a:off x="569119" y="6499384"/>
+            <a:ext cx="84772" cy="84772"/>
+          </a:xfrm>
+          <a:prstGeom prst="ellipse">
+            <a:avLst/>
+          </a:prstGeom>
+          <a:solidFill>
+            <a:schemeClr val="tx1">
+              <a:lumMod val="50000"/>
+              <a:lumOff val="50000"/>
+            </a:schemeClr>
+          </a:solidFill>
+          <a:ln w="12700">
+            <a:noFill/>
+          </a:ln>
+          <a:effectLst/>
+        </p:spPr>
+        <p:style>
+          <a:lnRef idx="2">
+            <a:schemeClr val="accent1">
+              <a:shade val="50000"/>
+            </a:schemeClr>
+          </a:lnRef>
+          <a:fillRef idx="1">
+            <a:schemeClr val="accent1"/>
+          </a:fillRef>
+          <a:effectRef idx="0">
+            <a:schemeClr val="accent1"/>
+          </a:effectRef>
+          <a:fontRef idx="minor">
+            <a:schemeClr val="lt1"/>
+          </a:fontRef>
+        </p:style>
+        <p:txBody>
+          <a:bodyPr rtlCol="0" anchor="ctr"/>
+          <a:lstStyle/>
+          <a:p>
+            <a:pPr algn="ctr"/>
+            <a:endParaRPr lang="en-US">
+              <a:solidFill>
+                <a:prstClr val="white"/>
+              </a:solidFill>
+            </a:endParaRPr>
+          </a:p>
+        </p:txBody>
+      </p:sp>
+    </p:spTree>
+    <p:extLst>
+      <p:ext uri="{BB962C8B-B14F-4D97-AF65-F5344CB8AC3E}">
+        <p14:creationId xmlns:p14="http://schemas.microsoft.com/office/powerpoint/2010/main" val="1470770781"/>
+      </p:ext>
+    </p:extLst>
+  </p:cSld>
+  <p:clrMap bg1="lt1" tx1="dk1" bg2="lt2" tx2="dk2" accent1="accent1" accent2="accent2" accent3="accent3" accent4="accent4" accent5="accent5" accent6="accent6" hlink="hlink" folHlink="folHlink"/>
+  <p:sldLayoutIdLst>
+    <p:sldLayoutId id="2147483685" r:id="rId1"/>
+    <p:sldLayoutId id="2147483686" r:id="rId2"/>
+    <p:sldLayoutId id="2147483687" r:id="rId3"/>
+    <p:sldLayoutId id="2147483688" r:id="rId4"/>
+    <p:sldLayoutId id="2147483689" r:id="rId5"/>
+    <p:sldLayoutId id="2147483690" r:id="rId6"/>
+    <p:sldLayoutId id="2147483691" r:id="rId7"/>
+    <p:sldLayoutId id="2147483692" r:id="rId8"/>
+    <p:sldLayoutId id="2147483693" r:id="rId9"/>
+    <p:sldLayoutId id="2147483694" r:id="rId10"/>
+    <p:sldLayoutId id="2147483695" r:id="rId11"/>
+  </p:sldLayoutIdLst>
+  <p:txStyles>
+    <p:titleStyle>
+      <a:lvl1pPr algn="ctr" defTabSz="914400" rtl="0" eaLnBrk="1" latinLnBrk="0" hangingPunct="1">
+        <a:lnSpc>
+          <a:spcPts val="5800"/>
+        </a:lnSpc>
+        <a:spcBef>
+          <a:spcPct val="0"/>
+        </a:spcBef>
+        <a:buNone/>
+        <a:defRPr sz="5400" kern="1200">
+          <a:solidFill>
+            <a:schemeClr val="tx2"/>
+          </a:solidFill>
+          <a:effectLst>
+            <a:outerShdw blurRad="63500" dist="38100" dir="5400000" algn="t" rotWithShape="0">
+              <a:prstClr val="black">
+                <a:alpha val="25000"/>
+              </a:prstClr>
+            </a:outerShdw>
+          </a:effectLst>
+          <a:latin typeface="+mn-lt"/>
+          <a:ea typeface="+mj-ea"/>
+          <a:cs typeface="+mj-cs"/>
+        </a:defRPr>
+      </a:lvl1pPr>
+    </p:titleStyle>
+    <p:bodyStyle>
+      <a:lvl1pPr marL="342900" indent="-342900" algn="l" defTabSz="914400" rtl="0" eaLnBrk="1" latinLnBrk="0" hangingPunct="1">
+        <a:spcBef>
+          <a:spcPct val="20000"/>
+        </a:spcBef>
+        <a:buFont typeface="Arial" pitchFamily="34" charset="0"/>
+        <a:buChar char="•"/>
+        <a:defRPr sz="2400" kern="1200">
+          <a:solidFill>
+            <a:schemeClr val="tx1">
+              <a:lumMod val="50000"/>
+              <a:lumOff val="50000"/>
+            </a:schemeClr>
+          </a:solidFill>
+          <a:latin typeface="+mj-lt"/>
+          <a:ea typeface="+mn-ea"/>
+          <a:cs typeface="+mn-cs"/>
+        </a:defRPr>
+      </a:lvl1pPr>
+      <a:lvl2pPr marL="742950" indent="-285750" algn="l" defTabSz="914400" rtl="0" eaLnBrk="1" latinLnBrk="0" hangingPunct="1">
+        <a:spcBef>
+          <a:spcPct val="20000"/>
+        </a:spcBef>
+        <a:buFont typeface="Courier New" pitchFamily="49" charset="0"/>
+        <a:buChar char="o"/>
+        <a:defRPr sz="1600" kern="1200">
+          <a:solidFill>
+            <a:schemeClr val="tx1">
+              <a:lumMod val="50000"/>
+              <a:lumOff val="50000"/>
+            </a:schemeClr>
+          </a:solidFill>
+          <a:latin typeface="+mj-lt"/>
+          <a:ea typeface="+mn-ea"/>
+          <a:cs typeface="+mn-cs"/>
+        </a:defRPr>
+      </a:lvl2pPr>
+      <a:lvl3pPr marL="1143000" indent="-228600" algn="l" defTabSz="914400" rtl="0" eaLnBrk="1" latinLnBrk="0" hangingPunct="1">
+        <a:spcBef>
+          <a:spcPct val="20000"/>
+        </a:spcBef>
+        <a:buFont typeface="Arial" pitchFamily="34" charset="0"/>
+        <a:buChar char="•"/>
+        <a:defRPr sz="1600" kern="1200">
+          <a:solidFill>
+            <a:schemeClr val="tx1">
+              <a:lumMod val="50000"/>
+              <a:lumOff val="50000"/>
+            </a:schemeClr>
+          </a:solidFill>
+          <a:latin typeface="+mj-lt"/>
+          <a:ea typeface="+mn-ea"/>
+          <a:cs typeface="+mn-cs"/>
+        </a:defRPr>
+      </a:lvl3pPr>
+      <a:lvl4pPr marL="1600200" indent="-228600" algn="l" defTabSz="914400" rtl="0" eaLnBrk="1" latinLnBrk="0" hangingPunct="1">
+        <a:spcBef>
+          <a:spcPct val="20000"/>
+        </a:spcBef>
+        <a:buFont typeface="Courier New" pitchFamily="49" charset="0"/>
+        <a:buChar char="o"/>
+        <a:defRPr sz="1600" kern="1200">
+          <a:solidFill>
+            <a:schemeClr val="tx1">
+              <a:lumMod val="50000"/>
+              <a:lumOff val="50000"/>
+            </a:schemeClr>
+          </a:solidFill>
+          <a:latin typeface="+mj-lt"/>
+          <a:ea typeface="+mn-ea"/>
+          <a:cs typeface="+mn-cs"/>
+        </a:defRPr>
+      </a:lvl4pPr>
+      <a:lvl5pPr marL="2057400" indent="-228600" algn="l" defTabSz="914400" rtl="0" eaLnBrk="1" latinLnBrk="0" hangingPunct="1">
+        <a:spcBef>
+          <a:spcPct val="20000"/>
+        </a:spcBef>
+        <a:buFont typeface="Arial" pitchFamily="34" charset="0"/>
+        <a:buChar char="•"/>
+        <a:defRPr sz="1600" kern="1200">
+          <a:solidFill>
+            <a:schemeClr val="tx1">
+              <a:lumMod val="50000"/>
+              <a:lumOff val="50000"/>
+            </a:schemeClr>
+          </a:solidFill>
+          <a:latin typeface="+mj-lt"/>
+          <a:ea typeface="+mn-ea"/>
+          <a:cs typeface="+mn-cs"/>
+        </a:defRPr>
+      </a:lvl5pPr>
+      <a:lvl6pPr marL="2514600" indent="-228600" algn="l" defTabSz="914400" rtl="0" eaLnBrk="1" latinLnBrk="0" hangingPunct="1">
+        <a:spcBef>
+          <a:spcPct val="20000"/>
+        </a:spcBef>
+        <a:buFont typeface="Courier New" pitchFamily="49" charset="0"/>
+        <a:buChar char="o"/>
+        <a:defRPr sz="1600" kern="1200">
+          <a:solidFill>
+            <a:schemeClr val="tx1">
+              <a:lumMod val="50000"/>
+              <a:lumOff val="50000"/>
+            </a:schemeClr>
+          </a:solidFill>
+          <a:latin typeface="+mj-lt"/>
+          <a:ea typeface="+mn-ea"/>
+          <a:cs typeface="+mn-cs"/>
+        </a:defRPr>
+      </a:lvl6pPr>
+      <a:lvl7pPr marL="2971800" indent="-228600" algn="l" defTabSz="914400" rtl="0" eaLnBrk="1" latinLnBrk="0" hangingPunct="1">
+        <a:spcBef>
+          <a:spcPct val="20000"/>
+        </a:spcBef>
+        <a:buFont typeface="Arial" pitchFamily="34" charset="0"/>
+        <a:buChar char="•"/>
+        <a:defRPr sz="1600" kern="1200">
+          <a:solidFill>
+            <a:schemeClr val="tx1">
+              <a:lumMod val="50000"/>
+              <a:lumOff val="50000"/>
+            </a:schemeClr>
+          </a:solidFill>
+          <a:latin typeface="+mj-lt"/>
+          <a:ea typeface="+mn-ea"/>
+          <a:cs typeface="+mn-cs"/>
+        </a:defRPr>
+      </a:lvl7pPr>
+      <a:lvl8pPr marL="3429000" indent="-228600" algn="l" defTabSz="914400" rtl="0" eaLnBrk="1" latinLnBrk="0" hangingPunct="1">
+        <a:spcBef>
+          <a:spcPct val="20000"/>
+        </a:spcBef>
+        <a:buFont typeface="Courier New" pitchFamily="49" charset="0"/>
+        <a:buChar char="o"/>
+        <a:defRPr sz="1600" kern="1200">
+          <a:solidFill>
+            <a:schemeClr val="tx1">
+              <a:lumMod val="50000"/>
+              <a:lumOff val="50000"/>
+            </a:schemeClr>
+          </a:solidFill>
+          <a:latin typeface="+mj-lt"/>
+          <a:ea typeface="+mn-ea"/>
+          <a:cs typeface="+mn-cs"/>
+        </a:defRPr>
+      </a:lvl8pPr>
+      <a:lvl9pPr marL="3886200" indent="-228600" algn="l" defTabSz="914400" rtl="0" eaLnBrk="1" latinLnBrk="0" hangingPunct="1">
+        <a:spcBef>
+          <a:spcPct val="20000"/>
+        </a:spcBef>
+        <a:buFont typeface="Arial" pitchFamily="34" charset="0"/>
+        <a:buChar char="•"/>
+        <a:defRPr sz="1600" kern="1200">
+          <a:solidFill>
+            <a:schemeClr val="tx1">
+              <a:lumMod val="50000"/>
+              <a:lumOff val="50000"/>
+            </a:schemeClr>
+          </a:solidFill>
+          <a:latin typeface="+mj-lt"/>
+          <a:ea typeface="+mn-ea"/>
+          <a:cs typeface="+mn-cs"/>
+        </a:defRPr>
+      </a:lvl9pPr>
+    </p:bodyStyle>
+    <p:otherStyle>
+      <a:defPPr>
+        <a:defRPr lang="en-US"/>
+      </a:defPPr>
+      <a:lvl1pPr marL="0" algn="l" defTabSz="914400" rtl="0" eaLnBrk="1" latinLnBrk="0" hangingPunct="1">
+        <a:defRPr sz="1800" kern="1200">
+          <a:solidFill>
+            <a:schemeClr val="tx1"/>
+          </a:solidFill>
+          <a:latin typeface="+mn-lt"/>
+          <a:ea typeface="+mn-ea"/>
+          <a:cs typeface="+mn-cs"/>
+        </a:defRPr>
+      </a:lvl1pPr>
+      <a:lvl2pPr marL="457200" algn="l" defTabSz="914400" rtl="0" eaLnBrk="1" latinLnBrk="0" hangingPunct="1">
+        <a:defRPr sz="1800" kern="1200">
+          <a:solidFill>
+            <a:schemeClr val="tx1"/>
+          </a:solidFill>
+          <a:latin typeface="+mn-lt"/>
+          <a:ea typeface="+mn-ea"/>
+          <a:cs typeface="+mn-cs"/>
+        </a:defRPr>
+      </a:lvl2pPr>
+      <a:lvl3pPr marL="914400" algn="l" defTabSz="914400" rtl="0" eaLnBrk="1" latinLnBrk="0" hangingPunct="1">
+        <a:defRPr sz="1800" kern="1200">
+          <a:solidFill>
+            <a:schemeClr val="tx1"/>
+          </a:solidFill>
+          <a:latin typeface="+mn-lt"/>
+          <a:ea typeface="+mn-ea"/>
+          <a:cs typeface="+mn-cs"/>
+        </a:defRPr>
+      </a:lvl3pPr>
+      <a:lvl4pPr marL="1371600" algn="l" defTabSz="914400" rtl="0" eaLnBrk="1" latinLnBrk="0" hangingPunct="1">
+        <a:defRPr sz="1800" kern="1200">
+          <a:solidFill>
+            <a:schemeClr val="tx1"/>
+          </a:solidFill>
+          <a:latin typeface="+mn-lt"/>
+          <a:ea typeface="+mn-ea"/>
+          <a:cs typeface="+mn-cs"/>
+        </a:defRPr>
+      </a:lvl4pPr>
+      <a:lvl5pPr marL="1828800" algn="l" defTabSz="914400" rtl="0" eaLnBrk="1" latinLnBrk="0" hangingPunct="1">
+        <a:defRPr sz="1800" kern="1200">
+          <a:solidFill>
+            <a:schemeClr val="tx1"/>
+          </a:solidFill>
+          <a:latin typeface="+mn-lt"/>
+          <a:ea typeface="+mn-ea"/>
+          <a:cs typeface="+mn-cs"/>
+        </a:defRPr>
+      </a:lvl5pPr>
+      <a:lvl6pPr marL="2286000" algn="l" defTabSz="914400" rtl="0" eaLnBrk="1" latinLnBrk="0" hangingPunct="1">
+        <a:defRPr sz="1800" kern="1200">
+          <a:solidFill>
+            <a:schemeClr val="tx1"/>
+          </a:solidFill>
+          <a:latin typeface="+mn-lt"/>
+          <a:ea typeface="+mn-ea"/>
+          <a:cs typeface="+mn-cs"/>
+        </a:defRPr>
+      </a:lvl6pPr>
+      <a:lvl7pPr marL="2743200" algn="l" defTabSz="914400" rtl="0" eaLnBrk="1" latinLnBrk="0" hangingPunct="1">
+        <a:defRPr sz="1800" kern="1200">
+          <a:solidFill>
+            <a:schemeClr val="tx1"/>
+          </a:solidFill>
+          <a:latin typeface="+mn-lt"/>
+          <a:ea typeface="+mn-ea"/>
+          <a:cs typeface="+mn-cs"/>
+        </a:defRPr>
+      </a:lvl7pPr>
+      <a:lvl8pPr marL="3200400" algn="l" defTabSz="914400" rtl="0" eaLnBrk="1" latinLnBrk="0" hangingPunct="1">
+        <a:defRPr sz="1800" kern="1200">
+          <a:solidFill>
+            <a:schemeClr val="tx1"/>
+          </a:solidFill>
+          <a:latin typeface="+mn-lt"/>
+          <a:ea typeface="+mn-ea"/>
+          <a:cs typeface="+mn-cs"/>
+        </a:defRPr>
+      </a:lvl8pPr>
+      <a:lvl9pPr marL="3657600" algn="l" defTabSz="914400" rtl="0" eaLnBrk="1" latinLnBrk="0" hangingPunct="1">
+        <a:defRPr sz="1800" kern="1200">
+          <a:solidFill>
+            <a:schemeClr val="tx1"/>
+          </a:solidFill>
+          <a:latin typeface="+mn-lt"/>
+          <a:ea typeface="+mn-ea"/>
+          <a:cs typeface="+mn-cs"/>
+        </a:defRPr>
+      </a:lvl9pPr>
+    </p:otherStyle>
+  </p:txStyles>
+</p:sldMaster>
+</file>
+
+<file path=ppt/slideMasters/slideMaster3.xml><?xml version="1.0" encoding="utf-8"?>
+<p:sldMaster xmlns:a="http://schemas.openxmlformats.org/drawingml/2006/main" xmlns:r="http://schemas.openxmlformats.org/officeDocument/2006/relationships" xmlns:p="http://schemas.openxmlformats.org/presentationml/2006/main">
+  <p:cSld>
+    <p:bg>
+      <p:bgRef idx="1002">
+        <a:schemeClr val="bg1"/>
+      </p:bgRef>
+    </p:bg>
+    <p:spTree>
+      <p:nvGrpSpPr>
+        <p:cNvPr id="1" name=""/>
+        <p:cNvGrpSpPr/>
+        <p:nvPr/>
+      </p:nvGrpSpPr>
+      <p:grpSpPr>
+        <a:xfrm>
+          <a:off x="0" y="0"/>
+          <a:ext cx="0" cy="0"/>
+          <a:chOff x="0" y="0"/>
+          <a:chExt cx="0" cy="0"/>
+        </a:xfrm>
+      </p:grpSpPr>
+      <p:sp>
+        <p:nvSpPr>
+          <p:cNvPr id="2" name="Title Placeholder 1"/>
+          <p:cNvSpPr>
+            <a:spLocks noGrp="1"/>
+          </p:cNvSpPr>
+          <p:nvPr>
+            <p:ph type="title"/>
+          </p:nvPr>
+        </p:nvSpPr>
+        <p:spPr>
+          <a:xfrm>
+            <a:off x="457200" y="0"/>
+            <a:ext cx="8229600" cy="1600200"/>
+          </a:xfrm>
+          <a:prstGeom prst="rect">
+            <a:avLst/>
+          </a:prstGeom>
+        </p:spPr>
+        <p:txBody>
+          <a:bodyPr vert="horz" lIns="91440" tIns="45720" rIns="91440" bIns="45720" rtlCol="0" anchor="b">
+            <a:noAutofit/>
+          </a:bodyPr>
+          <a:lstStyle/>
+          <a:p>
+            <a:r>
+              <a:rPr lang="en-US" smtClean="0"/>
+              <a:t>Click to edit Master title style</a:t>
+            </a:r>
+            <a:endParaRPr lang="en-US" dirty="0"/>
+          </a:p>
+        </p:txBody>
+      </p:sp>
+      <p:sp>
+        <p:nvSpPr>
+          <p:cNvPr id="3" name="Text Placeholder 2"/>
+          <p:cNvSpPr>
+            <a:spLocks noGrp="1"/>
+          </p:cNvSpPr>
+          <p:nvPr>
+            <p:ph type="body" idx="1"/>
+          </p:nvPr>
+        </p:nvSpPr>
+        <p:spPr>
+          <a:xfrm>
+            <a:off x="457200" y="1600200"/>
+            <a:ext cx="8229600" cy="4525963"/>
+          </a:xfrm>
+          <a:prstGeom prst="rect">
+            <a:avLst/>
+          </a:prstGeom>
+        </p:spPr>
+        <p:txBody>
+          <a:bodyPr vert="horz" lIns="91440" tIns="45720" rIns="91440" bIns="45720" rtlCol="0">
+            <a:normAutofit/>
+          </a:bodyPr>
+          <a:lstStyle/>
+          <a:p>
+            <a:pPr lvl="0"/>
+            <a:r>
+              <a:rPr lang="en-US" smtClean="0"/>
+              <a:t>Click to edit Master text styles</a:t>
+            </a:r>
+          </a:p>
+          <a:p>
+            <a:pPr lvl="1"/>
+            <a:r>
+              <a:rPr lang="en-US" smtClean="0"/>
+              <a:t>Second level</a:t>
+            </a:r>
+          </a:p>
+          <a:p>
+            <a:pPr lvl="2"/>
+            <a:r>
+              <a:rPr lang="en-US" smtClean="0"/>
+              <a:t>Third level</a:t>
+            </a:r>
+          </a:p>
+          <a:p>
+            <a:pPr lvl="3"/>
+            <a:r>
+              <a:rPr lang="en-US" smtClean="0"/>
+              <a:t>Fourth level</a:t>
+            </a:r>
+          </a:p>
+          <a:p>
+            <a:pPr lvl="4"/>
+            <a:r>
+              <a:rPr lang="en-US" smtClean="0"/>
+              <a:t>Fifth level</a:t>
+            </a:r>
+            <a:endParaRPr lang="en-US" dirty="0" smtClean="0"/>
+          </a:p>
+        </p:txBody>
+      </p:sp>
+      <p:sp>
+        <p:nvSpPr>
+          <p:cNvPr id="4" name="Date Placeholder 3"/>
+          <p:cNvSpPr>
+            <a:spLocks noGrp="1"/>
+          </p:cNvSpPr>
+          <p:nvPr>
+            <p:ph type="dt" sz="half" idx="2"/>
+          </p:nvPr>
+        </p:nvSpPr>
+        <p:spPr>
+          <a:xfrm>
+            <a:off x="6363347" y="6356350"/>
+            <a:ext cx="2085975" cy="365125"/>
+          </a:xfrm>
+          <a:prstGeom prst="rect">
+            <a:avLst/>
+          </a:prstGeom>
+        </p:spPr>
+        <p:txBody>
+          <a:bodyPr vert="horz" lIns="91440" tIns="45720" rIns="45720" bIns="45720" rtlCol="0" anchor="ctr"/>
+          <a:lstStyle>
+            <a:lvl1pPr algn="r">
+              <a:defRPr sz="1200">
+                <a:solidFill>
+                  <a:schemeClr val="tx1">
+                    <a:lumMod val="65000"/>
+                    <a:lumOff val="35000"/>
+                  </a:schemeClr>
+                </a:solidFill>
+                <a:latin typeface="Century Gothic" pitchFamily="34" charset="0"/>
+              </a:defRPr>
+            </a:lvl1pPr>
+          </a:lstStyle>
+          <a:p>
+            <a:fld id="{1D8BD707-D9CF-40AE-B4C6-C98DA3205C09}" type="datetimeFigureOut">
+              <a:rPr lang="en-US" smtClean="0">
+                <a:solidFill>
+                  <a:prstClr val="black">
+                    <a:lumMod val="65000"/>
+                    <a:lumOff val="35000"/>
+                  </a:prstClr>
+                </a:solidFill>
+              </a:rPr>
+              <a:pPr/>
+              <a:t>29/5/2017</a:t>
+            </a:fld>
+            <a:endParaRPr lang="en-US">
+              <a:solidFill>
+                <a:prstClr val="black">
+                  <a:lumMod val="65000"/>
+                  <a:lumOff val="35000"/>
+                </a:prstClr>
+              </a:solidFill>
+            </a:endParaRPr>
+          </a:p>
+        </p:txBody>
+      </p:sp>
+      <p:sp>
+        <p:nvSpPr>
+          <p:cNvPr id="5" name="Footer Placeholder 4"/>
+          <p:cNvSpPr>
+            <a:spLocks noGrp="1"/>
+          </p:cNvSpPr>
+          <p:nvPr>
+            <p:ph type="ftr" sz="quarter" idx="3"/>
+          </p:nvPr>
+        </p:nvSpPr>
+        <p:spPr>
+          <a:xfrm>
+            <a:off x="659165" y="6356350"/>
+            <a:ext cx="2847975" cy="365125"/>
+          </a:xfrm>
+          <a:prstGeom prst="rect">
+            <a:avLst/>
+          </a:prstGeom>
+        </p:spPr>
+        <p:txBody>
+          <a:bodyPr vert="horz" lIns="45720" tIns="45720" rIns="91440" bIns="45720" rtlCol="0" anchor="ctr"/>
+          <a:lstStyle>
+            <a:lvl1pPr algn="l">
+              <a:defRPr sz="1200">
+                <a:solidFill>
+                  <a:schemeClr val="tx1">
+                    <a:lumMod val="65000"/>
+                    <a:lumOff val="35000"/>
+                  </a:schemeClr>
+                </a:solidFill>
+                <a:latin typeface="Century Gothic" pitchFamily="34" charset="0"/>
+              </a:defRPr>
+            </a:lvl1pPr>
+          </a:lstStyle>
+          <a:p>
+            <a:endParaRPr lang="en-US">
+              <a:solidFill>
+                <a:prstClr val="black">
+                  <a:lumMod val="65000"/>
+                  <a:lumOff val="35000"/>
+                </a:prstClr>
+              </a:solidFill>
+            </a:endParaRPr>
+          </a:p>
+        </p:txBody>
+      </p:sp>
+      <p:sp>
+        <p:nvSpPr>
+          <p:cNvPr id="6" name="Slide Number Placeholder 5"/>
+          <p:cNvSpPr>
+            <a:spLocks noGrp="1"/>
+          </p:cNvSpPr>
+          <p:nvPr>
+            <p:ph type="sldNum" sz="quarter" idx="4"/>
+          </p:nvPr>
+        </p:nvSpPr>
+        <p:spPr>
+          <a:xfrm>
+            <a:off x="8543278" y="6356350"/>
+            <a:ext cx="561975" cy="365125"/>
+          </a:xfrm>
+          <a:prstGeom prst="rect">
+            <a:avLst/>
+          </a:prstGeom>
+        </p:spPr>
+        <p:txBody>
+          <a:bodyPr vert="horz" lIns="27432" tIns="45720" rIns="45720" bIns="45720" rtlCol="0" anchor="ctr"/>
+          <a:lstStyle>
+            <a:lvl1pPr algn="l">
+              <a:defRPr sz="1200">
+                <a:solidFill>
+                  <a:schemeClr val="tx1">
+                    <a:lumMod val="65000"/>
+                    <a:lumOff val="35000"/>
+                  </a:schemeClr>
+                </a:solidFill>
+                <a:latin typeface="Century Gothic" pitchFamily="34" charset="0"/>
+              </a:defRPr>
+            </a:lvl1pPr>
+          </a:lstStyle>
+          <a:p>
+            <a:fld id="{B6F15528-21DE-4FAA-801E-634DDDAF4B2B}" type="slidenum">
+              <a:rPr lang="en-US" smtClean="0">
+                <a:solidFill>
+                  <a:prstClr val="black">
+                    <a:lumMod val="65000"/>
+                    <a:lumOff val="35000"/>
+                  </a:prstClr>
+                </a:solidFill>
+              </a:rPr>
+              <a:pPr/>
+              <a:t>‹#›</a:t>
+            </a:fld>
+            <a:endParaRPr lang="en-US">
+              <a:solidFill>
+                <a:prstClr val="black">
+                  <a:lumMod val="65000"/>
+                  <a:lumOff val="35000"/>
+                </a:prstClr>
+              </a:solidFill>
+            </a:endParaRPr>
+          </a:p>
+        </p:txBody>
+      </p:sp>
+      <p:sp>
+        <p:nvSpPr>
+          <p:cNvPr id="7" name="Oval 6"/>
+          <p:cNvSpPr/>
+          <p:nvPr/>
+        </p:nvSpPr>
+        <p:spPr>
+          <a:xfrm>
+            <a:off x="8457760" y="6499384"/>
+            <a:ext cx="84772" cy="84772"/>
+          </a:xfrm>
+          <a:prstGeom prst="ellipse">
+            <a:avLst/>
+          </a:prstGeom>
+          <a:solidFill>
+            <a:schemeClr val="tx1">
+              <a:lumMod val="50000"/>
+              <a:lumOff val="50000"/>
+            </a:schemeClr>
+          </a:solidFill>
+          <a:ln w="12700">
+            <a:noFill/>
+          </a:ln>
+          <a:effectLst/>
+        </p:spPr>
+        <p:style>
+          <a:lnRef idx="2">
+            <a:schemeClr val="accent1">
+              <a:shade val="50000"/>
+            </a:schemeClr>
+          </a:lnRef>
+          <a:fillRef idx="1">
+            <a:schemeClr val="accent1"/>
+          </a:fillRef>
+          <a:effectRef idx="0">
+            <a:schemeClr val="accent1"/>
+          </a:effectRef>
+          <a:fontRef idx="minor">
+            <a:schemeClr val="lt1"/>
+          </a:fontRef>
+        </p:style>
+        <p:txBody>
+          <a:bodyPr rtlCol="0" anchor="ctr"/>
+          <a:lstStyle/>
+          <a:p>
+            <a:pPr algn="ctr"/>
+            <a:endParaRPr lang="en-US">
+              <a:solidFill>
+                <a:prstClr val="white"/>
+              </a:solidFill>
+            </a:endParaRPr>
+          </a:p>
+        </p:txBody>
+      </p:sp>
+      <p:sp>
+        <p:nvSpPr>
+          <p:cNvPr id="8" name="Oval 7"/>
+          <p:cNvSpPr/>
+          <p:nvPr/>
+        </p:nvSpPr>
+        <p:spPr>
+          <a:xfrm>
+            <a:off x="569119" y="6499384"/>
+            <a:ext cx="84772" cy="84772"/>
+          </a:xfrm>
+          <a:prstGeom prst="ellipse">
+            <a:avLst/>
+          </a:prstGeom>
+          <a:solidFill>
+            <a:schemeClr val="tx1">
+              <a:lumMod val="50000"/>
+              <a:lumOff val="50000"/>
+            </a:schemeClr>
+          </a:solidFill>
+          <a:ln w="12700">
+            <a:noFill/>
+          </a:ln>
+          <a:effectLst/>
+        </p:spPr>
+        <p:style>
+          <a:lnRef idx="2">
+            <a:schemeClr val="accent1">
+              <a:shade val="50000"/>
+            </a:schemeClr>
+          </a:lnRef>
+          <a:fillRef idx="1">
+            <a:schemeClr val="accent1"/>
+          </a:fillRef>
+          <a:effectRef idx="0">
+            <a:schemeClr val="accent1"/>
+          </a:effectRef>
+          <a:fontRef idx="minor">
+            <a:schemeClr val="lt1"/>
+          </a:fontRef>
+        </p:style>
+        <p:txBody>
+          <a:bodyPr rtlCol="0" anchor="ctr"/>
+          <a:lstStyle/>
+          <a:p>
+            <a:pPr algn="ctr"/>
+            <a:endParaRPr lang="en-US">
+              <a:solidFill>
+                <a:prstClr val="white"/>
+              </a:solidFill>
+            </a:endParaRPr>
+          </a:p>
+        </p:txBody>
+      </p:sp>
+    </p:spTree>
+    <p:extLst>
+      <p:ext uri="{BB962C8B-B14F-4D97-AF65-F5344CB8AC3E}">
+        <p14:creationId xmlns:p14="http://schemas.microsoft.com/office/powerpoint/2010/main" val="1470770781"/>
+      </p:ext>
+    </p:extLst>
+  </p:cSld>
+  <p:clrMap bg1="lt1" tx1="dk1" bg2="lt2" tx2="dk2" accent1="accent1" accent2="accent2" accent3="accent3" accent4="accent4" accent5="accent5" accent6="accent6" hlink="hlink" folHlink="folHlink"/>
+  <p:sldLayoutIdLst>
+    <p:sldLayoutId id="2147483697" r:id="rId1"/>
+    <p:sldLayoutId id="2147483698" r:id="rId2"/>
+    <p:sldLayoutId id="2147483699" r:id="rId3"/>
+    <p:sldLayoutId id="2147483700" r:id="rId4"/>
+    <p:sldLayoutId id="2147483701" r:id="rId5"/>
+    <p:sldLayoutId id="2147483702" r:id="rId6"/>
+    <p:sldLayoutId id="2147483703" r:id="rId7"/>
+    <p:sldLayoutId id="2147483704" r:id="rId8"/>
+    <p:sldLayoutId id="2147483705" r:id="rId9"/>
+    <p:sldLayoutId id="2147483706" r:id="rId10"/>
+    <p:sldLayoutId id="2147483707" r:id="rId11"/>
+  </p:sldLayoutIdLst>
+  <p:txStyles>
+    <p:titleStyle>
+      <a:lvl1pPr algn="ctr" defTabSz="914400" rtl="0" eaLnBrk="1" latinLnBrk="0" hangingPunct="1">
+        <a:lnSpc>
+          <a:spcPts val="5800"/>
+        </a:lnSpc>
+        <a:spcBef>
+          <a:spcPct val="0"/>
+        </a:spcBef>
+        <a:buNone/>
+        <a:defRPr sz="5400" kern="1200">
+          <a:solidFill>
+            <a:schemeClr val="tx2"/>
+          </a:solidFill>
+          <a:effectLst>
+            <a:outerShdw blurRad="63500" dist="38100" dir="5400000" algn="t" rotWithShape="0">
+              <a:prstClr val="black">
+                <a:alpha val="25000"/>
+              </a:prstClr>
+            </a:outerShdw>
+          </a:effectLst>
+          <a:latin typeface="+mn-lt"/>
+          <a:ea typeface="+mj-ea"/>
+          <a:cs typeface="+mj-cs"/>
+        </a:defRPr>
+      </a:lvl1pPr>
+    </p:titleStyle>
+    <p:bodyStyle>
+      <a:lvl1pPr marL="342900" indent="-342900" algn="l" defTabSz="914400" rtl="0" eaLnBrk="1" latinLnBrk="0" hangingPunct="1">
+        <a:spcBef>
+          <a:spcPct val="20000"/>
+        </a:spcBef>
+        <a:buFont typeface="Arial" pitchFamily="34" charset="0"/>
+        <a:buChar char="•"/>
+        <a:defRPr sz="2400" kern="1200">
+          <a:solidFill>
+            <a:schemeClr val="tx1">
+              <a:lumMod val="50000"/>
+              <a:lumOff val="50000"/>
+            </a:schemeClr>
+          </a:solidFill>
+          <a:latin typeface="+mj-lt"/>
+          <a:ea typeface="+mn-ea"/>
+          <a:cs typeface="+mn-cs"/>
+        </a:defRPr>
+      </a:lvl1pPr>
+      <a:lvl2pPr marL="742950" indent="-285750" algn="l" defTabSz="914400" rtl="0" eaLnBrk="1" latinLnBrk="0" hangingPunct="1">
+        <a:spcBef>
+          <a:spcPct val="20000"/>
+        </a:spcBef>
+        <a:buFont typeface="Courier New" pitchFamily="49" charset="0"/>
+        <a:buChar char="o"/>
+        <a:defRPr sz="1600" kern="1200">
+          <a:solidFill>
+            <a:schemeClr val="tx1">
+              <a:lumMod val="50000"/>
+              <a:lumOff val="50000"/>
+            </a:schemeClr>
+          </a:solidFill>
+          <a:latin typeface="+mj-lt"/>
+          <a:ea typeface="+mn-ea"/>
+          <a:cs typeface="+mn-cs"/>
+        </a:defRPr>
+      </a:lvl2pPr>
+      <a:lvl3pPr marL="1143000" indent="-228600" algn="l" defTabSz="914400" rtl="0" eaLnBrk="1" latinLnBrk="0" hangingPunct="1">
+        <a:spcBef>
+          <a:spcPct val="20000"/>
+        </a:spcBef>
+        <a:buFont typeface="Arial" pitchFamily="34" charset="0"/>
+        <a:buChar char="•"/>
+        <a:defRPr sz="1600" kern="1200">
+          <a:solidFill>
+            <a:schemeClr val="tx1">
+              <a:lumMod val="50000"/>
+              <a:lumOff val="50000"/>
+            </a:schemeClr>
+          </a:solidFill>
+          <a:latin typeface="+mj-lt"/>
+          <a:ea typeface="+mn-ea"/>
+          <a:cs typeface="+mn-cs"/>
+        </a:defRPr>
+      </a:lvl3pPr>
+      <a:lvl4pPr marL="1600200" indent="-228600" algn="l" defTabSz="914400" rtl="0" eaLnBrk="1" latinLnBrk="0" hangingPunct="1">
+        <a:spcBef>
+          <a:spcPct val="20000"/>
+        </a:spcBef>
+        <a:buFont typeface="Courier New" pitchFamily="49" charset="0"/>
+        <a:buChar char="o"/>
+        <a:defRPr sz="1600" kern="1200">
+          <a:solidFill>
+            <a:schemeClr val="tx1">
+              <a:lumMod val="50000"/>
+              <a:lumOff val="50000"/>
+            </a:schemeClr>
+          </a:solidFill>
+          <a:latin typeface="+mj-lt"/>
+          <a:ea typeface="+mn-ea"/>
+          <a:cs typeface="+mn-cs"/>
+        </a:defRPr>
+      </a:lvl4pPr>
+      <a:lvl5pPr marL="2057400" indent="-228600" algn="l" defTabSz="914400" rtl="0" eaLnBrk="1" latinLnBrk="0" hangingPunct="1">
+        <a:spcBef>
+          <a:spcPct val="20000"/>
+        </a:spcBef>
+        <a:buFont typeface="Arial" pitchFamily="34" charset="0"/>
+        <a:buChar char="•"/>
+        <a:defRPr sz="1600" kern="1200">
+          <a:solidFill>
+            <a:schemeClr val="tx1">
+              <a:lumMod val="50000"/>
+              <a:lumOff val="50000"/>
+            </a:schemeClr>
+          </a:solidFill>
+          <a:latin typeface="+mj-lt"/>
+          <a:ea typeface="+mn-ea"/>
+          <a:cs typeface="+mn-cs"/>
+        </a:defRPr>
+      </a:lvl5pPr>
+      <a:lvl6pPr marL="2514600" indent="-228600" algn="l" defTabSz="914400" rtl="0" eaLnBrk="1" latinLnBrk="0" hangingPunct="1">
+        <a:spcBef>
+          <a:spcPct val="20000"/>
+        </a:spcBef>
+        <a:buFont typeface="Courier New" pitchFamily="49" charset="0"/>
+        <a:buChar char="o"/>
+        <a:defRPr sz="1600" kern="1200">
+          <a:solidFill>
+            <a:schemeClr val="tx1">
+              <a:lumMod val="50000"/>
+              <a:lumOff val="50000"/>
+            </a:schemeClr>
+          </a:solidFill>
+          <a:latin typeface="+mj-lt"/>
+          <a:ea typeface="+mn-ea"/>
+          <a:cs typeface="+mn-cs"/>
+        </a:defRPr>
+      </a:lvl6pPr>
+      <a:lvl7pPr marL="2971800" indent="-228600" algn="l" defTabSz="914400" rtl="0" eaLnBrk="1" latinLnBrk="0" hangingPunct="1">
+        <a:spcBef>
+          <a:spcPct val="20000"/>
+        </a:spcBef>
+        <a:buFont typeface="Arial" pitchFamily="34" charset="0"/>
+        <a:buChar char="•"/>
+        <a:defRPr sz="1600" kern="1200">
+          <a:solidFill>
+            <a:schemeClr val="tx1">
+              <a:lumMod val="50000"/>
+              <a:lumOff val="50000"/>
+            </a:schemeClr>
+          </a:solidFill>
+          <a:latin typeface="+mj-lt"/>
+          <a:ea typeface="+mn-ea"/>
+          <a:cs typeface="+mn-cs"/>
+        </a:defRPr>
+      </a:lvl7pPr>
+      <a:lvl8pPr marL="3429000" indent="-228600" algn="l" defTabSz="914400" rtl="0" eaLnBrk="1" latinLnBrk="0" hangingPunct="1">
+        <a:spcBef>
+          <a:spcPct val="20000"/>
+        </a:spcBef>
+        <a:buFont typeface="Courier New" pitchFamily="49" charset="0"/>
+        <a:buChar char="o"/>
+        <a:defRPr sz="1600" kern="1200">
+          <a:solidFill>
+            <a:schemeClr val="tx1">
+              <a:lumMod val="50000"/>
+              <a:lumOff val="50000"/>
+            </a:schemeClr>
+          </a:solidFill>
+          <a:latin typeface="+mj-lt"/>
+          <a:ea typeface="+mn-ea"/>
+          <a:cs typeface="+mn-cs"/>
+        </a:defRPr>
+      </a:lvl8pPr>
+      <a:lvl9pPr marL="3886200" indent="-228600" algn="l" defTabSz="914400" rtl="0" eaLnBrk="1" latinLnBrk="0" hangingPunct="1">
+        <a:spcBef>
+          <a:spcPct val="20000"/>
+        </a:spcBef>
+        <a:buFont typeface="Arial" pitchFamily="34" charset="0"/>
+        <a:buChar char="•"/>
+        <a:defRPr sz="1600" kern="1200">
+          <a:solidFill>
+            <a:schemeClr val="tx1">
+              <a:lumMod val="50000"/>
+              <a:lumOff val="50000"/>
+            </a:schemeClr>
+          </a:solidFill>
+          <a:latin typeface="+mj-lt"/>
+          <a:ea typeface="+mn-ea"/>
+          <a:cs typeface="+mn-cs"/>
+        </a:defRPr>
+      </a:lvl9pPr>
+    </p:bodyStyle>
+    <p:otherStyle>
+      <a:defPPr>
+        <a:defRPr lang="en-US"/>
+      </a:defPPr>
+      <a:lvl1pPr marL="0" algn="l" defTabSz="914400" rtl="0" eaLnBrk="1" latinLnBrk="0" hangingPunct="1">
+        <a:defRPr sz="1800" kern="1200">
+          <a:solidFill>
+            <a:schemeClr val="tx1"/>
+          </a:solidFill>
+          <a:latin typeface="+mn-lt"/>
+          <a:ea typeface="+mn-ea"/>
+          <a:cs typeface="+mn-cs"/>
+        </a:defRPr>
+      </a:lvl1pPr>
+      <a:lvl2pPr marL="457200" algn="l" defTabSz="914400" rtl="0" eaLnBrk="1" latinLnBrk="0" hangingPunct="1">
+        <a:defRPr sz="1800" kern="1200">
+          <a:solidFill>
+            <a:schemeClr val="tx1"/>
+          </a:solidFill>
+          <a:latin typeface="+mn-lt"/>
+          <a:ea typeface="+mn-ea"/>
+          <a:cs typeface="+mn-cs"/>
+        </a:defRPr>
+      </a:lvl2pPr>
+      <a:lvl3pPr marL="914400" algn="l" defTabSz="914400" rtl="0" eaLnBrk="1" latinLnBrk="0" hangingPunct="1">
+        <a:defRPr sz="1800" kern="1200">
+          <a:solidFill>
+            <a:schemeClr val="tx1"/>
+          </a:solidFill>
+          <a:latin typeface="+mn-lt"/>
+          <a:ea typeface="+mn-ea"/>
+          <a:cs typeface="+mn-cs"/>
+        </a:defRPr>
+      </a:lvl3pPr>
+      <a:lvl4pPr marL="1371600" algn="l" defTabSz="914400" rtl="0" eaLnBrk="1" latinLnBrk="0" hangingPunct="1">
+        <a:defRPr sz="1800" kern="1200">
+          <a:solidFill>
+            <a:schemeClr val="tx1"/>
+          </a:solidFill>
+          <a:latin typeface="+mn-lt"/>
+          <a:ea typeface="+mn-ea"/>
+          <a:cs typeface="+mn-cs"/>
+        </a:defRPr>
+      </a:lvl4pPr>
+      <a:lvl5pPr marL="1828800" algn="l" defTabSz="914400" rtl="0" eaLnBrk="1" latinLnBrk="0" hangingPunct="1">
+        <a:defRPr sz="1800" kern="1200">
+          <a:solidFill>
+            <a:schemeClr val="tx1"/>
+          </a:solidFill>
+          <a:latin typeface="+mn-lt"/>
+          <a:ea typeface="+mn-ea"/>
+          <a:cs typeface="+mn-cs"/>
+        </a:defRPr>
+      </a:lvl5pPr>
+      <a:lvl6pPr marL="2286000" algn="l" defTabSz="914400" rtl="0" eaLnBrk="1" latinLnBrk="0" hangingPunct="1">
+        <a:defRPr sz="1800" kern="1200">
+          <a:solidFill>
+            <a:schemeClr val="tx1"/>
+          </a:solidFill>
+          <a:latin typeface="+mn-lt"/>
+          <a:ea typeface="+mn-ea"/>
+          <a:cs typeface="+mn-cs"/>
+        </a:defRPr>
+      </a:lvl6pPr>
+      <a:lvl7pPr marL="2743200" algn="l" defTabSz="914400" rtl="0" eaLnBrk="1" latinLnBrk="0" hangingPunct="1">
+        <a:defRPr sz="1800" kern="1200">
+          <a:solidFill>
+            <a:schemeClr val="tx1"/>
+          </a:solidFill>
+          <a:latin typeface="+mn-lt"/>
+          <a:ea typeface="+mn-ea"/>
+          <a:cs typeface="+mn-cs"/>
+        </a:defRPr>
+      </a:lvl7pPr>
+      <a:lvl8pPr marL="3200400" algn="l" defTabSz="914400" rtl="0" eaLnBrk="1" latinLnBrk="0" hangingPunct="1">
+        <a:defRPr sz="1800" kern="1200">
+          <a:solidFill>
+            <a:schemeClr val="tx1"/>
+          </a:solidFill>
+          <a:latin typeface="+mn-lt"/>
+          <a:ea typeface="+mn-ea"/>
+          <a:cs typeface="+mn-cs"/>
+        </a:defRPr>
+      </a:lvl8pPr>
+      <a:lvl9pPr marL="3657600" algn="l" defTabSz="914400" rtl="0" eaLnBrk="1" latinLnBrk="0" hangingPunct="1">
+        <a:defRPr sz="1800" kern="1200">
+          <a:solidFill>
+            <a:schemeClr val="tx1"/>
+          </a:solidFill>
+          <a:latin typeface="+mn-lt"/>
+          <a:ea typeface="+mn-ea"/>
+          <a:cs typeface="+mn-cs"/>
+        </a:defRPr>
+      </a:lvl9pPr>
+    </p:otherStyle>
+  </p:txStyles>
+</p:sldMaster>
+</file>
+
 <file path=ppt/slides/slide1.xml><?xml version="1.0" encoding="utf-8"?>
-<p:sld xmlns:a="http://schemas.openxmlformats.org/drawingml/2006/main" xmlns:r="http://schemas.openxmlformats.org/officeDocument/2006/relationships" xmlns:p="http://schemas.openxmlformats.org/presentationml/2006/main">
+<p:sld xmlns:a="http://schemas.openxmlformats.org/drawingml/2006/main" xmlns:r="http://schemas.openxmlformats.org/officeDocument/2006/relationships" xmlns:p="http://schemas.openxmlformats.org/presentationml/2006/main" showMasterSp="0">
   <p:cSld>
     <p:spTree>
       <p:nvGrpSpPr>
@@ -3945,7 +11419,7 @@
 </file>
 
 <file path=ppt/slides/slide2.xml><?xml version="1.0" encoding="utf-8"?>
-<p:sld xmlns:a="http://schemas.openxmlformats.org/drawingml/2006/main" xmlns:r="http://schemas.openxmlformats.org/officeDocument/2006/relationships" xmlns:p="http://schemas.openxmlformats.org/presentationml/2006/main">
+<p:sld xmlns:a="http://schemas.openxmlformats.org/drawingml/2006/main" xmlns:r="http://schemas.openxmlformats.org/officeDocument/2006/relationships" xmlns:p="http://schemas.openxmlformats.org/presentationml/2006/main" showMasterSp="0">
   <p:cSld>
     <p:spTree>
       <p:nvGrpSpPr>
@@ -3971,7 +11445,12 @@
             <p:ph type="title"/>
           </p:nvPr>
         </p:nvSpPr>
-        <p:spPr/>
+        <p:spPr>
+          <a:xfrm>
+            <a:off x="457200" y="23446"/>
+            <a:ext cx="8229600" cy="1295400"/>
+          </a:xfrm>
+        </p:spPr>
         <p:txBody>
           <a:bodyPr/>
           <a:lstStyle/>
@@ -3996,10 +11475,73 @@
         </p:nvSpPr>
         <p:spPr/>
         <p:txBody>
-          <a:bodyPr/>
-          <a:lstStyle/>
-          <a:p>
-            <a:endParaRPr lang="en-US"/>
+          <a:bodyPr>
+            <a:normAutofit fontScale="92500"/>
+          </a:bodyPr>
+          <a:lstStyle/>
+          <a:p>
+            <a:r>
+              <a:rPr lang="en-US" dirty="0" smtClean="0"/>
+              <a:t>The </a:t>
+            </a:r>
+            <a:r>
+              <a:rPr lang="en-US" dirty="0"/>
+              <a:t>problem of automatic language identification (LID) can be defined as the process of automatically identifying the language of a given spoken utterance</a:t>
+            </a:r>
+            <a:r>
+              <a:rPr lang="en-US" dirty="0" smtClean="0"/>
+              <a:t>.</a:t>
+            </a:r>
+          </a:p>
+          <a:p>
+            <a:endParaRPr lang="en-US" dirty="0"/>
+          </a:p>
+          <a:p>
+            <a:r>
+              <a:rPr lang="en-US" dirty="0" smtClean="0"/>
+              <a:t>LID can be used by speech </a:t>
+            </a:r>
+            <a:r>
+              <a:rPr lang="en-US" dirty="0"/>
+              <a:t>recognition systems, multilingual translation systems or </a:t>
+            </a:r>
+            <a:r>
+              <a:rPr lang="en-US" dirty="0" smtClean="0"/>
+              <a:t>call-centers(e.g</a:t>
+            </a:r>
+            <a:r>
+              <a:rPr lang="en-US" dirty="0"/>
+              <a:t>., emergency calls) </a:t>
+            </a:r>
+            <a:r>
+              <a:rPr lang="en-US" dirty="0" smtClean="0"/>
+              <a:t>routing.</a:t>
+            </a:r>
+          </a:p>
+          <a:p>
+            <a:endParaRPr lang="en-US" dirty="0"/>
+          </a:p>
+          <a:p>
+            <a:r>
+              <a:rPr lang="en-US" dirty="0" smtClean="0"/>
+              <a:t>Also LID can be used by </a:t>
+            </a:r>
+            <a:r>
+              <a:rPr lang="en-US" dirty="0"/>
+              <a:t>intelligence and security, where the language identities of recorded </a:t>
+            </a:r>
+            <a:r>
+              <a:rPr lang="en-US" dirty="0" smtClean="0"/>
+              <a:t>messages need to be established </a:t>
+            </a:r>
+            <a:r>
+              <a:rPr lang="en-US" dirty="0"/>
+              <a:t>before any information can be extracted</a:t>
+            </a:r>
+            <a:r>
+              <a:rPr lang="en-US" dirty="0" smtClean="0"/>
+              <a:t>.</a:t>
+            </a:r>
           </a:p>
         </p:txBody>
       </p:sp>
@@ -4007,6 +11549,274 @@
     <p:extLst>
       <p:ext uri="{BB962C8B-B14F-4D97-AF65-F5344CB8AC3E}">
         <p14:creationId xmlns:p14="http://schemas.microsoft.com/office/powerpoint/2010/main" val="2125055378"/>
+      </p:ext>
+    </p:extLst>
+  </p:cSld>
+  <p:clrMapOvr>
+    <a:masterClrMapping/>
+  </p:clrMapOvr>
+  <p:timing>
+    <p:tnLst>
+      <p:par>
+        <p:cTn id="1" dur="indefinite" restart="never" nodeType="tmRoot"/>
+      </p:par>
+    </p:tnLst>
+  </p:timing>
+</p:sld>
+</file>
+
+<file path=ppt/slides/slide3.xml><?xml version="1.0" encoding="utf-8"?>
+<p:sld xmlns:a="http://schemas.openxmlformats.org/drawingml/2006/main" xmlns:r="http://schemas.openxmlformats.org/officeDocument/2006/relationships" xmlns:p="http://schemas.openxmlformats.org/presentationml/2006/main" showMasterSp="0">
+  <p:cSld>
+    <p:spTree>
+      <p:nvGrpSpPr>
+        <p:cNvPr id="1" name=""/>
+        <p:cNvGrpSpPr/>
+        <p:nvPr/>
+      </p:nvGrpSpPr>
+      <p:grpSpPr>
+        <a:xfrm>
+          <a:off x="0" y="0"/>
+          <a:ext cx="0" cy="0"/>
+          <a:chOff x="0" y="0"/>
+          <a:chExt cx="0" cy="0"/>
+        </a:xfrm>
+      </p:grpSpPr>
+      <p:sp>
+        <p:nvSpPr>
+          <p:cNvPr id="2" name="Title 1"/>
+          <p:cNvSpPr>
+            <a:spLocks noGrp="1"/>
+          </p:cNvSpPr>
+          <p:nvPr>
+            <p:ph type="title"/>
+          </p:nvPr>
+        </p:nvSpPr>
+        <p:spPr>
+          <a:xfrm>
+            <a:off x="457200" y="23446"/>
+            <a:ext cx="8229600" cy="1295400"/>
+          </a:xfrm>
+        </p:spPr>
+        <p:txBody>
+          <a:bodyPr/>
+          <a:lstStyle/>
+          <a:p>
+            <a:r>
+              <a:rPr lang="en-US" dirty="0" smtClean="0"/>
+              <a:t>Introduction</a:t>
+            </a:r>
+            <a:endParaRPr lang="en-US" dirty="0"/>
+          </a:p>
+        </p:txBody>
+      </p:sp>
+      <p:sp>
+        <p:nvSpPr>
+          <p:cNvPr id="3" name="Content Placeholder 2"/>
+          <p:cNvSpPr>
+            <a:spLocks noGrp="1"/>
+          </p:cNvSpPr>
+          <p:nvPr>
+            <p:ph idx="1"/>
+          </p:nvPr>
+        </p:nvSpPr>
+        <p:spPr/>
+        <p:txBody>
+          <a:bodyPr>
+            <a:normAutofit lnSpcReduction="10000"/>
+          </a:bodyPr>
+          <a:lstStyle/>
+          <a:p>
+            <a:r>
+              <a:rPr lang="en-US" dirty="0"/>
+              <a:t>Our project aims at spoken language identification in speech audio samples using Deep Learning Models (DNNs). </a:t>
+            </a:r>
+            <a:endParaRPr lang="en-US" dirty="0"/>
+          </a:p>
+          <a:p>
+            <a:endParaRPr lang="en-US" dirty="0"/>
+          </a:p>
+          <a:p>
+            <a:r>
+              <a:rPr lang="en-US" dirty="0" smtClean="0"/>
+              <a:t>We have used acoustic modelling for our LID system. Audio </a:t>
+            </a:r>
+            <a:r>
+              <a:rPr lang="en-US" dirty="0"/>
+              <a:t>is divided into small chunks called frames and raw audio signal from each frame is transformed by applying the mel-frequency cepstrum. </a:t>
+            </a:r>
+          </a:p>
+          <a:p>
+            <a:endParaRPr lang="en-US" dirty="0"/>
+          </a:p>
+          <a:p>
+            <a:r>
+              <a:rPr lang="en-US" dirty="0"/>
+              <a:t>The coefficients from this transformation called MFCCs are used as input to the acoustic model.</a:t>
+            </a:r>
+          </a:p>
+          <a:p>
+            <a:endParaRPr lang="en-US" dirty="0" smtClean="0"/>
+          </a:p>
+          <a:p>
+            <a:endParaRPr lang="en-US" dirty="0"/>
+          </a:p>
+        </p:txBody>
+      </p:sp>
+    </p:spTree>
+    <p:extLst>
+      <p:ext uri="{BB962C8B-B14F-4D97-AF65-F5344CB8AC3E}">
+        <p14:creationId xmlns:p14="http://schemas.microsoft.com/office/powerpoint/2010/main" val="574087675"/>
+      </p:ext>
+    </p:extLst>
+  </p:cSld>
+  <p:clrMapOvr>
+    <a:masterClrMapping/>
+  </p:clrMapOvr>
+  <p:timing>
+    <p:tnLst>
+      <p:par>
+        <p:cTn id="1" dur="indefinite" restart="never" nodeType="tmRoot"/>
+      </p:par>
+    </p:tnLst>
+  </p:timing>
+</p:sld>
+</file>
+
+<file path=ppt/slides/slide4.xml><?xml version="1.0" encoding="utf-8"?>
+<p:sld xmlns:a="http://schemas.openxmlformats.org/drawingml/2006/main" xmlns:r="http://schemas.openxmlformats.org/officeDocument/2006/relationships" xmlns:p="http://schemas.openxmlformats.org/presentationml/2006/main" showMasterSp="0">
+  <p:cSld>
+    <p:spTree>
+      <p:nvGrpSpPr>
+        <p:cNvPr id="1" name=""/>
+        <p:cNvGrpSpPr/>
+        <p:nvPr/>
+      </p:nvGrpSpPr>
+      <p:grpSpPr>
+        <a:xfrm>
+          <a:off x="0" y="0"/>
+          <a:ext cx="0" cy="0"/>
+          <a:chOff x="0" y="0"/>
+          <a:chExt cx="0" cy="0"/>
+        </a:xfrm>
+      </p:grpSpPr>
+      <p:sp>
+        <p:nvSpPr>
+          <p:cNvPr id="2" name="Title 1"/>
+          <p:cNvSpPr>
+            <a:spLocks noGrp="1"/>
+          </p:cNvSpPr>
+          <p:nvPr>
+            <p:ph type="title"/>
+          </p:nvPr>
+        </p:nvSpPr>
+        <p:spPr>
+          <a:xfrm>
+            <a:off x="457200" y="23446"/>
+            <a:ext cx="8229600" cy="1295400"/>
+          </a:xfrm>
+        </p:spPr>
+        <p:txBody>
+          <a:bodyPr/>
+          <a:lstStyle/>
+          <a:p>
+            <a:r>
+              <a:rPr lang="en-US" dirty="0" smtClean="0"/>
+              <a:t>Introduction</a:t>
+            </a:r>
+            <a:endParaRPr lang="en-US" dirty="0"/>
+          </a:p>
+        </p:txBody>
+      </p:sp>
+      <p:sp>
+        <p:nvSpPr>
+          <p:cNvPr id="3" name="Content Placeholder 2"/>
+          <p:cNvSpPr>
+            <a:spLocks noGrp="1"/>
+          </p:cNvSpPr>
+          <p:nvPr>
+            <p:ph idx="1"/>
+          </p:nvPr>
+        </p:nvSpPr>
+        <p:spPr/>
+        <p:txBody>
+          <a:bodyPr>
+            <a:normAutofit/>
+          </a:bodyPr>
+          <a:lstStyle/>
+          <a:p>
+            <a:endParaRPr lang="en-US" dirty="0"/>
+          </a:p>
+          <a:p>
+            <a:pPr marL="0" indent="0">
+              <a:buNone/>
+            </a:pPr>
+            <a:endParaRPr lang="en-US" dirty="0"/>
+          </a:p>
+        </p:txBody>
+      </p:sp>
+      <p:pic>
+        <p:nvPicPr>
+          <p:cNvPr id="4" name="Picture 3"/>
+          <p:cNvPicPr/>
+          <p:nvPr/>
+        </p:nvPicPr>
+        <p:blipFill>
+          <a:blip r:embed="rId2" cstate="print">
+            <a:extLst>
+              <a:ext uri="{28A0092B-C50C-407E-A947-70E740481C1C}">
+                <a14:useLocalDpi xmlns:a14="http://schemas.microsoft.com/office/drawing/2010/main" val="0"/>
+              </a:ext>
+            </a:extLst>
+          </a:blip>
+          <a:srcRect/>
+          <a:stretch>
+            <a:fillRect/>
+          </a:stretch>
+        </p:blipFill>
+        <p:spPr bwMode="auto">
+          <a:xfrm>
+            <a:off x="175846" y="2537142"/>
+            <a:ext cx="8839200" cy="1882458"/>
+          </a:xfrm>
+          <a:prstGeom prst="rect">
+            <a:avLst/>
+          </a:prstGeom>
+          <a:noFill/>
+        </p:spPr>
+      </p:pic>
+      <p:sp>
+        <p:nvSpPr>
+          <p:cNvPr id="5" name="Rectangle 4"/>
+          <p:cNvSpPr/>
+          <p:nvPr/>
+        </p:nvSpPr>
+        <p:spPr>
+          <a:xfrm>
+            <a:off x="3028125" y="4267200"/>
+            <a:ext cx="3134641" cy="492443"/>
+          </a:xfrm>
+          <a:prstGeom prst="rect">
+            <a:avLst/>
+          </a:prstGeom>
+        </p:spPr>
+        <p:txBody>
+          <a:bodyPr wrap="none">
+            <a:spAutoFit/>
+          </a:bodyPr>
+          <a:lstStyle/>
+          <a:p>
+            <a:r>
+              <a:rPr lang="en-US" sz="2600" dirty="0"/>
+              <a:t>Workflow of project</a:t>
+            </a:r>
+          </a:p>
+        </p:txBody>
+      </p:sp>
+    </p:spTree>
+    <p:extLst>
+      <p:ext uri="{BB962C8B-B14F-4D97-AF65-F5344CB8AC3E}">
+        <p14:creationId xmlns:p14="http://schemas.microsoft.com/office/powerpoint/2010/main" val="574087675"/>
       </p:ext>
     </p:extLst>
   </p:cSld>
@@ -4304,6 +12114,566 @@
 </file>
 
 <file path=ppt/theme/theme2.xml><?xml version="1.0" encoding="utf-8"?>
+<a:theme xmlns:a="http://schemas.openxmlformats.org/drawingml/2006/main" name="1_Executive">
+  <a:themeElements>
+    <a:clrScheme name="Executive">
+      <a:dk1>
+        <a:sysClr val="windowText" lastClr="000000"/>
+      </a:dk1>
+      <a:lt1>
+        <a:sysClr val="window" lastClr="FFFFFF"/>
+      </a:lt1>
+      <a:dk2>
+        <a:srgbClr val="2F5897"/>
+      </a:dk2>
+      <a:lt2>
+        <a:srgbClr val="E4E9EF"/>
+      </a:lt2>
+      <a:accent1>
+        <a:srgbClr val="6076B4"/>
+      </a:accent1>
+      <a:accent2>
+        <a:srgbClr val="9C5252"/>
+      </a:accent2>
+      <a:accent3>
+        <a:srgbClr val="E68422"/>
+      </a:accent3>
+      <a:accent4>
+        <a:srgbClr val="846648"/>
+      </a:accent4>
+      <a:accent5>
+        <a:srgbClr val="63891F"/>
+      </a:accent5>
+      <a:accent6>
+        <a:srgbClr val="758085"/>
+      </a:accent6>
+      <a:hlink>
+        <a:srgbClr val="3399FF"/>
+      </a:hlink>
+      <a:folHlink>
+        <a:srgbClr val="B2B2B2"/>
+      </a:folHlink>
+    </a:clrScheme>
+    <a:fontScheme name="Executive">
+      <a:majorFont>
+        <a:latin typeface="Century Gothic"/>
+        <a:ea typeface=""/>
+        <a:cs typeface=""/>
+        <a:font script="Jpan" typeface="HGｺﾞｼｯｸM"/>
+        <a:font script="Hang" typeface="HY중고딕"/>
+        <a:font script="Hans" typeface="幼圆"/>
+        <a:font script="Hant" typeface="微軟正黑體"/>
+        <a:font script="Arab" typeface="Tahoma"/>
+        <a:font script="Hebr" typeface="Gisha"/>
+        <a:font script="Thai" typeface="DilleniaUPC"/>
+        <a:font script="Ethi" typeface="Nyala"/>
+        <a:font script="Beng" typeface="Vrinda"/>
+        <a:font script="Gujr" typeface="Shruti"/>
+        <a:font script="Khmr" typeface="DaunPenh"/>
+        <a:font script="Knda" typeface="Tunga"/>
+        <a:font script="Guru" typeface="Raavi"/>
+        <a:font script="Cans" typeface="Euphemia"/>
+        <a:font script="Cher" typeface="Plantagenet Cherokee"/>
+        <a:font script="Yiii" typeface="Microsoft Yi Baiti"/>
+        <a:font script="Tibt" typeface="Microsoft Himalaya"/>
+        <a:font script="Thaa" typeface="MV Boli"/>
+        <a:font script="Deva" typeface="Mangal"/>
+        <a:font script="Telu" typeface="Gautami"/>
+        <a:font script="Taml" typeface="Latha"/>
+        <a:font script="Syrc" typeface="Estrangelo Edessa"/>
+        <a:font script="Orya" typeface="Kalinga"/>
+        <a:font script="Mlym" typeface="Kartika"/>
+        <a:font script="Laoo" typeface="DokChampa"/>
+        <a:font script="Sinh" typeface="Iskoola Pota"/>
+        <a:font script="Mong" typeface="Mongolian Baiti"/>
+        <a:font script="Viet" typeface="Tahoma"/>
+        <a:font script="Uigh" typeface="Microsoft Uighur"/>
+        <a:font script="Geor" typeface="Sylfaen"/>
+      </a:majorFont>
+      <a:minorFont>
+        <a:latin typeface="Palatino Linotype"/>
+        <a:ea typeface=""/>
+        <a:cs typeface=""/>
+        <a:font script="Jpan" typeface="HGS明朝E"/>
+        <a:font script="Hang" typeface="맑은 고딕"/>
+        <a:font script="Hans" typeface="宋体"/>
+        <a:font script="Hant" typeface="新細明體"/>
+        <a:font script="Arab" typeface="Times New Roman"/>
+        <a:font script="Hebr" typeface="Times New Roman"/>
+        <a:font script="Thai" typeface="Browallia New"/>
+        <a:font script="Ethi" typeface="Nyala"/>
+        <a:font script="Beng" typeface="Vrinda"/>
+        <a:font script="Gujr" typeface="Shruti"/>
+        <a:font script="Khmr" typeface="MoolBoran"/>
+        <a:font script="Knda" typeface="Tunga"/>
+        <a:font script="Guru" typeface="Raavi"/>
+        <a:font script="Cans" typeface="Euphemia"/>
+        <a:font script="Cher" typeface="Plantagenet Cherokee"/>
+        <a:font script="Yiii" typeface="Microsoft Yi Baiti"/>
+        <a:font script="Tibt" typeface="Microsoft Himalaya"/>
+        <a:font script="Thaa" typeface="MV Boli"/>
+        <a:font script="Deva" typeface="Mangal"/>
+        <a:font script="Telu" typeface="Gautami"/>
+        <a:font script="Taml" typeface="Latha"/>
+        <a:font script="Syrc" typeface="Estrangelo Edessa"/>
+        <a:font script="Orya" typeface="Kalinga"/>
+        <a:font script="Mlym" typeface="Kartika"/>
+        <a:font script="Laoo" typeface="DokChampa"/>
+        <a:font script="Sinh" typeface="Iskoola Pota"/>
+        <a:font script="Mong" typeface="Mongolian Baiti"/>
+        <a:font script="Viet" typeface="Times New Roman"/>
+        <a:font script="Uigh" typeface="Microsoft Uighur"/>
+        <a:font script="Geor" typeface="Sylfaen"/>
+      </a:minorFont>
+    </a:fontScheme>
+    <a:fmtScheme name="Executive">
+      <a:fillStyleLst>
+        <a:solidFill>
+          <a:schemeClr val="phClr"/>
+        </a:solidFill>
+        <a:gradFill rotWithShape="1">
+          <a:gsLst>
+            <a:gs pos="0">
+              <a:schemeClr val="phClr">
+                <a:tint val="50000"/>
+                <a:satMod val="300000"/>
+              </a:schemeClr>
+            </a:gs>
+            <a:gs pos="35000">
+              <a:schemeClr val="phClr">
+                <a:tint val="37000"/>
+                <a:satMod val="300000"/>
+              </a:schemeClr>
+            </a:gs>
+            <a:gs pos="100000">
+              <a:schemeClr val="phClr">
+                <a:tint val="15000"/>
+                <a:satMod val="350000"/>
+              </a:schemeClr>
+            </a:gs>
+          </a:gsLst>
+          <a:lin ang="16200000" scaled="1"/>
+        </a:gradFill>
+        <a:gradFill rotWithShape="1">
+          <a:gsLst>
+            <a:gs pos="0">
+              <a:schemeClr val="phClr">
+                <a:shade val="51000"/>
+                <a:satMod val="130000"/>
+              </a:schemeClr>
+            </a:gs>
+            <a:gs pos="80000">
+              <a:schemeClr val="phClr">
+                <a:shade val="93000"/>
+                <a:satMod val="130000"/>
+              </a:schemeClr>
+            </a:gs>
+            <a:gs pos="100000">
+              <a:schemeClr val="phClr">
+                <a:shade val="94000"/>
+                <a:satMod val="135000"/>
+              </a:schemeClr>
+            </a:gs>
+          </a:gsLst>
+          <a:lin ang="16200000" scaled="0"/>
+        </a:gradFill>
+      </a:fillStyleLst>
+      <a:lnStyleLst>
+        <a:ln w="9525" cap="flat" cmpd="sng" algn="ctr">
+          <a:solidFill>
+            <a:schemeClr val="phClr">
+              <a:shade val="95000"/>
+              <a:satMod val="105000"/>
+            </a:schemeClr>
+          </a:solidFill>
+          <a:prstDash val="solid"/>
+        </a:ln>
+        <a:ln w="28575" cap="flat" cmpd="sng" algn="ctr">
+          <a:solidFill>
+            <a:schemeClr val="phClr"/>
+          </a:solidFill>
+          <a:prstDash val="solid"/>
+        </a:ln>
+        <a:ln w="50800" cap="flat" cmpd="sng" algn="ctr">
+          <a:solidFill>
+            <a:schemeClr val="phClr"/>
+          </a:solidFill>
+          <a:prstDash val="solid"/>
+        </a:ln>
+      </a:lnStyleLst>
+      <a:effectStyleLst>
+        <a:effectStyle>
+          <a:effectLst>
+            <a:outerShdw blurRad="40000" dist="20000" dir="5400000" rotWithShape="0">
+              <a:srgbClr val="000000">
+                <a:alpha val="38000"/>
+              </a:srgbClr>
+            </a:outerShdw>
+          </a:effectLst>
+        </a:effectStyle>
+        <a:effectStyle>
+          <a:effectLst>
+            <a:outerShdw blurRad="40000" dist="23000" dir="5400000" rotWithShape="0">
+              <a:srgbClr val="000000">
+                <a:alpha val="35000"/>
+              </a:srgbClr>
+            </a:outerShdw>
+          </a:effectLst>
+        </a:effectStyle>
+        <a:effectStyle>
+          <a:effectLst>
+            <a:outerShdw blurRad="40000" dist="23000" dir="5400000" rotWithShape="0">
+              <a:srgbClr val="000000">
+                <a:alpha val="35000"/>
+              </a:srgbClr>
+            </a:outerShdw>
+          </a:effectLst>
+          <a:scene3d>
+            <a:camera prst="orthographicFront">
+              <a:rot lat="0" lon="0" rev="0"/>
+            </a:camera>
+            <a:lightRig rig="threePt" dir="t">
+              <a:rot lat="0" lon="0" rev="1200000"/>
+            </a:lightRig>
+          </a:scene3d>
+          <a:sp3d>
+            <a:bevelT w="63500" h="25400"/>
+          </a:sp3d>
+        </a:effectStyle>
+      </a:effectStyleLst>
+      <a:bgFillStyleLst>
+        <a:solidFill>
+          <a:schemeClr val="phClr"/>
+        </a:solidFill>
+        <a:gradFill rotWithShape="1">
+          <a:gsLst>
+            <a:gs pos="50000">
+              <a:schemeClr val="phClr">
+                <a:tint val="80000"/>
+                <a:satMod val="250000"/>
+              </a:schemeClr>
+            </a:gs>
+            <a:gs pos="76000">
+              <a:schemeClr val="phClr">
+                <a:tint val="90000"/>
+                <a:shade val="90000"/>
+                <a:satMod val="200000"/>
+              </a:schemeClr>
+            </a:gs>
+            <a:gs pos="92000">
+              <a:schemeClr val="phClr">
+                <a:tint val="90000"/>
+                <a:shade val="70000"/>
+                <a:satMod val="250000"/>
+              </a:schemeClr>
+            </a:gs>
+          </a:gsLst>
+          <a:path path="circle">
+            <a:fillToRect l="50000" t="50000" r="50000" b="50000"/>
+          </a:path>
+        </a:gradFill>
+        <a:blipFill>
+          <a:blip xmlns:r="http://schemas.openxmlformats.org/officeDocument/2006/relationships" r:embed="rId1">
+            <a:duotone>
+              <a:schemeClr val="phClr">
+                <a:tint val="95000"/>
+              </a:schemeClr>
+              <a:schemeClr val="phClr">
+                <a:shade val="90000"/>
+              </a:schemeClr>
+            </a:duotone>
+          </a:blip>
+          <a:tile tx="0" ty="0" sx="100000" sy="100000" flip="none" algn="tl"/>
+        </a:blipFill>
+      </a:bgFillStyleLst>
+    </a:fmtScheme>
+  </a:themeElements>
+  <a:objectDefaults/>
+  <a:extraClrSchemeLst/>
+</a:theme>
+</file>
+
+<file path=ppt/theme/theme3.xml><?xml version="1.0" encoding="utf-8"?>
+<a:theme xmlns:a="http://schemas.openxmlformats.org/drawingml/2006/main" name="2_Executive">
+  <a:themeElements>
+    <a:clrScheme name="Executive">
+      <a:dk1>
+        <a:sysClr val="windowText" lastClr="000000"/>
+      </a:dk1>
+      <a:lt1>
+        <a:sysClr val="window" lastClr="FFFFFF"/>
+      </a:lt1>
+      <a:dk2>
+        <a:srgbClr val="2F5897"/>
+      </a:dk2>
+      <a:lt2>
+        <a:srgbClr val="E4E9EF"/>
+      </a:lt2>
+      <a:accent1>
+        <a:srgbClr val="6076B4"/>
+      </a:accent1>
+      <a:accent2>
+        <a:srgbClr val="9C5252"/>
+      </a:accent2>
+      <a:accent3>
+        <a:srgbClr val="E68422"/>
+      </a:accent3>
+      <a:accent4>
+        <a:srgbClr val="846648"/>
+      </a:accent4>
+      <a:accent5>
+        <a:srgbClr val="63891F"/>
+      </a:accent5>
+      <a:accent6>
+        <a:srgbClr val="758085"/>
+      </a:accent6>
+      <a:hlink>
+        <a:srgbClr val="3399FF"/>
+      </a:hlink>
+      <a:folHlink>
+        <a:srgbClr val="B2B2B2"/>
+      </a:folHlink>
+    </a:clrScheme>
+    <a:fontScheme name="Executive">
+      <a:majorFont>
+        <a:latin typeface="Century Gothic"/>
+        <a:ea typeface=""/>
+        <a:cs typeface=""/>
+        <a:font script="Jpan" typeface="HGｺﾞｼｯｸM"/>
+        <a:font script="Hang" typeface="HY중고딕"/>
+        <a:font script="Hans" typeface="幼圆"/>
+        <a:font script="Hant" typeface="微軟正黑體"/>
+        <a:font script="Arab" typeface="Tahoma"/>
+        <a:font script="Hebr" typeface="Gisha"/>
+        <a:font script="Thai" typeface="DilleniaUPC"/>
+        <a:font script="Ethi" typeface="Nyala"/>
+        <a:font script="Beng" typeface="Vrinda"/>
+        <a:font script="Gujr" typeface="Shruti"/>
+        <a:font script="Khmr" typeface="DaunPenh"/>
+        <a:font script="Knda" typeface="Tunga"/>
+        <a:font script="Guru" typeface="Raavi"/>
+        <a:font script="Cans" typeface="Euphemia"/>
+        <a:font script="Cher" typeface="Plantagenet Cherokee"/>
+        <a:font script="Yiii" typeface="Microsoft Yi Baiti"/>
+        <a:font script="Tibt" typeface="Microsoft Himalaya"/>
+        <a:font script="Thaa" typeface="MV Boli"/>
+        <a:font script="Deva" typeface="Mangal"/>
+        <a:font script="Telu" typeface="Gautami"/>
+        <a:font script="Taml" typeface="Latha"/>
+        <a:font script="Syrc" typeface="Estrangelo Edessa"/>
+        <a:font script="Orya" typeface="Kalinga"/>
+        <a:font script="Mlym" typeface="Kartika"/>
+        <a:font script="Laoo" typeface="DokChampa"/>
+        <a:font script="Sinh" typeface="Iskoola Pota"/>
+        <a:font script="Mong" typeface="Mongolian Baiti"/>
+        <a:font script="Viet" typeface="Tahoma"/>
+        <a:font script="Uigh" typeface="Microsoft Uighur"/>
+        <a:font script="Geor" typeface="Sylfaen"/>
+      </a:majorFont>
+      <a:minorFont>
+        <a:latin typeface="Palatino Linotype"/>
+        <a:ea typeface=""/>
+        <a:cs typeface=""/>
+        <a:font script="Jpan" typeface="HGS明朝E"/>
+        <a:font script="Hang" typeface="맑은 고딕"/>
+        <a:font script="Hans" typeface="宋体"/>
+        <a:font script="Hant" typeface="新細明體"/>
+        <a:font script="Arab" typeface="Times New Roman"/>
+        <a:font script="Hebr" typeface="Times New Roman"/>
+        <a:font script="Thai" typeface="Browallia New"/>
+        <a:font script="Ethi" typeface="Nyala"/>
+        <a:font script="Beng" typeface="Vrinda"/>
+        <a:font script="Gujr" typeface="Shruti"/>
+        <a:font script="Khmr" typeface="MoolBoran"/>
+        <a:font script="Knda" typeface="Tunga"/>
+        <a:font script="Guru" typeface="Raavi"/>
+        <a:font script="Cans" typeface="Euphemia"/>
+        <a:font script="Cher" typeface="Plantagenet Cherokee"/>
+        <a:font script="Yiii" typeface="Microsoft Yi Baiti"/>
+        <a:font script="Tibt" typeface="Microsoft Himalaya"/>
+        <a:font script="Thaa" typeface="MV Boli"/>
+        <a:font script="Deva" typeface="Mangal"/>
+        <a:font script="Telu" typeface="Gautami"/>
+        <a:font script="Taml" typeface="Latha"/>
+        <a:font script="Syrc" typeface="Estrangelo Edessa"/>
+        <a:font script="Orya" typeface="Kalinga"/>
+        <a:font script="Mlym" typeface="Kartika"/>
+        <a:font script="Laoo" typeface="DokChampa"/>
+        <a:font script="Sinh" typeface="Iskoola Pota"/>
+        <a:font script="Mong" typeface="Mongolian Baiti"/>
+        <a:font script="Viet" typeface="Times New Roman"/>
+        <a:font script="Uigh" typeface="Microsoft Uighur"/>
+        <a:font script="Geor" typeface="Sylfaen"/>
+      </a:minorFont>
+    </a:fontScheme>
+    <a:fmtScheme name="Executive">
+      <a:fillStyleLst>
+        <a:solidFill>
+          <a:schemeClr val="phClr"/>
+        </a:solidFill>
+        <a:gradFill rotWithShape="1">
+          <a:gsLst>
+            <a:gs pos="0">
+              <a:schemeClr val="phClr">
+                <a:tint val="50000"/>
+                <a:satMod val="300000"/>
+              </a:schemeClr>
+            </a:gs>
+            <a:gs pos="35000">
+              <a:schemeClr val="phClr">
+                <a:tint val="37000"/>
+                <a:satMod val="300000"/>
+              </a:schemeClr>
+            </a:gs>
+            <a:gs pos="100000">
+              <a:schemeClr val="phClr">
+                <a:tint val="15000"/>
+                <a:satMod val="350000"/>
+              </a:schemeClr>
+            </a:gs>
+          </a:gsLst>
+          <a:lin ang="16200000" scaled="1"/>
+        </a:gradFill>
+        <a:gradFill rotWithShape="1">
+          <a:gsLst>
+            <a:gs pos="0">
+              <a:schemeClr val="phClr">
+                <a:shade val="51000"/>
+                <a:satMod val="130000"/>
+              </a:schemeClr>
+            </a:gs>
+            <a:gs pos="80000">
+              <a:schemeClr val="phClr">
+                <a:shade val="93000"/>
+                <a:satMod val="130000"/>
+              </a:schemeClr>
+            </a:gs>
+            <a:gs pos="100000">
+              <a:schemeClr val="phClr">
+                <a:shade val="94000"/>
+                <a:satMod val="135000"/>
+              </a:schemeClr>
+            </a:gs>
+          </a:gsLst>
+          <a:lin ang="16200000" scaled="0"/>
+        </a:gradFill>
+      </a:fillStyleLst>
+      <a:lnStyleLst>
+        <a:ln w="9525" cap="flat" cmpd="sng" algn="ctr">
+          <a:solidFill>
+            <a:schemeClr val="phClr">
+              <a:shade val="95000"/>
+              <a:satMod val="105000"/>
+            </a:schemeClr>
+          </a:solidFill>
+          <a:prstDash val="solid"/>
+        </a:ln>
+        <a:ln w="28575" cap="flat" cmpd="sng" algn="ctr">
+          <a:solidFill>
+            <a:schemeClr val="phClr"/>
+          </a:solidFill>
+          <a:prstDash val="solid"/>
+        </a:ln>
+        <a:ln w="50800" cap="flat" cmpd="sng" algn="ctr">
+          <a:solidFill>
+            <a:schemeClr val="phClr"/>
+          </a:solidFill>
+          <a:prstDash val="solid"/>
+        </a:ln>
+      </a:lnStyleLst>
+      <a:effectStyleLst>
+        <a:effectStyle>
+          <a:effectLst>
+            <a:outerShdw blurRad="40000" dist="20000" dir="5400000" rotWithShape="0">
+              <a:srgbClr val="000000">
+                <a:alpha val="38000"/>
+              </a:srgbClr>
+            </a:outerShdw>
+          </a:effectLst>
+        </a:effectStyle>
+        <a:effectStyle>
+          <a:effectLst>
+            <a:outerShdw blurRad="40000" dist="23000" dir="5400000" rotWithShape="0">
+              <a:srgbClr val="000000">
+                <a:alpha val="35000"/>
+              </a:srgbClr>
+            </a:outerShdw>
+          </a:effectLst>
+        </a:effectStyle>
+        <a:effectStyle>
+          <a:effectLst>
+            <a:outerShdw blurRad="40000" dist="23000" dir="5400000" rotWithShape="0">
+              <a:srgbClr val="000000">
+                <a:alpha val="35000"/>
+              </a:srgbClr>
+            </a:outerShdw>
+          </a:effectLst>
+          <a:scene3d>
+            <a:camera prst="orthographicFront">
+              <a:rot lat="0" lon="0" rev="0"/>
+            </a:camera>
+            <a:lightRig rig="threePt" dir="t">
+              <a:rot lat="0" lon="0" rev="1200000"/>
+            </a:lightRig>
+          </a:scene3d>
+          <a:sp3d>
+            <a:bevelT w="63500" h="25400"/>
+          </a:sp3d>
+        </a:effectStyle>
+      </a:effectStyleLst>
+      <a:bgFillStyleLst>
+        <a:solidFill>
+          <a:schemeClr val="phClr"/>
+        </a:solidFill>
+        <a:gradFill rotWithShape="1">
+          <a:gsLst>
+            <a:gs pos="50000">
+              <a:schemeClr val="phClr">
+                <a:tint val="80000"/>
+                <a:satMod val="250000"/>
+              </a:schemeClr>
+            </a:gs>
+            <a:gs pos="76000">
+              <a:schemeClr val="phClr">
+                <a:tint val="90000"/>
+                <a:shade val="90000"/>
+                <a:satMod val="200000"/>
+              </a:schemeClr>
+            </a:gs>
+            <a:gs pos="92000">
+              <a:schemeClr val="phClr">
+                <a:tint val="90000"/>
+                <a:shade val="70000"/>
+                <a:satMod val="250000"/>
+              </a:schemeClr>
+            </a:gs>
+          </a:gsLst>
+          <a:path path="circle">
+            <a:fillToRect l="50000" t="50000" r="50000" b="50000"/>
+          </a:path>
+        </a:gradFill>
+        <a:blipFill>
+          <a:blip xmlns:r="http://schemas.openxmlformats.org/officeDocument/2006/relationships" r:embed="rId1">
+            <a:duotone>
+              <a:schemeClr val="phClr">
+                <a:tint val="95000"/>
+              </a:schemeClr>
+              <a:schemeClr val="phClr">
+                <a:shade val="90000"/>
+              </a:schemeClr>
+            </a:duotone>
+          </a:blip>
+          <a:tile tx="0" ty="0" sx="100000" sy="100000" flip="none" algn="tl"/>
+        </a:blipFill>
+      </a:bgFillStyleLst>
+    </a:fmtScheme>
+  </a:themeElements>
+  <a:objectDefaults/>
+  <a:extraClrSchemeLst/>
+</a:theme>
+</file>
+
+<file path=ppt/theme/theme4.xml><?xml version="1.0" encoding="utf-8"?>
 <a:theme xmlns:a="http://schemas.openxmlformats.org/drawingml/2006/main" name="Office Theme">
   <a:themeElements>
     <a:clrScheme name="Office">

--- a/Docs/Presentation.pptx
+++ b/Docs/Presentation.pptx
@@ -7,13 +7,17 @@
     <p:sldMasterId id="2147483696" r:id="rId3"/>
   </p:sldMasterIdLst>
   <p:notesMasterIdLst>
-    <p:notesMasterId r:id="rId8"/>
+    <p:notesMasterId r:id="rId12"/>
   </p:notesMasterIdLst>
   <p:sldIdLst>
     <p:sldId id="256" r:id="rId4"/>
     <p:sldId id="257" r:id="rId5"/>
     <p:sldId id="258" r:id="rId6"/>
     <p:sldId id="259" r:id="rId7"/>
+    <p:sldId id="260" r:id="rId8"/>
+    <p:sldId id="263" r:id="rId9"/>
+    <p:sldId id="264" r:id="rId10"/>
+    <p:sldId id="265" r:id="rId11"/>
   </p:sldIdLst>
   <p:sldSz cx="9144000" cy="6858000" type="screen4x3"/>
   <p:notesSz cx="6858000" cy="9144000"/>
@@ -540,6 +544,640 @@
     <p:extLst>
       <p:ext uri="{BB962C8B-B14F-4D97-AF65-F5344CB8AC3E}">
         <p14:creationId xmlns:p14="http://schemas.microsoft.com/office/powerpoint/2010/main" val="413322"/>
+      </p:ext>
+    </p:extLst>
+  </p:cSld>
+  <p:clrMapOvr>
+    <a:masterClrMapping/>
+  </p:clrMapOvr>
+</p:notes>
+</file>
+
+<file path=ppt/notesSlides/notesSlide2.xml><?xml version="1.0" encoding="utf-8"?>
+<p:notes xmlns:a="http://schemas.openxmlformats.org/drawingml/2006/main" xmlns:r="http://schemas.openxmlformats.org/officeDocument/2006/relationships" xmlns:p="http://schemas.openxmlformats.org/presentationml/2006/main">
+  <p:cSld>
+    <p:spTree>
+      <p:nvGrpSpPr>
+        <p:cNvPr id="1" name=""/>
+        <p:cNvGrpSpPr/>
+        <p:nvPr/>
+      </p:nvGrpSpPr>
+      <p:grpSpPr>
+        <a:xfrm>
+          <a:off x="0" y="0"/>
+          <a:ext cx="0" cy="0"/>
+          <a:chOff x="0" y="0"/>
+          <a:chExt cx="0" cy="0"/>
+        </a:xfrm>
+      </p:grpSpPr>
+      <p:sp>
+        <p:nvSpPr>
+          <p:cNvPr id="2" name="Slide Image Placeholder 1"/>
+          <p:cNvSpPr>
+            <a:spLocks noGrp="1" noRot="1" noChangeAspect="1"/>
+          </p:cNvSpPr>
+          <p:nvPr>
+            <p:ph type="sldImg"/>
+          </p:nvPr>
+        </p:nvSpPr>
+        <p:spPr/>
+      </p:sp>
+      <p:sp>
+        <p:nvSpPr>
+          <p:cNvPr id="3" name="Notes Placeholder 2"/>
+          <p:cNvSpPr>
+            <a:spLocks noGrp="1"/>
+          </p:cNvSpPr>
+          <p:nvPr>
+            <p:ph type="body" idx="1"/>
+          </p:nvPr>
+        </p:nvSpPr>
+        <p:spPr/>
+        <p:txBody>
+          <a:bodyPr/>
+          <a:lstStyle/>
+          <a:p>
+            <a:r>
+              <a:rPr lang="en-US" dirty="0" smtClean="0"/>
+              <a:t>Problem and its use</a:t>
+            </a:r>
+            <a:endParaRPr lang="en-US" dirty="0"/>
+          </a:p>
+        </p:txBody>
+      </p:sp>
+      <p:sp>
+        <p:nvSpPr>
+          <p:cNvPr id="4" name="Slide Number Placeholder 3"/>
+          <p:cNvSpPr>
+            <a:spLocks noGrp="1"/>
+          </p:cNvSpPr>
+          <p:nvPr>
+            <p:ph type="sldNum" sz="quarter" idx="10"/>
+          </p:nvPr>
+        </p:nvSpPr>
+        <p:spPr/>
+        <p:txBody>
+          <a:bodyPr/>
+          <a:lstStyle/>
+          <a:p>
+            <a:fld id="{979A0A40-088F-44CE-8547-8CF4D8B5748D}" type="slidenum">
+              <a:rPr lang="en-US" smtClean="0"/>
+              <a:t>2</a:t>
+            </a:fld>
+            <a:endParaRPr lang="en-US"/>
+          </a:p>
+        </p:txBody>
+      </p:sp>
+    </p:spTree>
+    <p:extLst>
+      <p:ext uri="{BB962C8B-B14F-4D97-AF65-F5344CB8AC3E}">
+        <p14:creationId xmlns:p14="http://schemas.microsoft.com/office/powerpoint/2010/main" val="737328833"/>
+      </p:ext>
+    </p:extLst>
+  </p:cSld>
+  <p:clrMapOvr>
+    <a:masterClrMapping/>
+  </p:clrMapOvr>
+</p:notes>
+</file>
+
+<file path=ppt/notesSlides/notesSlide3.xml><?xml version="1.0" encoding="utf-8"?>
+<p:notes xmlns:a="http://schemas.openxmlformats.org/drawingml/2006/main" xmlns:r="http://schemas.openxmlformats.org/officeDocument/2006/relationships" xmlns:p="http://schemas.openxmlformats.org/presentationml/2006/main">
+  <p:cSld>
+    <p:spTree>
+      <p:nvGrpSpPr>
+        <p:cNvPr id="1" name=""/>
+        <p:cNvGrpSpPr/>
+        <p:nvPr/>
+      </p:nvGrpSpPr>
+      <p:grpSpPr>
+        <a:xfrm>
+          <a:off x="0" y="0"/>
+          <a:ext cx="0" cy="0"/>
+          <a:chOff x="0" y="0"/>
+          <a:chExt cx="0" cy="0"/>
+        </a:xfrm>
+      </p:grpSpPr>
+      <p:sp>
+        <p:nvSpPr>
+          <p:cNvPr id="2" name="Slide Image Placeholder 1"/>
+          <p:cNvSpPr>
+            <a:spLocks noGrp="1" noRot="1" noChangeAspect="1"/>
+          </p:cNvSpPr>
+          <p:nvPr>
+            <p:ph type="sldImg"/>
+          </p:nvPr>
+        </p:nvSpPr>
+        <p:spPr/>
+      </p:sp>
+      <p:sp>
+        <p:nvSpPr>
+          <p:cNvPr id="3" name="Notes Placeholder 2"/>
+          <p:cNvSpPr>
+            <a:spLocks noGrp="1"/>
+          </p:cNvSpPr>
+          <p:nvPr>
+            <p:ph type="body" idx="1"/>
+          </p:nvPr>
+        </p:nvSpPr>
+        <p:spPr/>
+        <p:txBody>
+          <a:bodyPr/>
+          <a:lstStyle/>
+          <a:p>
+            <a:r>
+              <a:rPr lang="en-US" dirty="0" smtClean="0"/>
+              <a:t>How are we</a:t>
+            </a:r>
+            <a:r>
+              <a:rPr lang="en-US" baseline="0" dirty="0" smtClean="0"/>
+              <a:t> doing it</a:t>
+            </a:r>
+            <a:endParaRPr lang="en-US" dirty="0"/>
+          </a:p>
+        </p:txBody>
+      </p:sp>
+      <p:sp>
+        <p:nvSpPr>
+          <p:cNvPr id="4" name="Slide Number Placeholder 3"/>
+          <p:cNvSpPr>
+            <a:spLocks noGrp="1"/>
+          </p:cNvSpPr>
+          <p:nvPr>
+            <p:ph type="sldNum" sz="quarter" idx="10"/>
+          </p:nvPr>
+        </p:nvSpPr>
+        <p:spPr/>
+        <p:txBody>
+          <a:bodyPr/>
+          <a:lstStyle/>
+          <a:p>
+            <a:fld id="{979A0A40-088F-44CE-8547-8CF4D8B5748D}" type="slidenum">
+              <a:rPr lang="en-US" smtClean="0"/>
+              <a:t>3</a:t>
+            </a:fld>
+            <a:endParaRPr lang="en-US"/>
+          </a:p>
+        </p:txBody>
+      </p:sp>
+    </p:spTree>
+    <p:extLst>
+      <p:ext uri="{BB962C8B-B14F-4D97-AF65-F5344CB8AC3E}">
+        <p14:creationId xmlns:p14="http://schemas.microsoft.com/office/powerpoint/2010/main" val="1934438936"/>
+      </p:ext>
+    </p:extLst>
+  </p:cSld>
+  <p:clrMapOvr>
+    <a:masterClrMapping/>
+  </p:clrMapOvr>
+</p:notes>
+</file>
+
+<file path=ppt/notesSlides/notesSlide4.xml><?xml version="1.0" encoding="utf-8"?>
+<p:notes xmlns:a="http://schemas.openxmlformats.org/drawingml/2006/main" xmlns:r="http://schemas.openxmlformats.org/officeDocument/2006/relationships" xmlns:p="http://schemas.openxmlformats.org/presentationml/2006/main">
+  <p:cSld>
+    <p:spTree>
+      <p:nvGrpSpPr>
+        <p:cNvPr id="1" name=""/>
+        <p:cNvGrpSpPr/>
+        <p:nvPr/>
+      </p:nvGrpSpPr>
+      <p:grpSpPr>
+        <a:xfrm>
+          <a:off x="0" y="0"/>
+          <a:ext cx="0" cy="0"/>
+          <a:chOff x="0" y="0"/>
+          <a:chExt cx="0" cy="0"/>
+        </a:xfrm>
+      </p:grpSpPr>
+      <p:sp>
+        <p:nvSpPr>
+          <p:cNvPr id="2" name="Slide Image Placeholder 1"/>
+          <p:cNvSpPr>
+            <a:spLocks noGrp="1" noRot="1" noChangeAspect="1"/>
+          </p:cNvSpPr>
+          <p:nvPr>
+            <p:ph type="sldImg"/>
+          </p:nvPr>
+        </p:nvSpPr>
+        <p:spPr/>
+      </p:sp>
+      <p:sp>
+        <p:nvSpPr>
+          <p:cNvPr id="3" name="Notes Placeholder 2"/>
+          <p:cNvSpPr>
+            <a:spLocks noGrp="1"/>
+          </p:cNvSpPr>
+          <p:nvPr>
+            <p:ph type="body" idx="1"/>
+          </p:nvPr>
+        </p:nvSpPr>
+        <p:spPr/>
+        <p:txBody>
+          <a:bodyPr/>
+          <a:lstStyle/>
+          <a:p>
+            <a:r>
+              <a:rPr lang="en-US" dirty="0" smtClean="0"/>
+              <a:t>Just brief</a:t>
+            </a:r>
+            <a:r>
+              <a:rPr lang="en-US" baseline="0" dirty="0" smtClean="0"/>
+              <a:t> talk about workflow</a:t>
+            </a:r>
+            <a:endParaRPr lang="en-US" dirty="0"/>
+          </a:p>
+        </p:txBody>
+      </p:sp>
+      <p:sp>
+        <p:nvSpPr>
+          <p:cNvPr id="4" name="Slide Number Placeholder 3"/>
+          <p:cNvSpPr>
+            <a:spLocks noGrp="1"/>
+          </p:cNvSpPr>
+          <p:nvPr>
+            <p:ph type="sldNum" sz="quarter" idx="10"/>
+          </p:nvPr>
+        </p:nvSpPr>
+        <p:spPr/>
+        <p:txBody>
+          <a:bodyPr/>
+          <a:lstStyle/>
+          <a:p>
+            <a:fld id="{979A0A40-088F-44CE-8547-8CF4D8B5748D}" type="slidenum">
+              <a:rPr lang="en-US" smtClean="0"/>
+              <a:t>4</a:t>
+            </a:fld>
+            <a:endParaRPr lang="en-US"/>
+          </a:p>
+        </p:txBody>
+      </p:sp>
+    </p:spTree>
+    <p:extLst>
+      <p:ext uri="{BB962C8B-B14F-4D97-AF65-F5344CB8AC3E}">
+        <p14:creationId xmlns:p14="http://schemas.microsoft.com/office/powerpoint/2010/main" val="288503328"/>
+      </p:ext>
+    </p:extLst>
+  </p:cSld>
+  <p:clrMapOvr>
+    <a:masterClrMapping/>
+  </p:clrMapOvr>
+</p:notes>
+</file>
+
+<file path=ppt/notesSlides/notesSlide5.xml><?xml version="1.0" encoding="utf-8"?>
+<p:notes xmlns:a="http://schemas.openxmlformats.org/drawingml/2006/main" xmlns:r="http://schemas.openxmlformats.org/officeDocument/2006/relationships" xmlns:p="http://schemas.openxmlformats.org/presentationml/2006/main">
+  <p:cSld>
+    <p:spTree>
+      <p:nvGrpSpPr>
+        <p:cNvPr id="1" name=""/>
+        <p:cNvGrpSpPr/>
+        <p:nvPr/>
+      </p:nvGrpSpPr>
+      <p:grpSpPr>
+        <a:xfrm>
+          <a:off x="0" y="0"/>
+          <a:ext cx="0" cy="0"/>
+          <a:chOff x="0" y="0"/>
+          <a:chExt cx="0" cy="0"/>
+        </a:xfrm>
+      </p:grpSpPr>
+      <p:sp>
+        <p:nvSpPr>
+          <p:cNvPr id="2" name="Slide Image Placeholder 1"/>
+          <p:cNvSpPr>
+            <a:spLocks noGrp="1" noRot="1" noChangeAspect="1"/>
+          </p:cNvSpPr>
+          <p:nvPr>
+            <p:ph type="sldImg"/>
+          </p:nvPr>
+        </p:nvSpPr>
+        <p:spPr/>
+      </p:sp>
+      <p:sp>
+        <p:nvSpPr>
+          <p:cNvPr id="3" name="Notes Placeholder 2"/>
+          <p:cNvSpPr>
+            <a:spLocks noGrp="1"/>
+          </p:cNvSpPr>
+          <p:nvPr>
+            <p:ph type="body" idx="1"/>
+          </p:nvPr>
+        </p:nvSpPr>
+        <p:spPr/>
+        <p:txBody>
+          <a:bodyPr/>
+          <a:lstStyle/>
+          <a:p>
+            <a:r>
+              <a:rPr lang="en-US" dirty="0" smtClean="0"/>
+              <a:t>Just</a:t>
+            </a:r>
+            <a:r>
+              <a:rPr lang="en-US" baseline="0" dirty="0" smtClean="0"/>
+              <a:t> read</a:t>
+            </a:r>
+          </a:p>
+          <a:p>
+            <a:r>
+              <a:rPr lang="en-US" baseline="0" dirty="0" smtClean="0"/>
+              <a:t>Two stage being coarse and fine</a:t>
+            </a:r>
+            <a:endParaRPr lang="en-US" dirty="0"/>
+          </a:p>
+        </p:txBody>
+      </p:sp>
+      <p:sp>
+        <p:nvSpPr>
+          <p:cNvPr id="4" name="Slide Number Placeholder 3"/>
+          <p:cNvSpPr>
+            <a:spLocks noGrp="1"/>
+          </p:cNvSpPr>
+          <p:nvPr>
+            <p:ph type="sldNum" sz="quarter" idx="10"/>
+          </p:nvPr>
+        </p:nvSpPr>
+        <p:spPr/>
+        <p:txBody>
+          <a:bodyPr/>
+          <a:lstStyle/>
+          <a:p>
+            <a:fld id="{979A0A40-088F-44CE-8547-8CF4D8B5748D}" type="slidenum">
+              <a:rPr lang="en-US" smtClean="0"/>
+              <a:t>5</a:t>
+            </a:fld>
+            <a:endParaRPr lang="en-US"/>
+          </a:p>
+        </p:txBody>
+      </p:sp>
+    </p:spTree>
+    <p:extLst>
+      <p:ext uri="{BB962C8B-B14F-4D97-AF65-F5344CB8AC3E}">
+        <p14:creationId xmlns:p14="http://schemas.microsoft.com/office/powerpoint/2010/main" val="2847015293"/>
+      </p:ext>
+    </p:extLst>
+  </p:cSld>
+  <p:clrMapOvr>
+    <a:masterClrMapping/>
+  </p:clrMapOvr>
+</p:notes>
+</file>
+
+<file path=ppt/notesSlides/notesSlide6.xml><?xml version="1.0" encoding="utf-8"?>
+<p:notes xmlns:a="http://schemas.openxmlformats.org/drawingml/2006/main" xmlns:r="http://schemas.openxmlformats.org/officeDocument/2006/relationships" xmlns:p="http://schemas.openxmlformats.org/presentationml/2006/main">
+  <p:cSld>
+    <p:spTree>
+      <p:nvGrpSpPr>
+        <p:cNvPr id="1" name=""/>
+        <p:cNvGrpSpPr/>
+        <p:nvPr/>
+      </p:nvGrpSpPr>
+      <p:grpSpPr>
+        <a:xfrm>
+          <a:off x="0" y="0"/>
+          <a:ext cx="0" cy="0"/>
+          <a:chOff x="0" y="0"/>
+          <a:chExt cx="0" cy="0"/>
+        </a:xfrm>
+      </p:grpSpPr>
+      <p:sp>
+        <p:nvSpPr>
+          <p:cNvPr id="2" name="Slide Image Placeholder 1"/>
+          <p:cNvSpPr>
+            <a:spLocks noGrp="1" noRot="1" noChangeAspect="1"/>
+          </p:cNvSpPr>
+          <p:nvPr>
+            <p:ph type="sldImg"/>
+          </p:nvPr>
+        </p:nvSpPr>
+        <p:spPr/>
+      </p:sp>
+      <p:sp>
+        <p:nvSpPr>
+          <p:cNvPr id="3" name="Notes Placeholder 2"/>
+          <p:cNvSpPr>
+            <a:spLocks noGrp="1"/>
+          </p:cNvSpPr>
+          <p:nvPr>
+            <p:ph type="body" idx="1"/>
+          </p:nvPr>
+        </p:nvSpPr>
+        <p:spPr/>
+        <p:txBody>
+          <a:bodyPr/>
+          <a:lstStyle/>
+          <a:p>
+            <a:r>
+              <a:rPr lang="en-US" dirty="0" smtClean="0"/>
+              <a:t>Problem and its use</a:t>
+            </a:r>
+            <a:endParaRPr lang="en-US" dirty="0"/>
+          </a:p>
+        </p:txBody>
+      </p:sp>
+      <p:sp>
+        <p:nvSpPr>
+          <p:cNvPr id="4" name="Slide Number Placeholder 3"/>
+          <p:cNvSpPr>
+            <a:spLocks noGrp="1"/>
+          </p:cNvSpPr>
+          <p:nvPr>
+            <p:ph type="sldNum" sz="quarter" idx="10"/>
+          </p:nvPr>
+        </p:nvSpPr>
+        <p:spPr/>
+        <p:txBody>
+          <a:bodyPr/>
+          <a:lstStyle/>
+          <a:p>
+            <a:fld id="{979A0A40-088F-44CE-8547-8CF4D8B5748D}" type="slidenum">
+              <a:rPr lang="en-US" smtClean="0"/>
+              <a:t>6</a:t>
+            </a:fld>
+            <a:endParaRPr lang="en-US"/>
+          </a:p>
+        </p:txBody>
+      </p:sp>
+    </p:spTree>
+    <p:extLst>
+      <p:ext uri="{BB962C8B-B14F-4D97-AF65-F5344CB8AC3E}">
+        <p14:creationId xmlns:p14="http://schemas.microsoft.com/office/powerpoint/2010/main" val="737328833"/>
+      </p:ext>
+    </p:extLst>
+  </p:cSld>
+  <p:clrMapOvr>
+    <a:masterClrMapping/>
+  </p:clrMapOvr>
+</p:notes>
+</file>
+
+<file path=ppt/notesSlides/notesSlide7.xml><?xml version="1.0" encoding="utf-8"?>
+<p:notes xmlns:a="http://schemas.openxmlformats.org/drawingml/2006/main" xmlns:r="http://schemas.openxmlformats.org/officeDocument/2006/relationships" xmlns:p="http://schemas.openxmlformats.org/presentationml/2006/main">
+  <p:cSld>
+    <p:spTree>
+      <p:nvGrpSpPr>
+        <p:cNvPr id="1" name=""/>
+        <p:cNvGrpSpPr/>
+        <p:nvPr/>
+      </p:nvGrpSpPr>
+      <p:grpSpPr>
+        <a:xfrm>
+          <a:off x="0" y="0"/>
+          <a:ext cx="0" cy="0"/>
+          <a:chOff x="0" y="0"/>
+          <a:chExt cx="0" cy="0"/>
+        </a:xfrm>
+      </p:grpSpPr>
+      <p:sp>
+        <p:nvSpPr>
+          <p:cNvPr id="2" name="Slide Image Placeholder 1"/>
+          <p:cNvSpPr>
+            <a:spLocks noGrp="1" noRot="1" noChangeAspect="1"/>
+          </p:cNvSpPr>
+          <p:nvPr>
+            <p:ph type="sldImg"/>
+          </p:nvPr>
+        </p:nvSpPr>
+        <p:spPr/>
+      </p:sp>
+      <p:sp>
+        <p:nvSpPr>
+          <p:cNvPr id="3" name="Notes Placeholder 2"/>
+          <p:cNvSpPr>
+            <a:spLocks noGrp="1"/>
+          </p:cNvSpPr>
+          <p:nvPr>
+            <p:ph type="body" idx="1"/>
+          </p:nvPr>
+        </p:nvSpPr>
+        <p:spPr/>
+        <p:txBody>
+          <a:bodyPr/>
+          <a:lstStyle/>
+          <a:p>
+            <a:r>
+              <a:rPr lang="en-US" dirty="0" smtClean="0"/>
+              <a:t>Problem and its use</a:t>
+            </a:r>
+            <a:endParaRPr lang="en-US" dirty="0"/>
+          </a:p>
+        </p:txBody>
+      </p:sp>
+      <p:sp>
+        <p:nvSpPr>
+          <p:cNvPr id="4" name="Slide Number Placeholder 3"/>
+          <p:cNvSpPr>
+            <a:spLocks noGrp="1"/>
+          </p:cNvSpPr>
+          <p:nvPr>
+            <p:ph type="sldNum" sz="quarter" idx="10"/>
+          </p:nvPr>
+        </p:nvSpPr>
+        <p:spPr/>
+        <p:txBody>
+          <a:bodyPr/>
+          <a:lstStyle/>
+          <a:p>
+            <a:fld id="{979A0A40-088F-44CE-8547-8CF4D8B5748D}" type="slidenum">
+              <a:rPr lang="en-US" smtClean="0"/>
+              <a:t>7</a:t>
+            </a:fld>
+            <a:endParaRPr lang="en-US"/>
+          </a:p>
+        </p:txBody>
+      </p:sp>
+    </p:spTree>
+    <p:extLst>
+      <p:ext uri="{BB962C8B-B14F-4D97-AF65-F5344CB8AC3E}">
+        <p14:creationId xmlns:p14="http://schemas.microsoft.com/office/powerpoint/2010/main" val="737328833"/>
+      </p:ext>
+    </p:extLst>
+  </p:cSld>
+  <p:clrMapOvr>
+    <a:masterClrMapping/>
+  </p:clrMapOvr>
+</p:notes>
+</file>
+
+<file path=ppt/notesSlides/notesSlide8.xml><?xml version="1.0" encoding="utf-8"?>
+<p:notes xmlns:a="http://schemas.openxmlformats.org/drawingml/2006/main" xmlns:r="http://schemas.openxmlformats.org/officeDocument/2006/relationships" xmlns:p="http://schemas.openxmlformats.org/presentationml/2006/main">
+  <p:cSld>
+    <p:spTree>
+      <p:nvGrpSpPr>
+        <p:cNvPr id="1" name=""/>
+        <p:cNvGrpSpPr/>
+        <p:nvPr/>
+      </p:nvGrpSpPr>
+      <p:grpSpPr>
+        <a:xfrm>
+          <a:off x="0" y="0"/>
+          <a:ext cx="0" cy="0"/>
+          <a:chOff x="0" y="0"/>
+          <a:chExt cx="0" cy="0"/>
+        </a:xfrm>
+      </p:grpSpPr>
+      <p:sp>
+        <p:nvSpPr>
+          <p:cNvPr id="2" name="Slide Image Placeholder 1"/>
+          <p:cNvSpPr>
+            <a:spLocks noGrp="1" noRot="1" noChangeAspect="1"/>
+          </p:cNvSpPr>
+          <p:nvPr>
+            <p:ph type="sldImg"/>
+          </p:nvPr>
+        </p:nvSpPr>
+        <p:spPr/>
+      </p:sp>
+      <p:sp>
+        <p:nvSpPr>
+          <p:cNvPr id="3" name="Notes Placeholder 2"/>
+          <p:cNvSpPr>
+            <a:spLocks noGrp="1"/>
+          </p:cNvSpPr>
+          <p:nvPr>
+            <p:ph type="body" idx="1"/>
+          </p:nvPr>
+        </p:nvSpPr>
+        <p:spPr/>
+        <p:txBody>
+          <a:bodyPr/>
+          <a:lstStyle/>
+          <a:p>
+            <a:r>
+              <a:rPr lang="en-US" dirty="0" smtClean="0"/>
+              <a:t>Problem and its use</a:t>
+            </a:r>
+            <a:endParaRPr lang="en-US" dirty="0"/>
+          </a:p>
+        </p:txBody>
+      </p:sp>
+      <p:sp>
+        <p:nvSpPr>
+          <p:cNvPr id="4" name="Slide Number Placeholder 3"/>
+          <p:cNvSpPr>
+            <a:spLocks noGrp="1"/>
+          </p:cNvSpPr>
+          <p:nvPr>
+            <p:ph type="sldNum" sz="quarter" idx="10"/>
+          </p:nvPr>
+        </p:nvSpPr>
+        <p:spPr/>
+        <p:txBody>
+          <a:bodyPr/>
+          <a:lstStyle/>
+          <a:p>
+            <a:fld id="{979A0A40-088F-44CE-8547-8CF4D8B5748D}" type="slidenum">
+              <a:rPr lang="en-US" smtClean="0"/>
+              <a:t>8</a:t>
+            </a:fld>
+            <a:endParaRPr lang="en-US"/>
+          </a:p>
+        </p:txBody>
+      </p:sp>
+    </p:spTree>
+    <p:extLst>
+      <p:ext uri="{BB962C8B-B14F-4D97-AF65-F5344CB8AC3E}">
+        <p14:creationId xmlns:p14="http://schemas.microsoft.com/office/powerpoint/2010/main" val="737328833"/>
       </p:ext>
     </p:extLst>
   </p:cSld>
@@ -11762,7 +12400,7 @@
           <p:nvPr/>
         </p:nvPicPr>
         <p:blipFill>
-          <a:blip r:embed="rId2" cstate="print">
+          <a:blip r:embed="rId3" cstate="print">
             <a:extLst>
               <a:ext uri="{28A0092B-C50C-407E-A947-70E740481C1C}">
                 <a14:useLocalDpi xmlns:a14="http://schemas.microsoft.com/office/drawing/2010/main" val="0"/>
@@ -11817,6 +12455,385 @@
     <p:extLst>
       <p:ext uri="{BB962C8B-B14F-4D97-AF65-F5344CB8AC3E}">
         <p14:creationId xmlns:p14="http://schemas.microsoft.com/office/powerpoint/2010/main" val="574087675"/>
+      </p:ext>
+    </p:extLst>
+  </p:cSld>
+  <p:clrMapOvr>
+    <a:masterClrMapping/>
+  </p:clrMapOvr>
+  <p:timing>
+    <p:tnLst>
+      <p:par>
+        <p:cTn id="1" dur="indefinite" restart="never" nodeType="tmRoot"/>
+      </p:par>
+    </p:tnLst>
+  </p:timing>
+</p:sld>
+</file>
+
+<file path=ppt/slides/slide5.xml><?xml version="1.0" encoding="utf-8"?>
+<p:sld xmlns:a="http://schemas.openxmlformats.org/drawingml/2006/main" xmlns:r="http://schemas.openxmlformats.org/officeDocument/2006/relationships" xmlns:p="http://schemas.openxmlformats.org/presentationml/2006/main" showMasterSp="0">
+  <p:cSld>
+    <p:spTree>
+      <p:nvGrpSpPr>
+        <p:cNvPr id="1" name=""/>
+        <p:cNvGrpSpPr/>
+        <p:nvPr/>
+      </p:nvGrpSpPr>
+      <p:grpSpPr>
+        <a:xfrm>
+          <a:off x="0" y="0"/>
+          <a:ext cx="0" cy="0"/>
+          <a:chOff x="0" y="0"/>
+          <a:chExt cx="0" cy="0"/>
+        </a:xfrm>
+      </p:grpSpPr>
+      <p:sp>
+        <p:nvSpPr>
+          <p:cNvPr id="2" name="Title 1"/>
+          <p:cNvSpPr>
+            <a:spLocks noGrp="1"/>
+          </p:cNvSpPr>
+          <p:nvPr>
+            <p:ph type="title"/>
+          </p:nvPr>
+        </p:nvSpPr>
+        <p:spPr>
+          <a:xfrm>
+            <a:off x="457200" y="23446"/>
+            <a:ext cx="8229600" cy="1295400"/>
+          </a:xfrm>
+        </p:spPr>
+        <p:txBody>
+          <a:bodyPr/>
+          <a:lstStyle/>
+          <a:p>
+            <a:r>
+              <a:rPr lang="en-US" dirty="0" smtClean="0"/>
+              <a:t>Problem Statement</a:t>
+            </a:r>
+            <a:endParaRPr lang="en-US" dirty="0"/>
+          </a:p>
+        </p:txBody>
+      </p:sp>
+      <p:sp>
+        <p:nvSpPr>
+          <p:cNvPr id="3" name="Content Placeholder 2"/>
+          <p:cNvSpPr>
+            <a:spLocks noGrp="1"/>
+          </p:cNvSpPr>
+          <p:nvPr>
+            <p:ph idx="1"/>
+          </p:nvPr>
+        </p:nvSpPr>
+        <p:spPr/>
+        <p:txBody>
+          <a:bodyPr>
+            <a:normAutofit/>
+          </a:bodyPr>
+          <a:lstStyle/>
+          <a:p>
+            <a:endParaRPr lang="en-US" dirty="0"/>
+          </a:p>
+          <a:p>
+            <a:pPr marL="0" indent="0">
+              <a:buNone/>
+            </a:pPr>
+            <a:endParaRPr lang="en-US" dirty="0"/>
+          </a:p>
+        </p:txBody>
+      </p:sp>
+      <p:sp>
+        <p:nvSpPr>
+          <p:cNvPr id="5" name="Rectangle 4"/>
+          <p:cNvSpPr/>
+          <p:nvPr/>
+        </p:nvSpPr>
+        <p:spPr>
+          <a:xfrm>
+            <a:off x="762001" y="2438400"/>
+            <a:ext cx="7086600" cy="1292662"/>
+          </a:xfrm>
+          <a:prstGeom prst="rect">
+            <a:avLst/>
+          </a:prstGeom>
+        </p:spPr>
+        <p:txBody>
+          <a:bodyPr wrap="square">
+            <a:spAutoFit/>
+          </a:bodyPr>
+          <a:lstStyle/>
+          <a:p>
+            <a:r>
+              <a:rPr lang="en-US" sz="2600" dirty="0" smtClean="0"/>
+              <a:t>To construct efficient as well as effective Language Identification(LID) model using two stage Neural Network.</a:t>
+            </a:r>
+            <a:endParaRPr lang="en-US" sz="2600" dirty="0"/>
+          </a:p>
+        </p:txBody>
+      </p:sp>
+    </p:spTree>
+    <p:extLst>
+      <p:ext uri="{BB962C8B-B14F-4D97-AF65-F5344CB8AC3E}">
+        <p14:creationId xmlns:p14="http://schemas.microsoft.com/office/powerpoint/2010/main" val="2666556033"/>
+      </p:ext>
+    </p:extLst>
+  </p:cSld>
+  <p:clrMapOvr>
+    <a:masterClrMapping/>
+  </p:clrMapOvr>
+  <p:timing>
+    <p:tnLst>
+      <p:par>
+        <p:cTn id="1" dur="indefinite" restart="never" nodeType="tmRoot"/>
+      </p:par>
+    </p:tnLst>
+  </p:timing>
+</p:sld>
+</file>
+
+<file path=ppt/slides/slide6.xml><?xml version="1.0" encoding="utf-8"?>
+<p:sld xmlns:a="http://schemas.openxmlformats.org/drawingml/2006/main" xmlns:r="http://schemas.openxmlformats.org/officeDocument/2006/relationships" xmlns:p="http://schemas.openxmlformats.org/presentationml/2006/main" showMasterSp="0">
+  <p:cSld>
+    <p:spTree>
+      <p:nvGrpSpPr>
+        <p:cNvPr id="1" name=""/>
+        <p:cNvGrpSpPr/>
+        <p:nvPr/>
+      </p:nvGrpSpPr>
+      <p:grpSpPr>
+        <a:xfrm>
+          <a:off x="0" y="0"/>
+          <a:ext cx="0" cy="0"/>
+          <a:chOff x="0" y="0"/>
+          <a:chExt cx="0" cy="0"/>
+        </a:xfrm>
+      </p:grpSpPr>
+      <p:sp>
+        <p:nvSpPr>
+          <p:cNvPr id="2" name="Title 1"/>
+          <p:cNvSpPr>
+            <a:spLocks noGrp="1"/>
+          </p:cNvSpPr>
+          <p:nvPr>
+            <p:ph type="title"/>
+          </p:nvPr>
+        </p:nvSpPr>
+        <p:spPr>
+          <a:xfrm>
+            <a:off x="457200" y="23446"/>
+            <a:ext cx="8229600" cy="1295400"/>
+          </a:xfrm>
+        </p:spPr>
+        <p:txBody>
+          <a:bodyPr/>
+          <a:lstStyle/>
+          <a:p>
+            <a:r>
+              <a:rPr lang="en-US" dirty="0" smtClean="0"/>
+              <a:t>Our Proposal</a:t>
+            </a:r>
+            <a:endParaRPr lang="en-US" dirty="0"/>
+          </a:p>
+        </p:txBody>
+      </p:sp>
+      <p:sp>
+        <p:nvSpPr>
+          <p:cNvPr id="3" name="Content Placeholder 2"/>
+          <p:cNvSpPr>
+            <a:spLocks noGrp="1"/>
+          </p:cNvSpPr>
+          <p:nvPr>
+            <p:ph idx="1"/>
+          </p:nvPr>
+        </p:nvSpPr>
+        <p:spPr/>
+        <p:txBody>
+          <a:bodyPr>
+            <a:normAutofit/>
+          </a:bodyPr>
+          <a:lstStyle/>
+          <a:p>
+            <a:endParaRPr lang="en-US" dirty="0" smtClean="0"/>
+          </a:p>
+        </p:txBody>
+      </p:sp>
+    </p:spTree>
+    <p:extLst>
+      <p:ext uri="{BB962C8B-B14F-4D97-AF65-F5344CB8AC3E}">
+        <p14:creationId xmlns:p14="http://schemas.microsoft.com/office/powerpoint/2010/main" val="3233347990"/>
+      </p:ext>
+    </p:extLst>
+  </p:cSld>
+  <p:clrMapOvr>
+    <a:masterClrMapping/>
+  </p:clrMapOvr>
+  <p:timing>
+    <p:tnLst>
+      <p:par>
+        <p:cTn id="1" dur="indefinite" restart="never" nodeType="tmRoot"/>
+      </p:par>
+    </p:tnLst>
+  </p:timing>
+</p:sld>
+</file>
+
+<file path=ppt/slides/slide7.xml><?xml version="1.0" encoding="utf-8"?>
+<p:sld xmlns:a="http://schemas.openxmlformats.org/drawingml/2006/main" xmlns:r="http://schemas.openxmlformats.org/officeDocument/2006/relationships" xmlns:p="http://schemas.openxmlformats.org/presentationml/2006/main" showMasterSp="0">
+  <p:cSld>
+    <p:spTree>
+      <p:nvGrpSpPr>
+        <p:cNvPr id="1" name=""/>
+        <p:cNvGrpSpPr/>
+        <p:nvPr/>
+      </p:nvGrpSpPr>
+      <p:grpSpPr>
+        <a:xfrm>
+          <a:off x="0" y="0"/>
+          <a:ext cx="0" cy="0"/>
+          <a:chOff x="0" y="0"/>
+          <a:chExt cx="0" cy="0"/>
+        </a:xfrm>
+      </p:grpSpPr>
+      <p:sp>
+        <p:nvSpPr>
+          <p:cNvPr id="2" name="Title 1"/>
+          <p:cNvSpPr>
+            <a:spLocks noGrp="1"/>
+          </p:cNvSpPr>
+          <p:nvPr>
+            <p:ph type="title"/>
+          </p:nvPr>
+        </p:nvSpPr>
+        <p:spPr>
+          <a:xfrm>
+            <a:off x="457200" y="23446"/>
+            <a:ext cx="8229600" cy="1295400"/>
+          </a:xfrm>
+        </p:spPr>
+        <p:txBody>
+          <a:bodyPr/>
+          <a:lstStyle/>
+          <a:p>
+            <a:r>
+              <a:rPr lang="en-US" dirty="0" smtClean="0"/>
+              <a:t>Result</a:t>
+            </a:r>
+            <a:endParaRPr lang="en-US" dirty="0"/>
+          </a:p>
+        </p:txBody>
+      </p:sp>
+      <p:sp>
+        <p:nvSpPr>
+          <p:cNvPr id="3" name="Content Placeholder 2"/>
+          <p:cNvSpPr>
+            <a:spLocks noGrp="1"/>
+          </p:cNvSpPr>
+          <p:nvPr>
+            <p:ph idx="1"/>
+          </p:nvPr>
+        </p:nvSpPr>
+        <p:spPr/>
+        <p:txBody>
+          <a:bodyPr>
+            <a:normAutofit/>
+          </a:bodyPr>
+          <a:lstStyle/>
+          <a:p>
+            <a:endParaRPr lang="en-US" dirty="0" smtClean="0"/>
+          </a:p>
+        </p:txBody>
+      </p:sp>
+    </p:spTree>
+    <p:extLst>
+      <p:ext uri="{BB962C8B-B14F-4D97-AF65-F5344CB8AC3E}">
+        <p14:creationId xmlns:p14="http://schemas.microsoft.com/office/powerpoint/2010/main" val="2955613896"/>
+      </p:ext>
+    </p:extLst>
+  </p:cSld>
+  <p:clrMapOvr>
+    <a:masterClrMapping/>
+  </p:clrMapOvr>
+  <p:timing>
+    <p:tnLst>
+      <p:par>
+        <p:cTn id="1" dur="indefinite" restart="never" nodeType="tmRoot"/>
+      </p:par>
+    </p:tnLst>
+  </p:timing>
+</p:sld>
+</file>
+
+<file path=ppt/slides/slide8.xml><?xml version="1.0" encoding="utf-8"?>
+<p:sld xmlns:a="http://schemas.openxmlformats.org/drawingml/2006/main" xmlns:r="http://schemas.openxmlformats.org/officeDocument/2006/relationships" xmlns:p="http://schemas.openxmlformats.org/presentationml/2006/main" showMasterSp="0">
+  <p:cSld>
+    <p:spTree>
+      <p:nvGrpSpPr>
+        <p:cNvPr id="1" name=""/>
+        <p:cNvGrpSpPr/>
+        <p:nvPr/>
+      </p:nvGrpSpPr>
+      <p:grpSpPr>
+        <a:xfrm>
+          <a:off x="0" y="0"/>
+          <a:ext cx="0" cy="0"/>
+          <a:chOff x="0" y="0"/>
+          <a:chExt cx="0" cy="0"/>
+        </a:xfrm>
+      </p:grpSpPr>
+      <p:sp>
+        <p:nvSpPr>
+          <p:cNvPr id="2" name="Title 1"/>
+          <p:cNvSpPr>
+            <a:spLocks noGrp="1"/>
+          </p:cNvSpPr>
+          <p:nvPr>
+            <p:ph type="title"/>
+          </p:nvPr>
+        </p:nvSpPr>
+        <p:spPr>
+          <a:xfrm>
+            <a:off x="457200" y="23446"/>
+            <a:ext cx="8229600" cy="1295400"/>
+          </a:xfrm>
+        </p:spPr>
+        <p:txBody>
+          <a:bodyPr/>
+          <a:lstStyle/>
+          <a:p>
+            <a:r>
+              <a:rPr lang="en-US" dirty="0" smtClean="0"/>
+              <a:t>Conclusion</a:t>
+            </a:r>
+            <a:endParaRPr lang="en-US" dirty="0"/>
+          </a:p>
+        </p:txBody>
+      </p:sp>
+      <p:sp>
+        <p:nvSpPr>
+          <p:cNvPr id="3" name="Content Placeholder 2"/>
+          <p:cNvSpPr>
+            <a:spLocks noGrp="1"/>
+          </p:cNvSpPr>
+          <p:nvPr>
+            <p:ph idx="1"/>
+          </p:nvPr>
+        </p:nvSpPr>
+        <p:spPr/>
+        <p:txBody>
+          <a:bodyPr>
+            <a:normAutofit/>
+          </a:bodyPr>
+          <a:lstStyle/>
+          <a:p>
+            <a:endParaRPr lang="en-US" dirty="0" smtClean="0"/>
+          </a:p>
+        </p:txBody>
+      </p:sp>
+    </p:spTree>
+    <p:extLst>
+      <p:ext uri="{BB962C8B-B14F-4D97-AF65-F5344CB8AC3E}">
+        <p14:creationId xmlns:p14="http://schemas.microsoft.com/office/powerpoint/2010/main" val="1452594442"/>
       </p:ext>
     </p:extLst>
   </p:cSld>

--- a/Docs/Presentation.pptx
+++ b/Docs/Presentation.pptx
@@ -601,6 +601,28 @@
               <a:rPr lang="en-US" dirty="0" smtClean="0"/>
               <a:t>Problem and its use</a:t>
             </a:r>
+          </a:p>
+          <a:p>
+            <a:r>
+              <a:rPr lang="en-US" dirty="0" smtClean="0"/>
+              <a:t>Emergency</a:t>
+            </a:r>
+            <a:r>
+              <a:rPr lang="en-US" baseline="0" dirty="0" smtClean="0"/>
+              <a:t> </a:t>
+            </a:r>
+            <a:r>
+              <a:rPr lang="en-US" baseline="0" dirty="0" err="1" smtClean="0"/>
+              <a:t>mein</a:t>
+            </a:r>
+            <a:r>
+              <a:rPr lang="en-US" baseline="0" dirty="0" smtClean="0"/>
+              <a:t> quick response </a:t>
+            </a:r>
+            <a:r>
+              <a:rPr lang="en-US" baseline="0" dirty="0" err="1" smtClean="0"/>
+              <a:t>chaiye</a:t>
+            </a:r>
             <a:endParaRPr lang="en-US" dirty="0"/>
           </a:p>
         </p:txBody>
@@ -692,6 +714,92 @@
             <a:r>
               <a:rPr lang="en-US" baseline="0" dirty="0" smtClean="0"/>
               <a:t> doing it</a:t>
+            </a:r>
+          </a:p>
+          <a:p>
+            <a:r>
+              <a:rPr lang="en-US" sz="1200" kern="1200" dirty="0" smtClean="0">
+                <a:solidFill>
+                  <a:schemeClr val="tx1"/>
+                </a:solidFill>
+                <a:effectLst/>
+                <a:latin typeface="+mn-lt"/>
+                <a:ea typeface="+mn-ea"/>
+                <a:cs typeface="+mn-cs"/>
+              </a:rPr>
+              <a:t>phonotactic and prosody</a:t>
+            </a:r>
+            <a:r>
+              <a:rPr lang="en-US" sz="1200" kern="1200" baseline="0" dirty="0" smtClean="0">
+                <a:solidFill>
+                  <a:schemeClr val="tx1"/>
+                </a:solidFill>
+                <a:effectLst/>
+                <a:latin typeface="+mn-lt"/>
+                <a:ea typeface="+mn-ea"/>
+                <a:cs typeface="+mn-cs"/>
+              </a:rPr>
+              <a:t> </a:t>
+            </a:r>
+            <a:r>
+              <a:rPr lang="en-US" sz="1200" kern="1200" dirty="0" err="1" smtClean="0">
+                <a:solidFill>
+                  <a:schemeClr val="tx1"/>
+                </a:solidFill>
+                <a:effectLst/>
+                <a:latin typeface="+mn-lt"/>
+                <a:ea typeface="+mn-ea"/>
+                <a:cs typeface="+mn-cs"/>
+              </a:rPr>
+              <a:t>bhi</a:t>
+            </a:r>
+            <a:r>
+              <a:rPr lang="en-US" sz="1200" kern="1200" dirty="0" smtClean="0">
+                <a:solidFill>
+                  <a:schemeClr val="tx1"/>
+                </a:solidFill>
+                <a:effectLst/>
+                <a:latin typeface="+mn-lt"/>
+                <a:ea typeface="+mn-ea"/>
+                <a:cs typeface="+mn-cs"/>
+              </a:rPr>
+              <a:t> </a:t>
+            </a:r>
+            <a:r>
+              <a:rPr lang="en-US" sz="1200" kern="1200" dirty="0" err="1" smtClean="0">
+                <a:solidFill>
+                  <a:schemeClr val="tx1"/>
+                </a:solidFill>
+                <a:effectLst/>
+                <a:latin typeface="+mn-lt"/>
+                <a:ea typeface="+mn-ea"/>
+                <a:cs typeface="+mn-cs"/>
+              </a:rPr>
+              <a:t>hote</a:t>
+            </a:r>
+            <a:r>
+              <a:rPr lang="en-US" sz="1200" kern="1200" dirty="0" smtClean="0">
+                <a:solidFill>
+                  <a:schemeClr val="tx1"/>
+                </a:solidFill>
+                <a:effectLst/>
+                <a:latin typeface="+mn-lt"/>
+                <a:ea typeface="+mn-ea"/>
+                <a:cs typeface="+mn-cs"/>
+              </a:rPr>
+              <a:t> </a:t>
+            </a:r>
+            <a:r>
+              <a:rPr lang="en-US" sz="1200" kern="1200" dirty="0" err="1" smtClean="0">
+                <a:solidFill>
+                  <a:schemeClr val="tx1"/>
+                </a:solidFill>
+                <a:effectLst/>
+                <a:latin typeface="+mn-lt"/>
+                <a:ea typeface="+mn-ea"/>
+                <a:cs typeface="+mn-cs"/>
+              </a:rPr>
+              <a:t>hai</a:t>
             </a:r>
             <a:endParaRPr lang="en-US" dirty="0"/>
           </a:p>

--- a/Docs/Presentation.pptx
+++ b/Docs/Presentation.pptx
@@ -7,17 +7,18 @@
     <p:sldMasterId id="2147483696" r:id="rId3"/>
   </p:sldMasterIdLst>
   <p:notesMasterIdLst>
-    <p:notesMasterId r:id="rId12"/>
+    <p:notesMasterId r:id="rId13"/>
   </p:notesMasterIdLst>
   <p:sldIdLst>
     <p:sldId id="256" r:id="rId4"/>
     <p:sldId id="257" r:id="rId5"/>
     <p:sldId id="258" r:id="rId6"/>
-    <p:sldId id="259" r:id="rId7"/>
-    <p:sldId id="260" r:id="rId8"/>
-    <p:sldId id="263" r:id="rId9"/>
-    <p:sldId id="264" r:id="rId10"/>
-    <p:sldId id="265" r:id="rId11"/>
+    <p:sldId id="260" r:id="rId7"/>
+    <p:sldId id="263" r:id="rId8"/>
+    <p:sldId id="267" r:id="rId9"/>
+    <p:sldId id="266" r:id="rId10"/>
+    <p:sldId id="264" r:id="rId11"/>
+    <p:sldId id="265" r:id="rId12"/>
   </p:sldIdLst>
   <p:sldSz cx="9144000" cy="6858000" type="screen4x3"/>
   <p:notesSz cx="6858000" cy="9144000"/>
@@ -887,11 +888,17 @@
           <a:p>
             <a:r>
               <a:rPr lang="en-US" dirty="0" smtClean="0"/>
-              <a:t>Just brief</a:t>
+              <a:t>Just</a:t>
             </a:r>
             <a:r>
               <a:rPr lang="en-US" baseline="0" dirty="0" smtClean="0"/>
-              <a:t> talk about workflow</a:t>
+              <a:t> read</a:t>
+            </a:r>
+          </a:p>
+          <a:p>
+            <a:r>
+              <a:rPr lang="en-US" baseline="0" dirty="0" smtClean="0"/>
+              <a:t>Two stage being coarse and fine</a:t>
             </a:r>
             <a:endParaRPr lang="en-US" dirty="0"/>
           </a:p>
@@ -923,7 +930,7 @@
     </p:spTree>
     <p:extLst>
       <p:ext uri="{BB962C8B-B14F-4D97-AF65-F5344CB8AC3E}">
-        <p14:creationId xmlns:p14="http://schemas.microsoft.com/office/powerpoint/2010/main" val="288503328"/>
+        <p14:creationId xmlns:p14="http://schemas.microsoft.com/office/powerpoint/2010/main" val="2847015293"/>
       </p:ext>
     </p:extLst>
   </p:cSld>
@@ -979,17 +986,7 @@
           <a:p>
             <a:r>
               <a:rPr lang="en-US" dirty="0" smtClean="0"/>
-              <a:t>Just</a:t>
-            </a:r>
-            <a:r>
-              <a:rPr lang="en-US" baseline="0" dirty="0" smtClean="0"/>
-              <a:t> read</a:t>
-            </a:r>
-          </a:p>
-          <a:p>
-            <a:r>
-              <a:rPr lang="en-US" baseline="0" dirty="0" smtClean="0"/>
-              <a:t>Two stage being coarse and fine</a:t>
+              <a:t>Problem and its use</a:t>
             </a:r>
             <a:endParaRPr lang="en-US" dirty="0"/>
           </a:p>
@@ -1021,7 +1018,7 @@
     </p:spTree>
     <p:extLst>
       <p:ext uri="{BB962C8B-B14F-4D97-AF65-F5344CB8AC3E}">
-        <p14:creationId xmlns:p14="http://schemas.microsoft.com/office/powerpoint/2010/main" val="2847015293"/>
+        <p14:creationId xmlns:p14="http://schemas.microsoft.com/office/powerpoint/2010/main" val="737328833"/>
       </p:ext>
     </p:extLst>
   </p:cSld>
@@ -1077,7 +1074,11 @@
           <a:p>
             <a:r>
               <a:rPr lang="en-US" dirty="0" smtClean="0"/>
-              <a:t>Problem and its use</a:t>
+              <a:t>Just brief</a:t>
+            </a:r>
+            <a:r>
+              <a:rPr lang="en-US" baseline="0" dirty="0" smtClean="0"/>
+              <a:t> talk about workflow</a:t>
             </a:r>
             <a:endParaRPr lang="en-US" dirty="0"/>
           </a:p>
@@ -1099,17 +1100,26 @@
           <a:lstStyle/>
           <a:p>
             <a:fld id="{979A0A40-088F-44CE-8547-8CF4D8B5748D}" type="slidenum">
-              <a:rPr lang="en-US" smtClean="0"/>
+              <a:rPr lang="en-US" smtClean="0">
+                <a:solidFill>
+                  <a:prstClr val="black"/>
+                </a:solidFill>
+              </a:rPr>
+              <a:pPr/>
               <a:t>6</a:t>
             </a:fld>
-            <a:endParaRPr lang="en-US"/>
+            <a:endParaRPr lang="en-US">
+              <a:solidFill>
+                <a:prstClr val="black"/>
+              </a:solidFill>
+            </a:endParaRPr>
           </a:p>
         </p:txBody>
       </p:sp>
     </p:spTree>
     <p:extLst>
       <p:ext uri="{BB962C8B-B14F-4D97-AF65-F5344CB8AC3E}">
-        <p14:creationId xmlns:p14="http://schemas.microsoft.com/office/powerpoint/2010/main" val="737328833"/>
+        <p14:creationId xmlns:p14="http://schemas.microsoft.com/office/powerpoint/2010/main" val="288503328"/>
       </p:ext>
     </p:extLst>
   </p:cSld>
@@ -1277,6 +1287,94 @@
             <a:fld id="{979A0A40-088F-44CE-8547-8CF4D8B5748D}" type="slidenum">
               <a:rPr lang="en-US" smtClean="0"/>
               <a:t>8</a:t>
+            </a:fld>
+            <a:endParaRPr lang="en-US"/>
+          </a:p>
+        </p:txBody>
+      </p:sp>
+    </p:spTree>
+    <p:extLst>
+      <p:ext uri="{BB962C8B-B14F-4D97-AF65-F5344CB8AC3E}">
+        <p14:creationId xmlns:p14="http://schemas.microsoft.com/office/powerpoint/2010/main" val="737328833"/>
+      </p:ext>
+    </p:extLst>
+  </p:cSld>
+  <p:clrMapOvr>
+    <a:masterClrMapping/>
+  </p:clrMapOvr>
+</p:notes>
+</file>
+
+<file path=ppt/notesSlides/notesSlide9.xml><?xml version="1.0" encoding="utf-8"?>
+<p:notes xmlns:a="http://schemas.openxmlformats.org/drawingml/2006/main" xmlns:r="http://schemas.openxmlformats.org/officeDocument/2006/relationships" xmlns:p="http://schemas.openxmlformats.org/presentationml/2006/main">
+  <p:cSld>
+    <p:spTree>
+      <p:nvGrpSpPr>
+        <p:cNvPr id="1" name=""/>
+        <p:cNvGrpSpPr/>
+        <p:nvPr/>
+      </p:nvGrpSpPr>
+      <p:grpSpPr>
+        <a:xfrm>
+          <a:off x="0" y="0"/>
+          <a:ext cx="0" cy="0"/>
+          <a:chOff x="0" y="0"/>
+          <a:chExt cx="0" cy="0"/>
+        </a:xfrm>
+      </p:grpSpPr>
+      <p:sp>
+        <p:nvSpPr>
+          <p:cNvPr id="2" name="Slide Image Placeholder 1"/>
+          <p:cNvSpPr>
+            <a:spLocks noGrp="1" noRot="1" noChangeAspect="1"/>
+          </p:cNvSpPr>
+          <p:nvPr>
+            <p:ph type="sldImg"/>
+          </p:nvPr>
+        </p:nvSpPr>
+        <p:spPr/>
+      </p:sp>
+      <p:sp>
+        <p:nvSpPr>
+          <p:cNvPr id="3" name="Notes Placeholder 2"/>
+          <p:cNvSpPr>
+            <a:spLocks noGrp="1"/>
+          </p:cNvSpPr>
+          <p:nvPr>
+            <p:ph type="body" idx="1"/>
+          </p:nvPr>
+        </p:nvSpPr>
+        <p:spPr/>
+        <p:txBody>
+          <a:bodyPr/>
+          <a:lstStyle/>
+          <a:p>
+            <a:r>
+              <a:rPr lang="en-US" dirty="0" smtClean="0"/>
+              <a:t>Problem and its use</a:t>
+            </a:r>
+            <a:endParaRPr lang="en-US" dirty="0"/>
+          </a:p>
+        </p:txBody>
+      </p:sp>
+      <p:sp>
+        <p:nvSpPr>
+          <p:cNvPr id="4" name="Slide Number Placeholder 3"/>
+          <p:cNvSpPr>
+            <a:spLocks noGrp="1"/>
+          </p:cNvSpPr>
+          <p:nvPr>
+            <p:ph type="sldNum" sz="quarter" idx="10"/>
+          </p:nvPr>
+        </p:nvSpPr>
+        <p:spPr/>
+        <p:txBody>
+          <a:bodyPr/>
+          <a:lstStyle/>
+          <a:p>
+            <a:fld id="{979A0A40-088F-44CE-8547-8CF4D8B5748D}" type="slidenum">
+              <a:rPr lang="en-US" smtClean="0"/>
+              <a:t>9</a:t>
             </a:fld>
             <a:endParaRPr lang="en-US"/>
           </a:p>
@@ -12468,7 +12566,7 @@
           <a:p>
             <a:r>
               <a:rPr lang="en-US" dirty="0" smtClean="0"/>
-              <a:t>Introduction</a:t>
+              <a:t>Problem Statement</a:t>
             </a:r>
             <a:endParaRPr lang="en-US" dirty="0"/>
           </a:p>
@@ -12501,36 +12599,6 @@
           </a:p>
         </p:txBody>
       </p:sp>
-      <p:pic>
-        <p:nvPicPr>
-          <p:cNvPr id="4" name="Picture 3"/>
-          <p:cNvPicPr/>
-          <p:nvPr/>
-        </p:nvPicPr>
-        <p:blipFill>
-          <a:blip r:embed="rId3" cstate="print">
-            <a:extLst>
-              <a:ext uri="{28A0092B-C50C-407E-A947-70E740481C1C}">
-                <a14:useLocalDpi xmlns:a14="http://schemas.microsoft.com/office/drawing/2010/main" val="0"/>
-              </a:ext>
-            </a:extLst>
-          </a:blip>
-          <a:srcRect/>
-          <a:stretch>
-            <a:fillRect/>
-          </a:stretch>
-        </p:blipFill>
-        <p:spPr bwMode="auto">
-          <a:xfrm>
-            <a:off x="175846" y="2537142"/>
-            <a:ext cx="8839200" cy="1882458"/>
-          </a:xfrm>
-          <a:prstGeom prst="rect">
-            <a:avLst/>
-          </a:prstGeom>
-          <a:noFill/>
-        </p:spPr>
-      </p:pic>
       <p:sp>
         <p:nvSpPr>
           <p:cNvPr id="5" name="Rectangle 4"/>
@@ -12539,30 +12607,31 @@
         </p:nvSpPr>
         <p:spPr>
           <a:xfrm>
-            <a:off x="3028125" y="4267200"/>
-            <a:ext cx="3134641" cy="492443"/>
+            <a:off x="762001" y="2438400"/>
+            <a:ext cx="7086600" cy="1292662"/>
           </a:xfrm>
           <a:prstGeom prst="rect">
             <a:avLst/>
           </a:prstGeom>
         </p:spPr>
         <p:txBody>
-          <a:bodyPr wrap="none">
+          <a:bodyPr wrap="square">
             <a:spAutoFit/>
           </a:bodyPr>
           <a:lstStyle/>
           <a:p>
             <a:r>
-              <a:rPr lang="en-US" sz="2600" dirty="0"/>
-              <a:t>Workflow of project</a:t>
-            </a:r>
+              <a:rPr lang="en-US" sz="2600" dirty="0" smtClean="0"/>
+              <a:t>To construct efficient as well as effective Language Identification(LID) model using two stage Neural Network.</a:t>
+            </a:r>
+            <a:endParaRPr lang="en-US" sz="2600" dirty="0"/>
           </a:p>
         </p:txBody>
       </p:sp>
     </p:spTree>
     <p:extLst>
       <p:ext uri="{BB962C8B-B14F-4D97-AF65-F5344CB8AC3E}">
-        <p14:creationId xmlns:p14="http://schemas.microsoft.com/office/powerpoint/2010/main" val="574087675"/>
+        <p14:creationId xmlns:p14="http://schemas.microsoft.com/office/powerpoint/2010/main" val="2666556033"/>
       </p:ext>
     </p:extLst>
   </p:cSld>
@@ -12618,7 +12687,7 @@
           <a:p>
             <a:r>
               <a:rPr lang="en-US" dirty="0" smtClean="0"/>
-              <a:t>Problem Statement</a:t>
+              <a:t>Related Work</a:t>
             </a:r>
             <a:endParaRPr lang="en-US" dirty="0"/>
           </a:p>
@@ -12641,49 +12710,14 @@
           </a:bodyPr>
           <a:lstStyle/>
           <a:p>
-            <a:endParaRPr lang="en-US" dirty="0"/>
-          </a:p>
-          <a:p>
-            <a:pPr marL="0" indent="0">
-              <a:buNone/>
-            </a:pPr>
-            <a:endParaRPr lang="en-US" dirty="0"/>
-          </a:p>
-        </p:txBody>
-      </p:sp>
-      <p:sp>
-        <p:nvSpPr>
-          <p:cNvPr id="5" name="Rectangle 4"/>
-          <p:cNvSpPr/>
-          <p:nvPr/>
-        </p:nvSpPr>
-        <p:spPr>
-          <a:xfrm>
-            <a:off x="762001" y="2438400"/>
-            <a:ext cx="7086600" cy="1292662"/>
-          </a:xfrm>
-          <a:prstGeom prst="rect">
-            <a:avLst/>
-          </a:prstGeom>
-        </p:spPr>
-        <p:txBody>
-          <a:bodyPr wrap="square">
-            <a:spAutoFit/>
-          </a:bodyPr>
-          <a:lstStyle/>
-          <a:p>
-            <a:r>
-              <a:rPr lang="en-US" sz="2600" dirty="0" smtClean="0"/>
-              <a:t>To construct efficient as well as effective Language Identification(LID) model using two stage Neural Network.</a:t>
-            </a:r>
-            <a:endParaRPr lang="en-US" sz="2600" dirty="0"/>
+            <a:endParaRPr lang="en-US" dirty="0" smtClean="0"/>
           </a:p>
         </p:txBody>
       </p:sp>
     </p:spTree>
     <p:extLst>
       <p:ext uri="{BB962C8B-B14F-4D97-AF65-F5344CB8AC3E}">
-        <p14:creationId xmlns:p14="http://schemas.microsoft.com/office/powerpoint/2010/main" val="2666556033"/>
+        <p14:creationId xmlns:p14="http://schemas.microsoft.com/office/powerpoint/2010/main" val="3233347990"/>
       </p:ext>
     </p:extLst>
   </p:cSld>
@@ -12762,14 +12796,82 @@
           </a:bodyPr>
           <a:lstStyle/>
           <a:p>
-            <a:endParaRPr lang="en-US" dirty="0" smtClean="0"/>
+            <a:endParaRPr lang="en-US" dirty="0"/>
+          </a:p>
+          <a:p>
+            <a:pPr marL="0" indent="0">
+              <a:buNone/>
+            </a:pPr>
+            <a:endParaRPr lang="en-US" dirty="0"/>
+          </a:p>
+        </p:txBody>
+      </p:sp>
+      <p:pic>
+        <p:nvPicPr>
+          <p:cNvPr id="4" name="Picture 3"/>
+          <p:cNvPicPr/>
+          <p:nvPr/>
+        </p:nvPicPr>
+        <p:blipFill>
+          <a:blip r:embed="rId3" cstate="print">
+            <a:extLst>
+              <a:ext uri="{28A0092B-C50C-407E-A947-70E740481C1C}">
+                <a14:useLocalDpi xmlns:a14="http://schemas.microsoft.com/office/drawing/2010/main" val="0"/>
+              </a:ext>
+            </a:extLst>
+          </a:blip>
+          <a:srcRect/>
+          <a:stretch>
+            <a:fillRect/>
+          </a:stretch>
+        </p:blipFill>
+        <p:spPr bwMode="auto">
+          <a:xfrm>
+            <a:off x="175846" y="2537142"/>
+            <a:ext cx="8839200" cy="1882458"/>
+          </a:xfrm>
+          <a:prstGeom prst="rect">
+            <a:avLst/>
+          </a:prstGeom>
+          <a:noFill/>
+        </p:spPr>
+      </p:pic>
+      <p:sp>
+        <p:nvSpPr>
+          <p:cNvPr id="5" name="Rectangle 4"/>
+          <p:cNvSpPr/>
+          <p:nvPr/>
+        </p:nvSpPr>
+        <p:spPr>
+          <a:xfrm>
+            <a:off x="3028125" y="4267200"/>
+            <a:ext cx="3134641" cy="492443"/>
+          </a:xfrm>
+          <a:prstGeom prst="rect">
+            <a:avLst/>
+          </a:prstGeom>
+        </p:spPr>
+        <p:txBody>
+          <a:bodyPr wrap="none">
+            <a:spAutoFit/>
+          </a:bodyPr>
+          <a:lstStyle/>
+          <a:p>
+            <a:r>
+              <a:rPr lang="en-US" sz="2600" dirty="0">
+                <a:solidFill>
+                  <a:prstClr val="black"/>
+                </a:solidFill>
+              </a:rPr>
+              <a:t>Workflow of project</a:t>
+            </a:r>
           </a:p>
         </p:txBody>
       </p:sp>
     </p:spTree>
     <p:extLst>
       <p:ext uri="{BB962C8B-B14F-4D97-AF65-F5344CB8AC3E}">
-        <p14:creationId xmlns:p14="http://schemas.microsoft.com/office/powerpoint/2010/main" val="3233347990"/>
+        <p14:creationId xmlns:p14="http://schemas.microsoft.com/office/powerpoint/2010/main" val="4212639036"/>
       </p:ext>
     </p:extLst>
   </p:cSld>
@@ -12825,6 +12927,92 @@
           <a:p>
             <a:r>
               <a:rPr lang="en-US" dirty="0" smtClean="0"/>
+              <a:t>Our Proposal</a:t>
+            </a:r>
+            <a:endParaRPr lang="en-US" dirty="0"/>
+          </a:p>
+        </p:txBody>
+      </p:sp>
+      <p:sp>
+        <p:nvSpPr>
+          <p:cNvPr id="3" name="Content Placeholder 2"/>
+          <p:cNvSpPr>
+            <a:spLocks noGrp="1"/>
+          </p:cNvSpPr>
+          <p:nvPr>
+            <p:ph idx="1"/>
+          </p:nvPr>
+        </p:nvSpPr>
+        <p:spPr/>
+        <p:txBody>
+          <a:bodyPr>
+            <a:normAutofit/>
+          </a:bodyPr>
+          <a:lstStyle/>
+          <a:p>
+            <a:endParaRPr lang="en-US" dirty="0" smtClean="0"/>
+          </a:p>
+        </p:txBody>
+      </p:sp>
+    </p:spTree>
+    <p:extLst>
+      <p:ext uri="{BB962C8B-B14F-4D97-AF65-F5344CB8AC3E}">
+        <p14:creationId xmlns:p14="http://schemas.microsoft.com/office/powerpoint/2010/main" val="3659664397"/>
+      </p:ext>
+    </p:extLst>
+  </p:cSld>
+  <p:clrMapOvr>
+    <a:masterClrMapping/>
+  </p:clrMapOvr>
+  <p:timing>
+    <p:tnLst>
+      <p:par>
+        <p:cTn id="1" dur="indefinite" restart="never" nodeType="tmRoot"/>
+      </p:par>
+    </p:tnLst>
+  </p:timing>
+</p:sld>
+</file>
+
+<file path=ppt/slides/slide8.xml><?xml version="1.0" encoding="utf-8"?>
+<p:sld xmlns:a="http://schemas.openxmlformats.org/drawingml/2006/main" xmlns:r="http://schemas.openxmlformats.org/officeDocument/2006/relationships" xmlns:p="http://schemas.openxmlformats.org/presentationml/2006/main" showMasterSp="0">
+  <p:cSld>
+    <p:spTree>
+      <p:nvGrpSpPr>
+        <p:cNvPr id="1" name=""/>
+        <p:cNvGrpSpPr/>
+        <p:nvPr/>
+      </p:nvGrpSpPr>
+      <p:grpSpPr>
+        <a:xfrm>
+          <a:off x="0" y="0"/>
+          <a:ext cx="0" cy="0"/>
+          <a:chOff x="0" y="0"/>
+          <a:chExt cx="0" cy="0"/>
+        </a:xfrm>
+      </p:grpSpPr>
+      <p:sp>
+        <p:nvSpPr>
+          <p:cNvPr id="2" name="Title 1"/>
+          <p:cNvSpPr>
+            <a:spLocks noGrp="1"/>
+          </p:cNvSpPr>
+          <p:nvPr>
+            <p:ph type="title"/>
+          </p:nvPr>
+        </p:nvSpPr>
+        <p:spPr>
+          <a:xfrm>
+            <a:off x="457200" y="23446"/>
+            <a:ext cx="8229600" cy="1295400"/>
+          </a:xfrm>
+        </p:spPr>
+        <p:txBody>
+          <a:bodyPr/>
+          <a:lstStyle/>
+          <a:p>
+            <a:r>
+              <a:rPr lang="en-US" dirty="0" smtClean="0"/>
               <a:t>Result</a:t>
             </a:r>
             <a:endParaRPr lang="en-US" dirty="0"/>
@@ -12872,7 +13060,7 @@
 </p:sld>
 </file>
 
-<file path=ppt/slides/slide8.xml><?xml version="1.0" encoding="utf-8"?>
+<file path=ppt/slides/slide9.xml><?xml version="1.0" encoding="utf-8"?>
 <p:sld xmlns:a="http://schemas.openxmlformats.org/drawingml/2006/main" xmlns:r="http://schemas.openxmlformats.org/officeDocument/2006/relationships" xmlns:p="http://schemas.openxmlformats.org/presentationml/2006/main" showMasterSp="0">
   <p:cSld>
     <p:spTree>

--- a/Docs/Presentation.pptx
+++ b/Docs/Presentation.pptx
@@ -7,7 +7,7 @@
     <p:sldMasterId id="2147483696" r:id="rId3"/>
   </p:sldMasterIdLst>
   <p:notesMasterIdLst>
-    <p:notesMasterId r:id="rId13"/>
+    <p:notesMasterId r:id="rId14"/>
   </p:notesMasterIdLst>
   <p:sldIdLst>
     <p:sldId id="256" r:id="rId4"/>
@@ -18,7 +18,8 @@
     <p:sldId id="267" r:id="rId9"/>
     <p:sldId id="266" r:id="rId10"/>
     <p:sldId id="264" r:id="rId11"/>
-    <p:sldId id="265" r:id="rId12"/>
+    <p:sldId id="268" r:id="rId12"/>
+    <p:sldId id="265" r:id="rId13"/>
   </p:sldIdLst>
   <p:sldSz cx="9144000" cy="6858000" type="screen4x3"/>
   <p:notesSz cx="6858000" cy="9144000"/>
@@ -545,6 +546,94 @@
     <p:extLst>
       <p:ext uri="{BB962C8B-B14F-4D97-AF65-F5344CB8AC3E}">
         <p14:creationId xmlns:p14="http://schemas.microsoft.com/office/powerpoint/2010/main" val="413322"/>
+      </p:ext>
+    </p:extLst>
+  </p:cSld>
+  <p:clrMapOvr>
+    <a:masterClrMapping/>
+  </p:clrMapOvr>
+</p:notes>
+</file>
+
+<file path=ppt/notesSlides/notesSlide10.xml><?xml version="1.0" encoding="utf-8"?>
+<p:notes xmlns:a="http://schemas.openxmlformats.org/drawingml/2006/main" xmlns:r="http://schemas.openxmlformats.org/officeDocument/2006/relationships" xmlns:p="http://schemas.openxmlformats.org/presentationml/2006/main">
+  <p:cSld>
+    <p:spTree>
+      <p:nvGrpSpPr>
+        <p:cNvPr id="1" name=""/>
+        <p:cNvGrpSpPr/>
+        <p:nvPr/>
+      </p:nvGrpSpPr>
+      <p:grpSpPr>
+        <a:xfrm>
+          <a:off x="0" y="0"/>
+          <a:ext cx="0" cy="0"/>
+          <a:chOff x="0" y="0"/>
+          <a:chExt cx="0" cy="0"/>
+        </a:xfrm>
+      </p:grpSpPr>
+      <p:sp>
+        <p:nvSpPr>
+          <p:cNvPr id="2" name="Slide Image Placeholder 1"/>
+          <p:cNvSpPr>
+            <a:spLocks noGrp="1" noRot="1" noChangeAspect="1"/>
+          </p:cNvSpPr>
+          <p:nvPr>
+            <p:ph type="sldImg"/>
+          </p:nvPr>
+        </p:nvSpPr>
+        <p:spPr/>
+      </p:sp>
+      <p:sp>
+        <p:nvSpPr>
+          <p:cNvPr id="3" name="Notes Placeholder 2"/>
+          <p:cNvSpPr>
+            <a:spLocks noGrp="1"/>
+          </p:cNvSpPr>
+          <p:nvPr>
+            <p:ph type="body" idx="1"/>
+          </p:nvPr>
+        </p:nvSpPr>
+        <p:spPr/>
+        <p:txBody>
+          <a:bodyPr/>
+          <a:lstStyle/>
+          <a:p>
+            <a:r>
+              <a:rPr lang="en-US" dirty="0" smtClean="0"/>
+              <a:t>Problem and its use</a:t>
+            </a:r>
+            <a:endParaRPr lang="en-US" dirty="0"/>
+          </a:p>
+        </p:txBody>
+      </p:sp>
+      <p:sp>
+        <p:nvSpPr>
+          <p:cNvPr id="4" name="Slide Number Placeholder 3"/>
+          <p:cNvSpPr>
+            <a:spLocks noGrp="1"/>
+          </p:cNvSpPr>
+          <p:nvPr>
+            <p:ph type="sldNum" sz="quarter" idx="10"/>
+          </p:nvPr>
+        </p:nvSpPr>
+        <p:spPr/>
+        <p:txBody>
+          <a:bodyPr/>
+          <a:lstStyle/>
+          <a:p>
+            <a:fld id="{979A0A40-088F-44CE-8547-8CF4D8B5748D}" type="slidenum">
+              <a:rPr lang="en-US" smtClean="0"/>
+              <a:t>10</a:t>
+            </a:fld>
+            <a:endParaRPr lang="en-US"/>
+          </a:p>
+        </p:txBody>
+      </p:sp>
+    </p:spTree>
+    <p:extLst>
+      <p:ext uri="{BB962C8B-B14F-4D97-AF65-F5344CB8AC3E}">
+        <p14:creationId xmlns:p14="http://schemas.microsoft.com/office/powerpoint/2010/main" val="737328833"/>
       </p:ext>
     </p:extLst>
   </p:cSld>
@@ -12262,6 +12351,92 @@
 </p:sld>
 </file>
 
+<file path=ppt/slides/slide10.xml><?xml version="1.0" encoding="utf-8"?>
+<p:sld xmlns:a="http://schemas.openxmlformats.org/drawingml/2006/main" xmlns:r="http://schemas.openxmlformats.org/officeDocument/2006/relationships" xmlns:p="http://schemas.openxmlformats.org/presentationml/2006/main" showMasterSp="0">
+  <p:cSld>
+    <p:spTree>
+      <p:nvGrpSpPr>
+        <p:cNvPr id="1" name=""/>
+        <p:cNvGrpSpPr/>
+        <p:nvPr/>
+      </p:nvGrpSpPr>
+      <p:grpSpPr>
+        <a:xfrm>
+          <a:off x="0" y="0"/>
+          <a:ext cx="0" cy="0"/>
+          <a:chOff x="0" y="0"/>
+          <a:chExt cx="0" cy="0"/>
+        </a:xfrm>
+      </p:grpSpPr>
+      <p:sp>
+        <p:nvSpPr>
+          <p:cNvPr id="2" name="Title 1"/>
+          <p:cNvSpPr>
+            <a:spLocks noGrp="1"/>
+          </p:cNvSpPr>
+          <p:nvPr>
+            <p:ph type="title"/>
+          </p:nvPr>
+        </p:nvSpPr>
+        <p:spPr>
+          <a:xfrm>
+            <a:off x="457200" y="23446"/>
+            <a:ext cx="8229600" cy="1295400"/>
+          </a:xfrm>
+        </p:spPr>
+        <p:txBody>
+          <a:bodyPr/>
+          <a:lstStyle/>
+          <a:p>
+            <a:r>
+              <a:rPr lang="en-US" dirty="0" smtClean="0"/>
+              <a:t>Conclusion</a:t>
+            </a:r>
+            <a:endParaRPr lang="en-US" dirty="0"/>
+          </a:p>
+        </p:txBody>
+      </p:sp>
+      <p:sp>
+        <p:nvSpPr>
+          <p:cNvPr id="3" name="Content Placeholder 2"/>
+          <p:cNvSpPr>
+            <a:spLocks noGrp="1"/>
+          </p:cNvSpPr>
+          <p:nvPr>
+            <p:ph idx="1"/>
+          </p:nvPr>
+        </p:nvSpPr>
+        <p:spPr/>
+        <p:txBody>
+          <a:bodyPr>
+            <a:normAutofit/>
+          </a:bodyPr>
+          <a:lstStyle/>
+          <a:p>
+            <a:endParaRPr lang="en-US" dirty="0" smtClean="0"/>
+          </a:p>
+        </p:txBody>
+      </p:sp>
+    </p:spTree>
+    <p:extLst>
+      <p:ext uri="{BB962C8B-B14F-4D97-AF65-F5344CB8AC3E}">
+        <p14:creationId xmlns:p14="http://schemas.microsoft.com/office/powerpoint/2010/main" val="1452594442"/>
+      </p:ext>
+    </p:extLst>
+  </p:cSld>
+  <p:clrMapOvr>
+    <a:masterClrMapping/>
+  </p:clrMapOvr>
+  <p:timing>
+    <p:tnLst>
+      <p:par>
+        <p:cTn id="1" dur="indefinite" restart="never" nodeType="tmRoot"/>
+      </p:par>
+    </p:tnLst>
+  </p:timing>
+</p:sld>
+</file>
+
 <file path=ppt/slides/slide2.xml><?xml version="1.0" encoding="utf-8"?>
 <p:sld xmlns:a="http://schemas.openxmlformats.org/drawingml/2006/main" xmlns:r="http://schemas.openxmlformats.org/officeDocument/2006/relationships" xmlns:p="http://schemas.openxmlformats.org/presentationml/2006/main" showMasterSp="0">
   <p:cSld>
@@ -12917,7 +13092,7 @@
         </p:nvSpPr>
         <p:spPr>
           <a:xfrm>
-            <a:off x="457200" y="23446"/>
+            <a:off x="457200" y="-152400"/>
             <a:ext cx="8229600" cy="1295400"/>
           </a:xfrm>
         </p:spPr>
@@ -12927,33 +13102,285 @@
           <a:p>
             <a:r>
               <a:rPr lang="en-US" dirty="0" smtClean="0"/>
-              <a:t>Our Proposal</a:t>
+              <a:t>Feature Selection</a:t>
             </a:r>
             <a:endParaRPr lang="en-US" dirty="0"/>
           </a:p>
         </p:txBody>
       </p:sp>
-      <p:sp>
-        <p:nvSpPr>
-          <p:cNvPr id="3" name="Content Placeholder 2"/>
-          <p:cNvSpPr>
-            <a:spLocks noGrp="1"/>
-          </p:cNvSpPr>
-          <p:nvPr>
-            <p:ph idx="1"/>
-          </p:nvPr>
-        </p:nvSpPr>
-        <p:spPr/>
-        <p:txBody>
-          <a:bodyPr>
-            <a:normAutofit/>
-          </a:bodyPr>
-          <a:lstStyle/>
-          <a:p>
-            <a:endParaRPr lang="en-US" dirty="0" smtClean="0"/>
-          </a:p>
-        </p:txBody>
-      </p:sp>
+      <mc:AlternateContent xmlns:mc="http://schemas.openxmlformats.org/markup-compatibility/2006">
+        <mc:Choice xmlns:a14="http://schemas.microsoft.com/office/drawing/2010/main" Requires="a14">
+          <p:sp>
+            <p:nvSpPr>
+              <p:cNvPr id="3" name="Content Placeholder 2"/>
+              <p:cNvSpPr>
+                <a:spLocks noGrp="1"/>
+              </p:cNvSpPr>
+              <p:nvPr>
+                <p:ph idx="1"/>
+              </p:nvPr>
+            </p:nvSpPr>
+            <p:spPr>
+              <a:xfrm>
+                <a:off x="457200" y="1371600"/>
+                <a:ext cx="8229600" cy="4953000"/>
+              </a:xfrm>
+            </p:spPr>
+            <p:txBody>
+              <a:bodyPr>
+                <a:normAutofit/>
+              </a:bodyPr>
+              <a:lstStyle/>
+              <a:p>
+                <a:r>
+                  <a:rPr lang="en-US" dirty="0" err="1" smtClean="0"/>
+                  <a:t>Adv</a:t>
+                </a:r>
+                <a:r>
+                  <a:rPr lang="en-US" dirty="0" smtClean="0"/>
+                  <a:t>: shorter training and prediction time, weeds out irrelevant features, less resource are used, prevents overfitting and avoids curse of dimensionality.</a:t>
+                </a:r>
+              </a:p>
+              <a:p>
+                <a:endParaRPr lang="en-US" dirty="0" smtClean="0"/>
+              </a:p>
+              <a:p>
+                <a:r>
+                  <a:rPr lang="en-US" dirty="0" smtClean="0"/>
+                  <a:t>Pearson's chi-squared statistics is used to calculate p-value of each feature using formula:</a:t>
+                </a:r>
+              </a:p>
+              <a:p>
+                <a:pPr marL="0" indent="0" algn="ctr">
+                  <a:buNone/>
+                </a:pPr>
+                <a14:m>
+                  <m:oMath xmlns:m="http://schemas.openxmlformats.org/officeDocument/2006/math">
+                    <m:sSup>
+                      <m:sSupPr>
+                        <m:ctrlPr>
+                          <a:rPr lang="en-US" i="1"/>
+                        </m:ctrlPr>
+                      </m:sSupPr>
+                      <m:e>
+                        <m:r>
+                          <m:rPr>
+                            <m:sty m:val="p"/>
+                          </m:rPr>
+                          <a:rPr lang="en-US"/>
+                          <m:t>χ</m:t>
+                        </m:r>
+                      </m:e>
+                      <m:sup>
+                        <m:r>
+                          <a:rPr lang="en-US" i="1"/>
+                          <m:t>2</m:t>
+                        </m:r>
+                      </m:sup>
+                    </m:sSup>
+                    <m:r>
+                      <a:rPr lang="en-US" i="1"/>
+                      <m:t>=</m:t>
+                    </m:r>
+                    <m:nary>
+                      <m:naryPr>
+                        <m:chr m:val="∑"/>
+                        <m:grow m:val="on"/>
+                        <m:ctrlPr>
+                          <a:rPr lang="en-US" i="1"/>
+                        </m:ctrlPr>
+                      </m:naryPr>
+                      <m:sub>
+                        <m:r>
+                          <a:rPr lang="en-US" i="1"/>
+                          <m:t>𝑖</m:t>
+                        </m:r>
+                        <m:r>
+                          <a:rPr lang="en-US" i="1"/>
+                          <m:t>=1</m:t>
+                        </m:r>
+                      </m:sub>
+                      <m:sup>
+                        <m:r>
+                          <a:rPr lang="en-US" i="1"/>
+                          <m:t>𝑛</m:t>
+                        </m:r>
+                      </m:sup>
+                      <m:e>
+                        <m:f>
+                          <m:fPr>
+                            <m:ctrlPr>
+                              <a:rPr lang="en-US" i="1"/>
+                            </m:ctrlPr>
+                          </m:fPr>
+                          <m:num>
+                            <m:sSup>
+                              <m:sSupPr>
+                                <m:ctrlPr>
+                                  <a:rPr lang="en-US" i="1"/>
+                                </m:ctrlPr>
+                              </m:sSupPr>
+                              <m:e>
+                                <m:r>
+                                  <a:rPr lang="en-US" i="1"/>
+                                  <m:t>(</m:t>
+                                </m:r>
+                                <m:sSub>
+                                  <m:sSubPr>
+                                    <m:ctrlPr>
+                                      <a:rPr lang="en-US" i="1"/>
+                                    </m:ctrlPr>
+                                  </m:sSubPr>
+                                  <m:e>
+                                    <m:r>
+                                      <m:rPr>
+                                        <m:sty m:val="p"/>
+                                      </m:rPr>
+                                      <a:rPr lang="en-US"/>
+                                      <m:t>O</m:t>
+                                    </m:r>
+                                  </m:e>
+                                  <m:sub>
+                                    <m:r>
+                                      <a:rPr lang="en-US" i="1"/>
+                                      <m:t>𝑖</m:t>
+                                    </m:r>
+                                    <m:r>
+                                      <a:rPr lang="en-US" i="1"/>
+                                      <m:t> </m:t>
+                                    </m:r>
+                                  </m:sub>
+                                </m:sSub>
+                                <m:r>
+                                  <a:rPr lang="en-US" i="1"/>
+                                  <m:t>− </m:t>
+                                </m:r>
+                                <m:sSub>
+                                  <m:sSubPr>
+                                    <m:ctrlPr>
+                                      <a:rPr lang="en-US" i="1"/>
+                                    </m:ctrlPr>
+                                  </m:sSubPr>
+                                  <m:e>
+                                    <m:r>
+                                      <m:rPr>
+                                        <m:sty m:val="p"/>
+                                      </m:rPr>
+                                      <a:rPr lang="en-US"/>
+                                      <m:t>E</m:t>
+                                    </m:r>
+                                  </m:e>
+                                  <m:sub>
+                                    <m:r>
+                                      <a:rPr lang="en-US" i="1"/>
+                                      <m:t>𝑖</m:t>
+                                    </m:r>
+                                  </m:sub>
+                                </m:sSub>
+                                <m:r>
+                                  <a:rPr lang="en-US" i="1"/>
+                                  <m:t>)</m:t>
+                                </m:r>
+                              </m:e>
+                              <m:sup>
+                                <m:r>
+                                  <a:rPr lang="en-US" i="1"/>
+                                  <m:t>2</m:t>
+                                </m:r>
+                              </m:sup>
+                            </m:sSup>
+                          </m:num>
+                          <m:den>
+                            <m:sSub>
+                              <m:sSubPr>
+                                <m:ctrlPr>
+                                  <a:rPr lang="en-US" i="1"/>
+                                </m:ctrlPr>
+                              </m:sSubPr>
+                              <m:e>
+                                <m:r>
+                                  <m:rPr>
+                                    <m:sty m:val="p"/>
+                                  </m:rPr>
+                                  <a:rPr lang="en-US"/>
+                                  <m:t>E</m:t>
+                                </m:r>
+                              </m:e>
+                              <m:sub>
+                                <m:r>
+                                  <a:rPr lang="en-US" i="1"/>
+                                  <m:t>𝑖</m:t>
+                                </m:r>
+                              </m:sub>
+                            </m:sSub>
+                          </m:den>
+                        </m:f>
+                      </m:e>
+                    </m:nary>
+                  </m:oMath>
+                </a14:m>
+                <a:r>
+                  <a:rPr lang="en-US" dirty="0"/>
+                  <a:t> </a:t>
+                </a:r>
+              </a:p>
+              <a:p>
+                <a:pPr marL="0" indent="0">
+                  <a:buNone/>
+                </a:pPr>
+                <a:endParaRPr lang="en-US" dirty="0" smtClean="0"/>
+              </a:p>
+              <a:p>
+                <a:r>
+                  <a:rPr lang="en-US" dirty="0" smtClean="0"/>
+                  <a:t>Feature are then selected on the basis of their respective p-values.</a:t>
+                </a:r>
+                <a:endParaRPr lang="en-US" dirty="0"/>
+              </a:p>
+              <a:p>
+                <a:endParaRPr lang="en-US" dirty="0" smtClean="0"/>
+              </a:p>
+            </p:txBody>
+          </p:sp>
+        </mc:Choice>
+        <mc:Fallback>
+          <p:sp>
+            <p:nvSpPr>
+              <p:cNvPr id="3" name="Content Placeholder 2"/>
+              <p:cNvSpPr>
+                <a:spLocks noGrp="1" noRot="1" noChangeAspect="1" noMove="1" noResize="1" noEditPoints="1" noAdjustHandles="1" noChangeArrowheads="1" noChangeShapeType="1" noTextEdit="1"/>
+              </p:cNvSpPr>
+              <p:nvPr>
+                <p:ph idx="1"/>
+              </p:nvPr>
+            </p:nvSpPr>
+            <p:spPr>
+              <a:xfrm>
+                <a:off x="457200" y="1371600"/>
+                <a:ext cx="8229600" cy="4953000"/>
+              </a:xfrm>
+              <a:blipFill rotWithShape="1">
+                <a:blip r:embed="rId3"/>
+                <a:stretch>
+                  <a:fillRect l="-963" t="-984" r="-1852"/>
+                </a:stretch>
+              </a:blipFill>
+            </p:spPr>
+            <p:txBody>
+              <a:bodyPr/>
+              <a:lstStyle/>
+              <a:p>
+                <a:r>
+                  <a:rPr lang="en-US">
+                    <a:noFill/>
+                  </a:rPr>
+                  <a:t> </a:t>
+                </a:r>
+              </a:p>
+            </p:txBody>
+          </p:sp>
+        </mc:Fallback>
+      </mc:AlternateContent>
     </p:spTree>
     <p:extLst>
       <p:ext uri="{BB962C8B-B14F-4D97-AF65-F5344CB8AC3E}">
@@ -13089,7 +13516,7 @@
         </p:nvSpPr>
         <p:spPr>
           <a:xfrm>
-            <a:off x="457200" y="23446"/>
+            <a:off x="457200" y="-152400"/>
             <a:ext cx="8229600" cy="1295400"/>
           </a:xfrm>
         </p:spPr>
@@ -13099,7 +13526,7 @@
           <a:p>
             <a:r>
               <a:rPr lang="en-US" dirty="0" smtClean="0"/>
-              <a:t>Conclusion</a:t>
+              <a:t>Real Time Analysis</a:t>
             </a:r>
             <a:endParaRPr lang="en-US" dirty="0"/>
           </a:p>
@@ -13115,21 +13542,60 @@
             <p:ph idx="1"/>
           </p:nvPr>
         </p:nvSpPr>
-        <p:spPr/>
+        <p:spPr>
+          <a:xfrm>
+            <a:off x="457200" y="1371600"/>
+            <a:ext cx="8229600" cy="4953000"/>
+          </a:xfrm>
+        </p:spPr>
         <p:txBody>
           <a:bodyPr>
             <a:normAutofit/>
           </a:bodyPr>
           <a:lstStyle/>
           <a:p>
-            <a:endParaRPr lang="en-US" dirty="0" smtClean="0"/>
+            <a:r>
+              <a:rPr lang="en-US" dirty="0" smtClean="0"/>
+              <a:t>Fast prediction time of hybrid model allowed us to do real time analysis of audio.</a:t>
+            </a:r>
+          </a:p>
+          <a:p>
+            <a:endParaRPr lang="en-US" sz="800" dirty="0" smtClean="0"/>
+          </a:p>
+          <a:p>
+            <a:r>
+              <a:rPr lang="en-US" dirty="0" smtClean="0"/>
+              <a:t>Thread were used to gather raw audio from source and pass that to our prediction model in chunks of 1 second.</a:t>
+            </a:r>
+          </a:p>
+          <a:p>
+            <a:endParaRPr lang="en-US" sz="800" dirty="0" smtClean="0"/>
+          </a:p>
+          <a:p>
+            <a:r>
+              <a:rPr lang="en-US" dirty="0" smtClean="0"/>
+              <a:t>Processing time for 1s audio sample was observed to be around </a:t>
+            </a:r>
+            <a:r>
+              <a:rPr lang="en-US" smtClean="0"/>
+              <a:t>0.2s.</a:t>
+            </a:r>
+          </a:p>
+          <a:p>
+            <a:endParaRPr lang="en-US" sz="800" dirty="0" smtClean="0"/>
+          </a:p>
+          <a:p>
+            <a:r>
+              <a:rPr lang="en-US" dirty="0" smtClean="0"/>
+              <a:t>When using default device’s microphone as source result was observed to be not so accurate due to noise being high in audio samples.</a:t>
+            </a:r>
           </a:p>
         </p:txBody>
       </p:sp>
     </p:spTree>
     <p:extLst>
       <p:ext uri="{BB962C8B-B14F-4D97-AF65-F5344CB8AC3E}">
-        <p14:creationId xmlns:p14="http://schemas.microsoft.com/office/powerpoint/2010/main" val="1452594442"/>
+        <p14:creationId xmlns:p14="http://schemas.microsoft.com/office/powerpoint/2010/main" val="3196191002"/>
       </p:ext>
     </p:extLst>
   </p:cSld>

--- a/Docs/Presentation.pptx
+++ b/Docs/Presentation.pptx
@@ -12413,6 +12413,56 @@
           </a:bodyPr>
           <a:lstStyle/>
           <a:p>
+            <a:r>
+              <a:rPr lang="en-US" dirty="0" smtClean="0"/>
+              <a:t>Acoustic modelling together with DNN is powerful enough to identify languages.</a:t>
+            </a:r>
+          </a:p>
+          <a:p>
+            <a:endParaRPr lang="en-US" dirty="0"/>
+          </a:p>
+          <a:p>
+            <a:r>
+              <a:rPr lang="en-US" dirty="0" smtClean="0"/>
+              <a:t>Languages are better resolved when considered pairwise as a feature </a:t>
+            </a:r>
+            <a:r>
+              <a:rPr lang="en-US" dirty="0"/>
+              <a:t>which is useful in distinguishing some languages was </a:t>
+            </a:r>
+            <a:r>
+              <a:rPr lang="en-US" dirty="0" smtClean="0"/>
+              <a:t>irrelevant </a:t>
+            </a:r>
+            <a:r>
+              <a:rPr lang="en-US" dirty="0"/>
+              <a:t>for some pair of </a:t>
+            </a:r>
+            <a:r>
+              <a:rPr lang="en-US" dirty="0" smtClean="0"/>
+              <a:t>languages.</a:t>
+            </a:r>
+          </a:p>
+          <a:p>
+            <a:endParaRPr lang="en-US" dirty="0"/>
+          </a:p>
+          <a:p>
+            <a:r>
+              <a:rPr lang="en-US" dirty="0" smtClean="0"/>
+              <a:t>Our hybrid two stage classification model is definitely an </a:t>
+            </a:r>
+            <a:r>
+              <a:rPr lang="en-US" dirty="0" err="1" smtClean="0"/>
+              <a:t>imporvement</a:t>
+            </a:r>
+            <a:r>
+              <a:rPr lang="en-US" dirty="0" smtClean="0"/>
+              <a:t> over normal single </a:t>
+            </a:r>
+            <a:r>
+              <a:rPr lang="en-US" smtClean="0"/>
+              <a:t>stage classifier.</a:t>
+            </a:r>
             <a:endParaRPr lang="en-US" dirty="0" smtClean="0"/>
           </a:p>
         </p:txBody>
@@ -13550,7 +13600,7 @@
         </p:spPr>
         <p:txBody>
           <a:bodyPr>
-            <a:normAutofit/>
+            <a:normAutofit lnSpcReduction="10000"/>
           </a:bodyPr>
           <a:lstStyle/>
           <a:p>
@@ -13564,6 +13614,19 @@
           </a:p>
           <a:p>
             <a:r>
+              <a:rPr lang="en-US" dirty="0" err="1" smtClean="0"/>
+              <a:t>pyAudio</a:t>
+            </a:r>
+            <a:r>
+              <a:rPr lang="en-US" dirty="0" smtClean="0"/>
+              <a:t> was used as audio I/O library.</a:t>
+            </a:r>
+          </a:p>
+          <a:p>
+            <a:endParaRPr lang="en-US" sz="800" dirty="0" smtClean="0"/>
+          </a:p>
+          <a:p>
+            <a:r>
               <a:rPr lang="en-US" dirty="0" smtClean="0"/>
               <a:t>Thread were used to gather raw audio from source and pass that to our prediction model in chunks of 1 second.</a:t>
             </a:r>
@@ -13574,11 +13637,7 @@
           <a:p>
             <a:r>
               <a:rPr lang="en-US" dirty="0" smtClean="0"/>
-              <a:t>Processing time for 1s audio sample was observed to be around </a:t>
-            </a:r>
-            <a:r>
-              <a:rPr lang="en-US" smtClean="0"/>
-              <a:t>0.2s.</a:t>
+              <a:t>Processing time for 1s audio sample was observed to be around 0.2s.</a:t>
             </a:r>
           </a:p>
           <a:p>

--- a/Docs/Presentation.pptx
+++ b/Docs/Presentation.pptx
@@ -599,10 +599,6 @@
           <a:bodyPr/>
           <a:lstStyle/>
           <a:p>
-            <a:r>
-              <a:rPr lang="en-US" dirty="0" smtClean="0"/>
-              <a:t>Problem and its use</a:t>
-            </a:r>
             <a:endParaRPr lang="en-US" dirty="0"/>
           </a:p>
         </p:txBody>
@@ -1073,10 +1069,6 @@
           <a:bodyPr/>
           <a:lstStyle/>
           <a:p>
-            <a:r>
-              <a:rPr lang="en-US" dirty="0" smtClean="0"/>
-              <a:t>Problem and its use</a:t>
-            </a:r>
             <a:endParaRPr lang="en-US" dirty="0"/>
           </a:p>
         </p:txBody>
@@ -1264,7 +1256,7 @@
           <a:p>
             <a:r>
               <a:rPr lang="en-US" dirty="0" smtClean="0"/>
-              <a:t>Problem and its use</a:t>
+              <a:t>Less p-value means greater stat significance</a:t>
             </a:r>
             <a:endParaRPr lang="en-US" dirty="0"/>
           </a:p>
@@ -1350,10 +1342,6 @@
           <a:bodyPr/>
           <a:lstStyle/>
           <a:p>
-            <a:r>
-              <a:rPr lang="en-US" dirty="0" smtClean="0"/>
-              <a:t>Problem and its use</a:t>
-            </a:r>
             <a:endParaRPr lang="en-US" dirty="0"/>
           </a:p>
         </p:txBody>
@@ -1438,10 +1426,6 @@
           <a:bodyPr/>
           <a:lstStyle/>
           <a:p>
-            <a:r>
-              <a:rPr lang="en-US" dirty="0" smtClean="0"/>
-              <a:t>Problem and its use</a:t>
-            </a:r>
             <a:endParaRPr lang="en-US" dirty="0"/>
           </a:p>
         </p:txBody>
@@ -12457,13 +12441,8 @@
             </a:r>
             <a:r>
               <a:rPr lang="en-US" dirty="0" smtClean="0"/>
-              <a:t> over normal single </a:t>
-            </a:r>
-            <a:r>
-              <a:rPr lang="en-US" smtClean="0"/>
-              <a:t>stage classifier.</a:t>
-            </a:r>
-            <a:endParaRPr lang="en-US" dirty="0" smtClean="0"/>
+              <a:t> over normal single stage classifier.</a:t>
+            </a:r>
           </a:p>
         </p:txBody>
       </p:sp>

--- a/Docs/Presentation.pptx
+++ b/Docs/Presentation.pptx
@@ -21,8 +21,8 @@
     <p:sldId id="267" r:id="rId12"/>
     <p:sldId id="269" r:id="rId13"/>
     <p:sldId id="278" r:id="rId14"/>
-    <p:sldId id="268" r:id="rId15"/>
-    <p:sldId id="282" r:id="rId16"/>
+    <p:sldId id="282" r:id="rId15"/>
+    <p:sldId id="268" r:id="rId16"/>
     <p:sldId id="283" r:id="rId17"/>
     <p:sldId id="284" r:id="rId18"/>
     <p:sldId id="264" r:id="rId19"/>
@@ -618,8 +618,22 @@
           <a:lstStyle/>
           <a:p>
             <a:r>
+              <a:rPr lang="en-US" dirty="0" err="1" smtClean="0"/>
+              <a:t>reLU</a:t>
+            </a:r>
+            <a:r>
               <a:rPr lang="en-US" dirty="0" smtClean="0"/>
-              <a:t>Problem and its use</a:t>
+              <a:t> = rectifier Linear Unit</a:t>
+            </a:r>
+          </a:p>
+          <a:p>
+            <a:r>
+              <a:rPr lang="en-US" dirty="0" err="1" smtClean="0"/>
+              <a:t>Adadelta</a:t>
+            </a:r>
+            <a:r>
+              <a:rPr lang="en-US" dirty="0" smtClean="0"/>
+              <a:t> controls learning rate</a:t>
             </a:r>
             <a:endParaRPr lang="en-US" dirty="0"/>
           </a:p>
@@ -643,7 +657,7 @@
             <a:fld id="{979A0A40-088F-44CE-8547-8CF4D8B5748D}" type="slidenum">
               <a:rPr lang="en-US" smtClean="0"/>
               <a:pPr/>
-              <a:t>16</a:t>
+              <a:t>13</a:t>
             </a:fld>
             <a:endParaRPr lang="en-US"/>
           </a:p>
@@ -652,7 +666,7 @@
     </p:spTree>
     <p:extLst>
       <p:ext uri="{BB962C8B-B14F-4D97-AF65-F5344CB8AC3E}">
-        <p14:creationId xmlns:p14="http://schemas.microsoft.com/office/powerpoint/2010/main" val="737328833"/>
+        <p14:creationId xmlns:p14="http://schemas.microsoft.com/office/powerpoint/2010/main" val="4020566594"/>
       </p:ext>
     </p:extLst>
   </p:cSld>
@@ -706,6 +720,10 @@
           <a:bodyPr/>
           <a:lstStyle/>
           <a:p>
+            <a:r>
+              <a:rPr lang="en-US" dirty="0" smtClean="0"/>
+              <a:t>Problem and its use</a:t>
+            </a:r>
             <a:endParaRPr lang="en-US" dirty="0"/>
           </a:p>
         </p:txBody>
@@ -727,7 +745,8 @@
           <a:p>
             <a:fld id="{979A0A40-088F-44CE-8547-8CF4D8B5748D}" type="slidenum">
               <a:rPr lang="en-US" smtClean="0"/>
-              <a:t>23</a:t>
+              <a:pPr/>
+              <a:t>15</a:t>
             </a:fld>
             <a:endParaRPr lang="en-US"/>
           </a:p>
@@ -790,6 +809,179 @@
           <a:bodyPr/>
           <a:lstStyle/>
           <a:p>
+            <a:r>
+              <a:rPr lang="en-US" dirty="0" smtClean="0"/>
+              <a:t>Problem and its use</a:t>
+            </a:r>
+            <a:endParaRPr lang="en-US" dirty="0"/>
+          </a:p>
+        </p:txBody>
+      </p:sp>
+      <p:sp>
+        <p:nvSpPr>
+          <p:cNvPr id="4" name="Slide Number Placeholder 3"/>
+          <p:cNvSpPr>
+            <a:spLocks noGrp="1"/>
+          </p:cNvSpPr>
+          <p:nvPr>
+            <p:ph type="sldNum" sz="quarter" idx="10"/>
+          </p:nvPr>
+        </p:nvSpPr>
+        <p:spPr/>
+        <p:txBody>
+          <a:bodyPr/>
+          <a:lstStyle/>
+          <a:p>
+            <a:fld id="{979A0A40-088F-44CE-8547-8CF4D8B5748D}" type="slidenum">
+              <a:rPr lang="en-US" smtClean="0"/>
+              <a:pPr/>
+              <a:t>16</a:t>
+            </a:fld>
+            <a:endParaRPr lang="en-US"/>
+          </a:p>
+        </p:txBody>
+      </p:sp>
+    </p:spTree>
+    <p:extLst>
+      <p:ext uri="{BB962C8B-B14F-4D97-AF65-F5344CB8AC3E}">
+        <p14:creationId xmlns:p14="http://schemas.microsoft.com/office/powerpoint/2010/main" val="737328833"/>
+      </p:ext>
+    </p:extLst>
+  </p:cSld>
+  <p:clrMapOvr>
+    <a:masterClrMapping/>
+  </p:clrMapOvr>
+</p:notes>
+</file>
+
+<file path=ppt/notesSlides/notesSlide13.xml><?xml version="1.0" encoding="utf-8"?>
+<p:notes xmlns:a="http://schemas.openxmlformats.org/drawingml/2006/main" xmlns:r="http://schemas.openxmlformats.org/officeDocument/2006/relationships" xmlns:p="http://schemas.openxmlformats.org/presentationml/2006/main">
+  <p:cSld>
+    <p:spTree>
+      <p:nvGrpSpPr>
+        <p:cNvPr id="1" name=""/>
+        <p:cNvGrpSpPr/>
+        <p:nvPr/>
+      </p:nvGrpSpPr>
+      <p:grpSpPr>
+        <a:xfrm>
+          <a:off x="0" y="0"/>
+          <a:ext cx="0" cy="0"/>
+          <a:chOff x="0" y="0"/>
+          <a:chExt cx="0" cy="0"/>
+        </a:xfrm>
+      </p:grpSpPr>
+      <p:sp>
+        <p:nvSpPr>
+          <p:cNvPr id="2" name="Slide Image Placeholder 1"/>
+          <p:cNvSpPr>
+            <a:spLocks noGrp="1" noRot="1" noChangeAspect="1"/>
+          </p:cNvSpPr>
+          <p:nvPr>
+            <p:ph type="sldImg"/>
+          </p:nvPr>
+        </p:nvSpPr>
+        <p:spPr/>
+      </p:sp>
+      <p:sp>
+        <p:nvSpPr>
+          <p:cNvPr id="3" name="Notes Placeholder 2"/>
+          <p:cNvSpPr>
+            <a:spLocks noGrp="1"/>
+          </p:cNvSpPr>
+          <p:nvPr>
+            <p:ph type="body" idx="1"/>
+          </p:nvPr>
+        </p:nvSpPr>
+        <p:spPr/>
+        <p:txBody>
+          <a:bodyPr/>
+          <a:lstStyle/>
+          <a:p>
+            <a:endParaRPr lang="en-US" dirty="0"/>
+          </a:p>
+        </p:txBody>
+      </p:sp>
+      <p:sp>
+        <p:nvSpPr>
+          <p:cNvPr id="4" name="Slide Number Placeholder 3"/>
+          <p:cNvSpPr>
+            <a:spLocks noGrp="1"/>
+          </p:cNvSpPr>
+          <p:nvPr>
+            <p:ph type="sldNum" sz="quarter" idx="10"/>
+          </p:nvPr>
+        </p:nvSpPr>
+        <p:spPr/>
+        <p:txBody>
+          <a:bodyPr/>
+          <a:lstStyle/>
+          <a:p>
+            <a:fld id="{979A0A40-088F-44CE-8547-8CF4D8B5748D}" type="slidenum">
+              <a:rPr lang="en-US" smtClean="0"/>
+              <a:t>23</a:t>
+            </a:fld>
+            <a:endParaRPr lang="en-US"/>
+          </a:p>
+        </p:txBody>
+      </p:sp>
+    </p:spTree>
+    <p:extLst>
+      <p:ext uri="{BB962C8B-B14F-4D97-AF65-F5344CB8AC3E}">
+        <p14:creationId xmlns:p14="http://schemas.microsoft.com/office/powerpoint/2010/main" val="737328833"/>
+      </p:ext>
+    </p:extLst>
+  </p:cSld>
+  <p:clrMapOvr>
+    <a:masterClrMapping/>
+  </p:clrMapOvr>
+</p:notes>
+</file>
+
+<file path=ppt/notesSlides/notesSlide14.xml><?xml version="1.0" encoding="utf-8"?>
+<p:notes xmlns:a="http://schemas.openxmlformats.org/drawingml/2006/main" xmlns:r="http://schemas.openxmlformats.org/officeDocument/2006/relationships" xmlns:p="http://schemas.openxmlformats.org/presentationml/2006/main">
+  <p:cSld>
+    <p:spTree>
+      <p:nvGrpSpPr>
+        <p:cNvPr id="1" name=""/>
+        <p:cNvGrpSpPr/>
+        <p:nvPr/>
+      </p:nvGrpSpPr>
+      <p:grpSpPr>
+        <a:xfrm>
+          <a:off x="0" y="0"/>
+          <a:ext cx="0" cy="0"/>
+          <a:chOff x="0" y="0"/>
+          <a:chExt cx="0" cy="0"/>
+        </a:xfrm>
+      </p:grpSpPr>
+      <p:sp>
+        <p:nvSpPr>
+          <p:cNvPr id="2" name="Slide Image Placeholder 1"/>
+          <p:cNvSpPr>
+            <a:spLocks noGrp="1" noRot="1" noChangeAspect="1"/>
+          </p:cNvSpPr>
+          <p:nvPr>
+            <p:ph type="sldImg"/>
+          </p:nvPr>
+        </p:nvSpPr>
+        <p:spPr/>
+      </p:sp>
+      <p:sp>
+        <p:nvSpPr>
+          <p:cNvPr id="3" name="Notes Placeholder 2"/>
+          <p:cNvSpPr>
+            <a:spLocks noGrp="1"/>
+          </p:cNvSpPr>
+          <p:nvPr>
+            <p:ph type="body" idx="1"/>
+          </p:nvPr>
+        </p:nvSpPr>
+        <p:spPr/>
+        <p:txBody>
+          <a:bodyPr/>
+          <a:lstStyle/>
+          <a:p>
             <a:endParaRPr lang="en-US" dirty="0"/>
           </a:p>
         </p:txBody>
@@ -1566,10 +1758,6 @@
           <a:bodyPr/>
           <a:lstStyle/>
           <a:p>
-            <a:r>
-              <a:rPr lang="en-US" dirty="0" smtClean="0"/>
-              <a:t>Less p-value means greater stat significance</a:t>
-            </a:r>
             <a:endParaRPr lang="en-US" dirty="0"/>
           </a:p>
         </p:txBody>
@@ -1591,7 +1779,8 @@
           <a:p>
             <a:fld id="{979A0A40-088F-44CE-8547-8CF4D8B5748D}" type="slidenum">
               <a:rPr lang="en-US" smtClean="0"/>
-              <a:t>10</a:t>
+              <a:pPr/>
+              <a:t>9</a:t>
             </a:fld>
             <a:endParaRPr lang="en-US"/>
           </a:p>
@@ -1600,7 +1789,7 @@
     </p:spTree>
     <p:extLst>
       <p:ext uri="{BB962C8B-B14F-4D97-AF65-F5344CB8AC3E}">
-        <p14:creationId xmlns:p14="http://schemas.microsoft.com/office/powerpoint/2010/main" val="737328833"/>
+        <p14:creationId xmlns:p14="http://schemas.microsoft.com/office/powerpoint/2010/main" val="647014947"/>
       </p:ext>
     </p:extLst>
   </p:cSld>
@@ -1656,7 +1845,7 @@
           <a:p>
             <a:r>
               <a:rPr lang="en-US" dirty="0" smtClean="0"/>
-              <a:t>Problem and its use</a:t>
+              <a:t>Less p-value means greater stat significance</a:t>
             </a:r>
             <a:endParaRPr lang="en-US" dirty="0"/>
           </a:p>
@@ -1679,8 +1868,7 @@
           <a:p>
             <a:fld id="{979A0A40-088F-44CE-8547-8CF4D8B5748D}" type="slidenum">
               <a:rPr lang="en-US" smtClean="0"/>
-              <a:pPr/>
-              <a:t>15</a:t>
+              <a:t>10</a:t>
             </a:fld>
             <a:endParaRPr lang="en-US"/>
           </a:p>
@@ -16716,6 +16904,228 @@
             <p:ph type="title"/>
           </p:nvPr>
         </p:nvSpPr>
+        <p:spPr>
+          <a:xfrm>
+            <a:off x="457200" y="-27384"/>
+            <a:ext cx="8229600" cy="1195536"/>
+          </a:xfrm>
+        </p:spPr>
+        <p:txBody>
+          <a:bodyPr/>
+          <a:lstStyle/>
+          <a:p>
+            <a:r>
+              <a:rPr lang="en-US" dirty="0"/>
+              <a:t>Deep Learning</a:t>
+            </a:r>
+          </a:p>
+        </p:txBody>
+      </p:sp>
+      <p:sp>
+        <p:nvSpPr>
+          <p:cNvPr id="14" name="Rectangle 13"/>
+          <p:cNvSpPr/>
+          <p:nvPr/>
+        </p:nvSpPr>
+        <p:spPr>
+          <a:xfrm>
+            <a:off x="381000" y="2386310"/>
+            <a:ext cx="4572000" cy="923330"/>
+          </a:xfrm>
+          <a:prstGeom prst="rect">
+            <a:avLst/>
+          </a:prstGeom>
+        </p:spPr>
+        <p:txBody>
+          <a:bodyPr>
+            <a:spAutoFit/>
+          </a:bodyPr>
+          <a:lstStyle/>
+          <a:p>
+            <a:pPr algn="just"/>
+            <a:r>
+              <a:rPr lang="en-US" dirty="0">
+                <a:solidFill>
+                  <a:schemeClr val="bg1">
+                    <a:lumMod val="50000"/>
+                  </a:schemeClr>
+                </a:solidFill>
+              </a:rPr>
+              <a:t>Deep neural network is a feed-forward artificial neural network with multiple hidden units between input and output</a:t>
+            </a:r>
+          </a:p>
+        </p:txBody>
+      </p:sp>
+      <p:pic>
+        <p:nvPicPr>
+          <p:cNvPr id="15" name="Picture 14"/>
+          <p:cNvPicPr>
+            <a:picLocks noChangeAspect="1"/>
+          </p:cNvPicPr>
+          <p:nvPr/>
+        </p:nvPicPr>
+        <p:blipFill>
+          <a:blip r:embed="rId2"/>
+          <a:stretch>
+            <a:fillRect/>
+          </a:stretch>
+        </p:blipFill>
+        <p:spPr>
+          <a:xfrm>
+            <a:off x="4876800" y="1600200"/>
+            <a:ext cx="3952875" cy="2495550"/>
+          </a:xfrm>
+          <a:prstGeom prst="rect">
+            <a:avLst/>
+          </a:prstGeom>
+        </p:spPr>
+      </p:pic>
+      <p:sp>
+        <p:nvSpPr>
+          <p:cNvPr id="16" name="TextBox 15"/>
+          <p:cNvSpPr txBox="1"/>
+          <p:nvPr/>
+        </p:nvSpPr>
+        <p:spPr>
+          <a:xfrm>
+            <a:off x="457200" y="4419600"/>
+            <a:ext cx="8372475" cy="1477328"/>
+          </a:xfrm>
+          <a:prstGeom prst="rect">
+            <a:avLst/>
+          </a:prstGeom>
+          <a:noFill/>
+        </p:spPr>
+        <p:txBody>
+          <a:bodyPr wrap="square" rtlCol="0">
+            <a:spAutoFit/>
+          </a:bodyPr>
+          <a:lstStyle/>
+          <a:p>
+            <a:r>
+              <a:rPr lang="en-US" dirty="0">
+                <a:solidFill>
+                  <a:schemeClr val="bg1">
+                    <a:lumMod val="50000"/>
+                  </a:schemeClr>
+                </a:solidFill>
+              </a:rPr>
+              <a:t>Why Use Deep Neural Networks?</a:t>
+            </a:r>
+          </a:p>
+          <a:p>
+            <a:pPr marL="285750" indent="-285750" algn="just">
+              <a:buFont typeface="Arial" panose="020B0604020202020204" pitchFamily="34" charset="0"/>
+              <a:buChar char="•"/>
+            </a:pPr>
+            <a:r>
+              <a:rPr lang="en-US" dirty="0">
+                <a:solidFill>
+                  <a:schemeClr val="bg1">
+                    <a:lumMod val="50000"/>
+                  </a:schemeClr>
+                </a:solidFill>
+              </a:rPr>
+              <a:t>Ability to learn complicated feature representations and classifiers jointly</a:t>
+            </a:r>
+          </a:p>
+          <a:p>
+            <a:pPr marL="285750" indent="-285750" algn="just">
+              <a:buFont typeface="Arial" panose="020B0604020202020204" pitchFamily="34" charset="0"/>
+              <a:buChar char="•"/>
+            </a:pPr>
+            <a:r>
+              <a:rPr lang="en-US" dirty="0">
+                <a:solidFill>
+                  <a:schemeClr val="bg1">
+                    <a:lumMod val="50000"/>
+                  </a:schemeClr>
+                </a:solidFill>
+              </a:rPr>
+              <a:t>Learn much better models of data that lie on or near a non-linear manifold</a:t>
+            </a:r>
+          </a:p>
+          <a:p>
+            <a:pPr marL="285750" indent="-285750" algn="just">
+              <a:buFont typeface="Arial" panose="020B0604020202020204" pitchFamily="34" charset="0"/>
+              <a:buChar char="•"/>
+            </a:pPr>
+            <a:r>
+              <a:rPr lang="en-US" dirty="0">
+                <a:solidFill>
+                  <a:schemeClr val="bg1">
+                    <a:lumMod val="50000"/>
+                  </a:schemeClr>
+                </a:solidFill>
+              </a:rPr>
+              <a:t>Performance does not saturate with increase in training data</a:t>
+            </a:r>
+          </a:p>
+          <a:p>
+            <a:pPr marL="285750" indent="-285750" algn="just">
+              <a:buFont typeface="Arial" panose="020B0604020202020204" pitchFamily="34" charset="0"/>
+              <a:buChar char="•"/>
+            </a:pPr>
+            <a:r>
+              <a:rPr lang="en-IN" dirty="0">
+                <a:solidFill>
+                  <a:schemeClr val="bg1">
+                    <a:lumMod val="50000"/>
+                  </a:schemeClr>
+                </a:solidFill>
+              </a:rPr>
+              <a:t>Surpass the performance of the other dominant paradigms</a:t>
+            </a:r>
+            <a:endParaRPr lang="en-US" dirty="0">
+              <a:solidFill>
+                <a:schemeClr val="bg1">
+                  <a:lumMod val="50000"/>
+                </a:schemeClr>
+              </a:solidFill>
+            </a:endParaRPr>
+          </a:p>
+        </p:txBody>
+      </p:sp>
+    </p:spTree>
+    <p:extLst>
+      <p:ext uri="{BB962C8B-B14F-4D97-AF65-F5344CB8AC3E}">
+        <p14:creationId xmlns:p14="http://schemas.microsoft.com/office/powerpoint/2010/main" val="3345061862"/>
+      </p:ext>
+    </p:extLst>
+  </p:cSld>
+  <p:clrMapOvr>
+    <a:masterClrMapping/>
+  </p:clrMapOvr>
+</p:sld>
+</file>
+
+<file path=ppt/slides/slide12.xml><?xml version="1.0" encoding="utf-8"?>
+<p:sld xmlns:a="http://schemas.openxmlformats.org/drawingml/2006/main" xmlns:r="http://schemas.openxmlformats.org/officeDocument/2006/relationships" xmlns:p="http://schemas.openxmlformats.org/presentationml/2006/main" showMasterSp="0">
+  <p:cSld>
+    <p:spTree>
+      <p:nvGrpSpPr>
+        <p:cNvPr id="1" name=""/>
+        <p:cNvGrpSpPr/>
+        <p:nvPr/>
+      </p:nvGrpSpPr>
+      <p:grpSpPr>
+        <a:xfrm>
+          <a:off x="0" y="0"/>
+          <a:ext cx="0" cy="0"/>
+          <a:chOff x="0" y="0"/>
+          <a:chExt cx="0" cy="0"/>
+        </a:xfrm>
+      </p:grpSpPr>
+      <p:sp>
+        <p:nvSpPr>
+          <p:cNvPr id="2" name="Title 1"/>
+          <p:cNvSpPr>
+            <a:spLocks noGrp="1"/>
+          </p:cNvSpPr>
+          <p:nvPr>
+            <p:ph type="title"/>
+          </p:nvPr>
+        </p:nvSpPr>
         <p:spPr/>
         <p:txBody>
           <a:bodyPr/>
@@ -17047,8 +17457,8 @@
 </p:sld>
 </file>
 
-<file path=ppt/slides/slide12.xml><?xml version="1.0" encoding="utf-8"?>
-<p:sld xmlns:a="http://schemas.openxmlformats.org/drawingml/2006/main" xmlns:r="http://schemas.openxmlformats.org/officeDocument/2006/relationships" xmlns:p="http://schemas.openxmlformats.org/presentationml/2006/main">
+<file path=ppt/slides/slide13.xml><?xml version="1.0" encoding="utf-8"?>
+<p:sld xmlns:a="http://schemas.openxmlformats.org/drawingml/2006/main" xmlns:r="http://schemas.openxmlformats.org/officeDocument/2006/relationships" xmlns:p="http://schemas.openxmlformats.org/presentationml/2006/main" showMasterSp="0">
   <p:cSld>
     <p:spTree>
       <p:nvGrpSpPr>
@@ -17074,232 +17484,21 @@
             <p:ph type="title"/>
           </p:nvPr>
         </p:nvSpPr>
-        <p:spPr/>
-        <p:txBody>
-          <a:bodyPr/>
-          <a:lstStyle/>
-          <a:p>
-            <a:r>
-              <a:rPr lang="en-US" dirty="0"/>
-              <a:t>Deep Learning</a:t>
-            </a:r>
-          </a:p>
-        </p:txBody>
-      </p:sp>
-      <p:sp>
-        <p:nvSpPr>
-          <p:cNvPr id="14" name="Rectangle 13"/>
-          <p:cNvSpPr/>
-          <p:nvPr/>
-        </p:nvSpPr>
         <p:spPr>
           <a:xfrm>
-            <a:off x="381000" y="2386310"/>
-            <a:ext cx="4572000" cy="923330"/>
+            <a:off x="457200" y="-27384"/>
+            <a:ext cx="8229600" cy="1195536"/>
           </a:xfrm>
-          <a:prstGeom prst="rect">
-            <a:avLst/>
-          </a:prstGeom>
         </p:spPr>
         <p:txBody>
-          <a:bodyPr>
-            <a:spAutoFit/>
-          </a:bodyPr>
-          <a:lstStyle/>
-          <a:p>
-            <a:pPr algn="just"/>
-            <a:r>
-              <a:rPr lang="en-US" dirty="0">
-                <a:solidFill>
-                  <a:schemeClr val="bg1">
-                    <a:lumMod val="50000"/>
-                  </a:schemeClr>
-                </a:solidFill>
-              </a:rPr>
-              <a:t>Deep neural network is a feed-forward artificial neural network with multiple hidden units between input and output</a:t>
-            </a:r>
-          </a:p>
-        </p:txBody>
-      </p:sp>
-      <p:pic>
-        <p:nvPicPr>
-          <p:cNvPr id="15" name="Picture 14"/>
-          <p:cNvPicPr>
-            <a:picLocks noChangeAspect="1"/>
-          </p:cNvPicPr>
-          <p:nvPr/>
-        </p:nvPicPr>
-        <p:blipFill>
-          <a:blip r:embed="rId2"/>
-          <a:stretch>
-            <a:fillRect/>
-          </a:stretch>
-        </p:blipFill>
-        <p:spPr>
-          <a:xfrm>
-            <a:off x="4876800" y="1600200"/>
-            <a:ext cx="3952875" cy="2495550"/>
-          </a:xfrm>
-          <a:prstGeom prst="rect">
-            <a:avLst/>
-          </a:prstGeom>
-        </p:spPr>
-      </p:pic>
-      <p:sp>
-        <p:nvSpPr>
-          <p:cNvPr id="16" name="TextBox 15"/>
-          <p:cNvSpPr txBox="1"/>
-          <p:nvPr/>
-        </p:nvSpPr>
-        <p:spPr>
-          <a:xfrm>
-            <a:off x="457200" y="4419600"/>
-            <a:ext cx="8372475" cy="1477328"/>
-          </a:xfrm>
-          <a:prstGeom prst="rect">
-            <a:avLst/>
-          </a:prstGeom>
-          <a:noFill/>
-        </p:spPr>
-        <p:txBody>
-          <a:bodyPr wrap="square" rtlCol="0">
-            <a:spAutoFit/>
-          </a:bodyPr>
-          <a:lstStyle/>
-          <a:p>
-            <a:r>
-              <a:rPr lang="en-US" dirty="0">
-                <a:solidFill>
-                  <a:schemeClr val="bg1">
-                    <a:lumMod val="50000"/>
-                  </a:schemeClr>
-                </a:solidFill>
-              </a:rPr>
-              <a:t>Why Use Deep Neural Networks?</a:t>
-            </a:r>
-          </a:p>
-          <a:p>
-            <a:pPr marL="285750" indent="-285750" algn="just">
-              <a:buFont typeface="Arial" panose="020B0604020202020204" pitchFamily="34" charset="0"/>
-              <a:buChar char="•"/>
-            </a:pPr>
-            <a:r>
-              <a:rPr lang="en-US" dirty="0">
-                <a:solidFill>
-                  <a:schemeClr val="bg1">
-                    <a:lumMod val="50000"/>
-                  </a:schemeClr>
-                </a:solidFill>
-              </a:rPr>
-              <a:t>Ability to learn complicated feature representations and classifiers jointly</a:t>
-            </a:r>
-          </a:p>
-          <a:p>
-            <a:pPr marL="285750" indent="-285750" algn="just">
-              <a:buFont typeface="Arial" panose="020B0604020202020204" pitchFamily="34" charset="0"/>
-              <a:buChar char="•"/>
-            </a:pPr>
-            <a:r>
-              <a:rPr lang="en-US" dirty="0">
-                <a:solidFill>
-                  <a:schemeClr val="bg1">
-                    <a:lumMod val="50000"/>
-                  </a:schemeClr>
-                </a:solidFill>
-              </a:rPr>
-              <a:t>Learn much better models of data that lie on or near a non-linear manifold</a:t>
-            </a:r>
-          </a:p>
-          <a:p>
-            <a:pPr marL="285750" indent="-285750" algn="just">
-              <a:buFont typeface="Arial" panose="020B0604020202020204" pitchFamily="34" charset="0"/>
-              <a:buChar char="•"/>
-            </a:pPr>
-            <a:r>
-              <a:rPr lang="en-US" dirty="0">
-                <a:solidFill>
-                  <a:schemeClr val="bg1">
-                    <a:lumMod val="50000"/>
-                  </a:schemeClr>
-                </a:solidFill>
-              </a:rPr>
-              <a:t>Performance does not saturate with increase in training data</a:t>
-            </a:r>
-          </a:p>
-          <a:p>
-            <a:pPr marL="285750" indent="-285750" algn="just">
-              <a:buFont typeface="Arial" panose="020B0604020202020204" pitchFamily="34" charset="0"/>
-              <a:buChar char="•"/>
-            </a:pPr>
-            <a:r>
-              <a:rPr lang="en-IN" dirty="0">
-                <a:solidFill>
-                  <a:schemeClr val="bg1">
-                    <a:lumMod val="50000"/>
-                  </a:schemeClr>
-                </a:solidFill>
-              </a:rPr>
-              <a:t>Surpass the performance of the other dominant paradigms</a:t>
-            </a:r>
-            <a:endParaRPr lang="en-US" dirty="0">
-              <a:solidFill>
-                <a:schemeClr val="bg1">
-                  <a:lumMod val="50000"/>
-                </a:schemeClr>
-              </a:solidFill>
-            </a:endParaRPr>
-          </a:p>
-        </p:txBody>
-      </p:sp>
-    </p:spTree>
-    <p:extLst>
-      <p:ext uri="{BB962C8B-B14F-4D97-AF65-F5344CB8AC3E}">
-        <p14:creationId xmlns:p14="http://schemas.microsoft.com/office/powerpoint/2010/main" val="3345061862"/>
-      </p:ext>
-    </p:extLst>
-  </p:cSld>
-  <p:clrMapOvr>
-    <a:masterClrMapping/>
-  </p:clrMapOvr>
-</p:sld>
-</file>
-
-<file path=ppt/slides/slide13.xml><?xml version="1.0" encoding="utf-8"?>
-<p:sld xmlns:a="http://schemas.openxmlformats.org/drawingml/2006/main" xmlns:r="http://schemas.openxmlformats.org/officeDocument/2006/relationships" xmlns:p="http://schemas.openxmlformats.org/presentationml/2006/main">
-  <p:cSld>
-    <p:spTree>
-      <p:nvGrpSpPr>
-        <p:cNvPr id="1" name=""/>
-        <p:cNvGrpSpPr/>
-        <p:nvPr/>
-      </p:nvGrpSpPr>
-      <p:grpSpPr>
-        <a:xfrm>
-          <a:off x="0" y="0"/>
-          <a:ext cx="0" cy="0"/>
-          <a:chOff x="0" y="0"/>
-          <a:chExt cx="0" cy="0"/>
-        </a:xfrm>
-      </p:grpSpPr>
-      <p:sp>
-        <p:nvSpPr>
-          <p:cNvPr id="2" name="Title 1"/>
-          <p:cNvSpPr>
-            <a:spLocks noGrp="1"/>
-          </p:cNvSpPr>
-          <p:nvPr>
-            <p:ph type="title"/>
-          </p:nvPr>
-        </p:nvSpPr>
-        <p:spPr/>
-        <p:txBody>
           <a:bodyPr/>
           <a:lstStyle/>
           <a:p>
             <a:r>
-              <a:rPr lang="en-US" dirty="0"/>
-              <a:t>Neural Network Architecture</a:t>
-            </a:r>
+              <a:rPr lang="en-US" dirty="0" smtClean="0"/>
+              <a:t>NN Architecture</a:t>
+            </a:r>
+            <a:endParaRPr lang="en-US" dirty="0"/>
           </a:p>
         </p:txBody>
       </p:sp>
@@ -17312,7 +17511,7 @@
           <p:nvPr/>
         </p:nvPicPr>
         <p:blipFill>
-          <a:blip r:embed="rId2">
+          <a:blip r:embed="rId3">
             <a:extLst>
               <a:ext uri="{28A0092B-C50C-407E-A947-70E740481C1C}">
                 <a14:useLocalDpi xmlns:a14="http://schemas.microsoft.com/office/drawing/2010/main" val="0"/>
@@ -17342,7 +17541,7 @@
           <p:nvPr/>
         </p:nvPicPr>
         <p:blipFill>
-          <a:blip r:embed="rId3">
+          <a:blip r:embed="rId4">
             <a:extLst>
               <a:ext uri="{28A0092B-C50C-407E-A947-70E740481C1C}">
                 <a14:useLocalDpi xmlns:a14="http://schemas.microsoft.com/office/drawing/2010/main" val="0"/>
@@ -17968,7 +18167,7 @@
 </file>
 
 <file path=ppt/slides/slide14.xml><?xml version="1.0" encoding="utf-8"?>
-<p:sld xmlns:a="http://schemas.openxmlformats.org/drawingml/2006/main" xmlns:r="http://schemas.openxmlformats.org/officeDocument/2006/relationships" xmlns:p="http://schemas.openxmlformats.org/presentationml/2006/main">
+<p:sld xmlns:a="http://schemas.openxmlformats.org/drawingml/2006/main" xmlns:r="http://schemas.openxmlformats.org/officeDocument/2006/relationships" xmlns:p="http://schemas.openxmlformats.org/presentationml/2006/main" showMasterSp="0">
   <p:cSld>
     <p:spTree>
       <p:nvGrpSpPr>
@@ -17994,14 +18193,31 @@
             <p:ph type="title"/>
           </p:nvPr>
         </p:nvSpPr>
-        <p:spPr/>
+        <p:spPr>
+          <a:xfrm>
+            <a:off x="457200" y="-27384"/>
+            <a:ext cx="8229600" cy="1195536"/>
+          </a:xfrm>
+        </p:spPr>
         <p:txBody>
           <a:bodyPr/>
           <a:lstStyle/>
           <a:p>
             <a:r>
               <a:rPr lang="en-US" dirty="0"/>
-              <a:t>Hybrid Neural Network Model</a:t>
+              <a:t>Hybrid </a:t>
+            </a:r>
+            <a:r>
+              <a:rPr lang="en-US" dirty="0" smtClean="0"/>
+              <a:t>NN</a:t>
+            </a:r>
+            <a:r>
+              <a:rPr lang="en-US" dirty="0" smtClean="0"/>
+              <a:t> </a:t>
+            </a:r>
+            <a:r>
+              <a:rPr lang="en-US" dirty="0"/>
+              <a:t>Model</a:t>
             </a:r>
           </a:p>
         </p:txBody>
@@ -18026,7 +18242,15 @@
             <a:pPr algn="just"/>
             <a:r>
               <a:rPr lang="en-IN" dirty="0"/>
-              <a:t>Both Initial and Binary were using </a:t>
+              <a:t>Both Initial and </a:t>
+            </a:r>
+            <a:r>
+              <a:rPr lang="en-IN" dirty="0" smtClean="0"/>
+              <a:t>Binary are </a:t>
+            </a:r>
+            <a:r>
+              <a:rPr lang="en-IN" dirty="0"/>
+              <a:t>using </a:t>
             </a:r>
             <a:r>
               <a:rPr lang="en-IN" b="1" u="sng" dirty="0" err="1"/>
@@ -23016,7 +23240,7 @@
 </file>
 
 <file path=ppt/slides/slide21.xml><?xml version="1.0" encoding="utf-8"?>
-<p:sld xmlns:a="http://schemas.openxmlformats.org/drawingml/2006/main" xmlns:r="http://schemas.openxmlformats.org/officeDocument/2006/relationships" xmlns:p="http://schemas.openxmlformats.org/presentationml/2006/main">
+<p:sld xmlns:a="http://schemas.openxmlformats.org/drawingml/2006/main" xmlns:r="http://schemas.openxmlformats.org/officeDocument/2006/relationships" xmlns:p="http://schemas.openxmlformats.org/presentationml/2006/main" showMasterSp="0">
   <p:cSld>
     <p:spTree>
       <p:nvGrpSpPr>
@@ -23136,7 +23360,7 @@
 </file>
 
 <file path=ppt/slides/slide22.xml><?xml version="1.0" encoding="utf-8"?>
-<p:sld xmlns:a="http://schemas.openxmlformats.org/drawingml/2006/main" xmlns:r="http://schemas.openxmlformats.org/officeDocument/2006/relationships" xmlns:p="http://schemas.openxmlformats.org/presentationml/2006/main">
+<p:sld xmlns:a="http://schemas.openxmlformats.org/drawingml/2006/main" xmlns:r="http://schemas.openxmlformats.org/officeDocument/2006/relationships" xmlns:p="http://schemas.openxmlformats.org/presentationml/2006/main" showMasterSp="0">
   <p:cSld>
     <p:spTree>
       <p:nvGrpSpPr>
@@ -24352,67 +24576,142 @@
         </p:nvSpPr>
         <p:spPr>
           <a:xfrm>
-            <a:off x="500034" y="2214554"/>
-            <a:ext cx="8229600" cy="4525963"/>
+            <a:off x="467544" y="1484785"/>
+            <a:ext cx="8229600" cy="5373216"/>
           </a:xfrm>
         </p:spPr>
         <p:txBody>
           <a:bodyPr>
-            <a:normAutofit/>
+            <a:noAutofit/>
           </a:bodyPr>
           <a:lstStyle/>
           <a:p>
             <a:r>
-              <a:rPr lang="en-IN" sz="1600" dirty="0" smtClean="0"/>
+              <a:rPr lang="en-IN" sz="1800" dirty="0" smtClean="0"/>
               <a:t>For each audio sample of 5 sec we obtain a long term averaged feature vector with 390 features.</a:t>
             </a:r>
           </a:p>
           <a:p>
-            <a:r>
-              <a:rPr lang="en-IN" sz="1600" dirty="0" smtClean="0"/>
+            <a:endParaRPr lang="en-IN" sz="900" dirty="0" smtClean="0"/>
+          </a:p>
+          <a:p>
+            <a:r>
+              <a:rPr lang="en-IN" sz="1800" dirty="0" smtClean="0"/>
               <a:t>These features include 13 MFCC+13 Delta MFCC+13 Delta </a:t>
             </a:r>
             <a:r>
-              <a:rPr lang="en-IN" sz="1600" dirty="0" err="1" smtClean="0"/>
+              <a:rPr lang="en-IN" sz="1800" dirty="0" err="1" smtClean="0"/>
               <a:t>Delta</a:t>
             </a:r>
             <a:r>
-              <a:rPr lang="en-IN" sz="1600" dirty="0" smtClean="0"/>
+              <a:rPr lang="en-IN" sz="1800" dirty="0" smtClean="0"/>
               <a:t> MFCC. Making a set of 39 sized feature vector.</a:t>
             </a:r>
           </a:p>
           <a:p>
-            <a:r>
-              <a:rPr lang="en-IN" sz="1600" dirty="0" smtClean="0"/>
-              <a:t> Such consecutive features are stacked to create </a:t>
-            </a:r>
-            <a:r>
-              <a:rPr lang="en-IN" sz="1600" b="1" dirty="0" smtClean="0"/>
-              <a:t>context windows. </a:t>
-            </a:r>
-            <a:r>
-              <a:rPr lang="en-IN" sz="1600" dirty="0" smtClean="0"/>
-              <a:t>The number of consecutive features stacked together is called context window size. We used a context window size of 5.</a:t>
-            </a:r>
-          </a:p>
-          <a:p>
-            <a:r>
-              <a:rPr lang="en-IN" sz="1600" dirty="0" smtClean="0"/>
-              <a:t>Long term averaging is done and standard deviation is calculated for over entire duration giving a single feature vector of size of shape (390,1)</a:t>
-            </a:r>
-          </a:p>
-          <a:p>
-            <a:r>
-              <a:rPr lang="en-IN" sz="1600" dirty="0" smtClean="0"/>
-              <a:t> 39(mfcc + delta mfcc+ delta-delta mfcc)*5(context window size)*2(mean + standard deviation)=390</a:t>
-            </a:r>
-          </a:p>
-          <a:p>
-            <a:r>
-              <a:rPr lang="en-IN" sz="1600" dirty="0" smtClean="0"/>
-              <a:t>When x such samples are taken out feature vector has a shape of (390,x)</a:t>
-            </a:r>
-            <a:endParaRPr lang="en-IN" sz="1600" dirty="0"/>
+            <a:endParaRPr lang="en-IN" sz="900" dirty="0" smtClean="0"/>
+          </a:p>
+          <a:p>
+            <a:r>
+              <a:rPr lang="en-IN" sz="1800" dirty="0" smtClean="0"/>
+              <a:t>Such </a:t>
+            </a:r>
+            <a:r>
+              <a:rPr lang="en-IN" sz="1800" dirty="0" smtClean="0"/>
+              <a:t>consecutive features are stacked to create </a:t>
+            </a:r>
+            <a:r>
+              <a:rPr lang="en-IN" sz="1800" b="1" dirty="0" smtClean="0"/>
+              <a:t>context </a:t>
+            </a:r>
+            <a:r>
+              <a:rPr lang="en-IN" sz="1800" b="1" dirty="0" smtClean="0"/>
+              <a:t>windows </a:t>
+            </a:r>
+            <a:r>
+              <a:rPr lang="en-IN" sz="1800" dirty="0" smtClean="0"/>
+              <a:t>and the </a:t>
+            </a:r>
+            <a:r>
+              <a:rPr lang="en-IN" sz="1800" dirty="0" smtClean="0"/>
+              <a:t>number of consecutive features </a:t>
+            </a:r>
+            <a:r>
+              <a:rPr lang="en-IN" sz="1800" dirty="0" smtClean="0"/>
+              <a:t>used</a:t>
+            </a:r>
+            <a:r>
+              <a:rPr lang="en-IN" sz="1800" dirty="0" smtClean="0"/>
+              <a:t> </a:t>
+            </a:r>
+            <a:r>
+              <a:rPr lang="en-IN" sz="1800" dirty="0" smtClean="0"/>
+              <a:t>is called context window size. We used a context window size of 5</a:t>
+            </a:r>
+            <a:r>
+              <a:rPr lang="en-IN" sz="1800" dirty="0" smtClean="0"/>
+              <a:t>.</a:t>
+            </a:r>
+          </a:p>
+          <a:p>
+            <a:endParaRPr lang="en-IN" sz="900" dirty="0" smtClean="0"/>
+          </a:p>
+          <a:p>
+            <a:r>
+              <a:rPr lang="en-IN" sz="1800" dirty="0" smtClean="0"/>
+              <a:t>Long term averaging is done and standard deviation is calculated for over entire duration giving a single feature vector of size of shape (390,1</a:t>
+            </a:r>
+            <a:r>
+              <a:rPr lang="en-IN" sz="1800" dirty="0" smtClean="0"/>
+              <a:t>)</a:t>
+            </a:r>
+          </a:p>
+          <a:p>
+            <a:endParaRPr lang="en-IN" sz="900" dirty="0" smtClean="0"/>
+          </a:p>
+          <a:p>
+            <a:r>
+              <a:rPr lang="en-IN" sz="1800" dirty="0" smtClean="0"/>
+              <a:t> 39(</a:t>
+            </a:r>
+            <a:r>
+              <a:rPr lang="en-IN" sz="1800" dirty="0" err="1" smtClean="0"/>
+              <a:t>mfcc</a:t>
+            </a:r>
+            <a:r>
+              <a:rPr lang="en-IN" sz="1800" dirty="0" smtClean="0"/>
+              <a:t> + delta </a:t>
+            </a:r>
+            <a:r>
+              <a:rPr lang="en-IN" sz="1800" dirty="0" err="1" smtClean="0"/>
+              <a:t>mfcc</a:t>
+            </a:r>
+            <a:r>
+              <a:rPr lang="en-IN" sz="1800" dirty="0" smtClean="0"/>
+              <a:t>+ delta-delta </a:t>
+            </a:r>
+            <a:r>
+              <a:rPr lang="en-IN" sz="1800" dirty="0" err="1" smtClean="0"/>
+              <a:t>mfcc</a:t>
+            </a:r>
+            <a:r>
+              <a:rPr lang="en-IN" sz="1800" dirty="0" smtClean="0"/>
+              <a:t>)*5(context window size)*2(mean + standard deviation)=390</a:t>
+            </a:r>
+          </a:p>
+          <a:p>
+            <a:endParaRPr lang="en-IN" sz="900" dirty="0" smtClean="0"/>
+          </a:p>
+          <a:p>
+            <a:r>
+              <a:rPr lang="en-IN" sz="1800" dirty="0" smtClean="0"/>
+              <a:t>When </a:t>
+            </a:r>
+            <a:r>
+              <a:rPr lang="en-IN" sz="1800" dirty="0" smtClean="0"/>
+              <a:t>x such samples are taken out feature vector has a shape of (390,x)</a:t>
+            </a:r>
+            <a:endParaRPr lang="en-IN" sz="1800" dirty="0"/>
           </a:p>
         </p:txBody>
       </p:sp>

--- a/Docs/Presentation.pptx
+++ b/Docs/Presentation.pptx
@@ -8,7 +8,7 @@
     <p:sldMasterId id="2147483720" r:id="rId4"/>
   </p:sldMasterIdLst>
   <p:notesMasterIdLst>
-    <p:notesMasterId r:id="rId29"/>
+    <p:notesMasterId r:id="rId28"/>
   </p:notesMasterIdLst>
   <p:sldIdLst>
     <p:sldId id="256" r:id="rId5"/>
@@ -22,19 +22,18 @@
     <p:sldId id="269" r:id="rId13"/>
     <p:sldId id="278" r:id="rId14"/>
     <p:sldId id="282" r:id="rId15"/>
-    <p:sldId id="268" r:id="rId16"/>
-    <p:sldId id="283" r:id="rId17"/>
-    <p:sldId id="284" r:id="rId18"/>
-    <p:sldId id="264" r:id="rId19"/>
-    <p:sldId id="265" r:id="rId20"/>
-    <p:sldId id="271" r:id="rId21"/>
-    <p:sldId id="272" r:id="rId22"/>
-    <p:sldId id="273" r:id="rId23"/>
-    <p:sldId id="274" r:id="rId24"/>
-    <p:sldId id="280" r:id="rId25"/>
-    <p:sldId id="281" r:id="rId26"/>
-    <p:sldId id="277" r:id="rId27"/>
-    <p:sldId id="276" r:id="rId28"/>
+    <p:sldId id="283" r:id="rId16"/>
+    <p:sldId id="284" r:id="rId17"/>
+    <p:sldId id="264" r:id="rId18"/>
+    <p:sldId id="265" r:id="rId19"/>
+    <p:sldId id="271" r:id="rId20"/>
+    <p:sldId id="272" r:id="rId21"/>
+    <p:sldId id="273" r:id="rId22"/>
+    <p:sldId id="274" r:id="rId23"/>
+    <p:sldId id="280" r:id="rId24"/>
+    <p:sldId id="281" r:id="rId25"/>
+    <p:sldId id="277" r:id="rId26"/>
+    <p:sldId id="276" r:id="rId27"/>
   </p:sldIdLst>
   <p:sldSz cx="9144000" cy="6858000" type="screen4x3"/>
   <p:notesSz cx="6858000" cy="9144000"/>
@@ -133,6 +132,22 @@
       </a:defRPr>
     </a:lvl9pPr>
   </p:defaultTextStyle>
+  <p:extLst>
+    <p:ext uri="{EFAFB233-063F-42B5-8137-9DF3F51BA10A}">
+      <p15:sldGuideLst xmlns:p15="http://schemas.microsoft.com/office/powerpoint/2012/main">
+        <p15:guide id="1" orient="horz" pos="2160">
+          <p15:clr>
+            <a:srgbClr val="A4A3A4"/>
+          </p15:clr>
+        </p15:guide>
+        <p15:guide id="2" pos="2880">
+          <p15:clr>
+            <a:srgbClr val="A4A3A4"/>
+          </p15:clr>
+        </p15:guide>
+      </p15:sldGuideLst>
+    </p:ext>
+  </p:extLst>
 </p:presentation>
 </file>
 
@@ -219,7 +234,7 @@
             <a:fld id="{3FDCA80A-463E-40D4-BA34-FED0CD2C258C}" type="datetimeFigureOut">
               <a:rPr lang="en-US" smtClean="0"/>
               <a:pPr/>
-              <a:t>30/5/2017</a:t>
+              <a:t>30-May-17</a:t>
             </a:fld>
             <a:endParaRPr lang="en-US"/>
           </a:p>
@@ -283,38 +298,37 @@
           <a:p>
             <a:pPr lvl="0"/>
             <a:r>
-              <a:rPr lang="en-US" smtClean="0"/>
+              <a:rPr lang="en-US"/>
               <a:t>Click to edit Master text styles</a:t>
             </a:r>
           </a:p>
           <a:p>
             <a:pPr lvl="1"/>
             <a:r>
-              <a:rPr lang="en-US" smtClean="0"/>
+              <a:rPr lang="en-US"/>
               <a:t>Second level</a:t>
             </a:r>
           </a:p>
           <a:p>
             <a:pPr lvl="2"/>
             <a:r>
-              <a:rPr lang="en-US" smtClean="0"/>
+              <a:rPr lang="en-US"/>
               <a:t>Third level</a:t>
             </a:r>
           </a:p>
           <a:p>
             <a:pPr lvl="3"/>
             <a:r>
-              <a:rPr lang="en-US" smtClean="0"/>
+              <a:rPr lang="en-US"/>
               <a:t>Fourth level</a:t>
             </a:r>
           </a:p>
           <a:p>
             <a:pPr lvl="4"/>
             <a:r>
-              <a:rPr lang="en-US" smtClean="0"/>
+              <a:rPr lang="en-US"/>
               <a:t>Fifth level</a:t>
             </a:r>
-            <a:endParaRPr lang="en-US"/>
           </a:p>
         </p:txBody>
       </p:sp>
@@ -618,24 +632,23 @@
           <a:lstStyle/>
           <a:p>
             <a:r>
-              <a:rPr lang="en-US" dirty="0" err="1" smtClean="0"/>
+              <a:rPr lang="en-US" dirty="0" err="1"/>
               <a:t>reLU</a:t>
             </a:r>
             <a:r>
-              <a:rPr lang="en-US" dirty="0" smtClean="0"/>
+              <a:rPr lang="en-US" dirty="0"/>
               <a:t> = rectifier Linear Unit</a:t>
             </a:r>
           </a:p>
           <a:p>
             <a:r>
-              <a:rPr lang="en-US" dirty="0" err="1" smtClean="0"/>
+              <a:rPr lang="en-US" dirty="0" err="1"/>
               <a:t>Adadelta</a:t>
             </a:r>
             <a:r>
-              <a:rPr lang="en-US" dirty="0" smtClean="0"/>
+              <a:rPr lang="en-US" dirty="0"/>
               <a:t> controls learning rate</a:t>
             </a:r>
-            <a:endParaRPr lang="en-US" dirty="0"/>
           </a:p>
         </p:txBody>
       </p:sp>
@@ -657,7 +670,7 @@
             <a:fld id="{979A0A40-088F-44CE-8547-8CF4D8B5748D}" type="slidenum">
               <a:rPr lang="en-US" smtClean="0"/>
               <a:pPr/>
-              <a:t>13</a:t>
+              <a:t>12</a:t>
             </a:fld>
             <a:endParaRPr lang="en-US"/>
           </a:p>
@@ -721,10 +734,9 @@
           <a:lstStyle/>
           <a:p>
             <a:r>
-              <a:rPr lang="en-US" dirty="0" smtClean="0"/>
+              <a:rPr lang="en-US" dirty="0"/>
               <a:t>Problem and its use</a:t>
             </a:r>
-            <a:endParaRPr lang="en-US" dirty="0"/>
           </a:p>
         </p:txBody>
       </p:sp>
@@ -746,7 +758,7 @@
             <a:fld id="{979A0A40-088F-44CE-8547-8CF4D8B5748D}" type="slidenum">
               <a:rPr lang="en-US" smtClean="0"/>
               <a:pPr/>
-              <a:t>15</a:t>
+              <a:t>14</a:t>
             </a:fld>
             <a:endParaRPr lang="en-US"/>
           </a:p>
@@ -810,10 +822,9 @@
           <a:lstStyle/>
           <a:p>
             <a:r>
-              <a:rPr lang="en-US" dirty="0" smtClean="0"/>
+              <a:rPr lang="en-US" dirty="0"/>
               <a:t>Problem and its use</a:t>
             </a:r>
-            <a:endParaRPr lang="en-US" dirty="0"/>
           </a:p>
         </p:txBody>
       </p:sp>
@@ -835,7 +846,7 @@
             <a:fld id="{979A0A40-088F-44CE-8547-8CF4D8B5748D}" type="slidenum">
               <a:rPr lang="en-US" smtClean="0"/>
               <a:pPr/>
-              <a:t>16</a:t>
+              <a:t>15</a:t>
             </a:fld>
             <a:endParaRPr lang="en-US"/>
           </a:p>
@@ -919,7 +930,7 @@
           <a:p>
             <a:fld id="{979A0A40-088F-44CE-8547-8CF4D8B5748D}" type="slidenum">
               <a:rPr lang="en-US" smtClean="0"/>
-              <a:t>23</a:t>
+              <a:t>22</a:t>
             </a:fld>
             <a:endParaRPr lang="en-US"/>
           </a:p>
@@ -1008,7 +1019,7 @@
                 </a:solidFill>
               </a:rPr>
               <a:pPr/>
-              <a:t>24</a:t>
+              <a:t>23</a:t>
             </a:fld>
             <a:endParaRPr lang="en-US">
               <a:solidFill>
@@ -1076,29 +1087,29 @@
           <a:lstStyle/>
           <a:p>
             <a:r>
-              <a:rPr lang="en-US" dirty="0" smtClean="0"/>
+              <a:rPr lang="en-US" dirty="0"/>
               <a:t>Problem and its use</a:t>
             </a:r>
           </a:p>
           <a:p>
             <a:r>
-              <a:rPr lang="en-US" dirty="0" smtClean="0"/>
+              <a:rPr lang="en-US" dirty="0"/>
               <a:t>Emergency</a:t>
             </a:r>
             <a:r>
-              <a:rPr lang="en-US" baseline="0" dirty="0" smtClean="0"/>
+              <a:rPr lang="en-US" baseline="0" dirty="0"/>
               <a:t> </a:t>
             </a:r>
             <a:r>
-              <a:rPr lang="en-US" baseline="0" dirty="0" err="1" smtClean="0"/>
+              <a:rPr lang="en-US" baseline="0" dirty="0" err="1"/>
               <a:t>mein</a:t>
             </a:r>
             <a:r>
-              <a:rPr lang="en-US" baseline="0" dirty="0" smtClean="0"/>
+              <a:rPr lang="en-US" baseline="0" dirty="0"/>
               <a:t> quick response </a:t>
             </a:r>
             <a:r>
-              <a:rPr lang="en-US" baseline="0" dirty="0" err="1" smtClean="0"/>
+              <a:rPr lang="en-US" baseline="0" dirty="0" err="1"/>
               <a:t>chaiye</a:t>
             </a:r>
             <a:endParaRPr lang="en-US" dirty="0"/>
@@ -1187,17 +1198,17 @@
           <a:lstStyle/>
           <a:p>
             <a:r>
-              <a:rPr lang="en-US" dirty="0" smtClean="0"/>
+              <a:rPr lang="en-US" dirty="0"/>
               <a:t>How are we</a:t>
             </a:r>
             <a:r>
-              <a:rPr lang="en-US" baseline="0" dirty="0" smtClean="0"/>
+              <a:rPr lang="en-US" baseline="0" dirty="0"/>
               <a:t> doing it</a:t>
             </a:r>
           </a:p>
           <a:p>
             <a:r>
-              <a:rPr lang="en-US" sz="1200" kern="1200" dirty="0" smtClean="0">
+              <a:rPr lang="en-US" sz="1200" kern="1200" dirty="0">
                 <a:solidFill>
                   <a:schemeClr val="tx1"/>
                 </a:solidFill>
@@ -1209,7 +1220,7 @@
               <a:t>phonotactic and prosody</a:t>
             </a:r>
             <a:r>
-              <a:rPr lang="en-US" sz="1200" kern="1200" baseline="0" dirty="0" smtClean="0">
+              <a:rPr lang="en-US" sz="1200" kern="1200" baseline="0" dirty="0">
                 <a:solidFill>
                   <a:schemeClr val="tx1"/>
                 </a:solidFill>
@@ -1221,7 +1232,7 @@
               <a:t> </a:t>
             </a:r>
             <a:r>
-              <a:rPr lang="en-US" sz="1200" kern="1200" dirty="0" err="1" smtClean="0">
+              <a:rPr lang="en-US" sz="1200" kern="1200" dirty="0" err="1">
                 <a:solidFill>
                   <a:schemeClr val="tx1"/>
                 </a:solidFill>
@@ -1233,7 +1244,7 @@
               <a:t>bhi</a:t>
             </a:r>
             <a:r>
-              <a:rPr lang="en-US" sz="1200" kern="1200" dirty="0" smtClean="0">
+              <a:rPr lang="en-US" sz="1200" kern="1200" dirty="0">
                 <a:solidFill>
                   <a:schemeClr val="tx1"/>
                 </a:solidFill>
@@ -1245,7 +1256,7 @@
               <a:t> </a:t>
             </a:r>
             <a:r>
-              <a:rPr lang="en-US" sz="1200" kern="1200" dirty="0" err="1" smtClean="0">
+              <a:rPr lang="en-US" sz="1200" kern="1200" dirty="0" err="1">
                 <a:solidFill>
                   <a:schemeClr val="tx1"/>
                 </a:solidFill>
@@ -1257,7 +1268,7 @@
               <a:t>hote</a:t>
             </a:r>
             <a:r>
-              <a:rPr lang="en-US" sz="1200" kern="1200" dirty="0" smtClean="0">
+              <a:rPr lang="en-US" sz="1200" kern="1200" dirty="0">
                 <a:solidFill>
                   <a:schemeClr val="tx1"/>
                 </a:solidFill>
@@ -1269,7 +1280,7 @@
               <a:t> </a:t>
             </a:r>
             <a:r>
-              <a:rPr lang="en-US" sz="1200" kern="1200" dirty="0" err="1" smtClean="0">
+              <a:rPr lang="en-US" sz="1200" kern="1200" dirty="0" err="1">
                 <a:solidFill>
                   <a:schemeClr val="tx1"/>
                 </a:solidFill>
@@ -1366,17 +1377,17 @@
           <a:lstStyle/>
           <a:p>
             <a:r>
-              <a:rPr lang="en-US" dirty="0" smtClean="0"/>
+              <a:rPr lang="en-US" dirty="0"/>
               <a:t>Just</a:t>
             </a:r>
             <a:r>
-              <a:rPr lang="en-US" baseline="0" dirty="0" smtClean="0"/>
+              <a:rPr lang="en-US" baseline="0" dirty="0"/>
               <a:t> read</a:t>
             </a:r>
           </a:p>
           <a:p>
             <a:r>
-              <a:rPr lang="en-US" baseline="0" dirty="0" smtClean="0"/>
+              <a:rPr lang="en-US" baseline="0" dirty="0"/>
               <a:t>Two stage being coarse and fine</a:t>
             </a:r>
             <a:endParaRPr lang="en-US" dirty="0"/>
@@ -1635,40 +1646,40 @@
           <a:lstStyle/>
           <a:p>
             <a:r>
-              <a:rPr lang="en-IN" dirty="0" smtClean="0"/>
+              <a:rPr lang="en-IN" dirty="0"/>
               <a:t>Why are delta and delta-delta </a:t>
             </a:r>
             <a:r>
-              <a:rPr lang="en-IN" dirty="0" err="1" smtClean="0"/>
+              <a:rPr lang="en-IN" dirty="0" err="1"/>
               <a:t>mfcc</a:t>
             </a:r>
             <a:r>
-              <a:rPr lang="en-IN" dirty="0" smtClean="0"/>
+              <a:rPr lang="en-IN" dirty="0"/>
               <a:t> used ?</a:t>
             </a:r>
           </a:p>
           <a:p>
-            <a:endParaRPr lang="en-IN" dirty="0" smtClean="0"/>
-          </a:p>
-          <a:p>
-            <a:r>
-              <a:rPr lang="en-IN" dirty="0" smtClean="0"/>
+            <a:endParaRPr lang="en-IN" dirty="0"/>
+          </a:p>
+          <a:p>
+            <a:r>
+              <a:rPr lang="en-IN" dirty="0"/>
               <a:t>Static </a:t>
             </a:r>
             <a:r>
-              <a:rPr lang="en-IN" dirty="0" err="1" smtClean="0"/>
+              <a:rPr lang="en-IN" dirty="0" err="1"/>
               <a:t>mfcc</a:t>
             </a:r>
             <a:r>
-              <a:rPr lang="en-IN" dirty="0" smtClean="0"/>
+              <a:rPr lang="en-IN" dirty="0"/>
               <a:t> features are representative of physical characteristics of vocal chord which is not enough to discriminate languages, hence we require temporal variation of </a:t>
             </a:r>
             <a:r>
-              <a:rPr lang="en-IN" dirty="0" err="1" smtClean="0"/>
+              <a:rPr lang="en-IN" dirty="0" err="1"/>
               <a:t>mfcc</a:t>
             </a:r>
             <a:r>
-              <a:rPr lang="en-IN" dirty="0" smtClean="0"/>
+              <a:rPr lang="en-IN" dirty="0"/>
               <a:t>.</a:t>
             </a:r>
           </a:p>
@@ -1844,10 +1855,9 @@
           <a:lstStyle/>
           <a:p>
             <a:r>
-              <a:rPr lang="en-US" dirty="0" smtClean="0"/>
+              <a:rPr lang="en-US" dirty="0"/>
               <a:t>Less p-value means greater stat significance</a:t>
             </a:r>
-            <a:endParaRPr lang="en-US" dirty="0"/>
           </a:p>
         </p:txBody>
       </p:sp>
@@ -1934,7 +1944,7 @@
           </a:lstStyle>
           <a:p>
             <a:r>
-              <a:rPr lang="en-US" smtClean="0"/>
+              <a:rPr lang="en-US"/>
               <a:t>Click to edit Master title style</a:t>
             </a:r>
             <a:endParaRPr lang="en-US" dirty="0"/>
@@ -2055,7 +2065,7 @@
           </a:lstStyle>
           <a:p>
             <a:r>
-              <a:rPr lang="en-US" smtClean="0"/>
+              <a:rPr lang="en-US"/>
               <a:t>Click to edit Master subtitle style</a:t>
             </a:r>
             <a:endParaRPr lang="en-US" dirty="0"/>
@@ -2080,7 +2090,7 @@
             <a:fld id="{1D8BD707-D9CF-40AE-B4C6-C98DA3205C09}" type="datetimeFigureOut">
               <a:rPr lang="en-US" smtClean="0"/>
               <a:pPr/>
-              <a:t>30/5/2017</a:t>
+              <a:t>30-May-17</a:t>
             </a:fld>
             <a:endParaRPr lang="en-US"/>
           </a:p>
@@ -2170,7 +2180,7 @@
           <a:lstStyle/>
           <a:p>
             <a:r>
-              <a:rPr lang="en-US" smtClean="0"/>
+              <a:rPr lang="en-US"/>
               <a:t>Click to edit Master title style</a:t>
             </a:r>
             <a:endParaRPr lang="en-US" dirty="0"/>
@@ -2194,38 +2204,37 @@
           <a:p>
             <a:pPr lvl="0"/>
             <a:r>
-              <a:rPr lang="en-US" smtClean="0"/>
+              <a:rPr lang="en-US"/>
               <a:t>Click to edit Master text styles</a:t>
             </a:r>
           </a:p>
           <a:p>
             <a:pPr lvl="1"/>
             <a:r>
-              <a:rPr lang="en-US" smtClean="0"/>
+              <a:rPr lang="en-US"/>
               <a:t>Second level</a:t>
             </a:r>
           </a:p>
           <a:p>
             <a:pPr lvl="2"/>
             <a:r>
-              <a:rPr lang="en-US" smtClean="0"/>
+              <a:rPr lang="en-US"/>
               <a:t>Third level</a:t>
             </a:r>
           </a:p>
           <a:p>
             <a:pPr lvl="3"/>
             <a:r>
-              <a:rPr lang="en-US" smtClean="0"/>
+              <a:rPr lang="en-US"/>
               <a:t>Fourth level</a:t>
             </a:r>
           </a:p>
           <a:p>
             <a:pPr lvl="4"/>
             <a:r>
-              <a:rPr lang="en-US" smtClean="0"/>
+              <a:rPr lang="en-US"/>
               <a:t>Fifth level</a:t>
             </a:r>
-            <a:endParaRPr lang="en-US"/>
           </a:p>
         </p:txBody>
       </p:sp>
@@ -2247,7 +2256,7 @@
             <a:fld id="{1D8BD707-D9CF-40AE-B4C6-C98DA3205C09}" type="datetimeFigureOut">
               <a:rPr lang="en-US" smtClean="0"/>
               <a:pPr/>
-              <a:t>30/5/2017</a:t>
+              <a:t>30-May-17</a:t>
             </a:fld>
             <a:endParaRPr lang="en-US"/>
           </a:p>
@@ -2342,7 +2351,7 @@
           <a:lstStyle/>
           <a:p>
             <a:r>
-              <a:rPr lang="en-US" smtClean="0"/>
+              <a:rPr lang="en-US"/>
               <a:t>Click to edit Master title style</a:t>
             </a:r>
             <a:endParaRPr lang="en-US" dirty="0"/>
@@ -2371,38 +2380,37 @@
           <a:p>
             <a:pPr lvl="0"/>
             <a:r>
-              <a:rPr lang="en-US" smtClean="0"/>
+              <a:rPr lang="en-US"/>
               <a:t>Click to edit Master text styles</a:t>
             </a:r>
           </a:p>
           <a:p>
             <a:pPr lvl="1"/>
             <a:r>
-              <a:rPr lang="en-US" smtClean="0"/>
+              <a:rPr lang="en-US"/>
               <a:t>Second level</a:t>
             </a:r>
           </a:p>
           <a:p>
             <a:pPr lvl="2"/>
             <a:r>
-              <a:rPr lang="en-US" smtClean="0"/>
+              <a:rPr lang="en-US"/>
               <a:t>Third level</a:t>
             </a:r>
           </a:p>
           <a:p>
             <a:pPr lvl="3"/>
             <a:r>
-              <a:rPr lang="en-US" smtClean="0"/>
+              <a:rPr lang="en-US"/>
               <a:t>Fourth level</a:t>
             </a:r>
           </a:p>
           <a:p>
             <a:pPr lvl="4"/>
             <a:r>
-              <a:rPr lang="en-US" smtClean="0"/>
+              <a:rPr lang="en-US"/>
               <a:t>Fifth level</a:t>
             </a:r>
-            <a:endParaRPr lang="en-US"/>
           </a:p>
         </p:txBody>
       </p:sp>
@@ -2424,7 +2432,7 @@
             <a:fld id="{1D8BD707-D9CF-40AE-B4C6-C98DA3205C09}" type="datetimeFigureOut">
               <a:rPr lang="en-US" smtClean="0"/>
               <a:pPr/>
-              <a:t>30/5/2017</a:t>
+              <a:t>30-May-17</a:t>
             </a:fld>
             <a:endParaRPr lang="en-US"/>
           </a:p>
@@ -2528,7 +2536,7 @@
           </a:lstStyle>
           <a:p>
             <a:r>
-              <a:rPr lang="en-US" smtClean="0"/>
+              <a:rPr lang="en-US"/>
               <a:t>Click to edit Master title style</a:t>
             </a:r>
             <a:endParaRPr lang="en-US" dirty="0"/>
@@ -2649,7 +2657,7 @@
           </a:lstStyle>
           <a:p>
             <a:r>
-              <a:rPr lang="en-US" smtClean="0"/>
+              <a:rPr lang="en-US"/>
               <a:t>Click to edit Master subtitle style</a:t>
             </a:r>
             <a:endParaRPr lang="en-US" dirty="0"/>
@@ -2681,7 +2689,7 @@
                 </a:solidFill>
               </a:rPr>
               <a:pPr/>
-              <a:t>30/5/2017</a:t>
+              <a:t>30-May-17</a:t>
             </a:fld>
             <a:endParaRPr lang="en-US">
               <a:solidFill>
@@ -2804,7 +2812,7 @@
           <a:lstStyle/>
           <a:p>
             <a:r>
-              <a:rPr lang="en-US" smtClean="0"/>
+              <a:rPr lang="en-US"/>
               <a:t>Click to edit Master title style</a:t>
             </a:r>
             <a:endParaRPr lang="en-US" dirty="0"/>
@@ -2846,38 +2854,38 @@
           <a:p>
             <a:pPr lvl="0"/>
             <a:r>
-              <a:rPr lang="en-US" smtClean="0"/>
+              <a:rPr lang="en-US"/>
               <a:t>Click to edit Master text styles</a:t>
             </a:r>
           </a:p>
           <a:p>
             <a:pPr lvl="1"/>
             <a:r>
-              <a:rPr lang="en-US" smtClean="0"/>
+              <a:rPr lang="en-US"/>
               <a:t>Second level</a:t>
             </a:r>
           </a:p>
           <a:p>
             <a:pPr lvl="2"/>
             <a:r>
-              <a:rPr lang="en-US" smtClean="0"/>
+              <a:rPr lang="en-US"/>
               <a:t>Third level</a:t>
             </a:r>
           </a:p>
           <a:p>
             <a:pPr lvl="3"/>
             <a:r>
-              <a:rPr lang="en-US" smtClean="0"/>
+              <a:rPr lang="en-US"/>
               <a:t>Fourth level</a:t>
             </a:r>
           </a:p>
           <a:p>
             <a:pPr lvl="4"/>
             <a:r>
-              <a:rPr lang="en-US" smtClean="0"/>
+              <a:rPr lang="en-US"/>
               <a:t>Fifth level</a:t>
             </a:r>
-            <a:endParaRPr lang="en-US" dirty="0" smtClean="0"/>
+            <a:endParaRPr lang="en-US" dirty="0"/>
           </a:p>
         </p:txBody>
       </p:sp>
@@ -2906,7 +2914,7 @@
                 </a:solidFill>
               </a:rPr>
               <a:pPr/>
-              <a:t>30/5/2017</a:t>
+              <a:t>30-May-17</a:t>
             </a:fld>
             <a:endParaRPr lang="en-US">
               <a:solidFill>
@@ -3059,7 +3067,7 @@
           </a:lstStyle>
           <a:p>
             <a:r>
-              <a:rPr lang="en-US" smtClean="0"/>
+              <a:rPr lang="en-US"/>
               <a:t>Click to edit Master title style</a:t>
             </a:r>
             <a:endParaRPr lang="en-US" dirty="0"/>
@@ -3179,7 +3187,7 @@
           <a:p>
             <a:pPr lvl="0"/>
             <a:r>
-              <a:rPr lang="en-US" smtClean="0"/>
+              <a:rPr lang="en-US"/>
               <a:t>Click to edit Master text styles</a:t>
             </a:r>
           </a:p>
@@ -3210,7 +3218,7 @@
                 </a:solidFill>
               </a:rPr>
               <a:pPr/>
-              <a:t>30/5/2017</a:t>
+              <a:t>30-May-17</a:t>
             </a:fld>
             <a:endParaRPr lang="en-US">
               <a:solidFill>
@@ -3495,10 +3503,9 @@
           <a:lstStyle/>
           <a:p>
             <a:r>
-              <a:rPr lang="en-US" smtClean="0"/>
+              <a:rPr lang="en-US"/>
               <a:t>Click to edit Master title style</a:t>
             </a:r>
-            <a:endParaRPr lang="en-US"/>
           </a:p>
         </p:txBody>
       </p:sp>
@@ -3552,38 +3559,38 @@
           <a:p>
             <a:pPr lvl="0"/>
             <a:r>
-              <a:rPr lang="en-US" smtClean="0"/>
+              <a:rPr lang="en-US"/>
               <a:t>Click to edit Master text styles</a:t>
             </a:r>
           </a:p>
           <a:p>
             <a:pPr lvl="1"/>
             <a:r>
-              <a:rPr lang="en-US" smtClean="0"/>
+              <a:rPr lang="en-US"/>
               <a:t>Second level</a:t>
             </a:r>
           </a:p>
           <a:p>
             <a:pPr lvl="2"/>
             <a:r>
-              <a:rPr lang="en-US" smtClean="0"/>
+              <a:rPr lang="en-US"/>
               <a:t>Third level</a:t>
             </a:r>
           </a:p>
           <a:p>
             <a:pPr lvl="3"/>
             <a:r>
-              <a:rPr lang="en-US" smtClean="0"/>
+              <a:rPr lang="en-US"/>
               <a:t>Fourth level</a:t>
             </a:r>
           </a:p>
           <a:p>
             <a:pPr lvl="4"/>
             <a:r>
-              <a:rPr lang="en-US" smtClean="0"/>
+              <a:rPr lang="en-US"/>
               <a:t>Fifth level</a:t>
             </a:r>
-            <a:endParaRPr lang="en-US" dirty="0" smtClean="0"/>
+            <a:endParaRPr lang="en-US" dirty="0"/>
           </a:p>
         </p:txBody>
       </p:sp>
@@ -3612,7 +3619,7 @@
                 </a:solidFill>
               </a:rPr>
               <a:pPr/>
-              <a:t>30/5/2017</a:t>
+              <a:t>30-May-17</a:t>
             </a:fld>
             <a:endParaRPr lang="en-US">
               <a:solidFill>
@@ -3711,38 +3718,37 @@
           <a:p>
             <a:pPr lvl="0"/>
             <a:r>
-              <a:rPr lang="en-US" smtClean="0"/>
+              <a:rPr lang="en-US"/>
               <a:t>Click to edit Master text styles</a:t>
             </a:r>
           </a:p>
           <a:p>
             <a:pPr lvl="1"/>
             <a:r>
-              <a:rPr lang="en-US" smtClean="0"/>
+              <a:rPr lang="en-US"/>
               <a:t>Second level</a:t>
             </a:r>
           </a:p>
           <a:p>
             <a:pPr lvl="2"/>
             <a:r>
-              <a:rPr lang="en-US" smtClean="0"/>
+              <a:rPr lang="en-US"/>
               <a:t>Third level</a:t>
             </a:r>
           </a:p>
           <a:p>
             <a:pPr lvl="3"/>
             <a:r>
-              <a:rPr lang="en-US" smtClean="0"/>
+              <a:rPr lang="en-US"/>
               <a:t>Fourth level</a:t>
             </a:r>
           </a:p>
           <a:p>
             <a:pPr lvl="4"/>
             <a:r>
-              <a:rPr lang="en-US" smtClean="0"/>
+              <a:rPr lang="en-US"/>
               <a:t>Fifth level</a:t>
             </a:r>
-            <a:endParaRPr lang="en-US"/>
           </a:p>
         </p:txBody>
       </p:sp>
@@ -3796,10 +3802,9 @@
           </a:lstStyle>
           <a:p>
             <a:r>
-              <a:rPr lang="en-US" smtClean="0"/>
+              <a:rPr lang="en-US"/>
               <a:t>Click to edit Master title style</a:t>
             </a:r>
-            <a:endParaRPr lang="en-US"/>
           </a:p>
         </p:txBody>
       </p:sp>
@@ -3864,7 +3869,7 @@
           <a:p>
             <a:pPr lvl="0"/>
             <a:r>
-              <a:rPr lang="en-US" smtClean="0"/>
+              <a:rPr lang="en-US"/>
               <a:t>Click to edit Master text styles</a:t>
             </a:r>
           </a:p>
@@ -3931,7 +3936,7 @@
           <a:p>
             <a:pPr lvl="0"/>
             <a:r>
-              <a:rPr lang="en-US" smtClean="0"/>
+              <a:rPr lang="en-US"/>
               <a:t>Click to edit Master text styles</a:t>
             </a:r>
           </a:p>
@@ -3962,7 +3967,7 @@
                 </a:solidFill>
               </a:rPr>
               <a:pPr/>
-              <a:t>30/5/2017</a:t>
+              <a:t>30-May-17</a:t>
             </a:fld>
             <a:endParaRPr lang="en-US">
               <a:solidFill>
@@ -4061,35 +4066,35 @@
           <a:p>
             <a:pPr lvl="0"/>
             <a:r>
-              <a:rPr lang="en-US" smtClean="0"/>
+              <a:rPr lang="en-US"/>
               <a:t>Click to edit Master text styles</a:t>
             </a:r>
           </a:p>
           <a:p>
             <a:pPr lvl="1"/>
             <a:r>
-              <a:rPr lang="en-US" smtClean="0"/>
+              <a:rPr lang="en-US"/>
               <a:t>Second level</a:t>
             </a:r>
           </a:p>
           <a:p>
             <a:pPr lvl="2"/>
             <a:r>
-              <a:rPr lang="en-US" smtClean="0"/>
+              <a:rPr lang="en-US"/>
               <a:t>Third level</a:t>
             </a:r>
           </a:p>
           <a:p>
             <a:pPr lvl="3"/>
             <a:r>
-              <a:rPr lang="en-US" smtClean="0"/>
+              <a:rPr lang="en-US"/>
               <a:t>Fourth level</a:t>
             </a:r>
           </a:p>
           <a:p>
             <a:pPr lvl="4"/>
             <a:r>
-              <a:rPr lang="en-US" smtClean="0"/>
+              <a:rPr lang="en-US"/>
               <a:t>Fifth level</a:t>
             </a:r>
             <a:endParaRPr lang="en-US" dirty="0"/>
@@ -4118,35 +4123,35 @@
           <a:p>
             <a:pPr lvl="0"/>
             <a:r>
-              <a:rPr lang="en-US" smtClean="0"/>
+              <a:rPr lang="en-US"/>
               <a:t>Click to edit Master text styles</a:t>
             </a:r>
           </a:p>
           <a:p>
             <a:pPr lvl="1"/>
             <a:r>
-              <a:rPr lang="en-US" smtClean="0"/>
+              <a:rPr lang="en-US"/>
               <a:t>Second level</a:t>
             </a:r>
           </a:p>
           <a:p>
             <a:pPr lvl="2"/>
             <a:r>
-              <a:rPr lang="en-US" smtClean="0"/>
+              <a:rPr lang="en-US"/>
               <a:t>Third level</a:t>
             </a:r>
           </a:p>
           <a:p>
             <a:pPr lvl="3"/>
             <a:r>
-              <a:rPr lang="en-US" smtClean="0"/>
+              <a:rPr lang="en-US"/>
               <a:t>Fourth level</a:t>
             </a:r>
           </a:p>
           <a:p>
             <a:pPr lvl="4"/>
             <a:r>
-              <a:rPr lang="en-US" smtClean="0"/>
+              <a:rPr lang="en-US"/>
               <a:t>Fifth level</a:t>
             </a:r>
             <a:endParaRPr lang="en-US" dirty="0"/>
@@ -4199,7 +4204,7 @@
           <a:lstStyle/>
           <a:p>
             <a:r>
-              <a:rPr lang="en-US" smtClean="0"/>
+              <a:rPr lang="en-US"/>
               <a:t>Click to edit Master title style</a:t>
             </a:r>
             <a:endParaRPr lang="en-US" dirty="0"/>
@@ -4231,7 +4236,7 @@
                 </a:solidFill>
               </a:rPr>
               <a:pPr/>
-              <a:t>30/5/2017</a:t>
+              <a:t>30-May-17</a:t>
             </a:fld>
             <a:endParaRPr lang="en-US">
               <a:solidFill>
@@ -4363,7 +4368,7 @@
                 </a:solidFill>
               </a:rPr>
               <a:pPr/>
-              <a:t>30/5/2017</a:t>
+              <a:t>30-May-17</a:t>
             </a:fld>
             <a:endParaRPr lang="en-US">
               <a:solidFill>
@@ -4506,7 +4511,7 @@
           </a:lstStyle>
           <a:p>
             <a:r>
-              <a:rPr lang="en-US" smtClean="0"/>
+              <a:rPr lang="en-US"/>
               <a:t>Click to edit Master title style</a:t>
             </a:r>
             <a:endParaRPr lang="en-US" dirty="0"/>
@@ -4563,35 +4568,35 @@
           <a:p>
             <a:pPr lvl="0"/>
             <a:r>
-              <a:rPr lang="en-US" smtClean="0"/>
+              <a:rPr lang="en-US"/>
               <a:t>Click to edit Master text styles</a:t>
             </a:r>
           </a:p>
           <a:p>
             <a:pPr lvl="1"/>
             <a:r>
-              <a:rPr lang="en-US" smtClean="0"/>
+              <a:rPr lang="en-US"/>
               <a:t>Second level</a:t>
             </a:r>
           </a:p>
           <a:p>
             <a:pPr lvl="2"/>
             <a:r>
-              <a:rPr lang="en-US" smtClean="0"/>
+              <a:rPr lang="en-US"/>
               <a:t>Third level</a:t>
             </a:r>
           </a:p>
           <a:p>
             <a:pPr lvl="3"/>
             <a:r>
-              <a:rPr lang="en-US" smtClean="0"/>
+              <a:rPr lang="en-US"/>
               <a:t>Fourth level</a:t>
             </a:r>
           </a:p>
           <a:p>
             <a:pPr lvl="4"/>
             <a:r>
-              <a:rPr lang="en-US" smtClean="0"/>
+              <a:rPr lang="en-US"/>
               <a:t>Fifth level</a:t>
             </a:r>
             <a:endParaRPr lang="en-US" dirty="0"/>
@@ -4662,7 +4667,7 @@
           <a:p>
             <a:pPr lvl="0"/>
             <a:r>
-              <a:rPr lang="en-US" smtClean="0"/>
+              <a:rPr lang="en-US"/>
               <a:t>Click to edit Master text styles</a:t>
             </a:r>
           </a:p>
@@ -4693,7 +4698,7 @@
                 </a:solidFill>
               </a:rPr>
               <a:pPr/>
-              <a:t>30/5/2017</a:t>
+              <a:t>30-May-17</a:t>
             </a:fld>
             <a:endParaRPr lang="en-US">
               <a:solidFill>
@@ -4816,7 +4821,7 @@
           <a:lstStyle/>
           <a:p>
             <a:r>
-              <a:rPr lang="en-US" smtClean="0"/>
+              <a:rPr lang="en-US"/>
               <a:t>Click to edit Master title style</a:t>
             </a:r>
             <a:endParaRPr lang="en-US" dirty="0"/>
@@ -4858,38 +4863,38 @@
           <a:p>
             <a:pPr lvl="0"/>
             <a:r>
-              <a:rPr lang="en-US" smtClean="0"/>
+              <a:rPr lang="en-US"/>
               <a:t>Click to edit Master text styles</a:t>
             </a:r>
           </a:p>
           <a:p>
             <a:pPr lvl="1"/>
             <a:r>
-              <a:rPr lang="en-US" smtClean="0"/>
+              <a:rPr lang="en-US"/>
               <a:t>Second level</a:t>
             </a:r>
           </a:p>
           <a:p>
             <a:pPr lvl="2"/>
             <a:r>
-              <a:rPr lang="en-US" smtClean="0"/>
+              <a:rPr lang="en-US"/>
               <a:t>Third level</a:t>
             </a:r>
           </a:p>
           <a:p>
             <a:pPr lvl="3"/>
             <a:r>
-              <a:rPr lang="en-US" smtClean="0"/>
+              <a:rPr lang="en-US"/>
               <a:t>Fourth level</a:t>
             </a:r>
           </a:p>
           <a:p>
             <a:pPr lvl="4"/>
             <a:r>
-              <a:rPr lang="en-US" smtClean="0"/>
+              <a:rPr lang="en-US"/>
               <a:t>Fifth level</a:t>
             </a:r>
-            <a:endParaRPr lang="en-US" dirty="0" smtClean="0"/>
+            <a:endParaRPr lang="en-US" dirty="0"/>
           </a:p>
         </p:txBody>
       </p:sp>
@@ -4911,7 +4916,7 @@
             <a:fld id="{1D8BD707-D9CF-40AE-B4C6-C98DA3205C09}" type="datetimeFigureOut">
               <a:rPr lang="en-US" smtClean="0"/>
               <a:pPr/>
-              <a:t>30/5/2017</a:t>
+              <a:t>30-May-17</a:t>
             </a:fld>
             <a:endParaRPr lang="en-US"/>
           </a:p>
@@ -5013,7 +5018,7 @@
           </a:lstStyle>
           <a:p>
             <a:r>
-              <a:rPr lang="en-US" smtClean="0"/>
+              <a:rPr lang="en-US"/>
               <a:t>Click to edit Master title style</a:t>
             </a:r>
             <a:endParaRPr lang="en-US" dirty="0"/>
@@ -5090,7 +5095,7 @@
           </a:lstStyle>
           <a:p>
             <a:r>
-              <a:rPr lang="en-US" smtClean="0"/>
+              <a:rPr lang="en-US"/>
               <a:t>Click icon to add picture</a:t>
             </a:r>
             <a:endParaRPr lang="en-US" dirty="0"/>
@@ -5158,7 +5163,7 @@
           <a:p>
             <a:pPr lvl="0"/>
             <a:r>
-              <a:rPr lang="en-US" smtClean="0"/>
+              <a:rPr lang="en-US"/>
               <a:t>Click to edit Master text styles</a:t>
             </a:r>
           </a:p>
@@ -5189,7 +5194,7 @@
                 </a:solidFill>
               </a:rPr>
               <a:pPr/>
-              <a:t>30/5/2017</a:t>
+              <a:t>30-May-17</a:t>
             </a:fld>
             <a:endParaRPr lang="en-US">
               <a:solidFill>
@@ -5312,7 +5317,7 @@
           <a:lstStyle/>
           <a:p>
             <a:r>
-              <a:rPr lang="en-US" smtClean="0"/>
+              <a:rPr lang="en-US"/>
               <a:t>Click to edit Master title style</a:t>
             </a:r>
             <a:endParaRPr lang="en-US" dirty="0"/>
@@ -5336,38 +5341,37 @@
           <a:p>
             <a:pPr lvl="0"/>
             <a:r>
-              <a:rPr lang="en-US" smtClean="0"/>
+              <a:rPr lang="en-US"/>
               <a:t>Click to edit Master text styles</a:t>
             </a:r>
           </a:p>
           <a:p>
             <a:pPr lvl="1"/>
             <a:r>
-              <a:rPr lang="en-US" smtClean="0"/>
+              <a:rPr lang="en-US"/>
               <a:t>Second level</a:t>
             </a:r>
           </a:p>
           <a:p>
             <a:pPr lvl="2"/>
             <a:r>
-              <a:rPr lang="en-US" smtClean="0"/>
+              <a:rPr lang="en-US"/>
               <a:t>Third level</a:t>
             </a:r>
           </a:p>
           <a:p>
             <a:pPr lvl="3"/>
             <a:r>
-              <a:rPr lang="en-US" smtClean="0"/>
+              <a:rPr lang="en-US"/>
               <a:t>Fourth level</a:t>
             </a:r>
           </a:p>
           <a:p>
             <a:pPr lvl="4"/>
             <a:r>
-              <a:rPr lang="en-US" smtClean="0"/>
+              <a:rPr lang="en-US"/>
               <a:t>Fifth level</a:t>
             </a:r>
-            <a:endParaRPr lang="en-US"/>
           </a:p>
         </p:txBody>
       </p:sp>
@@ -5396,7 +5400,7 @@
                 </a:solidFill>
               </a:rPr>
               <a:pPr/>
-              <a:t>30/5/2017</a:t>
+              <a:t>30-May-17</a:t>
             </a:fld>
             <a:endParaRPr lang="en-US">
               <a:solidFill>
@@ -5524,7 +5528,7 @@
           <a:lstStyle/>
           <a:p>
             <a:r>
-              <a:rPr lang="en-US" smtClean="0"/>
+              <a:rPr lang="en-US"/>
               <a:t>Click to edit Master title style</a:t>
             </a:r>
             <a:endParaRPr lang="en-US" dirty="0"/>
@@ -5553,38 +5557,37 @@
           <a:p>
             <a:pPr lvl="0"/>
             <a:r>
-              <a:rPr lang="en-US" smtClean="0"/>
+              <a:rPr lang="en-US"/>
               <a:t>Click to edit Master text styles</a:t>
             </a:r>
           </a:p>
           <a:p>
             <a:pPr lvl="1"/>
             <a:r>
-              <a:rPr lang="en-US" smtClean="0"/>
+              <a:rPr lang="en-US"/>
               <a:t>Second level</a:t>
             </a:r>
           </a:p>
           <a:p>
             <a:pPr lvl="2"/>
             <a:r>
-              <a:rPr lang="en-US" smtClean="0"/>
+              <a:rPr lang="en-US"/>
               <a:t>Third level</a:t>
             </a:r>
           </a:p>
           <a:p>
             <a:pPr lvl="3"/>
             <a:r>
-              <a:rPr lang="en-US" smtClean="0"/>
+              <a:rPr lang="en-US"/>
               <a:t>Fourth level</a:t>
             </a:r>
           </a:p>
           <a:p>
             <a:pPr lvl="4"/>
             <a:r>
-              <a:rPr lang="en-US" smtClean="0"/>
+              <a:rPr lang="en-US"/>
               <a:t>Fifth level</a:t>
             </a:r>
-            <a:endParaRPr lang="en-US"/>
           </a:p>
         </p:txBody>
       </p:sp>
@@ -5613,7 +5616,7 @@
                 </a:solidFill>
               </a:rPr>
               <a:pPr/>
-              <a:t>30/5/2017</a:t>
+              <a:t>30-May-17</a:t>
             </a:fld>
             <a:endParaRPr lang="en-US">
               <a:solidFill>
@@ -5750,7 +5753,7 @@
           </a:lstStyle>
           <a:p>
             <a:r>
-              <a:rPr lang="en-US" smtClean="0"/>
+              <a:rPr lang="en-US"/>
               <a:t>Click to edit Master title style</a:t>
             </a:r>
             <a:endParaRPr lang="en-US" dirty="0"/>
@@ -5871,7 +5874,7 @@
           </a:lstStyle>
           <a:p>
             <a:r>
-              <a:rPr lang="en-US" smtClean="0"/>
+              <a:rPr lang="en-US"/>
               <a:t>Click to edit Master subtitle style</a:t>
             </a:r>
             <a:endParaRPr lang="en-US" dirty="0"/>
@@ -5903,7 +5906,7 @@
                 </a:solidFill>
               </a:rPr>
               <a:pPr/>
-              <a:t>30/5/2017</a:t>
+              <a:t>30-May-17</a:t>
             </a:fld>
             <a:endParaRPr lang="en-US">
               <a:solidFill>
@@ -6026,7 +6029,7 @@
           <a:lstStyle/>
           <a:p>
             <a:r>
-              <a:rPr lang="en-US" smtClean="0"/>
+              <a:rPr lang="en-US"/>
               <a:t>Click to edit Master title style</a:t>
             </a:r>
             <a:endParaRPr lang="en-US" dirty="0"/>
@@ -6068,38 +6071,38 @@
           <a:p>
             <a:pPr lvl="0"/>
             <a:r>
-              <a:rPr lang="en-US" smtClean="0"/>
+              <a:rPr lang="en-US"/>
               <a:t>Click to edit Master text styles</a:t>
             </a:r>
           </a:p>
           <a:p>
             <a:pPr lvl="1"/>
             <a:r>
-              <a:rPr lang="en-US" smtClean="0"/>
+              <a:rPr lang="en-US"/>
               <a:t>Second level</a:t>
             </a:r>
           </a:p>
           <a:p>
             <a:pPr lvl="2"/>
             <a:r>
-              <a:rPr lang="en-US" smtClean="0"/>
+              <a:rPr lang="en-US"/>
               <a:t>Third level</a:t>
             </a:r>
           </a:p>
           <a:p>
             <a:pPr lvl="3"/>
             <a:r>
-              <a:rPr lang="en-US" smtClean="0"/>
+              <a:rPr lang="en-US"/>
               <a:t>Fourth level</a:t>
             </a:r>
           </a:p>
           <a:p>
             <a:pPr lvl="4"/>
             <a:r>
-              <a:rPr lang="en-US" smtClean="0"/>
+              <a:rPr lang="en-US"/>
               <a:t>Fifth level</a:t>
             </a:r>
-            <a:endParaRPr lang="en-US" dirty="0" smtClean="0"/>
+            <a:endParaRPr lang="en-US" dirty="0"/>
           </a:p>
         </p:txBody>
       </p:sp>
@@ -6128,7 +6131,7 @@
                 </a:solidFill>
               </a:rPr>
               <a:pPr/>
-              <a:t>30/5/2017</a:t>
+              <a:t>30-May-17</a:t>
             </a:fld>
             <a:endParaRPr lang="en-US">
               <a:solidFill>
@@ -6281,7 +6284,7 @@
           </a:lstStyle>
           <a:p>
             <a:r>
-              <a:rPr lang="en-US" smtClean="0"/>
+              <a:rPr lang="en-US"/>
               <a:t>Click to edit Master title style</a:t>
             </a:r>
             <a:endParaRPr lang="en-US" dirty="0"/>
@@ -6401,7 +6404,7 @@
           <a:p>
             <a:pPr lvl="0"/>
             <a:r>
-              <a:rPr lang="en-US" smtClean="0"/>
+              <a:rPr lang="en-US"/>
               <a:t>Click to edit Master text styles</a:t>
             </a:r>
           </a:p>
@@ -6432,7 +6435,7 @@
                 </a:solidFill>
               </a:rPr>
               <a:pPr/>
-              <a:t>30/5/2017</a:t>
+              <a:t>30-May-17</a:t>
             </a:fld>
             <a:endParaRPr lang="en-US">
               <a:solidFill>
@@ -6717,10 +6720,9 @@
           <a:lstStyle/>
           <a:p>
             <a:r>
-              <a:rPr lang="en-US" smtClean="0"/>
+              <a:rPr lang="en-US"/>
               <a:t>Click to edit Master title style</a:t>
             </a:r>
-            <a:endParaRPr lang="en-US"/>
           </a:p>
         </p:txBody>
       </p:sp>
@@ -6774,38 +6776,38 @@
           <a:p>
             <a:pPr lvl="0"/>
             <a:r>
-              <a:rPr lang="en-US" smtClean="0"/>
+              <a:rPr lang="en-US"/>
               <a:t>Click to edit Master text styles</a:t>
             </a:r>
           </a:p>
           <a:p>
             <a:pPr lvl="1"/>
             <a:r>
-              <a:rPr lang="en-US" smtClean="0"/>
+              <a:rPr lang="en-US"/>
               <a:t>Second level</a:t>
             </a:r>
           </a:p>
           <a:p>
             <a:pPr lvl="2"/>
             <a:r>
-              <a:rPr lang="en-US" smtClean="0"/>
+              <a:rPr lang="en-US"/>
               <a:t>Third level</a:t>
             </a:r>
           </a:p>
           <a:p>
             <a:pPr lvl="3"/>
             <a:r>
-              <a:rPr lang="en-US" smtClean="0"/>
+              <a:rPr lang="en-US"/>
               <a:t>Fourth level</a:t>
             </a:r>
           </a:p>
           <a:p>
             <a:pPr lvl="4"/>
             <a:r>
-              <a:rPr lang="en-US" smtClean="0"/>
+              <a:rPr lang="en-US"/>
               <a:t>Fifth level</a:t>
             </a:r>
-            <a:endParaRPr lang="en-US" dirty="0" smtClean="0"/>
+            <a:endParaRPr lang="en-US" dirty="0"/>
           </a:p>
         </p:txBody>
       </p:sp>
@@ -6834,7 +6836,7 @@
                 </a:solidFill>
               </a:rPr>
               <a:pPr/>
-              <a:t>30/5/2017</a:t>
+              <a:t>30-May-17</a:t>
             </a:fld>
             <a:endParaRPr lang="en-US">
               <a:solidFill>
@@ -6933,38 +6935,37 @@
           <a:p>
             <a:pPr lvl="0"/>
             <a:r>
-              <a:rPr lang="en-US" smtClean="0"/>
+              <a:rPr lang="en-US"/>
               <a:t>Click to edit Master text styles</a:t>
             </a:r>
           </a:p>
           <a:p>
             <a:pPr lvl="1"/>
             <a:r>
-              <a:rPr lang="en-US" smtClean="0"/>
+              <a:rPr lang="en-US"/>
               <a:t>Second level</a:t>
             </a:r>
           </a:p>
           <a:p>
             <a:pPr lvl="2"/>
             <a:r>
-              <a:rPr lang="en-US" smtClean="0"/>
+              <a:rPr lang="en-US"/>
               <a:t>Third level</a:t>
             </a:r>
           </a:p>
           <a:p>
             <a:pPr lvl="3"/>
             <a:r>
-              <a:rPr lang="en-US" smtClean="0"/>
+              <a:rPr lang="en-US"/>
               <a:t>Fourth level</a:t>
             </a:r>
           </a:p>
           <a:p>
             <a:pPr lvl="4"/>
             <a:r>
-              <a:rPr lang="en-US" smtClean="0"/>
+              <a:rPr lang="en-US"/>
               <a:t>Fifth level</a:t>
             </a:r>
-            <a:endParaRPr lang="en-US"/>
           </a:p>
         </p:txBody>
       </p:sp>
@@ -7018,10 +7019,9 @@
           </a:lstStyle>
           <a:p>
             <a:r>
-              <a:rPr lang="en-US" smtClean="0"/>
+              <a:rPr lang="en-US"/>
               <a:t>Click to edit Master title style</a:t>
             </a:r>
-            <a:endParaRPr lang="en-US"/>
           </a:p>
         </p:txBody>
       </p:sp>
@@ -7086,7 +7086,7 @@
           <a:p>
             <a:pPr lvl="0"/>
             <a:r>
-              <a:rPr lang="en-US" smtClean="0"/>
+              <a:rPr lang="en-US"/>
               <a:t>Click to edit Master text styles</a:t>
             </a:r>
           </a:p>
@@ -7153,7 +7153,7 @@
           <a:p>
             <a:pPr lvl="0"/>
             <a:r>
-              <a:rPr lang="en-US" smtClean="0"/>
+              <a:rPr lang="en-US"/>
               <a:t>Click to edit Master text styles</a:t>
             </a:r>
           </a:p>
@@ -7184,7 +7184,7 @@
                 </a:solidFill>
               </a:rPr>
               <a:pPr/>
-              <a:t>30/5/2017</a:t>
+              <a:t>30-May-17</a:t>
             </a:fld>
             <a:endParaRPr lang="en-US">
               <a:solidFill>
@@ -7283,35 +7283,35 @@
           <a:p>
             <a:pPr lvl="0"/>
             <a:r>
-              <a:rPr lang="en-US" smtClean="0"/>
+              <a:rPr lang="en-US"/>
               <a:t>Click to edit Master text styles</a:t>
             </a:r>
           </a:p>
           <a:p>
             <a:pPr lvl="1"/>
             <a:r>
-              <a:rPr lang="en-US" smtClean="0"/>
+              <a:rPr lang="en-US"/>
               <a:t>Second level</a:t>
             </a:r>
           </a:p>
           <a:p>
             <a:pPr lvl="2"/>
             <a:r>
-              <a:rPr lang="en-US" smtClean="0"/>
+              <a:rPr lang="en-US"/>
               <a:t>Third level</a:t>
             </a:r>
           </a:p>
           <a:p>
             <a:pPr lvl="3"/>
             <a:r>
-              <a:rPr lang="en-US" smtClean="0"/>
+              <a:rPr lang="en-US"/>
               <a:t>Fourth level</a:t>
             </a:r>
           </a:p>
           <a:p>
             <a:pPr lvl="4"/>
             <a:r>
-              <a:rPr lang="en-US" smtClean="0"/>
+              <a:rPr lang="en-US"/>
               <a:t>Fifth level</a:t>
             </a:r>
             <a:endParaRPr lang="en-US" dirty="0"/>
@@ -7340,35 +7340,35 @@
           <a:p>
             <a:pPr lvl="0"/>
             <a:r>
-              <a:rPr lang="en-US" smtClean="0"/>
+              <a:rPr lang="en-US"/>
               <a:t>Click to edit Master text styles</a:t>
             </a:r>
           </a:p>
           <a:p>
             <a:pPr lvl="1"/>
             <a:r>
-              <a:rPr lang="en-US" smtClean="0"/>
+              <a:rPr lang="en-US"/>
               <a:t>Second level</a:t>
             </a:r>
           </a:p>
           <a:p>
             <a:pPr lvl="2"/>
             <a:r>
-              <a:rPr lang="en-US" smtClean="0"/>
+              <a:rPr lang="en-US"/>
               <a:t>Third level</a:t>
             </a:r>
           </a:p>
           <a:p>
             <a:pPr lvl="3"/>
             <a:r>
-              <a:rPr lang="en-US" smtClean="0"/>
+              <a:rPr lang="en-US"/>
               <a:t>Fourth level</a:t>
             </a:r>
           </a:p>
           <a:p>
             <a:pPr lvl="4"/>
             <a:r>
-              <a:rPr lang="en-US" smtClean="0"/>
+              <a:rPr lang="en-US"/>
               <a:t>Fifth level</a:t>
             </a:r>
             <a:endParaRPr lang="en-US" dirty="0"/>
@@ -7421,7 +7421,7 @@
           <a:lstStyle/>
           <a:p>
             <a:r>
-              <a:rPr lang="en-US" smtClean="0"/>
+              <a:rPr lang="en-US"/>
               <a:t>Click to edit Master title style</a:t>
             </a:r>
             <a:endParaRPr lang="en-US" dirty="0"/>
@@ -7453,7 +7453,7 @@
                 </a:solidFill>
               </a:rPr>
               <a:pPr/>
-              <a:t>30/5/2017</a:t>
+              <a:t>30-May-17</a:t>
             </a:fld>
             <a:endParaRPr lang="en-US">
               <a:solidFill>
@@ -7585,7 +7585,7 @@
                 </a:solidFill>
               </a:rPr>
               <a:pPr/>
-              <a:t>30/5/2017</a:t>
+              <a:t>30-May-17</a:t>
             </a:fld>
             <a:endParaRPr lang="en-US">
               <a:solidFill>
@@ -7738,7 +7738,7 @@
           </a:lstStyle>
           <a:p>
             <a:r>
-              <a:rPr lang="en-US" smtClean="0"/>
+              <a:rPr lang="en-US"/>
               <a:t>Click to edit Master title style</a:t>
             </a:r>
             <a:endParaRPr lang="en-US" dirty="0"/>
@@ -7858,7 +7858,7 @@
           <a:p>
             <a:pPr lvl="0"/>
             <a:r>
-              <a:rPr lang="en-US" smtClean="0"/>
+              <a:rPr lang="en-US"/>
               <a:t>Click to edit Master text styles</a:t>
             </a:r>
           </a:p>
@@ -7882,7 +7882,7 @@
             <a:fld id="{1D8BD707-D9CF-40AE-B4C6-C98DA3205C09}" type="datetimeFigureOut">
               <a:rPr lang="en-US" smtClean="0"/>
               <a:pPr/>
-              <a:t>30/5/2017</a:t>
+              <a:t>30-May-17</a:t>
             </a:fld>
             <a:endParaRPr lang="en-US"/>
           </a:p>
@@ -8142,7 +8142,7 @@
           </a:lstStyle>
           <a:p>
             <a:r>
-              <a:rPr lang="en-US" smtClean="0"/>
+              <a:rPr lang="en-US"/>
               <a:t>Click to edit Master title style</a:t>
             </a:r>
             <a:endParaRPr lang="en-US" dirty="0"/>
@@ -8199,35 +8199,35 @@
           <a:p>
             <a:pPr lvl="0"/>
             <a:r>
-              <a:rPr lang="en-US" smtClean="0"/>
+              <a:rPr lang="en-US"/>
               <a:t>Click to edit Master text styles</a:t>
             </a:r>
           </a:p>
           <a:p>
             <a:pPr lvl="1"/>
             <a:r>
-              <a:rPr lang="en-US" smtClean="0"/>
+              <a:rPr lang="en-US"/>
               <a:t>Second level</a:t>
             </a:r>
           </a:p>
           <a:p>
             <a:pPr lvl="2"/>
             <a:r>
-              <a:rPr lang="en-US" smtClean="0"/>
+              <a:rPr lang="en-US"/>
               <a:t>Third level</a:t>
             </a:r>
           </a:p>
           <a:p>
             <a:pPr lvl="3"/>
             <a:r>
-              <a:rPr lang="en-US" smtClean="0"/>
+              <a:rPr lang="en-US"/>
               <a:t>Fourth level</a:t>
             </a:r>
           </a:p>
           <a:p>
             <a:pPr lvl="4"/>
             <a:r>
-              <a:rPr lang="en-US" smtClean="0"/>
+              <a:rPr lang="en-US"/>
               <a:t>Fifth level</a:t>
             </a:r>
             <a:endParaRPr lang="en-US" dirty="0"/>
@@ -8298,7 +8298,7 @@
           <a:p>
             <a:pPr lvl="0"/>
             <a:r>
-              <a:rPr lang="en-US" smtClean="0"/>
+              <a:rPr lang="en-US"/>
               <a:t>Click to edit Master text styles</a:t>
             </a:r>
           </a:p>
@@ -8329,7 +8329,7 @@
                 </a:solidFill>
               </a:rPr>
               <a:pPr/>
-              <a:t>30/5/2017</a:t>
+              <a:t>30-May-17</a:t>
             </a:fld>
             <a:endParaRPr lang="en-US">
               <a:solidFill>
@@ -8464,7 +8464,7 @@
           </a:lstStyle>
           <a:p>
             <a:r>
-              <a:rPr lang="en-US" smtClean="0"/>
+              <a:rPr lang="en-US"/>
               <a:t>Click to edit Master title style</a:t>
             </a:r>
             <a:endParaRPr lang="en-US" dirty="0"/>
@@ -8541,7 +8541,7 @@
           </a:lstStyle>
           <a:p>
             <a:r>
-              <a:rPr lang="en-US" smtClean="0"/>
+              <a:rPr lang="en-US"/>
               <a:t>Click icon to add picture</a:t>
             </a:r>
             <a:endParaRPr lang="en-US" dirty="0"/>
@@ -8609,7 +8609,7 @@
           <a:p>
             <a:pPr lvl="0"/>
             <a:r>
-              <a:rPr lang="en-US" smtClean="0"/>
+              <a:rPr lang="en-US"/>
               <a:t>Click to edit Master text styles</a:t>
             </a:r>
           </a:p>
@@ -8640,7 +8640,7 @@
                 </a:solidFill>
               </a:rPr>
               <a:pPr/>
-              <a:t>30/5/2017</a:t>
+              <a:t>30-May-17</a:t>
             </a:fld>
             <a:endParaRPr lang="en-US">
               <a:solidFill>
@@ -8763,7 +8763,7 @@
           <a:lstStyle/>
           <a:p>
             <a:r>
-              <a:rPr lang="en-US" smtClean="0"/>
+              <a:rPr lang="en-US"/>
               <a:t>Click to edit Master title style</a:t>
             </a:r>
             <a:endParaRPr lang="en-US" dirty="0"/>
@@ -8787,38 +8787,37 @@
           <a:p>
             <a:pPr lvl="0"/>
             <a:r>
-              <a:rPr lang="en-US" smtClean="0"/>
+              <a:rPr lang="en-US"/>
               <a:t>Click to edit Master text styles</a:t>
             </a:r>
           </a:p>
           <a:p>
             <a:pPr lvl="1"/>
             <a:r>
-              <a:rPr lang="en-US" smtClean="0"/>
+              <a:rPr lang="en-US"/>
               <a:t>Second level</a:t>
             </a:r>
           </a:p>
           <a:p>
             <a:pPr lvl="2"/>
             <a:r>
-              <a:rPr lang="en-US" smtClean="0"/>
+              <a:rPr lang="en-US"/>
               <a:t>Third level</a:t>
             </a:r>
           </a:p>
           <a:p>
             <a:pPr lvl="3"/>
             <a:r>
-              <a:rPr lang="en-US" smtClean="0"/>
+              <a:rPr lang="en-US"/>
               <a:t>Fourth level</a:t>
             </a:r>
           </a:p>
           <a:p>
             <a:pPr lvl="4"/>
             <a:r>
-              <a:rPr lang="en-US" smtClean="0"/>
+              <a:rPr lang="en-US"/>
               <a:t>Fifth level</a:t>
             </a:r>
-            <a:endParaRPr lang="en-US"/>
           </a:p>
         </p:txBody>
       </p:sp>
@@ -8847,7 +8846,7 @@
                 </a:solidFill>
               </a:rPr>
               <a:pPr/>
-              <a:t>30/5/2017</a:t>
+              <a:t>30-May-17</a:t>
             </a:fld>
             <a:endParaRPr lang="en-US">
               <a:solidFill>
@@ -8975,7 +8974,7 @@
           <a:lstStyle/>
           <a:p>
             <a:r>
-              <a:rPr lang="en-US" smtClean="0"/>
+              <a:rPr lang="en-US"/>
               <a:t>Click to edit Master title style</a:t>
             </a:r>
             <a:endParaRPr lang="en-US" dirty="0"/>
@@ -9004,38 +9003,37 @@
           <a:p>
             <a:pPr lvl="0"/>
             <a:r>
-              <a:rPr lang="en-US" smtClean="0"/>
+              <a:rPr lang="en-US"/>
               <a:t>Click to edit Master text styles</a:t>
             </a:r>
           </a:p>
           <a:p>
             <a:pPr lvl="1"/>
             <a:r>
-              <a:rPr lang="en-US" smtClean="0"/>
+              <a:rPr lang="en-US"/>
               <a:t>Second level</a:t>
             </a:r>
           </a:p>
           <a:p>
             <a:pPr lvl="2"/>
             <a:r>
-              <a:rPr lang="en-US" smtClean="0"/>
+              <a:rPr lang="en-US"/>
               <a:t>Third level</a:t>
             </a:r>
           </a:p>
           <a:p>
             <a:pPr lvl="3"/>
             <a:r>
-              <a:rPr lang="en-US" smtClean="0"/>
+              <a:rPr lang="en-US"/>
               <a:t>Fourth level</a:t>
             </a:r>
           </a:p>
           <a:p>
             <a:pPr lvl="4"/>
             <a:r>
-              <a:rPr lang="en-US" smtClean="0"/>
+              <a:rPr lang="en-US"/>
               <a:t>Fifth level</a:t>
             </a:r>
-            <a:endParaRPr lang="en-US"/>
           </a:p>
         </p:txBody>
       </p:sp>
@@ -9064,7 +9062,7 @@
                 </a:solidFill>
               </a:rPr>
               <a:pPr/>
-              <a:t>30/5/2017</a:t>
+              <a:t>30-May-17</a:t>
             </a:fld>
             <a:endParaRPr lang="en-US">
               <a:solidFill>
@@ -9201,7 +9199,7 @@
           </a:lstStyle>
           <a:p>
             <a:r>
-              <a:rPr lang="en-US" smtClean="0"/>
+              <a:rPr lang="en-US"/>
               <a:t>Click to edit Master title style</a:t>
             </a:r>
             <a:endParaRPr lang="en-US" dirty="0"/>
@@ -9322,7 +9320,7 @@
           </a:lstStyle>
           <a:p>
             <a:r>
-              <a:rPr lang="en-US" smtClean="0"/>
+              <a:rPr lang="en-US"/>
               <a:t>Click to edit Master subtitle style</a:t>
             </a:r>
             <a:endParaRPr lang="en-US" dirty="0"/>
@@ -9354,7 +9352,7 @@
                 </a:solidFill>
               </a:rPr>
               <a:pPr/>
-              <a:t>30/5/2017</a:t>
+              <a:t>30-May-17</a:t>
             </a:fld>
             <a:endParaRPr lang="en-US">
               <a:solidFill>
@@ -9477,7 +9475,7 @@
           <a:lstStyle/>
           <a:p>
             <a:r>
-              <a:rPr lang="en-US" smtClean="0"/>
+              <a:rPr lang="en-US"/>
               <a:t>Click to edit Master title style</a:t>
             </a:r>
             <a:endParaRPr lang="en-US" dirty="0"/>
@@ -9519,38 +9517,38 @@
           <a:p>
             <a:pPr lvl="0"/>
             <a:r>
-              <a:rPr lang="en-US" smtClean="0"/>
+              <a:rPr lang="en-US"/>
               <a:t>Click to edit Master text styles</a:t>
             </a:r>
           </a:p>
           <a:p>
             <a:pPr lvl="1"/>
             <a:r>
-              <a:rPr lang="en-US" smtClean="0"/>
+              <a:rPr lang="en-US"/>
               <a:t>Second level</a:t>
             </a:r>
           </a:p>
           <a:p>
             <a:pPr lvl="2"/>
             <a:r>
-              <a:rPr lang="en-US" smtClean="0"/>
+              <a:rPr lang="en-US"/>
               <a:t>Third level</a:t>
             </a:r>
           </a:p>
           <a:p>
             <a:pPr lvl="3"/>
             <a:r>
-              <a:rPr lang="en-US" smtClean="0"/>
+              <a:rPr lang="en-US"/>
               <a:t>Fourth level</a:t>
             </a:r>
           </a:p>
           <a:p>
             <a:pPr lvl="4"/>
             <a:r>
-              <a:rPr lang="en-US" smtClean="0"/>
+              <a:rPr lang="en-US"/>
               <a:t>Fifth level</a:t>
             </a:r>
-            <a:endParaRPr lang="en-US" dirty="0" smtClean="0"/>
+            <a:endParaRPr lang="en-US" dirty="0"/>
           </a:p>
         </p:txBody>
       </p:sp>
@@ -9579,7 +9577,7 @@
                 </a:solidFill>
               </a:rPr>
               <a:pPr/>
-              <a:t>30/5/2017</a:t>
+              <a:t>30-May-17</a:t>
             </a:fld>
             <a:endParaRPr lang="en-US">
               <a:solidFill>
@@ -9732,7 +9730,7 @@
           </a:lstStyle>
           <a:p>
             <a:r>
-              <a:rPr lang="en-US" smtClean="0"/>
+              <a:rPr lang="en-US"/>
               <a:t>Click to edit Master title style</a:t>
             </a:r>
             <a:endParaRPr lang="en-US" dirty="0"/>
@@ -9852,7 +9850,7 @@
           <a:p>
             <a:pPr lvl="0"/>
             <a:r>
-              <a:rPr lang="en-US" smtClean="0"/>
+              <a:rPr lang="en-US"/>
               <a:t>Click to edit Master text styles</a:t>
             </a:r>
           </a:p>
@@ -9883,7 +9881,7 @@
                 </a:solidFill>
               </a:rPr>
               <a:pPr/>
-              <a:t>30/5/2017</a:t>
+              <a:t>30-May-17</a:t>
             </a:fld>
             <a:endParaRPr lang="en-US">
               <a:solidFill>
@@ -10168,10 +10166,9 @@
           <a:lstStyle/>
           <a:p>
             <a:r>
-              <a:rPr lang="en-US" smtClean="0"/>
+              <a:rPr lang="en-US"/>
               <a:t>Click to edit Master title style</a:t>
             </a:r>
-            <a:endParaRPr lang="en-US"/>
           </a:p>
         </p:txBody>
       </p:sp>
@@ -10225,38 +10222,38 @@
           <a:p>
             <a:pPr lvl="0"/>
             <a:r>
-              <a:rPr lang="en-US" smtClean="0"/>
+              <a:rPr lang="en-US"/>
               <a:t>Click to edit Master text styles</a:t>
             </a:r>
           </a:p>
           <a:p>
             <a:pPr lvl="1"/>
             <a:r>
-              <a:rPr lang="en-US" smtClean="0"/>
+              <a:rPr lang="en-US"/>
               <a:t>Second level</a:t>
             </a:r>
           </a:p>
           <a:p>
             <a:pPr lvl="2"/>
             <a:r>
-              <a:rPr lang="en-US" smtClean="0"/>
+              <a:rPr lang="en-US"/>
               <a:t>Third level</a:t>
             </a:r>
           </a:p>
           <a:p>
             <a:pPr lvl="3"/>
             <a:r>
-              <a:rPr lang="en-US" smtClean="0"/>
+              <a:rPr lang="en-US"/>
               <a:t>Fourth level</a:t>
             </a:r>
           </a:p>
           <a:p>
             <a:pPr lvl="4"/>
             <a:r>
-              <a:rPr lang="en-US" smtClean="0"/>
+              <a:rPr lang="en-US"/>
               <a:t>Fifth level</a:t>
             </a:r>
-            <a:endParaRPr lang="en-US" dirty="0" smtClean="0"/>
+            <a:endParaRPr lang="en-US" dirty="0"/>
           </a:p>
         </p:txBody>
       </p:sp>
@@ -10285,7 +10282,7 @@
                 </a:solidFill>
               </a:rPr>
               <a:pPr/>
-              <a:t>30/5/2017</a:t>
+              <a:t>30-May-17</a:t>
             </a:fld>
             <a:endParaRPr lang="en-US">
               <a:solidFill>
@@ -10384,38 +10381,37 @@
           <a:p>
             <a:pPr lvl="0"/>
             <a:r>
-              <a:rPr lang="en-US" smtClean="0"/>
+              <a:rPr lang="en-US"/>
               <a:t>Click to edit Master text styles</a:t>
             </a:r>
           </a:p>
           <a:p>
             <a:pPr lvl="1"/>
             <a:r>
-              <a:rPr lang="en-US" smtClean="0"/>
+              <a:rPr lang="en-US"/>
               <a:t>Second level</a:t>
             </a:r>
           </a:p>
           <a:p>
             <a:pPr lvl="2"/>
             <a:r>
-              <a:rPr lang="en-US" smtClean="0"/>
+              <a:rPr lang="en-US"/>
               <a:t>Third level</a:t>
             </a:r>
           </a:p>
           <a:p>
             <a:pPr lvl="3"/>
             <a:r>
-              <a:rPr lang="en-US" smtClean="0"/>
+              <a:rPr lang="en-US"/>
               <a:t>Fourth level</a:t>
             </a:r>
           </a:p>
           <a:p>
             <a:pPr lvl="4"/>
             <a:r>
-              <a:rPr lang="en-US" smtClean="0"/>
+              <a:rPr lang="en-US"/>
               <a:t>Fifth level</a:t>
             </a:r>
-            <a:endParaRPr lang="en-US"/>
           </a:p>
         </p:txBody>
       </p:sp>
@@ -10469,10 +10465,9 @@
           </a:lstStyle>
           <a:p>
             <a:r>
-              <a:rPr lang="en-US" smtClean="0"/>
+              <a:rPr lang="en-US"/>
               <a:t>Click to edit Master title style</a:t>
             </a:r>
-            <a:endParaRPr lang="en-US"/>
           </a:p>
         </p:txBody>
       </p:sp>
@@ -10537,7 +10532,7 @@
           <a:p>
             <a:pPr lvl="0"/>
             <a:r>
-              <a:rPr lang="en-US" smtClean="0"/>
+              <a:rPr lang="en-US"/>
               <a:t>Click to edit Master text styles</a:t>
             </a:r>
           </a:p>
@@ -10604,7 +10599,7 @@
           <a:p>
             <a:pPr lvl="0"/>
             <a:r>
-              <a:rPr lang="en-US" smtClean="0"/>
+              <a:rPr lang="en-US"/>
               <a:t>Click to edit Master text styles</a:t>
             </a:r>
           </a:p>
@@ -10635,7 +10630,7 @@
                 </a:solidFill>
               </a:rPr>
               <a:pPr/>
-              <a:t>30/5/2017</a:t>
+              <a:t>30-May-17</a:t>
             </a:fld>
             <a:endParaRPr lang="en-US">
               <a:solidFill>
@@ -10734,35 +10729,35 @@
           <a:p>
             <a:pPr lvl="0"/>
             <a:r>
-              <a:rPr lang="en-US" smtClean="0"/>
+              <a:rPr lang="en-US"/>
               <a:t>Click to edit Master text styles</a:t>
             </a:r>
           </a:p>
           <a:p>
             <a:pPr lvl="1"/>
             <a:r>
-              <a:rPr lang="en-US" smtClean="0"/>
+              <a:rPr lang="en-US"/>
               <a:t>Second level</a:t>
             </a:r>
           </a:p>
           <a:p>
             <a:pPr lvl="2"/>
             <a:r>
-              <a:rPr lang="en-US" smtClean="0"/>
+              <a:rPr lang="en-US"/>
               <a:t>Third level</a:t>
             </a:r>
           </a:p>
           <a:p>
             <a:pPr lvl="3"/>
             <a:r>
-              <a:rPr lang="en-US" smtClean="0"/>
+              <a:rPr lang="en-US"/>
               <a:t>Fourth level</a:t>
             </a:r>
           </a:p>
           <a:p>
             <a:pPr lvl="4"/>
             <a:r>
-              <a:rPr lang="en-US" smtClean="0"/>
+              <a:rPr lang="en-US"/>
               <a:t>Fifth level</a:t>
             </a:r>
             <a:endParaRPr lang="en-US" dirty="0"/>
@@ -10791,35 +10786,35 @@
           <a:p>
             <a:pPr lvl="0"/>
             <a:r>
-              <a:rPr lang="en-US" smtClean="0"/>
+              <a:rPr lang="en-US"/>
               <a:t>Click to edit Master text styles</a:t>
             </a:r>
           </a:p>
           <a:p>
             <a:pPr lvl="1"/>
             <a:r>
-              <a:rPr lang="en-US" smtClean="0"/>
+              <a:rPr lang="en-US"/>
               <a:t>Second level</a:t>
             </a:r>
           </a:p>
           <a:p>
             <a:pPr lvl="2"/>
             <a:r>
-              <a:rPr lang="en-US" smtClean="0"/>
+              <a:rPr lang="en-US"/>
               <a:t>Third level</a:t>
             </a:r>
           </a:p>
           <a:p>
             <a:pPr lvl="3"/>
             <a:r>
-              <a:rPr lang="en-US" smtClean="0"/>
+              <a:rPr lang="en-US"/>
               <a:t>Fourth level</a:t>
             </a:r>
           </a:p>
           <a:p>
             <a:pPr lvl="4"/>
             <a:r>
-              <a:rPr lang="en-US" smtClean="0"/>
+              <a:rPr lang="en-US"/>
               <a:t>Fifth level</a:t>
             </a:r>
             <a:endParaRPr lang="en-US" dirty="0"/>
@@ -10872,7 +10867,7 @@
           <a:lstStyle/>
           <a:p>
             <a:r>
-              <a:rPr lang="en-US" smtClean="0"/>
+              <a:rPr lang="en-US"/>
               <a:t>Click to edit Master title style</a:t>
             </a:r>
             <a:endParaRPr lang="en-US" dirty="0"/>
@@ -10904,7 +10899,7 @@
                 </a:solidFill>
               </a:rPr>
               <a:pPr/>
-              <a:t>30/5/2017</a:t>
+              <a:t>30-May-17</a:t>
             </a:fld>
             <a:endParaRPr lang="en-US">
               <a:solidFill>
@@ -11027,10 +11022,9 @@
           <a:lstStyle/>
           <a:p>
             <a:r>
-              <a:rPr lang="en-US" smtClean="0"/>
+              <a:rPr lang="en-US"/>
               <a:t>Click to edit Master title style</a:t>
             </a:r>
-            <a:endParaRPr lang="en-US"/>
           </a:p>
         </p:txBody>
       </p:sp>
@@ -11084,38 +11078,38 @@
           <a:p>
             <a:pPr lvl="0"/>
             <a:r>
-              <a:rPr lang="en-US" smtClean="0"/>
+              <a:rPr lang="en-US"/>
               <a:t>Click to edit Master text styles</a:t>
             </a:r>
           </a:p>
           <a:p>
             <a:pPr lvl="1"/>
             <a:r>
-              <a:rPr lang="en-US" smtClean="0"/>
+              <a:rPr lang="en-US"/>
               <a:t>Second level</a:t>
             </a:r>
           </a:p>
           <a:p>
             <a:pPr lvl="2"/>
             <a:r>
-              <a:rPr lang="en-US" smtClean="0"/>
+              <a:rPr lang="en-US"/>
               <a:t>Third level</a:t>
             </a:r>
           </a:p>
           <a:p>
             <a:pPr lvl="3"/>
             <a:r>
-              <a:rPr lang="en-US" smtClean="0"/>
+              <a:rPr lang="en-US"/>
               <a:t>Fourth level</a:t>
             </a:r>
           </a:p>
           <a:p>
             <a:pPr lvl="4"/>
             <a:r>
-              <a:rPr lang="en-US" smtClean="0"/>
+              <a:rPr lang="en-US"/>
               <a:t>Fifth level</a:t>
             </a:r>
-            <a:endParaRPr lang="en-US" dirty="0" smtClean="0"/>
+            <a:endParaRPr lang="en-US" dirty="0"/>
           </a:p>
         </p:txBody>
       </p:sp>
@@ -11137,7 +11131,7 @@
             <a:fld id="{1D8BD707-D9CF-40AE-B4C6-C98DA3205C09}" type="datetimeFigureOut">
               <a:rPr lang="en-US" smtClean="0"/>
               <a:pPr/>
-              <a:t>30/5/2017</a:t>
+              <a:t>30-May-17</a:t>
             </a:fld>
             <a:endParaRPr lang="en-US"/>
           </a:p>
@@ -11208,38 +11202,37 @@
           <a:p>
             <a:pPr lvl="0"/>
             <a:r>
-              <a:rPr lang="en-US" smtClean="0"/>
+              <a:rPr lang="en-US"/>
               <a:t>Click to edit Master text styles</a:t>
             </a:r>
           </a:p>
           <a:p>
             <a:pPr lvl="1"/>
             <a:r>
-              <a:rPr lang="en-US" smtClean="0"/>
+              <a:rPr lang="en-US"/>
               <a:t>Second level</a:t>
             </a:r>
           </a:p>
           <a:p>
             <a:pPr lvl="2"/>
             <a:r>
-              <a:rPr lang="en-US" smtClean="0"/>
+              <a:rPr lang="en-US"/>
               <a:t>Third level</a:t>
             </a:r>
           </a:p>
           <a:p>
             <a:pPr lvl="3"/>
             <a:r>
-              <a:rPr lang="en-US" smtClean="0"/>
+              <a:rPr lang="en-US"/>
               <a:t>Fourth level</a:t>
             </a:r>
           </a:p>
           <a:p>
             <a:pPr lvl="4"/>
             <a:r>
-              <a:rPr lang="en-US" smtClean="0"/>
+              <a:rPr lang="en-US"/>
               <a:t>Fifth level</a:t>
             </a:r>
-            <a:endParaRPr lang="en-US"/>
           </a:p>
         </p:txBody>
       </p:sp>
@@ -11293,7 +11286,7 @@
                 </a:solidFill>
               </a:rPr>
               <a:pPr/>
-              <a:t>30/5/2017</a:t>
+              <a:t>30-May-17</a:t>
             </a:fld>
             <a:endParaRPr lang="en-US">
               <a:solidFill>
@@ -11436,7 +11429,7 @@
           </a:lstStyle>
           <a:p>
             <a:r>
-              <a:rPr lang="en-US" smtClean="0"/>
+              <a:rPr lang="en-US"/>
               <a:t>Click to edit Master title style</a:t>
             </a:r>
             <a:endParaRPr lang="en-US" dirty="0"/>
@@ -11493,35 +11486,35 @@
           <a:p>
             <a:pPr lvl="0"/>
             <a:r>
-              <a:rPr lang="en-US" smtClean="0"/>
+              <a:rPr lang="en-US"/>
               <a:t>Click to edit Master text styles</a:t>
             </a:r>
           </a:p>
           <a:p>
             <a:pPr lvl="1"/>
             <a:r>
-              <a:rPr lang="en-US" smtClean="0"/>
+              <a:rPr lang="en-US"/>
               <a:t>Second level</a:t>
             </a:r>
           </a:p>
           <a:p>
             <a:pPr lvl="2"/>
             <a:r>
-              <a:rPr lang="en-US" smtClean="0"/>
+              <a:rPr lang="en-US"/>
               <a:t>Third level</a:t>
             </a:r>
           </a:p>
           <a:p>
             <a:pPr lvl="3"/>
             <a:r>
-              <a:rPr lang="en-US" smtClean="0"/>
+              <a:rPr lang="en-US"/>
               <a:t>Fourth level</a:t>
             </a:r>
           </a:p>
           <a:p>
             <a:pPr lvl="4"/>
             <a:r>
-              <a:rPr lang="en-US" smtClean="0"/>
+              <a:rPr lang="en-US"/>
               <a:t>Fifth level</a:t>
             </a:r>
             <a:endParaRPr lang="en-US" dirty="0"/>
@@ -11592,7 +11585,7 @@
           <a:p>
             <a:pPr lvl="0"/>
             <a:r>
-              <a:rPr lang="en-US" smtClean="0"/>
+              <a:rPr lang="en-US"/>
               <a:t>Click to edit Master text styles</a:t>
             </a:r>
           </a:p>
@@ -11623,7 +11616,7 @@
                 </a:solidFill>
               </a:rPr>
               <a:pPr/>
-              <a:t>30/5/2017</a:t>
+              <a:t>30-May-17</a:t>
             </a:fld>
             <a:endParaRPr lang="en-US">
               <a:solidFill>
@@ -11758,7 +11751,7 @@
           </a:lstStyle>
           <a:p>
             <a:r>
-              <a:rPr lang="en-US" smtClean="0"/>
+              <a:rPr lang="en-US"/>
               <a:t>Click to edit Master title style</a:t>
             </a:r>
             <a:endParaRPr lang="en-US" dirty="0"/>
@@ -11835,7 +11828,7 @@
           </a:lstStyle>
           <a:p>
             <a:r>
-              <a:rPr lang="en-US" smtClean="0"/>
+              <a:rPr lang="en-US"/>
               <a:t>Click icon to add picture</a:t>
             </a:r>
             <a:endParaRPr lang="en-US" dirty="0"/>
@@ -11903,7 +11896,7 @@
           <a:p>
             <a:pPr lvl="0"/>
             <a:r>
-              <a:rPr lang="en-US" smtClean="0"/>
+              <a:rPr lang="en-US"/>
               <a:t>Click to edit Master text styles</a:t>
             </a:r>
           </a:p>
@@ -11934,7 +11927,7 @@
                 </a:solidFill>
               </a:rPr>
               <a:pPr/>
-              <a:t>30/5/2017</a:t>
+              <a:t>30-May-17</a:t>
             </a:fld>
             <a:endParaRPr lang="en-US">
               <a:solidFill>
@@ -12057,7 +12050,7 @@
           <a:lstStyle/>
           <a:p>
             <a:r>
-              <a:rPr lang="en-US" smtClean="0"/>
+              <a:rPr lang="en-US"/>
               <a:t>Click to edit Master title style</a:t>
             </a:r>
             <a:endParaRPr lang="en-US" dirty="0"/>
@@ -12081,38 +12074,37 @@
           <a:p>
             <a:pPr lvl="0"/>
             <a:r>
-              <a:rPr lang="en-US" smtClean="0"/>
+              <a:rPr lang="en-US"/>
               <a:t>Click to edit Master text styles</a:t>
             </a:r>
           </a:p>
           <a:p>
             <a:pPr lvl="1"/>
             <a:r>
-              <a:rPr lang="en-US" smtClean="0"/>
+              <a:rPr lang="en-US"/>
               <a:t>Second level</a:t>
             </a:r>
           </a:p>
           <a:p>
             <a:pPr lvl="2"/>
             <a:r>
-              <a:rPr lang="en-US" smtClean="0"/>
+              <a:rPr lang="en-US"/>
               <a:t>Third level</a:t>
             </a:r>
           </a:p>
           <a:p>
             <a:pPr lvl="3"/>
             <a:r>
-              <a:rPr lang="en-US" smtClean="0"/>
+              <a:rPr lang="en-US"/>
               <a:t>Fourth level</a:t>
             </a:r>
           </a:p>
           <a:p>
             <a:pPr lvl="4"/>
             <a:r>
-              <a:rPr lang="en-US" smtClean="0"/>
+              <a:rPr lang="en-US"/>
               <a:t>Fifth level</a:t>
             </a:r>
-            <a:endParaRPr lang="en-US"/>
           </a:p>
         </p:txBody>
       </p:sp>
@@ -12141,7 +12133,7 @@
                 </a:solidFill>
               </a:rPr>
               <a:pPr/>
-              <a:t>30/5/2017</a:t>
+              <a:t>30-May-17</a:t>
             </a:fld>
             <a:endParaRPr lang="en-US">
               <a:solidFill>
@@ -12269,7 +12261,7 @@
           <a:lstStyle/>
           <a:p>
             <a:r>
-              <a:rPr lang="en-US" smtClean="0"/>
+              <a:rPr lang="en-US"/>
               <a:t>Click to edit Master title style</a:t>
             </a:r>
             <a:endParaRPr lang="en-US" dirty="0"/>
@@ -12298,38 +12290,37 @@
           <a:p>
             <a:pPr lvl="0"/>
             <a:r>
-              <a:rPr lang="en-US" smtClean="0"/>
+              <a:rPr lang="en-US"/>
               <a:t>Click to edit Master text styles</a:t>
             </a:r>
           </a:p>
           <a:p>
             <a:pPr lvl="1"/>
             <a:r>
-              <a:rPr lang="en-US" smtClean="0"/>
+              <a:rPr lang="en-US"/>
               <a:t>Second level</a:t>
             </a:r>
           </a:p>
           <a:p>
             <a:pPr lvl="2"/>
             <a:r>
-              <a:rPr lang="en-US" smtClean="0"/>
+              <a:rPr lang="en-US"/>
               <a:t>Third level</a:t>
             </a:r>
           </a:p>
           <a:p>
             <a:pPr lvl="3"/>
             <a:r>
-              <a:rPr lang="en-US" smtClean="0"/>
+              <a:rPr lang="en-US"/>
               <a:t>Fourth level</a:t>
             </a:r>
           </a:p>
           <a:p>
             <a:pPr lvl="4"/>
             <a:r>
-              <a:rPr lang="en-US" smtClean="0"/>
+              <a:rPr lang="en-US"/>
               <a:t>Fifth level</a:t>
             </a:r>
-            <a:endParaRPr lang="en-US"/>
           </a:p>
         </p:txBody>
       </p:sp>
@@ -12358,7 +12349,7 @@
                 </a:solidFill>
               </a:rPr>
               <a:pPr/>
-              <a:t>30/5/2017</a:t>
+              <a:t>30-May-17</a:t>
             </a:fld>
             <a:endParaRPr lang="en-US">
               <a:solidFill>
@@ -12485,10 +12476,9 @@
           </a:lstStyle>
           <a:p>
             <a:r>
-              <a:rPr lang="en-US" smtClean="0"/>
+              <a:rPr lang="en-US"/>
               <a:t>Click to edit Master title style</a:t>
             </a:r>
-            <a:endParaRPr lang="en-US"/>
           </a:p>
         </p:txBody>
       </p:sp>
@@ -12553,7 +12543,7 @@
           <a:p>
             <a:pPr lvl="0"/>
             <a:r>
-              <a:rPr lang="en-US" smtClean="0"/>
+              <a:rPr lang="en-US"/>
               <a:t>Click to edit Master text styles</a:t>
             </a:r>
           </a:p>
@@ -12620,7 +12610,7 @@
           <a:p>
             <a:pPr lvl="0"/>
             <a:r>
-              <a:rPr lang="en-US" smtClean="0"/>
+              <a:rPr lang="en-US"/>
               <a:t>Click to edit Master text styles</a:t>
             </a:r>
           </a:p>
@@ -12644,7 +12634,7 @@
             <a:fld id="{1D8BD707-D9CF-40AE-B4C6-C98DA3205C09}" type="datetimeFigureOut">
               <a:rPr lang="en-US" smtClean="0"/>
               <a:pPr/>
-              <a:t>30/5/2017</a:t>
+              <a:t>30-May-17</a:t>
             </a:fld>
             <a:endParaRPr lang="en-US"/>
           </a:p>
@@ -12715,35 +12705,35 @@
           <a:p>
             <a:pPr lvl="0"/>
             <a:r>
-              <a:rPr lang="en-US" smtClean="0"/>
+              <a:rPr lang="en-US"/>
               <a:t>Click to edit Master text styles</a:t>
             </a:r>
           </a:p>
           <a:p>
             <a:pPr lvl="1"/>
             <a:r>
-              <a:rPr lang="en-US" smtClean="0"/>
+              <a:rPr lang="en-US"/>
               <a:t>Second level</a:t>
             </a:r>
           </a:p>
           <a:p>
             <a:pPr lvl="2"/>
             <a:r>
-              <a:rPr lang="en-US" smtClean="0"/>
+              <a:rPr lang="en-US"/>
               <a:t>Third level</a:t>
             </a:r>
           </a:p>
           <a:p>
             <a:pPr lvl="3"/>
             <a:r>
-              <a:rPr lang="en-US" smtClean="0"/>
+              <a:rPr lang="en-US"/>
               <a:t>Fourth level</a:t>
             </a:r>
           </a:p>
           <a:p>
             <a:pPr lvl="4"/>
             <a:r>
-              <a:rPr lang="en-US" smtClean="0"/>
+              <a:rPr lang="en-US"/>
               <a:t>Fifth level</a:t>
             </a:r>
             <a:endParaRPr lang="en-US" dirty="0"/>
@@ -12772,35 +12762,35 @@
           <a:p>
             <a:pPr lvl="0"/>
             <a:r>
-              <a:rPr lang="en-US" smtClean="0"/>
+              <a:rPr lang="en-US"/>
               <a:t>Click to edit Master text styles</a:t>
             </a:r>
           </a:p>
           <a:p>
             <a:pPr lvl="1"/>
             <a:r>
-              <a:rPr lang="en-US" smtClean="0"/>
+              <a:rPr lang="en-US"/>
               <a:t>Second level</a:t>
             </a:r>
           </a:p>
           <a:p>
             <a:pPr lvl="2"/>
             <a:r>
-              <a:rPr lang="en-US" smtClean="0"/>
+              <a:rPr lang="en-US"/>
               <a:t>Third level</a:t>
             </a:r>
           </a:p>
           <a:p>
             <a:pPr lvl="3"/>
             <a:r>
-              <a:rPr lang="en-US" smtClean="0"/>
+              <a:rPr lang="en-US"/>
               <a:t>Fourth level</a:t>
             </a:r>
           </a:p>
           <a:p>
             <a:pPr lvl="4"/>
             <a:r>
-              <a:rPr lang="en-US" smtClean="0"/>
+              <a:rPr lang="en-US"/>
               <a:t>Fifth level</a:t>
             </a:r>
             <a:endParaRPr lang="en-US" dirty="0"/>
@@ -12848,7 +12838,7 @@
           <a:lstStyle/>
           <a:p>
             <a:r>
-              <a:rPr lang="en-US" smtClean="0"/>
+              <a:rPr lang="en-US"/>
               <a:t>Click to edit Master title style</a:t>
             </a:r>
             <a:endParaRPr lang="en-US" dirty="0"/>
@@ -12873,7 +12863,7 @@
             <a:fld id="{1D8BD707-D9CF-40AE-B4C6-C98DA3205C09}" type="datetimeFigureOut">
               <a:rPr lang="en-US" smtClean="0"/>
               <a:pPr/>
-              <a:t>30/5/2017</a:t>
+              <a:t>30-May-17</a:t>
             </a:fld>
             <a:endParaRPr lang="en-US"/>
           </a:p>
@@ -12965,7 +12955,7 @@
             <a:fld id="{1D8BD707-D9CF-40AE-B4C6-C98DA3205C09}" type="datetimeFigureOut">
               <a:rPr lang="en-US" smtClean="0"/>
               <a:pPr/>
-              <a:t>30/5/2017</a:t>
+              <a:t>30-May-17</a:t>
             </a:fld>
             <a:endParaRPr lang="en-US"/>
           </a:p>
@@ -13075,7 +13065,7 @@
           </a:lstStyle>
           <a:p>
             <a:r>
-              <a:rPr lang="en-US" smtClean="0"/>
+              <a:rPr lang="en-US"/>
               <a:t>Click to edit Master title style</a:t>
             </a:r>
             <a:endParaRPr lang="en-US" dirty="0"/>
@@ -13132,35 +13122,35 @@
           <a:p>
             <a:pPr lvl="0"/>
             <a:r>
-              <a:rPr lang="en-US" smtClean="0"/>
+              <a:rPr lang="en-US"/>
               <a:t>Click to edit Master text styles</a:t>
             </a:r>
           </a:p>
           <a:p>
             <a:pPr lvl="1"/>
             <a:r>
-              <a:rPr lang="en-US" smtClean="0"/>
+              <a:rPr lang="en-US"/>
               <a:t>Second level</a:t>
             </a:r>
           </a:p>
           <a:p>
             <a:pPr lvl="2"/>
             <a:r>
-              <a:rPr lang="en-US" smtClean="0"/>
+              <a:rPr lang="en-US"/>
               <a:t>Third level</a:t>
             </a:r>
           </a:p>
           <a:p>
             <a:pPr lvl="3"/>
             <a:r>
-              <a:rPr lang="en-US" smtClean="0"/>
+              <a:rPr lang="en-US"/>
               <a:t>Fourth level</a:t>
             </a:r>
           </a:p>
           <a:p>
             <a:pPr lvl="4"/>
             <a:r>
-              <a:rPr lang="en-US" smtClean="0"/>
+              <a:rPr lang="en-US"/>
               <a:t>Fifth level</a:t>
             </a:r>
             <a:endParaRPr lang="en-US" dirty="0"/>
@@ -13231,7 +13221,7 @@
           <a:p>
             <a:pPr lvl="0"/>
             <a:r>
-              <a:rPr lang="en-US" smtClean="0"/>
+              <a:rPr lang="en-US"/>
               <a:t>Click to edit Master text styles</a:t>
             </a:r>
           </a:p>
@@ -13255,7 +13245,7 @@
             <a:fld id="{1D8BD707-D9CF-40AE-B4C6-C98DA3205C09}" type="datetimeFigureOut">
               <a:rPr lang="en-US" smtClean="0"/>
               <a:pPr/>
-              <a:t>30/5/2017</a:t>
+              <a:t>30-May-17</a:t>
             </a:fld>
             <a:endParaRPr lang="en-US"/>
           </a:p>
@@ -13357,7 +13347,7 @@
           </a:lstStyle>
           <a:p>
             <a:r>
-              <a:rPr lang="en-US" smtClean="0"/>
+              <a:rPr lang="en-US"/>
               <a:t>Click to edit Master title style</a:t>
             </a:r>
             <a:endParaRPr lang="en-US" dirty="0"/>
@@ -13434,7 +13424,7 @@
           </a:lstStyle>
           <a:p>
             <a:r>
-              <a:rPr lang="en-US" smtClean="0"/>
+              <a:rPr lang="en-US"/>
               <a:t>Click icon to add picture</a:t>
             </a:r>
             <a:endParaRPr lang="en-US" dirty="0"/>
@@ -13502,7 +13492,7 @@
           <a:p>
             <a:pPr lvl="0"/>
             <a:r>
-              <a:rPr lang="en-US" smtClean="0"/>
+              <a:rPr lang="en-US"/>
               <a:t>Click to edit Master text styles</a:t>
             </a:r>
           </a:p>
@@ -13526,7 +13516,7 @@
             <a:fld id="{1D8BD707-D9CF-40AE-B4C6-C98DA3205C09}" type="datetimeFigureOut">
               <a:rPr lang="en-US" smtClean="0"/>
               <a:pPr/>
-              <a:t>30/5/2017</a:t>
+              <a:t>30-May-17</a:t>
             </a:fld>
             <a:endParaRPr lang="en-US"/>
           </a:p>
@@ -13631,7 +13621,7 @@
           <a:lstStyle/>
           <a:p>
             <a:r>
-              <a:rPr lang="en-US" smtClean="0"/>
+              <a:rPr lang="en-US"/>
               <a:t>Click to edit Master title style</a:t>
             </a:r>
             <a:endParaRPr lang="en-US" dirty="0"/>
@@ -13665,38 +13655,38 @@
           <a:p>
             <a:pPr lvl="0"/>
             <a:r>
-              <a:rPr lang="en-US" smtClean="0"/>
+              <a:rPr lang="en-US"/>
               <a:t>Click to edit Master text styles</a:t>
             </a:r>
           </a:p>
           <a:p>
             <a:pPr lvl="1"/>
             <a:r>
-              <a:rPr lang="en-US" smtClean="0"/>
+              <a:rPr lang="en-US"/>
               <a:t>Second level</a:t>
             </a:r>
           </a:p>
           <a:p>
             <a:pPr lvl="2"/>
             <a:r>
-              <a:rPr lang="en-US" smtClean="0"/>
+              <a:rPr lang="en-US"/>
               <a:t>Third level</a:t>
             </a:r>
           </a:p>
           <a:p>
             <a:pPr lvl="3"/>
             <a:r>
-              <a:rPr lang="en-US" smtClean="0"/>
+              <a:rPr lang="en-US"/>
               <a:t>Fourth level</a:t>
             </a:r>
           </a:p>
           <a:p>
             <a:pPr lvl="4"/>
             <a:r>
-              <a:rPr lang="en-US" smtClean="0"/>
+              <a:rPr lang="en-US"/>
               <a:t>Fifth level</a:t>
             </a:r>
-            <a:endParaRPr lang="en-US" dirty="0" smtClean="0"/>
+            <a:endParaRPr lang="en-US" dirty="0"/>
           </a:p>
         </p:txBody>
       </p:sp>
@@ -13738,7 +13728,7 @@
             <a:fld id="{1D8BD707-D9CF-40AE-B4C6-C98DA3205C09}" type="datetimeFigureOut">
               <a:rPr lang="en-US" smtClean="0"/>
               <a:pPr/>
-              <a:t>30/5/2017</a:t>
+              <a:t>30-May-17</a:t>
             </a:fld>
             <a:endParaRPr lang="en-US"/>
           </a:p>
@@ -14288,7 +14278,7 @@
           <a:lstStyle/>
           <a:p>
             <a:r>
-              <a:rPr lang="en-US" smtClean="0"/>
+              <a:rPr lang="en-US"/>
               <a:t>Click to edit Master title style</a:t>
             </a:r>
             <a:endParaRPr lang="en-US" dirty="0"/>
@@ -14322,38 +14312,38 @@
           <a:p>
             <a:pPr lvl="0"/>
             <a:r>
-              <a:rPr lang="en-US" smtClean="0"/>
+              <a:rPr lang="en-US"/>
               <a:t>Click to edit Master text styles</a:t>
             </a:r>
           </a:p>
           <a:p>
             <a:pPr lvl="1"/>
             <a:r>
-              <a:rPr lang="en-US" smtClean="0"/>
+              <a:rPr lang="en-US"/>
               <a:t>Second level</a:t>
             </a:r>
           </a:p>
           <a:p>
             <a:pPr lvl="2"/>
             <a:r>
-              <a:rPr lang="en-US" smtClean="0"/>
+              <a:rPr lang="en-US"/>
               <a:t>Third level</a:t>
             </a:r>
           </a:p>
           <a:p>
             <a:pPr lvl="3"/>
             <a:r>
-              <a:rPr lang="en-US" smtClean="0"/>
+              <a:rPr lang="en-US"/>
               <a:t>Fourth level</a:t>
             </a:r>
           </a:p>
           <a:p>
             <a:pPr lvl="4"/>
             <a:r>
-              <a:rPr lang="en-US" smtClean="0"/>
+              <a:rPr lang="en-US"/>
               <a:t>Fifth level</a:t>
             </a:r>
-            <a:endParaRPr lang="en-US" dirty="0" smtClean="0"/>
+            <a:endParaRPr lang="en-US" dirty="0"/>
           </a:p>
         </p:txBody>
       </p:sp>
@@ -14402,7 +14392,7 @@
                 </a:solidFill>
               </a:rPr>
               <a:pPr/>
-              <a:t>30/5/2017</a:t>
+              <a:t>30-May-17</a:t>
             </a:fld>
             <a:endParaRPr lang="en-US">
               <a:solidFill>
@@ -14986,7 +14976,7 @@
           <a:lstStyle/>
           <a:p>
             <a:r>
-              <a:rPr lang="en-US" smtClean="0"/>
+              <a:rPr lang="en-US"/>
               <a:t>Click to edit Master title style</a:t>
             </a:r>
             <a:endParaRPr lang="en-US" dirty="0"/>
@@ -15020,38 +15010,38 @@
           <a:p>
             <a:pPr lvl="0"/>
             <a:r>
-              <a:rPr lang="en-US" smtClean="0"/>
+              <a:rPr lang="en-US"/>
               <a:t>Click to edit Master text styles</a:t>
             </a:r>
           </a:p>
           <a:p>
             <a:pPr lvl="1"/>
             <a:r>
-              <a:rPr lang="en-US" smtClean="0"/>
+              <a:rPr lang="en-US"/>
               <a:t>Second level</a:t>
             </a:r>
           </a:p>
           <a:p>
             <a:pPr lvl="2"/>
             <a:r>
-              <a:rPr lang="en-US" smtClean="0"/>
+              <a:rPr lang="en-US"/>
               <a:t>Third level</a:t>
             </a:r>
           </a:p>
           <a:p>
             <a:pPr lvl="3"/>
             <a:r>
-              <a:rPr lang="en-US" smtClean="0"/>
+              <a:rPr lang="en-US"/>
               <a:t>Fourth level</a:t>
             </a:r>
           </a:p>
           <a:p>
             <a:pPr lvl="4"/>
             <a:r>
-              <a:rPr lang="en-US" smtClean="0"/>
+              <a:rPr lang="en-US"/>
               <a:t>Fifth level</a:t>
             </a:r>
-            <a:endParaRPr lang="en-US" dirty="0" smtClean="0"/>
+            <a:endParaRPr lang="en-US" dirty="0"/>
           </a:p>
         </p:txBody>
       </p:sp>
@@ -15100,7 +15090,7 @@
                 </a:solidFill>
               </a:rPr>
               <a:pPr/>
-              <a:t>30/5/2017</a:t>
+              <a:t>30-May-17</a:t>
             </a:fld>
             <a:endParaRPr lang="en-US">
               <a:solidFill>
@@ -15684,7 +15674,7 @@
           <a:lstStyle/>
           <a:p>
             <a:r>
-              <a:rPr lang="en-US" smtClean="0"/>
+              <a:rPr lang="en-US"/>
               <a:t>Click to edit Master title style</a:t>
             </a:r>
             <a:endParaRPr lang="en-US" dirty="0"/>
@@ -15718,38 +15708,38 @@
           <a:p>
             <a:pPr lvl="0"/>
             <a:r>
-              <a:rPr lang="en-US" smtClean="0"/>
+              <a:rPr lang="en-US"/>
               <a:t>Click to edit Master text styles</a:t>
             </a:r>
           </a:p>
           <a:p>
             <a:pPr lvl="1"/>
             <a:r>
-              <a:rPr lang="en-US" smtClean="0"/>
+              <a:rPr lang="en-US"/>
               <a:t>Second level</a:t>
             </a:r>
           </a:p>
           <a:p>
             <a:pPr lvl="2"/>
             <a:r>
-              <a:rPr lang="en-US" smtClean="0"/>
+              <a:rPr lang="en-US"/>
               <a:t>Third level</a:t>
             </a:r>
           </a:p>
           <a:p>
             <a:pPr lvl="3"/>
             <a:r>
-              <a:rPr lang="en-US" smtClean="0"/>
+              <a:rPr lang="en-US"/>
               <a:t>Fourth level</a:t>
             </a:r>
           </a:p>
           <a:p>
             <a:pPr lvl="4"/>
             <a:r>
-              <a:rPr lang="en-US" smtClean="0"/>
+              <a:rPr lang="en-US"/>
               <a:t>Fifth level</a:t>
             </a:r>
-            <a:endParaRPr lang="en-US" dirty="0" smtClean="0"/>
+            <a:endParaRPr lang="en-US" dirty="0"/>
           </a:p>
         </p:txBody>
       </p:sp>
@@ -15798,7 +15788,7 @@
                 </a:solidFill>
               </a:rPr>
               <a:pPr/>
-              <a:t>30/5/2017</a:t>
+              <a:t>30-May-17</a:t>
             </a:fld>
             <a:endParaRPr lang="en-US">
               <a:solidFill>
@@ -16374,10 +16364,9 @@
           <a:lstStyle/>
           <a:p>
             <a:r>
-              <a:rPr lang="en-US" sz="4400" dirty="0" smtClean="0"/>
+              <a:rPr lang="en-US" sz="4400" dirty="0"/>
               <a:t>Spoken Language Identification using Neural Network</a:t>
             </a:r>
-            <a:endParaRPr lang="en-US" sz="4400" dirty="0"/>
           </a:p>
         </p:txBody>
       </p:sp>
@@ -16404,51 +16393,46 @@
           <a:lstStyle/>
           <a:p>
             <a:r>
-              <a:rPr lang="en-US" dirty="0" smtClean="0"/>
+              <a:rPr lang="en-US" dirty="0"/>
               <a:t>Prepared under the guidance of </a:t>
             </a:r>
           </a:p>
           <a:p>
             <a:r>
-              <a:rPr lang="en-US" dirty="0" smtClean="0"/>
+              <a:rPr lang="en-US" dirty="0"/>
               <a:t>Dr. </a:t>
             </a:r>
             <a:r>
-              <a:rPr lang="en-US" dirty="0" err="1" smtClean="0"/>
+              <a:rPr lang="en-US" dirty="0" err="1"/>
               <a:t>Shampa</a:t>
             </a:r>
             <a:r>
-              <a:rPr lang="en-US" dirty="0" smtClean="0"/>
+              <a:rPr lang="en-US" dirty="0"/>
               <a:t> </a:t>
             </a:r>
             <a:r>
-              <a:rPr lang="en-US" dirty="0" err="1" smtClean="0"/>
+              <a:rPr lang="en-US" dirty="0" err="1"/>
               <a:t>Chakraverty</a:t>
             </a:r>
-            <a:endParaRPr lang="en-US" dirty="0" smtClean="0"/>
+            <a:endParaRPr lang="en-US" dirty="0"/>
           </a:p>
           <a:p>
             <a:r>
               <a:rPr lang="en-US" dirty="0"/>
-              <a:t>b</a:t>
-            </a:r>
-            <a:r>
-              <a:rPr lang="en-US" dirty="0" smtClean="0"/>
-              <a:t>y:</a:t>
-            </a:r>
-          </a:p>
-          <a:p>
-            <a:r>
-              <a:rPr lang="en-US" dirty="0" smtClean="0"/>
+              <a:t>by:</a:t>
+            </a:r>
+          </a:p>
+          <a:p>
+            <a:r>
+              <a:rPr lang="en-US" dirty="0"/>
               <a:t>Aditya Jain 210/CO/13</a:t>
             </a:r>
           </a:p>
           <a:p>
             <a:r>
-              <a:rPr lang="en-US" dirty="0" smtClean="0"/>
+              <a:rPr lang="en-US" dirty="0"/>
               <a:t>Anmol Pandey 233/CO/13</a:t>
             </a:r>
-            <a:endParaRPr lang="en-US" dirty="0"/>
           </a:p>
           <a:p>
             <a:r>
@@ -16461,13 +16445,8 @@
             </a:r>
             <a:r>
               <a:rPr lang="en-US" dirty="0"/>
-              <a:t> </a:t>
-            </a:r>
-            <a:r>
-              <a:rPr lang="en-US" dirty="0" smtClean="0"/>
-              <a:t>234/CO/13</a:t>
-            </a:r>
-            <a:endParaRPr lang="en-US" dirty="0"/>
+              <a:t> 234/CO/13</a:t>
+            </a:r>
           </a:p>
         </p:txBody>
       </p:sp>
@@ -16481,13 +16460,6 @@
   <p:clrMapOvr>
     <a:masterClrMapping/>
   </p:clrMapOvr>
-  <p:timing>
-    <p:tnLst>
-      <p:par>
-        <p:cTn id="1" dur="indefinite" restart="never" nodeType="tmRoot"/>
-      </p:par>
-    </p:tnLst>
-  </p:timing>
 </p:sld>
 </file>
 
@@ -16529,15 +16501,14 @@
           <a:lstStyle/>
           <a:p>
             <a:r>
-              <a:rPr lang="en-US" dirty="0" smtClean="0"/>
+              <a:rPr lang="en-US" dirty="0"/>
               <a:t>Feature Selection</a:t>
             </a:r>
-            <a:endParaRPr lang="en-US" dirty="0"/>
-          </a:p>
-        </p:txBody>
-      </p:sp>
-      <mc:AlternateContent xmlns:mc="http://schemas.openxmlformats.org/markup-compatibility/2006" xmlns:a14="http://schemas.microsoft.com/office/drawing/2010/main">
-        <mc:Choice Requires="a14">
+          </a:p>
+        </p:txBody>
+      </p:sp>
+      <mc:AlternateContent xmlns:mc="http://schemas.openxmlformats.org/markup-compatibility/2006">
+        <mc:Choice xmlns:a14="http://schemas.microsoft.com/office/drawing/2010/main" Requires="a14">
           <p:sp>
             <p:nvSpPr>
               <p:cNvPr id="3" name="Content Placeholder 2"/>
@@ -16561,20 +16532,16 @@
               <a:lstStyle/>
               <a:p>
                 <a:r>
-                  <a:rPr lang="en-US" dirty="0" err="1" smtClean="0"/>
-                  <a:t>Adv</a:t>
-                </a:r>
-                <a:r>
-                  <a:rPr lang="en-US" dirty="0" smtClean="0"/>
-                  <a:t>: shorter training and prediction time, weeds out irrelevant features, less resource are used, prevents overfitting and avoids curse of dimensionality.</a:t>
+                  <a:rPr lang="en-US" dirty="0"/>
+                  <a:t>Advantages: Shorter training and prediction time, weeds out irrelevant features, less resource are used, prevents overfitting and avoids curse of dimensionality.</a:t>
                 </a:r>
               </a:p>
               <a:p>
-                <a:endParaRPr lang="en-US" dirty="0" smtClean="0"/>
+                <a:endParaRPr lang="en-US" dirty="0"/>
               </a:p>
               <a:p>
                 <a:r>
-                  <a:rPr lang="en-US" dirty="0" smtClean="0"/>
+                  <a:rPr lang="en-US" dirty="0"/>
                   <a:t>Pearson's chi-squared statistics is used to calculate p-value of each feature using formula:</a:t>
                 </a:r>
               </a:p>
@@ -16588,7 +16555,7 @@
                       <m:sSupPr>
                         <m:ctrlPr>
                           <a:rPr lang="en-US" i="1">
-                            <a:latin typeface="Cambria Math"/>
+                            <a:latin typeface="Cambria Math" panose="02040503050406030204" pitchFamily="18" charset="0"/>
                           </a:rPr>
                         </m:ctrlPr>
                       </m:sSupPr>
@@ -16624,7 +16591,7 @@
                         <m:grow m:val="on"/>
                         <m:ctrlPr>
                           <a:rPr lang="en-US" i="1">
-                            <a:latin typeface="Cambria Math"/>
+                            <a:latin typeface="Cambria Math" panose="02040503050406030204" pitchFamily="18" charset="0"/>
                           </a:rPr>
                         </m:ctrlPr>
                       </m:naryPr>
@@ -16655,7 +16622,7 @@
                           <m:fPr>
                             <m:ctrlPr>
                               <a:rPr lang="en-US" i="1">
-                                <a:latin typeface="Cambria Math"/>
+                                <a:latin typeface="Cambria Math" panose="02040503050406030204" pitchFamily="18" charset="0"/>
                               </a:rPr>
                             </m:ctrlPr>
                           </m:fPr>
@@ -16664,7 +16631,7 @@
                               <m:sSupPr>
                                 <m:ctrlPr>
                                   <a:rPr lang="en-US" i="1">
-                                    <a:latin typeface="Cambria Math"/>
+                                    <a:latin typeface="Cambria Math" panose="02040503050406030204" pitchFamily="18" charset="0"/>
                                   </a:rPr>
                                 </m:ctrlPr>
                               </m:sSupPr>
@@ -16679,7 +16646,7 @@
                                   <m:sSubPr>
                                     <m:ctrlPr>
                                       <a:rPr lang="en-US" i="1">
-                                        <a:latin typeface="Cambria Math"/>
+                                        <a:latin typeface="Cambria Math" panose="02040503050406030204" pitchFamily="18" charset="0"/>
                                       </a:rPr>
                                     </m:ctrlPr>
                                   </m:sSubPr>
@@ -16719,7 +16686,7 @@
                                   <m:sSubPr>
                                     <m:ctrlPr>
                                       <a:rPr lang="en-US" i="1">
-                                        <a:latin typeface="Cambria Math"/>
+                                        <a:latin typeface="Cambria Math" panose="02040503050406030204" pitchFamily="18" charset="0"/>
                                       </a:rPr>
                                     </m:ctrlPr>
                                   </m:sSubPr>
@@ -16765,7 +16732,7 @@
                               <m:sSubPr>
                                 <m:ctrlPr>
                                   <a:rPr lang="en-US" i="1">
-                                    <a:latin typeface="Cambria Math"/>
+                                    <a:latin typeface="Cambria Math" panose="02040503050406030204" pitchFamily="18" charset="0"/>
                                   </a:rPr>
                                 </m:ctrlPr>
                               </m:sSubPr>
@@ -16804,22 +16771,21 @@
                 <a:pPr marL="0" indent="0">
                   <a:buNone/>
                 </a:pPr>
-                <a:endParaRPr lang="en-US" dirty="0" smtClean="0"/>
+                <a:endParaRPr lang="en-US" dirty="0"/>
               </a:p>
               <a:p>
                 <a:r>
-                  <a:rPr lang="en-US" dirty="0" smtClean="0"/>
+                  <a:rPr lang="en-US" dirty="0"/>
                   <a:t>Feature are then selected on the basis of their respective p-values.</a:t>
                 </a:r>
-                <a:endParaRPr lang="en-US" dirty="0"/>
               </a:p>
               <a:p>
-                <a:endParaRPr lang="en-US" dirty="0" smtClean="0"/>
+                <a:endParaRPr lang="en-US" dirty="0"/>
               </a:p>
             </p:txBody>
           </p:sp>
         </mc:Choice>
-        <mc:Fallback xmlns="">
+        <mc:Fallback>
           <p:sp>
             <p:nvSpPr>
               <p:cNvPr id="3" name="Content Placeholder 2"/>
@@ -16835,10 +16801,10 @@
                 <a:off x="457200" y="1371600"/>
                 <a:ext cx="8229600" cy="4953000"/>
               </a:xfrm>
-              <a:blipFill rotWithShape="1">
+              <a:blipFill>
                 <a:blip r:embed="rId3"/>
                 <a:stretch>
-                  <a:fillRect l="-963" t="-984" r="-1852"/>
+                  <a:fillRect l="-963" t="-984" b="-1722"/>
                 </a:stretch>
               </a:blipFill>
             </p:spPr>
@@ -16867,13 +16833,6 @@
   <p:clrMapOvr>
     <a:masterClrMapping/>
   </p:clrMapOvr>
-  <p:timing>
-    <p:tnLst>
-      <p:par>
-        <p:cTn id="1" dur="indefinite" restart="never" nodeType="tmRoot"/>
-      </p:par>
-    </p:tnLst>
-  </p:timing>
 </p:sld>
 </file>
 
@@ -17126,364 +17085,6 @@
             <p:ph type="title"/>
           </p:nvPr>
         </p:nvSpPr>
-        <p:spPr/>
-        <p:txBody>
-          <a:bodyPr/>
-          <a:lstStyle/>
-          <a:p>
-            <a:r>
-              <a:rPr lang="en-IN" dirty="0" smtClean="0"/>
-              <a:t>Training  </a:t>
-            </a:r>
-            <a:endParaRPr lang="en-IN" dirty="0"/>
-          </a:p>
-        </p:txBody>
-      </p:sp>
-      <p:sp>
-        <p:nvSpPr>
-          <p:cNvPr id="3" name="Content Placeholder 2"/>
-          <p:cNvSpPr>
-            <a:spLocks noGrp="1"/>
-          </p:cNvSpPr>
-          <p:nvPr>
-            <p:ph idx="1"/>
-          </p:nvPr>
-        </p:nvSpPr>
-        <p:spPr>
-          <a:xfrm>
-            <a:off x="428596" y="2071678"/>
-            <a:ext cx="3900486" cy="4686320"/>
-          </a:xfrm>
-        </p:spPr>
-        <p:txBody>
-          <a:bodyPr/>
-          <a:lstStyle/>
-          <a:p>
-            <a:r>
-              <a:rPr lang="en-IN" dirty="0" smtClean="0"/>
-              <a:t>Training Initial Neural Network</a:t>
-            </a:r>
-          </a:p>
-          <a:p>
-            <a:pPr>
-              <a:buNone/>
-            </a:pPr>
-            <a:endParaRPr lang="en-IN" dirty="0" smtClean="0"/>
-          </a:p>
-          <a:p>
-            <a:r>
-              <a:rPr lang="en-IN" sz="1200" dirty="0" smtClean="0"/>
-              <a:t>No of neurons in the Input Layers=No of features in input feature vector= 180</a:t>
-            </a:r>
-          </a:p>
-          <a:p>
-            <a:r>
-              <a:rPr lang="en-IN" sz="1200" dirty="0" smtClean="0"/>
-              <a:t>No of hidden layers=1</a:t>
-            </a:r>
-          </a:p>
-          <a:p>
-            <a:r>
-              <a:rPr lang="en-IN" sz="1200" dirty="0" smtClean="0"/>
-              <a:t>No of neuron in the hidden layers are fine tuned to give maximum accuracy= 12</a:t>
-            </a:r>
-          </a:p>
-          <a:p>
-            <a:r>
-              <a:rPr lang="en-IN" sz="1200" dirty="0" smtClean="0"/>
-              <a:t>No of neurons in output Layers=No of possible languages in the set=3</a:t>
-            </a:r>
-          </a:p>
-          <a:p>
-            <a:r>
-              <a:rPr lang="en-IN" sz="1200" dirty="0" smtClean="0"/>
-              <a:t>Activation Function used is ReLu</a:t>
-            </a:r>
-          </a:p>
-          <a:p>
-            <a:r>
-              <a:rPr lang="en-US" sz="1200" dirty="0" smtClean="0"/>
-              <a:t>Ouput consists of softmax layer to give belongingness probability of the data sample to each class. </a:t>
-            </a:r>
-          </a:p>
-          <a:p>
-            <a:r>
-              <a:rPr lang="en-US" sz="1200" dirty="0" smtClean="0"/>
-              <a:t>This neural network is trained for classifying any number of languages in the set.</a:t>
-            </a:r>
-            <a:endParaRPr lang="en-IN" sz="1200" dirty="0" smtClean="0"/>
-          </a:p>
-          <a:p>
-            <a:endParaRPr lang="en-IN" sz="1200" dirty="0" smtClean="0"/>
-          </a:p>
-          <a:p>
-            <a:endParaRPr lang="en-IN" sz="1200" dirty="0" smtClean="0"/>
-          </a:p>
-        </p:txBody>
-      </p:sp>
-      <p:sp>
-        <p:nvSpPr>
-          <p:cNvPr id="7" name="TextBox 6"/>
-          <p:cNvSpPr txBox="1"/>
-          <p:nvPr/>
-        </p:nvSpPr>
-        <p:spPr>
-          <a:xfrm>
-            <a:off x="4929190" y="2071678"/>
-            <a:ext cx="3429024" cy="4524315"/>
-          </a:xfrm>
-          <a:prstGeom prst="rect">
-            <a:avLst/>
-          </a:prstGeom>
-          <a:noFill/>
-        </p:spPr>
-        <p:txBody>
-          <a:bodyPr wrap="square" rtlCol="0">
-            <a:spAutoFit/>
-          </a:bodyPr>
-          <a:lstStyle/>
-          <a:p>
-            <a:pPr>
-              <a:buFont typeface="Arial" pitchFamily="34" charset="0"/>
-              <a:buChar char="•"/>
-            </a:pPr>
-            <a:r>
-              <a:rPr lang="en-IN" sz="2400" dirty="0" smtClean="0">
-                <a:solidFill>
-                  <a:schemeClr val="tx1">
-                    <a:lumMod val="50000"/>
-                    <a:lumOff val="50000"/>
-                  </a:schemeClr>
-                </a:solidFill>
-                <a:latin typeface="+mj-lt"/>
-              </a:rPr>
-              <a:t>Training Initial Neural Network</a:t>
-            </a:r>
-          </a:p>
-          <a:p>
-            <a:pPr>
-              <a:buFont typeface="Arial" pitchFamily="34" charset="0"/>
-              <a:buChar char="•"/>
-            </a:pPr>
-            <a:endParaRPr lang="en-IN" sz="2400" dirty="0" smtClean="0">
-              <a:solidFill>
-                <a:schemeClr val="tx1">
-                  <a:lumMod val="50000"/>
-                  <a:lumOff val="50000"/>
-                </a:schemeClr>
-              </a:solidFill>
-              <a:latin typeface="+mj-lt"/>
-            </a:endParaRPr>
-          </a:p>
-          <a:p>
-            <a:pPr>
-              <a:buFont typeface="Arial" pitchFamily="34" charset="0"/>
-              <a:buChar char="•"/>
-            </a:pPr>
-            <a:r>
-              <a:rPr lang="en-IN" sz="1200" dirty="0" smtClean="0">
-                <a:solidFill>
-                  <a:schemeClr val="tx1">
-                    <a:lumMod val="50000"/>
-                    <a:lumOff val="50000"/>
-                  </a:schemeClr>
-                </a:solidFill>
-                <a:latin typeface="+mj-lt"/>
-              </a:rPr>
-              <a:t>The architecture is same except the number of output layer=2,  because it is a binary classifier.</a:t>
-            </a:r>
-          </a:p>
-          <a:p>
-            <a:pPr>
-              <a:buFont typeface="Arial" pitchFamily="34" charset="0"/>
-              <a:buChar char="•"/>
-            </a:pPr>
-            <a:r>
-              <a:rPr lang="en-IN" sz="1200" dirty="0" smtClean="0">
-                <a:solidFill>
-                  <a:schemeClr val="tx1">
-                    <a:lumMod val="50000"/>
-                    <a:lumOff val="50000"/>
-                  </a:schemeClr>
-                </a:solidFill>
-                <a:latin typeface="+mj-lt"/>
-              </a:rPr>
-              <a:t>Also neurons in the input layer are fined tune to 380.</a:t>
-            </a:r>
-          </a:p>
-          <a:p>
-            <a:pPr>
-              <a:buFont typeface="Arial" pitchFamily="34" charset="0"/>
-              <a:buChar char="•"/>
-            </a:pPr>
-            <a:r>
-              <a:rPr lang="en-IN" sz="1200" dirty="0" smtClean="0">
-                <a:solidFill>
-                  <a:schemeClr val="tx1">
-                    <a:lumMod val="50000"/>
-                    <a:lumOff val="50000"/>
-                  </a:schemeClr>
-                </a:solidFill>
-                <a:latin typeface="+mj-lt"/>
-              </a:rPr>
-              <a:t>The language corresponding to the neuron giving highest probability is selected as the predicted language. </a:t>
-            </a:r>
-          </a:p>
-          <a:p>
-            <a:pPr>
-              <a:buFont typeface="Arial" pitchFamily="34" charset="0"/>
-              <a:buChar char="•"/>
-            </a:pPr>
-            <a:r>
-              <a:rPr lang="en-IN" sz="1200" dirty="0" smtClean="0">
-                <a:solidFill>
-                  <a:schemeClr val="tx1">
-                    <a:lumMod val="50000"/>
-                    <a:lumOff val="50000"/>
-                  </a:schemeClr>
-                </a:solidFill>
-                <a:latin typeface="+mj-lt"/>
-              </a:rPr>
-              <a:t>This neural network is trained for classifying two different languages</a:t>
-            </a:r>
-          </a:p>
-          <a:p>
-            <a:pPr>
-              <a:buFont typeface="Arial" pitchFamily="34" charset="0"/>
-              <a:buChar char="•"/>
-            </a:pPr>
-            <a:endParaRPr lang="en-IN" sz="2400" dirty="0" smtClean="0">
-              <a:solidFill>
-                <a:schemeClr val="tx1">
-                  <a:lumMod val="50000"/>
-                  <a:lumOff val="50000"/>
-                </a:schemeClr>
-              </a:solidFill>
-              <a:latin typeface="+mj-lt"/>
-            </a:endParaRPr>
-          </a:p>
-          <a:p>
-            <a:pPr>
-              <a:buFont typeface="Arial" pitchFamily="34" charset="0"/>
-              <a:buChar char="•"/>
-            </a:pPr>
-            <a:endParaRPr lang="en-IN" sz="2400" dirty="0" smtClean="0">
-              <a:solidFill>
-                <a:schemeClr val="tx1">
-                  <a:lumMod val="50000"/>
-                  <a:lumOff val="50000"/>
-                </a:schemeClr>
-              </a:solidFill>
-              <a:latin typeface="+mj-lt"/>
-            </a:endParaRPr>
-          </a:p>
-          <a:p>
-            <a:pPr>
-              <a:buFont typeface="Arial" pitchFamily="34" charset="0"/>
-              <a:buChar char="•"/>
-            </a:pPr>
-            <a:endParaRPr lang="en-IN" sz="2400" dirty="0" smtClean="0">
-              <a:solidFill>
-                <a:schemeClr val="tx1">
-                  <a:lumMod val="50000"/>
-                  <a:lumOff val="50000"/>
-                </a:schemeClr>
-              </a:solidFill>
-              <a:latin typeface="+mj-lt"/>
-            </a:endParaRPr>
-          </a:p>
-          <a:p>
-            <a:pPr>
-              <a:buFont typeface="Arial" pitchFamily="34" charset="0"/>
-              <a:buChar char="•"/>
-            </a:pPr>
-            <a:endParaRPr lang="en-IN" sz="2400" dirty="0">
-              <a:solidFill>
-                <a:schemeClr val="tx1">
-                  <a:lumMod val="50000"/>
-                  <a:lumOff val="50000"/>
-                </a:schemeClr>
-              </a:solidFill>
-              <a:latin typeface="+mj-lt"/>
-            </a:endParaRPr>
-          </a:p>
-        </p:txBody>
-      </p:sp>
-      <p:pic>
-        <p:nvPicPr>
-          <p:cNvPr id="8" name="Picture 7" descr="C:\Users\win 8.1\Desktop\400px-Artificial_neural_network.svg.png"/>
-          <p:cNvPicPr/>
-          <p:nvPr/>
-        </p:nvPicPr>
-        <p:blipFill>
-          <a:blip r:embed="rId2">
-            <a:extLst>
-              <a:ext uri="{28A0092B-C50C-407E-A947-70E740481C1C}">
-                <a14:useLocalDpi xmlns:a14="http://schemas.microsoft.com/office/drawing/2010/main" val="0"/>
-              </a:ext>
-            </a:extLst>
-          </a:blip>
-          <a:srcRect/>
-          <a:stretch>
-            <a:fillRect/>
-          </a:stretch>
-        </p:blipFill>
-        <p:spPr bwMode="auto">
-          <a:xfrm>
-            <a:off x="6572264" y="5072074"/>
-            <a:ext cx="1857388" cy="1500198"/>
-          </a:xfrm>
-          <a:prstGeom prst="rect">
-            <a:avLst/>
-          </a:prstGeom>
-          <a:noFill/>
-          <a:ln>
-            <a:noFill/>
-          </a:ln>
-        </p:spPr>
-      </p:pic>
-    </p:spTree>
-  </p:cSld>
-  <p:clrMapOvr>
-    <a:masterClrMapping/>
-  </p:clrMapOvr>
-  <p:timing>
-    <p:tnLst>
-      <p:par>
-        <p:cTn id="1" dur="indefinite" restart="never" nodeType="tmRoot"/>
-      </p:par>
-    </p:tnLst>
-  </p:timing>
-</p:sld>
-</file>
-
-<file path=ppt/slides/slide13.xml><?xml version="1.0" encoding="utf-8"?>
-<p:sld xmlns:a="http://schemas.openxmlformats.org/drawingml/2006/main" xmlns:r="http://schemas.openxmlformats.org/officeDocument/2006/relationships" xmlns:p="http://schemas.openxmlformats.org/presentationml/2006/main" showMasterSp="0">
-  <p:cSld>
-    <p:spTree>
-      <p:nvGrpSpPr>
-        <p:cNvPr id="1" name=""/>
-        <p:cNvGrpSpPr/>
-        <p:nvPr/>
-      </p:nvGrpSpPr>
-      <p:grpSpPr>
-        <a:xfrm>
-          <a:off x="0" y="0"/>
-          <a:ext cx="0" cy="0"/>
-          <a:chOff x="0" y="0"/>
-          <a:chExt cx="0" cy="0"/>
-        </a:xfrm>
-      </p:grpSpPr>
-      <p:sp>
-        <p:nvSpPr>
-          <p:cNvPr id="2" name="Title 1"/>
-          <p:cNvSpPr>
-            <a:spLocks noGrp="1"/>
-          </p:cNvSpPr>
-          <p:nvPr>
-            <p:ph type="title"/>
-          </p:nvPr>
-        </p:nvSpPr>
         <p:spPr>
           <a:xfrm>
             <a:off x="457200" y="-27384"/>
@@ -17495,10 +17096,9 @@
           <a:lstStyle/>
           <a:p>
             <a:r>
-              <a:rPr lang="en-US" dirty="0" smtClean="0"/>
+              <a:rPr lang="en-US" dirty="0"/>
               <a:t>NN Architecture</a:t>
             </a:r>
-            <a:endParaRPr lang="en-US" dirty="0"/>
           </a:p>
         </p:txBody>
       </p:sp>
@@ -17750,7 +17350,7 @@
         </p:nvSpPr>
         <p:spPr>
           <a:xfrm>
-            <a:off x="457200" y="5052349"/>
+            <a:off x="577917" y="1142316"/>
             <a:ext cx="2484335" cy="338554"/>
           </a:xfrm>
           <a:prstGeom prst="rect">
@@ -17780,7 +17380,7 @@
         </p:nvSpPr>
         <p:spPr>
           <a:xfrm>
-            <a:off x="5922078" y="5055769"/>
+            <a:off x="6200668" y="1168152"/>
             <a:ext cx="2541270" cy="338554"/>
           </a:xfrm>
           <a:prstGeom prst="rect">
@@ -17811,7 +17411,7 @@
         <p:spPr>
           <a:xfrm>
             <a:off x="466531" y="5313084"/>
-            <a:ext cx="4038600" cy="1107996"/>
+            <a:ext cx="5452304" cy="1292662"/>
           </a:xfrm>
           <a:prstGeom prst="rect">
             <a:avLst/>
@@ -17827,21 +17427,28 @@
             <a:pPr defTabSz="400050"/>
             <a:r>
               <a:rPr lang="en-US" sz="1200" dirty="0"/>
-              <a:t>Input Dimension	: 180</a:t>
+              <a:t>Hidden Layers 	: 1</a:t>
+            </a:r>
+            <a:br>
+              <a:rPr lang="en-US" sz="1200" dirty="0"/>
+            </a:br>
+            <a:r>
+              <a:rPr lang="en-US" sz="1200" dirty="0"/>
+              <a:t>Input Dimension	: Number of Selected Features : 180 Neurons</a:t>
             </a:r>
           </a:p>
           <a:p>
             <a:pPr defTabSz="598488"/>
             <a:r>
               <a:rPr lang="en-US" sz="1200" dirty="0"/>
-              <a:t>Hidden Layer	: 12</a:t>
+              <a:t>Hidden Layer	: 12 Neurons</a:t>
             </a:r>
           </a:p>
           <a:p>
             <a:pPr defTabSz="400050"/>
             <a:r>
               <a:rPr lang="en-US" sz="1200" dirty="0"/>
-              <a:t>Output Layer	: 3</a:t>
+              <a:t>Output Layer	: Number of Languages	 in set	  : 3 Neurons</a:t>
             </a:r>
           </a:p>
           <a:p>
@@ -17869,8 +17476,8 @@
         </p:nvSpPr>
         <p:spPr>
           <a:xfrm>
-            <a:off x="5918835" y="5314866"/>
-            <a:ext cx="4038600" cy="1107996"/>
+            <a:off x="4788024" y="5314866"/>
+            <a:ext cx="5169411" cy="1292662"/>
           </a:xfrm>
           <a:prstGeom prst="rect">
             <a:avLst/>
@@ -17890,29 +17497,44 @@
                   <a:prstClr val="black"/>
                 </a:solidFill>
               </a:rPr>
-              <a:t>Input Dimension	: 380</a:t>
-            </a:r>
-          </a:p>
-          <a:p>
-            <a:pPr lvl="0" defTabSz="598488"/>
-            <a:r>
+              <a:t>Hidden Layers	: 1</a:t>
+            </a:r>
+            <a:br>
               <a:rPr lang="en-US" sz="1200" dirty="0">
                 <a:solidFill>
                   <a:prstClr val="black"/>
                 </a:solidFill>
               </a:rPr>
-              <a:t>Hidden Layer	: 22</a:t>
-            </a:r>
-          </a:p>
-          <a:p>
-            <a:pPr lvl="0" defTabSz="400050"/>
+            </a:br>
             <a:r>
               <a:rPr lang="en-US" sz="1200" dirty="0">
                 <a:solidFill>
                   <a:prstClr val="black"/>
                 </a:solidFill>
               </a:rPr>
-              <a:t>Output Layer	: 2</a:t>
+              <a:t>Input Dimension	: Number of Selected Features : 380 Neurons</a:t>
+            </a:r>
+          </a:p>
+          <a:p>
+            <a:pPr lvl="0" defTabSz="598488"/>
+            <a:r>
+              <a:rPr lang="en-US" sz="1200" dirty="0">
+                <a:solidFill>
+                  <a:prstClr val="black"/>
+                </a:solidFill>
+              </a:rPr>
+              <a:t>Hidden Layer	: 22 Neurons</a:t>
+            </a:r>
+          </a:p>
+          <a:p>
+            <a:pPr lvl="0" defTabSz="400050"/>
+            <a:r>
+              <a:rPr lang="en-US" sz="1200" dirty="0">
+                <a:solidFill>
+                  <a:prstClr val="black"/>
+                </a:solidFill>
+              </a:rPr>
+              <a:t>Output Layer	: 2 Neurons</a:t>
             </a:r>
           </a:p>
           <a:p>
@@ -17957,7 +17579,7 @@
         </p:nvSpPr>
         <p:spPr>
           <a:xfrm>
-            <a:off x="3697983" y="1888065"/>
+            <a:off x="3880274" y="1892775"/>
             <a:ext cx="2642235" cy="2123658"/>
           </a:xfrm>
           <a:prstGeom prst="rect">
@@ -18021,7 +17643,7 @@
             <a:endParaRPr lang="en-US" sz="1200" dirty="0"/>
           </a:p>
           <a:p>
-            <a:pPr defTabSz="214313">
+            <a:pPr defTabSz="141288">
               <a:lnSpc>
                 <a:spcPct val="200000"/>
               </a:lnSpc>
@@ -18032,11 +17654,11 @@
             </a:r>
             <a:r>
               <a:rPr lang="en-US" sz="1200" dirty="0"/>
-              <a:t> 	: L1L2</a:t>
-            </a:r>
-          </a:p>
-          <a:p>
-            <a:pPr defTabSz="285750">
+              <a:t> : L1L2</a:t>
+            </a:r>
+          </a:p>
+          <a:p>
+            <a:pPr defTabSz="268288">
               <a:lnSpc>
                 <a:spcPct val="200000"/>
               </a:lnSpc>
@@ -18052,7 +17674,7 @@
             <a:endParaRPr lang="en-US" sz="1200" dirty="0"/>
           </a:p>
           <a:p>
-            <a:pPr defTabSz="427038">
+            <a:pPr defTabSz="401638">
               <a:lnSpc>
                 <a:spcPct val="200000"/>
               </a:lnSpc>
@@ -18072,7 +17694,7 @@
         </p:nvSpPr>
         <p:spPr>
           <a:xfrm>
-            <a:off x="3567583" y="1651976"/>
+            <a:off x="3713223" y="1707711"/>
             <a:ext cx="2255607" cy="338554"/>
           </a:xfrm>
           <a:prstGeom prst="rect">
@@ -18153,10 +17775,179 @@
           </a:p>
         </p:txBody>
       </p:sp>
+      <p:cxnSp>
+        <p:nvCxnSpPr>
+          <p:cNvPr id="24" name="Straight Connector 23"/>
+          <p:cNvCxnSpPr/>
+          <p:nvPr/>
+        </p:nvCxnSpPr>
+        <p:spPr>
+          <a:xfrm>
+            <a:off x="4788024" y="3982527"/>
+            <a:ext cx="0" cy="2398801"/>
+          </a:xfrm>
+          <a:prstGeom prst="line">
+            <a:avLst/>
+          </a:prstGeom>
+        </p:spPr>
+        <p:style>
+          <a:lnRef idx="1">
+            <a:schemeClr val="accent1"/>
+          </a:lnRef>
+          <a:fillRef idx="0">
+            <a:schemeClr val="accent1"/>
+          </a:fillRef>
+          <a:effectRef idx="0">
+            <a:schemeClr val="accent1"/>
+          </a:effectRef>
+          <a:fontRef idx="minor">
+            <a:schemeClr val="tx1"/>
+          </a:fontRef>
+        </p:style>
+      </p:cxnSp>
     </p:spTree>
     <p:extLst>
       <p:ext uri="{BB962C8B-B14F-4D97-AF65-F5344CB8AC3E}">
         <p14:creationId xmlns:p14="http://schemas.microsoft.com/office/powerpoint/2010/main" val="2513166172"/>
+      </p:ext>
+    </p:extLst>
+  </p:cSld>
+  <p:clrMapOvr>
+    <a:masterClrMapping/>
+  </p:clrMapOvr>
+</p:sld>
+</file>
+
+<file path=ppt/slides/slide13.xml><?xml version="1.0" encoding="utf-8"?>
+<p:sld xmlns:a="http://schemas.openxmlformats.org/drawingml/2006/main" xmlns:r="http://schemas.openxmlformats.org/officeDocument/2006/relationships" xmlns:p="http://schemas.openxmlformats.org/presentationml/2006/main" showMasterSp="0">
+  <p:cSld>
+    <p:spTree>
+      <p:nvGrpSpPr>
+        <p:cNvPr id="1" name=""/>
+        <p:cNvGrpSpPr/>
+        <p:nvPr/>
+      </p:nvGrpSpPr>
+      <p:grpSpPr>
+        <a:xfrm>
+          <a:off x="0" y="0"/>
+          <a:ext cx="0" cy="0"/>
+          <a:chOff x="0" y="0"/>
+          <a:chExt cx="0" cy="0"/>
+        </a:xfrm>
+      </p:grpSpPr>
+      <p:sp>
+        <p:nvSpPr>
+          <p:cNvPr id="2" name="Title 1"/>
+          <p:cNvSpPr>
+            <a:spLocks noGrp="1"/>
+          </p:cNvSpPr>
+          <p:nvPr>
+            <p:ph type="title"/>
+          </p:nvPr>
+        </p:nvSpPr>
+        <p:spPr>
+          <a:xfrm>
+            <a:off x="457200" y="404664"/>
+            <a:ext cx="8229600" cy="1195536"/>
+          </a:xfrm>
+        </p:spPr>
+        <p:txBody>
+          <a:bodyPr/>
+          <a:lstStyle/>
+          <a:p>
+            <a:r>
+              <a:rPr lang="en-US" dirty="0"/>
+              <a:t>Hybrid NN Model Training</a:t>
+            </a:r>
+          </a:p>
+        </p:txBody>
+      </p:sp>
+      <p:sp>
+        <p:nvSpPr>
+          <p:cNvPr id="3" name="Content Placeholder 2"/>
+          <p:cNvSpPr>
+            <a:spLocks noGrp="1"/>
+          </p:cNvSpPr>
+          <p:nvPr>
+            <p:ph idx="1"/>
+          </p:nvPr>
+        </p:nvSpPr>
+        <p:spPr/>
+        <p:txBody>
+          <a:bodyPr>
+            <a:normAutofit fontScale="70000" lnSpcReduction="20000"/>
+          </a:bodyPr>
+          <a:lstStyle/>
+          <a:p>
+            <a:pPr algn="just"/>
+            <a:r>
+              <a:rPr lang="en-IN" dirty="0"/>
+              <a:t>Both Initial and Binary are using </a:t>
+            </a:r>
+            <a:r>
+              <a:rPr lang="en-IN" b="1" u="sng" dirty="0" err="1"/>
+              <a:t>Keras</a:t>
+            </a:r>
+            <a:r>
+              <a:rPr lang="en-IN" dirty="0"/>
+              <a:t> Library which is a high-level neural networks library, written in Python, capable of running on top of either Tensor Flow or Theano and enables fast experimentation. It allows easy specification of the characteristics of the network.</a:t>
+            </a:r>
+          </a:p>
+          <a:p>
+            <a:pPr algn="just"/>
+            <a:endParaRPr lang="en-IN" dirty="0"/>
+          </a:p>
+          <a:p>
+            <a:pPr algn="just"/>
+            <a:r>
+              <a:rPr lang="en-IN" dirty="0"/>
+              <a:t>The parameters associated with both NN’s were found through extensive testing.</a:t>
+            </a:r>
+          </a:p>
+          <a:p>
+            <a:pPr algn="just"/>
+            <a:endParaRPr lang="en-IN" dirty="0"/>
+          </a:p>
+          <a:p>
+            <a:pPr algn="just"/>
+            <a:r>
+              <a:rPr lang="en-IN" dirty="0"/>
+              <a:t>The Initial NN is trained with audio speech samples for all languages and produces </a:t>
+            </a:r>
+            <a:r>
+              <a:rPr lang="en-US" dirty="0"/>
+              <a:t>belongingness probability of the data sample to each class. It is used for classifying any number of languages in the set.</a:t>
+            </a:r>
+          </a:p>
+          <a:p>
+            <a:pPr algn="just"/>
+            <a:endParaRPr lang="en-IN" dirty="0"/>
+          </a:p>
+          <a:p>
+            <a:pPr algn="just"/>
+            <a:r>
+              <a:rPr lang="en-IN" dirty="0"/>
+              <a:t>Binary NN(s) are trained with audio speech samples for all language pairs and is used for classifying two different languages.</a:t>
+            </a:r>
+          </a:p>
+          <a:p>
+            <a:pPr algn="just"/>
+            <a:endParaRPr lang="en-IN" dirty="0"/>
+          </a:p>
+          <a:p>
+            <a:pPr algn="just"/>
+            <a:r>
+              <a:rPr lang="en-IN" dirty="0"/>
+              <a:t>Final output is produced by using the top 2 most probable languages and inputting them to the appropriate Binary Classifier from which the most probable language is selected.</a:t>
+            </a:r>
+            <a:endParaRPr lang="en-US" dirty="0"/>
+          </a:p>
+        </p:txBody>
+      </p:sp>
+    </p:spTree>
+    <p:extLst>
+      <p:ext uri="{BB962C8B-B14F-4D97-AF65-F5344CB8AC3E}">
+        <p14:creationId xmlns:p14="http://schemas.microsoft.com/office/powerpoint/2010/main" val="1208339314"/>
       </p:ext>
     </p:extLst>
   </p:cSld>
@@ -18195,138 +17986,6 @@
         </p:nvSpPr>
         <p:spPr>
           <a:xfrm>
-            <a:off x="457200" y="-27384"/>
-            <a:ext cx="8229600" cy="1195536"/>
-          </a:xfrm>
-        </p:spPr>
-        <p:txBody>
-          <a:bodyPr/>
-          <a:lstStyle/>
-          <a:p>
-            <a:r>
-              <a:rPr lang="en-US" dirty="0"/>
-              <a:t>Hybrid </a:t>
-            </a:r>
-            <a:r>
-              <a:rPr lang="en-US" dirty="0" smtClean="0"/>
-              <a:t>NN</a:t>
-            </a:r>
-            <a:r>
-              <a:rPr lang="en-US" dirty="0" smtClean="0"/>
-              <a:t> </a:t>
-            </a:r>
-            <a:r>
-              <a:rPr lang="en-US" dirty="0"/>
-              <a:t>Model</a:t>
-            </a:r>
-          </a:p>
-        </p:txBody>
-      </p:sp>
-      <p:sp>
-        <p:nvSpPr>
-          <p:cNvPr id="3" name="Content Placeholder 2"/>
-          <p:cNvSpPr>
-            <a:spLocks noGrp="1"/>
-          </p:cNvSpPr>
-          <p:nvPr>
-            <p:ph idx="1"/>
-          </p:nvPr>
-        </p:nvSpPr>
-        <p:spPr/>
-        <p:txBody>
-          <a:bodyPr>
-            <a:normAutofit fontScale="92500"/>
-          </a:bodyPr>
-          <a:lstStyle/>
-          <a:p>
-            <a:pPr algn="just"/>
-            <a:r>
-              <a:rPr lang="en-IN" dirty="0"/>
-              <a:t>Both Initial and </a:t>
-            </a:r>
-            <a:r>
-              <a:rPr lang="en-IN" dirty="0" smtClean="0"/>
-              <a:t>Binary are </a:t>
-            </a:r>
-            <a:r>
-              <a:rPr lang="en-IN" dirty="0"/>
-              <a:t>using </a:t>
-            </a:r>
-            <a:r>
-              <a:rPr lang="en-IN" b="1" u="sng" dirty="0" err="1"/>
-              <a:t>Keras</a:t>
-            </a:r>
-            <a:r>
-              <a:rPr lang="en-IN" dirty="0"/>
-              <a:t> Library which is a high-level neural networks library, written in Python, capable of running on top of either Tensor Flow or Theano and enables fast experimentation. It allows easy specification of the characteristics of the network.</a:t>
-            </a:r>
-          </a:p>
-          <a:p>
-            <a:pPr algn="just"/>
-            <a:r>
-              <a:rPr lang="en-IN" dirty="0"/>
-              <a:t>The Initial NN is trained with audio speech samples for all languages and produces the top 2 most probable language candidates.</a:t>
-            </a:r>
-          </a:p>
-          <a:p>
-            <a:pPr algn="just"/>
-            <a:r>
-              <a:rPr lang="en-IN" dirty="0"/>
-              <a:t>Binary NN(s) are trained with audio speech samples for all language pairs.</a:t>
-            </a:r>
-          </a:p>
-          <a:p>
-            <a:pPr algn="just"/>
-            <a:r>
-              <a:rPr lang="en-IN" dirty="0"/>
-              <a:t>Final output is produced by using the top 2 candidates and inputting them to the appropriate Binary Classifier.</a:t>
-            </a:r>
-            <a:endParaRPr lang="en-US" dirty="0"/>
-          </a:p>
-        </p:txBody>
-      </p:sp>
-    </p:spTree>
-    <p:extLst>
-      <p:ext uri="{BB962C8B-B14F-4D97-AF65-F5344CB8AC3E}">
-        <p14:creationId xmlns:p14="http://schemas.microsoft.com/office/powerpoint/2010/main" val="1208339314"/>
-      </p:ext>
-    </p:extLst>
-  </p:cSld>
-  <p:clrMapOvr>
-    <a:masterClrMapping/>
-  </p:clrMapOvr>
-</p:sld>
-</file>
-
-<file path=ppt/slides/slide15.xml><?xml version="1.0" encoding="utf-8"?>
-<p:sld xmlns:a="http://schemas.openxmlformats.org/drawingml/2006/main" xmlns:r="http://schemas.openxmlformats.org/officeDocument/2006/relationships" xmlns:p="http://schemas.openxmlformats.org/presentationml/2006/main" showMasterSp="0">
-  <p:cSld>
-    <p:spTree>
-      <p:nvGrpSpPr>
-        <p:cNvPr id="1" name=""/>
-        <p:cNvGrpSpPr/>
-        <p:nvPr/>
-      </p:nvGrpSpPr>
-      <p:grpSpPr>
-        <a:xfrm>
-          <a:off x="0" y="0"/>
-          <a:ext cx="0" cy="0"/>
-          <a:chOff x="0" y="0"/>
-          <a:chExt cx="0" cy="0"/>
-        </a:xfrm>
-      </p:grpSpPr>
-      <p:sp>
-        <p:nvSpPr>
-          <p:cNvPr id="2" name="Title 1"/>
-          <p:cNvSpPr>
-            <a:spLocks noGrp="1"/>
-          </p:cNvSpPr>
-          <p:nvPr>
-            <p:ph type="title"/>
-          </p:nvPr>
-        </p:nvSpPr>
-        <p:spPr>
-          <a:xfrm>
             <a:off x="457200" y="23446"/>
             <a:ext cx="8229600" cy="1295400"/>
           </a:xfrm>
@@ -18336,10 +17995,9 @@
           <a:lstStyle/>
           <a:p>
             <a:r>
-              <a:rPr lang="en-US" dirty="0" smtClean="0"/>
+              <a:rPr lang="en-US" dirty="0"/>
               <a:t>Testing</a:t>
             </a:r>
-            <a:endParaRPr lang="en-US" dirty="0"/>
           </a:p>
         </p:txBody>
       </p:sp>
@@ -18361,11 +18019,11 @@
           <a:lstStyle/>
           <a:p>
             <a:r>
-              <a:rPr lang="en-US" sz="1600" b="1" dirty="0" smtClean="0"/>
+              <a:rPr lang="en-US" sz="1600" b="1" dirty="0"/>
               <a:t>HoldOut Validation</a:t>
             </a:r>
             <a:r>
-              <a:rPr lang="en-US" sz="1600" dirty="0" smtClean="0"/>
+              <a:rPr lang="en-US" sz="1600" dirty="0"/>
               <a:t>: The holdout method is the simplest kind of cross validation. The data set is separated into two sets, called the training set and the testing set. The function approximator fits a function using the training set only. Then the function approximator is asked to predict the output values for the data in the testing set (it has never seen these output values before). </a:t>
             </a:r>
           </a:p>
@@ -18430,10 +18088,10 @@
           <a:lstStyle/>
           <a:p>
             <a:r>
-              <a:rPr lang="en-US" b="1" dirty="0" smtClean="0"/>
+              <a:rPr lang="en-US" b="1" dirty="0"/>
               <a:t>In this type of validation, we set out 60% of the entire data for training and rest 30% for holdout test. The 30% test samples were independent of training samples, i.e. even the speakers were distinct in both the sample sets.</a:t>
             </a:r>
-            <a:endParaRPr lang="en-IN" dirty="0" smtClean="0"/>
+            <a:endParaRPr lang="en-IN" dirty="0"/>
           </a:p>
           <a:p>
             <a:endParaRPr lang="en-IN" dirty="0"/>
@@ -18450,17 +18108,10 @@
   <p:clrMapOvr>
     <a:masterClrMapping/>
   </p:clrMapOvr>
-  <p:timing>
-    <p:tnLst>
-      <p:par>
-        <p:cTn id="1" dur="indefinite" restart="never" nodeType="tmRoot"/>
-      </p:par>
-    </p:tnLst>
-  </p:timing>
 </p:sld>
 </file>
 
-<file path=ppt/slides/slide16.xml><?xml version="1.0" encoding="utf-8"?>
+<file path=ppt/slides/slide15.xml><?xml version="1.0" encoding="utf-8"?>
 <p:sld xmlns:a="http://schemas.openxmlformats.org/drawingml/2006/main" xmlns:r="http://schemas.openxmlformats.org/officeDocument/2006/relationships" xmlns:p="http://schemas.openxmlformats.org/presentationml/2006/main" showMasterSp="0">
   <p:cSld>
     <p:spTree>
@@ -18498,10 +18149,9 @@
           <a:lstStyle/>
           <a:p>
             <a:r>
-              <a:rPr lang="en-US" dirty="0" smtClean="0"/>
+              <a:rPr lang="en-US" dirty="0"/>
               <a:t>Testing</a:t>
             </a:r>
-            <a:endParaRPr lang="en-US" dirty="0"/>
           </a:p>
         </p:txBody>
       </p:sp>
@@ -18523,51 +18173,51 @@
           <a:lstStyle/>
           <a:p>
             <a:r>
-              <a:rPr lang="en-US" sz="1600" b="1" dirty="0" smtClean="0"/>
+              <a:rPr lang="en-US" sz="1600" b="1" dirty="0"/>
               <a:t>KFold Validation</a:t>
             </a:r>
             <a:r>
-              <a:rPr lang="en-US" sz="1600" dirty="0" smtClean="0"/>
+              <a:rPr lang="en-US" sz="1600" dirty="0"/>
               <a:t>:  K-fold cross validation is one way to improve over the holdout method. The data set is divided into </a:t>
             </a:r>
             <a:r>
-              <a:rPr lang="en-US" sz="1600" i="1" dirty="0" smtClean="0"/>
+              <a:rPr lang="en-US" sz="1600" i="1" dirty="0"/>
               <a:t>k</a:t>
             </a:r>
             <a:r>
-              <a:rPr lang="en-US" sz="1600" dirty="0" smtClean="0"/>
+              <a:rPr lang="en-US" sz="1600" dirty="0"/>
               <a:t> subsets, and the holdout method is repeated </a:t>
             </a:r>
             <a:r>
-              <a:rPr lang="en-US" sz="1600" i="1" dirty="0" smtClean="0"/>
+              <a:rPr lang="en-US" sz="1600" i="1" dirty="0"/>
               <a:t>k</a:t>
             </a:r>
             <a:r>
-              <a:rPr lang="en-US" sz="1600" dirty="0" smtClean="0"/>
+              <a:rPr lang="en-US" sz="1600" dirty="0"/>
               <a:t> times. Each time, one of the </a:t>
             </a:r>
             <a:r>
-              <a:rPr lang="en-US" sz="1600" i="1" dirty="0" smtClean="0"/>
+              <a:rPr lang="en-US" sz="1600" i="1" dirty="0"/>
               <a:t>k</a:t>
             </a:r>
             <a:r>
-              <a:rPr lang="en-US" sz="1600" dirty="0" smtClean="0"/>
+              <a:rPr lang="en-US" sz="1600" dirty="0"/>
               <a:t> subsets is used as the test set and the other </a:t>
             </a:r>
             <a:r>
-              <a:rPr lang="en-US" sz="1600" i="1" dirty="0" smtClean="0"/>
+              <a:rPr lang="en-US" sz="1600" i="1" dirty="0"/>
               <a:t>k-1</a:t>
             </a:r>
             <a:r>
-              <a:rPr lang="en-US" sz="1600" dirty="0" smtClean="0"/>
+              <a:rPr lang="en-US" sz="1600" dirty="0"/>
               <a:t> subsets are put together to form a training set. Then the average error across all </a:t>
             </a:r>
             <a:r>
-              <a:rPr lang="en-US" sz="1600" i="1" dirty="0" smtClean="0"/>
+              <a:rPr lang="en-US" sz="1600" i="1" dirty="0"/>
               <a:t>k</a:t>
             </a:r>
             <a:r>
-              <a:rPr lang="en-US" sz="1600" dirty="0" smtClean="0"/>
+              <a:rPr lang="en-US" sz="1600" dirty="0"/>
               <a:t> trials is computed. </a:t>
             </a:r>
           </a:p>
@@ -18595,18 +18245,14 @@
           </a:bodyPr>
           <a:lstStyle/>
           <a:p>
-            <a:r>
-              <a:rPr lang="en-IN" dirty="0" smtClean="0"/>
-              <a:t/>
-            </a:r>
             <a:br>
-              <a:rPr lang="en-IN" dirty="0" smtClean="0"/>
+              <a:rPr lang="en-IN" dirty="0"/>
             </a:br>
             <a:r>
-              <a:rPr lang="en-US" b="1" dirty="0" smtClean="0"/>
+              <a:rPr lang="en-US" b="1" dirty="0"/>
               <a:t>While doing K-Fold Validation we used k=10, thus the entire model had to be trained 10 times. The standard deviation and average accuracy is specified in the results section.</a:t>
             </a:r>
-            <a:endParaRPr lang="en-IN" dirty="0" smtClean="0"/>
+            <a:endParaRPr lang="en-IN" dirty="0"/>
           </a:p>
           <a:p>
             <a:endParaRPr lang="en-IN" dirty="0"/>
@@ -18659,17 +18305,10 @@
   <p:clrMapOvr>
     <a:masterClrMapping/>
   </p:clrMapOvr>
-  <p:timing>
-    <p:tnLst>
-      <p:par>
-        <p:cTn id="1" dur="indefinite" restart="never" nodeType="tmRoot"/>
-      </p:par>
-    </p:tnLst>
-  </p:timing>
 </p:sld>
 </file>
 
-<file path=ppt/slides/slide17.xml><?xml version="1.0" encoding="utf-8"?>
+<file path=ppt/slides/slide16.xml><?xml version="1.0" encoding="utf-8"?>
 <p:sld xmlns:a="http://schemas.openxmlformats.org/drawingml/2006/main" xmlns:r="http://schemas.openxmlformats.org/officeDocument/2006/relationships" xmlns:p="http://schemas.openxmlformats.org/presentationml/2006/main" showMasterSp="0">
   <p:cSld>
     <p:spTree>
@@ -18707,10 +18346,9 @@
           <a:lstStyle/>
           <a:p>
             <a:r>
-              <a:rPr lang="en-IN" dirty="0" smtClean="0"/>
+              <a:rPr lang="en-IN" dirty="0"/>
               <a:t>Results</a:t>
             </a:r>
-            <a:endParaRPr lang="en-IN" dirty="0"/>
           </a:p>
         </p:txBody>
       </p:sp>
@@ -18740,14 +18378,9 @@
               <a:buNone/>
             </a:pPr>
             <a:r>
-              <a:rPr lang="en-IN" dirty="0" smtClean="0"/>
-              <a:t>Overall </a:t>
-            </a:r>
-            <a:r>
-              <a:rPr lang="en-IN" dirty="0" smtClean="0"/>
-              <a:t>accuracy of the system using holdout validation technique</a:t>
-            </a:r>
-            <a:endParaRPr lang="en-IN" dirty="0"/>
+              <a:rPr lang="en-IN" dirty="0"/>
+              <a:t>Overall accuracy of the system using holdout validation technique</a:t>
+            </a:r>
           </a:p>
         </p:txBody>
       </p:sp>
@@ -18774,10 +18407,34 @@
             <a:tbl>
               <a:tblPr/>
               <a:tblGrid>
-                <a:gridCol w="1471838"/>
-                <a:gridCol w="1471838"/>
-                <a:gridCol w="1472468"/>
-                <a:gridCol w="1472468"/>
+                <a:gridCol w="1471838">
+                  <a:extLst>
+                    <a:ext uri="{9D8B030D-6E8A-4147-A177-3AD203B41FA5}">
+                      <a16:colId xmlns:a16="http://schemas.microsoft.com/office/drawing/2014/main" val="20000"/>
+                    </a:ext>
+                  </a:extLst>
+                </a:gridCol>
+                <a:gridCol w="1471838">
+                  <a:extLst>
+                    <a:ext uri="{9D8B030D-6E8A-4147-A177-3AD203B41FA5}">
+                      <a16:colId xmlns:a16="http://schemas.microsoft.com/office/drawing/2014/main" val="20001"/>
+                    </a:ext>
+                  </a:extLst>
+                </a:gridCol>
+                <a:gridCol w="1472468">
+                  <a:extLst>
+                    <a:ext uri="{9D8B030D-6E8A-4147-A177-3AD203B41FA5}">
+                      <a16:colId xmlns:a16="http://schemas.microsoft.com/office/drawing/2014/main" val="20002"/>
+                    </a:ext>
+                  </a:extLst>
+                </a:gridCol>
+                <a:gridCol w="1472468">
+                  <a:extLst>
+                    <a:ext uri="{9D8B030D-6E8A-4147-A177-3AD203B41FA5}">
+                      <a16:colId xmlns:a16="http://schemas.microsoft.com/office/drawing/2014/main" val="20003"/>
+                    </a:ext>
+                  </a:extLst>
+                </a:gridCol>
               </a:tblGrid>
               <a:tr h="300037">
                 <a:tc>
@@ -19040,6 +18697,11 @@
                     </a:lnB>
                   </a:tcPr>
                 </a:tc>
+                <a:extLst>
+                  <a:ext uri="{0D108BD9-81ED-4DB2-BD59-A6C34878D82A}">
+                    <a16:rowId xmlns:a16="http://schemas.microsoft.com/office/drawing/2014/main" val="10000"/>
+                  </a:ext>
+                </a:extLst>
               </a:tr>
               <a:tr h="300037">
                 <a:tc>
@@ -19310,6 +18972,11 @@
                     </a:lnB>
                   </a:tcPr>
                 </a:tc>
+                <a:extLst>
+                  <a:ext uri="{0D108BD9-81ED-4DB2-BD59-A6C34878D82A}">
+                    <a16:rowId xmlns:a16="http://schemas.microsoft.com/office/drawing/2014/main" val="10001"/>
+                  </a:ext>
+                </a:extLst>
               </a:tr>
               <a:tr h="300037">
                 <a:tc>
@@ -19580,6 +19247,11 @@
                     </a:lnB>
                   </a:tcPr>
                 </a:tc>
+                <a:extLst>
+                  <a:ext uri="{0D108BD9-81ED-4DB2-BD59-A6C34878D82A}">
+                    <a16:rowId xmlns:a16="http://schemas.microsoft.com/office/drawing/2014/main" val="10002"/>
+                  </a:ext>
+                </a:extLst>
               </a:tr>
               <a:tr h="300037">
                 <a:tc>
@@ -19850,6 +19522,11 @@
                     </a:lnB>
                   </a:tcPr>
                 </a:tc>
+                <a:extLst>
+                  <a:ext uri="{0D108BD9-81ED-4DB2-BD59-A6C34878D82A}">
+                    <a16:rowId xmlns:a16="http://schemas.microsoft.com/office/drawing/2014/main" val="10003"/>
+                  </a:ext>
+                </a:extLst>
               </a:tr>
             </a:tbl>
           </a:graphicData>
@@ -19878,10 +19555,9 @@
           <a:lstStyle/>
           <a:p>
             <a:r>
-              <a:rPr lang="en-IN" dirty="0" smtClean="0"/>
+              <a:rPr lang="en-IN" dirty="0"/>
               <a:t>Accuracy: 79.20%</a:t>
             </a:r>
-            <a:endParaRPr lang="en-IN" dirty="0"/>
           </a:p>
         </p:txBody>
       </p:sp>
@@ -19893,7 +19569,7 @@
 </p:sld>
 </file>
 
-<file path=ppt/slides/slide18.xml><?xml version="1.0" encoding="utf-8"?>
+<file path=ppt/slides/slide17.xml><?xml version="1.0" encoding="utf-8"?>
 <p:sld xmlns:a="http://schemas.openxmlformats.org/drawingml/2006/main" xmlns:r="http://schemas.openxmlformats.org/officeDocument/2006/relationships" xmlns:p="http://schemas.openxmlformats.org/presentationml/2006/main" showMasterSp="0">
   <p:cSld>
     <p:spTree>
@@ -19929,7 +19605,7 @@
               <a:buNone/>
             </a:pPr>
             <a:r>
-              <a:rPr lang="en-IN" dirty="0" smtClean="0"/>
+              <a:rPr lang="en-IN" dirty="0"/>
               <a:t>Overall accuracy curve using KFold Validation Technique</a:t>
             </a:r>
           </a:p>
@@ -19938,10 +19614,9 @@
               <a:buNone/>
             </a:pPr>
             <a:r>
-              <a:rPr lang="en-IN" dirty="0" smtClean="0"/>
+              <a:rPr lang="en-IN" dirty="0"/>
               <a:t> </a:t>
             </a:r>
-            <a:endParaRPr lang="en-IN" dirty="0"/>
           </a:p>
         </p:txBody>
       </p:sp>
@@ -20026,7 +19701,7 @@
               <a:tabLst/>
             </a:pPr>
             <a:r>
-              <a:rPr kumimoji="0" lang="en-US" sz="1400" b="0" i="0" u="none" strike="noStrike" cap="none" normalizeH="0" baseline="0" dirty="0" smtClean="0">
+              <a:rPr kumimoji="0" lang="en-US" sz="1400" b="0" i="0" u="none" strike="noStrike" cap="none" normalizeH="0" baseline="0" dirty="0">
                 <a:ln>
                   <a:noFill/>
                 </a:ln>
@@ -20040,7 +19715,7 @@
               </a:rPr>
               <a:t>Results of the K Fold Validation of the language detection system. The average accuracy is 79.22% and a low standard deviation of 2.59 in the percentage accuracy is indicative of a stable system.</a:t>
             </a:r>
-            <a:endParaRPr kumimoji="0" lang="en-US" sz="1400" b="0" i="0" u="none" strike="noStrike" cap="none" normalizeH="0" baseline="0" dirty="0" smtClean="0">
+            <a:endParaRPr kumimoji="0" lang="en-US" sz="1400" b="0" i="0" u="none" strike="noStrike" cap="none" normalizeH="0" baseline="0" dirty="0">
               <a:ln>
                 <a:noFill/>
               </a:ln>
@@ -20075,10 +19750,9 @@
           <a:lstStyle/>
           <a:p>
             <a:r>
-              <a:rPr lang="en-IN" dirty="0" smtClean="0"/>
+              <a:rPr lang="en-IN" dirty="0"/>
               <a:t>Results</a:t>
             </a:r>
-            <a:endParaRPr lang="en-IN" dirty="0"/>
           </a:p>
         </p:txBody>
       </p:sp>
@@ -20090,7 +19764,7 @@
 </p:sld>
 </file>
 
-<file path=ppt/slides/slide19.xml><?xml version="1.0" encoding="utf-8"?>
+<file path=ppt/slides/slide18.xml><?xml version="1.0" encoding="utf-8"?>
 <p:sld xmlns:a="http://schemas.openxmlformats.org/drawingml/2006/main" xmlns:r="http://schemas.openxmlformats.org/officeDocument/2006/relationships" xmlns:p="http://schemas.openxmlformats.org/presentationml/2006/main" showMasterSp="0">
   <p:cSld>
     <p:spTree>
@@ -20117,16 +19791,34 @@
         </p:nvGraphicFramePr>
         <p:xfrm>
           <a:off x="1357290" y="1071546"/>
-          <a:ext cx="5937250" cy="604394"/>
+          <a:ext cx="5937250" cy="630936"/>
         </p:xfrm>
         <a:graphic>
           <a:graphicData uri="http://schemas.openxmlformats.org/drawingml/2006/table">
             <a:tbl>
               <a:tblPr/>
               <a:tblGrid>
-                <a:gridCol w="1978660"/>
-                <a:gridCol w="1979295"/>
-                <a:gridCol w="1979295"/>
+                <a:gridCol w="1978660">
+                  <a:extLst>
+                    <a:ext uri="{9D8B030D-6E8A-4147-A177-3AD203B41FA5}">
+                      <a16:colId xmlns:a16="http://schemas.microsoft.com/office/drawing/2014/main" val="20000"/>
+                    </a:ext>
+                  </a:extLst>
+                </a:gridCol>
+                <a:gridCol w="1979295">
+                  <a:extLst>
+                    <a:ext uri="{9D8B030D-6E8A-4147-A177-3AD203B41FA5}">
+                      <a16:colId xmlns:a16="http://schemas.microsoft.com/office/drawing/2014/main" val="20001"/>
+                    </a:ext>
+                  </a:extLst>
+                </a:gridCol>
+                <a:gridCol w="1979295">
+                  <a:extLst>
+                    <a:ext uri="{9D8B030D-6E8A-4147-A177-3AD203B41FA5}">
+                      <a16:colId xmlns:a16="http://schemas.microsoft.com/office/drawing/2014/main" val="20002"/>
+                    </a:ext>
+                  </a:extLst>
+                </a:gridCol>
               </a:tblGrid>
               <a:tr h="0">
                 <a:tc>
@@ -20322,6 +20014,11 @@
                     </a:lnB>
                   </a:tcPr>
                 </a:tc>
+                <a:extLst>
+                  <a:ext uri="{0D108BD9-81ED-4DB2-BD59-A6C34878D82A}">
+                    <a16:rowId xmlns:a16="http://schemas.microsoft.com/office/drawing/2014/main" val="10000"/>
+                  </a:ext>
+                </a:extLst>
               </a:tr>
               <a:tr h="0">
                 <a:tc>
@@ -20525,6 +20222,11 @@
                     </a:lnB>
                   </a:tcPr>
                 </a:tc>
+                <a:extLst>
+                  <a:ext uri="{0D108BD9-81ED-4DB2-BD59-A6C34878D82A}">
+                    <a16:rowId xmlns:a16="http://schemas.microsoft.com/office/drawing/2014/main" val="10001"/>
+                  </a:ext>
+                </a:extLst>
               </a:tr>
               <a:tr h="0">
                 <a:tc>
@@ -20728,6 +20430,11 @@
                     </a:lnB>
                   </a:tcPr>
                 </a:tc>
+                <a:extLst>
+                  <a:ext uri="{0D108BD9-81ED-4DB2-BD59-A6C34878D82A}">
+                    <a16:rowId xmlns:a16="http://schemas.microsoft.com/office/drawing/2014/main" val="10002"/>
+                  </a:ext>
+                </a:extLst>
               </a:tr>
             </a:tbl>
           </a:graphicData>
@@ -20743,16 +20450,34 @@
         </p:nvGraphicFramePr>
         <p:xfrm>
           <a:off x="1428728" y="3143248"/>
-          <a:ext cx="5937250" cy="604394"/>
+          <a:ext cx="5937250" cy="630936"/>
         </p:xfrm>
         <a:graphic>
           <a:graphicData uri="http://schemas.openxmlformats.org/drawingml/2006/table">
             <a:tbl>
               <a:tblPr/>
               <a:tblGrid>
-                <a:gridCol w="1978660"/>
-                <a:gridCol w="1979295"/>
-                <a:gridCol w="1979295"/>
+                <a:gridCol w="1978660">
+                  <a:extLst>
+                    <a:ext uri="{9D8B030D-6E8A-4147-A177-3AD203B41FA5}">
+                      <a16:colId xmlns:a16="http://schemas.microsoft.com/office/drawing/2014/main" val="20000"/>
+                    </a:ext>
+                  </a:extLst>
+                </a:gridCol>
+                <a:gridCol w="1979295">
+                  <a:extLst>
+                    <a:ext uri="{9D8B030D-6E8A-4147-A177-3AD203B41FA5}">
+                      <a16:colId xmlns:a16="http://schemas.microsoft.com/office/drawing/2014/main" val="20001"/>
+                    </a:ext>
+                  </a:extLst>
+                </a:gridCol>
+                <a:gridCol w="1979295">
+                  <a:extLst>
+                    <a:ext uri="{9D8B030D-6E8A-4147-A177-3AD203B41FA5}">
+                      <a16:colId xmlns:a16="http://schemas.microsoft.com/office/drawing/2014/main" val="20002"/>
+                    </a:ext>
+                  </a:extLst>
+                </a:gridCol>
               </a:tblGrid>
               <a:tr h="0">
                 <a:tc>
@@ -20948,6 +20673,11 @@
                     </a:lnB>
                   </a:tcPr>
                 </a:tc>
+                <a:extLst>
+                  <a:ext uri="{0D108BD9-81ED-4DB2-BD59-A6C34878D82A}">
+                    <a16:rowId xmlns:a16="http://schemas.microsoft.com/office/drawing/2014/main" val="10000"/>
+                  </a:ext>
+                </a:extLst>
               </a:tr>
               <a:tr h="0">
                 <a:tc>
@@ -21151,6 +20881,11 @@
                     </a:lnB>
                   </a:tcPr>
                 </a:tc>
+                <a:extLst>
+                  <a:ext uri="{0D108BD9-81ED-4DB2-BD59-A6C34878D82A}">
+                    <a16:rowId xmlns:a16="http://schemas.microsoft.com/office/drawing/2014/main" val="10001"/>
+                  </a:ext>
+                </a:extLst>
               </a:tr>
               <a:tr h="0">
                 <a:tc>
@@ -21354,6 +21089,11 @@
                     </a:lnB>
                   </a:tcPr>
                 </a:tc>
+                <a:extLst>
+                  <a:ext uri="{0D108BD9-81ED-4DB2-BD59-A6C34878D82A}">
+                    <a16:rowId xmlns:a16="http://schemas.microsoft.com/office/drawing/2014/main" val="10002"/>
+                  </a:ext>
+                </a:extLst>
               </a:tr>
             </a:tbl>
           </a:graphicData>
@@ -21369,16 +21109,34 @@
         </p:nvGraphicFramePr>
         <p:xfrm>
           <a:off x="1357290" y="5000636"/>
-          <a:ext cx="5937250" cy="604394"/>
+          <a:ext cx="5937250" cy="630936"/>
         </p:xfrm>
         <a:graphic>
           <a:graphicData uri="http://schemas.openxmlformats.org/drawingml/2006/table">
             <a:tbl>
               <a:tblPr/>
               <a:tblGrid>
-                <a:gridCol w="1978660"/>
-                <a:gridCol w="1979295"/>
-                <a:gridCol w="1979295"/>
+                <a:gridCol w="1978660">
+                  <a:extLst>
+                    <a:ext uri="{9D8B030D-6E8A-4147-A177-3AD203B41FA5}">
+                      <a16:colId xmlns:a16="http://schemas.microsoft.com/office/drawing/2014/main" val="20000"/>
+                    </a:ext>
+                  </a:extLst>
+                </a:gridCol>
+                <a:gridCol w="1979295">
+                  <a:extLst>
+                    <a:ext uri="{9D8B030D-6E8A-4147-A177-3AD203B41FA5}">
+                      <a16:colId xmlns:a16="http://schemas.microsoft.com/office/drawing/2014/main" val="20001"/>
+                    </a:ext>
+                  </a:extLst>
+                </a:gridCol>
+                <a:gridCol w="1979295">
+                  <a:extLst>
+                    <a:ext uri="{9D8B030D-6E8A-4147-A177-3AD203B41FA5}">
+                      <a16:colId xmlns:a16="http://schemas.microsoft.com/office/drawing/2014/main" val="20002"/>
+                    </a:ext>
+                  </a:extLst>
+                </a:gridCol>
               </a:tblGrid>
               <a:tr h="0">
                 <a:tc>
@@ -21574,6 +21332,11 @@
                     </a:lnB>
                   </a:tcPr>
                 </a:tc>
+                <a:extLst>
+                  <a:ext uri="{0D108BD9-81ED-4DB2-BD59-A6C34878D82A}">
+                    <a16:rowId xmlns:a16="http://schemas.microsoft.com/office/drawing/2014/main" val="10000"/>
+                  </a:ext>
+                </a:extLst>
               </a:tr>
               <a:tr h="0">
                 <a:tc>
@@ -21780,6 +21543,11 @@
                     </a:lnB>
                   </a:tcPr>
                 </a:tc>
+                <a:extLst>
+                  <a:ext uri="{0D108BD9-81ED-4DB2-BD59-A6C34878D82A}">
+                    <a16:rowId xmlns:a16="http://schemas.microsoft.com/office/drawing/2014/main" val="10001"/>
+                  </a:ext>
+                </a:extLst>
               </a:tr>
               <a:tr h="0">
                 <a:tc>
@@ -21983,6 +21751,11 @@
                     </a:lnB>
                   </a:tcPr>
                 </a:tc>
+                <a:extLst>
+                  <a:ext uri="{0D108BD9-81ED-4DB2-BD59-A6C34878D82A}">
+                    <a16:rowId xmlns:a16="http://schemas.microsoft.com/office/drawing/2014/main" val="10002"/>
+                  </a:ext>
+                </a:extLst>
               </a:tr>
             </a:tbl>
           </a:graphicData>
@@ -22010,7 +21783,7 @@
           <a:lstStyle/>
           <a:p>
             <a:r>
-              <a:rPr lang="en-US" dirty="0" smtClean="0"/>
+              <a:rPr lang="en-US" dirty="0"/>
               <a:t>Accuracy: 94.70%</a:t>
             </a:r>
             <a:endParaRPr lang="en-IN" dirty="0"/>
@@ -22039,7 +21812,7 @@
           <a:lstStyle/>
           <a:p>
             <a:r>
-              <a:rPr lang="en-US" dirty="0" smtClean="0"/>
+              <a:rPr lang="en-US" dirty="0"/>
               <a:t>Accuracy: 91.95%</a:t>
             </a:r>
             <a:endParaRPr lang="en-IN" dirty="0"/>
@@ -22068,7 +21841,7 @@
           <a:lstStyle/>
           <a:p>
             <a:r>
-              <a:rPr lang="en-US" dirty="0" smtClean="0"/>
+              <a:rPr lang="en-US" dirty="0"/>
               <a:t>Accuracy: 84.96%</a:t>
             </a:r>
             <a:endParaRPr lang="en-IN" dirty="0"/>
@@ -22098,10 +21871,9 @@
           <a:lstStyle/>
           <a:p>
             <a:r>
-              <a:rPr lang="en-IN" dirty="0" smtClean="0"/>
+              <a:rPr lang="en-IN" dirty="0"/>
               <a:t>Binary Classification Chinese vs French</a:t>
             </a:r>
-            <a:endParaRPr lang="en-IN" dirty="0"/>
           </a:p>
         </p:txBody>
       </p:sp>
@@ -22128,10 +21900,9 @@
           <a:lstStyle/>
           <a:p>
             <a:r>
-              <a:rPr lang="en-IN" dirty="0" smtClean="0"/>
+              <a:rPr lang="en-IN" dirty="0"/>
               <a:t>Binary Classification German vs French</a:t>
             </a:r>
-            <a:endParaRPr lang="en-IN" dirty="0"/>
           </a:p>
         </p:txBody>
       </p:sp>
@@ -22158,10 +21929,9 @@
           <a:lstStyle/>
           <a:p>
             <a:r>
-              <a:rPr lang="en-IN" dirty="0" smtClean="0"/>
+              <a:rPr lang="en-IN" dirty="0"/>
               <a:t>Binary Classification Chinese vs Germany</a:t>
             </a:r>
-            <a:endParaRPr lang="en-IN" dirty="0"/>
           </a:p>
         </p:txBody>
       </p:sp>
@@ -22173,7 +21943,7 @@
 </p:sld>
 </file>
 
-<file path=ppt/slides/slide2.xml><?xml version="1.0" encoding="utf-8"?>
+<file path=ppt/slides/slide19.xml><?xml version="1.0" encoding="utf-8"?>
 <p:sld xmlns:a="http://schemas.openxmlformats.org/drawingml/2006/main" xmlns:r="http://schemas.openxmlformats.org/officeDocument/2006/relationships" xmlns:p="http://schemas.openxmlformats.org/presentationml/2006/main" showMasterSp="0">
   <p:cSld>
     <p:spTree>
@@ -22192,153 +21962,6 @@
       </p:grpSpPr>
       <p:sp>
         <p:nvSpPr>
-          <p:cNvPr id="2" name="Title 1"/>
-          <p:cNvSpPr>
-            <a:spLocks noGrp="1"/>
-          </p:cNvSpPr>
-          <p:nvPr>
-            <p:ph type="title"/>
-          </p:nvPr>
-        </p:nvSpPr>
-        <p:spPr>
-          <a:xfrm>
-            <a:off x="457200" y="23446"/>
-            <a:ext cx="8229600" cy="1295400"/>
-          </a:xfrm>
-        </p:spPr>
-        <p:txBody>
-          <a:bodyPr/>
-          <a:lstStyle/>
-          <a:p>
-            <a:r>
-              <a:rPr lang="en-US" dirty="0" smtClean="0"/>
-              <a:t>Introduction</a:t>
-            </a:r>
-            <a:endParaRPr lang="en-US" dirty="0"/>
-          </a:p>
-        </p:txBody>
-      </p:sp>
-      <p:sp>
-        <p:nvSpPr>
-          <p:cNvPr id="3" name="Content Placeholder 2"/>
-          <p:cNvSpPr>
-            <a:spLocks noGrp="1"/>
-          </p:cNvSpPr>
-          <p:nvPr>
-            <p:ph idx="1"/>
-          </p:nvPr>
-        </p:nvSpPr>
-        <p:spPr/>
-        <p:txBody>
-          <a:bodyPr>
-            <a:normAutofit fontScale="92500"/>
-          </a:bodyPr>
-          <a:lstStyle/>
-          <a:p>
-            <a:r>
-              <a:rPr lang="en-US" dirty="0" smtClean="0"/>
-              <a:t>The </a:t>
-            </a:r>
-            <a:r>
-              <a:rPr lang="en-US" dirty="0"/>
-              <a:t>problem of automatic language identification (LID) can be defined as the process of automatically identifying the language of a given spoken utterance</a:t>
-            </a:r>
-            <a:r>
-              <a:rPr lang="en-US" dirty="0" smtClean="0"/>
-              <a:t>.</a:t>
-            </a:r>
-          </a:p>
-          <a:p>
-            <a:endParaRPr lang="en-US" dirty="0"/>
-          </a:p>
-          <a:p>
-            <a:r>
-              <a:rPr lang="en-US" dirty="0" smtClean="0"/>
-              <a:t>LID can be used by speech </a:t>
-            </a:r>
-            <a:r>
-              <a:rPr lang="en-US" dirty="0"/>
-              <a:t>recognition systems, multilingual translation systems or </a:t>
-            </a:r>
-            <a:r>
-              <a:rPr lang="en-US" dirty="0" smtClean="0"/>
-              <a:t>call-centers(e.g</a:t>
-            </a:r>
-            <a:r>
-              <a:rPr lang="en-US" dirty="0"/>
-              <a:t>., emergency calls) </a:t>
-            </a:r>
-            <a:r>
-              <a:rPr lang="en-US" dirty="0" smtClean="0"/>
-              <a:t>routing.</a:t>
-            </a:r>
-          </a:p>
-          <a:p>
-            <a:endParaRPr lang="en-US" dirty="0"/>
-          </a:p>
-          <a:p>
-            <a:r>
-              <a:rPr lang="en-US" dirty="0" smtClean="0"/>
-              <a:t>Also LID can be used by </a:t>
-            </a:r>
-            <a:r>
-              <a:rPr lang="en-US" dirty="0"/>
-              <a:t>intelligence and security, where the language identities of recorded </a:t>
-            </a:r>
-            <a:r>
-              <a:rPr lang="en-US" dirty="0" smtClean="0"/>
-              <a:t>messages need to be established </a:t>
-            </a:r>
-            <a:r>
-              <a:rPr lang="en-US" dirty="0"/>
-              <a:t>before any information can be extracted</a:t>
-            </a:r>
-            <a:r>
-              <a:rPr lang="en-US" dirty="0" smtClean="0"/>
-              <a:t>.</a:t>
-            </a:r>
-          </a:p>
-        </p:txBody>
-      </p:sp>
-    </p:spTree>
-    <p:extLst>
-      <p:ext uri="{BB962C8B-B14F-4D97-AF65-F5344CB8AC3E}">
-        <p14:creationId xmlns:p14="http://schemas.microsoft.com/office/powerpoint/2010/main" val="2125055378"/>
-      </p:ext>
-    </p:extLst>
-  </p:cSld>
-  <p:clrMapOvr>
-    <a:masterClrMapping/>
-  </p:clrMapOvr>
-  <p:timing>
-    <p:tnLst>
-      <p:par>
-        <p:cTn id="1" dur="indefinite" restart="never" nodeType="tmRoot"/>
-      </p:par>
-    </p:tnLst>
-  </p:timing>
-</p:sld>
-</file>
-
-<file path=ppt/slides/slide20.xml><?xml version="1.0" encoding="utf-8"?>
-<p:sld xmlns:a="http://schemas.openxmlformats.org/drawingml/2006/main" xmlns:r="http://schemas.openxmlformats.org/officeDocument/2006/relationships" xmlns:p="http://schemas.openxmlformats.org/presentationml/2006/main" showMasterSp="0">
-  <p:cSld>
-    <p:spTree>
-      <p:nvGrpSpPr>
-        <p:cNvPr id="1" name=""/>
-        <p:cNvGrpSpPr/>
-        <p:nvPr/>
-      </p:nvGrpSpPr>
-      <p:grpSpPr>
-        <a:xfrm>
-          <a:off x="0" y="0"/>
-          <a:ext cx="0" cy="0"/>
-          <a:chOff x="0" y="0"/>
-          <a:chExt cx="0" cy="0"/>
-        </a:xfrm>
-      </p:grpSpPr>
-      <p:sp>
-        <p:nvSpPr>
           <p:cNvPr id="3" name="Content Placeholder 2"/>
           <p:cNvSpPr>
             <a:spLocks noGrp="1"/>
@@ -22361,10 +21984,9 @@
               <a:buNone/>
             </a:pPr>
             <a:r>
-              <a:rPr lang="en-IN" dirty="0" smtClean="0"/>
+              <a:rPr lang="en-IN" dirty="0"/>
               <a:t>Comparison of the language identification system with SVM Based Baseline Method</a:t>
             </a:r>
-            <a:endParaRPr lang="en-IN" dirty="0"/>
           </a:p>
         </p:txBody>
       </p:sp>
@@ -22391,9 +22013,27 @@
             <a:tbl>
               <a:tblPr/>
               <a:tblGrid>
-                <a:gridCol w="2351758"/>
-                <a:gridCol w="2352513"/>
-                <a:gridCol w="2352513"/>
+                <a:gridCol w="2351758">
+                  <a:extLst>
+                    <a:ext uri="{9D8B030D-6E8A-4147-A177-3AD203B41FA5}">
+                      <a16:colId xmlns:a16="http://schemas.microsoft.com/office/drawing/2014/main" val="20000"/>
+                    </a:ext>
+                  </a:extLst>
+                </a:gridCol>
+                <a:gridCol w="2352513">
+                  <a:extLst>
+                    <a:ext uri="{9D8B030D-6E8A-4147-A177-3AD203B41FA5}">
+                      <a16:colId xmlns:a16="http://schemas.microsoft.com/office/drawing/2014/main" val="20001"/>
+                    </a:ext>
+                  </a:extLst>
+                </a:gridCol>
+                <a:gridCol w="2352513">
+                  <a:extLst>
+                    <a:ext uri="{9D8B030D-6E8A-4147-A177-3AD203B41FA5}">
+                      <a16:colId xmlns:a16="http://schemas.microsoft.com/office/drawing/2014/main" val="20002"/>
+                    </a:ext>
+                  </a:extLst>
+                </a:gridCol>
               </a:tblGrid>
               <a:tr h="450050">
                 <a:tc>
@@ -22589,6 +22229,11 @@
                     </a:lnB>
                   </a:tcPr>
                 </a:tc>
+                <a:extLst>
+                  <a:ext uri="{0D108BD9-81ED-4DB2-BD59-A6C34878D82A}">
+                    <a16:rowId xmlns:a16="http://schemas.microsoft.com/office/drawing/2014/main" val="10000"/>
+                  </a:ext>
+                </a:extLst>
               </a:tr>
               <a:tr h="450050">
                 <a:tc>
@@ -22792,6 +22437,11 @@
                     </a:lnB>
                   </a:tcPr>
                 </a:tc>
+                <a:extLst>
+                  <a:ext uri="{0D108BD9-81ED-4DB2-BD59-A6C34878D82A}">
+                    <a16:rowId xmlns:a16="http://schemas.microsoft.com/office/drawing/2014/main" val="10001"/>
+                  </a:ext>
+                </a:extLst>
               </a:tr>
               <a:tr h="450050">
                 <a:tc>
@@ -22995,6 +22645,11 @@
                     </a:lnB>
                   </a:tcPr>
                 </a:tc>
+                <a:extLst>
+                  <a:ext uri="{0D108BD9-81ED-4DB2-BD59-A6C34878D82A}">
+                    <a16:rowId xmlns:a16="http://schemas.microsoft.com/office/drawing/2014/main" val="10002"/>
+                  </a:ext>
+                </a:extLst>
               </a:tr>
               <a:tr h="450050">
                 <a:tc>
@@ -23198,6 +22853,11 @@
                     </a:lnB>
                   </a:tcPr>
                 </a:tc>
+                <a:extLst>
+                  <a:ext uri="{0D108BD9-81ED-4DB2-BD59-A6C34878D82A}">
+                    <a16:rowId xmlns:a16="http://schemas.microsoft.com/office/drawing/2014/main" val="10003"/>
+                  </a:ext>
+                </a:extLst>
               </a:tr>
             </a:tbl>
           </a:graphicData>
@@ -23224,10 +22884,9 @@
           <a:lstStyle/>
           <a:p>
             <a:r>
-              <a:rPr lang="en-IN" dirty="0" smtClean="0"/>
+              <a:rPr lang="en-IN" dirty="0"/>
               <a:t>Results</a:t>
             </a:r>
-            <a:endParaRPr lang="en-IN" dirty="0"/>
           </a:p>
         </p:txBody>
       </p:sp>
@@ -23239,7 +22898,7 @@
 </p:sld>
 </file>
 
-<file path=ppt/slides/slide21.xml><?xml version="1.0" encoding="utf-8"?>
+<file path=ppt/slides/slide2.xml><?xml version="1.0" encoding="utf-8"?>
 <p:sld xmlns:a="http://schemas.openxmlformats.org/drawingml/2006/main" xmlns:r="http://schemas.openxmlformats.org/officeDocument/2006/relationships" xmlns:p="http://schemas.openxmlformats.org/presentationml/2006/main" showMasterSp="0">
   <p:cSld>
     <p:spTree>
@@ -23266,6 +22925,105 @@
             <p:ph type="title"/>
           </p:nvPr>
         </p:nvSpPr>
+        <p:spPr>
+          <a:xfrm>
+            <a:off x="457200" y="23446"/>
+            <a:ext cx="8229600" cy="1295400"/>
+          </a:xfrm>
+        </p:spPr>
+        <p:txBody>
+          <a:bodyPr/>
+          <a:lstStyle/>
+          <a:p>
+            <a:r>
+              <a:rPr lang="en-US" dirty="0"/>
+              <a:t>Introduction</a:t>
+            </a:r>
+          </a:p>
+        </p:txBody>
+      </p:sp>
+      <p:sp>
+        <p:nvSpPr>
+          <p:cNvPr id="3" name="Content Placeholder 2"/>
+          <p:cNvSpPr>
+            <a:spLocks noGrp="1"/>
+          </p:cNvSpPr>
+          <p:nvPr>
+            <p:ph idx="1"/>
+          </p:nvPr>
+        </p:nvSpPr>
+        <p:spPr/>
+        <p:txBody>
+          <a:bodyPr>
+            <a:normAutofit fontScale="92500"/>
+          </a:bodyPr>
+          <a:lstStyle/>
+          <a:p>
+            <a:r>
+              <a:rPr lang="en-US" dirty="0"/>
+              <a:t>The problem of automatic language identification (LID) can be defined as the process of automatically identifying the language of a given spoken utterance.</a:t>
+            </a:r>
+          </a:p>
+          <a:p>
+            <a:endParaRPr lang="en-US" dirty="0"/>
+          </a:p>
+          <a:p>
+            <a:r>
+              <a:rPr lang="en-US" dirty="0"/>
+              <a:t>LID can be used by speech recognition systems, multilingual translation systems or call-centers(e.g., emergency calls) routing.</a:t>
+            </a:r>
+          </a:p>
+          <a:p>
+            <a:endParaRPr lang="en-US" dirty="0"/>
+          </a:p>
+          <a:p>
+            <a:r>
+              <a:rPr lang="en-US" dirty="0"/>
+              <a:t>Also LID can be used by intelligence and security, where the language identities of recorded messages need to be established before any information can be extracted.</a:t>
+            </a:r>
+          </a:p>
+        </p:txBody>
+      </p:sp>
+    </p:spTree>
+    <p:extLst>
+      <p:ext uri="{BB962C8B-B14F-4D97-AF65-F5344CB8AC3E}">
+        <p14:creationId xmlns:p14="http://schemas.microsoft.com/office/powerpoint/2010/main" val="2125055378"/>
+      </p:ext>
+    </p:extLst>
+  </p:cSld>
+  <p:clrMapOvr>
+    <a:masterClrMapping/>
+  </p:clrMapOvr>
+</p:sld>
+</file>
+
+<file path=ppt/slides/slide20.xml><?xml version="1.0" encoding="utf-8"?>
+<p:sld xmlns:a="http://schemas.openxmlformats.org/drawingml/2006/main" xmlns:r="http://schemas.openxmlformats.org/officeDocument/2006/relationships" xmlns:p="http://schemas.openxmlformats.org/presentationml/2006/main" showMasterSp="0">
+  <p:cSld>
+    <p:spTree>
+      <p:nvGrpSpPr>
+        <p:cNvPr id="1" name=""/>
+        <p:cNvGrpSpPr/>
+        <p:nvPr/>
+      </p:nvGrpSpPr>
+      <p:grpSpPr>
+        <a:xfrm>
+          <a:off x="0" y="0"/>
+          <a:ext cx="0" cy="0"/>
+          <a:chOff x="0" y="0"/>
+          <a:chExt cx="0" cy="0"/>
+        </a:xfrm>
+      </p:grpSpPr>
+      <p:sp>
+        <p:nvSpPr>
+          <p:cNvPr id="2" name="Title 1"/>
+          <p:cNvSpPr>
+            <a:spLocks noGrp="1"/>
+          </p:cNvSpPr>
+          <p:nvPr>
+            <p:ph type="title"/>
+          </p:nvPr>
+        </p:nvSpPr>
         <p:spPr/>
         <p:txBody>
           <a:bodyPr/>
@@ -23359,7 +23117,7 @@
 </p:sld>
 </file>
 
-<file path=ppt/slides/slide22.xml><?xml version="1.0" encoding="utf-8"?>
+<file path=ppt/slides/slide21.xml><?xml version="1.0" encoding="utf-8"?>
 <p:sld xmlns:a="http://schemas.openxmlformats.org/drawingml/2006/main" xmlns:r="http://schemas.openxmlformats.org/officeDocument/2006/relationships" xmlns:p="http://schemas.openxmlformats.org/presentationml/2006/main" showMasterSp="0">
   <p:cSld>
     <p:spTree>
@@ -23441,6 +23199,132 @@
 </p:sld>
 </file>
 
+<file path=ppt/slides/slide22.xml><?xml version="1.0" encoding="utf-8"?>
+<p:sld xmlns:a="http://schemas.openxmlformats.org/drawingml/2006/main" xmlns:r="http://schemas.openxmlformats.org/officeDocument/2006/relationships" xmlns:p="http://schemas.openxmlformats.org/presentationml/2006/main" showMasterSp="0">
+  <p:cSld>
+    <p:spTree>
+      <p:nvGrpSpPr>
+        <p:cNvPr id="1" name=""/>
+        <p:cNvGrpSpPr/>
+        <p:nvPr/>
+      </p:nvGrpSpPr>
+      <p:grpSpPr>
+        <a:xfrm>
+          <a:off x="0" y="0"/>
+          <a:ext cx="0" cy="0"/>
+          <a:chOff x="0" y="0"/>
+          <a:chExt cx="0" cy="0"/>
+        </a:xfrm>
+      </p:grpSpPr>
+      <p:sp>
+        <p:nvSpPr>
+          <p:cNvPr id="2" name="Title 1"/>
+          <p:cNvSpPr>
+            <a:spLocks noGrp="1"/>
+          </p:cNvSpPr>
+          <p:nvPr>
+            <p:ph type="title"/>
+          </p:nvPr>
+        </p:nvSpPr>
+        <p:spPr>
+          <a:xfrm>
+            <a:off x="457200" y="-152400"/>
+            <a:ext cx="8229600" cy="1295400"/>
+          </a:xfrm>
+        </p:spPr>
+        <p:txBody>
+          <a:bodyPr/>
+          <a:lstStyle/>
+          <a:p>
+            <a:r>
+              <a:rPr lang="en-US" dirty="0"/>
+              <a:t>Real Time Analysis</a:t>
+            </a:r>
+          </a:p>
+        </p:txBody>
+      </p:sp>
+      <p:sp>
+        <p:nvSpPr>
+          <p:cNvPr id="3" name="Content Placeholder 2"/>
+          <p:cNvSpPr>
+            <a:spLocks noGrp="1"/>
+          </p:cNvSpPr>
+          <p:nvPr>
+            <p:ph idx="1"/>
+          </p:nvPr>
+        </p:nvSpPr>
+        <p:spPr>
+          <a:xfrm>
+            <a:off x="457200" y="1371600"/>
+            <a:ext cx="8229600" cy="4953000"/>
+          </a:xfrm>
+        </p:spPr>
+        <p:txBody>
+          <a:bodyPr>
+            <a:normAutofit lnSpcReduction="10000"/>
+          </a:bodyPr>
+          <a:lstStyle/>
+          <a:p>
+            <a:r>
+              <a:rPr lang="en-US" dirty="0"/>
+              <a:t>Fast prediction time of hybrid model allowed us to do real time analysis of audio.</a:t>
+            </a:r>
+          </a:p>
+          <a:p>
+            <a:endParaRPr lang="en-US" sz="800" dirty="0"/>
+          </a:p>
+          <a:p>
+            <a:r>
+              <a:rPr lang="en-US" dirty="0" err="1"/>
+              <a:t>pyAudio</a:t>
+            </a:r>
+            <a:r>
+              <a:rPr lang="en-US" dirty="0"/>
+              <a:t> was used as audio I/O library.</a:t>
+            </a:r>
+          </a:p>
+          <a:p>
+            <a:endParaRPr lang="en-US" sz="800" dirty="0"/>
+          </a:p>
+          <a:p>
+            <a:r>
+              <a:rPr lang="en-US" dirty="0"/>
+              <a:t>Thread were used to gather raw audio from source and pass that to our prediction model in chunks of 1 second.</a:t>
+            </a:r>
+          </a:p>
+          <a:p>
+            <a:endParaRPr lang="en-US" sz="800" dirty="0"/>
+          </a:p>
+          <a:p>
+            <a:r>
+              <a:rPr lang="en-US" dirty="0"/>
+              <a:t>Processing time for 1s audio sample was observed to be around 0.2s.</a:t>
+            </a:r>
+          </a:p>
+          <a:p>
+            <a:endParaRPr lang="en-US" sz="800" dirty="0"/>
+          </a:p>
+          <a:p>
+            <a:r>
+              <a:rPr lang="en-US" dirty="0"/>
+              <a:t>When using default device’s microphone as source result was observed to be not so accurate due to noise being high in audio samples.</a:t>
+            </a:r>
+          </a:p>
+        </p:txBody>
+      </p:sp>
+    </p:spTree>
+    <p:extLst>
+      <p:ext uri="{BB962C8B-B14F-4D97-AF65-F5344CB8AC3E}">
+        <p14:creationId xmlns:p14="http://schemas.microsoft.com/office/powerpoint/2010/main" val="914683570"/>
+      </p:ext>
+    </p:extLst>
+  </p:cSld>
+  <p:clrMapOvr>
+    <a:masterClrMapping/>
+  </p:clrMapOvr>
+</p:sld>
+</file>
+
 <file path=ppt/slides/slide23.xml><?xml version="1.0" encoding="utf-8"?>
 <p:sld xmlns:a="http://schemas.openxmlformats.org/drawingml/2006/main" xmlns:r="http://schemas.openxmlformats.org/officeDocument/2006/relationships" xmlns:p="http://schemas.openxmlformats.org/presentationml/2006/main" showMasterSp="0">
   <p:cSld>
@@ -23470,140 +23354,6 @@
         </p:nvSpPr>
         <p:spPr>
           <a:xfrm>
-            <a:off x="457200" y="-152400"/>
-            <a:ext cx="8229600" cy="1295400"/>
-          </a:xfrm>
-        </p:spPr>
-        <p:txBody>
-          <a:bodyPr/>
-          <a:lstStyle/>
-          <a:p>
-            <a:r>
-              <a:rPr lang="en-US" dirty="0" smtClean="0"/>
-              <a:t>Real Time Analysis</a:t>
-            </a:r>
-            <a:endParaRPr lang="en-US" dirty="0"/>
-          </a:p>
-        </p:txBody>
-      </p:sp>
-      <p:sp>
-        <p:nvSpPr>
-          <p:cNvPr id="3" name="Content Placeholder 2"/>
-          <p:cNvSpPr>
-            <a:spLocks noGrp="1"/>
-          </p:cNvSpPr>
-          <p:nvPr>
-            <p:ph idx="1"/>
-          </p:nvPr>
-        </p:nvSpPr>
-        <p:spPr>
-          <a:xfrm>
-            <a:off x="457200" y="1371600"/>
-            <a:ext cx="8229600" cy="4953000"/>
-          </a:xfrm>
-        </p:spPr>
-        <p:txBody>
-          <a:bodyPr>
-            <a:normAutofit lnSpcReduction="10000"/>
-          </a:bodyPr>
-          <a:lstStyle/>
-          <a:p>
-            <a:r>
-              <a:rPr lang="en-US" dirty="0" smtClean="0"/>
-              <a:t>Fast prediction time of hybrid model allowed us to do real time analysis of audio.</a:t>
-            </a:r>
-          </a:p>
-          <a:p>
-            <a:endParaRPr lang="en-US" sz="800" dirty="0" smtClean="0"/>
-          </a:p>
-          <a:p>
-            <a:r>
-              <a:rPr lang="en-US" dirty="0" err="1" smtClean="0"/>
-              <a:t>pyAudio</a:t>
-            </a:r>
-            <a:r>
-              <a:rPr lang="en-US" dirty="0" smtClean="0"/>
-              <a:t> was used as audio I/O library.</a:t>
-            </a:r>
-          </a:p>
-          <a:p>
-            <a:endParaRPr lang="en-US" sz="800" dirty="0" smtClean="0"/>
-          </a:p>
-          <a:p>
-            <a:r>
-              <a:rPr lang="en-US" dirty="0" smtClean="0"/>
-              <a:t>Thread were used to gather raw audio from source and pass that to our prediction model in chunks of 1 second.</a:t>
-            </a:r>
-          </a:p>
-          <a:p>
-            <a:endParaRPr lang="en-US" sz="800" dirty="0" smtClean="0"/>
-          </a:p>
-          <a:p>
-            <a:r>
-              <a:rPr lang="en-US" dirty="0" smtClean="0"/>
-              <a:t>Processing time for 1s audio sample was observed to be around 0.2s.</a:t>
-            </a:r>
-          </a:p>
-          <a:p>
-            <a:endParaRPr lang="en-US" sz="800" dirty="0" smtClean="0"/>
-          </a:p>
-          <a:p>
-            <a:r>
-              <a:rPr lang="en-US" dirty="0" smtClean="0"/>
-              <a:t>When using default device’s microphone as source result was observed to be not so accurate due to noise being high in audio samples.</a:t>
-            </a:r>
-          </a:p>
-        </p:txBody>
-      </p:sp>
-    </p:spTree>
-    <p:extLst>
-      <p:ext uri="{BB962C8B-B14F-4D97-AF65-F5344CB8AC3E}">
-        <p14:creationId xmlns:p14="http://schemas.microsoft.com/office/powerpoint/2010/main" val="914683570"/>
-      </p:ext>
-    </p:extLst>
-  </p:cSld>
-  <p:clrMapOvr>
-    <a:masterClrMapping/>
-  </p:clrMapOvr>
-  <p:timing>
-    <p:tnLst>
-      <p:par>
-        <p:cTn id="1" dur="indefinite" restart="never" nodeType="tmRoot"/>
-      </p:par>
-    </p:tnLst>
-  </p:timing>
-</p:sld>
-</file>
-
-<file path=ppt/slides/slide24.xml><?xml version="1.0" encoding="utf-8"?>
-<p:sld xmlns:a="http://schemas.openxmlformats.org/drawingml/2006/main" xmlns:r="http://schemas.openxmlformats.org/officeDocument/2006/relationships" xmlns:p="http://schemas.openxmlformats.org/presentationml/2006/main" showMasterSp="0">
-  <p:cSld>
-    <p:spTree>
-      <p:nvGrpSpPr>
-        <p:cNvPr id="1" name=""/>
-        <p:cNvGrpSpPr/>
-        <p:nvPr/>
-      </p:nvGrpSpPr>
-      <p:grpSpPr>
-        <a:xfrm>
-          <a:off x="0" y="0"/>
-          <a:ext cx="0" cy="0"/>
-          <a:chOff x="0" y="0"/>
-          <a:chExt cx="0" cy="0"/>
-        </a:xfrm>
-      </p:grpSpPr>
-      <p:sp>
-        <p:nvSpPr>
-          <p:cNvPr id="2" name="Title 1"/>
-          <p:cNvSpPr>
-            <a:spLocks noGrp="1"/>
-          </p:cNvSpPr>
-          <p:nvPr>
-            <p:ph type="title"/>
-          </p:nvPr>
-        </p:nvSpPr>
-        <p:spPr>
-          <a:xfrm>
             <a:off x="457200" y="23446"/>
             <a:ext cx="8229600" cy="1295400"/>
           </a:xfrm>
@@ -23613,10 +23363,9 @@
           <a:lstStyle/>
           <a:p>
             <a:r>
-              <a:rPr lang="en-US" dirty="0" smtClean="0"/>
+              <a:rPr lang="en-US" dirty="0"/>
               <a:t>Conclusion</a:t>
             </a:r>
-            <a:endParaRPr lang="en-US" dirty="0"/>
           </a:p>
         </p:txBody>
       </p:sp>
@@ -23638,7 +23387,7 @@
           <a:lstStyle/>
           <a:p>
             <a:r>
-              <a:rPr lang="en-US" dirty="0" smtClean="0"/>
+              <a:rPr lang="en-US" dirty="0"/>
               <a:t>Acoustic modelling together with DNN is powerful enough to identify languages.</a:t>
             </a:r>
           </a:p>
@@ -23647,40 +23396,24 @@
           </a:p>
           <a:p>
             <a:r>
-              <a:rPr lang="en-US" dirty="0" smtClean="0"/>
-              <a:t>Languages are better resolved when considered pairwise as a feature </a:t>
-            </a:r>
-            <a:r>
               <a:rPr lang="en-US" dirty="0"/>
-              <a:t>which is useful in distinguishing some languages was </a:t>
-            </a:r>
-            <a:r>
-              <a:rPr lang="en-US" dirty="0" smtClean="0"/>
-              <a:t>irrelevant </a:t>
-            </a:r>
+              <a:t>Languages are better resolved when considered pairwise as a feature which is useful in distinguishing some languages was irrelevant for some pair of languages.</a:t>
+            </a:r>
+          </a:p>
+          <a:p>
+            <a:endParaRPr lang="en-US" dirty="0"/>
+          </a:p>
+          <a:p>
             <a:r>
               <a:rPr lang="en-US" dirty="0"/>
-              <a:t>for some pair of </a:t>
-            </a:r>
-            <a:r>
-              <a:rPr lang="en-US" dirty="0" smtClean="0"/>
-              <a:t>languages.</a:t>
-            </a:r>
-          </a:p>
-          <a:p>
-            <a:endParaRPr lang="en-US" dirty="0"/>
-          </a:p>
-          <a:p>
-            <a:r>
-              <a:rPr lang="en-US" dirty="0" smtClean="0"/>
               <a:t>Our hybrid two stage classification model is definitely an </a:t>
             </a:r>
             <a:r>
-              <a:rPr lang="en-US" dirty="0" err="1" smtClean="0"/>
+              <a:rPr lang="en-US" dirty="0" err="1"/>
               <a:t>imporvement</a:t>
             </a:r>
             <a:r>
-              <a:rPr lang="en-US" dirty="0" smtClean="0"/>
+              <a:rPr lang="en-US" dirty="0"/>
               <a:t> over normal single stage classifier.</a:t>
             </a:r>
           </a:p>
@@ -23696,13 +23429,6 @@
   <p:clrMapOvr>
     <a:masterClrMapping/>
   </p:clrMapOvr>
-  <p:timing>
-    <p:tnLst>
-      <p:par>
-        <p:cTn id="1" dur="indefinite" restart="never" nodeType="tmRoot"/>
-      </p:par>
-    </p:tnLst>
-  </p:timing>
 </p:sld>
 </file>
 
@@ -23744,10 +23470,9 @@
           <a:lstStyle/>
           <a:p>
             <a:r>
-              <a:rPr lang="en-US" dirty="0" smtClean="0"/>
+              <a:rPr lang="en-US" dirty="0"/>
               <a:t>Introduction</a:t>
             </a:r>
-            <a:endParaRPr lang="en-US" dirty="0"/>
           </a:p>
         </p:txBody>
       </p:sp>
@@ -23781,12 +23506,8 @@
           </a:p>
           <a:p>
             <a:r>
-              <a:rPr lang="en-US" dirty="0" smtClean="0"/>
-              <a:t>We have used acoustic modelling for our LID system. Audio </a:t>
-            </a:r>
-            <a:r>
               <a:rPr lang="en-US" dirty="0"/>
-              <a:t>is divided into small chunks called frames and raw audio signal from each frame is transformed by applying the mel-frequency cepstrum. </a:t>
+              <a:t>We have used acoustic modelling for our LID system. Audio is divided into small chunks called frames and raw audio signal from each frame is transformed by applying the mel-frequency cepstrum. </a:t>
             </a:r>
           </a:p>
           <a:p>
@@ -23799,7 +23520,7 @@
             </a:r>
           </a:p>
           <a:p>
-            <a:endParaRPr lang="en-US" dirty="0" smtClean="0"/>
+            <a:endParaRPr lang="en-US" dirty="0"/>
           </a:p>
           <a:p>
             <a:endParaRPr lang="en-US" dirty="0"/>
@@ -23816,13 +23537,6 @@
   <p:clrMapOvr>
     <a:masterClrMapping/>
   </p:clrMapOvr>
-  <p:timing>
-    <p:tnLst>
-      <p:par>
-        <p:cTn id="1" dur="indefinite" restart="never" nodeType="tmRoot"/>
-      </p:par>
-    </p:tnLst>
-  </p:timing>
 </p:sld>
 </file>
 
@@ -23864,10 +23578,9 @@
           <a:lstStyle/>
           <a:p>
             <a:r>
-              <a:rPr lang="en-US" dirty="0" smtClean="0"/>
+              <a:rPr lang="en-US" dirty="0"/>
               <a:t>Problem Statement</a:t>
             </a:r>
-            <a:endParaRPr lang="en-US" dirty="0"/>
           </a:p>
         </p:txBody>
       </p:sp>
@@ -23906,8 +23619,8 @@
         </p:nvSpPr>
         <p:spPr>
           <a:xfrm>
-            <a:off x="762001" y="2438400"/>
-            <a:ext cx="7086600" cy="1292662"/>
+            <a:off x="762000" y="2438400"/>
+            <a:ext cx="7924799" cy="1292662"/>
           </a:xfrm>
           <a:prstGeom prst="rect">
             <a:avLst/>
@@ -23921,10 +23634,9 @@
           <a:p>
             <a:pPr algn="ctr"/>
             <a:r>
-              <a:rPr lang="en-US" sz="2600" dirty="0" smtClean="0"/>
-              <a:t>To construct efficient as well as effective Language Identification(LID) model using two stage Neural Network.</a:t>
-            </a:r>
-            <a:endParaRPr lang="en-US" sz="2600" dirty="0"/>
+              <a:rPr lang="en-US" sz="2600" dirty="0"/>
+              <a:t>To construct efficient as well as effective Language Identification (LID) model using two stage Neural Network.</a:t>
+            </a:r>
           </a:p>
         </p:txBody>
       </p:sp>
@@ -23938,13 +23650,6 @@
   <p:clrMapOvr>
     <a:masterClrMapping/>
   </p:clrMapOvr>
-  <p:timing>
-    <p:tnLst>
-      <p:par>
-        <p:cTn id="1" dur="indefinite" restart="never" nodeType="tmRoot"/>
-      </p:par>
-    </p:tnLst>
-  </p:timing>
 </p:sld>
 </file>
 
@@ -23986,10 +23691,9 @@
           <a:lstStyle/>
           <a:p>
             <a:r>
-              <a:rPr lang="en-US" dirty="0" smtClean="0"/>
+              <a:rPr lang="en-US" dirty="0"/>
               <a:t>Our Proposal</a:t>
             </a:r>
-            <a:endParaRPr lang="en-US" dirty="0"/>
           </a:p>
         </p:txBody>
       </p:sp>
@@ -24011,52 +23715,43 @@
           <a:lstStyle/>
           <a:p>
             <a:r>
-              <a:rPr lang="en-US" sz="2200" dirty="0" smtClean="0"/>
-              <a:t>We propose a hybrid neural network that consists of two level. </a:t>
-            </a:r>
-          </a:p>
-          <a:p>
-            <a:endParaRPr lang="en-US" sz="1400" dirty="0" smtClean="0"/>
-          </a:p>
-          <a:p>
-            <a:r>
-              <a:rPr lang="en-US" sz="2200" dirty="0" smtClean="0"/>
-              <a:t>An initial neural network gives the probability of the belongingness of data sample to all class of </a:t>
-            </a:r>
-            <a:r>
-              <a:rPr lang="en-US" sz="2200" dirty="0" smtClean="0"/>
-              <a:t>languages.</a:t>
-            </a:r>
-            <a:endParaRPr lang="en-US" sz="2200" dirty="0" smtClean="0"/>
-          </a:p>
-          <a:p>
-            <a:endParaRPr lang="en-US" sz="1400" dirty="0" smtClean="0"/>
-          </a:p>
-          <a:p>
-            <a:r>
-              <a:rPr lang="en-US" sz="2000" dirty="0" smtClean="0"/>
+              <a:rPr lang="en-US" sz="2200" dirty="0"/>
+              <a:t>We propose a hybrid neural network that consists of two levels. </a:t>
+            </a:r>
+          </a:p>
+          <a:p>
+            <a:endParaRPr lang="en-US" sz="1400" dirty="0"/>
+          </a:p>
+          <a:p>
+            <a:r>
+              <a:rPr lang="en-US" sz="2200" dirty="0"/>
+              <a:t>An initial neural network gives the probability of the belongingness of data sample to all class of languages.</a:t>
+            </a:r>
+          </a:p>
+          <a:p>
+            <a:endParaRPr lang="en-US" sz="1400" dirty="0"/>
+          </a:p>
+          <a:p>
+            <a:r>
+              <a:rPr lang="en-US" sz="2200" dirty="0"/>
+              <a:t>The second level, or the binary classifier finally outputs the class to which the data sample belongs amongst the best two sub-candidates.</a:t>
+            </a:r>
+          </a:p>
+          <a:p>
+            <a:endParaRPr lang="en-US" sz="1400" dirty="0"/>
+          </a:p>
+          <a:p>
+            <a:r>
+              <a:rPr lang="en-US" sz="2200" dirty="0"/>
+              <a:t>The idea behind this hypothesis is the fact that different languages need different  set of features to differentiate them.</a:t>
+            </a:r>
+            <a:r>
+              <a:rPr lang="en-US" sz="2000" dirty="0"/>
               <a:t> </a:t>
             </a:r>
-            <a:r>
-              <a:rPr lang="en-US" sz="2200" dirty="0" smtClean="0"/>
-              <a:t>The second level, or the binary classifier finally outputs the class to which the data sample belongs amongst the best two sub-candidates.</a:t>
-            </a:r>
-          </a:p>
-          <a:p>
-            <a:endParaRPr lang="en-US" sz="1400" dirty="0" smtClean="0"/>
-          </a:p>
-          <a:p>
-            <a:r>
-              <a:rPr lang="en-US" sz="2200" dirty="0" smtClean="0"/>
-              <a:t>The idea behind this hypothesis is the fact that different languages need different  set of features to differentiate them.</a:t>
-            </a:r>
-            <a:r>
-              <a:rPr lang="en-US" sz="2000" dirty="0" smtClean="0"/>
-              <a:t> </a:t>
-            </a:r>
-          </a:p>
-          <a:p>
-            <a:endParaRPr lang="en-US" dirty="0" smtClean="0"/>
+          </a:p>
+          <a:p>
+            <a:endParaRPr lang="en-US" dirty="0"/>
           </a:p>
         </p:txBody>
       </p:sp>
@@ -24070,13 +23765,6 @@
   <p:clrMapOvr>
     <a:masterClrMapping/>
   </p:clrMapOvr>
-  <p:timing>
-    <p:tnLst>
-      <p:par>
-        <p:cTn id="1" dur="indefinite" restart="never" nodeType="tmRoot"/>
-      </p:par>
-    </p:tnLst>
-  </p:timing>
 </p:sld>
 </file>
 
@@ -24113,10 +23801,9 @@
           <a:lstStyle/>
           <a:p>
             <a:r>
-              <a:rPr lang="en-IN" dirty="0" smtClean="0"/>
+              <a:rPr lang="en-IN" dirty="0"/>
               <a:t>Experimental Setup</a:t>
             </a:r>
-            <a:endParaRPr lang="en-IN" dirty="0"/>
           </a:p>
         </p:txBody>
       </p:sp>
@@ -24183,13 +23870,6 @@
   <p:clrMapOvr>
     <a:masterClrMapping/>
   </p:clrMapOvr>
-  <p:timing>
-    <p:tnLst>
-      <p:par>
-        <p:cTn id="1" dur="indefinite" restart="never" nodeType="tmRoot"/>
-      </p:par>
-    </p:tnLst>
-  </p:timing>
 </p:sld>
 </file>
 
@@ -24231,10 +23911,9 @@
           <a:lstStyle/>
           <a:p>
             <a:r>
-              <a:rPr lang="en-US" dirty="0" smtClean="0"/>
+              <a:rPr lang="en-US" dirty="0"/>
               <a:t>Data Set</a:t>
             </a:r>
-            <a:endParaRPr lang="en-US" dirty="0"/>
           </a:p>
         </p:txBody>
       </p:sp>
@@ -24257,15 +23936,7 @@
           <a:p>
             <a:r>
               <a:rPr lang="en-IN" sz="2200" dirty="0"/>
-              <a:t>We obtained our language dataset from </a:t>
-            </a:r>
-            <a:r>
-              <a:rPr lang="en-IN" sz="2200" dirty="0" err="1"/>
-              <a:t>AudioLingua</a:t>
-            </a:r>
-            <a:r>
-              <a:rPr lang="en-IN" sz="2200" dirty="0" smtClean="0"/>
-              <a:t>.</a:t>
+              <a:t>We obtained our language dataset from Audio Lingua.</a:t>
             </a:r>
           </a:p>
           <a:p>
@@ -24274,11 +23945,7 @@
           <a:p>
             <a:r>
               <a:rPr lang="en-IN" sz="2200" dirty="0"/>
-              <a:t>The dataset includes170 distinct speakers for each language</a:t>
-            </a:r>
-            <a:r>
-              <a:rPr lang="en-IN" sz="2200" dirty="0" smtClean="0"/>
-              <a:t>.</a:t>
+              <a:t>The dataset includes 170 distinct speakers for each language.</a:t>
             </a:r>
           </a:p>
           <a:p>
@@ -24287,19 +23954,7 @@
           <a:p>
             <a:r>
               <a:rPr lang="en-IN" sz="2200" dirty="0"/>
-              <a:t>The dataset is assumed to be </a:t>
-            </a:r>
-            <a:r>
-              <a:rPr lang="en-IN" sz="2200" dirty="0" smtClean="0"/>
-              <a:t>clean. It </a:t>
-            </a:r>
-            <a:r>
-              <a:rPr lang="en-IN" sz="2200" dirty="0"/>
-              <a:t>is pre-processed and split to multiple equal sized (5 sec) audio samples</a:t>
-            </a:r>
-            <a:r>
-              <a:rPr lang="en-IN" sz="2200" dirty="0" smtClean="0"/>
-              <a:t>.</a:t>
+              <a:t>The dataset is assumed to be clean. It is pre-processed and split to multiple equal sized (5 sec) audio samples.</a:t>
             </a:r>
           </a:p>
           <a:p>
@@ -24312,7 +23967,7 @@
             </a:r>
           </a:p>
           <a:p>
-            <a:endParaRPr lang="en-US" sz="2200" dirty="0" smtClean="0"/>
+            <a:endParaRPr lang="en-US" sz="2200" dirty="0"/>
           </a:p>
         </p:txBody>
       </p:sp>
@@ -24326,13 +23981,6 @@
   <p:clrMapOvr>
     <a:masterClrMapping/>
   </p:clrMapOvr>
-  <p:timing>
-    <p:tnLst>
-      <p:par>
-        <p:cTn id="1" dur="indefinite" restart="never" nodeType="tmRoot"/>
-      </p:par>
-    </p:tnLst>
-  </p:timing>
 </p:sld>
 </file>
 
@@ -24374,10 +24022,9 @@
           <a:lstStyle/>
           <a:p>
             <a:r>
-              <a:rPr lang="en-IN" dirty="0" smtClean="0"/>
+              <a:rPr lang="en-IN" dirty="0"/>
               <a:t>Feature Extraction</a:t>
             </a:r>
-            <a:endParaRPr lang="en-IN" dirty="0"/>
           </a:p>
         </p:txBody>
       </p:sp>
@@ -24399,68 +24046,58 @@
         </p:spPr>
         <p:txBody>
           <a:bodyPr>
-            <a:normAutofit/>
+            <a:normAutofit fontScale="92500" lnSpcReduction="10000"/>
           </a:bodyPr>
           <a:lstStyle/>
           <a:p>
             <a:r>
-              <a:rPr lang="en-IN" sz="1800" dirty="0" smtClean="0"/>
-              <a:t>Audio Sample is divided into frames of 25ms(400 frames) with a window hop of 10ms(100 frames</a:t>
-            </a:r>
-            <a:r>
-              <a:rPr lang="en-IN" sz="1800" dirty="0" smtClean="0"/>
-              <a:t>).</a:t>
-            </a:r>
-          </a:p>
-          <a:p>
-            <a:endParaRPr lang="en-IN" sz="1800" dirty="0" smtClean="0"/>
-          </a:p>
-          <a:p>
-            <a:r>
-              <a:rPr lang="en-IN" sz="1800" dirty="0" smtClean="0"/>
-              <a:t>Hence this kind of overlapping prevents spectral loss that is caused by framing</a:t>
-            </a:r>
-            <a:r>
-              <a:rPr lang="en-IN" sz="1800" dirty="0" smtClean="0"/>
-              <a:t>.</a:t>
-            </a:r>
-          </a:p>
-          <a:p>
-            <a:endParaRPr lang="en-IN" sz="1800" dirty="0" smtClean="0"/>
-          </a:p>
-          <a:p>
-            <a:r>
-              <a:rPr lang="en-IN" sz="1800" dirty="0" smtClean="0"/>
-              <a:t>For each frame 13 mfcc features are calculated</a:t>
-            </a:r>
-            <a:r>
-              <a:rPr lang="en-IN" sz="1800" dirty="0" smtClean="0"/>
-              <a:t>.</a:t>
-            </a:r>
-          </a:p>
-          <a:p>
-            <a:endParaRPr lang="en-IN" sz="1800" dirty="0" smtClean="0"/>
-          </a:p>
-          <a:p>
-            <a:r>
-              <a:rPr lang="en-IN" sz="1800" dirty="0" smtClean="0"/>
-              <a:t>Using these mfcc features, delta mfcc, </a:t>
-            </a:r>
-            <a:r>
-              <a:rPr lang="en-IN" sz="1800" dirty="0" smtClean="0"/>
-              <a:t>delta </a:t>
-            </a:r>
-            <a:r>
-              <a:rPr lang="en-IN" sz="1800" dirty="0" err="1" smtClean="0"/>
+              <a:rPr lang="en-IN" sz="1800" dirty="0"/>
+              <a:t>Audio Sample is divided into frames of 25ms(400 frames) with a window hop of 10ms(100 frames).</a:t>
+            </a:r>
+            <a:br>
+              <a:rPr lang="en-IN" sz="1800" dirty="0"/>
+            </a:br>
+            <a:endParaRPr lang="en-IN" sz="1800" dirty="0"/>
+          </a:p>
+          <a:p>
+            <a:r>
+              <a:rPr lang="en-IN" sz="1800" dirty="0"/>
+              <a:t>Sliding Window is used processing the audio sample.</a:t>
+            </a:r>
+          </a:p>
+          <a:p>
+            <a:endParaRPr lang="en-IN" sz="1800" dirty="0"/>
+          </a:p>
+          <a:p>
+            <a:r>
+              <a:rPr lang="en-IN" sz="1800" dirty="0"/>
+              <a:t>This overlapping of windows prevents spectral loss that is caused by framing.</a:t>
+            </a:r>
+          </a:p>
+          <a:p>
+            <a:endParaRPr lang="en-IN" sz="1800" dirty="0"/>
+          </a:p>
+          <a:p>
+            <a:r>
+              <a:rPr lang="en-IN" sz="1800" dirty="0"/>
+              <a:t>For each frame 13 mfcc features are calculated.</a:t>
+            </a:r>
+          </a:p>
+          <a:p>
+            <a:endParaRPr lang="en-IN" sz="1800" dirty="0"/>
+          </a:p>
+          <a:p>
+            <a:r>
+              <a:rPr lang="en-IN" sz="1800" dirty="0"/>
+              <a:t>Using these mfcc features, delta mfcc, delta </a:t>
+            </a:r>
+            <a:r>
+              <a:rPr lang="en-IN" sz="1800" dirty="0" err="1"/>
               <a:t>delta</a:t>
             </a:r>
             <a:r>
-              <a:rPr lang="en-IN" sz="1800" dirty="0" smtClean="0"/>
-              <a:t> </a:t>
-            </a:r>
-            <a:r>
-              <a:rPr lang="en-IN" sz="1800" dirty="0" smtClean="0"/>
-              <a:t>mfcc is calculated.</a:t>
+              <a:rPr lang="en-IN" sz="1800" dirty="0"/>
+              <a:t> mfcc is calculated.</a:t>
             </a:r>
           </a:p>
           <a:p>
@@ -24504,18 +24141,41 @@
           </a:ln>
         </p:spPr>
       </p:pic>
+      <p:sp>
+        <p:nvSpPr>
+          <p:cNvPr id="5" name="TextBox 4"/>
+          <p:cNvSpPr txBox="1"/>
+          <p:nvPr/>
+        </p:nvSpPr>
+        <p:spPr>
+          <a:xfrm>
+            <a:off x="6228184" y="5970766"/>
+            <a:ext cx="2304256" cy="338554"/>
+          </a:xfrm>
+          <a:prstGeom prst="rect">
+            <a:avLst/>
+          </a:prstGeom>
+          <a:noFill/>
+        </p:spPr>
+        <p:txBody>
+          <a:bodyPr wrap="square" rtlCol="0">
+            <a:spAutoFit/>
+          </a:bodyPr>
+          <a:lstStyle/>
+          <a:p>
+            <a:r>
+              <a:rPr lang="en-US" sz="1600" dirty="0"/>
+              <a:t>Sliding Window</a:t>
+            </a:r>
+            <a:endParaRPr lang="en-US" dirty="0"/>
+          </a:p>
+        </p:txBody>
+      </p:sp>
     </p:spTree>
   </p:cSld>
   <p:clrMapOvr>
     <a:masterClrMapping/>
   </p:clrMapOvr>
-  <p:timing>
-    <p:tnLst>
-      <p:par>
-        <p:cTn id="1" dur="indefinite" restart="never" nodeType="tmRoot"/>
-      </p:par>
-    </p:tnLst>
-  </p:timing>
 </p:sld>
 </file>
 
@@ -24557,10 +24217,9 @@
           <a:lstStyle/>
           <a:p>
             <a:r>
-              <a:rPr lang="en-IN" dirty="0" smtClean="0"/>
+              <a:rPr lang="en-IN" dirty="0"/>
               <a:t>Feature Vector</a:t>
             </a:r>
-            <a:endParaRPr lang="en-IN" dirty="0"/>
           </a:p>
         </p:txBody>
       </p:sp>
@@ -24586,132 +24245,114 @@
           </a:bodyPr>
           <a:lstStyle/>
           <a:p>
-            <a:r>
-              <a:rPr lang="en-IN" sz="1800" dirty="0" smtClean="0"/>
+            <a:pPr algn="just"/>
+            <a:r>
+              <a:rPr lang="en-IN" sz="1800" dirty="0"/>
               <a:t>For each audio sample of 5 sec we obtain a long term averaged feature vector with 390 features.</a:t>
             </a:r>
           </a:p>
           <a:p>
-            <a:endParaRPr lang="en-IN" sz="900" dirty="0" smtClean="0"/>
-          </a:p>
-          <a:p>
-            <a:r>
-              <a:rPr lang="en-IN" sz="1800" dirty="0" smtClean="0"/>
+            <a:pPr algn="just"/>
+            <a:endParaRPr lang="en-IN" sz="900" dirty="0"/>
+          </a:p>
+          <a:p>
+            <a:pPr algn="just"/>
+            <a:r>
+              <a:rPr lang="en-IN" sz="1800" dirty="0"/>
               <a:t>These features include 13 MFCC+13 Delta MFCC+13 Delta </a:t>
             </a:r>
             <a:r>
-              <a:rPr lang="en-IN" sz="1800" dirty="0" err="1" smtClean="0"/>
+              <a:rPr lang="en-IN" sz="1800" dirty="0" err="1"/>
               <a:t>Delta</a:t>
             </a:r>
             <a:r>
-              <a:rPr lang="en-IN" sz="1800" dirty="0" smtClean="0"/>
-              <a:t> MFCC. Making a set of 39 sized feature vector.</a:t>
-            </a:r>
-          </a:p>
-          <a:p>
-            <a:endParaRPr lang="en-IN" sz="900" dirty="0" smtClean="0"/>
-          </a:p>
-          <a:p>
-            <a:r>
-              <a:rPr lang="en-IN" sz="1800" dirty="0" smtClean="0"/>
-              <a:t>Such </a:t>
-            </a:r>
-            <a:r>
-              <a:rPr lang="en-IN" sz="1800" dirty="0" smtClean="0"/>
-              <a:t>consecutive features are stacked to create </a:t>
-            </a:r>
-            <a:r>
-              <a:rPr lang="en-IN" sz="1800" b="1" dirty="0" smtClean="0"/>
-              <a:t>context </a:t>
-            </a:r>
-            <a:r>
-              <a:rPr lang="en-IN" sz="1800" b="1" dirty="0" smtClean="0"/>
-              <a:t>windows </a:t>
-            </a:r>
-            <a:r>
-              <a:rPr lang="en-IN" sz="1800" dirty="0" smtClean="0"/>
-              <a:t>and the </a:t>
-            </a:r>
-            <a:r>
-              <a:rPr lang="en-IN" sz="1800" dirty="0" smtClean="0"/>
-              <a:t>number of consecutive features </a:t>
-            </a:r>
-            <a:r>
-              <a:rPr lang="en-IN" sz="1800" dirty="0" smtClean="0"/>
-              <a:t>used</a:t>
-            </a:r>
-            <a:r>
-              <a:rPr lang="en-IN" sz="1800" dirty="0" smtClean="0"/>
+              <a:rPr lang="en-IN" sz="1800" dirty="0"/>
+              <a:t> MFCC. Making a set of 39 sized feature vectors.</a:t>
+            </a:r>
+          </a:p>
+          <a:p>
+            <a:pPr algn="just"/>
+            <a:endParaRPr lang="en-IN" sz="900" dirty="0"/>
+          </a:p>
+          <a:p>
+            <a:pPr algn="just"/>
+            <a:r>
+              <a:rPr lang="en-IN" sz="1800" dirty="0"/>
+              <a:t>Such consecutive features are stacked to create </a:t>
+            </a:r>
+            <a:r>
+              <a:rPr lang="en-IN" sz="1800" b="1" dirty="0"/>
+              <a:t>context windows </a:t>
+            </a:r>
+            <a:r>
+              <a:rPr lang="en-IN" sz="1800" dirty="0"/>
+              <a:t>and the number of consecutive features used is called context window size. We used a context window size of 5.</a:t>
+            </a:r>
+          </a:p>
+          <a:p>
+            <a:pPr algn="just"/>
+            <a:endParaRPr lang="en-IN" sz="900" dirty="0"/>
+          </a:p>
+          <a:p>
+            <a:pPr algn="just"/>
+            <a:r>
+              <a:rPr lang="en-IN" sz="1800" dirty="0"/>
+              <a:t>Long term averaging is done by computing the mean and standard deviation over the entire duration giving a single feature vector of size of shape (1, 390)</a:t>
+            </a:r>
+          </a:p>
+          <a:p>
+            <a:pPr algn="just"/>
+            <a:endParaRPr lang="en-IN" sz="900" dirty="0"/>
+          </a:p>
+          <a:p>
+            <a:pPr algn="just"/>
+            <a:r>
+              <a:rPr lang="en-IN" sz="1800" dirty="0"/>
+              <a:t>39(</a:t>
+            </a:r>
+            <a:r>
+              <a:rPr lang="en-IN" sz="1800" dirty="0" err="1"/>
+              <a:t>mfcc</a:t>
+            </a:r>
+            <a:r>
+              <a:rPr lang="en-IN" sz="1800" dirty="0"/>
+              <a:t> + delta </a:t>
+            </a:r>
+            <a:r>
+              <a:rPr lang="en-IN" sz="1800" dirty="0" err="1"/>
+              <a:t>mfcc</a:t>
+            </a:r>
+            <a:r>
+              <a:rPr lang="en-IN" sz="1800" dirty="0"/>
+              <a:t> + delta </a:t>
+            </a:r>
+            <a:r>
+              <a:rPr lang="en-IN" sz="1800" dirty="0" err="1"/>
+              <a:t>delta</a:t>
+            </a:r>
+            <a:r>
+              <a:rPr lang="en-IN" sz="1800" dirty="0"/>
               <a:t> </a:t>
             </a:r>
             <a:r>
-              <a:rPr lang="en-IN" sz="1800" dirty="0" smtClean="0"/>
-              <a:t>is called context window size. We used a context window size of 5</a:t>
-            </a:r>
-            <a:r>
-              <a:rPr lang="en-IN" sz="1800" dirty="0" smtClean="0"/>
-              <a:t>.</a:t>
-            </a:r>
-          </a:p>
-          <a:p>
-            <a:endParaRPr lang="en-IN" sz="900" dirty="0" smtClean="0"/>
-          </a:p>
-          <a:p>
-            <a:r>
-              <a:rPr lang="en-IN" sz="1800" dirty="0" smtClean="0"/>
-              <a:t>Long term averaging is done and standard deviation is calculated for over entire duration giving a single feature vector of size of shape (390,1</a:t>
-            </a:r>
-            <a:r>
-              <a:rPr lang="en-IN" sz="1800" dirty="0" smtClean="0"/>
-              <a:t>)</a:t>
-            </a:r>
-          </a:p>
-          <a:p>
-            <a:endParaRPr lang="en-IN" sz="900" dirty="0" smtClean="0"/>
-          </a:p>
-          <a:p>
-            <a:r>
-              <a:rPr lang="en-IN" sz="1800" dirty="0" smtClean="0"/>
-              <a:t> 39(</a:t>
-            </a:r>
-            <a:r>
-              <a:rPr lang="en-IN" sz="1800" dirty="0" err="1" smtClean="0"/>
+              <a:rPr lang="en-IN" sz="1800" dirty="0" err="1"/>
               <a:t>mfcc</a:t>
             </a:r>
             <a:r>
-              <a:rPr lang="en-IN" sz="1800" dirty="0" smtClean="0"/>
-              <a:t> + delta </a:t>
-            </a:r>
-            <a:r>
-              <a:rPr lang="en-IN" sz="1800" dirty="0" err="1" smtClean="0"/>
-              <a:t>mfcc</a:t>
-            </a:r>
-            <a:r>
-              <a:rPr lang="en-IN" sz="1800" dirty="0" smtClean="0"/>
-              <a:t>+ delta-delta </a:t>
-            </a:r>
-            <a:r>
-              <a:rPr lang="en-IN" sz="1800" dirty="0" err="1" smtClean="0"/>
-              <a:t>mfcc</a:t>
-            </a:r>
-            <a:r>
-              <a:rPr lang="en-IN" sz="1800" dirty="0" smtClean="0"/>
-              <a:t>)*5(context window size)*2(mean + standard deviation)=390</a:t>
-            </a:r>
-          </a:p>
-          <a:p>
-            <a:endParaRPr lang="en-IN" sz="900" dirty="0" smtClean="0"/>
-          </a:p>
-          <a:p>
-            <a:r>
-              <a:rPr lang="en-IN" sz="1800" dirty="0" smtClean="0"/>
-              <a:t>When </a:t>
-            </a:r>
-            <a:r>
-              <a:rPr lang="en-IN" sz="1800" dirty="0" smtClean="0"/>
-              <a:t>x such samples are taken out feature vector has a shape of (390,x)</a:t>
-            </a:r>
-            <a:endParaRPr lang="en-IN" sz="1800" dirty="0"/>
+              <a:rPr lang="en-IN" sz="1800" dirty="0"/>
+              <a:t>) * 5 (context window size) * 2 (mean + standard deviation) = 390</a:t>
+            </a:r>
+          </a:p>
+          <a:p>
+            <a:pPr algn="just"/>
+            <a:endParaRPr lang="en-IN" sz="900" dirty="0"/>
+          </a:p>
+          <a:p>
+            <a:pPr algn="just"/>
+            <a:r>
+              <a:rPr lang="en-IN" sz="1800" dirty="0"/>
+              <a:t>When x such samples are taken out feature vector has a shape of   (x, 390)</a:t>
+            </a:r>
           </a:p>
         </p:txBody>
       </p:sp>

--- a/Docs/Presentation.pptx
+++ b/Docs/Presentation.pptx
@@ -8,32 +8,38 @@
     <p:sldMasterId id="2147483720" r:id="rId4"/>
   </p:sldMasterIdLst>
   <p:notesMasterIdLst>
-    <p:notesMasterId r:id="rId28"/>
+    <p:notesMasterId r:id="rId34"/>
   </p:notesMasterIdLst>
   <p:sldIdLst>
     <p:sldId id="256" r:id="rId5"/>
     <p:sldId id="257" r:id="rId6"/>
     <p:sldId id="258" r:id="rId7"/>
     <p:sldId id="260" r:id="rId8"/>
-    <p:sldId id="263" r:id="rId9"/>
-    <p:sldId id="266" r:id="rId10"/>
-    <p:sldId id="279" r:id="rId11"/>
-    <p:sldId id="267" r:id="rId12"/>
-    <p:sldId id="269" r:id="rId13"/>
-    <p:sldId id="278" r:id="rId14"/>
-    <p:sldId id="282" r:id="rId15"/>
-    <p:sldId id="283" r:id="rId16"/>
-    <p:sldId id="284" r:id="rId17"/>
-    <p:sldId id="264" r:id="rId18"/>
-    <p:sldId id="265" r:id="rId19"/>
-    <p:sldId id="271" r:id="rId20"/>
-    <p:sldId id="272" r:id="rId21"/>
-    <p:sldId id="273" r:id="rId22"/>
-    <p:sldId id="274" r:id="rId23"/>
-    <p:sldId id="280" r:id="rId24"/>
-    <p:sldId id="281" r:id="rId25"/>
-    <p:sldId id="277" r:id="rId26"/>
-    <p:sldId id="276" r:id="rId27"/>
+    <p:sldId id="287" r:id="rId9"/>
+    <p:sldId id="288" r:id="rId10"/>
+    <p:sldId id="289" r:id="rId11"/>
+    <p:sldId id="290" r:id="rId12"/>
+    <p:sldId id="263" r:id="rId13"/>
+    <p:sldId id="266" r:id="rId14"/>
+    <p:sldId id="279" r:id="rId15"/>
+    <p:sldId id="267" r:id="rId16"/>
+    <p:sldId id="269" r:id="rId17"/>
+    <p:sldId id="278" r:id="rId18"/>
+    <p:sldId id="282" r:id="rId19"/>
+    <p:sldId id="283" r:id="rId20"/>
+    <p:sldId id="284" r:id="rId21"/>
+    <p:sldId id="264" r:id="rId22"/>
+    <p:sldId id="265" r:id="rId23"/>
+    <p:sldId id="271" r:id="rId24"/>
+    <p:sldId id="272" r:id="rId25"/>
+    <p:sldId id="273" r:id="rId26"/>
+    <p:sldId id="274" r:id="rId27"/>
+    <p:sldId id="280" r:id="rId28"/>
+    <p:sldId id="281" r:id="rId29"/>
+    <p:sldId id="277" r:id="rId30"/>
+    <p:sldId id="276" r:id="rId31"/>
+    <p:sldId id="285" r:id="rId32"/>
+    <p:sldId id="286" r:id="rId33"/>
   </p:sldIdLst>
   <p:sldSz cx="9144000" cy="6858000" type="screen4x3"/>
   <p:notesSz cx="6858000" cy="9144000"/>
@@ -134,7 +140,7 @@
   </p:defaultTextStyle>
   <p:extLst>
     <p:ext uri="{EFAFB233-063F-42B5-8137-9DF3F51BA10A}">
-      <p15:sldGuideLst xmlns:p15="http://schemas.microsoft.com/office/powerpoint/2012/main">
+      <p15:sldGuideLst xmlns:p15="http://schemas.microsoft.com/office/powerpoint/2012/main" xmlns="">
         <p15:guide id="1" orient="horz" pos="2160">
           <p15:clr>
             <a:srgbClr val="A4A3A4"/>
@@ -234,7 +240,7 @@
             <a:fld id="{3FDCA80A-463E-40D4-BA34-FED0CD2C258C}" type="datetimeFigureOut">
               <a:rPr lang="en-US" smtClean="0"/>
               <a:pPr/>
-              <a:t>30-May-17</a:t>
+              <a:t>30/5/2017</a:t>
             </a:fld>
             <a:endParaRPr lang="en-US"/>
           </a:p>
@@ -631,24 +637,7 @@
           <a:bodyPr/>
           <a:lstStyle/>
           <a:p>
-            <a:r>
-              <a:rPr lang="en-US" dirty="0" err="1"/>
-              <a:t>reLU</a:t>
-            </a:r>
-            <a:r>
-              <a:rPr lang="en-US" dirty="0"/>
-              <a:t> = rectifier Linear Unit</a:t>
-            </a:r>
-          </a:p>
-          <a:p>
-            <a:r>
-              <a:rPr lang="en-US" dirty="0" err="1"/>
-              <a:t>Adadelta</a:t>
-            </a:r>
-            <a:r>
-              <a:rPr lang="en-US" dirty="0"/>
-              <a:t> controls learning rate</a:t>
-            </a:r>
+            <a:endParaRPr lang="en-US" dirty="0"/>
           </a:p>
         </p:txBody>
       </p:sp>
@@ -670,7 +659,7 @@
             <a:fld id="{979A0A40-088F-44CE-8547-8CF4D8B5748D}" type="slidenum">
               <a:rPr lang="en-US" smtClean="0"/>
               <a:pPr/>
-              <a:t>12</a:t>
+              <a:t>13</a:t>
             </a:fld>
             <a:endParaRPr lang="en-US"/>
           </a:p>
@@ -679,7 +668,7 @@
     </p:spTree>
     <p:extLst>
       <p:ext uri="{BB962C8B-B14F-4D97-AF65-F5344CB8AC3E}">
-        <p14:creationId xmlns:p14="http://schemas.microsoft.com/office/powerpoint/2010/main" val="4020566594"/>
+        <p14:creationId xmlns:p14="http://schemas.microsoft.com/office/powerpoint/2010/main" val="647014947"/>
       </p:ext>
     </p:extLst>
   </p:cSld>
@@ -735,7 +724,7 @@
           <a:p>
             <a:r>
               <a:rPr lang="en-US" dirty="0"/>
-              <a:t>Problem and its use</a:t>
+              <a:t>Less p-value means greater stat significance</a:t>
             </a:r>
           </a:p>
         </p:txBody>
@@ -757,7 +746,6 @@
           <a:p>
             <a:fld id="{979A0A40-088F-44CE-8547-8CF4D8B5748D}" type="slidenum">
               <a:rPr lang="en-US" smtClean="0"/>
-              <a:pPr/>
               <a:t>14</a:t>
             </a:fld>
             <a:endParaRPr lang="en-US"/>
@@ -822,8 +810,22 @@
           <a:lstStyle/>
           <a:p>
             <a:r>
+              <a:rPr lang="en-US" dirty="0" err="1"/>
+              <a:t>reLU</a:t>
+            </a:r>
+            <a:r>
               <a:rPr lang="en-US" dirty="0"/>
-              <a:t>Problem and its use</a:t>
+              <a:t> = rectifier Linear Unit</a:t>
+            </a:r>
+          </a:p>
+          <a:p>
+            <a:r>
+              <a:rPr lang="en-US" dirty="0" err="1"/>
+              <a:t>Adadelta</a:t>
+            </a:r>
+            <a:r>
+              <a:rPr lang="en-US" dirty="0"/>
+              <a:t> controls learning rate</a:t>
             </a:r>
           </a:p>
         </p:txBody>
@@ -846,7 +848,7 @@
             <a:fld id="{979A0A40-088F-44CE-8547-8CF4D8B5748D}" type="slidenum">
               <a:rPr lang="en-US" smtClean="0"/>
               <a:pPr/>
-              <a:t>15</a:t>
+              <a:t>16</a:t>
             </a:fld>
             <a:endParaRPr lang="en-US"/>
           </a:p>
@@ -855,7 +857,7 @@
     </p:spTree>
     <p:extLst>
       <p:ext uri="{BB962C8B-B14F-4D97-AF65-F5344CB8AC3E}">
-        <p14:creationId xmlns:p14="http://schemas.microsoft.com/office/powerpoint/2010/main" val="737328833"/>
+        <p14:creationId xmlns:p14="http://schemas.microsoft.com/office/powerpoint/2010/main" val="4020566594"/>
       </p:ext>
     </p:extLst>
   </p:cSld>
@@ -909,7 +911,10 @@
           <a:bodyPr/>
           <a:lstStyle/>
           <a:p>
-            <a:endParaRPr lang="en-US" dirty="0"/>
+            <a:r>
+              <a:rPr lang="en-US" dirty="0"/>
+              <a:t>Problem and its use</a:t>
+            </a:r>
           </a:p>
         </p:txBody>
       </p:sp>
@@ -930,7 +935,8 @@
           <a:p>
             <a:fld id="{979A0A40-088F-44CE-8547-8CF4D8B5748D}" type="slidenum">
               <a:rPr lang="en-US" smtClean="0"/>
-              <a:t>22</a:t>
+              <a:pPr/>
+              <a:t>18</a:t>
             </a:fld>
             <a:endParaRPr lang="en-US"/>
           </a:p>
@@ -993,6 +999,178 @@
           <a:bodyPr/>
           <a:lstStyle/>
           <a:p>
+            <a:r>
+              <a:rPr lang="en-US" dirty="0"/>
+              <a:t>Problem and its use</a:t>
+            </a:r>
+          </a:p>
+        </p:txBody>
+      </p:sp>
+      <p:sp>
+        <p:nvSpPr>
+          <p:cNvPr id="4" name="Slide Number Placeholder 3"/>
+          <p:cNvSpPr>
+            <a:spLocks noGrp="1"/>
+          </p:cNvSpPr>
+          <p:nvPr>
+            <p:ph type="sldNum" sz="quarter" idx="10"/>
+          </p:nvPr>
+        </p:nvSpPr>
+        <p:spPr/>
+        <p:txBody>
+          <a:bodyPr/>
+          <a:lstStyle/>
+          <a:p>
+            <a:fld id="{979A0A40-088F-44CE-8547-8CF4D8B5748D}" type="slidenum">
+              <a:rPr lang="en-US" smtClean="0"/>
+              <a:pPr/>
+              <a:t>19</a:t>
+            </a:fld>
+            <a:endParaRPr lang="en-US"/>
+          </a:p>
+        </p:txBody>
+      </p:sp>
+    </p:spTree>
+    <p:extLst>
+      <p:ext uri="{BB962C8B-B14F-4D97-AF65-F5344CB8AC3E}">
+        <p14:creationId xmlns:p14="http://schemas.microsoft.com/office/powerpoint/2010/main" val="737328833"/>
+      </p:ext>
+    </p:extLst>
+  </p:cSld>
+  <p:clrMapOvr>
+    <a:masterClrMapping/>
+  </p:clrMapOvr>
+</p:notes>
+</file>
+
+<file path=ppt/notesSlides/notesSlide15.xml><?xml version="1.0" encoding="utf-8"?>
+<p:notes xmlns:a="http://schemas.openxmlformats.org/drawingml/2006/main" xmlns:r="http://schemas.openxmlformats.org/officeDocument/2006/relationships" xmlns:p="http://schemas.openxmlformats.org/presentationml/2006/main">
+  <p:cSld>
+    <p:spTree>
+      <p:nvGrpSpPr>
+        <p:cNvPr id="1" name=""/>
+        <p:cNvGrpSpPr/>
+        <p:nvPr/>
+      </p:nvGrpSpPr>
+      <p:grpSpPr>
+        <a:xfrm>
+          <a:off x="0" y="0"/>
+          <a:ext cx="0" cy="0"/>
+          <a:chOff x="0" y="0"/>
+          <a:chExt cx="0" cy="0"/>
+        </a:xfrm>
+      </p:grpSpPr>
+      <p:sp>
+        <p:nvSpPr>
+          <p:cNvPr id="2" name="Slide Image Placeholder 1"/>
+          <p:cNvSpPr>
+            <a:spLocks noGrp="1" noRot="1" noChangeAspect="1"/>
+          </p:cNvSpPr>
+          <p:nvPr>
+            <p:ph type="sldImg"/>
+          </p:nvPr>
+        </p:nvSpPr>
+        <p:spPr/>
+      </p:sp>
+      <p:sp>
+        <p:nvSpPr>
+          <p:cNvPr id="3" name="Notes Placeholder 2"/>
+          <p:cNvSpPr>
+            <a:spLocks noGrp="1"/>
+          </p:cNvSpPr>
+          <p:nvPr>
+            <p:ph type="body" idx="1"/>
+          </p:nvPr>
+        </p:nvSpPr>
+        <p:spPr/>
+        <p:txBody>
+          <a:bodyPr/>
+          <a:lstStyle/>
+          <a:p>
+            <a:endParaRPr lang="en-US" dirty="0"/>
+          </a:p>
+        </p:txBody>
+      </p:sp>
+      <p:sp>
+        <p:nvSpPr>
+          <p:cNvPr id="4" name="Slide Number Placeholder 3"/>
+          <p:cNvSpPr>
+            <a:spLocks noGrp="1"/>
+          </p:cNvSpPr>
+          <p:nvPr>
+            <p:ph type="sldNum" sz="quarter" idx="10"/>
+          </p:nvPr>
+        </p:nvSpPr>
+        <p:spPr/>
+        <p:txBody>
+          <a:bodyPr/>
+          <a:lstStyle/>
+          <a:p>
+            <a:fld id="{979A0A40-088F-44CE-8547-8CF4D8B5748D}" type="slidenum">
+              <a:rPr lang="en-US" smtClean="0"/>
+              <a:t>26</a:t>
+            </a:fld>
+            <a:endParaRPr lang="en-US"/>
+          </a:p>
+        </p:txBody>
+      </p:sp>
+    </p:spTree>
+    <p:extLst>
+      <p:ext uri="{BB962C8B-B14F-4D97-AF65-F5344CB8AC3E}">
+        <p14:creationId xmlns:p14="http://schemas.microsoft.com/office/powerpoint/2010/main" val="737328833"/>
+      </p:ext>
+    </p:extLst>
+  </p:cSld>
+  <p:clrMapOvr>
+    <a:masterClrMapping/>
+  </p:clrMapOvr>
+</p:notes>
+</file>
+
+<file path=ppt/notesSlides/notesSlide16.xml><?xml version="1.0" encoding="utf-8"?>
+<p:notes xmlns:a="http://schemas.openxmlformats.org/drawingml/2006/main" xmlns:r="http://schemas.openxmlformats.org/officeDocument/2006/relationships" xmlns:p="http://schemas.openxmlformats.org/presentationml/2006/main">
+  <p:cSld>
+    <p:spTree>
+      <p:nvGrpSpPr>
+        <p:cNvPr id="1" name=""/>
+        <p:cNvGrpSpPr/>
+        <p:nvPr/>
+      </p:nvGrpSpPr>
+      <p:grpSpPr>
+        <a:xfrm>
+          <a:off x="0" y="0"/>
+          <a:ext cx="0" cy="0"/>
+          <a:chOff x="0" y="0"/>
+          <a:chExt cx="0" cy="0"/>
+        </a:xfrm>
+      </p:grpSpPr>
+      <p:sp>
+        <p:nvSpPr>
+          <p:cNvPr id="2" name="Slide Image Placeholder 1"/>
+          <p:cNvSpPr>
+            <a:spLocks noGrp="1" noRot="1" noChangeAspect="1"/>
+          </p:cNvSpPr>
+          <p:nvPr>
+            <p:ph type="sldImg"/>
+          </p:nvPr>
+        </p:nvSpPr>
+        <p:spPr/>
+      </p:sp>
+      <p:sp>
+        <p:nvSpPr>
+          <p:cNvPr id="3" name="Notes Placeholder 2"/>
+          <p:cNvSpPr>
+            <a:spLocks noGrp="1"/>
+          </p:cNvSpPr>
+          <p:nvPr>
+            <p:ph type="body" idx="1"/>
+          </p:nvPr>
+        </p:nvSpPr>
+        <p:spPr/>
+        <p:txBody>
+          <a:bodyPr/>
+          <a:lstStyle/>
+          <a:p>
             <a:endParaRPr lang="en-US" dirty="0"/>
           </a:p>
         </p:txBody>
@@ -1019,7 +1197,204 @@
                 </a:solidFill>
               </a:rPr>
               <a:pPr/>
-              <a:t>23</a:t>
+              <a:t>27</a:t>
+            </a:fld>
+            <a:endParaRPr lang="en-US">
+              <a:solidFill>
+                <a:prstClr val="black"/>
+              </a:solidFill>
+            </a:endParaRPr>
+          </a:p>
+        </p:txBody>
+      </p:sp>
+    </p:spTree>
+    <p:extLst>
+      <p:ext uri="{BB962C8B-B14F-4D97-AF65-F5344CB8AC3E}">
+        <p14:creationId xmlns:p14="http://schemas.microsoft.com/office/powerpoint/2010/main" val="737328833"/>
+      </p:ext>
+    </p:extLst>
+  </p:cSld>
+  <p:clrMapOvr>
+    <a:masterClrMapping/>
+  </p:clrMapOvr>
+</p:notes>
+</file>
+
+<file path=ppt/notesSlides/notesSlide17.xml><?xml version="1.0" encoding="utf-8"?>
+<p:notes xmlns:a="http://schemas.openxmlformats.org/drawingml/2006/main" xmlns:r="http://schemas.openxmlformats.org/officeDocument/2006/relationships" xmlns:p="http://schemas.openxmlformats.org/presentationml/2006/main">
+  <p:cSld>
+    <p:spTree>
+      <p:nvGrpSpPr>
+        <p:cNvPr id="1" name=""/>
+        <p:cNvGrpSpPr/>
+        <p:nvPr/>
+      </p:nvGrpSpPr>
+      <p:grpSpPr>
+        <a:xfrm>
+          <a:off x="0" y="0"/>
+          <a:ext cx="0" cy="0"/>
+          <a:chOff x="0" y="0"/>
+          <a:chExt cx="0" cy="0"/>
+        </a:xfrm>
+      </p:grpSpPr>
+      <p:sp>
+        <p:nvSpPr>
+          <p:cNvPr id="2" name="Slide Image Placeholder 1"/>
+          <p:cNvSpPr>
+            <a:spLocks noGrp="1" noRot="1" noChangeAspect="1"/>
+          </p:cNvSpPr>
+          <p:nvPr>
+            <p:ph type="sldImg"/>
+          </p:nvPr>
+        </p:nvSpPr>
+        <p:spPr/>
+      </p:sp>
+      <p:sp>
+        <p:nvSpPr>
+          <p:cNvPr id="3" name="Notes Placeholder 2"/>
+          <p:cNvSpPr>
+            <a:spLocks noGrp="1"/>
+          </p:cNvSpPr>
+          <p:nvPr>
+            <p:ph type="body" idx="1"/>
+          </p:nvPr>
+        </p:nvSpPr>
+        <p:spPr/>
+        <p:txBody>
+          <a:bodyPr/>
+          <a:lstStyle/>
+          <a:p>
+            <a:r>
+              <a:rPr lang="en-US" sz="1200" b="0" i="0" u="none" strike="noStrike" kern="1200" baseline="0" dirty="0" smtClean="0">
+                <a:solidFill>
+                  <a:schemeClr val="tx1"/>
+                </a:solidFill>
+                <a:latin typeface="+mn-lt"/>
+                <a:ea typeface="+mn-ea"/>
+                <a:cs typeface="+mn-cs"/>
+              </a:rPr>
+              <a:t>SDC: pseudo-prosodic feature, shifted delta op on acoustic feature</a:t>
+            </a:r>
+            <a:endParaRPr lang="en-US" dirty="0"/>
+          </a:p>
+        </p:txBody>
+      </p:sp>
+      <p:sp>
+        <p:nvSpPr>
+          <p:cNvPr id="4" name="Slide Number Placeholder 3"/>
+          <p:cNvSpPr>
+            <a:spLocks noGrp="1"/>
+          </p:cNvSpPr>
+          <p:nvPr>
+            <p:ph type="sldNum" sz="quarter" idx="10"/>
+          </p:nvPr>
+        </p:nvSpPr>
+        <p:spPr/>
+        <p:txBody>
+          <a:bodyPr/>
+          <a:lstStyle/>
+          <a:p>
+            <a:fld id="{979A0A40-088F-44CE-8547-8CF4D8B5748D}" type="slidenum">
+              <a:rPr lang="en-US" smtClean="0">
+                <a:solidFill>
+                  <a:prstClr val="black"/>
+                </a:solidFill>
+              </a:rPr>
+              <a:pPr/>
+              <a:t>28</a:t>
+            </a:fld>
+            <a:endParaRPr lang="en-US">
+              <a:solidFill>
+                <a:prstClr val="black"/>
+              </a:solidFill>
+            </a:endParaRPr>
+          </a:p>
+        </p:txBody>
+      </p:sp>
+    </p:spTree>
+    <p:extLst>
+      <p:ext uri="{BB962C8B-B14F-4D97-AF65-F5344CB8AC3E}">
+        <p14:creationId xmlns:p14="http://schemas.microsoft.com/office/powerpoint/2010/main" val="737328833"/>
+      </p:ext>
+    </p:extLst>
+  </p:cSld>
+  <p:clrMapOvr>
+    <a:masterClrMapping/>
+  </p:clrMapOvr>
+</p:notes>
+</file>
+
+<file path=ppt/notesSlides/notesSlide18.xml><?xml version="1.0" encoding="utf-8"?>
+<p:notes xmlns:a="http://schemas.openxmlformats.org/drawingml/2006/main" xmlns:r="http://schemas.openxmlformats.org/officeDocument/2006/relationships" xmlns:p="http://schemas.openxmlformats.org/presentationml/2006/main">
+  <p:cSld>
+    <p:spTree>
+      <p:nvGrpSpPr>
+        <p:cNvPr id="1" name=""/>
+        <p:cNvGrpSpPr/>
+        <p:nvPr/>
+      </p:nvGrpSpPr>
+      <p:grpSpPr>
+        <a:xfrm>
+          <a:off x="0" y="0"/>
+          <a:ext cx="0" cy="0"/>
+          <a:chOff x="0" y="0"/>
+          <a:chExt cx="0" cy="0"/>
+        </a:xfrm>
+      </p:grpSpPr>
+      <p:sp>
+        <p:nvSpPr>
+          <p:cNvPr id="2" name="Slide Image Placeholder 1"/>
+          <p:cNvSpPr>
+            <a:spLocks noGrp="1" noRot="1" noChangeAspect="1"/>
+          </p:cNvSpPr>
+          <p:nvPr>
+            <p:ph type="sldImg"/>
+          </p:nvPr>
+        </p:nvSpPr>
+        <p:spPr/>
+      </p:sp>
+      <p:sp>
+        <p:nvSpPr>
+          <p:cNvPr id="3" name="Notes Placeholder 2"/>
+          <p:cNvSpPr>
+            <a:spLocks noGrp="1"/>
+          </p:cNvSpPr>
+          <p:nvPr>
+            <p:ph type="body" idx="1"/>
+          </p:nvPr>
+        </p:nvSpPr>
+        <p:spPr/>
+        <p:txBody>
+          <a:bodyPr/>
+          <a:lstStyle/>
+          <a:p>
+            <a:endParaRPr lang="en-US" dirty="0"/>
+          </a:p>
+        </p:txBody>
+      </p:sp>
+      <p:sp>
+        <p:nvSpPr>
+          <p:cNvPr id="4" name="Slide Number Placeholder 3"/>
+          <p:cNvSpPr>
+            <a:spLocks noGrp="1"/>
+          </p:cNvSpPr>
+          <p:nvPr>
+            <p:ph type="sldNum" sz="quarter" idx="10"/>
+          </p:nvPr>
+        </p:nvSpPr>
+        <p:spPr/>
+        <p:txBody>
+          <a:bodyPr/>
+          <a:lstStyle/>
+          <a:p>
+            <a:fld id="{979A0A40-088F-44CE-8547-8CF4D8B5748D}" type="slidenum">
+              <a:rPr lang="en-US" smtClean="0">
+                <a:solidFill>
+                  <a:prstClr val="black"/>
+                </a:solidFill>
+              </a:rPr>
+              <a:pPr/>
+              <a:t>29</a:t>
             </a:fld>
             <a:endParaRPr lang="en-US">
               <a:solidFill>
@@ -1496,7 +1871,6 @@
           <a:p>
             <a:fld id="{979A0A40-088F-44CE-8547-8CF4D8B5748D}" type="slidenum">
               <a:rPr lang="en-US" smtClean="0"/>
-              <a:pPr/>
               <a:t>5</a:t>
             </a:fld>
             <a:endParaRPr lang="en-US"/>
@@ -1560,6 +1934,10 @@
           <a:bodyPr/>
           <a:lstStyle/>
           <a:p>
+            <a:r>
+              <a:rPr lang="en-US" sz="1200" dirty="0" smtClean="0"/>
+              <a:t>In this paper, a baseline system for the LID system in multilingual environments has been developed using GMM as a classifier and MFCC combined with Shifted-Delta-Cepstral (SDC) as front end processing feature vectors. </a:t>
+            </a:r>
             <a:endParaRPr lang="en-US" dirty="0"/>
           </a:p>
         </p:txBody>
@@ -1582,7 +1960,7 @@
             <a:fld id="{979A0A40-088F-44CE-8547-8CF4D8B5748D}" type="slidenum">
               <a:rPr lang="en-US" smtClean="0"/>
               <a:pPr/>
-              <a:t>7</a:t>
+              <a:t>6</a:t>
             </a:fld>
             <a:endParaRPr lang="en-US"/>
           </a:p>
@@ -1591,7 +1969,7 @@
     </p:spTree>
     <p:extLst>
       <p:ext uri="{BB962C8B-B14F-4D97-AF65-F5344CB8AC3E}">
-        <p14:creationId xmlns:p14="http://schemas.microsoft.com/office/powerpoint/2010/main" val="737328833"/>
+        <p14:creationId xmlns:p14="http://schemas.microsoft.com/office/powerpoint/2010/main" val="64519768"/>
       </p:ext>
     </p:extLst>
   </p:cSld>
@@ -1645,45 +2023,6 @@
           <a:bodyPr/>
           <a:lstStyle/>
           <a:p>
-            <a:r>
-              <a:rPr lang="en-IN" dirty="0"/>
-              <a:t>Why are delta and delta-delta </a:t>
-            </a:r>
-            <a:r>
-              <a:rPr lang="en-IN" dirty="0" err="1"/>
-              <a:t>mfcc</a:t>
-            </a:r>
-            <a:r>
-              <a:rPr lang="en-IN" dirty="0"/>
-              <a:t> used ?</a:t>
-            </a:r>
-          </a:p>
-          <a:p>
-            <a:endParaRPr lang="en-IN" dirty="0"/>
-          </a:p>
-          <a:p>
-            <a:r>
-              <a:rPr lang="en-IN" dirty="0"/>
-              <a:t>Static </a:t>
-            </a:r>
-            <a:r>
-              <a:rPr lang="en-IN" dirty="0" err="1"/>
-              <a:t>mfcc</a:t>
-            </a:r>
-            <a:r>
-              <a:rPr lang="en-IN" dirty="0"/>
-              <a:t> features are representative of physical characteristics of vocal chord which is not enough to discriminate languages, hence we require temporal variation of </a:t>
-            </a:r>
-            <a:r>
-              <a:rPr lang="en-IN" dirty="0" err="1"/>
-              <a:t>mfcc</a:t>
-            </a:r>
-            <a:r>
-              <a:rPr lang="en-IN" dirty="0"/>
-              <a:t>.</a:t>
-            </a:r>
-          </a:p>
-          <a:p>
             <a:endParaRPr lang="en-US" dirty="0"/>
           </a:p>
         </p:txBody>
@@ -1706,7 +2045,7 @@
             <a:fld id="{979A0A40-088F-44CE-8547-8CF4D8B5748D}" type="slidenum">
               <a:rPr lang="en-US" smtClean="0"/>
               <a:pPr/>
-              <a:t>8</a:t>
+              <a:t>9</a:t>
             </a:fld>
             <a:endParaRPr lang="en-US"/>
           </a:p>
@@ -1715,7 +2054,7 @@
     </p:spTree>
     <p:extLst>
       <p:ext uri="{BB962C8B-B14F-4D97-AF65-F5344CB8AC3E}">
-        <p14:creationId xmlns:p14="http://schemas.microsoft.com/office/powerpoint/2010/main" val="3926316611"/>
+        <p14:creationId xmlns:p14="http://schemas.microsoft.com/office/powerpoint/2010/main" val="737328833"/>
       </p:ext>
     </p:extLst>
   </p:cSld>
@@ -1791,7 +2130,7 @@
             <a:fld id="{979A0A40-088F-44CE-8547-8CF4D8B5748D}" type="slidenum">
               <a:rPr lang="en-US" smtClean="0"/>
               <a:pPr/>
-              <a:t>9</a:t>
+              <a:t>11</a:t>
             </a:fld>
             <a:endParaRPr lang="en-US"/>
           </a:p>
@@ -1800,7 +2139,7 @@
     </p:spTree>
     <p:extLst>
       <p:ext uri="{BB962C8B-B14F-4D97-AF65-F5344CB8AC3E}">
-        <p14:creationId xmlns:p14="http://schemas.microsoft.com/office/powerpoint/2010/main" val="647014947"/>
+        <p14:creationId xmlns:p14="http://schemas.microsoft.com/office/powerpoint/2010/main" val="737328833"/>
       </p:ext>
     </p:extLst>
   </p:cSld>
@@ -1855,9 +2194,45 @@
           <a:lstStyle/>
           <a:p>
             <a:r>
-              <a:rPr lang="en-US" dirty="0"/>
-              <a:t>Less p-value means greater stat significance</a:t>
-            </a:r>
+              <a:rPr lang="en-IN" dirty="0"/>
+              <a:t>Why are delta and delta-delta </a:t>
+            </a:r>
+            <a:r>
+              <a:rPr lang="en-IN" dirty="0" err="1"/>
+              <a:t>mfcc</a:t>
+            </a:r>
+            <a:r>
+              <a:rPr lang="en-IN" dirty="0"/>
+              <a:t> used ?</a:t>
+            </a:r>
+          </a:p>
+          <a:p>
+            <a:endParaRPr lang="en-IN" dirty="0"/>
+          </a:p>
+          <a:p>
+            <a:r>
+              <a:rPr lang="en-IN" dirty="0"/>
+              <a:t>Static </a:t>
+            </a:r>
+            <a:r>
+              <a:rPr lang="en-IN" dirty="0" err="1"/>
+              <a:t>mfcc</a:t>
+            </a:r>
+            <a:r>
+              <a:rPr lang="en-IN" dirty="0"/>
+              <a:t> features are representative of physical characteristics of vocal chord which is not enough to discriminate languages, hence we require temporal variation of </a:t>
+            </a:r>
+            <a:r>
+              <a:rPr lang="en-IN" dirty="0" err="1"/>
+              <a:t>mfcc</a:t>
+            </a:r>
+            <a:r>
+              <a:rPr lang="en-IN" dirty="0"/>
+              <a:t>.</a:t>
+            </a:r>
+          </a:p>
+          <a:p>
+            <a:endParaRPr lang="en-US" dirty="0"/>
           </a:p>
         </p:txBody>
       </p:sp>
@@ -1878,7 +2253,8 @@
           <a:p>
             <a:fld id="{979A0A40-088F-44CE-8547-8CF4D8B5748D}" type="slidenum">
               <a:rPr lang="en-US" smtClean="0"/>
-              <a:t>10</a:t>
+              <a:pPr/>
+              <a:t>12</a:t>
             </a:fld>
             <a:endParaRPr lang="en-US"/>
           </a:p>
@@ -1887,7 +2263,7 @@
     </p:spTree>
     <p:extLst>
       <p:ext uri="{BB962C8B-B14F-4D97-AF65-F5344CB8AC3E}">
-        <p14:creationId xmlns:p14="http://schemas.microsoft.com/office/powerpoint/2010/main" val="737328833"/>
+        <p14:creationId xmlns:p14="http://schemas.microsoft.com/office/powerpoint/2010/main" val="3926316611"/>
       </p:ext>
     </p:extLst>
   </p:cSld>
@@ -2090,7 +2466,7 @@
             <a:fld id="{1D8BD707-D9CF-40AE-B4C6-C98DA3205C09}" type="datetimeFigureOut">
               <a:rPr lang="en-US" smtClean="0"/>
               <a:pPr/>
-              <a:t>30-May-17</a:t>
+              <a:t>30/5/2017</a:t>
             </a:fld>
             <a:endParaRPr lang="en-US"/>
           </a:p>
@@ -2256,7 +2632,7 @@
             <a:fld id="{1D8BD707-D9CF-40AE-B4C6-C98DA3205C09}" type="datetimeFigureOut">
               <a:rPr lang="en-US" smtClean="0"/>
               <a:pPr/>
-              <a:t>30-May-17</a:t>
+              <a:t>30/5/2017</a:t>
             </a:fld>
             <a:endParaRPr lang="en-US"/>
           </a:p>
@@ -2432,7 +2808,7 @@
             <a:fld id="{1D8BD707-D9CF-40AE-B4C6-C98DA3205C09}" type="datetimeFigureOut">
               <a:rPr lang="en-US" smtClean="0"/>
               <a:pPr/>
-              <a:t>30-May-17</a:t>
+              <a:t>30/5/2017</a:t>
             </a:fld>
             <a:endParaRPr lang="en-US"/>
           </a:p>
@@ -2689,7 +3065,7 @@
                 </a:solidFill>
               </a:rPr>
               <a:pPr/>
-              <a:t>30-May-17</a:t>
+              <a:t>30/5/2017</a:t>
             </a:fld>
             <a:endParaRPr lang="en-US">
               <a:solidFill>
@@ -2914,7 +3290,7 @@
                 </a:solidFill>
               </a:rPr>
               <a:pPr/>
-              <a:t>30-May-17</a:t>
+              <a:t>30/5/2017</a:t>
             </a:fld>
             <a:endParaRPr lang="en-US">
               <a:solidFill>
@@ -3218,7 +3594,7 @@
                 </a:solidFill>
               </a:rPr>
               <a:pPr/>
-              <a:t>30-May-17</a:t>
+              <a:t>30/5/2017</a:t>
             </a:fld>
             <a:endParaRPr lang="en-US">
               <a:solidFill>
@@ -3619,7 +3995,7 @@
                 </a:solidFill>
               </a:rPr>
               <a:pPr/>
-              <a:t>30-May-17</a:t>
+              <a:t>30/5/2017</a:t>
             </a:fld>
             <a:endParaRPr lang="en-US">
               <a:solidFill>
@@ -3967,7 +4343,7 @@
                 </a:solidFill>
               </a:rPr>
               <a:pPr/>
-              <a:t>30-May-17</a:t>
+              <a:t>30/5/2017</a:t>
             </a:fld>
             <a:endParaRPr lang="en-US">
               <a:solidFill>
@@ -4236,7 +4612,7 @@
                 </a:solidFill>
               </a:rPr>
               <a:pPr/>
-              <a:t>30-May-17</a:t>
+              <a:t>30/5/2017</a:t>
             </a:fld>
             <a:endParaRPr lang="en-US">
               <a:solidFill>
@@ -4368,7 +4744,7 @@
                 </a:solidFill>
               </a:rPr>
               <a:pPr/>
-              <a:t>30-May-17</a:t>
+              <a:t>30/5/2017</a:t>
             </a:fld>
             <a:endParaRPr lang="en-US">
               <a:solidFill>
@@ -4698,7 +5074,7 @@
                 </a:solidFill>
               </a:rPr>
               <a:pPr/>
-              <a:t>30-May-17</a:t>
+              <a:t>30/5/2017</a:t>
             </a:fld>
             <a:endParaRPr lang="en-US">
               <a:solidFill>
@@ -4916,7 +5292,7 @@
             <a:fld id="{1D8BD707-D9CF-40AE-B4C6-C98DA3205C09}" type="datetimeFigureOut">
               <a:rPr lang="en-US" smtClean="0"/>
               <a:pPr/>
-              <a:t>30-May-17</a:t>
+              <a:t>30/5/2017</a:t>
             </a:fld>
             <a:endParaRPr lang="en-US"/>
           </a:p>
@@ -5194,7 +5570,7 @@
                 </a:solidFill>
               </a:rPr>
               <a:pPr/>
-              <a:t>30-May-17</a:t>
+              <a:t>30/5/2017</a:t>
             </a:fld>
             <a:endParaRPr lang="en-US">
               <a:solidFill>
@@ -5400,7 +5776,7 @@
                 </a:solidFill>
               </a:rPr>
               <a:pPr/>
-              <a:t>30-May-17</a:t>
+              <a:t>30/5/2017</a:t>
             </a:fld>
             <a:endParaRPr lang="en-US">
               <a:solidFill>
@@ -5616,7 +5992,7 @@
                 </a:solidFill>
               </a:rPr>
               <a:pPr/>
-              <a:t>30-May-17</a:t>
+              <a:t>30/5/2017</a:t>
             </a:fld>
             <a:endParaRPr lang="en-US">
               <a:solidFill>
@@ -5906,7 +6282,7 @@
                 </a:solidFill>
               </a:rPr>
               <a:pPr/>
-              <a:t>30-May-17</a:t>
+              <a:t>30/5/2017</a:t>
             </a:fld>
             <a:endParaRPr lang="en-US">
               <a:solidFill>
@@ -6131,7 +6507,7 @@
                 </a:solidFill>
               </a:rPr>
               <a:pPr/>
-              <a:t>30-May-17</a:t>
+              <a:t>30/5/2017</a:t>
             </a:fld>
             <a:endParaRPr lang="en-US">
               <a:solidFill>
@@ -6435,7 +6811,7 @@
                 </a:solidFill>
               </a:rPr>
               <a:pPr/>
-              <a:t>30-May-17</a:t>
+              <a:t>30/5/2017</a:t>
             </a:fld>
             <a:endParaRPr lang="en-US">
               <a:solidFill>
@@ -6836,7 +7212,7 @@
                 </a:solidFill>
               </a:rPr>
               <a:pPr/>
-              <a:t>30-May-17</a:t>
+              <a:t>30/5/2017</a:t>
             </a:fld>
             <a:endParaRPr lang="en-US">
               <a:solidFill>
@@ -7184,7 +7560,7 @@
                 </a:solidFill>
               </a:rPr>
               <a:pPr/>
-              <a:t>30-May-17</a:t>
+              <a:t>30/5/2017</a:t>
             </a:fld>
             <a:endParaRPr lang="en-US">
               <a:solidFill>
@@ -7453,7 +7829,7 @@
                 </a:solidFill>
               </a:rPr>
               <a:pPr/>
-              <a:t>30-May-17</a:t>
+              <a:t>30/5/2017</a:t>
             </a:fld>
             <a:endParaRPr lang="en-US">
               <a:solidFill>
@@ -7585,7 +7961,7 @@
                 </a:solidFill>
               </a:rPr>
               <a:pPr/>
-              <a:t>30-May-17</a:t>
+              <a:t>30/5/2017</a:t>
             </a:fld>
             <a:endParaRPr lang="en-US">
               <a:solidFill>
@@ -7882,7 +8258,7 @@
             <a:fld id="{1D8BD707-D9CF-40AE-B4C6-C98DA3205C09}" type="datetimeFigureOut">
               <a:rPr lang="en-US" smtClean="0"/>
               <a:pPr/>
-              <a:t>30-May-17</a:t>
+              <a:t>30/5/2017</a:t>
             </a:fld>
             <a:endParaRPr lang="en-US"/>
           </a:p>
@@ -8329,7 +8705,7 @@
                 </a:solidFill>
               </a:rPr>
               <a:pPr/>
-              <a:t>30-May-17</a:t>
+              <a:t>30/5/2017</a:t>
             </a:fld>
             <a:endParaRPr lang="en-US">
               <a:solidFill>
@@ -8640,7 +9016,7 @@
                 </a:solidFill>
               </a:rPr>
               <a:pPr/>
-              <a:t>30-May-17</a:t>
+              <a:t>30/5/2017</a:t>
             </a:fld>
             <a:endParaRPr lang="en-US">
               <a:solidFill>
@@ -8846,7 +9222,7 @@
                 </a:solidFill>
               </a:rPr>
               <a:pPr/>
-              <a:t>30-May-17</a:t>
+              <a:t>30/5/2017</a:t>
             </a:fld>
             <a:endParaRPr lang="en-US">
               <a:solidFill>
@@ -9062,7 +9438,7 @@
                 </a:solidFill>
               </a:rPr>
               <a:pPr/>
-              <a:t>30-May-17</a:t>
+              <a:t>30/5/2017</a:t>
             </a:fld>
             <a:endParaRPr lang="en-US">
               <a:solidFill>
@@ -9352,7 +9728,7 @@
                 </a:solidFill>
               </a:rPr>
               <a:pPr/>
-              <a:t>30-May-17</a:t>
+              <a:t>30/5/2017</a:t>
             </a:fld>
             <a:endParaRPr lang="en-US">
               <a:solidFill>
@@ -9577,7 +9953,7 @@
                 </a:solidFill>
               </a:rPr>
               <a:pPr/>
-              <a:t>30-May-17</a:t>
+              <a:t>30/5/2017</a:t>
             </a:fld>
             <a:endParaRPr lang="en-US">
               <a:solidFill>
@@ -9881,7 +10257,7 @@
                 </a:solidFill>
               </a:rPr>
               <a:pPr/>
-              <a:t>30-May-17</a:t>
+              <a:t>30/5/2017</a:t>
             </a:fld>
             <a:endParaRPr lang="en-US">
               <a:solidFill>
@@ -10282,7 +10658,7 @@
                 </a:solidFill>
               </a:rPr>
               <a:pPr/>
-              <a:t>30-May-17</a:t>
+              <a:t>30/5/2017</a:t>
             </a:fld>
             <a:endParaRPr lang="en-US">
               <a:solidFill>
@@ -10630,7 +11006,7 @@
                 </a:solidFill>
               </a:rPr>
               <a:pPr/>
-              <a:t>30-May-17</a:t>
+              <a:t>30/5/2017</a:t>
             </a:fld>
             <a:endParaRPr lang="en-US">
               <a:solidFill>
@@ -10899,7 +11275,7 @@
                 </a:solidFill>
               </a:rPr>
               <a:pPr/>
-              <a:t>30-May-17</a:t>
+              <a:t>30/5/2017</a:t>
             </a:fld>
             <a:endParaRPr lang="en-US">
               <a:solidFill>
@@ -11131,7 +11507,7 @@
             <a:fld id="{1D8BD707-D9CF-40AE-B4C6-C98DA3205C09}" type="datetimeFigureOut">
               <a:rPr lang="en-US" smtClean="0"/>
               <a:pPr/>
-              <a:t>30-May-17</a:t>
+              <a:t>30/5/2017</a:t>
             </a:fld>
             <a:endParaRPr lang="en-US"/>
           </a:p>
@@ -11286,7 +11662,7 @@
                 </a:solidFill>
               </a:rPr>
               <a:pPr/>
-              <a:t>30-May-17</a:t>
+              <a:t>30/5/2017</a:t>
             </a:fld>
             <a:endParaRPr lang="en-US">
               <a:solidFill>
@@ -11616,7 +11992,7 @@
                 </a:solidFill>
               </a:rPr>
               <a:pPr/>
-              <a:t>30-May-17</a:t>
+              <a:t>30/5/2017</a:t>
             </a:fld>
             <a:endParaRPr lang="en-US">
               <a:solidFill>
@@ -11927,7 +12303,7 @@
                 </a:solidFill>
               </a:rPr>
               <a:pPr/>
-              <a:t>30-May-17</a:t>
+              <a:t>30/5/2017</a:t>
             </a:fld>
             <a:endParaRPr lang="en-US">
               <a:solidFill>
@@ -12133,7 +12509,7 @@
                 </a:solidFill>
               </a:rPr>
               <a:pPr/>
-              <a:t>30-May-17</a:t>
+              <a:t>30/5/2017</a:t>
             </a:fld>
             <a:endParaRPr lang="en-US">
               <a:solidFill>
@@ -12349,7 +12725,7 @@
                 </a:solidFill>
               </a:rPr>
               <a:pPr/>
-              <a:t>30-May-17</a:t>
+              <a:t>30/5/2017</a:t>
             </a:fld>
             <a:endParaRPr lang="en-US">
               <a:solidFill>
@@ -12634,7 +13010,7 @@
             <a:fld id="{1D8BD707-D9CF-40AE-B4C6-C98DA3205C09}" type="datetimeFigureOut">
               <a:rPr lang="en-US" smtClean="0"/>
               <a:pPr/>
-              <a:t>30-May-17</a:t>
+              <a:t>30/5/2017</a:t>
             </a:fld>
             <a:endParaRPr lang="en-US"/>
           </a:p>
@@ -12863,7 +13239,7 @@
             <a:fld id="{1D8BD707-D9CF-40AE-B4C6-C98DA3205C09}" type="datetimeFigureOut">
               <a:rPr lang="en-US" smtClean="0"/>
               <a:pPr/>
-              <a:t>30-May-17</a:t>
+              <a:t>30/5/2017</a:t>
             </a:fld>
             <a:endParaRPr lang="en-US"/>
           </a:p>
@@ -12955,7 +13331,7 @@
             <a:fld id="{1D8BD707-D9CF-40AE-B4C6-C98DA3205C09}" type="datetimeFigureOut">
               <a:rPr lang="en-US" smtClean="0"/>
               <a:pPr/>
-              <a:t>30-May-17</a:t>
+              <a:t>30/5/2017</a:t>
             </a:fld>
             <a:endParaRPr lang="en-US"/>
           </a:p>
@@ -13245,7 +13621,7 @@
             <a:fld id="{1D8BD707-D9CF-40AE-B4C6-C98DA3205C09}" type="datetimeFigureOut">
               <a:rPr lang="en-US" smtClean="0"/>
               <a:pPr/>
-              <a:t>30-May-17</a:t>
+              <a:t>30/5/2017</a:t>
             </a:fld>
             <a:endParaRPr lang="en-US"/>
           </a:p>
@@ -13516,7 +13892,7 @@
             <a:fld id="{1D8BD707-D9CF-40AE-B4C6-C98DA3205C09}" type="datetimeFigureOut">
               <a:rPr lang="en-US" smtClean="0"/>
               <a:pPr/>
-              <a:t>30-May-17</a:t>
+              <a:t>30/5/2017</a:t>
             </a:fld>
             <a:endParaRPr lang="en-US"/>
           </a:p>
@@ -13728,7 +14104,7 @@
             <a:fld id="{1D8BD707-D9CF-40AE-B4C6-C98DA3205C09}" type="datetimeFigureOut">
               <a:rPr lang="en-US" smtClean="0"/>
               <a:pPr/>
-              <a:t>30-May-17</a:t>
+              <a:t>30/5/2017</a:t>
             </a:fld>
             <a:endParaRPr lang="en-US"/>
           </a:p>
@@ -14392,7 +14768,7 @@
                 </a:solidFill>
               </a:rPr>
               <a:pPr/>
-              <a:t>30-May-17</a:t>
+              <a:t>30/5/2017</a:t>
             </a:fld>
             <a:endParaRPr lang="en-US">
               <a:solidFill>
@@ -15090,7 +15466,7 @@
                 </a:solidFill>
               </a:rPr>
               <a:pPr/>
-              <a:t>30-May-17</a:t>
+              <a:t>30/5/2017</a:t>
             </a:fld>
             <a:endParaRPr lang="en-US">
               <a:solidFill>
@@ -15788,7 +16164,7 @@
                 </a:solidFill>
               </a:rPr>
               <a:pPr/>
-              <a:t>30-May-17</a:t>
+              <a:t>30/5/2017</a:t>
             </a:fld>
             <a:endParaRPr lang="en-US">
               <a:solidFill>
@@ -16490,6 +16866,602 @@
             <p:ph type="title"/>
           </p:nvPr>
         </p:nvSpPr>
+        <p:spPr/>
+        <p:txBody>
+          <a:bodyPr/>
+          <a:lstStyle/>
+          <a:p>
+            <a:r>
+              <a:rPr lang="en-IN" dirty="0"/>
+              <a:t>Experimental Setup</a:t>
+            </a:r>
+          </a:p>
+        </p:txBody>
+      </p:sp>
+      <p:pic>
+        <p:nvPicPr>
+          <p:cNvPr id="4" name="Picture 3"/>
+          <p:cNvPicPr/>
+          <p:nvPr/>
+        </p:nvPicPr>
+        <p:blipFill>
+          <a:blip r:embed="rId2" cstate="print">
+            <a:extLst>
+              <a:ext uri="{28A0092B-C50C-407E-A947-70E740481C1C}">
+                <a14:useLocalDpi xmlns:a14="http://schemas.microsoft.com/office/drawing/2010/main" val="0"/>
+              </a:ext>
+            </a:extLst>
+          </a:blip>
+          <a:srcRect/>
+          <a:stretch>
+            <a:fillRect/>
+          </a:stretch>
+        </p:blipFill>
+        <p:spPr bwMode="auto">
+          <a:xfrm>
+            <a:off x="175846" y="2537142"/>
+            <a:ext cx="8839200" cy="1882458"/>
+          </a:xfrm>
+          <a:prstGeom prst="rect">
+            <a:avLst/>
+          </a:prstGeom>
+          <a:noFill/>
+        </p:spPr>
+      </p:pic>
+      <p:sp>
+        <p:nvSpPr>
+          <p:cNvPr id="5" name="Rectangle 4"/>
+          <p:cNvSpPr/>
+          <p:nvPr/>
+        </p:nvSpPr>
+        <p:spPr>
+          <a:xfrm>
+            <a:off x="3028125" y="4267200"/>
+            <a:ext cx="3134641" cy="492443"/>
+          </a:xfrm>
+          <a:prstGeom prst="rect">
+            <a:avLst/>
+          </a:prstGeom>
+        </p:spPr>
+        <p:txBody>
+          <a:bodyPr wrap="none">
+            <a:spAutoFit/>
+          </a:bodyPr>
+          <a:lstStyle/>
+          <a:p>
+            <a:r>
+              <a:rPr lang="en-US" sz="2600" dirty="0"/>
+              <a:t>Workflow of project</a:t>
+            </a:r>
+          </a:p>
+        </p:txBody>
+      </p:sp>
+    </p:spTree>
+  </p:cSld>
+  <p:clrMapOvr>
+    <a:masterClrMapping/>
+  </p:clrMapOvr>
+</p:sld>
+</file>
+
+<file path=ppt/slides/slide11.xml><?xml version="1.0" encoding="utf-8"?>
+<p:sld xmlns:a="http://schemas.openxmlformats.org/drawingml/2006/main" xmlns:r="http://schemas.openxmlformats.org/officeDocument/2006/relationships" xmlns:p="http://schemas.openxmlformats.org/presentationml/2006/main" showMasterSp="0">
+  <p:cSld>
+    <p:spTree>
+      <p:nvGrpSpPr>
+        <p:cNvPr id="1" name=""/>
+        <p:cNvGrpSpPr/>
+        <p:nvPr/>
+      </p:nvGrpSpPr>
+      <p:grpSpPr>
+        <a:xfrm>
+          <a:off x="0" y="0"/>
+          <a:ext cx="0" cy="0"/>
+          <a:chOff x="0" y="0"/>
+          <a:chExt cx="0" cy="0"/>
+        </a:xfrm>
+      </p:grpSpPr>
+      <p:sp>
+        <p:nvSpPr>
+          <p:cNvPr id="2" name="Title 1"/>
+          <p:cNvSpPr>
+            <a:spLocks noGrp="1"/>
+          </p:cNvSpPr>
+          <p:nvPr>
+            <p:ph type="title"/>
+          </p:nvPr>
+        </p:nvSpPr>
+        <p:spPr>
+          <a:xfrm>
+            <a:off x="457200" y="23446"/>
+            <a:ext cx="8229600" cy="1295400"/>
+          </a:xfrm>
+        </p:spPr>
+        <p:txBody>
+          <a:bodyPr/>
+          <a:lstStyle/>
+          <a:p>
+            <a:r>
+              <a:rPr lang="en-US" dirty="0"/>
+              <a:t>Data Set</a:t>
+            </a:r>
+          </a:p>
+        </p:txBody>
+      </p:sp>
+      <p:sp>
+        <p:nvSpPr>
+          <p:cNvPr id="3" name="Content Placeholder 2"/>
+          <p:cNvSpPr>
+            <a:spLocks noGrp="1"/>
+          </p:cNvSpPr>
+          <p:nvPr>
+            <p:ph idx="1"/>
+          </p:nvPr>
+        </p:nvSpPr>
+        <p:spPr/>
+        <p:txBody>
+          <a:bodyPr>
+            <a:normAutofit/>
+          </a:bodyPr>
+          <a:lstStyle/>
+          <a:p>
+            <a:r>
+              <a:rPr lang="en-IN" sz="2200" dirty="0"/>
+              <a:t>We obtained our language dataset from Audio Lingua.</a:t>
+            </a:r>
+          </a:p>
+          <a:p>
+            <a:endParaRPr lang="en-IN" sz="2200" dirty="0"/>
+          </a:p>
+          <a:p>
+            <a:r>
+              <a:rPr lang="en-IN" sz="2200" dirty="0"/>
+              <a:t>The dataset includes 170 distinct speakers for each language.</a:t>
+            </a:r>
+          </a:p>
+          <a:p>
+            <a:endParaRPr lang="en-IN" sz="2200" dirty="0"/>
+          </a:p>
+          <a:p>
+            <a:r>
+              <a:rPr lang="en-IN" sz="2200" dirty="0"/>
+              <a:t>The dataset is assumed to be clean. It is pre-processed and split to multiple equal sized (5 sec) audio samples.</a:t>
+            </a:r>
+          </a:p>
+          <a:p>
+            <a:endParaRPr lang="en-IN" sz="2200" dirty="0"/>
+          </a:p>
+          <a:p>
+            <a:r>
+              <a:rPr lang="en-IN" sz="2200" dirty="0"/>
+              <a:t>One audio samples is treated as a single data point. This is done to average out any noise component in the speech. </a:t>
+            </a:r>
+          </a:p>
+          <a:p>
+            <a:endParaRPr lang="en-US" sz="2200" dirty="0"/>
+          </a:p>
+        </p:txBody>
+      </p:sp>
+    </p:spTree>
+    <p:extLst>
+      <p:ext uri="{BB962C8B-B14F-4D97-AF65-F5344CB8AC3E}">
+        <p14:creationId xmlns:p14="http://schemas.microsoft.com/office/powerpoint/2010/main" val="2897163406"/>
+      </p:ext>
+    </p:extLst>
+  </p:cSld>
+  <p:clrMapOvr>
+    <a:masterClrMapping/>
+  </p:clrMapOvr>
+</p:sld>
+</file>
+
+<file path=ppt/slides/slide12.xml><?xml version="1.0" encoding="utf-8"?>
+<p:sld xmlns:a="http://schemas.openxmlformats.org/drawingml/2006/main" xmlns:r="http://schemas.openxmlformats.org/officeDocument/2006/relationships" xmlns:p="http://schemas.openxmlformats.org/presentationml/2006/main" showMasterSp="0">
+  <p:cSld>
+    <p:spTree>
+      <p:nvGrpSpPr>
+        <p:cNvPr id="1" name=""/>
+        <p:cNvGrpSpPr/>
+        <p:nvPr/>
+      </p:nvGrpSpPr>
+      <p:grpSpPr>
+        <a:xfrm>
+          <a:off x="0" y="0"/>
+          <a:ext cx="0" cy="0"/>
+          <a:chOff x="0" y="0"/>
+          <a:chExt cx="0" cy="0"/>
+        </a:xfrm>
+      </p:grpSpPr>
+      <p:sp>
+        <p:nvSpPr>
+          <p:cNvPr id="2" name="Title 1"/>
+          <p:cNvSpPr>
+            <a:spLocks noGrp="1"/>
+          </p:cNvSpPr>
+          <p:nvPr>
+            <p:ph type="title"/>
+          </p:nvPr>
+        </p:nvSpPr>
+        <p:spPr>
+          <a:xfrm>
+            <a:off x="414366" y="2882"/>
+            <a:ext cx="8229600" cy="1195536"/>
+          </a:xfrm>
+        </p:spPr>
+        <p:txBody>
+          <a:bodyPr/>
+          <a:lstStyle/>
+          <a:p>
+            <a:r>
+              <a:rPr lang="en-IN" dirty="0"/>
+              <a:t>Feature Extraction</a:t>
+            </a:r>
+          </a:p>
+        </p:txBody>
+      </p:sp>
+      <p:sp>
+        <p:nvSpPr>
+          <p:cNvPr id="3" name="Content Placeholder 2"/>
+          <p:cNvSpPr>
+            <a:spLocks noGrp="1"/>
+          </p:cNvSpPr>
+          <p:nvPr>
+            <p:ph idx="1"/>
+          </p:nvPr>
+        </p:nvSpPr>
+        <p:spPr>
+          <a:xfrm>
+            <a:off x="457200" y="1600200"/>
+            <a:ext cx="4186808" cy="4709120"/>
+          </a:xfrm>
+        </p:spPr>
+        <p:txBody>
+          <a:bodyPr>
+            <a:normAutofit fontScale="92500" lnSpcReduction="10000"/>
+          </a:bodyPr>
+          <a:lstStyle/>
+          <a:p>
+            <a:r>
+              <a:rPr lang="en-IN" sz="1800" dirty="0"/>
+              <a:t>Audio Sample is divided into frames of 25ms(400 frames) with a window hop of 10ms(100 frames).</a:t>
+            </a:r>
+            <a:br>
+              <a:rPr lang="en-IN" sz="1800" dirty="0"/>
+            </a:br>
+            <a:endParaRPr lang="en-IN" sz="1800" dirty="0"/>
+          </a:p>
+          <a:p>
+            <a:r>
+              <a:rPr lang="en-IN" sz="1800" dirty="0"/>
+              <a:t>Sliding Window is used processing the audio sample.</a:t>
+            </a:r>
+          </a:p>
+          <a:p>
+            <a:endParaRPr lang="en-IN" sz="1800" dirty="0"/>
+          </a:p>
+          <a:p>
+            <a:r>
+              <a:rPr lang="en-IN" sz="1800" dirty="0"/>
+              <a:t>This overlapping of windows prevents spectral loss that is caused by framing.</a:t>
+            </a:r>
+          </a:p>
+          <a:p>
+            <a:endParaRPr lang="en-IN" sz="1800" dirty="0"/>
+          </a:p>
+          <a:p>
+            <a:r>
+              <a:rPr lang="en-IN" sz="1800" dirty="0"/>
+              <a:t>For each frame 13 mfcc features are calculated.</a:t>
+            </a:r>
+          </a:p>
+          <a:p>
+            <a:endParaRPr lang="en-IN" sz="1800" dirty="0"/>
+          </a:p>
+          <a:p>
+            <a:r>
+              <a:rPr lang="en-IN" sz="1800" dirty="0"/>
+              <a:t>Using these mfcc features, delta mfcc, delta </a:t>
+            </a:r>
+            <a:r>
+              <a:rPr lang="en-IN" sz="1800" dirty="0" err="1"/>
+              <a:t>delta</a:t>
+            </a:r>
+            <a:r>
+              <a:rPr lang="en-IN" sz="1800" dirty="0"/>
+              <a:t> mfcc is calculated.</a:t>
+            </a:r>
+          </a:p>
+          <a:p>
+            <a:pPr>
+              <a:buNone/>
+            </a:pPr>
+            <a:endParaRPr lang="en-IN" sz="1800" dirty="0"/>
+          </a:p>
+        </p:txBody>
+      </p:sp>
+      <p:pic>
+        <p:nvPicPr>
+          <p:cNvPr id="4" name="Picture 3" descr="https://www.researchgate.net/profile/Fernando_Sciascio/publication/257690526/figure/fig3/AS:297570170621988@1447957665997/Fig-3-The-EMG-channel-is-segmented-into-sliding-windows-of-256-samples-with-overlapping.png"/>
+          <p:cNvPicPr/>
+          <p:nvPr/>
+        </p:nvPicPr>
+        <p:blipFill>
+          <a:blip r:embed="rId3">
+            <a:extLst>
+              <a:ext uri="{28A0092B-C50C-407E-A947-70E740481C1C}">
+                <a14:useLocalDpi xmlns:a14="http://schemas.microsoft.com/office/drawing/2010/main" val="0"/>
+              </a:ext>
+            </a:extLst>
+          </a:blip>
+          <a:srcRect/>
+          <a:stretch>
+            <a:fillRect/>
+          </a:stretch>
+        </p:blipFill>
+        <p:spPr bwMode="auto">
+          <a:xfrm>
+            <a:off x="4572000" y="1628800"/>
+            <a:ext cx="4392488" cy="4235362"/>
+          </a:xfrm>
+          <a:prstGeom prst="rect">
+            <a:avLst/>
+          </a:prstGeom>
+          <a:noFill/>
+          <a:ln>
+            <a:noFill/>
+          </a:ln>
+        </p:spPr>
+      </p:pic>
+      <p:sp>
+        <p:nvSpPr>
+          <p:cNvPr id="5" name="TextBox 4"/>
+          <p:cNvSpPr txBox="1"/>
+          <p:nvPr/>
+        </p:nvSpPr>
+        <p:spPr>
+          <a:xfrm>
+            <a:off x="6228184" y="5970766"/>
+            <a:ext cx="2304256" cy="338554"/>
+          </a:xfrm>
+          <a:prstGeom prst="rect">
+            <a:avLst/>
+          </a:prstGeom>
+          <a:noFill/>
+        </p:spPr>
+        <p:txBody>
+          <a:bodyPr wrap="square" rtlCol="0">
+            <a:spAutoFit/>
+          </a:bodyPr>
+          <a:lstStyle/>
+          <a:p>
+            <a:r>
+              <a:rPr lang="en-US" sz="1600" dirty="0"/>
+              <a:t>Sliding Window</a:t>
+            </a:r>
+            <a:endParaRPr lang="en-US" dirty="0"/>
+          </a:p>
+        </p:txBody>
+      </p:sp>
+    </p:spTree>
+  </p:cSld>
+  <p:clrMapOvr>
+    <a:masterClrMapping/>
+  </p:clrMapOvr>
+</p:sld>
+</file>
+
+<file path=ppt/slides/slide13.xml><?xml version="1.0" encoding="utf-8"?>
+<p:sld xmlns:a="http://schemas.openxmlformats.org/drawingml/2006/main" xmlns:r="http://schemas.openxmlformats.org/officeDocument/2006/relationships" xmlns:p="http://schemas.openxmlformats.org/presentationml/2006/main" showMasterSp="0">
+  <p:cSld>
+    <p:spTree>
+      <p:nvGrpSpPr>
+        <p:cNvPr id="1" name=""/>
+        <p:cNvGrpSpPr/>
+        <p:nvPr/>
+      </p:nvGrpSpPr>
+      <p:grpSpPr>
+        <a:xfrm>
+          <a:off x="0" y="0"/>
+          <a:ext cx="0" cy="0"/>
+          <a:chOff x="0" y="0"/>
+          <a:chExt cx="0" cy="0"/>
+        </a:xfrm>
+      </p:grpSpPr>
+      <p:sp>
+        <p:nvSpPr>
+          <p:cNvPr id="2" name="Title 1"/>
+          <p:cNvSpPr>
+            <a:spLocks noGrp="1"/>
+          </p:cNvSpPr>
+          <p:nvPr>
+            <p:ph type="title"/>
+          </p:nvPr>
+        </p:nvSpPr>
+        <p:spPr>
+          <a:xfrm>
+            <a:off x="395536" y="0"/>
+            <a:ext cx="8229600" cy="1267544"/>
+          </a:xfrm>
+        </p:spPr>
+        <p:txBody>
+          <a:bodyPr/>
+          <a:lstStyle/>
+          <a:p>
+            <a:r>
+              <a:rPr lang="en-IN" dirty="0"/>
+              <a:t>Feature Vector</a:t>
+            </a:r>
+          </a:p>
+        </p:txBody>
+      </p:sp>
+      <p:sp>
+        <p:nvSpPr>
+          <p:cNvPr id="3" name="Content Placeholder 2"/>
+          <p:cNvSpPr>
+            <a:spLocks noGrp="1"/>
+          </p:cNvSpPr>
+          <p:nvPr>
+            <p:ph idx="1"/>
+          </p:nvPr>
+        </p:nvSpPr>
+        <p:spPr>
+          <a:xfrm>
+            <a:off x="467544" y="1484785"/>
+            <a:ext cx="8229600" cy="5373216"/>
+          </a:xfrm>
+        </p:spPr>
+        <p:txBody>
+          <a:bodyPr>
+            <a:noAutofit/>
+          </a:bodyPr>
+          <a:lstStyle/>
+          <a:p>
+            <a:pPr algn="just"/>
+            <a:r>
+              <a:rPr lang="en-IN" sz="1800" dirty="0"/>
+              <a:t>For each audio sample of 5 sec we obtain a long term averaged feature vector with 390 features.</a:t>
+            </a:r>
+          </a:p>
+          <a:p>
+            <a:pPr algn="just"/>
+            <a:endParaRPr lang="en-IN" sz="900" dirty="0"/>
+          </a:p>
+          <a:p>
+            <a:pPr algn="just"/>
+            <a:r>
+              <a:rPr lang="en-IN" sz="1800" dirty="0"/>
+              <a:t>These features include 13 MFCC+13 Delta MFCC+13 Delta </a:t>
+            </a:r>
+            <a:r>
+              <a:rPr lang="en-IN" sz="1800" dirty="0" err="1"/>
+              <a:t>Delta</a:t>
+            </a:r>
+            <a:r>
+              <a:rPr lang="en-IN" sz="1800" dirty="0"/>
+              <a:t> MFCC. Making a set of 39 sized feature vectors.</a:t>
+            </a:r>
+          </a:p>
+          <a:p>
+            <a:pPr algn="just"/>
+            <a:endParaRPr lang="en-IN" sz="900" dirty="0"/>
+          </a:p>
+          <a:p>
+            <a:pPr algn="just"/>
+            <a:r>
+              <a:rPr lang="en-IN" sz="1800" dirty="0"/>
+              <a:t>Such consecutive features are stacked to create </a:t>
+            </a:r>
+            <a:r>
+              <a:rPr lang="en-IN" sz="1800" b="1" dirty="0"/>
+              <a:t>context windows </a:t>
+            </a:r>
+            <a:r>
+              <a:rPr lang="en-IN" sz="1800" dirty="0"/>
+              <a:t>and the number of consecutive features used is called context window size. We used a context window size of 5.</a:t>
+            </a:r>
+          </a:p>
+          <a:p>
+            <a:pPr algn="just"/>
+            <a:endParaRPr lang="en-IN" sz="900" dirty="0"/>
+          </a:p>
+          <a:p>
+            <a:pPr algn="just"/>
+            <a:r>
+              <a:rPr lang="en-IN" sz="1800" dirty="0"/>
+              <a:t>Long term averaging is done by computing the mean and standard deviation over the entire duration giving a single feature vector of size of shape (1, 390)</a:t>
+            </a:r>
+          </a:p>
+          <a:p>
+            <a:pPr algn="just"/>
+            <a:endParaRPr lang="en-IN" sz="900" dirty="0"/>
+          </a:p>
+          <a:p>
+            <a:pPr algn="just"/>
+            <a:r>
+              <a:rPr lang="en-IN" sz="1800" dirty="0"/>
+              <a:t>39(</a:t>
+            </a:r>
+            <a:r>
+              <a:rPr lang="en-IN" sz="1800" dirty="0" err="1"/>
+              <a:t>mfcc</a:t>
+            </a:r>
+            <a:r>
+              <a:rPr lang="en-IN" sz="1800" dirty="0"/>
+              <a:t> + delta </a:t>
+            </a:r>
+            <a:r>
+              <a:rPr lang="en-IN" sz="1800" dirty="0" err="1"/>
+              <a:t>mfcc</a:t>
+            </a:r>
+            <a:r>
+              <a:rPr lang="en-IN" sz="1800" dirty="0"/>
+              <a:t> + delta </a:t>
+            </a:r>
+            <a:r>
+              <a:rPr lang="en-IN" sz="1800" dirty="0" err="1"/>
+              <a:t>delta</a:t>
+            </a:r>
+            <a:r>
+              <a:rPr lang="en-IN" sz="1800" dirty="0"/>
+              <a:t> </a:t>
+            </a:r>
+            <a:r>
+              <a:rPr lang="en-IN" sz="1800" dirty="0" err="1"/>
+              <a:t>mfcc</a:t>
+            </a:r>
+            <a:r>
+              <a:rPr lang="en-IN" sz="1800" dirty="0"/>
+              <a:t>) * 5 (context window size) * 2 (mean + standard deviation) = 390</a:t>
+            </a:r>
+          </a:p>
+          <a:p>
+            <a:pPr algn="just"/>
+            <a:endParaRPr lang="en-IN" sz="900" dirty="0"/>
+          </a:p>
+          <a:p>
+            <a:pPr algn="just"/>
+            <a:r>
+              <a:rPr lang="en-IN" sz="1800" dirty="0"/>
+              <a:t>When x such samples are taken out feature vector has a shape of   (x, 390)</a:t>
+            </a:r>
+          </a:p>
+        </p:txBody>
+      </p:sp>
+    </p:spTree>
+  </p:cSld>
+  <p:clrMapOvr>
+    <a:masterClrMapping/>
+  </p:clrMapOvr>
+</p:sld>
+</file>
+
+<file path=ppt/slides/slide14.xml><?xml version="1.0" encoding="utf-8"?>
+<p:sld xmlns:a="http://schemas.openxmlformats.org/drawingml/2006/main" xmlns:r="http://schemas.openxmlformats.org/officeDocument/2006/relationships" xmlns:p="http://schemas.openxmlformats.org/presentationml/2006/main" showMasterSp="0">
+  <p:cSld>
+    <p:spTree>
+      <p:nvGrpSpPr>
+        <p:cNvPr id="1" name=""/>
+        <p:cNvGrpSpPr/>
+        <p:nvPr/>
+      </p:nvGrpSpPr>
+      <p:grpSpPr>
+        <a:xfrm>
+          <a:off x="0" y="0"/>
+          <a:ext cx="0" cy="0"/>
+          <a:chOff x="0" y="0"/>
+          <a:chExt cx="0" cy="0"/>
+        </a:xfrm>
+      </p:grpSpPr>
+      <p:sp>
+        <p:nvSpPr>
+          <p:cNvPr id="2" name="Title 1"/>
+          <p:cNvSpPr>
+            <a:spLocks noGrp="1"/>
+          </p:cNvSpPr>
+          <p:nvPr>
+            <p:ph type="title"/>
+          </p:nvPr>
+        </p:nvSpPr>
         <p:spPr>
           <a:xfrm>
             <a:off x="457200" y="-152400"/>
@@ -16507,8 +17479,8 @@
           </a:p>
         </p:txBody>
       </p:sp>
-      <mc:AlternateContent xmlns:mc="http://schemas.openxmlformats.org/markup-compatibility/2006">
-        <mc:Choice xmlns:a14="http://schemas.microsoft.com/office/drawing/2010/main" Requires="a14">
+      <mc:AlternateContent xmlns:mc="http://schemas.openxmlformats.org/markup-compatibility/2006" xmlns:a14="http://schemas.microsoft.com/office/drawing/2010/main">
+        <mc:Choice Requires="a14">
           <p:sp>
             <p:nvSpPr>
               <p:cNvPr id="3" name="Content Placeholder 2"/>
@@ -16555,7 +17527,7 @@
                       <m:sSupPr>
                         <m:ctrlPr>
                           <a:rPr lang="en-US" i="1">
-                            <a:latin typeface="Cambria Math" panose="02040503050406030204" pitchFamily="18" charset="0"/>
+                            <a:latin typeface="Cambria Math"/>
                           </a:rPr>
                         </m:ctrlPr>
                       </m:sSupPr>
@@ -16591,7 +17563,7 @@
                         <m:grow m:val="on"/>
                         <m:ctrlPr>
                           <a:rPr lang="en-US" i="1">
-                            <a:latin typeface="Cambria Math" panose="02040503050406030204" pitchFamily="18" charset="0"/>
+                            <a:latin typeface="Cambria Math"/>
                           </a:rPr>
                         </m:ctrlPr>
                       </m:naryPr>
@@ -16622,7 +17594,7 @@
                           <m:fPr>
                             <m:ctrlPr>
                               <a:rPr lang="en-US" i="1">
-                                <a:latin typeface="Cambria Math" panose="02040503050406030204" pitchFamily="18" charset="0"/>
+                                <a:latin typeface="Cambria Math"/>
                               </a:rPr>
                             </m:ctrlPr>
                           </m:fPr>
@@ -16631,7 +17603,7 @@
                               <m:sSupPr>
                                 <m:ctrlPr>
                                   <a:rPr lang="en-US" i="1">
-                                    <a:latin typeface="Cambria Math" panose="02040503050406030204" pitchFamily="18" charset="0"/>
+                                    <a:latin typeface="Cambria Math"/>
                                   </a:rPr>
                                 </m:ctrlPr>
                               </m:sSupPr>
@@ -16646,7 +17618,7 @@
                                   <m:sSubPr>
                                     <m:ctrlPr>
                                       <a:rPr lang="en-US" i="1">
-                                        <a:latin typeface="Cambria Math" panose="02040503050406030204" pitchFamily="18" charset="0"/>
+                                        <a:latin typeface="Cambria Math"/>
                                       </a:rPr>
                                     </m:ctrlPr>
                                   </m:sSubPr>
@@ -16686,7 +17658,7 @@
                                   <m:sSubPr>
                                     <m:ctrlPr>
                                       <a:rPr lang="en-US" i="1">
-                                        <a:latin typeface="Cambria Math" panose="02040503050406030204" pitchFamily="18" charset="0"/>
+                                        <a:latin typeface="Cambria Math"/>
                                       </a:rPr>
                                     </m:ctrlPr>
                                   </m:sSubPr>
@@ -16732,7 +17704,7 @@
                               <m:sSubPr>
                                 <m:ctrlPr>
                                   <a:rPr lang="en-US" i="1">
-                                    <a:latin typeface="Cambria Math" panose="02040503050406030204" pitchFamily="18" charset="0"/>
+                                    <a:latin typeface="Cambria Math"/>
                                   </a:rPr>
                                 </m:ctrlPr>
                               </m:sSubPr>
@@ -16785,7 +17757,7 @@
             </p:txBody>
           </p:sp>
         </mc:Choice>
-        <mc:Fallback>
+        <mc:Fallback xmlns="">
           <p:sp>
             <p:nvSpPr>
               <p:cNvPr id="3" name="Content Placeholder 2"/>
@@ -16836,7 +17808,7 @@
 </p:sld>
 </file>
 
-<file path=ppt/slides/slide11.xml><?xml version="1.0" encoding="utf-8"?>
+<file path=ppt/slides/slide15.xml><?xml version="1.0" encoding="utf-8"?>
 <p:sld xmlns:a="http://schemas.openxmlformats.org/drawingml/2006/main" xmlns:r="http://schemas.openxmlformats.org/officeDocument/2006/relationships" xmlns:p="http://schemas.openxmlformats.org/presentationml/2006/main" showMasterSp="0">
   <p:cSld>
     <p:spTree>
@@ -17058,7 +18030,7 @@
 </p:sld>
 </file>
 
-<file path=ppt/slides/slide12.xml><?xml version="1.0" encoding="utf-8"?>
+<file path=ppt/slides/slide16.xml><?xml version="1.0" encoding="utf-8"?>
 <p:sld xmlns:a="http://schemas.openxmlformats.org/drawingml/2006/main" xmlns:r="http://schemas.openxmlformats.org/officeDocument/2006/relationships" xmlns:p="http://schemas.openxmlformats.org/presentationml/2006/main" showMasterSp="0">
   <p:cSld>
     <p:spTree>
@@ -17818,7 +18790,7 @@
 </p:sld>
 </file>
 
-<file path=ppt/slides/slide13.xml><?xml version="1.0" encoding="utf-8"?>
+<file path=ppt/slides/slide17.xml><?xml version="1.0" encoding="utf-8"?>
 <p:sld xmlns:a="http://schemas.openxmlformats.org/drawingml/2006/main" xmlns:r="http://schemas.openxmlformats.org/officeDocument/2006/relationships" xmlns:p="http://schemas.openxmlformats.org/presentationml/2006/main" showMasterSp="0">
   <p:cSld>
     <p:spTree>
@@ -17957,7 +18929,7 @@
 </p:sld>
 </file>
 
-<file path=ppt/slides/slide14.xml><?xml version="1.0" encoding="utf-8"?>
+<file path=ppt/slides/slide18.xml><?xml version="1.0" encoding="utf-8"?>
 <p:sld xmlns:a="http://schemas.openxmlformats.org/drawingml/2006/main" xmlns:r="http://schemas.openxmlformats.org/officeDocument/2006/relationships" xmlns:p="http://schemas.openxmlformats.org/presentationml/2006/main" showMasterSp="0">
   <p:cSld>
     <p:spTree>
@@ -18111,7 +19083,7 @@
 </p:sld>
 </file>
 
-<file path=ppt/slides/slide15.xml><?xml version="1.0" encoding="utf-8"?>
+<file path=ppt/slides/slide19.xml><?xml version="1.0" encoding="utf-8"?>
 <p:sld xmlns:a="http://schemas.openxmlformats.org/drawingml/2006/main" xmlns:r="http://schemas.openxmlformats.org/officeDocument/2006/relationships" xmlns:p="http://schemas.openxmlformats.org/presentationml/2006/main" showMasterSp="0">
   <p:cSld>
     <p:spTree>
@@ -18245,6 +19217,10 @@
           </a:bodyPr>
           <a:lstStyle/>
           <a:p>
+            <a:r>
+              <a:rPr lang="en-IN" dirty="0"/>
+              <a:t/>
+            </a:r>
             <a:br>
               <a:rPr lang="en-IN" dirty="0"/>
             </a:br>
@@ -18308,7 +19284,7 @@
 </p:sld>
 </file>
 
-<file path=ppt/slides/slide16.xml><?xml version="1.0" encoding="utf-8"?>
+<file path=ppt/slides/slide2.xml><?xml version="1.0" encoding="utf-8"?>
 <p:sld xmlns:a="http://schemas.openxmlformats.org/drawingml/2006/main" xmlns:r="http://schemas.openxmlformats.org/officeDocument/2006/relationships" xmlns:p="http://schemas.openxmlformats.org/presentationml/2006/main" showMasterSp="0">
   <p:cSld>
     <p:spTree>
@@ -18337,6 +19313,105 @@
         </p:nvSpPr>
         <p:spPr>
           <a:xfrm>
+            <a:off x="457200" y="23446"/>
+            <a:ext cx="8229600" cy="1295400"/>
+          </a:xfrm>
+        </p:spPr>
+        <p:txBody>
+          <a:bodyPr/>
+          <a:lstStyle/>
+          <a:p>
+            <a:r>
+              <a:rPr lang="en-US" dirty="0"/>
+              <a:t>Introduction</a:t>
+            </a:r>
+          </a:p>
+        </p:txBody>
+      </p:sp>
+      <p:sp>
+        <p:nvSpPr>
+          <p:cNvPr id="3" name="Content Placeholder 2"/>
+          <p:cNvSpPr>
+            <a:spLocks noGrp="1"/>
+          </p:cNvSpPr>
+          <p:nvPr>
+            <p:ph idx="1"/>
+          </p:nvPr>
+        </p:nvSpPr>
+        <p:spPr/>
+        <p:txBody>
+          <a:bodyPr>
+            <a:normAutofit fontScale="92500"/>
+          </a:bodyPr>
+          <a:lstStyle/>
+          <a:p>
+            <a:r>
+              <a:rPr lang="en-US" dirty="0"/>
+              <a:t>The problem of automatic language identification (LID) can be defined as the process of automatically identifying the language of a given spoken utterance.</a:t>
+            </a:r>
+          </a:p>
+          <a:p>
+            <a:endParaRPr lang="en-US" dirty="0"/>
+          </a:p>
+          <a:p>
+            <a:r>
+              <a:rPr lang="en-US" dirty="0"/>
+              <a:t>LID can be used by speech recognition systems, multilingual translation systems or call-centers(e.g., emergency calls) routing.</a:t>
+            </a:r>
+          </a:p>
+          <a:p>
+            <a:endParaRPr lang="en-US" dirty="0"/>
+          </a:p>
+          <a:p>
+            <a:r>
+              <a:rPr lang="en-US" dirty="0"/>
+              <a:t>Also LID can be used by intelligence and security, where the language identities of recorded messages need to be established before any information can be extracted.</a:t>
+            </a:r>
+          </a:p>
+        </p:txBody>
+      </p:sp>
+    </p:spTree>
+    <p:extLst>
+      <p:ext uri="{BB962C8B-B14F-4D97-AF65-F5344CB8AC3E}">
+        <p14:creationId xmlns:p14="http://schemas.microsoft.com/office/powerpoint/2010/main" val="2125055378"/>
+      </p:ext>
+    </p:extLst>
+  </p:cSld>
+  <p:clrMapOvr>
+    <a:masterClrMapping/>
+  </p:clrMapOvr>
+</p:sld>
+</file>
+
+<file path=ppt/slides/slide20.xml><?xml version="1.0" encoding="utf-8"?>
+<p:sld xmlns:a="http://schemas.openxmlformats.org/drawingml/2006/main" xmlns:r="http://schemas.openxmlformats.org/officeDocument/2006/relationships" xmlns:p="http://schemas.openxmlformats.org/presentationml/2006/main" showMasterSp="0">
+  <p:cSld>
+    <p:spTree>
+      <p:nvGrpSpPr>
+        <p:cNvPr id="1" name=""/>
+        <p:cNvGrpSpPr/>
+        <p:nvPr/>
+      </p:nvGrpSpPr>
+      <p:grpSpPr>
+        <a:xfrm>
+          <a:off x="0" y="0"/>
+          <a:ext cx="0" cy="0"/>
+          <a:chOff x="0" y="0"/>
+          <a:chExt cx="0" cy="0"/>
+        </a:xfrm>
+      </p:grpSpPr>
+      <p:sp>
+        <p:nvSpPr>
+          <p:cNvPr id="2" name="Title 1"/>
+          <p:cNvSpPr>
+            <a:spLocks noGrp="1"/>
+          </p:cNvSpPr>
+          <p:nvPr>
+            <p:ph type="title"/>
+          </p:nvPr>
+        </p:nvSpPr>
+        <p:spPr>
+          <a:xfrm>
             <a:off x="467544" y="0"/>
             <a:ext cx="8229600" cy="1206655"/>
           </a:xfrm>
@@ -18410,28 +19485,28 @@
                 <a:gridCol w="1471838">
                   <a:extLst>
                     <a:ext uri="{9D8B030D-6E8A-4147-A177-3AD203B41FA5}">
-                      <a16:colId xmlns:a16="http://schemas.microsoft.com/office/drawing/2014/main" val="20000"/>
+                      <a16:colId xmlns:a16="http://schemas.microsoft.com/office/drawing/2014/main" xmlns="" val="20000"/>
                     </a:ext>
                   </a:extLst>
                 </a:gridCol>
                 <a:gridCol w="1471838">
                   <a:extLst>
                     <a:ext uri="{9D8B030D-6E8A-4147-A177-3AD203B41FA5}">
-                      <a16:colId xmlns:a16="http://schemas.microsoft.com/office/drawing/2014/main" val="20001"/>
+                      <a16:colId xmlns:a16="http://schemas.microsoft.com/office/drawing/2014/main" xmlns="" val="20001"/>
                     </a:ext>
                   </a:extLst>
                 </a:gridCol>
                 <a:gridCol w="1472468">
                   <a:extLst>
                     <a:ext uri="{9D8B030D-6E8A-4147-A177-3AD203B41FA5}">
-                      <a16:colId xmlns:a16="http://schemas.microsoft.com/office/drawing/2014/main" val="20002"/>
+                      <a16:colId xmlns:a16="http://schemas.microsoft.com/office/drawing/2014/main" xmlns="" val="20002"/>
                     </a:ext>
                   </a:extLst>
                 </a:gridCol>
                 <a:gridCol w="1472468">
                   <a:extLst>
                     <a:ext uri="{9D8B030D-6E8A-4147-A177-3AD203B41FA5}">
-                      <a16:colId xmlns:a16="http://schemas.microsoft.com/office/drawing/2014/main" val="20003"/>
+                      <a16:colId xmlns:a16="http://schemas.microsoft.com/office/drawing/2014/main" xmlns="" val="20003"/>
                     </a:ext>
                   </a:extLst>
                 </a:gridCol>
@@ -18699,7 +19774,7 @@
                 </a:tc>
                 <a:extLst>
                   <a:ext uri="{0D108BD9-81ED-4DB2-BD59-A6C34878D82A}">
-                    <a16:rowId xmlns:a16="http://schemas.microsoft.com/office/drawing/2014/main" val="10000"/>
+                    <a16:rowId xmlns:a16="http://schemas.microsoft.com/office/drawing/2014/main" xmlns="" val="10000"/>
                   </a:ext>
                 </a:extLst>
               </a:tr>
@@ -18974,7 +20049,7 @@
                 </a:tc>
                 <a:extLst>
                   <a:ext uri="{0D108BD9-81ED-4DB2-BD59-A6C34878D82A}">
-                    <a16:rowId xmlns:a16="http://schemas.microsoft.com/office/drawing/2014/main" val="10001"/>
+                    <a16:rowId xmlns:a16="http://schemas.microsoft.com/office/drawing/2014/main" xmlns="" val="10001"/>
                   </a:ext>
                 </a:extLst>
               </a:tr>
@@ -19249,7 +20324,7 @@
                 </a:tc>
                 <a:extLst>
                   <a:ext uri="{0D108BD9-81ED-4DB2-BD59-A6C34878D82A}">
-                    <a16:rowId xmlns:a16="http://schemas.microsoft.com/office/drawing/2014/main" val="10002"/>
+                    <a16:rowId xmlns:a16="http://schemas.microsoft.com/office/drawing/2014/main" xmlns="" val="10002"/>
                   </a:ext>
                 </a:extLst>
               </a:tr>
@@ -19524,7 +20599,7 @@
                 </a:tc>
                 <a:extLst>
                   <a:ext uri="{0D108BD9-81ED-4DB2-BD59-A6C34878D82A}">
-                    <a16:rowId xmlns:a16="http://schemas.microsoft.com/office/drawing/2014/main" val="10003"/>
+                    <a16:rowId xmlns:a16="http://schemas.microsoft.com/office/drawing/2014/main" xmlns="" val="10003"/>
                   </a:ext>
                 </a:extLst>
               </a:tr>
@@ -19569,7 +20644,7 @@
 </p:sld>
 </file>
 
-<file path=ppt/slides/slide17.xml><?xml version="1.0" encoding="utf-8"?>
+<file path=ppt/slides/slide21.xml><?xml version="1.0" encoding="utf-8"?>
 <p:sld xmlns:a="http://schemas.openxmlformats.org/drawingml/2006/main" xmlns:r="http://schemas.openxmlformats.org/officeDocument/2006/relationships" xmlns:p="http://schemas.openxmlformats.org/presentationml/2006/main" showMasterSp="0">
   <p:cSld>
     <p:spTree>
@@ -19764,7 +20839,7 @@
 </p:sld>
 </file>
 
-<file path=ppt/slides/slide18.xml><?xml version="1.0" encoding="utf-8"?>
+<file path=ppt/slides/slide22.xml><?xml version="1.0" encoding="utf-8"?>
 <p:sld xmlns:a="http://schemas.openxmlformats.org/drawingml/2006/main" xmlns:r="http://schemas.openxmlformats.org/officeDocument/2006/relationships" xmlns:p="http://schemas.openxmlformats.org/presentationml/2006/main" showMasterSp="0">
   <p:cSld>
     <p:spTree>
@@ -19801,21 +20876,21 @@
                 <a:gridCol w="1978660">
                   <a:extLst>
                     <a:ext uri="{9D8B030D-6E8A-4147-A177-3AD203B41FA5}">
-                      <a16:colId xmlns:a16="http://schemas.microsoft.com/office/drawing/2014/main" val="20000"/>
+                      <a16:colId xmlns:a16="http://schemas.microsoft.com/office/drawing/2014/main" xmlns="" val="20000"/>
                     </a:ext>
                   </a:extLst>
                 </a:gridCol>
                 <a:gridCol w="1979295">
                   <a:extLst>
                     <a:ext uri="{9D8B030D-6E8A-4147-A177-3AD203B41FA5}">
-                      <a16:colId xmlns:a16="http://schemas.microsoft.com/office/drawing/2014/main" val="20001"/>
+                      <a16:colId xmlns:a16="http://schemas.microsoft.com/office/drawing/2014/main" xmlns="" val="20001"/>
                     </a:ext>
                   </a:extLst>
                 </a:gridCol>
                 <a:gridCol w="1979295">
                   <a:extLst>
                     <a:ext uri="{9D8B030D-6E8A-4147-A177-3AD203B41FA5}">
-                      <a16:colId xmlns:a16="http://schemas.microsoft.com/office/drawing/2014/main" val="20002"/>
+                      <a16:colId xmlns:a16="http://schemas.microsoft.com/office/drawing/2014/main" xmlns="" val="20002"/>
                     </a:ext>
                   </a:extLst>
                 </a:gridCol>
@@ -20016,7 +21091,7 @@
                 </a:tc>
                 <a:extLst>
                   <a:ext uri="{0D108BD9-81ED-4DB2-BD59-A6C34878D82A}">
-                    <a16:rowId xmlns:a16="http://schemas.microsoft.com/office/drawing/2014/main" val="10000"/>
+                    <a16:rowId xmlns:a16="http://schemas.microsoft.com/office/drawing/2014/main" xmlns="" val="10000"/>
                   </a:ext>
                 </a:extLst>
               </a:tr>
@@ -20224,7 +21299,7 @@
                 </a:tc>
                 <a:extLst>
                   <a:ext uri="{0D108BD9-81ED-4DB2-BD59-A6C34878D82A}">
-                    <a16:rowId xmlns:a16="http://schemas.microsoft.com/office/drawing/2014/main" val="10001"/>
+                    <a16:rowId xmlns:a16="http://schemas.microsoft.com/office/drawing/2014/main" xmlns="" val="10001"/>
                   </a:ext>
                 </a:extLst>
               </a:tr>
@@ -20432,7 +21507,7 @@
                 </a:tc>
                 <a:extLst>
                   <a:ext uri="{0D108BD9-81ED-4DB2-BD59-A6C34878D82A}">
-                    <a16:rowId xmlns:a16="http://schemas.microsoft.com/office/drawing/2014/main" val="10002"/>
+                    <a16:rowId xmlns:a16="http://schemas.microsoft.com/office/drawing/2014/main" xmlns="" val="10002"/>
                   </a:ext>
                 </a:extLst>
               </a:tr>
@@ -20460,21 +21535,21 @@
                 <a:gridCol w="1978660">
                   <a:extLst>
                     <a:ext uri="{9D8B030D-6E8A-4147-A177-3AD203B41FA5}">
-                      <a16:colId xmlns:a16="http://schemas.microsoft.com/office/drawing/2014/main" val="20000"/>
+                      <a16:colId xmlns:a16="http://schemas.microsoft.com/office/drawing/2014/main" xmlns="" val="20000"/>
                     </a:ext>
                   </a:extLst>
                 </a:gridCol>
                 <a:gridCol w="1979295">
                   <a:extLst>
                     <a:ext uri="{9D8B030D-6E8A-4147-A177-3AD203B41FA5}">
-                      <a16:colId xmlns:a16="http://schemas.microsoft.com/office/drawing/2014/main" val="20001"/>
+                      <a16:colId xmlns:a16="http://schemas.microsoft.com/office/drawing/2014/main" xmlns="" val="20001"/>
                     </a:ext>
                   </a:extLst>
                 </a:gridCol>
                 <a:gridCol w="1979295">
                   <a:extLst>
                     <a:ext uri="{9D8B030D-6E8A-4147-A177-3AD203B41FA5}">
-                      <a16:colId xmlns:a16="http://schemas.microsoft.com/office/drawing/2014/main" val="20002"/>
+                      <a16:colId xmlns:a16="http://schemas.microsoft.com/office/drawing/2014/main" xmlns="" val="20002"/>
                     </a:ext>
                   </a:extLst>
                 </a:gridCol>
@@ -20675,7 +21750,7 @@
                 </a:tc>
                 <a:extLst>
                   <a:ext uri="{0D108BD9-81ED-4DB2-BD59-A6C34878D82A}">
-                    <a16:rowId xmlns:a16="http://schemas.microsoft.com/office/drawing/2014/main" val="10000"/>
+                    <a16:rowId xmlns:a16="http://schemas.microsoft.com/office/drawing/2014/main" xmlns="" val="10000"/>
                   </a:ext>
                 </a:extLst>
               </a:tr>
@@ -20883,7 +21958,7 @@
                 </a:tc>
                 <a:extLst>
                   <a:ext uri="{0D108BD9-81ED-4DB2-BD59-A6C34878D82A}">
-                    <a16:rowId xmlns:a16="http://schemas.microsoft.com/office/drawing/2014/main" val="10001"/>
+                    <a16:rowId xmlns:a16="http://schemas.microsoft.com/office/drawing/2014/main" xmlns="" val="10001"/>
                   </a:ext>
                 </a:extLst>
               </a:tr>
@@ -21091,7 +22166,7 @@
                 </a:tc>
                 <a:extLst>
                   <a:ext uri="{0D108BD9-81ED-4DB2-BD59-A6C34878D82A}">
-                    <a16:rowId xmlns:a16="http://schemas.microsoft.com/office/drawing/2014/main" val="10002"/>
+                    <a16:rowId xmlns:a16="http://schemas.microsoft.com/office/drawing/2014/main" xmlns="" val="10002"/>
                   </a:ext>
                 </a:extLst>
               </a:tr>
@@ -21119,21 +22194,21 @@
                 <a:gridCol w="1978660">
                   <a:extLst>
                     <a:ext uri="{9D8B030D-6E8A-4147-A177-3AD203B41FA5}">
-                      <a16:colId xmlns:a16="http://schemas.microsoft.com/office/drawing/2014/main" val="20000"/>
+                      <a16:colId xmlns:a16="http://schemas.microsoft.com/office/drawing/2014/main" xmlns="" val="20000"/>
                     </a:ext>
                   </a:extLst>
                 </a:gridCol>
                 <a:gridCol w="1979295">
                   <a:extLst>
                     <a:ext uri="{9D8B030D-6E8A-4147-A177-3AD203B41FA5}">
-                      <a16:colId xmlns:a16="http://schemas.microsoft.com/office/drawing/2014/main" val="20001"/>
+                      <a16:colId xmlns:a16="http://schemas.microsoft.com/office/drawing/2014/main" xmlns="" val="20001"/>
                     </a:ext>
                   </a:extLst>
                 </a:gridCol>
                 <a:gridCol w="1979295">
                   <a:extLst>
                     <a:ext uri="{9D8B030D-6E8A-4147-A177-3AD203B41FA5}">
-                      <a16:colId xmlns:a16="http://schemas.microsoft.com/office/drawing/2014/main" val="20002"/>
+                      <a16:colId xmlns:a16="http://schemas.microsoft.com/office/drawing/2014/main" xmlns="" val="20002"/>
                     </a:ext>
                   </a:extLst>
                 </a:gridCol>
@@ -21334,7 +22409,7 @@
                 </a:tc>
                 <a:extLst>
                   <a:ext uri="{0D108BD9-81ED-4DB2-BD59-A6C34878D82A}">
-                    <a16:rowId xmlns:a16="http://schemas.microsoft.com/office/drawing/2014/main" val="10000"/>
+                    <a16:rowId xmlns:a16="http://schemas.microsoft.com/office/drawing/2014/main" xmlns="" val="10000"/>
                   </a:ext>
                 </a:extLst>
               </a:tr>
@@ -21545,7 +22620,7 @@
                 </a:tc>
                 <a:extLst>
                   <a:ext uri="{0D108BD9-81ED-4DB2-BD59-A6C34878D82A}">
-                    <a16:rowId xmlns:a16="http://schemas.microsoft.com/office/drawing/2014/main" val="10001"/>
+                    <a16:rowId xmlns:a16="http://schemas.microsoft.com/office/drawing/2014/main" xmlns="" val="10001"/>
                   </a:ext>
                 </a:extLst>
               </a:tr>
@@ -21753,7 +22828,7 @@
                 </a:tc>
                 <a:extLst>
                   <a:ext uri="{0D108BD9-81ED-4DB2-BD59-A6C34878D82A}">
-                    <a16:rowId xmlns:a16="http://schemas.microsoft.com/office/drawing/2014/main" val="10002"/>
+                    <a16:rowId xmlns:a16="http://schemas.microsoft.com/office/drawing/2014/main" xmlns="" val="10002"/>
                   </a:ext>
                 </a:extLst>
               </a:tr>
@@ -21943,7 +23018,7 @@
 </p:sld>
 </file>
 
-<file path=ppt/slides/slide19.xml><?xml version="1.0" encoding="utf-8"?>
+<file path=ppt/slides/slide23.xml><?xml version="1.0" encoding="utf-8"?>
 <p:sld xmlns:a="http://schemas.openxmlformats.org/drawingml/2006/main" xmlns:r="http://schemas.openxmlformats.org/officeDocument/2006/relationships" xmlns:p="http://schemas.openxmlformats.org/presentationml/2006/main" showMasterSp="0">
   <p:cSld>
     <p:spTree>
@@ -22016,21 +23091,21 @@
                 <a:gridCol w="2351758">
                   <a:extLst>
                     <a:ext uri="{9D8B030D-6E8A-4147-A177-3AD203B41FA5}">
-                      <a16:colId xmlns:a16="http://schemas.microsoft.com/office/drawing/2014/main" val="20000"/>
+                      <a16:colId xmlns:a16="http://schemas.microsoft.com/office/drawing/2014/main" xmlns="" val="20000"/>
                     </a:ext>
                   </a:extLst>
                 </a:gridCol>
                 <a:gridCol w="2352513">
                   <a:extLst>
                     <a:ext uri="{9D8B030D-6E8A-4147-A177-3AD203B41FA5}">
-                      <a16:colId xmlns:a16="http://schemas.microsoft.com/office/drawing/2014/main" val="20001"/>
+                      <a16:colId xmlns:a16="http://schemas.microsoft.com/office/drawing/2014/main" xmlns="" val="20001"/>
                     </a:ext>
                   </a:extLst>
                 </a:gridCol>
                 <a:gridCol w="2352513">
                   <a:extLst>
                     <a:ext uri="{9D8B030D-6E8A-4147-A177-3AD203B41FA5}">
-                      <a16:colId xmlns:a16="http://schemas.microsoft.com/office/drawing/2014/main" val="20002"/>
+                      <a16:colId xmlns:a16="http://schemas.microsoft.com/office/drawing/2014/main" xmlns="" val="20002"/>
                     </a:ext>
                   </a:extLst>
                 </a:gridCol>
@@ -22231,7 +23306,7 @@
                 </a:tc>
                 <a:extLst>
                   <a:ext uri="{0D108BD9-81ED-4DB2-BD59-A6C34878D82A}">
-                    <a16:rowId xmlns:a16="http://schemas.microsoft.com/office/drawing/2014/main" val="10000"/>
+                    <a16:rowId xmlns:a16="http://schemas.microsoft.com/office/drawing/2014/main" xmlns="" val="10000"/>
                   </a:ext>
                 </a:extLst>
               </a:tr>
@@ -22439,7 +23514,7 @@
                 </a:tc>
                 <a:extLst>
                   <a:ext uri="{0D108BD9-81ED-4DB2-BD59-A6C34878D82A}">
-                    <a16:rowId xmlns:a16="http://schemas.microsoft.com/office/drawing/2014/main" val="10001"/>
+                    <a16:rowId xmlns:a16="http://schemas.microsoft.com/office/drawing/2014/main" xmlns="" val="10001"/>
                   </a:ext>
                 </a:extLst>
               </a:tr>
@@ -22647,7 +23722,7 @@
                 </a:tc>
                 <a:extLst>
                   <a:ext uri="{0D108BD9-81ED-4DB2-BD59-A6C34878D82A}">
-                    <a16:rowId xmlns:a16="http://schemas.microsoft.com/office/drawing/2014/main" val="10002"/>
+                    <a16:rowId xmlns:a16="http://schemas.microsoft.com/office/drawing/2014/main" xmlns="" val="10002"/>
                   </a:ext>
                 </a:extLst>
               </a:tr>
@@ -22855,7 +23930,7 @@
                 </a:tc>
                 <a:extLst>
                   <a:ext uri="{0D108BD9-81ED-4DB2-BD59-A6C34878D82A}">
-                    <a16:rowId xmlns:a16="http://schemas.microsoft.com/office/drawing/2014/main" val="10003"/>
+                    <a16:rowId xmlns:a16="http://schemas.microsoft.com/office/drawing/2014/main" xmlns="" val="10003"/>
                   </a:ext>
                 </a:extLst>
               </a:tr>
@@ -22898,7 +23973,7 @@
 </p:sld>
 </file>
 
-<file path=ppt/slides/slide2.xml><?xml version="1.0" encoding="utf-8"?>
+<file path=ppt/slides/slide24.xml><?xml version="1.0" encoding="utf-8"?>
 <p:sld xmlns:a="http://schemas.openxmlformats.org/drawingml/2006/main" xmlns:r="http://schemas.openxmlformats.org/officeDocument/2006/relationships" xmlns:p="http://schemas.openxmlformats.org/presentationml/2006/main" showMasterSp="0">
   <p:cSld>
     <p:spTree>
@@ -22925,105 +24000,6 @@
             <p:ph type="title"/>
           </p:nvPr>
         </p:nvSpPr>
-        <p:spPr>
-          <a:xfrm>
-            <a:off x="457200" y="23446"/>
-            <a:ext cx="8229600" cy="1295400"/>
-          </a:xfrm>
-        </p:spPr>
-        <p:txBody>
-          <a:bodyPr/>
-          <a:lstStyle/>
-          <a:p>
-            <a:r>
-              <a:rPr lang="en-US" dirty="0"/>
-              <a:t>Introduction</a:t>
-            </a:r>
-          </a:p>
-        </p:txBody>
-      </p:sp>
-      <p:sp>
-        <p:nvSpPr>
-          <p:cNvPr id="3" name="Content Placeholder 2"/>
-          <p:cNvSpPr>
-            <a:spLocks noGrp="1"/>
-          </p:cNvSpPr>
-          <p:nvPr>
-            <p:ph idx="1"/>
-          </p:nvPr>
-        </p:nvSpPr>
-        <p:spPr/>
-        <p:txBody>
-          <a:bodyPr>
-            <a:normAutofit fontScale="92500"/>
-          </a:bodyPr>
-          <a:lstStyle/>
-          <a:p>
-            <a:r>
-              <a:rPr lang="en-US" dirty="0"/>
-              <a:t>The problem of automatic language identification (LID) can be defined as the process of automatically identifying the language of a given spoken utterance.</a:t>
-            </a:r>
-          </a:p>
-          <a:p>
-            <a:endParaRPr lang="en-US" dirty="0"/>
-          </a:p>
-          <a:p>
-            <a:r>
-              <a:rPr lang="en-US" dirty="0"/>
-              <a:t>LID can be used by speech recognition systems, multilingual translation systems or call-centers(e.g., emergency calls) routing.</a:t>
-            </a:r>
-          </a:p>
-          <a:p>
-            <a:endParaRPr lang="en-US" dirty="0"/>
-          </a:p>
-          <a:p>
-            <a:r>
-              <a:rPr lang="en-US" dirty="0"/>
-              <a:t>Also LID can be used by intelligence and security, where the language identities of recorded messages need to be established before any information can be extracted.</a:t>
-            </a:r>
-          </a:p>
-        </p:txBody>
-      </p:sp>
-    </p:spTree>
-    <p:extLst>
-      <p:ext uri="{BB962C8B-B14F-4D97-AF65-F5344CB8AC3E}">
-        <p14:creationId xmlns:p14="http://schemas.microsoft.com/office/powerpoint/2010/main" val="2125055378"/>
-      </p:ext>
-    </p:extLst>
-  </p:cSld>
-  <p:clrMapOvr>
-    <a:masterClrMapping/>
-  </p:clrMapOvr>
-</p:sld>
-</file>
-
-<file path=ppt/slides/slide20.xml><?xml version="1.0" encoding="utf-8"?>
-<p:sld xmlns:a="http://schemas.openxmlformats.org/drawingml/2006/main" xmlns:r="http://schemas.openxmlformats.org/officeDocument/2006/relationships" xmlns:p="http://schemas.openxmlformats.org/presentationml/2006/main" showMasterSp="0">
-  <p:cSld>
-    <p:spTree>
-      <p:nvGrpSpPr>
-        <p:cNvPr id="1" name=""/>
-        <p:cNvGrpSpPr/>
-        <p:nvPr/>
-      </p:nvGrpSpPr>
-      <p:grpSpPr>
-        <a:xfrm>
-          <a:off x="0" y="0"/>
-          <a:ext cx="0" cy="0"/>
-          <a:chOff x="0" y="0"/>
-          <a:chExt cx="0" cy="0"/>
-        </a:xfrm>
-      </p:grpSpPr>
-      <p:sp>
-        <p:nvSpPr>
-          <p:cNvPr id="2" name="Title 1"/>
-          <p:cNvSpPr>
-            <a:spLocks noGrp="1"/>
-          </p:cNvSpPr>
-          <p:nvPr>
-            <p:ph type="title"/>
-          </p:nvPr>
-        </p:nvSpPr>
         <p:spPr/>
         <p:txBody>
           <a:bodyPr/>
@@ -23117,7 +24093,7 @@
 </p:sld>
 </file>
 
-<file path=ppt/slides/slide21.xml><?xml version="1.0" encoding="utf-8"?>
+<file path=ppt/slides/slide25.xml><?xml version="1.0" encoding="utf-8"?>
 <p:sld xmlns:a="http://schemas.openxmlformats.org/drawingml/2006/main" xmlns:r="http://schemas.openxmlformats.org/officeDocument/2006/relationships" xmlns:p="http://schemas.openxmlformats.org/presentationml/2006/main" showMasterSp="0">
   <p:cSld>
     <p:spTree>
@@ -23199,7 +24175,7 @@
 </p:sld>
 </file>
 
-<file path=ppt/slides/slide22.xml><?xml version="1.0" encoding="utf-8"?>
+<file path=ppt/slides/slide26.xml><?xml version="1.0" encoding="utf-8"?>
 <p:sld xmlns:a="http://schemas.openxmlformats.org/drawingml/2006/main" xmlns:r="http://schemas.openxmlformats.org/officeDocument/2006/relationships" xmlns:p="http://schemas.openxmlformats.org/presentationml/2006/main" showMasterSp="0">
   <p:cSld>
     <p:spTree>
@@ -23325,7 +24301,7 @@
 </p:sld>
 </file>
 
-<file path=ppt/slides/slide23.xml><?xml version="1.0" encoding="utf-8"?>
+<file path=ppt/slides/slide27.xml><?xml version="1.0" encoding="utf-8"?>
 <p:sld xmlns:a="http://schemas.openxmlformats.org/drawingml/2006/main" xmlns:r="http://schemas.openxmlformats.org/officeDocument/2006/relationships" xmlns:p="http://schemas.openxmlformats.org/presentationml/2006/main" showMasterSp="0">
   <p:cSld>
     <p:spTree>
@@ -23409,12 +24385,12 @@
               <a:t>Our hybrid two stage classification model is definitely an </a:t>
             </a:r>
             <a:r>
-              <a:rPr lang="en-US" dirty="0" err="1"/>
-              <a:t>imporvement</a:t>
+              <a:rPr lang="en-US" dirty="0" smtClean="0"/>
+              <a:t>improvement </a:t>
             </a:r>
             <a:r>
               <a:rPr lang="en-US" dirty="0"/>
-              <a:t> over normal single stage classifier.</a:t>
+              <a:t>over normal single stage classifier.</a:t>
             </a:r>
           </a:p>
         </p:txBody>
@@ -23423,6 +24399,310 @@
     <p:extLst>
       <p:ext uri="{BB962C8B-B14F-4D97-AF65-F5344CB8AC3E}">
         <p14:creationId xmlns:p14="http://schemas.microsoft.com/office/powerpoint/2010/main" val="2968567373"/>
+      </p:ext>
+    </p:extLst>
+  </p:cSld>
+  <p:clrMapOvr>
+    <a:masterClrMapping/>
+  </p:clrMapOvr>
+</p:sld>
+</file>
+
+<file path=ppt/slides/slide28.xml><?xml version="1.0" encoding="utf-8"?>
+<p:sld xmlns:a="http://schemas.openxmlformats.org/drawingml/2006/main" xmlns:r="http://schemas.openxmlformats.org/officeDocument/2006/relationships" xmlns:p="http://schemas.openxmlformats.org/presentationml/2006/main" showMasterSp="0">
+  <p:cSld>
+    <p:spTree>
+      <p:nvGrpSpPr>
+        <p:cNvPr id="1" name=""/>
+        <p:cNvGrpSpPr/>
+        <p:nvPr/>
+      </p:nvGrpSpPr>
+      <p:grpSpPr>
+        <a:xfrm>
+          <a:off x="0" y="0"/>
+          <a:ext cx="0" cy="0"/>
+          <a:chOff x="0" y="0"/>
+          <a:chExt cx="0" cy="0"/>
+        </a:xfrm>
+      </p:grpSpPr>
+      <p:sp>
+        <p:nvSpPr>
+          <p:cNvPr id="2" name="Title 1"/>
+          <p:cNvSpPr>
+            <a:spLocks noGrp="1"/>
+          </p:cNvSpPr>
+          <p:nvPr>
+            <p:ph type="title"/>
+          </p:nvPr>
+        </p:nvSpPr>
+        <p:spPr>
+          <a:xfrm>
+            <a:off x="457200" y="23446"/>
+            <a:ext cx="8229600" cy="1295400"/>
+          </a:xfrm>
+        </p:spPr>
+        <p:txBody>
+          <a:bodyPr/>
+          <a:lstStyle/>
+          <a:p>
+            <a:r>
+              <a:rPr lang="en-US" dirty="0" smtClean="0"/>
+              <a:t>Future Work</a:t>
+            </a:r>
+            <a:endParaRPr lang="en-US" dirty="0"/>
+          </a:p>
+        </p:txBody>
+      </p:sp>
+      <p:sp>
+        <p:nvSpPr>
+          <p:cNvPr id="3" name="Content Placeholder 2"/>
+          <p:cNvSpPr>
+            <a:spLocks noGrp="1"/>
+          </p:cNvSpPr>
+          <p:nvPr>
+            <p:ph idx="1"/>
+          </p:nvPr>
+        </p:nvSpPr>
+        <p:spPr/>
+        <p:txBody>
+          <a:bodyPr>
+            <a:normAutofit/>
+          </a:bodyPr>
+          <a:lstStyle/>
+          <a:p>
+            <a:r>
+              <a:rPr lang="en-US" dirty="0" smtClean="0"/>
+              <a:t>Adding pre filter for noisy audio.</a:t>
+            </a:r>
+          </a:p>
+          <a:p>
+            <a:endParaRPr lang="en-US" dirty="0" smtClean="0"/>
+          </a:p>
+          <a:p>
+            <a:r>
+              <a:rPr lang="en-US" dirty="0" smtClean="0"/>
+              <a:t>Using Shifted Delta Cepstral(SDC) features</a:t>
+            </a:r>
+          </a:p>
+          <a:p>
+            <a:endParaRPr lang="en-US" dirty="0" smtClean="0"/>
+          </a:p>
+          <a:p>
+            <a:r>
+              <a:rPr lang="en-US" dirty="0" smtClean="0"/>
+              <a:t>Providing facility for incremental training.</a:t>
+            </a:r>
+          </a:p>
+          <a:p>
+            <a:endParaRPr lang="en-US" dirty="0" smtClean="0"/>
+          </a:p>
+          <a:p>
+            <a:r>
+              <a:rPr lang="en-US" dirty="0" smtClean="0"/>
+              <a:t>Adding out of set option as possible output.</a:t>
+            </a:r>
+          </a:p>
+          <a:p>
+            <a:endParaRPr lang="en-US" dirty="0" smtClean="0"/>
+          </a:p>
+          <a:p>
+            <a:r>
+              <a:rPr lang="en-US" dirty="0" smtClean="0"/>
+              <a:t>Improving real-time capabilities</a:t>
+            </a:r>
+          </a:p>
+        </p:txBody>
+      </p:sp>
+    </p:spTree>
+    <p:extLst>
+      <p:ext uri="{BB962C8B-B14F-4D97-AF65-F5344CB8AC3E}">
+        <p14:creationId xmlns:p14="http://schemas.microsoft.com/office/powerpoint/2010/main" val="670504102"/>
+      </p:ext>
+    </p:extLst>
+  </p:cSld>
+  <p:clrMapOvr>
+    <a:masterClrMapping/>
+  </p:clrMapOvr>
+</p:sld>
+</file>
+
+<file path=ppt/slides/slide29.xml><?xml version="1.0" encoding="utf-8"?>
+<p:sld xmlns:a="http://schemas.openxmlformats.org/drawingml/2006/main" xmlns:r="http://schemas.openxmlformats.org/officeDocument/2006/relationships" xmlns:p="http://schemas.openxmlformats.org/presentationml/2006/main" showMasterSp="0">
+  <p:cSld>
+    <p:spTree>
+      <p:nvGrpSpPr>
+        <p:cNvPr id="1" name=""/>
+        <p:cNvGrpSpPr/>
+        <p:nvPr/>
+      </p:nvGrpSpPr>
+      <p:grpSpPr>
+        <a:xfrm>
+          <a:off x="0" y="0"/>
+          <a:ext cx="0" cy="0"/>
+          <a:chOff x="0" y="0"/>
+          <a:chExt cx="0" cy="0"/>
+        </a:xfrm>
+      </p:grpSpPr>
+      <p:sp>
+        <p:nvSpPr>
+          <p:cNvPr id="2" name="Title 1"/>
+          <p:cNvSpPr>
+            <a:spLocks noGrp="1"/>
+          </p:cNvSpPr>
+          <p:nvPr>
+            <p:ph type="title"/>
+          </p:nvPr>
+        </p:nvSpPr>
+        <p:spPr>
+          <a:xfrm>
+            <a:off x="467544" y="980728"/>
+            <a:ext cx="8229600" cy="2996208"/>
+          </a:xfrm>
+        </p:spPr>
+        <p:txBody>
+          <a:bodyPr/>
+          <a:lstStyle/>
+          <a:p>
+            <a:pPr>
+              <a:lnSpc>
+                <a:spcPct val="100000"/>
+              </a:lnSpc>
+            </a:pPr>
+            <a:r>
+              <a:rPr lang="en-US" sz="6000" dirty="0" smtClean="0">
+                <a:solidFill>
+                  <a:schemeClr val="tx1"/>
+                </a:solidFill>
+              </a:rPr>
+              <a:t>Thank You</a:t>
+            </a:r>
+            <a:r>
+              <a:rPr lang="en-US" dirty="0" smtClean="0"/>
+              <a:t/>
+            </a:r>
+            <a:br>
+              <a:rPr lang="en-US" dirty="0" smtClean="0"/>
+            </a:br>
+            <a:r>
+              <a:rPr lang="en-US" dirty="0" smtClean="0"/>
+              <a:t/>
+            </a:r>
+            <a:br>
+              <a:rPr lang="en-US" dirty="0" smtClean="0"/>
+            </a:br>
+            <a:endParaRPr lang="en-US" dirty="0"/>
+          </a:p>
+        </p:txBody>
+      </p:sp>
+      <p:sp>
+        <p:nvSpPr>
+          <p:cNvPr id="4" name="Title 1"/>
+          <p:cNvSpPr txBox="1">
+            <a:spLocks/>
+          </p:cNvSpPr>
+          <p:nvPr/>
+        </p:nvSpPr>
+        <p:spPr>
+          <a:xfrm>
+            <a:off x="446856" y="2060848"/>
+            <a:ext cx="8229600" cy="2996208"/>
+          </a:xfrm>
+          <a:prstGeom prst="rect">
+            <a:avLst/>
+          </a:prstGeom>
+        </p:spPr>
+        <p:txBody>
+          <a:bodyPr vert="horz" lIns="91440" tIns="45720" rIns="91440" bIns="45720" rtlCol="0" anchor="b">
+            <a:noAutofit/>
+          </a:bodyPr>
+          <a:lstStyle>
+            <a:lvl1pPr algn="ctr" defTabSz="914400" rtl="0" eaLnBrk="1" latinLnBrk="0" hangingPunct="1">
+              <a:lnSpc>
+                <a:spcPts val="5800"/>
+              </a:lnSpc>
+              <a:spcBef>
+                <a:spcPct val="0"/>
+              </a:spcBef>
+              <a:buNone/>
+              <a:defRPr sz="5400" kern="1200">
+                <a:solidFill>
+                  <a:schemeClr val="tx2"/>
+                </a:solidFill>
+                <a:effectLst>
+                  <a:outerShdw blurRad="63500" dist="38100" dir="5400000" algn="t" rotWithShape="0">
+                    <a:prstClr val="black">
+                      <a:alpha val="25000"/>
+                    </a:prstClr>
+                  </a:outerShdw>
+                </a:effectLst>
+                <a:latin typeface="+mn-lt"/>
+                <a:ea typeface="+mj-ea"/>
+                <a:cs typeface="+mj-cs"/>
+              </a:defRPr>
+            </a:lvl1pPr>
+          </a:lstStyle>
+          <a:p>
+            <a:pPr>
+              <a:lnSpc>
+                <a:spcPct val="100000"/>
+              </a:lnSpc>
+            </a:pPr>
+            <a:r>
+              <a:rPr lang="en-US" dirty="0" smtClean="0"/>
+              <a:t/>
+            </a:r>
+            <a:br>
+              <a:rPr lang="en-US" dirty="0" smtClean="0"/>
+            </a:br>
+            <a:r>
+              <a:rPr lang="en-US" dirty="0" smtClean="0"/>
+              <a:t/>
+            </a:r>
+            <a:br>
+              <a:rPr lang="en-US" dirty="0" smtClean="0"/>
+            </a:br>
+            <a:r>
+              <a:rPr lang="zh-CN" altLang="en-US" dirty="0" smtClean="0">
+                <a:solidFill>
+                  <a:srgbClr val="FF0000"/>
+                </a:solidFill>
+              </a:rPr>
+              <a:t>谢谢</a:t>
+            </a:r>
+            <a:r>
+              <a:rPr lang="en-US" altLang="zh-CN" dirty="0" smtClean="0"/>
+              <a:t/>
+            </a:r>
+            <a:br>
+              <a:rPr lang="en-US" altLang="zh-CN" dirty="0" smtClean="0"/>
+            </a:br>
+            <a:r>
+              <a:rPr lang="en-US" altLang="zh-CN" dirty="0" smtClean="0">
+                <a:solidFill>
+                  <a:srgbClr val="00B050"/>
+                </a:solidFill>
+              </a:rPr>
+              <a:t>Merci</a:t>
+            </a:r>
+            <a:r>
+              <a:rPr lang="en-US" altLang="zh-CN" dirty="0" smtClean="0"/>
+              <a:t/>
+            </a:r>
+            <a:br>
+              <a:rPr lang="en-US" altLang="zh-CN" dirty="0" smtClean="0"/>
+            </a:br>
+            <a:r>
+              <a:rPr lang="de-DE" dirty="0" smtClean="0"/>
+              <a:t>Danke</a:t>
+            </a:r>
+            <a:endParaRPr lang="en-US" dirty="0"/>
+          </a:p>
+        </p:txBody>
+      </p:sp>
+    </p:spTree>
+    <p:extLst>
+      <p:ext uri="{BB962C8B-B14F-4D97-AF65-F5344CB8AC3E}">
+        <p14:creationId xmlns:p14="http://schemas.microsoft.com/office/powerpoint/2010/main" val="670504102"/>
       </p:ext>
     </p:extLst>
   </p:cSld>
@@ -23691,9 +24971,10 @@
           <a:lstStyle/>
           <a:p>
             <a:r>
-              <a:rPr lang="en-US" dirty="0"/>
-              <a:t>Our Proposal</a:t>
-            </a:r>
+              <a:rPr lang="en-US" dirty="0" smtClean="0"/>
+              <a:t>Related Work</a:t>
+            </a:r>
+            <a:endParaRPr lang="en-US" dirty="0"/>
           </a:p>
         </p:txBody>
       </p:sp>
@@ -23707,64 +24988,221 @@
             <p:ph idx="1"/>
           </p:nvPr>
         </p:nvSpPr>
-        <p:spPr/>
+        <p:spPr>
+          <a:xfrm>
+            <a:off x="457200" y="1600200"/>
+            <a:ext cx="5766122" cy="4525963"/>
+          </a:xfrm>
+        </p:spPr>
         <p:txBody>
           <a:bodyPr>
             <a:normAutofit/>
           </a:bodyPr>
           <a:lstStyle/>
           <a:p>
-            <a:r>
-              <a:rPr lang="en-US" sz="2200" dirty="0"/>
-              <a:t>We propose a hybrid neural network that consists of two levels. </a:t>
-            </a:r>
-          </a:p>
-          <a:p>
-            <a:endParaRPr lang="en-US" sz="1400" dirty="0"/>
-          </a:p>
-          <a:p>
-            <a:r>
-              <a:rPr lang="en-US" sz="2200" dirty="0"/>
-              <a:t>An initial neural network gives the probability of the belongingness of data sample to all class of languages.</a:t>
-            </a:r>
-          </a:p>
-          <a:p>
-            <a:endParaRPr lang="en-US" sz="1400" dirty="0"/>
-          </a:p>
-          <a:p>
-            <a:r>
-              <a:rPr lang="en-US" sz="2200" dirty="0"/>
-              <a:t>The second level, or the binary classifier finally outputs the class to which the data sample belongs amongst the best two sub-candidates.</a:t>
-            </a:r>
-          </a:p>
-          <a:p>
-            <a:endParaRPr lang="en-US" sz="1400" dirty="0"/>
-          </a:p>
-          <a:p>
-            <a:r>
-              <a:rPr lang="en-US" sz="2200" dirty="0"/>
-              <a:t>The idea behind this hypothesis is the fact that different languages need different  set of features to differentiate them.</a:t>
+            <a:pPr marL="457200" indent="-457200">
+              <a:buFont typeface="+mj-lt"/>
+              <a:buAutoNum type="arabicPeriod"/>
+            </a:pPr>
+            <a:r>
+              <a:rPr lang="en-US" sz="2200" b="1" dirty="0"/>
+              <a:t>MA </a:t>
+            </a:r>
+            <a:r>
+              <a:rPr lang="en-US" sz="2200" b="1" dirty="0" err="1" smtClean="0"/>
+              <a:t>Zeissman</a:t>
+            </a:r>
+            <a:r>
+              <a:rPr lang="en-US" sz="2200" b="1" dirty="0" smtClean="0"/>
+              <a:t> </a:t>
+            </a:r>
+            <a:r>
+              <a:rPr lang="en-US" sz="2200" b="1" dirty="0"/>
+              <a:t>in Lincoln </a:t>
+            </a:r>
+            <a:r>
+              <a:rPr lang="en-US" sz="2200" b="1" dirty="0" smtClean="0"/>
+              <a:t>Laboratory</a:t>
+            </a:r>
+            <a:r>
+              <a:rPr lang="en-US" sz="2200" b="1" baseline="30000" dirty="0" smtClean="0"/>
+              <a:t>[1]</a:t>
+            </a:r>
+          </a:p>
+          <a:p>
+            <a:pPr>
+              <a:buFont typeface="Century Gothic" panose="020B0502020202020204" pitchFamily="34" charset="0"/>
+              <a:buChar char="―"/>
+            </a:pPr>
+            <a:endParaRPr lang="en-US" sz="2200" dirty="0" smtClean="0"/>
+          </a:p>
+          <a:p>
+            <a:pPr>
+              <a:buFont typeface="Century Gothic" panose="020B0502020202020204" pitchFamily="34" charset="0"/>
+              <a:buChar char="―"/>
+            </a:pPr>
+            <a:r>
+              <a:rPr lang="en-US" sz="2200" dirty="0" smtClean="0"/>
+              <a:t>uses PRLM(Phone </a:t>
+            </a:r>
+            <a:r>
+              <a:rPr lang="en-US" sz="2200" dirty="0" err="1" smtClean="0"/>
+              <a:t>Recognization</a:t>
+            </a:r>
+            <a:r>
+              <a:rPr lang="en-US" sz="2200" dirty="0" smtClean="0"/>
+              <a:t> followed by language modelling)</a:t>
+            </a:r>
+          </a:p>
+          <a:p>
+            <a:pPr>
+              <a:buFont typeface="Century Gothic" panose="020B0502020202020204" pitchFamily="34" charset="0"/>
+              <a:buChar char="―"/>
+            </a:pPr>
+            <a:endParaRPr lang="en-US" sz="1000" dirty="0" smtClean="0"/>
+          </a:p>
+          <a:p>
+            <a:pPr>
+              <a:buFont typeface="Century Gothic" panose="020B0502020202020204" pitchFamily="34" charset="0"/>
+              <a:buChar char="―"/>
+            </a:pPr>
+            <a:r>
+              <a:rPr lang="en-US" sz="2200" dirty="0" smtClean="0"/>
+              <a:t>It consists of single language phone recognition followed by </a:t>
             </a:r>
             <a:r>
               <a:rPr lang="en-US" sz="2000" dirty="0"/>
-              <a:t> </a:t>
-            </a:r>
-          </a:p>
-          <a:p>
-            <a:endParaRPr lang="en-US" dirty="0"/>
+              <a:t>language modeling with an n-gram </a:t>
+            </a:r>
+            <a:r>
+              <a:rPr lang="en-US" sz="2000" dirty="0" smtClean="0"/>
+              <a:t>analyzer.</a:t>
+            </a:r>
+          </a:p>
+          <a:p>
+            <a:pPr>
+              <a:buFont typeface="Century Gothic" panose="020B0502020202020204" pitchFamily="34" charset="0"/>
+              <a:buChar char="―"/>
+            </a:pPr>
+            <a:endParaRPr lang="en-US" sz="1000" dirty="0" smtClean="0"/>
+          </a:p>
+          <a:p>
+            <a:pPr>
+              <a:buFont typeface="Century Gothic" panose="020B0502020202020204" pitchFamily="34" charset="0"/>
+              <a:buChar char="―"/>
+            </a:pPr>
+            <a:r>
+              <a:rPr lang="en-US" sz="2000" dirty="0" smtClean="0"/>
+              <a:t>PRLM can be further </a:t>
+            </a:r>
+            <a:r>
+              <a:rPr lang="en-US" sz="2000" dirty="0"/>
+              <a:t>extended to Parallel PRLM and Parallel Phone Recognition</a:t>
+            </a:r>
+            <a:r>
+              <a:rPr lang="en-US" sz="2000" dirty="0" smtClean="0"/>
+              <a:t>.</a:t>
+            </a:r>
+            <a:endParaRPr lang="en-US" sz="2000" b="1" dirty="0"/>
+          </a:p>
+        </p:txBody>
+      </p:sp>
+      <p:pic>
+        <p:nvPicPr>
+          <p:cNvPr id="4" name="Picture 3"/>
+          <p:cNvPicPr/>
+          <p:nvPr/>
+        </p:nvPicPr>
+        <p:blipFill>
+          <a:blip r:embed="rId3"/>
+          <a:srcRect/>
+          <a:stretch>
+            <a:fillRect/>
+          </a:stretch>
+        </p:blipFill>
+        <p:spPr bwMode="auto">
+          <a:xfrm>
+            <a:off x="6223322" y="1571612"/>
+            <a:ext cx="2597150" cy="4449676"/>
+          </a:xfrm>
+          <a:prstGeom prst="rect">
+            <a:avLst/>
+          </a:prstGeom>
+          <a:noFill/>
+          <a:ln w="9525">
+            <a:noFill/>
+            <a:miter lim="800000"/>
+            <a:headEnd/>
+            <a:tailEnd/>
+          </a:ln>
+        </p:spPr>
+      </p:pic>
+      <p:sp>
+        <p:nvSpPr>
+          <p:cNvPr id="5" name="Rectangle 4"/>
+          <p:cNvSpPr/>
+          <p:nvPr/>
+        </p:nvSpPr>
+        <p:spPr>
+          <a:xfrm>
+            <a:off x="0" y="6423719"/>
+            <a:ext cx="9144000" cy="461665"/>
+          </a:xfrm>
+          <a:prstGeom prst="rect">
+            <a:avLst/>
+          </a:prstGeom>
+        </p:spPr>
+        <p:txBody>
+          <a:bodyPr wrap="square">
+            <a:spAutoFit/>
+          </a:bodyPr>
+          <a:lstStyle/>
+          <a:p>
+            <a:pPr lvl="0"/>
+            <a:r>
+              <a:rPr lang="en-US" sz="1200" dirty="0" smtClean="0"/>
+              <a:t>[1] M</a:t>
+            </a:r>
+            <a:r>
+              <a:rPr lang="en-US" sz="1200" dirty="0"/>
+              <a:t>. </a:t>
+            </a:r>
+            <a:r>
+              <a:rPr lang="en-US" sz="1200" dirty="0" err="1"/>
+              <a:t>Zissman</a:t>
+            </a:r>
+            <a:r>
+              <a:rPr lang="en-US" sz="1200" dirty="0"/>
+              <a:t>, “Comparison of Four Approaches to Automatic Language Identification of Telephone Speech,” IEEE Trans. </a:t>
+            </a:r>
+            <a:r>
+              <a:rPr lang="en-US" sz="1200" dirty="0" err="1"/>
+              <a:t>Acoust</a:t>
+            </a:r>
+            <a:r>
+              <a:rPr lang="en-US" sz="1200" dirty="0"/>
+              <a:t>., Speech, Signal Processing, vol. 4,no. 1, pp. 31–44, 1996.</a:t>
+            </a:r>
           </a:p>
         </p:txBody>
       </p:sp>
     </p:spTree>
     <p:extLst>
       <p:ext uri="{BB962C8B-B14F-4D97-AF65-F5344CB8AC3E}">
-        <p14:creationId xmlns:p14="http://schemas.microsoft.com/office/powerpoint/2010/main" val="3233347990"/>
+        <p14:creationId xmlns:p14="http://schemas.microsoft.com/office/powerpoint/2010/main" val="2408646967"/>
       </p:ext>
     </p:extLst>
   </p:cSld>
   <p:clrMapOvr>
     <a:masterClrMapping/>
   </p:clrMapOvr>
+  <p:timing>
+    <p:tnLst>
+      <p:par>
+        <p:cTn id="1" dur="indefinite" restart="never" nodeType="tmRoot"/>
+      </p:par>
+    </p:tnLst>
+  </p:timing>
 </p:sld>
 </file>
 
@@ -23787,34 +25225,128 @@
       </p:grpSpPr>
       <p:sp>
         <p:nvSpPr>
-          <p:cNvPr id="2" name="Title 1"/>
-          <p:cNvSpPr>
-            <a:spLocks noGrp="1"/>
-          </p:cNvSpPr>
-          <p:nvPr>
-            <p:ph type="title"/>
-          </p:nvPr>
-        </p:nvSpPr>
-        <p:spPr/>
-        <p:txBody>
-          <a:bodyPr/>
-          <a:lstStyle/>
-          <a:p>
-            <a:r>
-              <a:rPr lang="en-IN" dirty="0"/>
-              <a:t>Experimental Setup</a:t>
-            </a:r>
+          <p:cNvPr id="3" name="Content Placeholder 2"/>
+          <p:cNvSpPr>
+            <a:spLocks noGrp="1"/>
+          </p:cNvSpPr>
+          <p:nvPr>
+            <p:ph idx="1"/>
+          </p:nvPr>
+        </p:nvSpPr>
+        <p:spPr>
+          <a:xfrm>
+            <a:off x="357158" y="357166"/>
+            <a:ext cx="8286808" cy="5572164"/>
+          </a:xfrm>
+        </p:spPr>
+        <p:txBody>
+          <a:bodyPr>
+            <a:normAutofit/>
+          </a:bodyPr>
+          <a:lstStyle/>
+          <a:p>
+            <a:pPr marL="457200" indent="-457200">
+              <a:buFont typeface="+mj-lt"/>
+              <a:buAutoNum type="arabicPeriod" startAt="2"/>
+            </a:pPr>
+            <a:r>
+              <a:rPr lang="en-US" sz="2200" b="1" dirty="0" err="1" smtClean="0"/>
+              <a:t>KshirodSarmah</a:t>
+            </a:r>
+            <a:r>
+              <a:rPr lang="en-US" sz="2200" b="1" dirty="0" smtClean="0"/>
+              <a:t> and </a:t>
+            </a:r>
+            <a:r>
+              <a:rPr lang="en-US" sz="2200" b="1" dirty="0" err="1" smtClean="0"/>
+              <a:t>UtpalBhattacharjee</a:t>
+            </a:r>
+            <a:r>
+              <a:rPr lang="en-US" sz="2200" b="1" baseline="30000" dirty="0" smtClean="0"/>
+              <a:t>[2]</a:t>
+            </a:r>
+            <a:endParaRPr lang="en-US" sz="2200" baseline="30000" dirty="0" smtClean="0"/>
+          </a:p>
+          <a:p>
+            <a:pPr>
+              <a:buFont typeface="Century Gothic" panose="020B0502020202020204" pitchFamily="34" charset="0"/>
+              <a:buChar char="―"/>
+            </a:pPr>
+            <a:endParaRPr lang="en-US" sz="600" dirty="0" smtClean="0"/>
+          </a:p>
+          <a:p>
+            <a:pPr>
+              <a:buFont typeface="Century Gothic" panose="020B0502020202020204" pitchFamily="34" charset="0"/>
+              <a:buChar char="―"/>
+            </a:pPr>
+            <a:r>
+              <a:rPr lang="en-US" sz="2200" dirty="0" smtClean="0"/>
+              <a:t>GMM </a:t>
+            </a:r>
+            <a:r>
+              <a:rPr lang="en-US" sz="2200" dirty="0" smtClean="0"/>
+              <a:t>based Language Identification using MFCC and SDC Features</a:t>
+            </a:r>
+            <a:endParaRPr lang="en-IN" sz="2200" dirty="0" smtClean="0"/>
+          </a:p>
+          <a:p>
+            <a:pPr marL="0" indent="0">
+              <a:buNone/>
+            </a:pPr>
+            <a:endParaRPr lang="en-US" sz="2200" dirty="0"/>
+          </a:p>
+          <a:p>
+            <a:pPr marL="457200" indent="-457200">
+              <a:buFont typeface="+mj-lt"/>
+              <a:buAutoNum type="arabicPeriod" startAt="3"/>
+            </a:pPr>
+            <a:r>
+              <a:rPr lang="en-US" sz="2200" b="1" dirty="0" smtClean="0"/>
+              <a:t>Pedro </a:t>
+            </a:r>
+            <a:r>
+              <a:rPr lang="en-US" sz="2200" b="1" dirty="0" smtClean="0"/>
+              <a:t>A. Torres-</a:t>
+            </a:r>
+            <a:r>
+              <a:rPr lang="en-US" sz="2200" b="1" dirty="0" err="1" smtClean="0"/>
+              <a:t>Carrasquillo</a:t>
+            </a:r>
+            <a:r>
+              <a:rPr lang="en-US" sz="2200" b="1" baseline="30000" dirty="0" smtClean="0"/>
+              <a:t>[3</a:t>
+            </a:r>
+            <a:r>
+              <a:rPr lang="en-US" sz="2200" b="1" baseline="30000" dirty="0" smtClean="0"/>
+              <a:t>]</a:t>
+            </a:r>
+            <a:endParaRPr lang="en-US" sz="2200" b="1" baseline="30000" dirty="0" smtClean="0"/>
+          </a:p>
+          <a:p>
+            <a:pPr>
+              <a:buFont typeface="Century Gothic" panose="020B0502020202020204" pitchFamily="34" charset="0"/>
+              <a:buChar char="―"/>
+            </a:pPr>
+            <a:r>
+              <a:rPr lang="en-US" sz="2200" dirty="0" smtClean="0"/>
+              <a:t>Language </a:t>
+            </a:r>
+            <a:r>
+              <a:rPr lang="en-US" sz="2200" dirty="0" smtClean="0"/>
+              <a:t>Identification using Gaussian Mixture Model Tokenization</a:t>
+            </a:r>
+            <a:endParaRPr lang="en-IN" sz="2200" dirty="0"/>
           </a:p>
         </p:txBody>
       </p:sp>
       <p:pic>
         <p:nvPicPr>
-          <p:cNvPr id="4" name="Picture 3"/>
+          <p:cNvPr id="4" name="Picture 3" descr="C:\Users\win 8.1\Desktop\e.png"/>
           <p:cNvPicPr/>
           <p:nvPr/>
         </p:nvPicPr>
         <p:blipFill>
-          <a:blip r:embed="rId2" cstate="print">
+          <a:blip r:embed="rId3">
             <a:extLst>
               <a:ext uri="{28A0092B-C50C-407E-A947-70E740481C1C}">
                 <a14:useLocalDpi xmlns:a14="http://schemas.microsoft.com/office/drawing/2010/main" val="0"/>
@@ -23828,44 +25360,136 @@
         </p:blipFill>
         <p:spPr bwMode="auto">
           <a:xfrm>
-            <a:off x="175846" y="2537142"/>
-            <a:ext cx="8839200" cy="1882458"/>
+            <a:off x="2123728" y="3140968"/>
+            <a:ext cx="4318200" cy="2376264"/>
           </a:xfrm>
           <a:prstGeom prst="rect">
             <a:avLst/>
           </a:prstGeom>
           <a:noFill/>
+          <a:ln>
+            <a:noFill/>
+          </a:ln>
         </p:spPr>
       </p:pic>
       <p:sp>
         <p:nvSpPr>
-          <p:cNvPr id="5" name="Rectangle 4"/>
+          <p:cNvPr id="2" name="Rectangle 1"/>
           <p:cNvSpPr/>
           <p:nvPr/>
         </p:nvSpPr>
         <p:spPr>
           <a:xfrm>
-            <a:off x="3028125" y="4267200"/>
-            <a:ext cx="3134641" cy="492443"/>
+            <a:off x="-33536" y="5982379"/>
+            <a:ext cx="9144000" cy="830997"/>
           </a:xfrm>
           <a:prstGeom prst="rect">
             <a:avLst/>
           </a:prstGeom>
         </p:spPr>
         <p:txBody>
-          <a:bodyPr wrap="none">
+          <a:bodyPr wrap="square">
             <a:spAutoFit/>
           </a:bodyPr>
           <a:lstStyle/>
           <a:p>
             <a:r>
-              <a:rPr lang="en-US" sz="2600" dirty="0"/>
-              <a:t>Workflow of project</a:t>
+              <a:rPr lang="en-US" sz="1200" dirty="0" smtClean="0"/>
+              <a:t>[2]        </a:t>
+            </a:r>
+            <a:r>
+              <a:rPr lang="en-US" sz="1200" dirty="0" err="1" smtClean="0"/>
+              <a:t>Kshirod</a:t>
+            </a:r>
+            <a:r>
+              <a:rPr lang="en-US" sz="1200" dirty="0" smtClean="0"/>
+              <a:t> </a:t>
+            </a:r>
+            <a:r>
+              <a:rPr lang="en-US" sz="1200" dirty="0" err="1" smtClean="0"/>
+              <a:t>Sarmah</a:t>
+            </a:r>
+            <a:r>
+              <a:rPr lang="en-US" sz="1200" dirty="0" smtClean="0"/>
+              <a:t>, </a:t>
+            </a:r>
+            <a:r>
+              <a:rPr lang="en-IN" sz="1200" dirty="0" smtClean="0"/>
+              <a:t>“</a:t>
+            </a:r>
+            <a:r>
+              <a:rPr lang="en-US" sz="1200" dirty="0" smtClean="0"/>
+              <a:t>GMM based Language Identification </a:t>
+            </a:r>
+            <a:r>
+              <a:rPr lang="en-US" sz="1200" dirty="0"/>
+              <a:t>using MFCC and SDC Features</a:t>
+            </a:r>
+            <a:r>
+              <a:rPr lang="en-IN" sz="1200" dirty="0"/>
+              <a:t>”, </a:t>
+            </a:r>
+            <a:r>
+              <a:rPr lang="en-US" sz="1200" dirty="0"/>
+              <a:t>International Journal of </a:t>
+            </a:r>
+            <a:r>
+              <a:rPr lang="en-US" sz="1200" dirty="0" smtClean="0"/>
+              <a:t>Computer</a:t>
+            </a:r>
+          </a:p>
+          <a:p>
+            <a:pPr lvl="1"/>
+            <a:r>
+              <a:rPr lang="en-US" sz="1200" dirty="0" smtClean="0"/>
+              <a:t>Applications </a:t>
+            </a:r>
+            <a:r>
+              <a:rPr lang="en-US" sz="1200" dirty="0"/>
+              <a:t>(0975 – 8887) Volume 85 – No 5, January 2014</a:t>
+            </a:r>
+          </a:p>
+          <a:p>
+            <a:r>
+              <a:rPr lang="en-US" sz="1200" dirty="0" smtClean="0"/>
+              <a:t>[3]       Pedro </a:t>
+            </a:r>
+            <a:r>
+              <a:rPr lang="en-US" sz="1200" dirty="0"/>
+              <a:t>A. Torres-</a:t>
+            </a:r>
+            <a:r>
+              <a:rPr lang="en-US" sz="1200" dirty="0" err="1"/>
+              <a:t>Carrasquillo</a:t>
+            </a:r>
+            <a:r>
+              <a:rPr lang="en-US" sz="1200" dirty="0"/>
+              <a:t>, “Language Identification using Gaussian Mixture Model Tokenization”, Lincoln </a:t>
+            </a:r>
+            <a:r>
+              <a:rPr lang="en-US" sz="1200" dirty="0" smtClean="0"/>
+              <a:t>Laboratory,</a:t>
+            </a:r>
+          </a:p>
+          <a:p>
+            <a:pPr lvl="1"/>
+            <a:r>
+              <a:rPr lang="en-US" sz="1200" dirty="0" smtClean="0"/>
+              <a:t>Massachusetts </a:t>
+            </a:r>
+            <a:r>
+              <a:rPr lang="en-US" sz="1200" dirty="0"/>
+              <a:t>Institute of Technology</a:t>
             </a:r>
           </a:p>
         </p:txBody>
       </p:sp>
     </p:spTree>
+    <p:extLst>
+      <p:ext uri="{BB962C8B-B14F-4D97-AF65-F5344CB8AC3E}">
+        <p14:creationId xmlns:p14="http://schemas.microsoft.com/office/powerpoint/2010/main" val="2107766800"/>
+      </p:ext>
+    </p:extLst>
   </p:cSld>
   <p:clrMapOvr>
     <a:masterClrMapping/>
@@ -23892,89 +25516,115 @@
       </p:grpSpPr>
       <p:sp>
         <p:nvSpPr>
-          <p:cNvPr id="2" name="Title 1"/>
-          <p:cNvSpPr>
-            <a:spLocks noGrp="1"/>
-          </p:cNvSpPr>
-          <p:nvPr>
-            <p:ph type="title"/>
+          <p:cNvPr id="3" name="Content Placeholder 2"/>
+          <p:cNvSpPr>
+            <a:spLocks noGrp="1"/>
+          </p:cNvSpPr>
+          <p:nvPr>
+            <p:ph idx="1"/>
           </p:nvPr>
         </p:nvSpPr>
         <p:spPr>
           <a:xfrm>
-            <a:off x="457200" y="23446"/>
-            <a:ext cx="8229600" cy="1295400"/>
+            <a:off x="323528" y="116632"/>
+            <a:ext cx="8496944" cy="5572164"/>
           </a:xfrm>
         </p:spPr>
-        <p:txBody>
-          <a:bodyPr/>
-          <a:lstStyle/>
-          <a:p>
-            <a:r>
-              <a:rPr lang="en-US" dirty="0"/>
-              <a:t>Data Set</a:t>
-            </a:r>
-          </a:p>
-        </p:txBody>
-      </p:sp>
-      <p:sp>
-        <p:nvSpPr>
-          <p:cNvPr id="3" name="Content Placeholder 2"/>
-          <p:cNvSpPr>
-            <a:spLocks noGrp="1"/>
-          </p:cNvSpPr>
-          <p:nvPr>
-            <p:ph idx="1"/>
-          </p:nvPr>
-        </p:nvSpPr>
-        <p:spPr/>
         <p:txBody>
           <a:bodyPr>
             <a:normAutofit/>
           </a:bodyPr>
           <a:lstStyle/>
           <a:p>
-            <a:r>
-              <a:rPr lang="en-IN" sz="2200" dirty="0"/>
-              <a:t>We obtained our language dataset from Audio Lingua.</a:t>
-            </a:r>
-          </a:p>
-          <a:p>
+            <a:pPr marL="457200" indent="-457200">
+              <a:buFont typeface="+mj-lt"/>
+              <a:buAutoNum type="arabicPeriod" startAt="4"/>
+            </a:pPr>
+            <a:r>
+              <a:rPr lang="en-US" sz="2200" b="1" dirty="0" smtClean="0"/>
+              <a:t>Julien De Mori</a:t>
+            </a:r>
+            <a:r>
+              <a:rPr lang="en-US" sz="2200" b="1" baseline="30000" dirty="0" smtClean="0"/>
+              <a:t>[4</a:t>
+            </a:r>
+            <a:r>
+              <a:rPr lang="en-US" sz="2200" b="1" baseline="30000" dirty="0" smtClean="0"/>
+              <a:t>]</a:t>
+            </a:r>
+            <a:endParaRPr lang="en-US" sz="2200" baseline="30000" dirty="0" smtClean="0"/>
+          </a:p>
+          <a:p>
+            <a:r>
+              <a:rPr lang="en-US" sz="2200" dirty="0" smtClean="0"/>
+              <a:t>Presented and compared methods that were </a:t>
+            </a:r>
+            <a:r>
+              <a:rPr lang="en-US" sz="2200" dirty="0" smtClean="0"/>
+              <a:t>Support Vector Machine(SVM) based, Gaussian Mixture Model(GMM) based and Neural network.</a:t>
+            </a:r>
+          </a:p>
+          <a:p>
+            <a:r>
+              <a:rPr lang="en-US" sz="2200" dirty="0" smtClean="0"/>
+              <a:t>Computing features for each 25ms frame and then then modeled each clip as a multivariate Gaussian distribution by computing the mean and variance of each feature across each clip</a:t>
+            </a:r>
+          </a:p>
+          <a:p>
+            <a:r>
+              <a:rPr lang="en-US" sz="2200" dirty="0" smtClean="0"/>
+              <a:t>Averaging out any noise in the signal, as well as reducing the number of training examples, considerably decreasing computation time. </a:t>
+            </a:r>
             <a:endParaRPr lang="en-IN" sz="2200" dirty="0"/>
           </a:p>
-          <a:p>
-            <a:r>
-              <a:rPr lang="en-IN" sz="2200" dirty="0"/>
-              <a:t>The dataset includes 170 distinct speakers for each language.</a:t>
-            </a:r>
-          </a:p>
-          <a:p>
-            <a:endParaRPr lang="en-IN" sz="2200" dirty="0"/>
-          </a:p>
-          <a:p>
-            <a:r>
-              <a:rPr lang="en-IN" sz="2200" dirty="0"/>
-              <a:t>The dataset is assumed to be clean. It is pre-processed and split to multiple equal sized (5 sec) audio samples.</a:t>
-            </a:r>
-          </a:p>
-          <a:p>
-            <a:endParaRPr lang="en-IN" sz="2200" dirty="0"/>
-          </a:p>
-          <a:p>
-            <a:r>
-              <a:rPr lang="en-IN" sz="2200" dirty="0"/>
-              <a:t>One audio samples is treated as a single data point. This is done to average out any noise component in the speech. </a:t>
-            </a:r>
-          </a:p>
-          <a:p>
-            <a:endParaRPr lang="en-US" sz="2200" dirty="0"/>
+        </p:txBody>
+      </p:sp>
+      <p:sp>
+        <p:nvSpPr>
+          <p:cNvPr id="2" name="Rectangle 1"/>
+          <p:cNvSpPr/>
+          <p:nvPr/>
+        </p:nvSpPr>
+        <p:spPr>
+          <a:xfrm>
+            <a:off x="0" y="6392361"/>
+            <a:ext cx="9144000" cy="276999"/>
+          </a:xfrm>
+          <a:prstGeom prst="rect">
+            <a:avLst/>
+          </a:prstGeom>
+        </p:spPr>
+        <p:txBody>
+          <a:bodyPr wrap="square">
+            <a:spAutoFit/>
+          </a:bodyPr>
+          <a:lstStyle/>
+          <a:p>
+            <a:pPr lvl="0"/>
+            <a:r>
+              <a:rPr lang="en-US" sz="1200" dirty="0" smtClean="0"/>
+              <a:t>[4]    Julien </a:t>
+            </a:r>
+            <a:r>
+              <a:rPr lang="en-US" sz="1200" dirty="0"/>
+              <a:t>De Mori, “Spoken Language </a:t>
+            </a:r>
+            <a:r>
+              <a:rPr lang="en-US" sz="1200" dirty="0" err="1"/>
+              <a:t>Classfication</a:t>
+            </a:r>
+            <a:r>
+              <a:rPr lang="en-US" sz="1200" dirty="0"/>
+              <a:t>” , CS 229 – Machine Learning(Stanford)</a:t>
+            </a:r>
+            <a:endParaRPr lang="en-IN" sz="1200" dirty="0"/>
           </a:p>
         </p:txBody>
       </p:sp>
     </p:spTree>
     <p:extLst>
       <p:ext uri="{BB962C8B-B14F-4D97-AF65-F5344CB8AC3E}">
-        <p14:creationId xmlns:p14="http://schemas.microsoft.com/office/powerpoint/2010/main" val="2897163406"/>
+        <p14:creationId xmlns:p14="http://schemas.microsoft.com/office/powerpoint/2010/main" val="891159538"/>
       </p:ext>
     </p:extLst>
   </p:cSld>
@@ -24003,119 +25653,93 @@
       </p:grpSpPr>
       <p:sp>
         <p:nvSpPr>
-          <p:cNvPr id="2" name="Title 1"/>
-          <p:cNvSpPr>
-            <a:spLocks noGrp="1"/>
-          </p:cNvSpPr>
-          <p:nvPr>
-            <p:ph type="title"/>
+          <p:cNvPr id="3" name="Content Placeholder 2"/>
+          <p:cNvSpPr>
+            <a:spLocks noGrp="1"/>
+          </p:cNvSpPr>
+          <p:nvPr>
+            <p:ph idx="1"/>
           </p:nvPr>
         </p:nvSpPr>
         <p:spPr>
           <a:xfrm>
-            <a:off x="414366" y="2882"/>
-            <a:ext cx="8229600" cy="1195536"/>
+            <a:off x="457200" y="500042"/>
+            <a:ext cx="3900486" cy="5643602"/>
           </a:xfrm>
         </p:spPr>
         <p:txBody>
-          <a:bodyPr/>
-          <a:lstStyle/>
-          <a:p>
-            <a:r>
-              <a:rPr lang="en-IN" dirty="0"/>
-              <a:t>Feature Extraction</a:t>
-            </a:r>
-          </a:p>
-        </p:txBody>
-      </p:sp>
-      <p:sp>
-        <p:nvSpPr>
-          <p:cNvPr id="3" name="Content Placeholder 2"/>
-          <p:cNvSpPr>
-            <a:spLocks noGrp="1"/>
-          </p:cNvSpPr>
-          <p:nvPr>
-            <p:ph idx="1"/>
-          </p:nvPr>
-        </p:nvSpPr>
-        <p:spPr>
-          <a:xfrm>
-            <a:off x="457200" y="1600200"/>
-            <a:ext cx="4186808" cy="4709120"/>
-          </a:xfrm>
-        </p:spPr>
-        <p:txBody>
           <a:bodyPr>
-            <a:normAutofit fontScale="92500" lnSpcReduction="10000"/>
+            <a:normAutofit fontScale="85000" lnSpcReduction="20000"/>
           </a:bodyPr>
           <a:lstStyle/>
           <a:p>
             <a:r>
-              <a:rPr lang="en-IN" sz="1800" dirty="0"/>
-              <a:t>Audio Sample is divided into frames of 25ms(400 frames) with a window hop of 10ms(100 frames).</a:t>
-            </a:r>
-            <a:br>
-              <a:rPr lang="en-IN" sz="1800" dirty="0"/>
-            </a:br>
-            <a:endParaRPr lang="en-IN" sz="1800" dirty="0"/>
-          </a:p>
-          <a:p>
-            <a:r>
-              <a:rPr lang="en-IN" sz="1800" dirty="0"/>
-              <a:t>Sliding Window is used processing the audio sample.</a:t>
-            </a:r>
-          </a:p>
-          <a:p>
-            <a:endParaRPr lang="en-IN" sz="1800" dirty="0"/>
-          </a:p>
-          <a:p>
-            <a:r>
-              <a:rPr lang="en-IN" sz="1800" dirty="0"/>
-              <a:t>This overlapping of windows prevents spectral loss that is caused by framing.</a:t>
-            </a:r>
-          </a:p>
-          <a:p>
-            <a:endParaRPr lang="en-IN" sz="1800" dirty="0"/>
-          </a:p>
-          <a:p>
-            <a:r>
-              <a:rPr lang="en-IN" sz="1800" dirty="0"/>
-              <a:t>For each frame 13 mfcc features are calculated.</a:t>
-            </a:r>
-          </a:p>
-          <a:p>
-            <a:endParaRPr lang="en-IN" sz="1800" dirty="0"/>
-          </a:p>
-          <a:p>
-            <a:r>
-              <a:rPr lang="en-IN" sz="1800" dirty="0"/>
-              <a:t>Using these mfcc features, delta mfcc, delta </a:t>
-            </a:r>
-            <a:r>
-              <a:rPr lang="en-IN" sz="1800" dirty="0" err="1"/>
-              <a:t>delta</a:t>
-            </a:r>
-            <a:r>
-              <a:rPr lang="en-IN" sz="1800" dirty="0"/>
-              <a:t> mfcc is calculated.</a:t>
-            </a:r>
-          </a:p>
-          <a:p>
-            <a:pPr>
-              <a:buNone/>
-            </a:pPr>
-            <a:endParaRPr lang="en-IN" sz="1800" dirty="0"/>
+              <a:rPr lang="en-US" b="1" dirty="0" smtClean="0"/>
+              <a:t>Ignacio Lopez-Moreno</a:t>
+            </a:r>
+            <a:r>
+              <a:rPr lang="en-US" b="1" baseline="30000" dirty="0" smtClean="0"/>
+              <a:t>[5]</a:t>
+            </a:r>
+          </a:p>
+          <a:p>
+            <a:r>
+              <a:rPr lang="en-US" dirty="0" smtClean="0"/>
+              <a:t>Automatic Language Identification Using Deep Neural Networks</a:t>
+            </a:r>
+          </a:p>
+          <a:p>
+            <a:r>
+              <a:rPr lang="en-US" dirty="0" smtClean="0"/>
+              <a:t>This work studies the use of deep neural networks (DNNs) to address automatic language identification (LID). Motivated by their recent success in acoustic </a:t>
+            </a:r>
+            <a:r>
+              <a:rPr lang="en-US" dirty="0" err="1" smtClean="0"/>
+              <a:t>modelling</a:t>
+            </a:r>
+            <a:r>
+              <a:rPr lang="en-US" dirty="0" smtClean="0"/>
+              <a:t>, we adapt DNNs to the problem of identifying the language of a given spoken utterance from short-term </a:t>
+            </a:r>
+            <a:r>
+              <a:rPr lang="en-US" dirty="0" err="1" smtClean="0"/>
+              <a:t>acou</a:t>
+            </a:r>
+            <a:endParaRPr lang="en-US" dirty="0" smtClean="0"/>
+          </a:p>
+          <a:p>
+            <a:r>
+              <a:rPr lang="en-US" dirty="0" smtClean="0"/>
+              <a:t>The proposed approach is compared to state-of-the-art </a:t>
+            </a:r>
+            <a:r>
+              <a:rPr lang="en-US" dirty="0" err="1" smtClean="0"/>
+              <a:t>i</a:t>
+            </a:r>
+            <a:r>
+              <a:rPr lang="en-US" dirty="0" smtClean="0"/>
+              <a:t>-vector based acoustic systems on two different </a:t>
+            </a:r>
+            <a:r>
+              <a:rPr lang="en-US" dirty="0" err="1" smtClean="0"/>
+              <a:t>datasetsstic</a:t>
+            </a:r>
+            <a:r>
+              <a:rPr lang="en-US" dirty="0" smtClean="0"/>
+              <a:t> features. </a:t>
+            </a:r>
+            <a:endParaRPr lang="en-IN" dirty="0"/>
           </a:p>
         </p:txBody>
       </p:sp>
       <p:pic>
         <p:nvPicPr>
-          <p:cNvPr id="4" name="Picture 3" descr="https://www.researchgate.net/profile/Fernando_Sciascio/publication/257690526/figure/fig3/AS:297570170621988@1447957665997/Fig-3-The-EMG-channel-is-segmented-into-sliding-windows-of-256-samples-with-overlapping.png"/>
+          <p:cNvPr id="4" name="Picture 3" descr="C:\Users\win 8.1\Desktop\asd.png"/>
           <p:cNvPicPr/>
           <p:nvPr/>
         </p:nvPicPr>
         <p:blipFill>
-          <a:blip r:embed="rId3">
+          <a:blip r:embed="rId2">
             <a:extLst>
               <a:ext uri="{28A0092B-C50C-407E-A947-70E740481C1C}">
                 <a14:useLocalDpi xmlns:a14="http://schemas.microsoft.com/office/drawing/2010/main" val="0"/>
@@ -24129,8 +25753,8 @@
         </p:blipFill>
         <p:spPr bwMode="auto">
           <a:xfrm>
-            <a:off x="4572000" y="1628800"/>
-            <a:ext cx="4392488" cy="4235362"/>
+            <a:off x="4572000" y="571480"/>
+            <a:ext cx="4143404" cy="5214974"/>
           </a:xfrm>
           <a:prstGeom prst="rect">
             <a:avLst/>
@@ -24143,35 +25767,66 @@
       </p:pic>
       <p:sp>
         <p:nvSpPr>
-          <p:cNvPr id="5" name="TextBox 4"/>
-          <p:cNvSpPr txBox="1"/>
+          <p:cNvPr id="2" name="Rectangle 1"/>
+          <p:cNvSpPr/>
           <p:nvPr/>
         </p:nvSpPr>
         <p:spPr>
           <a:xfrm>
-            <a:off x="6228184" y="5970766"/>
-            <a:ext cx="2304256" cy="338554"/>
+            <a:off x="0" y="6381328"/>
+            <a:ext cx="9144000" cy="461665"/>
           </a:xfrm>
           <a:prstGeom prst="rect">
             <a:avLst/>
           </a:prstGeom>
-          <a:noFill/>
         </p:spPr>
         <p:txBody>
-          <a:bodyPr wrap="square" rtlCol="0">
+          <a:bodyPr wrap="square">
             <a:spAutoFit/>
           </a:bodyPr>
           <a:lstStyle/>
           <a:p>
             <a:r>
-              <a:rPr lang="en-US" sz="1600" dirty="0"/>
-              <a:t>Sliding Window</a:t>
-            </a:r>
-            <a:endParaRPr lang="en-US" dirty="0"/>
+              <a:rPr lang="en-US" sz="1200" dirty="0" smtClean="0"/>
+              <a:t>[5]       Ignacio </a:t>
+            </a:r>
+            <a:r>
+              <a:rPr lang="en-US" sz="1200" dirty="0"/>
+              <a:t>Lopez-Moreno, </a:t>
+            </a:r>
+            <a:r>
+              <a:rPr lang="en-IN" sz="1200" dirty="0"/>
+              <a:t>“</a:t>
+            </a:r>
+            <a:r>
+              <a:rPr lang="en-US" sz="1200" dirty="0"/>
+              <a:t>AUTOMATIC LANGUAGE IDENTIFICATION USING DEEP NEURAL NETWORKS”, 2014 </a:t>
+            </a:r>
+            <a:r>
+              <a:rPr lang="en-US" sz="1200" dirty="0" smtClean="0"/>
+              <a:t>IEEE</a:t>
+            </a:r>
+          </a:p>
+          <a:p>
+            <a:pPr lvl="1"/>
+            <a:r>
+              <a:rPr lang="en-US" sz="1200" dirty="0" smtClean="0"/>
+              <a:t>International </a:t>
+            </a:r>
+            <a:r>
+              <a:rPr lang="en-US" sz="1200" dirty="0"/>
+              <a:t>Conference on Acoustic, Speech and Signal Processing (ICASSP),2014 (context windows)</a:t>
+            </a:r>
+            <a:endParaRPr lang="en-IN" sz="1200" dirty="0"/>
           </a:p>
         </p:txBody>
       </p:sp>
     </p:spTree>
+    <p:extLst>
+      <p:ext uri="{BB962C8B-B14F-4D97-AF65-F5344CB8AC3E}">
+        <p14:creationId xmlns:p14="http://schemas.microsoft.com/office/powerpoint/2010/main" val="759401064"/>
+      </p:ext>
+    </p:extLst>
   </p:cSld>
   <p:clrMapOvr>
     <a:masterClrMapping/>
@@ -24208,8 +25863,8 @@
         </p:nvSpPr>
         <p:spPr>
           <a:xfrm>
-            <a:off x="395536" y="0"/>
-            <a:ext cx="8229600" cy="1267544"/>
+            <a:off x="457200" y="23446"/>
+            <a:ext cx="8229600" cy="1295400"/>
           </a:xfrm>
         </p:spPr>
         <p:txBody>
@@ -24217,8 +25872,8 @@
           <a:lstStyle/>
           <a:p>
             <a:r>
-              <a:rPr lang="en-IN" dirty="0"/>
-              <a:t>Feature Vector</a:t>
+              <a:rPr lang="en-US" dirty="0"/>
+              <a:t>Our Proposal</a:t>
             </a:r>
           </a:p>
         </p:txBody>
@@ -24233,130 +25888,60 @@
             <p:ph idx="1"/>
           </p:nvPr>
         </p:nvSpPr>
-        <p:spPr>
-          <a:xfrm>
-            <a:off x="467544" y="1484785"/>
-            <a:ext cx="8229600" cy="5373216"/>
-          </a:xfrm>
-        </p:spPr>
+        <p:spPr/>
         <p:txBody>
           <a:bodyPr>
-            <a:noAutofit/>
+            <a:normAutofit/>
           </a:bodyPr>
           <a:lstStyle/>
           <a:p>
-            <a:pPr algn="just"/>
-            <a:r>
-              <a:rPr lang="en-IN" sz="1800" dirty="0"/>
-              <a:t>For each audio sample of 5 sec we obtain a long term averaged feature vector with 390 features.</a:t>
-            </a:r>
-          </a:p>
-          <a:p>
-            <a:pPr algn="just"/>
-            <a:endParaRPr lang="en-IN" sz="900" dirty="0"/>
-          </a:p>
-          <a:p>
-            <a:pPr algn="just"/>
-            <a:r>
-              <a:rPr lang="en-IN" sz="1800" dirty="0"/>
-              <a:t>These features include 13 MFCC+13 Delta MFCC+13 Delta </a:t>
-            </a:r>
-            <a:r>
-              <a:rPr lang="en-IN" sz="1800" dirty="0" err="1"/>
-              <a:t>Delta</a:t>
-            </a:r>
-            <a:r>
-              <a:rPr lang="en-IN" sz="1800" dirty="0"/>
-              <a:t> MFCC. Making a set of 39 sized feature vectors.</a:t>
-            </a:r>
-          </a:p>
-          <a:p>
-            <a:pPr algn="just"/>
-            <a:endParaRPr lang="en-IN" sz="900" dirty="0"/>
-          </a:p>
-          <a:p>
-            <a:pPr algn="just"/>
-            <a:r>
-              <a:rPr lang="en-IN" sz="1800" dirty="0"/>
-              <a:t>Such consecutive features are stacked to create </a:t>
-            </a:r>
-            <a:r>
-              <a:rPr lang="en-IN" sz="1800" b="1" dirty="0"/>
-              <a:t>context windows </a:t>
-            </a:r>
-            <a:r>
-              <a:rPr lang="en-IN" sz="1800" dirty="0"/>
-              <a:t>and the number of consecutive features used is called context window size. We used a context window size of 5.</a:t>
-            </a:r>
-          </a:p>
-          <a:p>
-            <a:pPr algn="just"/>
-            <a:endParaRPr lang="en-IN" sz="900" dirty="0"/>
-          </a:p>
-          <a:p>
-            <a:pPr algn="just"/>
-            <a:r>
-              <a:rPr lang="en-IN" sz="1800" dirty="0"/>
-              <a:t>Long term averaging is done by computing the mean and standard deviation over the entire duration giving a single feature vector of size of shape (1, 390)</a:t>
-            </a:r>
-          </a:p>
-          <a:p>
-            <a:pPr algn="just"/>
-            <a:endParaRPr lang="en-IN" sz="900" dirty="0"/>
-          </a:p>
-          <a:p>
-            <a:pPr algn="just"/>
-            <a:r>
-              <a:rPr lang="en-IN" sz="1800" dirty="0"/>
-              <a:t>39(</a:t>
-            </a:r>
-            <a:r>
-              <a:rPr lang="en-IN" sz="1800" dirty="0" err="1"/>
-              <a:t>mfcc</a:t>
-            </a:r>
-            <a:r>
-              <a:rPr lang="en-IN" sz="1800" dirty="0"/>
-              <a:t> + delta </a:t>
-            </a:r>
-            <a:r>
-              <a:rPr lang="en-IN" sz="1800" dirty="0" err="1"/>
-              <a:t>mfcc</a:t>
-            </a:r>
-            <a:r>
-              <a:rPr lang="en-IN" sz="1800" dirty="0"/>
-              <a:t> + delta </a:t>
-            </a:r>
-            <a:r>
-              <a:rPr lang="en-IN" sz="1800" dirty="0" err="1"/>
-              <a:t>delta</a:t>
-            </a:r>
-            <a:r>
-              <a:rPr lang="en-IN" sz="1800" dirty="0"/>
+            <a:r>
+              <a:rPr lang="en-US" sz="2200" dirty="0"/>
+              <a:t>We propose a hybrid neural network that consists of two levels. </a:t>
+            </a:r>
+          </a:p>
+          <a:p>
+            <a:endParaRPr lang="en-US" sz="1400" dirty="0"/>
+          </a:p>
+          <a:p>
+            <a:r>
+              <a:rPr lang="en-US" sz="2200" dirty="0"/>
+              <a:t>An initial neural network gives the probability of the belongingness of data sample to all class of languages.</a:t>
+            </a:r>
+          </a:p>
+          <a:p>
+            <a:endParaRPr lang="en-US" sz="1400" dirty="0"/>
+          </a:p>
+          <a:p>
+            <a:r>
+              <a:rPr lang="en-US" sz="2200" dirty="0"/>
+              <a:t>The second level, or the binary classifier finally outputs the class to which the data sample belongs amongst the best two sub-candidates.</a:t>
+            </a:r>
+          </a:p>
+          <a:p>
+            <a:endParaRPr lang="en-US" sz="1400" dirty="0"/>
+          </a:p>
+          <a:p>
+            <a:r>
+              <a:rPr lang="en-US" sz="2200" dirty="0"/>
+              <a:t>The idea behind this hypothesis is the fact that different languages need different  set of features to differentiate them.</a:t>
+            </a:r>
+            <a:r>
+              <a:rPr lang="en-US" sz="2000" dirty="0"/>
               <a:t> </a:t>
             </a:r>
-            <a:r>
-              <a:rPr lang="en-IN" sz="1800" dirty="0" err="1"/>
-              <a:t>mfcc</a:t>
-            </a:r>
-            <a:r>
-              <a:rPr lang="en-IN" sz="1800" dirty="0"/>
-              <a:t>) * 5 (context window size) * 2 (mean + standard deviation) = 390</a:t>
-            </a:r>
-          </a:p>
-          <a:p>
-            <a:pPr algn="just"/>
-            <a:endParaRPr lang="en-IN" sz="900" dirty="0"/>
-          </a:p>
-          <a:p>
-            <a:pPr algn="just"/>
-            <a:r>
-              <a:rPr lang="en-IN" sz="1800" dirty="0"/>
-              <a:t>When x such samples are taken out feature vector has a shape of   (x, 390)</a:t>
-            </a:r>
+          </a:p>
+          <a:p>
+            <a:endParaRPr lang="en-US" dirty="0"/>
           </a:p>
         </p:txBody>
       </p:sp>
     </p:spTree>
+    <p:extLst>
+      <p:ext uri="{BB962C8B-B14F-4D97-AF65-F5344CB8AC3E}">
+        <p14:creationId xmlns:p14="http://schemas.microsoft.com/office/powerpoint/2010/main" val="3233347990"/>
+      </p:ext>
+    </p:extLst>
   </p:cSld>
   <p:clrMapOvr>
     <a:masterClrMapping/>

--- a/Docs/Presentation.pptx
+++ b/Docs/Presentation.pptx
@@ -8,7 +8,7 @@
     <p:sldMasterId id="2147483720" r:id="rId4"/>
   </p:sldMasterIdLst>
   <p:notesMasterIdLst>
-    <p:notesMasterId r:id="rId34"/>
+    <p:notesMasterId r:id="rId33"/>
   </p:notesMasterIdLst>
   <p:sldIdLst>
     <p:sldId id="256" r:id="rId5"/>
@@ -17,29 +17,28 @@
     <p:sldId id="260" r:id="rId8"/>
     <p:sldId id="287" r:id="rId9"/>
     <p:sldId id="288" r:id="rId10"/>
-    <p:sldId id="289" r:id="rId11"/>
-    <p:sldId id="290" r:id="rId12"/>
-    <p:sldId id="263" r:id="rId13"/>
-    <p:sldId id="266" r:id="rId14"/>
-    <p:sldId id="279" r:id="rId15"/>
-    <p:sldId id="267" r:id="rId16"/>
-    <p:sldId id="269" r:id="rId17"/>
-    <p:sldId id="278" r:id="rId18"/>
-    <p:sldId id="282" r:id="rId19"/>
-    <p:sldId id="283" r:id="rId20"/>
-    <p:sldId id="284" r:id="rId21"/>
-    <p:sldId id="264" r:id="rId22"/>
-    <p:sldId id="265" r:id="rId23"/>
-    <p:sldId id="271" r:id="rId24"/>
-    <p:sldId id="272" r:id="rId25"/>
-    <p:sldId id="273" r:id="rId26"/>
-    <p:sldId id="274" r:id="rId27"/>
-    <p:sldId id="280" r:id="rId28"/>
-    <p:sldId id="281" r:id="rId29"/>
-    <p:sldId id="277" r:id="rId30"/>
-    <p:sldId id="276" r:id="rId31"/>
-    <p:sldId id="285" r:id="rId32"/>
-    <p:sldId id="286" r:id="rId33"/>
+    <p:sldId id="290" r:id="rId11"/>
+    <p:sldId id="263" r:id="rId12"/>
+    <p:sldId id="266" r:id="rId13"/>
+    <p:sldId id="279" r:id="rId14"/>
+    <p:sldId id="267" r:id="rId15"/>
+    <p:sldId id="269" r:id="rId16"/>
+    <p:sldId id="278" r:id="rId17"/>
+    <p:sldId id="282" r:id="rId18"/>
+    <p:sldId id="283" r:id="rId19"/>
+    <p:sldId id="284" r:id="rId20"/>
+    <p:sldId id="264" r:id="rId21"/>
+    <p:sldId id="265" r:id="rId22"/>
+    <p:sldId id="271" r:id="rId23"/>
+    <p:sldId id="272" r:id="rId24"/>
+    <p:sldId id="273" r:id="rId25"/>
+    <p:sldId id="274" r:id="rId26"/>
+    <p:sldId id="280" r:id="rId27"/>
+    <p:sldId id="281" r:id="rId28"/>
+    <p:sldId id="277" r:id="rId29"/>
+    <p:sldId id="276" r:id="rId30"/>
+    <p:sldId id="285" r:id="rId31"/>
+    <p:sldId id="286" r:id="rId32"/>
   </p:sldIdLst>
   <p:sldSz cx="9144000" cy="6858000" type="screen4x3"/>
   <p:notesSz cx="6858000" cy="9144000"/>
@@ -140,7 +139,7 @@
   </p:defaultTextStyle>
   <p:extLst>
     <p:ext uri="{EFAFB233-063F-42B5-8137-9DF3F51BA10A}">
-      <p15:sldGuideLst xmlns:p15="http://schemas.microsoft.com/office/powerpoint/2012/main" xmlns="">
+      <p15:sldGuideLst xmlns="" xmlns:p15="http://schemas.microsoft.com/office/powerpoint/2012/main">
         <p15:guide id="1" orient="horz" pos="2160">
           <p15:clr>
             <a:srgbClr val="A4A3A4"/>
@@ -637,6 +636,45 @@
           <a:bodyPr/>
           <a:lstStyle/>
           <a:p>
+            <a:r>
+              <a:rPr lang="en-IN" dirty="0"/>
+              <a:t>Why are delta and delta-delta </a:t>
+            </a:r>
+            <a:r>
+              <a:rPr lang="en-IN" dirty="0" err="1"/>
+              <a:t>mfcc</a:t>
+            </a:r>
+            <a:r>
+              <a:rPr lang="en-IN" dirty="0"/>
+              <a:t> used ?</a:t>
+            </a:r>
+          </a:p>
+          <a:p>
+            <a:endParaRPr lang="en-IN" dirty="0"/>
+          </a:p>
+          <a:p>
+            <a:r>
+              <a:rPr lang="en-IN" dirty="0"/>
+              <a:t>Static </a:t>
+            </a:r>
+            <a:r>
+              <a:rPr lang="en-IN" dirty="0" err="1"/>
+              <a:t>mfcc</a:t>
+            </a:r>
+            <a:r>
+              <a:rPr lang="en-IN" dirty="0"/>
+              <a:t> features are representative of physical characteristics of vocal chord which is not enough to discriminate languages, hence we require temporal variation of </a:t>
+            </a:r>
+            <a:r>
+              <a:rPr lang="en-IN" dirty="0" err="1"/>
+              <a:t>mfcc</a:t>
+            </a:r>
+            <a:r>
+              <a:rPr lang="en-IN" dirty="0"/>
+              <a:t>.</a:t>
+            </a:r>
+          </a:p>
+          <a:p>
             <a:endParaRPr lang="en-US" dirty="0"/>
           </a:p>
         </p:txBody>
@@ -659,7 +697,7 @@
             <a:fld id="{979A0A40-088F-44CE-8547-8CF4D8B5748D}" type="slidenum">
               <a:rPr lang="en-US" smtClean="0"/>
               <a:pPr/>
-              <a:t>13</a:t>
+              <a:t>11</a:t>
             </a:fld>
             <a:endParaRPr lang="en-US"/>
           </a:p>
@@ -668,7 +706,7 @@
     </p:spTree>
     <p:extLst>
       <p:ext uri="{BB962C8B-B14F-4D97-AF65-F5344CB8AC3E}">
-        <p14:creationId xmlns:p14="http://schemas.microsoft.com/office/powerpoint/2010/main" val="647014947"/>
+        <p14:creationId xmlns:p14="http://schemas.microsoft.com/office/powerpoint/2010/main" val="3926316611"/>
       </p:ext>
     </p:extLst>
   </p:cSld>
@@ -722,10 +760,7 @@
           <a:bodyPr/>
           <a:lstStyle/>
           <a:p>
-            <a:r>
-              <a:rPr lang="en-US" dirty="0"/>
-              <a:t>Less p-value means greater stat significance</a:t>
-            </a:r>
+            <a:endParaRPr lang="en-US" dirty="0"/>
           </a:p>
         </p:txBody>
       </p:sp>
@@ -746,7 +781,8 @@
           <a:p>
             <a:fld id="{979A0A40-088F-44CE-8547-8CF4D8B5748D}" type="slidenum">
               <a:rPr lang="en-US" smtClean="0"/>
-              <a:t>14</a:t>
+              <a:pPr/>
+              <a:t>12</a:t>
             </a:fld>
             <a:endParaRPr lang="en-US"/>
           </a:p>
@@ -755,7 +791,7 @@
     </p:spTree>
     <p:extLst>
       <p:ext uri="{BB962C8B-B14F-4D97-AF65-F5344CB8AC3E}">
-        <p14:creationId xmlns:p14="http://schemas.microsoft.com/office/powerpoint/2010/main" val="737328833"/>
+        <p14:creationId xmlns:p14="http://schemas.microsoft.com/office/powerpoint/2010/main" val="647014947"/>
       </p:ext>
     </p:extLst>
   </p:cSld>
@@ -810,22 +846,8 @@
           <a:lstStyle/>
           <a:p>
             <a:r>
-              <a:rPr lang="en-US" dirty="0" err="1"/>
-              <a:t>reLU</a:t>
-            </a:r>
-            <a:r>
               <a:rPr lang="en-US" dirty="0"/>
-              <a:t> = rectifier Linear Unit</a:t>
-            </a:r>
-          </a:p>
-          <a:p>
-            <a:r>
-              <a:rPr lang="en-US" dirty="0" err="1"/>
-              <a:t>Adadelta</a:t>
-            </a:r>
-            <a:r>
-              <a:rPr lang="en-US" dirty="0"/>
-              <a:t> controls learning rate</a:t>
+              <a:t>Less p-value means greater stat significance</a:t>
             </a:r>
           </a:p>
         </p:txBody>
@@ -847,8 +869,7 @@
           <a:p>
             <a:fld id="{979A0A40-088F-44CE-8547-8CF4D8B5748D}" type="slidenum">
               <a:rPr lang="en-US" smtClean="0"/>
-              <a:pPr/>
-              <a:t>16</a:t>
+              <a:t>13</a:t>
             </a:fld>
             <a:endParaRPr lang="en-US"/>
           </a:p>
@@ -857,7 +878,7 @@
     </p:spTree>
     <p:extLst>
       <p:ext uri="{BB962C8B-B14F-4D97-AF65-F5344CB8AC3E}">
-        <p14:creationId xmlns:p14="http://schemas.microsoft.com/office/powerpoint/2010/main" val="4020566594"/>
+        <p14:creationId xmlns:p14="http://schemas.microsoft.com/office/powerpoint/2010/main" val="737328833"/>
       </p:ext>
     </p:extLst>
   </p:cSld>
@@ -912,8 +933,22 @@
           <a:lstStyle/>
           <a:p>
             <a:r>
+              <a:rPr lang="en-US" dirty="0" err="1"/>
+              <a:t>reLU</a:t>
+            </a:r>
+            <a:r>
               <a:rPr lang="en-US" dirty="0"/>
-              <a:t>Problem and its use</a:t>
+              <a:t> = rectifier Linear Unit</a:t>
+            </a:r>
+          </a:p>
+          <a:p>
+            <a:r>
+              <a:rPr lang="en-US" dirty="0" err="1"/>
+              <a:t>Adadelta</a:t>
+            </a:r>
+            <a:r>
+              <a:rPr lang="en-US" dirty="0"/>
+              <a:t> controls learning rate</a:t>
             </a:r>
           </a:p>
         </p:txBody>
@@ -936,7 +971,7 @@
             <a:fld id="{979A0A40-088F-44CE-8547-8CF4D8B5748D}" type="slidenum">
               <a:rPr lang="en-US" smtClean="0"/>
               <a:pPr/>
-              <a:t>18</a:t>
+              <a:t>15</a:t>
             </a:fld>
             <a:endParaRPr lang="en-US"/>
           </a:p>
@@ -945,7 +980,7 @@
     </p:spTree>
     <p:extLst>
       <p:ext uri="{BB962C8B-B14F-4D97-AF65-F5344CB8AC3E}">
-        <p14:creationId xmlns:p14="http://schemas.microsoft.com/office/powerpoint/2010/main" val="737328833"/>
+        <p14:creationId xmlns:p14="http://schemas.microsoft.com/office/powerpoint/2010/main" val="4020566594"/>
       </p:ext>
     </p:extLst>
   </p:cSld>
@@ -1024,7 +1059,7 @@
             <a:fld id="{979A0A40-088F-44CE-8547-8CF4D8B5748D}" type="slidenum">
               <a:rPr lang="en-US" smtClean="0"/>
               <a:pPr/>
-              <a:t>19</a:t>
+              <a:t>17</a:t>
             </a:fld>
             <a:endParaRPr lang="en-US"/>
           </a:p>
@@ -1087,7 +1122,10 @@
           <a:bodyPr/>
           <a:lstStyle/>
           <a:p>
-            <a:endParaRPr lang="en-US" dirty="0"/>
+            <a:r>
+              <a:rPr lang="en-US" dirty="0"/>
+              <a:t>Problem and its use</a:t>
+            </a:r>
           </a:p>
         </p:txBody>
       </p:sp>
@@ -1108,7 +1146,8 @@
           <a:p>
             <a:fld id="{979A0A40-088F-44CE-8547-8CF4D8B5748D}" type="slidenum">
               <a:rPr lang="en-US" smtClean="0"/>
-              <a:t>26</a:t>
+              <a:pPr/>
+              <a:t>18</a:t>
             </a:fld>
             <a:endParaRPr lang="en-US"/>
           </a:p>
@@ -1191,19 +1230,10 @@
           <a:lstStyle/>
           <a:p>
             <a:fld id="{979A0A40-088F-44CE-8547-8CF4D8B5748D}" type="slidenum">
-              <a:rPr lang="en-US" smtClean="0">
-                <a:solidFill>
-                  <a:prstClr val="black"/>
-                </a:solidFill>
-              </a:rPr>
-              <a:pPr/>
-              <a:t>27</a:t>
+              <a:rPr lang="en-US" smtClean="0"/>
+              <a:t>25</a:t>
             </a:fld>
-            <a:endParaRPr lang="en-US">
-              <a:solidFill>
-                <a:prstClr val="black"/>
-              </a:solidFill>
-            </a:endParaRPr>
+            <a:endParaRPr lang="en-US"/>
           </a:p>
         </p:txBody>
       </p:sp>
@@ -1264,17 +1294,6 @@
           <a:bodyPr/>
           <a:lstStyle/>
           <a:p>
-            <a:r>
-              <a:rPr lang="en-US" sz="1200" b="0" i="0" u="none" strike="noStrike" kern="1200" baseline="0" dirty="0" smtClean="0">
-                <a:solidFill>
-                  <a:schemeClr val="tx1"/>
-                </a:solidFill>
-                <a:latin typeface="+mn-lt"/>
-                <a:ea typeface="+mn-ea"/>
-                <a:cs typeface="+mn-cs"/>
-              </a:rPr>
-              <a:t>SDC: pseudo-prosodic feature, shifted delta op on acoustic feature</a:t>
-            </a:r>
             <a:endParaRPr lang="en-US" dirty="0"/>
           </a:p>
         </p:txBody>
@@ -1301,7 +1320,7 @@
                 </a:solidFill>
               </a:rPr>
               <a:pPr/>
-              <a:t>28</a:t>
+              <a:t>26</a:t>
             </a:fld>
             <a:endParaRPr lang="en-US">
               <a:solidFill>
@@ -1368,6 +1387,17 @@
           <a:bodyPr/>
           <a:lstStyle/>
           <a:p>
+            <a:r>
+              <a:rPr lang="en-US" sz="1200" b="0" i="0" u="none" strike="noStrike" kern="1200" baseline="0" dirty="0" smtClean="0">
+                <a:solidFill>
+                  <a:schemeClr val="tx1"/>
+                </a:solidFill>
+                <a:latin typeface="+mn-lt"/>
+                <a:ea typeface="+mn-ea"/>
+                <a:cs typeface="+mn-cs"/>
+              </a:rPr>
+              <a:t>SDC: pseudo-prosodic feature, shifted delta op on acoustic feature</a:t>
+            </a:r>
             <a:endParaRPr lang="en-US" dirty="0"/>
           </a:p>
         </p:txBody>
@@ -1394,7 +1424,100 @@
                 </a:solidFill>
               </a:rPr>
               <a:pPr/>
-              <a:t>29</a:t>
+              <a:t>27</a:t>
+            </a:fld>
+            <a:endParaRPr lang="en-US">
+              <a:solidFill>
+                <a:prstClr val="black"/>
+              </a:solidFill>
+            </a:endParaRPr>
+          </a:p>
+        </p:txBody>
+      </p:sp>
+    </p:spTree>
+    <p:extLst>
+      <p:ext uri="{BB962C8B-B14F-4D97-AF65-F5344CB8AC3E}">
+        <p14:creationId xmlns:p14="http://schemas.microsoft.com/office/powerpoint/2010/main" val="737328833"/>
+      </p:ext>
+    </p:extLst>
+  </p:cSld>
+  <p:clrMapOvr>
+    <a:masterClrMapping/>
+  </p:clrMapOvr>
+</p:notes>
+</file>
+
+<file path=ppt/notesSlides/notesSlide19.xml><?xml version="1.0" encoding="utf-8"?>
+<p:notes xmlns:a="http://schemas.openxmlformats.org/drawingml/2006/main" xmlns:r="http://schemas.openxmlformats.org/officeDocument/2006/relationships" xmlns:p="http://schemas.openxmlformats.org/presentationml/2006/main">
+  <p:cSld>
+    <p:spTree>
+      <p:nvGrpSpPr>
+        <p:cNvPr id="1" name=""/>
+        <p:cNvGrpSpPr/>
+        <p:nvPr/>
+      </p:nvGrpSpPr>
+      <p:grpSpPr>
+        <a:xfrm>
+          <a:off x="0" y="0"/>
+          <a:ext cx="0" cy="0"/>
+          <a:chOff x="0" y="0"/>
+          <a:chExt cx="0" cy="0"/>
+        </a:xfrm>
+      </p:grpSpPr>
+      <p:sp>
+        <p:nvSpPr>
+          <p:cNvPr id="2" name="Slide Image Placeholder 1"/>
+          <p:cNvSpPr>
+            <a:spLocks noGrp="1" noRot="1" noChangeAspect="1"/>
+          </p:cNvSpPr>
+          <p:nvPr>
+            <p:ph type="sldImg"/>
+          </p:nvPr>
+        </p:nvSpPr>
+        <p:spPr/>
+      </p:sp>
+      <p:sp>
+        <p:nvSpPr>
+          <p:cNvPr id="3" name="Notes Placeholder 2"/>
+          <p:cNvSpPr>
+            <a:spLocks noGrp="1"/>
+          </p:cNvSpPr>
+          <p:nvPr>
+            <p:ph type="body" idx="1"/>
+          </p:nvPr>
+        </p:nvSpPr>
+        <p:spPr/>
+        <p:txBody>
+          <a:bodyPr/>
+          <a:lstStyle/>
+          <a:p>
+            <a:endParaRPr lang="en-US" dirty="0"/>
+          </a:p>
+        </p:txBody>
+      </p:sp>
+      <p:sp>
+        <p:nvSpPr>
+          <p:cNvPr id="4" name="Slide Number Placeholder 3"/>
+          <p:cNvSpPr>
+            <a:spLocks noGrp="1"/>
+          </p:cNvSpPr>
+          <p:nvPr>
+            <p:ph type="sldNum" sz="quarter" idx="10"/>
+          </p:nvPr>
+        </p:nvSpPr>
+        <p:spPr/>
+        <p:txBody>
+          <a:bodyPr/>
+          <a:lstStyle/>
+          <a:p>
+            <a:fld id="{979A0A40-088F-44CE-8547-8CF4D8B5748D}" type="slidenum">
+              <a:rPr lang="en-US" smtClean="0">
+                <a:solidFill>
+                  <a:prstClr val="black"/>
+                </a:solidFill>
+              </a:rPr>
+              <a:pPr/>
+              <a:t>28</a:t>
             </a:fld>
             <a:endParaRPr lang="en-US">
               <a:solidFill>
@@ -2023,6 +2146,19 @@
           <a:bodyPr/>
           <a:lstStyle/>
           <a:p>
+            <a:r>
+              <a:rPr lang="en-US" sz="1200" dirty="0" smtClean="0"/>
+              <a:t> and then modeled each clip as a multivariate Gaussian distribution by computing the mean and variance of each feature across each clip</a:t>
+            </a:r>
+          </a:p>
+          <a:p>
+            <a:r>
+              <a:rPr lang="en-US" sz="1200" dirty="0" smtClean="0"/>
+              <a:t>Averaging out any noise in the signal, as well as reducing the number of training examples, considerably decreasing computation time.</a:t>
+            </a:r>
+            <a:endParaRPr lang="en-US" dirty="0" smtClean="0"/>
+          </a:p>
+          <a:p>
             <a:endParaRPr lang="en-US" dirty="0"/>
           </a:p>
         </p:txBody>
@@ -2045,7 +2181,7 @@
             <a:fld id="{979A0A40-088F-44CE-8547-8CF4D8B5748D}" type="slidenum">
               <a:rPr lang="en-US" smtClean="0"/>
               <a:pPr/>
-              <a:t>9</a:t>
+              <a:t>7</a:t>
             </a:fld>
             <a:endParaRPr lang="en-US"/>
           </a:p>
@@ -2054,7 +2190,7 @@
     </p:spTree>
     <p:extLst>
       <p:ext uri="{BB962C8B-B14F-4D97-AF65-F5344CB8AC3E}">
-        <p14:creationId xmlns:p14="http://schemas.microsoft.com/office/powerpoint/2010/main" val="737328833"/>
+        <p14:creationId xmlns:p14="http://schemas.microsoft.com/office/powerpoint/2010/main" val="2115210923"/>
       </p:ext>
     </p:extLst>
   </p:cSld>
@@ -2130,7 +2266,7 @@
             <a:fld id="{979A0A40-088F-44CE-8547-8CF4D8B5748D}" type="slidenum">
               <a:rPr lang="en-US" smtClean="0"/>
               <a:pPr/>
-              <a:t>11</a:t>
+              <a:t>8</a:t>
             </a:fld>
             <a:endParaRPr lang="en-US"/>
           </a:p>
@@ -2193,45 +2329,6 @@
           <a:bodyPr/>
           <a:lstStyle/>
           <a:p>
-            <a:r>
-              <a:rPr lang="en-IN" dirty="0"/>
-              <a:t>Why are delta and delta-delta </a:t>
-            </a:r>
-            <a:r>
-              <a:rPr lang="en-IN" dirty="0" err="1"/>
-              <a:t>mfcc</a:t>
-            </a:r>
-            <a:r>
-              <a:rPr lang="en-IN" dirty="0"/>
-              <a:t> used ?</a:t>
-            </a:r>
-          </a:p>
-          <a:p>
-            <a:endParaRPr lang="en-IN" dirty="0"/>
-          </a:p>
-          <a:p>
-            <a:r>
-              <a:rPr lang="en-IN" dirty="0"/>
-              <a:t>Static </a:t>
-            </a:r>
-            <a:r>
-              <a:rPr lang="en-IN" dirty="0" err="1"/>
-              <a:t>mfcc</a:t>
-            </a:r>
-            <a:r>
-              <a:rPr lang="en-IN" dirty="0"/>
-              <a:t> features are representative of physical characteristics of vocal chord which is not enough to discriminate languages, hence we require temporal variation of </a:t>
-            </a:r>
-            <a:r>
-              <a:rPr lang="en-IN" dirty="0" err="1"/>
-              <a:t>mfcc</a:t>
-            </a:r>
-            <a:r>
-              <a:rPr lang="en-IN" dirty="0"/>
-              <a:t>.</a:t>
-            </a:r>
-          </a:p>
-          <a:p>
             <a:endParaRPr lang="en-US" dirty="0"/>
           </a:p>
         </p:txBody>
@@ -2254,7 +2351,7 @@
             <a:fld id="{979A0A40-088F-44CE-8547-8CF4D8B5748D}" type="slidenum">
               <a:rPr lang="en-US" smtClean="0"/>
               <a:pPr/>
-              <a:t>12</a:t>
+              <a:t>10</a:t>
             </a:fld>
             <a:endParaRPr lang="en-US"/>
           </a:p>
@@ -2263,7 +2360,7 @@
     </p:spTree>
     <p:extLst>
       <p:ext uri="{BB962C8B-B14F-4D97-AF65-F5344CB8AC3E}">
-        <p14:creationId xmlns:p14="http://schemas.microsoft.com/office/powerpoint/2010/main" val="3926316611"/>
+        <p14:creationId xmlns:p14="http://schemas.microsoft.com/office/powerpoint/2010/main" val="737328833"/>
       </p:ext>
     </p:extLst>
   </p:cSld>
@@ -16866,111 +16963,6 @@
             <p:ph type="title"/>
           </p:nvPr>
         </p:nvSpPr>
-        <p:spPr/>
-        <p:txBody>
-          <a:bodyPr/>
-          <a:lstStyle/>
-          <a:p>
-            <a:r>
-              <a:rPr lang="en-IN" dirty="0"/>
-              <a:t>Experimental Setup</a:t>
-            </a:r>
-          </a:p>
-        </p:txBody>
-      </p:sp>
-      <p:pic>
-        <p:nvPicPr>
-          <p:cNvPr id="4" name="Picture 3"/>
-          <p:cNvPicPr/>
-          <p:nvPr/>
-        </p:nvPicPr>
-        <p:blipFill>
-          <a:blip r:embed="rId2" cstate="print">
-            <a:extLst>
-              <a:ext uri="{28A0092B-C50C-407E-A947-70E740481C1C}">
-                <a14:useLocalDpi xmlns:a14="http://schemas.microsoft.com/office/drawing/2010/main" val="0"/>
-              </a:ext>
-            </a:extLst>
-          </a:blip>
-          <a:srcRect/>
-          <a:stretch>
-            <a:fillRect/>
-          </a:stretch>
-        </p:blipFill>
-        <p:spPr bwMode="auto">
-          <a:xfrm>
-            <a:off x="175846" y="2537142"/>
-            <a:ext cx="8839200" cy="1882458"/>
-          </a:xfrm>
-          <a:prstGeom prst="rect">
-            <a:avLst/>
-          </a:prstGeom>
-          <a:noFill/>
-        </p:spPr>
-      </p:pic>
-      <p:sp>
-        <p:nvSpPr>
-          <p:cNvPr id="5" name="Rectangle 4"/>
-          <p:cNvSpPr/>
-          <p:nvPr/>
-        </p:nvSpPr>
-        <p:spPr>
-          <a:xfrm>
-            <a:off x="3028125" y="4267200"/>
-            <a:ext cx="3134641" cy="492443"/>
-          </a:xfrm>
-          <a:prstGeom prst="rect">
-            <a:avLst/>
-          </a:prstGeom>
-        </p:spPr>
-        <p:txBody>
-          <a:bodyPr wrap="none">
-            <a:spAutoFit/>
-          </a:bodyPr>
-          <a:lstStyle/>
-          <a:p>
-            <a:r>
-              <a:rPr lang="en-US" sz="2600" dirty="0"/>
-              <a:t>Workflow of project</a:t>
-            </a:r>
-          </a:p>
-        </p:txBody>
-      </p:sp>
-    </p:spTree>
-  </p:cSld>
-  <p:clrMapOvr>
-    <a:masterClrMapping/>
-  </p:clrMapOvr>
-</p:sld>
-</file>
-
-<file path=ppt/slides/slide11.xml><?xml version="1.0" encoding="utf-8"?>
-<p:sld xmlns:a="http://schemas.openxmlformats.org/drawingml/2006/main" xmlns:r="http://schemas.openxmlformats.org/officeDocument/2006/relationships" xmlns:p="http://schemas.openxmlformats.org/presentationml/2006/main" showMasterSp="0">
-  <p:cSld>
-    <p:spTree>
-      <p:nvGrpSpPr>
-        <p:cNvPr id="1" name=""/>
-        <p:cNvGrpSpPr/>
-        <p:nvPr/>
-      </p:nvGrpSpPr>
-      <p:grpSpPr>
-        <a:xfrm>
-          <a:off x="0" y="0"/>
-          <a:ext cx="0" cy="0"/>
-          <a:chOff x="0" y="0"/>
-          <a:chExt cx="0" cy="0"/>
-        </a:xfrm>
-      </p:grpSpPr>
-      <p:sp>
-        <p:nvSpPr>
-          <p:cNvPr id="2" name="Title 1"/>
-          <p:cNvSpPr>
-            <a:spLocks noGrp="1"/>
-          </p:cNvSpPr>
-          <p:nvPr>
-            <p:ph type="title"/>
-          </p:nvPr>
-        </p:nvSpPr>
         <p:spPr>
           <a:xfrm>
             <a:off x="457200" y="23446"/>
@@ -17055,7 +17047,7 @@
 </p:sld>
 </file>
 
-<file path=ppt/slides/slide12.xml><?xml version="1.0" encoding="utf-8"?>
+<file path=ppt/slides/slide11.xml><?xml version="1.0" encoding="utf-8"?>
 <p:sld xmlns:a="http://schemas.openxmlformats.org/drawingml/2006/main" xmlns:r="http://schemas.openxmlformats.org/officeDocument/2006/relationships" xmlns:p="http://schemas.openxmlformats.org/presentationml/2006/main" showMasterSp="0">
   <p:cSld>
     <p:spTree>
@@ -17250,7 +17242,7 @@
 </p:sld>
 </file>
 
-<file path=ppt/slides/slide13.xml><?xml version="1.0" encoding="utf-8"?>
+<file path=ppt/slides/slide12.xml><?xml version="1.0" encoding="utf-8"?>
 <p:sld xmlns:a="http://schemas.openxmlformats.org/drawingml/2006/main" xmlns:r="http://schemas.openxmlformats.org/officeDocument/2006/relationships" xmlns:p="http://schemas.openxmlformats.org/presentationml/2006/main" showMasterSp="0">
   <p:cSld>
     <p:spTree>
@@ -17435,7 +17427,7 @@
 </p:sld>
 </file>
 
-<file path=ppt/slides/slide14.xml><?xml version="1.0" encoding="utf-8"?>
+<file path=ppt/slides/slide13.xml><?xml version="1.0" encoding="utf-8"?>
 <p:sld xmlns:a="http://schemas.openxmlformats.org/drawingml/2006/main" xmlns:r="http://schemas.openxmlformats.org/officeDocument/2006/relationships" xmlns:p="http://schemas.openxmlformats.org/presentationml/2006/main" showMasterSp="0">
   <p:cSld>
     <p:spTree>
@@ -17808,7 +17800,7 @@
 </p:sld>
 </file>
 
-<file path=ppt/slides/slide15.xml><?xml version="1.0" encoding="utf-8"?>
+<file path=ppt/slides/slide14.xml><?xml version="1.0" encoding="utf-8"?>
 <p:sld xmlns:a="http://schemas.openxmlformats.org/drawingml/2006/main" xmlns:r="http://schemas.openxmlformats.org/officeDocument/2006/relationships" xmlns:p="http://schemas.openxmlformats.org/presentationml/2006/main" showMasterSp="0">
   <p:cSld>
     <p:spTree>
@@ -18030,7 +18022,7 @@
 </p:sld>
 </file>
 
-<file path=ppt/slides/slide16.xml><?xml version="1.0" encoding="utf-8"?>
+<file path=ppt/slides/slide15.xml><?xml version="1.0" encoding="utf-8"?>
 <p:sld xmlns:a="http://schemas.openxmlformats.org/drawingml/2006/main" xmlns:r="http://schemas.openxmlformats.org/officeDocument/2006/relationships" xmlns:p="http://schemas.openxmlformats.org/presentationml/2006/main" showMasterSp="0">
   <p:cSld>
     <p:spTree>
@@ -18790,7 +18782,7 @@
 </p:sld>
 </file>
 
-<file path=ppt/slides/slide17.xml><?xml version="1.0" encoding="utf-8"?>
+<file path=ppt/slides/slide16.xml><?xml version="1.0" encoding="utf-8"?>
 <p:sld xmlns:a="http://schemas.openxmlformats.org/drawingml/2006/main" xmlns:r="http://schemas.openxmlformats.org/officeDocument/2006/relationships" xmlns:p="http://schemas.openxmlformats.org/presentationml/2006/main" showMasterSp="0">
   <p:cSld>
     <p:spTree>
@@ -18929,7 +18921,7 @@
 </p:sld>
 </file>
 
-<file path=ppt/slides/slide18.xml><?xml version="1.0" encoding="utf-8"?>
+<file path=ppt/slides/slide17.xml><?xml version="1.0" encoding="utf-8"?>
 <p:sld xmlns:a="http://schemas.openxmlformats.org/drawingml/2006/main" xmlns:r="http://schemas.openxmlformats.org/officeDocument/2006/relationships" xmlns:p="http://schemas.openxmlformats.org/presentationml/2006/main" showMasterSp="0">
   <p:cSld>
     <p:spTree>
@@ -19083,7 +19075,7 @@
 </p:sld>
 </file>
 
-<file path=ppt/slides/slide19.xml><?xml version="1.0" encoding="utf-8"?>
+<file path=ppt/slides/slide18.xml><?xml version="1.0" encoding="utf-8"?>
 <p:sld xmlns:a="http://schemas.openxmlformats.org/drawingml/2006/main" xmlns:r="http://schemas.openxmlformats.org/officeDocument/2006/relationships" xmlns:p="http://schemas.openxmlformats.org/presentationml/2006/main" showMasterSp="0">
   <p:cSld>
     <p:spTree>
@@ -19284,7 +19276,7 @@
 </p:sld>
 </file>
 
-<file path=ppt/slides/slide2.xml><?xml version="1.0" encoding="utf-8"?>
+<file path=ppt/slides/slide19.xml><?xml version="1.0" encoding="utf-8"?>
 <p:sld xmlns:a="http://schemas.openxmlformats.org/drawingml/2006/main" xmlns:r="http://schemas.openxmlformats.org/officeDocument/2006/relationships" xmlns:p="http://schemas.openxmlformats.org/presentationml/2006/main" showMasterSp="0">
   <p:cSld>
     <p:spTree>
@@ -19313,105 +19305,6 @@
         </p:nvSpPr>
         <p:spPr>
           <a:xfrm>
-            <a:off x="457200" y="23446"/>
-            <a:ext cx="8229600" cy="1295400"/>
-          </a:xfrm>
-        </p:spPr>
-        <p:txBody>
-          <a:bodyPr/>
-          <a:lstStyle/>
-          <a:p>
-            <a:r>
-              <a:rPr lang="en-US" dirty="0"/>
-              <a:t>Introduction</a:t>
-            </a:r>
-          </a:p>
-        </p:txBody>
-      </p:sp>
-      <p:sp>
-        <p:nvSpPr>
-          <p:cNvPr id="3" name="Content Placeholder 2"/>
-          <p:cNvSpPr>
-            <a:spLocks noGrp="1"/>
-          </p:cNvSpPr>
-          <p:nvPr>
-            <p:ph idx="1"/>
-          </p:nvPr>
-        </p:nvSpPr>
-        <p:spPr/>
-        <p:txBody>
-          <a:bodyPr>
-            <a:normAutofit fontScale="92500"/>
-          </a:bodyPr>
-          <a:lstStyle/>
-          <a:p>
-            <a:r>
-              <a:rPr lang="en-US" dirty="0"/>
-              <a:t>The problem of automatic language identification (LID) can be defined as the process of automatically identifying the language of a given spoken utterance.</a:t>
-            </a:r>
-          </a:p>
-          <a:p>
-            <a:endParaRPr lang="en-US" dirty="0"/>
-          </a:p>
-          <a:p>
-            <a:r>
-              <a:rPr lang="en-US" dirty="0"/>
-              <a:t>LID can be used by speech recognition systems, multilingual translation systems or call-centers(e.g., emergency calls) routing.</a:t>
-            </a:r>
-          </a:p>
-          <a:p>
-            <a:endParaRPr lang="en-US" dirty="0"/>
-          </a:p>
-          <a:p>
-            <a:r>
-              <a:rPr lang="en-US" dirty="0"/>
-              <a:t>Also LID can be used by intelligence and security, where the language identities of recorded messages need to be established before any information can be extracted.</a:t>
-            </a:r>
-          </a:p>
-        </p:txBody>
-      </p:sp>
-    </p:spTree>
-    <p:extLst>
-      <p:ext uri="{BB962C8B-B14F-4D97-AF65-F5344CB8AC3E}">
-        <p14:creationId xmlns:p14="http://schemas.microsoft.com/office/powerpoint/2010/main" val="2125055378"/>
-      </p:ext>
-    </p:extLst>
-  </p:cSld>
-  <p:clrMapOvr>
-    <a:masterClrMapping/>
-  </p:clrMapOvr>
-</p:sld>
-</file>
-
-<file path=ppt/slides/slide20.xml><?xml version="1.0" encoding="utf-8"?>
-<p:sld xmlns:a="http://schemas.openxmlformats.org/drawingml/2006/main" xmlns:r="http://schemas.openxmlformats.org/officeDocument/2006/relationships" xmlns:p="http://schemas.openxmlformats.org/presentationml/2006/main" showMasterSp="0">
-  <p:cSld>
-    <p:spTree>
-      <p:nvGrpSpPr>
-        <p:cNvPr id="1" name=""/>
-        <p:cNvGrpSpPr/>
-        <p:nvPr/>
-      </p:nvGrpSpPr>
-      <p:grpSpPr>
-        <a:xfrm>
-          <a:off x="0" y="0"/>
-          <a:ext cx="0" cy="0"/>
-          <a:chOff x="0" y="0"/>
-          <a:chExt cx="0" cy="0"/>
-        </a:xfrm>
-      </p:grpSpPr>
-      <p:sp>
-        <p:nvSpPr>
-          <p:cNvPr id="2" name="Title 1"/>
-          <p:cNvSpPr>
-            <a:spLocks noGrp="1"/>
-          </p:cNvSpPr>
-          <p:nvPr>
-            <p:ph type="title"/>
-          </p:nvPr>
-        </p:nvSpPr>
-        <p:spPr>
-          <a:xfrm>
             <a:off x="467544" y="0"/>
             <a:ext cx="8229600" cy="1206655"/>
           </a:xfrm>
@@ -19485,28 +19378,28 @@
                 <a:gridCol w="1471838">
                   <a:extLst>
                     <a:ext uri="{9D8B030D-6E8A-4147-A177-3AD203B41FA5}">
-                      <a16:colId xmlns:a16="http://schemas.microsoft.com/office/drawing/2014/main" xmlns="" val="20000"/>
+                      <a16:colId xmlns="" xmlns:a16="http://schemas.microsoft.com/office/drawing/2014/main" val="20000"/>
                     </a:ext>
                   </a:extLst>
                 </a:gridCol>
                 <a:gridCol w="1471838">
                   <a:extLst>
                     <a:ext uri="{9D8B030D-6E8A-4147-A177-3AD203B41FA5}">
-                      <a16:colId xmlns:a16="http://schemas.microsoft.com/office/drawing/2014/main" xmlns="" val="20001"/>
+                      <a16:colId xmlns="" xmlns:a16="http://schemas.microsoft.com/office/drawing/2014/main" val="20001"/>
                     </a:ext>
                   </a:extLst>
                 </a:gridCol>
                 <a:gridCol w="1472468">
                   <a:extLst>
                     <a:ext uri="{9D8B030D-6E8A-4147-A177-3AD203B41FA5}">
-                      <a16:colId xmlns:a16="http://schemas.microsoft.com/office/drawing/2014/main" xmlns="" val="20002"/>
+                      <a16:colId xmlns="" xmlns:a16="http://schemas.microsoft.com/office/drawing/2014/main" val="20002"/>
                     </a:ext>
                   </a:extLst>
                 </a:gridCol>
                 <a:gridCol w="1472468">
                   <a:extLst>
                     <a:ext uri="{9D8B030D-6E8A-4147-A177-3AD203B41FA5}">
-                      <a16:colId xmlns:a16="http://schemas.microsoft.com/office/drawing/2014/main" xmlns="" val="20003"/>
+                      <a16:colId xmlns="" xmlns:a16="http://schemas.microsoft.com/office/drawing/2014/main" val="20003"/>
                     </a:ext>
                   </a:extLst>
                 </a:gridCol>
@@ -19774,7 +19667,7 @@
                 </a:tc>
                 <a:extLst>
                   <a:ext uri="{0D108BD9-81ED-4DB2-BD59-A6C34878D82A}">
-                    <a16:rowId xmlns:a16="http://schemas.microsoft.com/office/drawing/2014/main" xmlns="" val="10000"/>
+                    <a16:rowId xmlns="" xmlns:a16="http://schemas.microsoft.com/office/drawing/2014/main" val="10000"/>
                   </a:ext>
                 </a:extLst>
               </a:tr>
@@ -20049,7 +19942,7 @@
                 </a:tc>
                 <a:extLst>
                   <a:ext uri="{0D108BD9-81ED-4DB2-BD59-A6C34878D82A}">
-                    <a16:rowId xmlns:a16="http://schemas.microsoft.com/office/drawing/2014/main" xmlns="" val="10001"/>
+                    <a16:rowId xmlns="" xmlns:a16="http://schemas.microsoft.com/office/drawing/2014/main" val="10001"/>
                   </a:ext>
                 </a:extLst>
               </a:tr>
@@ -20324,7 +20217,7 @@
                 </a:tc>
                 <a:extLst>
                   <a:ext uri="{0D108BD9-81ED-4DB2-BD59-A6C34878D82A}">
-                    <a16:rowId xmlns:a16="http://schemas.microsoft.com/office/drawing/2014/main" xmlns="" val="10002"/>
+                    <a16:rowId xmlns="" xmlns:a16="http://schemas.microsoft.com/office/drawing/2014/main" val="10002"/>
                   </a:ext>
                 </a:extLst>
               </a:tr>
@@ -20599,7 +20492,7 @@
                 </a:tc>
                 <a:extLst>
                   <a:ext uri="{0D108BD9-81ED-4DB2-BD59-A6C34878D82A}">
-                    <a16:rowId xmlns:a16="http://schemas.microsoft.com/office/drawing/2014/main" xmlns="" val="10003"/>
+                    <a16:rowId xmlns="" xmlns:a16="http://schemas.microsoft.com/office/drawing/2014/main" val="10003"/>
                   </a:ext>
                 </a:extLst>
               </a:tr>
@@ -20644,7 +20537,106 @@
 </p:sld>
 </file>
 
-<file path=ppt/slides/slide21.xml><?xml version="1.0" encoding="utf-8"?>
+<file path=ppt/slides/slide2.xml><?xml version="1.0" encoding="utf-8"?>
+<p:sld xmlns:a="http://schemas.openxmlformats.org/drawingml/2006/main" xmlns:r="http://schemas.openxmlformats.org/officeDocument/2006/relationships" xmlns:p="http://schemas.openxmlformats.org/presentationml/2006/main" showMasterSp="0">
+  <p:cSld>
+    <p:spTree>
+      <p:nvGrpSpPr>
+        <p:cNvPr id="1" name=""/>
+        <p:cNvGrpSpPr/>
+        <p:nvPr/>
+      </p:nvGrpSpPr>
+      <p:grpSpPr>
+        <a:xfrm>
+          <a:off x="0" y="0"/>
+          <a:ext cx="0" cy="0"/>
+          <a:chOff x="0" y="0"/>
+          <a:chExt cx="0" cy="0"/>
+        </a:xfrm>
+      </p:grpSpPr>
+      <p:sp>
+        <p:nvSpPr>
+          <p:cNvPr id="2" name="Title 1"/>
+          <p:cNvSpPr>
+            <a:spLocks noGrp="1"/>
+          </p:cNvSpPr>
+          <p:nvPr>
+            <p:ph type="title"/>
+          </p:nvPr>
+        </p:nvSpPr>
+        <p:spPr>
+          <a:xfrm>
+            <a:off x="457200" y="23446"/>
+            <a:ext cx="8229600" cy="1295400"/>
+          </a:xfrm>
+        </p:spPr>
+        <p:txBody>
+          <a:bodyPr/>
+          <a:lstStyle/>
+          <a:p>
+            <a:r>
+              <a:rPr lang="en-US" dirty="0"/>
+              <a:t>Introduction</a:t>
+            </a:r>
+          </a:p>
+        </p:txBody>
+      </p:sp>
+      <p:sp>
+        <p:nvSpPr>
+          <p:cNvPr id="3" name="Content Placeholder 2"/>
+          <p:cNvSpPr>
+            <a:spLocks noGrp="1"/>
+          </p:cNvSpPr>
+          <p:nvPr>
+            <p:ph idx="1"/>
+          </p:nvPr>
+        </p:nvSpPr>
+        <p:spPr/>
+        <p:txBody>
+          <a:bodyPr>
+            <a:normAutofit fontScale="92500"/>
+          </a:bodyPr>
+          <a:lstStyle/>
+          <a:p>
+            <a:r>
+              <a:rPr lang="en-US" dirty="0"/>
+              <a:t>The problem of automatic language identification (LID) can be defined as the process of automatically identifying the language of a given spoken utterance.</a:t>
+            </a:r>
+          </a:p>
+          <a:p>
+            <a:endParaRPr lang="en-US" dirty="0"/>
+          </a:p>
+          <a:p>
+            <a:r>
+              <a:rPr lang="en-US" dirty="0"/>
+              <a:t>LID can be used by speech recognition systems, multilingual translation systems or call-centers(e.g., emergency calls) routing.</a:t>
+            </a:r>
+          </a:p>
+          <a:p>
+            <a:endParaRPr lang="en-US" dirty="0"/>
+          </a:p>
+          <a:p>
+            <a:r>
+              <a:rPr lang="en-US" dirty="0"/>
+              <a:t>Also LID can be used by intelligence and security, where the language identities of recorded messages need to be established before any information can be extracted.</a:t>
+            </a:r>
+          </a:p>
+        </p:txBody>
+      </p:sp>
+    </p:spTree>
+    <p:extLst>
+      <p:ext uri="{BB962C8B-B14F-4D97-AF65-F5344CB8AC3E}">
+        <p14:creationId xmlns:p14="http://schemas.microsoft.com/office/powerpoint/2010/main" val="2125055378"/>
+      </p:ext>
+    </p:extLst>
+  </p:cSld>
+  <p:clrMapOvr>
+    <a:masterClrMapping/>
+  </p:clrMapOvr>
+</p:sld>
+</file>
+
+<file path=ppt/slides/slide20.xml><?xml version="1.0" encoding="utf-8"?>
 <p:sld xmlns:a="http://schemas.openxmlformats.org/drawingml/2006/main" xmlns:r="http://schemas.openxmlformats.org/officeDocument/2006/relationships" xmlns:p="http://schemas.openxmlformats.org/presentationml/2006/main" showMasterSp="0">
   <p:cSld>
     <p:spTree>
@@ -20839,7 +20831,7 @@
 </p:sld>
 </file>
 
-<file path=ppt/slides/slide22.xml><?xml version="1.0" encoding="utf-8"?>
+<file path=ppt/slides/slide21.xml><?xml version="1.0" encoding="utf-8"?>
 <p:sld xmlns:a="http://schemas.openxmlformats.org/drawingml/2006/main" xmlns:r="http://schemas.openxmlformats.org/officeDocument/2006/relationships" xmlns:p="http://schemas.openxmlformats.org/presentationml/2006/main" showMasterSp="0">
   <p:cSld>
     <p:spTree>
@@ -20876,21 +20868,21 @@
                 <a:gridCol w="1978660">
                   <a:extLst>
                     <a:ext uri="{9D8B030D-6E8A-4147-A177-3AD203B41FA5}">
-                      <a16:colId xmlns:a16="http://schemas.microsoft.com/office/drawing/2014/main" xmlns="" val="20000"/>
+                      <a16:colId xmlns="" xmlns:a16="http://schemas.microsoft.com/office/drawing/2014/main" val="20000"/>
                     </a:ext>
                   </a:extLst>
                 </a:gridCol>
                 <a:gridCol w="1979295">
                   <a:extLst>
                     <a:ext uri="{9D8B030D-6E8A-4147-A177-3AD203B41FA5}">
-                      <a16:colId xmlns:a16="http://schemas.microsoft.com/office/drawing/2014/main" xmlns="" val="20001"/>
+                      <a16:colId xmlns="" xmlns:a16="http://schemas.microsoft.com/office/drawing/2014/main" val="20001"/>
                     </a:ext>
                   </a:extLst>
                 </a:gridCol>
                 <a:gridCol w="1979295">
                   <a:extLst>
                     <a:ext uri="{9D8B030D-6E8A-4147-A177-3AD203B41FA5}">
-                      <a16:colId xmlns:a16="http://schemas.microsoft.com/office/drawing/2014/main" xmlns="" val="20002"/>
+                      <a16:colId xmlns="" xmlns:a16="http://schemas.microsoft.com/office/drawing/2014/main" val="20002"/>
                     </a:ext>
                   </a:extLst>
                 </a:gridCol>
@@ -21091,7 +21083,7 @@
                 </a:tc>
                 <a:extLst>
                   <a:ext uri="{0D108BD9-81ED-4DB2-BD59-A6C34878D82A}">
-                    <a16:rowId xmlns:a16="http://schemas.microsoft.com/office/drawing/2014/main" xmlns="" val="10000"/>
+                    <a16:rowId xmlns="" xmlns:a16="http://schemas.microsoft.com/office/drawing/2014/main" val="10000"/>
                   </a:ext>
                 </a:extLst>
               </a:tr>
@@ -21299,7 +21291,7 @@
                 </a:tc>
                 <a:extLst>
                   <a:ext uri="{0D108BD9-81ED-4DB2-BD59-A6C34878D82A}">
-                    <a16:rowId xmlns:a16="http://schemas.microsoft.com/office/drawing/2014/main" xmlns="" val="10001"/>
+                    <a16:rowId xmlns="" xmlns:a16="http://schemas.microsoft.com/office/drawing/2014/main" val="10001"/>
                   </a:ext>
                 </a:extLst>
               </a:tr>
@@ -21507,7 +21499,7 @@
                 </a:tc>
                 <a:extLst>
                   <a:ext uri="{0D108BD9-81ED-4DB2-BD59-A6C34878D82A}">
-                    <a16:rowId xmlns:a16="http://schemas.microsoft.com/office/drawing/2014/main" xmlns="" val="10002"/>
+                    <a16:rowId xmlns="" xmlns:a16="http://schemas.microsoft.com/office/drawing/2014/main" val="10002"/>
                   </a:ext>
                 </a:extLst>
               </a:tr>
@@ -21535,21 +21527,21 @@
                 <a:gridCol w="1978660">
                   <a:extLst>
                     <a:ext uri="{9D8B030D-6E8A-4147-A177-3AD203B41FA5}">
-                      <a16:colId xmlns:a16="http://schemas.microsoft.com/office/drawing/2014/main" xmlns="" val="20000"/>
+                      <a16:colId xmlns="" xmlns:a16="http://schemas.microsoft.com/office/drawing/2014/main" val="20000"/>
                     </a:ext>
                   </a:extLst>
                 </a:gridCol>
                 <a:gridCol w="1979295">
                   <a:extLst>
                     <a:ext uri="{9D8B030D-6E8A-4147-A177-3AD203B41FA5}">
-                      <a16:colId xmlns:a16="http://schemas.microsoft.com/office/drawing/2014/main" xmlns="" val="20001"/>
+                      <a16:colId xmlns="" xmlns:a16="http://schemas.microsoft.com/office/drawing/2014/main" val="20001"/>
                     </a:ext>
                   </a:extLst>
                 </a:gridCol>
                 <a:gridCol w="1979295">
                   <a:extLst>
                     <a:ext uri="{9D8B030D-6E8A-4147-A177-3AD203B41FA5}">
-                      <a16:colId xmlns:a16="http://schemas.microsoft.com/office/drawing/2014/main" xmlns="" val="20002"/>
+                      <a16:colId xmlns="" xmlns:a16="http://schemas.microsoft.com/office/drawing/2014/main" val="20002"/>
                     </a:ext>
                   </a:extLst>
                 </a:gridCol>
@@ -21750,7 +21742,7 @@
                 </a:tc>
                 <a:extLst>
                   <a:ext uri="{0D108BD9-81ED-4DB2-BD59-A6C34878D82A}">
-                    <a16:rowId xmlns:a16="http://schemas.microsoft.com/office/drawing/2014/main" xmlns="" val="10000"/>
+                    <a16:rowId xmlns="" xmlns:a16="http://schemas.microsoft.com/office/drawing/2014/main" val="10000"/>
                   </a:ext>
                 </a:extLst>
               </a:tr>
@@ -21958,7 +21950,7 @@
                 </a:tc>
                 <a:extLst>
                   <a:ext uri="{0D108BD9-81ED-4DB2-BD59-A6C34878D82A}">
-                    <a16:rowId xmlns:a16="http://schemas.microsoft.com/office/drawing/2014/main" xmlns="" val="10001"/>
+                    <a16:rowId xmlns="" xmlns:a16="http://schemas.microsoft.com/office/drawing/2014/main" val="10001"/>
                   </a:ext>
                 </a:extLst>
               </a:tr>
@@ -22166,7 +22158,7 @@
                 </a:tc>
                 <a:extLst>
                   <a:ext uri="{0D108BD9-81ED-4DB2-BD59-A6C34878D82A}">
-                    <a16:rowId xmlns:a16="http://schemas.microsoft.com/office/drawing/2014/main" xmlns="" val="10002"/>
+                    <a16:rowId xmlns="" xmlns:a16="http://schemas.microsoft.com/office/drawing/2014/main" val="10002"/>
                   </a:ext>
                 </a:extLst>
               </a:tr>
@@ -22194,21 +22186,21 @@
                 <a:gridCol w="1978660">
                   <a:extLst>
                     <a:ext uri="{9D8B030D-6E8A-4147-A177-3AD203B41FA5}">
-                      <a16:colId xmlns:a16="http://schemas.microsoft.com/office/drawing/2014/main" xmlns="" val="20000"/>
+                      <a16:colId xmlns="" xmlns:a16="http://schemas.microsoft.com/office/drawing/2014/main" val="20000"/>
                     </a:ext>
                   </a:extLst>
                 </a:gridCol>
                 <a:gridCol w="1979295">
                   <a:extLst>
                     <a:ext uri="{9D8B030D-6E8A-4147-A177-3AD203B41FA5}">
-                      <a16:colId xmlns:a16="http://schemas.microsoft.com/office/drawing/2014/main" xmlns="" val="20001"/>
+                      <a16:colId xmlns="" xmlns:a16="http://schemas.microsoft.com/office/drawing/2014/main" val="20001"/>
                     </a:ext>
                   </a:extLst>
                 </a:gridCol>
                 <a:gridCol w="1979295">
                   <a:extLst>
                     <a:ext uri="{9D8B030D-6E8A-4147-A177-3AD203B41FA5}">
-                      <a16:colId xmlns:a16="http://schemas.microsoft.com/office/drawing/2014/main" xmlns="" val="20002"/>
+                      <a16:colId xmlns="" xmlns:a16="http://schemas.microsoft.com/office/drawing/2014/main" val="20002"/>
                     </a:ext>
                   </a:extLst>
                 </a:gridCol>
@@ -22409,7 +22401,7 @@
                 </a:tc>
                 <a:extLst>
                   <a:ext uri="{0D108BD9-81ED-4DB2-BD59-A6C34878D82A}">
-                    <a16:rowId xmlns:a16="http://schemas.microsoft.com/office/drawing/2014/main" xmlns="" val="10000"/>
+                    <a16:rowId xmlns="" xmlns:a16="http://schemas.microsoft.com/office/drawing/2014/main" val="10000"/>
                   </a:ext>
                 </a:extLst>
               </a:tr>
@@ -22620,7 +22612,7 @@
                 </a:tc>
                 <a:extLst>
                   <a:ext uri="{0D108BD9-81ED-4DB2-BD59-A6C34878D82A}">
-                    <a16:rowId xmlns:a16="http://schemas.microsoft.com/office/drawing/2014/main" xmlns="" val="10001"/>
+                    <a16:rowId xmlns="" xmlns:a16="http://schemas.microsoft.com/office/drawing/2014/main" val="10001"/>
                   </a:ext>
                 </a:extLst>
               </a:tr>
@@ -22828,7 +22820,7 @@
                 </a:tc>
                 <a:extLst>
                   <a:ext uri="{0D108BD9-81ED-4DB2-BD59-A6C34878D82A}">
-                    <a16:rowId xmlns:a16="http://schemas.microsoft.com/office/drawing/2014/main" xmlns="" val="10002"/>
+                    <a16:rowId xmlns="" xmlns:a16="http://schemas.microsoft.com/office/drawing/2014/main" val="10002"/>
                   </a:ext>
                 </a:extLst>
               </a:tr>
@@ -23018,7 +23010,7 @@
 </p:sld>
 </file>
 
-<file path=ppt/slides/slide23.xml><?xml version="1.0" encoding="utf-8"?>
+<file path=ppt/slides/slide22.xml><?xml version="1.0" encoding="utf-8"?>
 <p:sld xmlns:a="http://schemas.openxmlformats.org/drawingml/2006/main" xmlns:r="http://schemas.openxmlformats.org/officeDocument/2006/relationships" xmlns:p="http://schemas.openxmlformats.org/presentationml/2006/main" showMasterSp="0">
   <p:cSld>
     <p:spTree>
@@ -23091,21 +23083,21 @@
                 <a:gridCol w="2351758">
                   <a:extLst>
                     <a:ext uri="{9D8B030D-6E8A-4147-A177-3AD203B41FA5}">
-                      <a16:colId xmlns:a16="http://schemas.microsoft.com/office/drawing/2014/main" xmlns="" val="20000"/>
+                      <a16:colId xmlns="" xmlns:a16="http://schemas.microsoft.com/office/drawing/2014/main" val="20000"/>
                     </a:ext>
                   </a:extLst>
                 </a:gridCol>
                 <a:gridCol w="2352513">
                   <a:extLst>
                     <a:ext uri="{9D8B030D-6E8A-4147-A177-3AD203B41FA5}">
-                      <a16:colId xmlns:a16="http://schemas.microsoft.com/office/drawing/2014/main" xmlns="" val="20001"/>
+                      <a16:colId xmlns="" xmlns:a16="http://schemas.microsoft.com/office/drawing/2014/main" val="20001"/>
                     </a:ext>
                   </a:extLst>
                 </a:gridCol>
                 <a:gridCol w="2352513">
                   <a:extLst>
                     <a:ext uri="{9D8B030D-6E8A-4147-A177-3AD203B41FA5}">
-                      <a16:colId xmlns:a16="http://schemas.microsoft.com/office/drawing/2014/main" xmlns="" val="20002"/>
+                      <a16:colId xmlns="" xmlns:a16="http://schemas.microsoft.com/office/drawing/2014/main" val="20002"/>
                     </a:ext>
                   </a:extLst>
                 </a:gridCol>
@@ -23306,7 +23298,7 @@
                 </a:tc>
                 <a:extLst>
                   <a:ext uri="{0D108BD9-81ED-4DB2-BD59-A6C34878D82A}">
-                    <a16:rowId xmlns:a16="http://schemas.microsoft.com/office/drawing/2014/main" xmlns="" val="10000"/>
+                    <a16:rowId xmlns="" xmlns:a16="http://schemas.microsoft.com/office/drawing/2014/main" val="10000"/>
                   </a:ext>
                 </a:extLst>
               </a:tr>
@@ -23514,7 +23506,7 @@
                 </a:tc>
                 <a:extLst>
                   <a:ext uri="{0D108BD9-81ED-4DB2-BD59-A6C34878D82A}">
-                    <a16:rowId xmlns:a16="http://schemas.microsoft.com/office/drawing/2014/main" xmlns="" val="10001"/>
+                    <a16:rowId xmlns="" xmlns:a16="http://schemas.microsoft.com/office/drawing/2014/main" val="10001"/>
                   </a:ext>
                 </a:extLst>
               </a:tr>
@@ -23722,7 +23714,7 @@
                 </a:tc>
                 <a:extLst>
                   <a:ext uri="{0D108BD9-81ED-4DB2-BD59-A6C34878D82A}">
-                    <a16:rowId xmlns:a16="http://schemas.microsoft.com/office/drawing/2014/main" xmlns="" val="10002"/>
+                    <a16:rowId xmlns="" xmlns:a16="http://schemas.microsoft.com/office/drawing/2014/main" val="10002"/>
                   </a:ext>
                 </a:extLst>
               </a:tr>
@@ -23930,7 +23922,7 @@
                 </a:tc>
                 <a:extLst>
                   <a:ext uri="{0D108BD9-81ED-4DB2-BD59-A6C34878D82A}">
-                    <a16:rowId xmlns:a16="http://schemas.microsoft.com/office/drawing/2014/main" xmlns="" val="10003"/>
+                    <a16:rowId xmlns="" xmlns:a16="http://schemas.microsoft.com/office/drawing/2014/main" val="10003"/>
                   </a:ext>
                 </a:extLst>
               </a:tr>
@@ -23973,7 +23965,7 @@
 </p:sld>
 </file>
 
-<file path=ppt/slides/slide24.xml><?xml version="1.0" encoding="utf-8"?>
+<file path=ppt/slides/slide23.xml><?xml version="1.0" encoding="utf-8"?>
 <p:sld xmlns:a="http://schemas.openxmlformats.org/drawingml/2006/main" xmlns:r="http://schemas.openxmlformats.org/officeDocument/2006/relationships" xmlns:p="http://schemas.openxmlformats.org/presentationml/2006/main" showMasterSp="0">
   <p:cSld>
     <p:spTree>
@@ -24093,7 +24085,7 @@
 </p:sld>
 </file>
 
-<file path=ppt/slides/slide25.xml><?xml version="1.0" encoding="utf-8"?>
+<file path=ppt/slides/slide24.xml><?xml version="1.0" encoding="utf-8"?>
 <p:sld xmlns:a="http://schemas.openxmlformats.org/drawingml/2006/main" xmlns:r="http://schemas.openxmlformats.org/officeDocument/2006/relationships" xmlns:p="http://schemas.openxmlformats.org/presentationml/2006/main" showMasterSp="0">
   <p:cSld>
     <p:spTree>
@@ -24175,6 +24167,132 @@
 </p:sld>
 </file>
 
+<file path=ppt/slides/slide25.xml><?xml version="1.0" encoding="utf-8"?>
+<p:sld xmlns:a="http://schemas.openxmlformats.org/drawingml/2006/main" xmlns:r="http://schemas.openxmlformats.org/officeDocument/2006/relationships" xmlns:p="http://schemas.openxmlformats.org/presentationml/2006/main" showMasterSp="0">
+  <p:cSld>
+    <p:spTree>
+      <p:nvGrpSpPr>
+        <p:cNvPr id="1" name=""/>
+        <p:cNvGrpSpPr/>
+        <p:nvPr/>
+      </p:nvGrpSpPr>
+      <p:grpSpPr>
+        <a:xfrm>
+          <a:off x="0" y="0"/>
+          <a:ext cx="0" cy="0"/>
+          <a:chOff x="0" y="0"/>
+          <a:chExt cx="0" cy="0"/>
+        </a:xfrm>
+      </p:grpSpPr>
+      <p:sp>
+        <p:nvSpPr>
+          <p:cNvPr id="2" name="Title 1"/>
+          <p:cNvSpPr>
+            <a:spLocks noGrp="1"/>
+          </p:cNvSpPr>
+          <p:nvPr>
+            <p:ph type="title"/>
+          </p:nvPr>
+        </p:nvSpPr>
+        <p:spPr>
+          <a:xfrm>
+            <a:off x="457200" y="-152400"/>
+            <a:ext cx="8229600" cy="1295400"/>
+          </a:xfrm>
+        </p:spPr>
+        <p:txBody>
+          <a:bodyPr/>
+          <a:lstStyle/>
+          <a:p>
+            <a:r>
+              <a:rPr lang="en-US" dirty="0"/>
+              <a:t>Real Time Analysis</a:t>
+            </a:r>
+          </a:p>
+        </p:txBody>
+      </p:sp>
+      <p:sp>
+        <p:nvSpPr>
+          <p:cNvPr id="3" name="Content Placeholder 2"/>
+          <p:cNvSpPr>
+            <a:spLocks noGrp="1"/>
+          </p:cNvSpPr>
+          <p:nvPr>
+            <p:ph idx="1"/>
+          </p:nvPr>
+        </p:nvSpPr>
+        <p:spPr>
+          <a:xfrm>
+            <a:off x="457200" y="1371600"/>
+            <a:ext cx="8229600" cy="4953000"/>
+          </a:xfrm>
+        </p:spPr>
+        <p:txBody>
+          <a:bodyPr>
+            <a:normAutofit lnSpcReduction="10000"/>
+          </a:bodyPr>
+          <a:lstStyle/>
+          <a:p>
+            <a:r>
+              <a:rPr lang="en-US" dirty="0"/>
+              <a:t>Fast prediction time of hybrid model allowed us to do real time analysis of audio.</a:t>
+            </a:r>
+          </a:p>
+          <a:p>
+            <a:endParaRPr lang="en-US" sz="800" dirty="0"/>
+          </a:p>
+          <a:p>
+            <a:r>
+              <a:rPr lang="en-US" dirty="0" err="1"/>
+              <a:t>pyAudio</a:t>
+            </a:r>
+            <a:r>
+              <a:rPr lang="en-US" dirty="0"/>
+              <a:t> was used as audio I/O library.</a:t>
+            </a:r>
+          </a:p>
+          <a:p>
+            <a:endParaRPr lang="en-US" sz="800" dirty="0"/>
+          </a:p>
+          <a:p>
+            <a:r>
+              <a:rPr lang="en-US" dirty="0"/>
+              <a:t>Thread were used to gather raw audio from source and pass that to our prediction model in chunks of 1 second.</a:t>
+            </a:r>
+          </a:p>
+          <a:p>
+            <a:endParaRPr lang="en-US" sz="800" dirty="0"/>
+          </a:p>
+          <a:p>
+            <a:r>
+              <a:rPr lang="en-US" dirty="0"/>
+              <a:t>Processing time for 1s audio sample was observed to be around 0.2s.</a:t>
+            </a:r>
+          </a:p>
+          <a:p>
+            <a:endParaRPr lang="en-US" sz="800" dirty="0"/>
+          </a:p>
+          <a:p>
+            <a:r>
+              <a:rPr lang="en-US" dirty="0"/>
+              <a:t>When using default device’s microphone as source result was observed to be not so accurate due to noise being high in audio samples.</a:t>
+            </a:r>
+          </a:p>
+        </p:txBody>
+      </p:sp>
+    </p:spTree>
+    <p:extLst>
+      <p:ext uri="{BB962C8B-B14F-4D97-AF65-F5344CB8AC3E}">
+        <p14:creationId xmlns:p14="http://schemas.microsoft.com/office/powerpoint/2010/main" val="914683570"/>
+      </p:ext>
+    </p:extLst>
+  </p:cSld>
+  <p:clrMapOvr>
+    <a:masterClrMapping/>
+  </p:clrMapOvr>
+</p:sld>
+</file>
+
 <file path=ppt/slides/slide26.xml><?xml version="1.0" encoding="utf-8"?>
 <p:sld xmlns:a="http://schemas.openxmlformats.org/drawingml/2006/main" xmlns:r="http://schemas.openxmlformats.org/officeDocument/2006/relationships" xmlns:p="http://schemas.openxmlformats.org/presentationml/2006/main" showMasterSp="0">
   <p:cSld>
@@ -24204,7 +24322,7 @@
         </p:nvSpPr>
         <p:spPr>
           <a:xfrm>
-            <a:off x="457200" y="-152400"/>
+            <a:off x="457200" y="23446"/>
             <a:ext cx="8229600" cy="1295400"/>
           </a:xfrm>
         </p:spPr>
@@ -24214,7 +24332,7 @@
           <a:p>
             <a:r>
               <a:rPr lang="en-US" dirty="0"/>
-              <a:t>Real Time Analysis</a:t>
+              <a:t>Conclusion</a:t>
             </a:r>
           </a:p>
         </p:txBody>
@@ -24229,61 +24347,42 @@
             <p:ph idx="1"/>
           </p:nvPr>
         </p:nvSpPr>
-        <p:spPr>
-          <a:xfrm>
-            <a:off x="457200" y="1371600"/>
-            <a:ext cx="8229600" cy="4953000"/>
-          </a:xfrm>
-        </p:spPr>
+        <p:spPr/>
         <p:txBody>
           <a:bodyPr>
-            <a:normAutofit lnSpcReduction="10000"/>
+            <a:normAutofit/>
           </a:bodyPr>
           <a:lstStyle/>
           <a:p>
             <a:r>
               <a:rPr lang="en-US" dirty="0"/>
-              <a:t>Fast prediction time of hybrid model allowed us to do real time analysis of audio.</a:t>
-            </a:r>
-          </a:p>
-          <a:p>
-            <a:endParaRPr lang="en-US" sz="800" dirty="0"/>
-          </a:p>
-          <a:p>
-            <a:r>
-              <a:rPr lang="en-US" dirty="0" err="1"/>
-              <a:t>pyAudio</a:t>
-            </a:r>
+              <a:t>Acoustic modelling together with DNN is powerful enough to identify languages.</a:t>
+            </a:r>
+          </a:p>
+          <a:p>
+            <a:endParaRPr lang="en-US" dirty="0"/>
+          </a:p>
+          <a:p>
             <a:r>
               <a:rPr lang="en-US" dirty="0"/>
-              <a:t> was used as audio I/O library.</a:t>
-            </a:r>
-          </a:p>
-          <a:p>
-            <a:endParaRPr lang="en-US" sz="800" dirty="0"/>
+              <a:t>Languages are better resolved when considered pairwise as a feature which is useful in distinguishing some languages was irrelevant for some pair of languages.</a:t>
+            </a:r>
+          </a:p>
+          <a:p>
+            <a:endParaRPr lang="en-US" dirty="0"/>
           </a:p>
           <a:p>
             <a:r>
               <a:rPr lang="en-US" dirty="0"/>
-              <a:t>Thread were used to gather raw audio from source and pass that to our prediction model in chunks of 1 second.</a:t>
-            </a:r>
-          </a:p>
-          <a:p>
-            <a:endParaRPr lang="en-US" sz="800" dirty="0"/>
-          </a:p>
-          <a:p>
+              <a:t>Our hybrid two stage classification model is definitely an </a:t>
+            </a:r>
+            <a:r>
+              <a:rPr lang="en-US" dirty="0" smtClean="0"/>
+              <a:t>improvement </a:t>
+            </a:r>
             <a:r>
               <a:rPr lang="en-US" dirty="0"/>
-              <a:t>Processing time for 1s audio sample was observed to be around 0.2s.</a:t>
-            </a:r>
-          </a:p>
-          <a:p>
-            <a:endParaRPr lang="en-US" sz="800" dirty="0"/>
-          </a:p>
-          <a:p>
-            <a:r>
-              <a:rPr lang="en-US" dirty="0"/>
-              <a:t>When using default device’s microphone as source result was observed to be not so accurate due to noise being high in audio samples.</a:t>
+              <a:t>over normal single stage classifier.</a:t>
             </a:r>
           </a:p>
         </p:txBody>
@@ -24291,7 +24390,7 @@
     </p:spTree>
     <p:extLst>
       <p:ext uri="{BB962C8B-B14F-4D97-AF65-F5344CB8AC3E}">
-        <p14:creationId xmlns:p14="http://schemas.microsoft.com/office/powerpoint/2010/main" val="914683570"/>
+        <p14:creationId xmlns:p14="http://schemas.microsoft.com/office/powerpoint/2010/main" val="2968567373"/>
       </p:ext>
     </p:extLst>
   </p:cSld>
@@ -24339,113 +24438,6 @@
           <a:lstStyle/>
           <a:p>
             <a:r>
-              <a:rPr lang="en-US" dirty="0"/>
-              <a:t>Conclusion</a:t>
-            </a:r>
-          </a:p>
-        </p:txBody>
-      </p:sp>
-      <p:sp>
-        <p:nvSpPr>
-          <p:cNvPr id="3" name="Content Placeholder 2"/>
-          <p:cNvSpPr>
-            <a:spLocks noGrp="1"/>
-          </p:cNvSpPr>
-          <p:nvPr>
-            <p:ph idx="1"/>
-          </p:nvPr>
-        </p:nvSpPr>
-        <p:spPr/>
-        <p:txBody>
-          <a:bodyPr>
-            <a:normAutofit/>
-          </a:bodyPr>
-          <a:lstStyle/>
-          <a:p>
-            <a:r>
-              <a:rPr lang="en-US" dirty="0"/>
-              <a:t>Acoustic modelling together with DNN is powerful enough to identify languages.</a:t>
-            </a:r>
-          </a:p>
-          <a:p>
-            <a:endParaRPr lang="en-US" dirty="0"/>
-          </a:p>
-          <a:p>
-            <a:r>
-              <a:rPr lang="en-US" dirty="0"/>
-              <a:t>Languages are better resolved when considered pairwise as a feature which is useful in distinguishing some languages was irrelevant for some pair of languages.</a:t>
-            </a:r>
-          </a:p>
-          <a:p>
-            <a:endParaRPr lang="en-US" dirty="0"/>
-          </a:p>
-          <a:p>
-            <a:r>
-              <a:rPr lang="en-US" dirty="0"/>
-              <a:t>Our hybrid two stage classification model is definitely an </a:t>
-            </a:r>
-            <a:r>
-              <a:rPr lang="en-US" dirty="0" smtClean="0"/>
-              <a:t>improvement </a:t>
-            </a:r>
-            <a:r>
-              <a:rPr lang="en-US" dirty="0"/>
-              <a:t>over normal single stage classifier.</a:t>
-            </a:r>
-          </a:p>
-        </p:txBody>
-      </p:sp>
-    </p:spTree>
-    <p:extLst>
-      <p:ext uri="{BB962C8B-B14F-4D97-AF65-F5344CB8AC3E}">
-        <p14:creationId xmlns:p14="http://schemas.microsoft.com/office/powerpoint/2010/main" val="2968567373"/>
-      </p:ext>
-    </p:extLst>
-  </p:cSld>
-  <p:clrMapOvr>
-    <a:masterClrMapping/>
-  </p:clrMapOvr>
-</p:sld>
-</file>
-
-<file path=ppt/slides/slide28.xml><?xml version="1.0" encoding="utf-8"?>
-<p:sld xmlns:a="http://schemas.openxmlformats.org/drawingml/2006/main" xmlns:r="http://schemas.openxmlformats.org/officeDocument/2006/relationships" xmlns:p="http://schemas.openxmlformats.org/presentationml/2006/main" showMasterSp="0">
-  <p:cSld>
-    <p:spTree>
-      <p:nvGrpSpPr>
-        <p:cNvPr id="1" name=""/>
-        <p:cNvGrpSpPr/>
-        <p:nvPr/>
-      </p:nvGrpSpPr>
-      <p:grpSpPr>
-        <a:xfrm>
-          <a:off x="0" y="0"/>
-          <a:ext cx="0" cy="0"/>
-          <a:chOff x="0" y="0"/>
-          <a:chExt cx="0" cy="0"/>
-        </a:xfrm>
-      </p:grpSpPr>
-      <p:sp>
-        <p:nvSpPr>
-          <p:cNvPr id="2" name="Title 1"/>
-          <p:cNvSpPr>
-            <a:spLocks noGrp="1"/>
-          </p:cNvSpPr>
-          <p:nvPr>
-            <p:ph type="title"/>
-          </p:nvPr>
-        </p:nvSpPr>
-        <p:spPr>
-          <a:xfrm>
-            <a:off x="457200" y="23446"/>
-            <a:ext cx="8229600" cy="1295400"/>
-          </a:xfrm>
-        </p:spPr>
-        <p:txBody>
-          <a:bodyPr/>
-          <a:lstStyle/>
-          <a:p>
-            <a:r>
               <a:rPr lang="en-US" dirty="0" smtClean="0"/>
               <a:t>Future Work</a:t>
             </a:r>
@@ -24526,7 +24518,7 @@
 </p:sld>
 </file>
 
-<file path=ppt/slides/slide29.xml><?xml version="1.0" encoding="utf-8"?>
+<file path=ppt/slides/slide28.xml><?xml version="1.0" encoding="utf-8"?>
 <p:sld xmlns:a="http://schemas.openxmlformats.org/drawingml/2006/main" xmlns:r="http://schemas.openxmlformats.org/officeDocument/2006/relationships" xmlns:p="http://schemas.openxmlformats.org/presentationml/2006/main" showMasterSp="0">
   <p:cSld>
     <p:spTree>
@@ -25281,11 +25273,7 @@
             </a:pPr>
             <a:r>
               <a:rPr lang="en-US" sz="2200" dirty="0" smtClean="0"/>
-              <a:t>GMM </a:t>
-            </a:r>
-            <a:r>
-              <a:rPr lang="en-US" sz="2200" dirty="0" smtClean="0"/>
-              <a:t>based Language Identification using MFCC and SDC Features</a:t>
+              <a:t>GMM based Language Identification using MFCC and SDC Features</a:t>
             </a:r>
             <a:endParaRPr lang="en-IN" sz="2200" dirty="0" smtClean="0"/>
           </a:p>
@@ -25302,11 +25290,7 @@
             </a:pPr>
             <a:r>
               <a:rPr lang="en-US" sz="2200" b="1" dirty="0" smtClean="0"/>
-              <a:t>Pedro </a:t>
-            </a:r>
-            <a:r>
-              <a:rPr lang="en-US" sz="2200" b="1" dirty="0" smtClean="0"/>
-              <a:t>A. Torres-</a:t>
+              <a:t>Pedro A. Torres-</a:t>
             </a:r>
             <a:r>
               <a:rPr lang="en-US" sz="2200" b="1" dirty="0" err="1" smtClean="0"/>
@@ -25314,13 +25298,8 @@
             </a:r>
             <a:r>
               <a:rPr lang="en-US" sz="2200" b="1" baseline="30000" dirty="0" smtClean="0"/>
-              <a:t>[3</a:t>
-            </a:r>
-            <a:r>
-              <a:rPr lang="en-US" sz="2200" b="1" baseline="30000" dirty="0" smtClean="0"/>
-              <a:t>]</a:t>
-            </a:r>
-            <a:endParaRPr lang="en-US" sz="2200" b="1" baseline="30000" dirty="0" smtClean="0"/>
+              <a:t>[3]</a:t>
+            </a:r>
           </a:p>
           <a:p>
             <a:pPr>
@@ -25329,11 +25308,7 @@
             </a:pPr>
             <a:r>
               <a:rPr lang="en-US" sz="2200" dirty="0" smtClean="0"/>
-              <a:t>Language </a:t>
-            </a:r>
-            <a:r>
-              <a:rPr lang="en-US" sz="2200" dirty="0" smtClean="0"/>
-              <a:t>Identification using Gaussian Mixture Model Tokenization</a:t>
+              <a:t>Language Identification using Gaussian Mixture Model Tokenization</a:t>
             </a:r>
             <a:endParaRPr lang="en-IN" sz="2200" dirty="0"/>
           </a:p>
@@ -25526,59 +25501,104 @@
         </p:nvSpPr>
         <p:spPr>
           <a:xfrm>
-            <a:off x="323528" y="116632"/>
-            <a:ext cx="8496944" cy="5572164"/>
+            <a:off x="323528" y="2492896"/>
+            <a:ext cx="4333661" cy="3312368"/>
           </a:xfrm>
         </p:spPr>
         <p:txBody>
           <a:bodyPr>
-            <a:normAutofit/>
+            <a:noAutofit/>
           </a:bodyPr>
           <a:lstStyle/>
           <a:p>
             <a:pPr marL="457200" indent="-457200">
               <a:buFont typeface="+mj-lt"/>
-              <a:buAutoNum type="arabicPeriod" startAt="4"/>
+              <a:buAutoNum type="arabicPeriod" startAt="5"/>
             </a:pPr>
             <a:r>
-              <a:rPr lang="en-US" sz="2200" b="1" dirty="0" smtClean="0"/>
-              <a:t>Julien De Mori</a:t>
-            </a:r>
-            <a:r>
-              <a:rPr lang="en-US" sz="2200" b="1" baseline="30000" dirty="0" smtClean="0"/>
-              <a:t>[4</a:t>
-            </a:r>
-            <a:r>
-              <a:rPr lang="en-US" sz="2200" b="1" baseline="30000" dirty="0" smtClean="0"/>
-              <a:t>]</a:t>
-            </a:r>
-            <a:endParaRPr lang="en-US" sz="2200" baseline="30000" dirty="0" smtClean="0"/>
-          </a:p>
-          <a:p>
-            <a:r>
-              <a:rPr lang="en-US" sz="2200" dirty="0" smtClean="0"/>
-              <a:t>Presented and compared methods that were </a:t>
-            </a:r>
-            <a:r>
-              <a:rPr lang="en-US" sz="2200" dirty="0" smtClean="0"/>
-              <a:t>Support Vector Machine(SVM) based, Gaussian Mixture Model(GMM) based and Neural network.</a:t>
-            </a:r>
-          </a:p>
-          <a:p>
-            <a:r>
-              <a:rPr lang="en-US" sz="2200" dirty="0" smtClean="0"/>
-              <a:t>Computing features for each 25ms frame and then then modeled each clip as a multivariate Gaussian distribution by computing the mean and variance of each feature across each clip</a:t>
-            </a:r>
-          </a:p>
-          <a:p>
-            <a:r>
-              <a:rPr lang="en-US" sz="2200" dirty="0" smtClean="0"/>
-              <a:t>Averaging out any noise in the signal, as well as reducing the number of training examples, considerably decreasing computation time. </a:t>
-            </a:r>
-            <a:endParaRPr lang="en-IN" sz="2200" dirty="0"/>
-          </a:p>
-        </p:txBody>
-      </p:sp>
+              <a:rPr lang="en-US" sz="1900" b="1" dirty="0" smtClean="0"/>
+              <a:t>Ignacio Lopez-Moreno</a:t>
+            </a:r>
+            <a:r>
+              <a:rPr lang="en-US" sz="1900" b="1" baseline="30000" dirty="0" smtClean="0"/>
+              <a:t>[5]</a:t>
+            </a:r>
+          </a:p>
+          <a:p>
+            <a:r>
+              <a:rPr lang="en-US" sz="1900" dirty="0" smtClean="0"/>
+              <a:t>Automatic Language Identification Using Deep Neural Networks</a:t>
+            </a:r>
+          </a:p>
+          <a:p>
+            <a:r>
+              <a:rPr lang="en-US" sz="1900" dirty="0" smtClean="0"/>
+              <a:t>Motivated </a:t>
+            </a:r>
+            <a:r>
+              <a:rPr lang="en-US" sz="1900" dirty="0" smtClean="0"/>
+              <a:t>by their recent success in acoustic </a:t>
+            </a:r>
+            <a:r>
+              <a:rPr lang="en-US" sz="1900" dirty="0" smtClean="0"/>
+              <a:t>modelling.</a:t>
+            </a:r>
+            <a:endParaRPr lang="en-US" sz="1900" dirty="0" smtClean="0"/>
+          </a:p>
+          <a:p>
+            <a:r>
+              <a:rPr lang="en-US" sz="1900" dirty="0" smtClean="0"/>
+              <a:t>The proposed approach is compared to state-of-the-art </a:t>
+            </a:r>
+            <a:r>
+              <a:rPr lang="en-US" sz="1900" dirty="0" err="1" smtClean="0"/>
+              <a:t>i</a:t>
+            </a:r>
+            <a:r>
+              <a:rPr lang="en-US" sz="1900" dirty="0" smtClean="0"/>
+              <a:t>-vector based acoustic </a:t>
+            </a:r>
+            <a:r>
+              <a:rPr lang="en-US" sz="1900" dirty="0" smtClean="0"/>
+              <a:t>systems.</a:t>
+            </a:r>
+            <a:endParaRPr lang="en-IN" sz="1900" dirty="0"/>
+          </a:p>
+        </p:txBody>
+      </p:sp>
+      <p:pic>
+        <p:nvPicPr>
+          <p:cNvPr id="4" name="Picture 3" descr="C:\Users\win 8.1\Desktop\asd.png"/>
+          <p:cNvPicPr/>
+          <p:nvPr/>
+        </p:nvPicPr>
+        <p:blipFill>
+          <a:blip r:embed="rId3">
+            <a:extLst>
+              <a:ext uri="{28A0092B-C50C-407E-A947-70E740481C1C}">
+                <a14:useLocalDpi xmlns:a14="http://schemas.microsoft.com/office/drawing/2010/main" val="0"/>
+              </a:ext>
+            </a:extLst>
+          </a:blip>
+          <a:srcRect/>
+          <a:stretch>
+            <a:fillRect/>
+          </a:stretch>
+        </p:blipFill>
+        <p:spPr bwMode="auto">
+          <a:xfrm>
+            <a:off x="4605060" y="2439699"/>
+            <a:ext cx="4143404" cy="3509581"/>
+          </a:xfrm>
+          <a:prstGeom prst="rect">
+            <a:avLst/>
+          </a:prstGeom>
+          <a:noFill/>
+          <a:ln>
+            <a:noFill/>
+          </a:ln>
+        </p:spPr>
+      </p:pic>
       <p:sp>
         <p:nvSpPr>
           <p:cNvPr id="2" name="Rectangle 1"/>
@@ -25587,8 +25607,8 @@
         </p:nvSpPr>
         <p:spPr>
           <a:xfrm>
-            <a:off x="0" y="6392361"/>
-            <a:ext cx="9144000" cy="276999"/>
+            <a:off x="0" y="6381328"/>
+            <a:ext cx="9144000" cy="461665"/>
           </a:xfrm>
           <a:prstGeom prst="rect">
             <a:avLst/>
@@ -25600,6 +25620,280 @@
           </a:bodyPr>
           <a:lstStyle/>
           <a:p>
+            <a:r>
+              <a:rPr lang="en-US" sz="1200" dirty="0" smtClean="0"/>
+              <a:t>[5]    </a:t>
+            </a:r>
+            <a:r>
+              <a:rPr lang="en-US" sz="1200" dirty="0" smtClean="0"/>
+              <a:t>Ignacio </a:t>
+            </a:r>
+            <a:r>
+              <a:rPr lang="en-US" sz="1200" dirty="0"/>
+              <a:t>Lopez-Moreno, </a:t>
+            </a:r>
+            <a:r>
+              <a:rPr lang="en-IN" sz="1200" dirty="0"/>
+              <a:t>“</a:t>
+            </a:r>
+            <a:r>
+              <a:rPr lang="en-US" sz="1200" dirty="0"/>
+              <a:t>AUTOMATIC LANGUAGE IDENTIFICATION USING DEEP NEURAL NETWORKS”, 2014 </a:t>
+            </a:r>
+            <a:r>
+              <a:rPr lang="en-US" sz="1200" dirty="0" smtClean="0"/>
+              <a:t>IEEE</a:t>
+            </a:r>
+          </a:p>
+          <a:p>
+            <a:r>
+              <a:rPr lang="en-US" sz="1200" dirty="0" smtClean="0"/>
+              <a:t>         International </a:t>
+            </a:r>
+            <a:r>
+              <a:rPr lang="en-US" sz="1200" dirty="0"/>
+              <a:t>Conference on Acoustic, Speech and Signal Processing (ICASSP),2014 (context windows)</a:t>
+            </a:r>
+            <a:endParaRPr lang="en-IN" sz="1200" dirty="0"/>
+          </a:p>
+        </p:txBody>
+      </p:sp>
+      <p:sp>
+        <p:nvSpPr>
+          <p:cNvPr id="5" name="Content Placeholder 2"/>
+          <p:cNvSpPr txBox="1">
+            <a:spLocks/>
+          </p:cNvSpPr>
+          <p:nvPr/>
+        </p:nvSpPr>
+        <p:spPr>
+          <a:xfrm>
+            <a:off x="323528" y="332656"/>
+            <a:ext cx="8496944" cy="1368152"/>
+          </a:xfrm>
+          <a:prstGeom prst="rect">
+            <a:avLst/>
+          </a:prstGeom>
+        </p:spPr>
+        <p:txBody>
+          <a:bodyPr vert="horz" lIns="91440" tIns="45720" rIns="91440" bIns="45720" rtlCol="0">
+            <a:noAutofit/>
+          </a:bodyPr>
+          <a:lstStyle>
+            <a:lvl1pPr marL="342900" indent="-342900" algn="l" defTabSz="914400" rtl="0" eaLnBrk="1" latinLnBrk="0" hangingPunct="1">
+              <a:spcBef>
+                <a:spcPct val="20000"/>
+              </a:spcBef>
+              <a:buFont typeface="Arial" pitchFamily="34" charset="0"/>
+              <a:buChar char="•"/>
+              <a:defRPr sz="2400" kern="1200">
+                <a:solidFill>
+                  <a:schemeClr val="tx1">
+                    <a:lumMod val="50000"/>
+                    <a:lumOff val="50000"/>
+                  </a:schemeClr>
+                </a:solidFill>
+                <a:latin typeface="+mj-lt"/>
+                <a:ea typeface="+mn-ea"/>
+                <a:cs typeface="+mn-cs"/>
+              </a:defRPr>
+            </a:lvl1pPr>
+            <a:lvl2pPr marL="742950" indent="-285750" algn="l" defTabSz="914400" rtl="0" eaLnBrk="1" latinLnBrk="0" hangingPunct="1">
+              <a:spcBef>
+                <a:spcPct val="20000"/>
+              </a:spcBef>
+              <a:buFont typeface="Courier New" pitchFamily="49" charset="0"/>
+              <a:buChar char="o"/>
+              <a:defRPr sz="1600" kern="1200">
+                <a:solidFill>
+                  <a:schemeClr val="tx1">
+                    <a:lumMod val="50000"/>
+                    <a:lumOff val="50000"/>
+                  </a:schemeClr>
+                </a:solidFill>
+                <a:latin typeface="+mj-lt"/>
+                <a:ea typeface="+mn-ea"/>
+                <a:cs typeface="+mn-cs"/>
+              </a:defRPr>
+            </a:lvl2pPr>
+            <a:lvl3pPr marL="1143000" indent="-228600" algn="l" defTabSz="914400" rtl="0" eaLnBrk="1" latinLnBrk="0" hangingPunct="1">
+              <a:spcBef>
+                <a:spcPct val="20000"/>
+              </a:spcBef>
+              <a:buFont typeface="Arial" pitchFamily="34" charset="0"/>
+              <a:buChar char="•"/>
+              <a:defRPr sz="1600" kern="1200">
+                <a:solidFill>
+                  <a:schemeClr val="tx1">
+                    <a:lumMod val="50000"/>
+                    <a:lumOff val="50000"/>
+                  </a:schemeClr>
+                </a:solidFill>
+                <a:latin typeface="+mj-lt"/>
+                <a:ea typeface="+mn-ea"/>
+                <a:cs typeface="+mn-cs"/>
+              </a:defRPr>
+            </a:lvl3pPr>
+            <a:lvl4pPr marL="1600200" indent="-228600" algn="l" defTabSz="914400" rtl="0" eaLnBrk="1" latinLnBrk="0" hangingPunct="1">
+              <a:spcBef>
+                <a:spcPct val="20000"/>
+              </a:spcBef>
+              <a:buFont typeface="Courier New" pitchFamily="49" charset="0"/>
+              <a:buChar char="o"/>
+              <a:defRPr sz="1600" kern="1200">
+                <a:solidFill>
+                  <a:schemeClr val="tx1">
+                    <a:lumMod val="50000"/>
+                    <a:lumOff val="50000"/>
+                  </a:schemeClr>
+                </a:solidFill>
+                <a:latin typeface="+mj-lt"/>
+                <a:ea typeface="+mn-ea"/>
+                <a:cs typeface="+mn-cs"/>
+              </a:defRPr>
+            </a:lvl4pPr>
+            <a:lvl5pPr marL="2057400" indent="-228600" algn="l" defTabSz="914400" rtl="0" eaLnBrk="1" latinLnBrk="0" hangingPunct="1">
+              <a:spcBef>
+                <a:spcPct val="20000"/>
+              </a:spcBef>
+              <a:buFont typeface="Arial" pitchFamily="34" charset="0"/>
+              <a:buChar char="•"/>
+              <a:defRPr sz="1600" kern="1200">
+                <a:solidFill>
+                  <a:schemeClr val="tx1">
+                    <a:lumMod val="50000"/>
+                    <a:lumOff val="50000"/>
+                  </a:schemeClr>
+                </a:solidFill>
+                <a:latin typeface="+mj-lt"/>
+                <a:ea typeface="+mn-ea"/>
+                <a:cs typeface="+mn-cs"/>
+              </a:defRPr>
+            </a:lvl5pPr>
+            <a:lvl6pPr marL="2514600" indent="-228600" algn="l" defTabSz="914400" rtl="0" eaLnBrk="1" latinLnBrk="0" hangingPunct="1">
+              <a:spcBef>
+                <a:spcPct val="20000"/>
+              </a:spcBef>
+              <a:buFont typeface="Courier New" pitchFamily="49" charset="0"/>
+              <a:buChar char="o"/>
+              <a:defRPr sz="1600" kern="1200">
+                <a:solidFill>
+                  <a:schemeClr val="tx1">
+                    <a:lumMod val="50000"/>
+                    <a:lumOff val="50000"/>
+                  </a:schemeClr>
+                </a:solidFill>
+                <a:latin typeface="+mj-lt"/>
+                <a:ea typeface="+mn-ea"/>
+                <a:cs typeface="+mn-cs"/>
+              </a:defRPr>
+            </a:lvl6pPr>
+            <a:lvl7pPr marL="2971800" indent="-228600" algn="l" defTabSz="914400" rtl="0" eaLnBrk="1" latinLnBrk="0" hangingPunct="1">
+              <a:spcBef>
+                <a:spcPct val="20000"/>
+              </a:spcBef>
+              <a:buFont typeface="Arial" pitchFamily="34" charset="0"/>
+              <a:buChar char="•"/>
+              <a:defRPr sz="1600" kern="1200">
+                <a:solidFill>
+                  <a:schemeClr val="tx1">
+                    <a:lumMod val="50000"/>
+                    <a:lumOff val="50000"/>
+                  </a:schemeClr>
+                </a:solidFill>
+                <a:latin typeface="+mj-lt"/>
+                <a:ea typeface="+mn-ea"/>
+                <a:cs typeface="+mn-cs"/>
+              </a:defRPr>
+            </a:lvl7pPr>
+            <a:lvl8pPr marL="3429000" indent="-228600" algn="l" defTabSz="914400" rtl="0" eaLnBrk="1" latinLnBrk="0" hangingPunct="1">
+              <a:spcBef>
+                <a:spcPct val="20000"/>
+              </a:spcBef>
+              <a:buFont typeface="Courier New" pitchFamily="49" charset="0"/>
+              <a:buChar char="o"/>
+              <a:defRPr sz="1600" kern="1200">
+                <a:solidFill>
+                  <a:schemeClr val="tx1">
+                    <a:lumMod val="50000"/>
+                    <a:lumOff val="50000"/>
+                  </a:schemeClr>
+                </a:solidFill>
+                <a:latin typeface="+mj-lt"/>
+                <a:ea typeface="+mn-ea"/>
+                <a:cs typeface="+mn-cs"/>
+              </a:defRPr>
+            </a:lvl8pPr>
+            <a:lvl9pPr marL="3886200" indent="-228600" algn="l" defTabSz="914400" rtl="0" eaLnBrk="1" latinLnBrk="0" hangingPunct="1">
+              <a:spcBef>
+                <a:spcPct val="20000"/>
+              </a:spcBef>
+              <a:buFont typeface="Arial" pitchFamily="34" charset="0"/>
+              <a:buChar char="•"/>
+              <a:defRPr sz="1600" kern="1200">
+                <a:solidFill>
+                  <a:schemeClr val="tx1">
+                    <a:lumMod val="50000"/>
+                    <a:lumOff val="50000"/>
+                  </a:schemeClr>
+                </a:solidFill>
+                <a:latin typeface="+mj-lt"/>
+                <a:ea typeface="+mn-ea"/>
+                <a:cs typeface="+mn-cs"/>
+              </a:defRPr>
+            </a:lvl9pPr>
+          </a:lstStyle>
+          <a:p>
+            <a:pPr marL="457200" indent="-457200">
+              <a:buFont typeface="+mj-lt"/>
+              <a:buAutoNum type="arabicPeriod" startAt="4"/>
+            </a:pPr>
+            <a:r>
+              <a:rPr lang="en-US" sz="1900" b="1" dirty="0" smtClean="0"/>
+              <a:t>Julien De Mori</a:t>
+            </a:r>
+            <a:r>
+              <a:rPr lang="en-US" sz="1900" b="1" baseline="30000" dirty="0" smtClean="0"/>
+              <a:t>[4]</a:t>
+            </a:r>
+            <a:endParaRPr lang="en-US" sz="1900" baseline="30000" dirty="0" smtClean="0"/>
+          </a:p>
+          <a:p>
+            <a:r>
+              <a:rPr lang="en-US" sz="1900" dirty="0" smtClean="0"/>
+              <a:t>Presented and compared Support Vector Machine(SVM) based methods, Gaussian Mixture Model(GMM) based methods and Neural network.</a:t>
+            </a:r>
+          </a:p>
+          <a:p>
+            <a:r>
+              <a:rPr lang="en-US" sz="1900" dirty="0" smtClean="0"/>
+              <a:t>Used Neural Network and Computing features for each 25ms frame. </a:t>
+            </a:r>
+            <a:endParaRPr lang="en-IN" sz="1900" dirty="0"/>
+          </a:p>
+        </p:txBody>
+      </p:sp>
+      <p:sp>
+        <p:nvSpPr>
+          <p:cNvPr id="6" name="Rectangle 5"/>
+          <p:cNvSpPr/>
+          <p:nvPr/>
+        </p:nvSpPr>
+        <p:spPr>
+          <a:xfrm>
+            <a:off x="0" y="6093296"/>
+            <a:ext cx="10032188" cy="276999"/>
+          </a:xfrm>
+          <a:prstGeom prst="rect">
+            <a:avLst/>
+          </a:prstGeom>
+        </p:spPr>
+        <p:txBody>
+          <a:bodyPr wrap="square">
+            <a:spAutoFit/>
+          </a:bodyPr>
+          <a:lstStyle/>
+          <a:p>
             <a:pPr lvl="0"/>
             <a:r>
               <a:rPr lang="en-US" sz="1200" dirty="0" smtClean="0"/>
@@ -25624,7 +25918,7 @@
     </p:spTree>
     <p:extLst>
       <p:ext uri="{BB962C8B-B14F-4D97-AF65-F5344CB8AC3E}">
-        <p14:creationId xmlns:p14="http://schemas.microsoft.com/office/powerpoint/2010/main" val="891159538"/>
+        <p14:creationId xmlns:p14="http://schemas.microsoft.com/office/powerpoint/2010/main" val="759401064"/>
       </p:ext>
     </p:extLst>
   </p:cSld>
@@ -25653,178 +25947,93 @@
       </p:grpSpPr>
       <p:sp>
         <p:nvSpPr>
-          <p:cNvPr id="3" name="Content Placeholder 2"/>
-          <p:cNvSpPr>
-            <a:spLocks noGrp="1"/>
-          </p:cNvSpPr>
-          <p:nvPr>
-            <p:ph idx="1"/>
+          <p:cNvPr id="2" name="Title 1"/>
+          <p:cNvSpPr>
+            <a:spLocks noGrp="1"/>
+          </p:cNvSpPr>
+          <p:nvPr>
+            <p:ph type="title"/>
           </p:nvPr>
         </p:nvSpPr>
         <p:spPr>
           <a:xfrm>
-            <a:off x="457200" y="500042"/>
-            <a:ext cx="3900486" cy="5643602"/>
+            <a:off x="457200" y="23446"/>
+            <a:ext cx="8229600" cy="1295400"/>
           </a:xfrm>
         </p:spPr>
         <p:txBody>
+          <a:bodyPr/>
+          <a:lstStyle/>
+          <a:p>
+            <a:r>
+              <a:rPr lang="en-US" dirty="0"/>
+              <a:t>Our Proposal</a:t>
+            </a:r>
+          </a:p>
+        </p:txBody>
+      </p:sp>
+      <p:sp>
+        <p:nvSpPr>
+          <p:cNvPr id="3" name="Content Placeholder 2"/>
+          <p:cNvSpPr>
+            <a:spLocks noGrp="1"/>
+          </p:cNvSpPr>
+          <p:nvPr>
+            <p:ph idx="1"/>
+          </p:nvPr>
+        </p:nvSpPr>
+        <p:spPr/>
+        <p:txBody>
           <a:bodyPr>
-            <a:normAutofit fontScale="85000" lnSpcReduction="20000"/>
+            <a:normAutofit/>
           </a:bodyPr>
           <a:lstStyle/>
           <a:p>
             <a:r>
-              <a:rPr lang="en-US" b="1" dirty="0" smtClean="0"/>
-              <a:t>Ignacio Lopez-Moreno</a:t>
-            </a:r>
-            <a:r>
-              <a:rPr lang="en-US" b="1" baseline="30000" dirty="0" smtClean="0"/>
-              <a:t>[5]</a:t>
-            </a:r>
-          </a:p>
-          <a:p>
-            <a:r>
-              <a:rPr lang="en-US" dirty="0" smtClean="0"/>
-              <a:t>Automatic Language Identification Using Deep Neural Networks</a:t>
-            </a:r>
-          </a:p>
-          <a:p>
-            <a:r>
-              <a:rPr lang="en-US" dirty="0" smtClean="0"/>
-              <a:t>This work studies the use of deep neural networks (DNNs) to address automatic language identification (LID). Motivated by their recent success in acoustic </a:t>
-            </a:r>
-            <a:r>
-              <a:rPr lang="en-US" dirty="0" err="1" smtClean="0"/>
-              <a:t>modelling</a:t>
-            </a:r>
-            <a:r>
-              <a:rPr lang="en-US" dirty="0" smtClean="0"/>
-              <a:t>, we adapt DNNs to the problem of identifying the language of a given spoken utterance from short-term </a:t>
-            </a:r>
-            <a:r>
-              <a:rPr lang="en-US" dirty="0" err="1" smtClean="0"/>
-              <a:t>acou</a:t>
-            </a:r>
-            <a:endParaRPr lang="en-US" dirty="0" smtClean="0"/>
-          </a:p>
-          <a:p>
-            <a:r>
-              <a:rPr lang="en-US" dirty="0" smtClean="0"/>
-              <a:t>The proposed approach is compared to state-of-the-art </a:t>
-            </a:r>
-            <a:r>
-              <a:rPr lang="en-US" dirty="0" err="1" smtClean="0"/>
-              <a:t>i</a:t>
-            </a:r>
-            <a:r>
-              <a:rPr lang="en-US" dirty="0" smtClean="0"/>
-              <a:t>-vector based acoustic systems on two different </a:t>
-            </a:r>
-            <a:r>
-              <a:rPr lang="en-US" dirty="0" err="1" smtClean="0"/>
-              <a:t>datasetsstic</a:t>
-            </a:r>
-            <a:r>
-              <a:rPr lang="en-US" dirty="0" smtClean="0"/>
-              <a:t> features. </a:t>
-            </a:r>
-            <a:endParaRPr lang="en-IN" dirty="0"/>
-          </a:p>
-        </p:txBody>
-      </p:sp>
-      <p:pic>
-        <p:nvPicPr>
-          <p:cNvPr id="4" name="Picture 3" descr="C:\Users\win 8.1\Desktop\asd.png"/>
-          <p:cNvPicPr/>
-          <p:nvPr/>
-        </p:nvPicPr>
-        <p:blipFill>
-          <a:blip r:embed="rId2">
-            <a:extLst>
-              <a:ext uri="{28A0092B-C50C-407E-A947-70E740481C1C}">
-                <a14:useLocalDpi xmlns:a14="http://schemas.microsoft.com/office/drawing/2010/main" val="0"/>
-              </a:ext>
-            </a:extLst>
-          </a:blip>
-          <a:srcRect/>
-          <a:stretch>
-            <a:fillRect/>
-          </a:stretch>
-        </p:blipFill>
-        <p:spPr bwMode="auto">
-          <a:xfrm>
-            <a:off x="4572000" y="571480"/>
-            <a:ext cx="4143404" cy="5214974"/>
-          </a:xfrm>
-          <a:prstGeom prst="rect">
-            <a:avLst/>
-          </a:prstGeom>
-          <a:noFill/>
-          <a:ln>
-            <a:noFill/>
-          </a:ln>
-        </p:spPr>
-      </p:pic>
-      <p:sp>
-        <p:nvSpPr>
-          <p:cNvPr id="2" name="Rectangle 1"/>
-          <p:cNvSpPr/>
-          <p:nvPr/>
-        </p:nvSpPr>
-        <p:spPr>
-          <a:xfrm>
-            <a:off x="0" y="6381328"/>
-            <a:ext cx="9144000" cy="461665"/>
-          </a:xfrm>
-          <a:prstGeom prst="rect">
-            <a:avLst/>
-          </a:prstGeom>
-        </p:spPr>
-        <p:txBody>
-          <a:bodyPr wrap="square">
-            <a:spAutoFit/>
-          </a:bodyPr>
-          <a:lstStyle/>
-          <a:p>
-            <a:r>
-              <a:rPr lang="en-US" sz="1200" dirty="0" smtClean="0"/>
-              <a:t>[5]       Ignacio </a:t>
-            </a:r>
-            <a:r>
-              <a:rPr lang="en-US" sz="1200" dirty="0"/>
-              <a:t>Lopez-Moreno, </a:t>
-            </a:r>
-            <a:r>
-              <a:rPr lang="en-IN" sz="1200" dirty="0"/>
-              <a:t>“</a:t>
-            </a:r>
-            <a:r>
-              <a:rPr lang="en-US" sz="1200" dirty="0"/>
-              <a:t>AUTOMATIC LANGUAGE IDENTIFICATION USING DEEP NEURAL NETWORKS”, 2014 </a:t>
-            </a:r>
-            <a:r>
-              <a:rPr lang="en-US" sz="1200" dirty="0" smtClean="0"/>
-              <a:t>IEEE</a:t>
-            </a:r>
-          </a:p>
-          <a:p>
-            <a:pPr lvl="1"/>
-            <a:r>
-              <a:rPr lang="en-US" sz="1200" dirty="0" smtClean="0"/>
-              <a:t>International </a:t>
-            </a:r>
-            <a:r>
-              <a:rPr lang="en-US" sz="1200" dirty="0"/>
-              <a:t>Conference on Acoustic, Speech and Signal Processing (ICASSP),2014 (context windows)</a:t>
-            </a:r>
-            <a:endParaRPr lang="en-IN" sz="1200" dirty="0"/>
+              <a:rPr lang="en-US" sz="2200" dirty="0"/>
+              <a:t>We propose a hybrid neural network that consists of two levels. </a:t>
+            </a:r>
+          </a:p>
+          <a:p>
+            <a:endParaRPr lang="en-US" sz="1400" dirty="0"/>
+          </a:p>
+          <a:p>
+            <a:r>
+              <a:rPr lang="en-US" sz="2200" dirty="0"/>
+              <a:t>An initial neural network gives the probability of the belongingness of data sample to all class of languages.</a:t>
+            </a:r>
+          </a:p>
+          <a:p>
+            <a:endParaRPr lang="en-US" sz="1400" dirty="0"/>
+          </a:p>
+          <a:p>
+            <a:r>
+              <a:rPr lang="en-US" sz="2200" dirty="0"/>
+              <a:t>The second level, or the binary classifier finally outputs the class to which the data sample belongs amongst the best two sub-candidates.</a:t>
+            </a:r>
+          </a:p>
+          <a:p>
+            <a:endParaRPr lang="en-US" sz="1400" dirty="0"/>
+          </a:p>
+          <a:p>
+            <a:r>
+              <a:rPr lang="en-US" sz="2200" dirty="0"/>
+              <a:t>The idea behind this hypothesis is the fact that different languages need different  set of features to differentiate them.</a:t>
+            </a:r>
+            <a:r>
+              <a:rPr lang="en-US" sz="2000" dirty="0"/>
+              <a:t> </a:t>
+            </a:r>
+          </a:p>
+          <a:p>
+            <a:endParaRPr lang="en-US" dirty="0"/>
           </a:p>
         </p:txBody>
       </p:sp>
     </p:spTree>
     <p:extLst>
       <p:ext uri="{BB962C8B-B14F-4D97-AF65-F5344CB8AC3E}">
-        <p14:creationId xmlns:p14="http://schemas.microsoft.com/office/powerpoint/2010/main" val="759401064"/>
+        <p14:creationId xmlns:p14="http://schemas.microsoft.com/office/powerpoint/2010/main" val="3233347990"/>
       </p:ext>
     </p:extLst>
   </p:cSld>
@@ -25861,87 +26070,77 @@
             <p:ph type="title"/>
           </p:nvPr>
         </p:nvSpPr>
+        <p:spPr/>
+        <p:txBody>
+          <a:bodyPr/>
+          <a:lstStyle/>
+          <a:p>
+            <a:r>
+              <a:rPr lang="en-IN" dirty="0"/>
+              <a:t>Experimental Setup</a:t>
+            </a:r>
+          </a:p>
+        </p:txBody>
+      </p:sp>
+      <p:pic>
+        <p:nvPicPr>
+          <p:cNvPr id="4" name="Picture 3"/>
+          <p:cNvPicPr/>
+          <p:nvPr/>
+        </p:nvPicPr>
+        <p:blipFill>
+          <a:blip r:embed="rId2" cstate="print">
+            <a:extLst>
+              <a:ext uri="{28A0092B-C50C-407E-A947-70E740481C1C}">
+                <a14:useLocalDpi xmlns:a14="http://schemas.microsoft.com/office/drawing/2010/main" val="0"/>
+              </a:ext>
+            </a:extLst>
+          </a:blip>
+          <a:srcRect/>
+          <a:stretch>
+            <a:fillRect/>
+          </a:stretch>
+        </p:blipFill>
+        <p:spPr bwMode="auto">
+          <a:xfrm>
+            <a:off x="175846" y="2537142"/>
+            <a:ext cx="8839200" cy="1882458"/>
+          </a:xfrm>
+          <a:prstGeom prst="rect">
+            <a:avLst/>
+          </a:prstGeom>
+          <a:noFill/>
+        </p:spPr>
+      </p:pic>
+      <p:sp>
+        <p:nvSpPr>
+          <p:cNvPr id="5" name="Rectangle 4"/>
+          <p:cNvSpPr/>
+          <p:nvPr/>
+        </p:nvSpPr>
         <p:spPr>
           <a:xfrm>
-            <a:off x="457200" y="23446"/>
-            <a:ext cx="8229600" cy="1295400"/>
+            <a:off x="3028125" y="4267200"/>
+            <a:ext cx="3134641" cy="492443"/>
           </a:xfrm>
+          <a:prstGeom prst="rect">
+            <a:avLst/>
+          </a:prstGeom>
         </p:spPr>
         <p:txBody>
-          <a:bodyPr/>
-          <a:lstStyle/>
-          <a:p>
-            <a:r>
-              <a:rPr lang="en-US" dirty="0"/>
-              <a:t>Our Proposal</a:t>
-            </a:r>
-          </a:p>
-        </p:txBody>
-      </p:sp>
-      <p:sp>
-        <p:nvSpPr>
-          <p:cNvPr id="3" name="Content Placeholder 2"/>
-          <p:cNvSpPr>
-            <a:spLocks noGrp="1"/>
-          </p:cNvSpPr>
-          <p:nvPr>
-            <p:ph idx="1"/>
-          </p:nvPr>
-        </p:nvSpPr>
-        <p:spPr/>
-        <p:txBody>
-          <a:bodyPr>
-            <a:normAutofit/>
+          <a:bodyPr wrap="none">
+            <a:spAutoFit/>
           </a:bodyPr>
           <a:lstStyle/>
           <a:p>
             <a:r>
-              <a:rPr lang="en-US" sz="2200" dirty="0"/>
-              <a:t>We propose a hybrid neural network that consists of two levels. </a:t>
-            </a:r>
-          </a:p>
-          <a:p>
-            <a:endParaRPr lang="en-US" sz="1400" dirty="0"/>
-          </a:p>
-          <a:p>
-            <a:r>
-              <a:rPr lang="en-US" sz="2200" dirty="0"/>
-              <a:t>An initial neural network gives the probability of the belongingness of data sample to all class of languages.</a:t>
-            </a:r>
-          </a:p>
-          <a:p>
-            <a:endParaRPr lang="en-US" sz="1400" dirty="0"/>
-          </a:p>
-          <a:p>
-            <a:r>
-              <a:rPr lang="en-US" sz="2200" dirty="0"/>
-              <a:t>The second level, or the binary classifier finally outputs the class to which the data sample belongs amongst the best two sub-candidates.</a:t>
-            </a:r>
-          </a:p>
-          <a:p>
-            <a:endParaRPr lang="en-US" sz="1400" dirty="0"/>
-          </a:p>
-          <a:p>
-            <a:r>
-              <a:rPr lang="en-US" sz="2200" dirty="0"/>
-              <a:t>The idea behind this hypothesis is the fact that different languages need different  set of features to differentiate them.</a:t>
-            </a:r>
-            <a:r>
-              <a:rPr lang="en-US" sz="2000" dirty="0"/>
-              <a:t> </a:t>
-            </a:r>
-          </a:p>
-          <a:p>
-            <a:endParaRPr lang="en-US" dirty="0"/>
+              <a:rPr lang="en-US" sz="2600" dirty="0"/>
+              <a:t>Workflow of project</a:t>
+            </a:r>
           </a:p>
         </p:txBody>
       </p:sp>
     </p:spTree>
-    <p:extLst>
-      <p:ext uri="{BB962C8B-B14F-4D97-AF65-F5344CB8AC3E}">
-        <p14:creationId xmlns:p14="http://schemas.microsoft.com/office/powerpoint/2010/main" val="3233347990"/>
-      </p:ext>
-    </p:extLst>
   </p:cSld>
   <p:clrMapOvr>
     <a:masterClrMapping/>

--- a/Docs/Presentation.pptx
+++ b/Docs/Presentation.pptx
@@ -139,7 +139,7 @@
   </p:defaultTextStyle>
   <p:extLst>
     <p:ext uri="{EFAFB233-063F-42B5-8137-9DF3F51BA10A}">
-      <p15:sldGuideLst xmlns="" xmlns:p15="http://schemas.microsoft.com/office/powerpoint/2012/main">
+      <p15:sldGuideLst xmlns:p15="http://schemas.microsoft.com/office/powerpoint/2012/main">
         <p15:guide id="1" orient="horz" pos="2160">
           <p15:clr>
             <a:srgbClr val="A4A3A4"/>
@@ -239,7 +239,7 @@
             <a:fld id="{3FDCA80A-463E-40D4-BA34-FED0CD2C258C}" type="datetimeFigureOut">
               <a:rPr lang="en-US" smtClean="0"/>
               <a:pPr/>
-              <a:t>30/5/2017</a:t>
+              <a:t>30-May-17</a:t>
             </a:fld>
             <a:endParaRPr lang="en-US"/>
           </a:p>
@@ -933,23 +933,14 @@
           <a:lstStyle/>
           <a:p>
             <a:r>
-              <a:rPr lang="en-US" dirty="0" err="1"/>
-              <a:t>reLU</a:t>
-            </a:r>
-            <a:r>
               <a:rPr lang="en-US" dirty="0"/>
-              <a:t> = rectifier Linear Unit</a:t>
-            </a:r>
-          </a:p>
-          <a:p>
-            <a:r>
-              <a:rPr lang="en-US" dirty="0" err="1"/>
-              <a:t>Adadelta</a:t>
-            </a:r>
-            <a:r>
-              <a:rPr lang="en-US" dirty="0"/>
-              <a:t> controls learning rate</a:t>
-            </a:r>
+              <a:t>Feed</a:t>
+            </a:r>
+            <a:r>
+              <a:rPr lang="en-US" baseline="0" dirty="0"/>
+              <a:t> Forward, Neurons are used, Weights and Biases are changed to minimize cost function, Backpropagation used for output to input error propagation, Mini Batches used for better gradient calculation performance.</a:t>
+            </a:r>
+            <a:endParaRPr lang="en-US" dirty="0"/>
           </a:p>
         </p:txBody>
       </p:sp>
@@ -971,7 +962,7 @@
             <a:fld id="{979A0A40-088F-44CE-8547-8CF4D8B5748D}" type="slidenum">
               <a:rPr lang="en-US" smtClean="0"/>
               <a:pPr/>
-              <a:t>15</a:t>
+              <a:t>14</a:t>
             </a:fld>
             <a:endParaRPr lang="en-US"/>
           </a:p>
@@ -980,7 +971,7 @@
     </p:spTree>
     <p:extLst>
       <p:ext uri="{BB962C8B-B14F-4D97-AF65-F5344CB8AC3E}">
-        <p14:creationId xmlns:p14="http://schemas.microsoft.com/office/powerpoint/2010/main" val="4020566594"/>
+        <p14:creationId xmlns:p14="http://schemas.microsoft.com/office/powerpoint/2010/main" val="2392603441"/>
       </p:ext>
     </p:extLst>
   </p:cSld>
@@ -1036,8 +1027,63 @@
           <a:p>
             <a:r>
               <a:rPr lang="en-US" dirty="0"/>
-              <a:t>Problem and its use</a:t>
-            </a:r>
+              <a:t>Categorical </a:t>
+            </a:r>
+            <a:r>
+              <a:rPr lang="en-US" dirty="0" err="1"/>
+              <a:t>Crossentropy</a:t>
+            </a:r>
+            <a:r>
+              <a:rPr lang="en-US" baseline="0" dirty="0"/>
+              <a:t> = Mistakes make learn faster like humans -1/n sum(y*</a:t>
+            </a:r>
+            <a:r>
+              <a:rPr lang="en-US" baseline="0" dirty="0" err="1"/>
+              <a:t>logpi</a:t>
+            </a:r>
+            <a:r>
+              <a:rPr lang="en-US" baseline="0" dirty="0"/>
+              <a:t> + (1-y)log(1-pi))</a:t>
+            </a:r>
+            <a:br>
+              <a:rPr lang="en-US" dirty="0"/>
+            </a:br>
+            <a:r>
+              <a:rPr lang="en-US" dirty="0" err="1"/>
+              <a:t>reLU</a:t>
+            </a:r>
+            <a:r>
+              <a:rPr lang="en-US" dirty="0"/>
+              <a:t> = rectifier Linear Unit,</a:t>
+            </a:r>
+            <a:r>
+              <a:rPr lang="en-US" baseline="0" dirty="0"/>
+              <a:t> </a:t>
+            </a:r>
+            <a:r>
+              <a:rPr lang="en-US" dirty="0"/>
+              <a:t>max(0,x),</a:t>
+            </a:r>
+            <a:r>
+              <a:rPr lang="en-US" baseline="0" dirty="0"/>
+              <a:t> less computation, leads to more convergence in many cases</a:t>
+            </a:r>
+            <a:endParaRPr lang="en-US" dirty="0"/>
+          </a:p>
+          <a:p>
+            <a:r>
+              <a:rPr lang="en-US" dirty="0" err="1"/>
+              <a:t>Adadelta</a:t>
+            </a:r>
+            <a:r>
+              <a:rPr lang="en-US" dirty="0"/>
+              <a:t> controls learning rate,</a:t>
+            </a:r>
+            <a:r>
+              <a:rPr lang="en-US" baseline="0" dirty="0"/>
+              <a:t> makes initial choice of learning rate immaterial</a:t>
+            </a:r>
+            <a:endParaRPr lang="en-US" dirty="0"/>
           </a:p>
         </p:txBody>
       </p:sp>
@@ -1059,7 +1105,7 @@
             <a:fld id="{979A0A40-088F-44CE-8547-8CF4D8B5748D}" type="slidenum">
               <a:rPr lang="en-US" smtClean="0"/>
               <a:pPr/>
-              <a:t>17</a:t>
+              <a:t>15</a:t>
             </a:fld>
             <a:endParaRPr lang="en-US"/>
           </a:p>
@@ -1068,7 +1114,7 @@
     </p:spTree>
     <p:extLst>
       <p:ext uri="{BB962C8B-B14F-4D97-AF65-F5344CB8AC3E}">
-        <p14:creationId xmlns:p14="http://schemas.microsoft.com/office/powerpoint/2010/main" val="737328833"/>
+        <p14:creationId xmlns:p14="http://schemas.microsoft.com/office/powerpoint/2010/main" val="4020566594"/>
       </p:ext>
     </p:extLst>
   </p:cSld>
@@ -1124,8 +1170,13 @@
           <a:p>
             <a:r>
               <a:rPr lang="en-US" dirty="0"/>
-              <a:t>Problem and its use</a:t>
-            </a:r>
+              <a:t>Problem and its use. </a:t>
+            </a:r>
+            <a:r>
+              <a:rPr lang="en-US" baseline="0" dirty="0"/>
+              <a:t> Accuracy based on this. Results depend on which data ends in test set. Dependent on division</a:t>
+            </a:r>
+            <a:endParaRPr lang="en-US" dirty="0"/>
           </a:p>
         </p:txBody>
       </p:sp>
@@ -1147,7 +1198,7 @@
             <a:fld id="{979A0A40-088F-44CE-8547-8CF4D8B5748D}" type="slidenum">
               <a:rPr lang="en-US" smtClean="0"/>
               <a:pPr/>
-              <a:t>18</a:t>
+              <a:t>17</a:t>
             </a:fld>
             <a:endParaRPr lang="en-US"/>
           </a:p>
@@ -1210,7 +1261,10 @@
           <a:bodyPr/>
           <a:lstStyle/>
           <a:p>
-            <a:endParaRPr lang="en-US" dirty="0"/>
+            <a:r>
+              <a:rPr lang="en-US" dirty="0"/>
+              <a:t>Problem and its use</a:t>
+            </a:r>
           </a:p>
         </p:txBody>
       </p:sp>
@@ -1231,7 +1285,8 @@
           <a:p>
             <a:fld id="{979A0A40-088F-44CE-8547-8CF4D8B5748D}" type="slidenum">
               <a:rPr lang="en-US" smtClean="0"/>
-              <a:t>25</a:t>
+              <a:pPr/>
+              <a:t>18</a:t>
             </a:fld>
             <a:endParaRPr lang="en-US"/>
           </a:p>
@@ -1294,6 +1349,14 @@
           <a:bodyPr/>
           <a:lstStyle/>
           <a:p>
+            <a:r>
+              <a:rPr lang="en-US" dirty="0"/>
+              <a:t>Actual Labels vs</a:t>
+            </a:r>
+            <a:r>
+              <a:rPr lang="en-US" baseline="0" dirty="0"/>
+              <a:t> Predicted Labels 236 Test Files</a:t>
+            </a:r>
             <a:endParaRPr lang="en-US" dirty="0"/>
           </a:p>
         </p:txBody>
@@ -1314,26 +1377,18 @@
           <a:lstStyle/>
           <a:p>
             <a:fld id="{979A0A40-088F-44CE-8547-8CF4D8B5748D}" type="slidenum">
-              <a:rPr lang="en-US" smtClean="0">
-                <a:solidFill>
-                  <a:prstClr val="black"/>
-                </a:solidFill>
-              </a:rPr>
+              <a:rPr lang="en-US" smtClean="0"/>
               <a:pPr/>
-              <a:t>26</a:t>
+              <a:t>19</a:t>
             </a:fld>
-            <a:endParaRPr lang="en-US">
-              <a:solidFill>
-                <a:prstClr val="black"/>
-              </a:solidFill>
-            </a:endParaRPr>
+            <a:endParaRPr lang="en-US"/>
           </a:p>
         </p:txBody>
       </p:sp>
     </p:spTree>
     <p:extLst>
       <p:ext uri="{BB962C8B-B14F-4D97-AF65-F5344CB8AC3E}">
-        <p14:creationId xmlns:p14="http://schemas.microsoft.com/office/powerpoint/2010/main" val="737328833"/>
+        <p14:creationId xmlns:p14="http://schemas.microsoft.com/office/powerpoint/2010/main" val="1156664271"/>
       </p:ext>
     </p:extLst>
   </p:cSld>
@@ -1387,17 +1442,6 @@
           <a:bodyPr/>
           <a:lstStyle/>
           <a:p>
-            <a:r>
-              <a:rPr lang="en-US" sz="1200" b="0" i="0" u="none" strike="noStrike" kern="1200" baseline="0" dirty="0" smtClean="0">
-                <a:solidFill>
-                  <a:schemeClr val="tx1"/>
-                </a:solidFill>
-                <a:latin typeface="+mn-lt"/>
-                <a:ea typeface="+mn-ea"/>
-                <a:cs typeface="+mn-cs"/>
-              </a:rPr>
-              <a:t>SDC: pseudo-prosodic feature, shifted delta op on acoustic feature</a:t>
-            </a:r>
             <a:endParaRPr lang="en-US" dirty="0"/>
           </a:p>
         </p:txBody>
@@ -1418,26 +1462,18 @@
           <a:lstStyle/>
           <a:p>
             <a:fld id="{979A0A40-088F-44CE-8547-8CF4D8B5748D}" type="slidenum">
-              <a:rPr lang="en-US" smtClean="0">
-                <a:solidFill>
-                  <a:prstClr val="black"/>
-                </a:solidFill>
-              </a:rPr>
+              <a:rPr lang="en-US" smtClean="0"/>
               <a:pPr/>
-              <a:t>27</a:t>
+              <a:t>20</a:t>
             </a:fld>
-            <a:endParaRPr lang="en-US">
-              <a:solidFill>
-                <a:prstClr val="black"/>
-              </a:solidFill>
-            </a:endParaRPr>
+            <a:endParaRPr lang="en-US"/>
           </a:p>
         </p:txBody>
       </p:sp>
     </p:spTree>
     <p:extLst>
       <p:ext uri="{BB962C8B-B14F-4D97-AF65-F5344CB8AC3E}">
-        <p14:creationId xmlns:p14="http://schemas.microsoft.com/office/powerpoint/2010/main" val="737328833"/>
+        <p14:creationId xmlns:p14="http://schemas.microsoft.com/office/powerpoint/2010/main" val="3802672035"/>
       </p:ext>
     </p:extLst>
   </p:cSld>
@@ -1511,26 +1547,18 @@
           <a:lstStyle/>
           <a:p>
             <a:fld id="{979A0A40-088F-44CE-8547-8CF4D8B5748D}" type="slidenum">
-              <a:rPr lang="en-US" smtClean="0">
-                <a:solidFill>
-                  <a:prstClr val="black"/>
-                </a:solidFill>
-              </a:rPr>
+              <a:rPr lang="en-US" smtClean="0"/>
               <a:pPr/>
-              <a:t>28</a:t>
+              <a:t>21</a:t>
             </a:fld>
-            <a:endParaRPr lang="en-US">
-              <a:solidFill>
-                <a:prstClr val="black"/>
-              </a:solidFill>
-            </a:endParaRPr>
+            <a:endParaRPr lang="en-US"/>
           </a:p>
         </p:txBody>
       </p:sp>
     </p:spTree>
     <p:extLst>
       <p:ext uri="{BB962C8B-B14F-4D97-AF65-F5344CB8AC3E}">
-        <p14:creationId xmlns:p14="http://schemas.microsoft.com/office/powerpoint/2010/main" val="737328833"/>
+        <p14:creationId xmlns:p14="http://schemas.microsoft.com/office/powerpoint/2010/main" val="184131402"/>
       </p:ext>
     </p:extLst>
   </p:cSld>
@@ -1635,6 +1663,476 @@
               <a:t>2</a:t>
             </a:fld>
             <a:endParaRPr lang="en-US"/>
+          </a:p>
+        </p:txBody>
+      </p:sp>
+    </p:spTree>
+    <p:extLst>
+      <p:ext uri="{BB962C8B-B14F-4D97-AF65-F5344CB8AC3E}">
+        <p14:creationId xmlns:p14="http://schemas.microsoft.com/office/powerpoint/2010/main" val="737328833"/>
+      </p:ext>
+    </p:extLst>
+  </p:cSld>
+  <p:clrMapOvr>
+    <a:masterClrMapping/>
+  </p:clrMapOvr>
+</p:notes>
+</file>
+
+<file path=ppt/notesSlides/notesSlide20.xml><?xml version="1.0" encoding="utf-8"?>
+<p:notes xmlns:a="http://schemas.openxmlformats.org/drawingml/2006/main" xmlns:r="http://schemas.openxmlformats.org/officeDocument/2006/relationships" xmlns:p="http://schemas.openxmlformats.org/presentationml/2006/main">
+  <p:cSld>
+    <p:spTree>
+      <p:nvGrpSpPr>
+        <p:cNvPr id="1" name=""/>
+        <p:cNvGrpSpPr/>
+        <p:nvPr/>
+      </p:nvGrpSpPr>
+      <p:grpSpPr>
+        <a:xfrm>
+          <a:off x="0" y="0"/>
+          <a:ext cx="0" cy="0"/>
+          <a:chOff x="0" y="0"/>
+          <a:chExt cx="0" cy="0"/>
+        </a:xfrm>
+      </p:grpSpPr>
+      <p:sp>
+        <p:nvSpPr>
+          <p:cNvPr id="2" name="Slide Image Placeholder 1"/>
+          <p:cNvSpPr>
+            <a:spLocks noGrp="1" noRot="1" noChangeAspect="1"/>
+          </p:cNvSpPr>
+          <p:nvPr>
+            <p:ph type="sldImg"/>
+          </p:nvPr>
+        </p:nvSpPr>
+        <p:spPr/>
+      </p:sp>
+      <p:sp>
+        <p:nvSpPr>
+          <p:cNvPr id="3" name="Notes Placeholder 2"/>
+          <p:cNvSpPr>
+            <a:spLocks noGrp="1"/>
+          </p:cNvSpPr>
+          <p:nvPr>
+            <p:ph type="body" idx="1"/>
+          </p:nvPr>
+        </p:nvSpPr>
+        <p:spPr/>
+        <p:txBody>
+          <a:bodyPr/>
+          <a:lstStyle/>
+          <a:p>
+            <a:r>
+              <a:rPr lang="en-US" dirty="0"/>
+              <a:t>6s audio prediction, Final prediction considering whole audio</a:t>
+            </a:r>
+            <a:r>
+              <a:rPr lang="en-US" baseline="0" dirty="0"/>
+              <a:t> </a:t>
+            </a:r>
+            <a:r>
+              <a:rPr lang="en-US" dirty="0"/>
+              <a:t>also</a:t>
+            </a:r>
+          </a:p>
+        </p:txBody>
+      </p:sp>
+      <p:sp>
+        <p:nvSpPr>
+          <p:cNvPr id="4" name="Slide Number Placeholder 3"/>
+          <p:cNvSpPr>
+            <a:spLocks noGrp="1"/>
+          </p:cNvSpPr>
+          <p:nvPr>
+            <p:ph type="sldNum" sz="quarter" idx="10"/>
+          </p:nvPr>
+        </p:nvSpPr>
+        <p:spPr/>
+        <p:txBody>
+          <a:bodyPr/>
+          <a:lstStyle/>
+          <a:p>
+            <a:fld id="{979A0A40-088F-44CE-8547-8CF4D8B5748D}" type="slidenum">
+              <a:rPr lang="en-US" smtClean="0"/>
+              <a:pPr/>
+              <a:t>23</a:t>
+            </a:fld>
+            <a:endParaRPr lang="en-US"/>
+          </a:p>
+        </p:txBody>
+      </p:sp>
+    </p:spTree>
+    <p:extLst>
+      <p:ext uri="{BB962C8B-B14F-4D97-AF65-F5344CB8AC3E}">
+        <p14:creationId xmlns:p14="http://schemas.microsoft.com/office/powerpoint/2010/main" val="320565848"/>
+      </p:ext>
+    </p:extLst>
+  </p:cSld>
+  <p:clrMapOvr>
+    <a:masterClrMapping/>
+  </p:clrMapOvr>
+</p:notes>
+</file>
+
+<file path=ppt/notesSlides/notesSlide21.xml><?xml version="1.0" encoding="utf-8"?>
+<p:notes xmlns:a="http://schemas.openxmlformats.org/drawingml/2006/main" xmlns:r="http://schemas.openxmlformats.org/officeDocument/2006/relationships" xmlns:p="http://schemas.openxmlformats.org/presentationml/2006/main">
+  <p:cSld>
+    <p:spTree>
+      <p:nvGrpSpPr>
+        <p:cNvPr id="1" name=""/>
+        <p:cNvGrpSpPr/>
+        <p:nvPr/>
+      </p:nvGrpSpPr>
+      <p:grpSpPr>
+        <a:xfrm>
+          <a:off x="0" y="0"/>
+          <a:ext cx="0" cy="0"/>
+          <a:chOff x="0" y="0"/>
+          <a:chExt cx="0" cy="0"/>
+        </a:xfrm>
+      </p:grpSpPr>
+      <p:sp>
+        <p:nvSpPr>
+          <p:cNvPr id="2" name="Slide Image Placeholder 1"/>
+          <p:cNvSpPr>
+            <a:spLocks noGrp="1" noRot="1" noChangeAspect="1"/>
+          </p:cNvSpPr>
+          <p:nvPr>
+            <p:ph type="sldImg"/>
+          </p:nvPr>
+        </p:nvSpPr>
+        <p:spPr/>
+      </p:sp>
+      <p:sp>
+        <p:nvSpPr>
+          <p:cNvPr id="3" name="Notes Placeholder 2"/>
+          <p:cNvSpPr>
+            <a:spLocks noGrp="1"/>
+          </p:cNvSpPr>
+          <p:nvPr>
+            <p:ph type="body" idx="1"/>
+          </p:nvPr>
+        </p:nvSpPr>
+        <p:spPr/>
+        <p:txBody>
+          <a:bodyPr/>
+          <a:lstStyle/>
+          <a:p>
+            <a:endParaRPr lang="en-US" dirty="0"/>
+          </a:p>
+        </p:txBody>
+      </p:sp>
+      <p:sp>
+        <p:nvSpPr>
+          <p:cNvPr id="4" name="Slide Number Placeholder 3"/>
+          <p:cNvSpPr>
+            <a:spLocks noGrp="1"/>
+          </p:cNvSpPr>
+          <p:nvPr>
+            <p:ph type="sldNum" sz="quarter" idx="10"/>
+          </p:nvPr>
+        </p:nvSpPr>
+        <p:spPr/>
+        <p:txBody>
+          <a:bodyPr/>
+          <a:lstStyle/>
+          <a:p>
+            <a:fld id="{979A0A40-088F-44CE-8547-8CF4D8B5748D}" type="slidenum">
+              <a:rPr lang="en-US" smtClean="0"/>
+              <a:t>25</a:t>
+            </a:fld>
+            <a:endParaRPr lang="en-US"/>
+          </a:p>
+        </p:txBody>
+      </p:sp>
+    </p:spTree>
+    <p:extLst>
+      <p:ext uri="{BB962C8B-B14F-4D97-AF65-F5344CB8AC3E}">
+        <p14:creationId xmlns:p14="http://schemas.microsoft.com/office/powerpoint/2010/main" val="737328833"/>
+      </p:ext>
+    </p:extLst>
+  </p:cSld>
+  <p:clrMapOvr>
+    <a:masterClrMapping/>
+  </p:clrMapOvr>
+</p:notes>
+</file>
+
+<file path=ppt/notesSlides/notesSlide22.xml><?xml version="1.0" encoding="utf-8"?>
+<p:notes xmlns:a="http://schemas.openxmlformats.org/drawingml/2006/main" xmlns:r="http://schemas.openxmlformats.org/officeDocument/2006/relationships" xmlns:p="http://schemas.openxmlformats.org/presentationml/2006/main">
+  <p:cSld>
+    <p:spTree>
+      <p:nvGrpSpPr>
+        <p:cNvPr id="1" name=""/>
+        <p:cNvGrpSpPr/>
+        <p:nvPr/>
+      </p:nvGrpSpPr>
+      <p:grpSpPr>
+        <a:xfrm>
+          <a:off x="0" y="0"/>
+          <a:ext cx="0" cy="0"/>
+          <a:chOff x="0" y="0"/>
+          <a:chExt cx="0" cy="0"/>
+        </a:xfrm>
+      </p:grpSpPr>
+      <p:sp>
+        <p:nvSpPr>
+          <p:cNvPr id="2" name="Slide Image Placeholder 1"/>
+          <p:cNvSpPr>
+            <a:spLocks noGrp="1" noRot="1" noChangeAspect="1"/>
+          </p:cNvSpPr>
+          <p:nvPr>
+            <p:ph type="sldImg"/>
+          </p:nvPr>
+        </p:nvSpPr>
+        <p:spPr/>
+      </p:sp>
+      <p:sp>
+        <p:nvSpPr>
+          <p:cNvPr id="3" name="Notes Placeholder 2"/>
+          <p:cNvSpPr>
+            <a:spLocks noGrp="1"/>
+          </p:cNvSpPr>
+          <p:nvPr>
+            <p:ph type="body" idx="1"/>
+          </p:nvPr>
+        </p:nvSpPr>
+        <p:spPr/>
+        <p:txBody>
+          <a:bodyPr/>
+          <a:lstStyle/>
+          <a:p>
+            <a:endParaRPr lang="en-US" dirty="0"/>
+          </a:p>
+        </p:txBody>
+      </p:sp>
+      <p:sp>
+        <p:nvSpPr>
+          <p:cNvPr id="4" name="Slide Number Placeholder 3"/>
+          <p:cNvSpPr>
+            <a:spLocks noGrp="1"/>
+          </p:cNvSpPr>
+          <p:nvPr>
+            <p:ph type="sldNum" sz="quarter" idx="10"/>
+          </p:nvPr>
+        </p:nvSpPr>
+        <p:spPr/>
+        <p:txBody>
+          <a:bodyPr/>
+          <a:lstStyle/>
+          <a:p>
+            <a:fld id="{979A0A40-088F-44CE-8547-8CF4D8B5748D}" type="slidenum">
+              <a:rPr lang="en-US" smtClean="0">
+                <a:solidFill>
+                  <a:prstClr val="black"/>
+                </a:solidFill>
+              </a:rPr>
+              <a:pPr/>
+              <a:t>26</a:t>
+            </a:fld>
+            <a:endParaRPr lang="en-US">
+              <a:solidFill>
+                <a:prstClr val="black"/>
+              </a:solidFill>
+            </a:endParaRPr>
+          </a:p>
+        </p:txBody>
+      </p:sp>
+    </p:spTree>
+    <p:extLst>
+      <p:ext uri="{BB962C8B-B14F-4D97-AF65-F5344CB8AC3E}">
+        <p14:creationId xmlns:p14="http://schemas.microsoft.com/office/powerpoint/2010/main" val="737328833"/>
+      </p:ext>
+    </p:extLst>
+  </p:cSld>
+  <p:clrMapOvr>
+    <a:masterClrMapping/>
+  </p:clrMapOvr>
+</p:notes>
+</file>
+
+<file path=ppt/notesSlides/notesSlide23.xml><?xml version="1.0" encoding="utf-8"?>
+<p:notes xmlns:a="http://schemas.openxmlformats.org/drawingml/2006/main" xmlns:r="http://schemas.openxmlformats.org/officeDocument/2006/relationships" xmlns:p="http://schemas.openxmlformats.org/presentationml/2006/main">
+  <p:cSld>
+    <p:spTree>
+      <p:nvGrpSpPr>
+        <p:cNvPr id="1" name=""/>
+        <p:cNvGrpSpPr/>
+        <p:nvPr/>
+      </p:nvGrpSpPr>
+      <p:grpSpPr>
+        <a:xfrm>
+          <a:off x="0" y="0"/>
+          <a:ext cx="0" cy="0"/>
+          <a:chOff x="0" y="0"/>
+          <a:chExt cx="0" cy="0"/>
+        </a:xfrm>
+      </p:grpSpPr>
+      <p:sp>
+        <p:nvSpPr>
+          <p:cNvPr id="2" name="Slide Image Placeholder 1"/>
+          <p:cNvSpPr>
+            <a:spLocks noGrp="1" noRot="1" noChangeAspect="1"/>
+          </p:cNvSpPr>
+          <p:nvPr>
+            <p:ph type="sldImg"/>
+          </p:nvPr>
+        </p:nvSpPr>
+        <p:spPr/>
+      </p:sp>
+      <p:sp>
+        <p:nvSpPr>
+          <p:cNvPr id="3" name="Notes Placeholder 2"/>
+          <p:cNvSpPr>
+            <a:spLocks noGrp="1"/>
+          </p:cNvSpPr>
+          <p:nvPr>
+            <p:ph type="body" idx="1"/>
+          </p:nvPr>
+        </p:nvSpPr>
+        <p:spPr/>
+        <p:txBody>
+          <a:bodyPr/>
+          <a:lstStyle/>
+          <a:p>
+            <a:r>
+              <a:rPr lang="en-US" sz="1200" b="0" i="0" u="none" strike="noStrike" kern="1200" baseline="0" dirty="0">
+                <a:solidFill>
+                  <a:schemeClr val="tx1"/>
+                </a:solidFill>
+                <a:latin typeface="+mn-lt"/>
+                <a:ea typeface="+mn-ea"/>
+                <a:cs typeface="+mn-cs"/>
+              </a:rPr>
+              <a:t>SDC: pseudo-prosodic feature, shifted delta op on acoustic feature</a:t>
+            </a:r>
+            <a:endParaRPr lang="en-US" dirty="0"/>
+          </a:p>
+        </p:txBody>
+      </p:sp>
+      <p:sp>
+        <p:nvSpPr>
+          <p:cNvPr id="4" name="Slide Number Placeholder 3"/>
+          <p:cNvSpPr>
+            <a:spLocks noGrp="1"/>
+          </p:cNvSpPr>
+          <p:nvPr>
+            <p:ph type="sldNum" sz="quarter" idx="10"/>
+          </p:nvPr>
+        </p:nvSpPr>
+        <p:spPr/>
+        <p:txBody>
+          <a:bodyPr/>
+          <a:lstStyle/>
+          <a:p>
+            <a:fld id="{979A0A40-088F-44CE-8547-8CF4D8B5748D}" type="slidenum">
+              <a:rPr lang="en-US" smtClean="0">
+                <a:solidFill>
+                  <a:prstClr val="black"/>
+                </a:solidFill>
+              </a:rPr>
+              <a:pPr/>
+              <a:t>27</a:t>
+            </a:fld>
+            <a:endParaRPr lang="en-US">
+              <a:solidFill>
+                <a:prstClr val="black"/>
+              </a:solidFill>
+            </a:endParaRPr>
+          </a:p>
+        </p:txBody>
+      </p:sp>
+    </p:spTree>
+    <p:extLst>
+      <p:ext uri="{BB962C8B-B14F-4D97-AF65-F5344CB8AC3E}">
+        <p14:creationId xmlns:p14="http://schemas.microsoft.com/office/powerpoint/2010/main" val="737328833"/>
+      </p:ext>
+    </p:extLst>
+  </p:cSld>
+  <p:clrMapOvr>
+    <a:masterClrMapping/>
+  </p:clrMapOvr>
+</p:notes>
+</file>
+
+<file path=ppt/notesSlides/notesSlide24.xml><?xml version="1.0" encoding="utf-8"?>
+<p:notes xmlns:a="http://schemas.openxmlformats.org/drawingml/2006/main" xmlns:r="http://schemas.openxmlformats.org/officeDocument/2006/relationships" xmlns:p="http://schemas.openxmlformats.org/presentationml/2006/main">
+  <p:cSld>
+    <p:spTree>
+      <p:nvGrpSpPr>
+        <p:cNvPr id="1" name=""/>
+        <p:cNvGrpSpPr/>
+        <p:nvPr/>
+      </p:nvGrpSpPr>
+      <p:grpSpPr>
+        <a:xfrm>
+          <a:off x="0" y="0"/>
+          <a:ext cx="0" cy="0"/>
+          <a:chOff x="0" y="0"/>
+          <a:chExt cx="0" cy="0"/>
+        </a:xfrm>
+      </p:grpSpPr>
+      <p:sp>
+        <p:nvSpPr>
+          <p:cNvPr id="2" name="Slide Image Placeholder 1"/>
+          <p:cNvSpPr>
+            <a:spLocks noGrp="1" noRot="1" noChangeAspect="1"/>
+          </p:cNvSpPr>
+          <p:nvPr>
+            <p:ph type="sldImg"/>
+          </p:nvPr>
+        </p:nvSpPr>
+        <p:spPr/>
+      </p:sp>
+      <p:sp>
+        <p:nvSpPr>
+          <p:cNvPr id="3" name="Notes Placeholder 2"/>
+          <p:cNvSpPr>
+            <a:spLocks noGrp="1"/>
+          </p:cNvSpPr>
+          <p:nvPr>
+            <p:ph type="body" idx="1"/>
+          </p:nvPr>
+        </p:nvSpPr>
+        <p:spPr/>
+        <p:txBody>
+          <a:bodyPr/>
+          <a:lstStyle/>
+          <a:p>
+            <a:endParaRPr lang="en-US" dirty="0"/>
+          </a:p>
+        </p:txBody>
+      </p:sp>
+      <p:sp>
+        <p:nvSpPr>
+          <p:cNvPr id="4" name="Slide Number Placeholder 3"/>
+          <p:cNvSpPr>
+            <a:spLocks noGrp="1"/>
+          </p:cNvSpPr>
+          <p:nvPr>
+            <p:ph type="sldNum" sz="quarter" idx="10"/>
+          </p:nvPr>
+        </p:nvSpPr>
+        <p:spPr/>
+        <p:txBody>
+          <a:bodyPr/>
+          <a:lstStyle/>
+          <a:p>
+            <a:fld id="{979A0A40-088F-44CE-8547-8CF4D8B5748D}" type="slidenum">
+              <a:rPr lang="en-US" smtClean="0">
+                <a:solidFill>
+                  <a:prstClr val="black"/>
+                </a:solidFill>
+              </a:rPr>
+              <a:pPr/>
+              <a:t>28</a:t>
+            </a:fld>
+            <a:endParaRPr lang="en-US">
+              <a:solidFill>
+                <a:prstClr val="black"/>
+              </a:solidFill>
+            </a:endParaRPr>
           </a:p>
         </p:txBody>
       </p:sp>
@@ -2058,7 +2556,7 @@
           <a:lstStyle/>
           <a:p>
             <a:r>
-              <a:rPr lang="en-US" sz="1200" dirty="0" smtClean="0"/>
+              <a:rPr lang="en-US" sz="1200" dirty="0"/>
               <a:t>In this paper, a baseline system for the LID system in multilingual environments has been developed using GMM as a classifier and MFCC combined with Shifted-Delta-Cepstral (SDC) as front end processing feature vectors. </a:t>
             </a:r>
             <a:endParaRPr lang="en-US" dirty="0"/>
@@ -2147,16 +2645,16 @@
           <a:lstStyle/>
           <a:p>
             <a:r>
-              <a:rPr lang="en-US" sz="1200" dirty="0" smtClean="0"/>
+              <a:rPr lang="en-US" sz="1200" dirty="0"/>
               <a:t> and then modeled each clip as a multivariate Gaussian distribution by computing the mean and variance of each feature across each clip</a:t>
             </a:r>
           </a:p>
           <a:p>
             <a:r>
-              <a:rPr lang="en-US" sz="1200" dirty="0" smtClean="0"/>
+              <a:rPr lang="en-US" sz="1200" dirty="0"/>
               <a:t>Averaging out any noise in the signal, as well as reducing the number of training examples, considerably decreasing computation time.</a:t>
             </a:r>
-            <a:endParaRPr lang="en-US" dirty="0" smtClean="0"/>
+            <a:endParaRPr lang="en-US" dirty="0"/>
           </a:p>
           <a:p>
             <a:endParaRPr lang="en-US" dirty="0"/>
@@ -2563,7 +3061,7 @@
             <a:fld id="{1D8BD707-D9CF-40AE-B4C6-C98DA3205C09}" type="datetimeFigureOut">
               <a:rPr lang="en-US" smtClean="0"/>
               <a:pPr/>
-              <a:t>30/5/2017</a:t>
+              <a:t>30-May-17</a:t>
             </a:fld>
             <a:endParaRPr lang="en-US"/>
           </a:p>
@@ -2729,7 +3227,7 @@
             <a:fld id="{1D8BD707-D9CF-40AE-B4C6-C98DA3205C09}" type="datetimeFigureOut">
               <a:rPr lang="en-US" smtClean="0"/>
               <a:pPr/>
-              <a:t>30/5/2017</a:t>
+              <a:t>30-May-17</a:t>
             </a:fld>
             <a:endParaRPr lang="en-US"/>
           </a:p>
@@ -2905,7 +3403,7 @@
             <a:fld id="{1D8BD707-D9CF-40AE-B4C6-C98DA3205C09}" type="datetimeFigureOut">
               <a:rPr lang="en-US" smtClean="0"/>
               <a:pPr/>
-              <a:t>30/5/2017</a:t>
+              <a:t>30-May-17</a:t>
             </a:fld>
             <a:endParaRPr lang="en-US"/>
           </a:p>
@@ -3162,7 +3660,7 @@
                 </a:solidFill>
               </a:rPr>
               <a:pPr/>
-              <a:t>30/5/2017</a:t>
+              <a:t>30-May-17</a:t>
             </a:fld>
             <a:endParaRPr lang="en-US">
               <a:solidFill>
@@ -3387,7 +3885,7 @@
                 </a:solidFill>
               </a:rPr>
               <a:pPr/>
-              <a:t>30/5/2017</a:t>
+              <a:t>30-May-17</a:t>
             </a:fld>
             <a:endParaRPr lang="en-US">
               <a:solidFill>
@@ -3691,7 +4189,7 @@
                 </a:solidFill>
               </a:rPr>
               <a:pPr/>
-              <a:t>30/5/2017</a:t>
+              <a:t>30-May-17</a:t>
             </a:fld>
             <a:endParaRPr lang="en-US">
               <a:solidFill>
@@ -4092,7 +4590,7 @@
                 </a:solidFill>
               </a:rPr>
               <a:pPr/>
-              <a:t>30/5/2017</a:t>
+              <a:t>30-May-17</a:t>
             </a:fld>
             <a:endParaRPr lang="en-US">
               <a:solidFill>
@@ -4440,7 +4938,7 @@
                 </a:solidFill>
               </a:rPr>
               <a:pPr/>
-              <a:t>30/5/2017</a:t>
+              <a:t>30-May-17</a:t>
             </a:fld>
             <a:endParaRPr lang="en-US">
               <a:solidFill>
@@ -4709,7 +5207,7 @@
                 </a:solidFill>
               </a:rPr>
               <a:pPr/>
-              <a:t>30/5/2017</a:t>
+              <a:t>30-May-17</a:t>
             </a:fld>
             <a:endParaRPr lang="en-US">
               <a:solidFill>
@@ -4841,7 +5339,7 @@
                 </a:solidFill>
               </a:rPr>
               <a:pPr/>
-              <a:t>30/5/2017</a:t>
+              <a:t>30-May-17</a:t>
             </a:fld>
             <a:endParaRPr lang="en-US">
               <a:solidFill>
@@ -5171,7 +5669,7 @@
                 </a:solidFill>
               </a:rPr>
               <a:pPr/>
-              <a:t>30/5/2017</a:t>
+              <a:t>30-May-17</a:t>
             </a:fld>
             <a:endParaRPr lang="en-US">
               <a:solidFill>
@@ -5389,7 +5887,7 @@
             <a:fld id="{1D8BD707-D9CF-40AE-B4C6-C98DA3205C09}" type="datetimeFigureOut">
               <a:rPr lang="en-US" smtClean="0"/>
               <a:pPr/>
-              <a:t>30/5/2017</a:t>
+              <a:t>30-May-17</a:t>
             </a:fld>
             <a:endParaRPr lang="en-US"/>
           </a:p>
@@ -5667,7 +6165,7 @@
                 </a:solidFill>
               </a:rPr>
               <a:pPr/>
-              <a:t>30/5/2017</a:t>
+              <a:t>30-May-17</a:t>
             </a:fld>
             <a:endParaRPr lang="en-US">
               <a:solidFill>
@@ -5873,7 +6371,7 @@
                 </a:solidFill>
               </a:rPr>
               <a:pPr/>
-              <a:t>30/5/2017</a:t>
+              <a:t>30-May-17</a:t>
             </a:fld>
             <a:endParaRPr lang="en-US">
               <a:solidFill>
@@ -6089,7 +6587,7 @@
                 </a:solidFill>
               </a:rPr>
               <a:pPr/>
-              <a:t>30/5/2017</a:t>
+              <a:t>30-May-17</a:t>
             </a:fld>
             <a:endParaRPr lang="en-US">
               <a:solidFill>
@@ -6379,7 +6877,7 @@
                 </a:solidFill>
               </a:rPr>
               <a:pPr/>
-              <a:t>30/5/2017</a:t>
+              <a:t>30-May-17</a:t>
             </a:fld>
             <a:endParaRPr lang="en-US">
               <a:solidFill>
@@ -6604,7 +7102,7 @@
                 </a:solidFill>
               </a:rPr>
               <a:pPr/>
-              <a:t>30/5/2017</a:t>
+              <a:t>30-May-17</a:t>
             </a:fld>
             <a:endParaRPr lang="en-US">
               <a:solidFill>
@@ -6908,7 +7406,7 @@
                 </a:solidFill>
               </a:rPr>
               <a:pPr/>
-              <a:t>30/5/2017</a:t>
+              <a:t>30-May-17</a:t>
             </a:fld>
             <a:endParaRPr lang="en-US">
               <a:solidFill>
@@ -7309,7 +7807,7 @@
                 </a:solidFill>
               </a:rPr>
               <a:pPr/>
-              <a:t>30/5/2017</a:t>
+              <a:t>30-May-17</a:t>
             </a:fld>
             <a:endParaRPr lang="en-US">
               <a:solidFill>
@@ -7657,7 +8155,7 @@
                 </a:solidFill>
               </a:rPr>
               <a:pPr/>
-              <a:t>30/5/2017</a:t>
+              <a:t>30-May-17</a:t>
             </a:fld>
             <a:endParaRPr lang="en-US">
               <a:solidFill>
@@ -7926,7 +8424,7 @@
                 </a:solidFill>
               </a:rPr>
               <a:pPr/>
-              <a:t>30/5/2017</a:t>
+              <a:t>30-May-17</a:t>
             </a:fld>
             <a:endParaRPr lang="en-US">
               <a:solidFill>
@@ -8058,7 +8556,7 @@
                 </a:solidFill>
               </a:rPr>
               <a:pPr/>
-              <a:t>30/5/2017</a:t>
+              <a:t>30-May-17</a:t>
             </a:fld>
             <a:endParaRPr lang="en-US">
               <a:solidFill>
@@ -8355,7 +8853,7 @@
             <a:fld id="{1D8BD707-D9CF-40AE-B4C6-C98DA3205C09}" type="datetimeFigureOut">
               <a:rPr lang="en-US" smtClean="0"/>
               <a:pPr/>
-              <a:t>30/5/2017</a:t>
+              <a:t>30-May-17</a:t>
             </a:fld>
             <a:endParaRPr lang="en-US"/>
           </a:p>
@@ -8802,7 +9300,7 @@
                 </a:solidFill>
               </a:rPr>
               <a:pPr/>
-              <a:t>30/5/2017</a:t>
+              <a:t>30-May-17</a:t>
             </a:fld>
             <a:endParaRPr lang="en-US">
               <a:solidFill>
@@ -9113,7 +9611,7 @@
                 </a:solidFill>
               </a:rPr>
               <a:pPr/>
-              <a:t>30/5/2017</a:t>
+              <a:t>30-May-17</a:t>
             </a:fld>
             <a:endParaRPr lang="en-US">
               <a:solidFill>
@@ -9319,7 +9817,7 @@
                 </a:solidFill>
               </a:rPr>
               <a:pPr/>
-              <a:t>30/5/2017</a:t>
+              <a:t>30-May-17</a:t>
             </a:fld>
             <a:endParaRPr lang="en-US">
               <a:solidFill>
@@ -9535,7 +10033,7 @@
                 </a:solidFill>
               </a:rPr>
               <a:pPr/>
-              <a:t>30/5/2017</a:t>
+              <a:t>30-May-17</a:t>
             </a:fld>
             <a:endParaRPr lang="en-US">
               <a:solidFill>
@@ -9825,7 +10323,7 @@
                 </a:solidFill>
               </a:rPr>
               <a:pPr/>
-              <a:t>30/5/2017</a:t>
+              <a:t>30-May-17</a:t>
             </a:fld>
             <a:endParaRPr lang="en-US">
               <a:solidFill>
@@ -10050,7 +10548,7 @@
                 </a:solidFill>
               </a:rPr>
               <a:pPr/>
-              <a:t>30/5/2017</a:t>
+              <a:t>30-May-17</a:t>
             </a:fld>
             <a:endParaRPr lang="en-US">
               <a:solidFill>
@@ -10354,7 +10852,7 @@
                 </a:solidFill>
               </a:rPr>
               <a:pPr/>
-              <a:t>30/5/2017</a:t>
+              <a:t>30-May-17</a:t>
             </a:fld>
             <a:endParaRPr lang="en-US">
               <a:solidFill>
@@ -10755,7 +11253,7 @@
                 </a:solidFill>
               </a:rPr>
               <a:pPr/>
-              <a:t>30/5/2017</a:t>
+              <a:t>30-May-17</a:t>
             </a:fld>
             <a:endParaRPr lang="en-US">
               <a:solidFill>
@@ -11103,7 +11601,7 @@
                 </a:solidFill>
               </a:rPr>
               <a:pPr/>
-              <a:t>30/5/2017</a:t>
+              <a:t>30-May-17</a:t>
             </a:fld>
             <a:endParaRPr lang="en-US">
               <a:solidFill>
@@ -11372,7 +11870,7 @@
                 </a:solidFill>
               </a:rPr>
               <a:pPr/>
-              <a:t>30/5/2017</a:t>
+              <a:t>30-May-17</a:t>
             </a:fld>
             <a:endParaRPr lang="en-US">
               <a:solidFill>
@@ -11604,7 +12102,7 @@
             <a:fld id="{1D8BD707-D9CF-40AE-B4C6-C98DA3205C09}" type="datetimeFigureOut">
               <a:rPr lang="en-US" smtClean="0"/>
               <a:pPr/>
-              <a:t>30/5/2017</a:t>
+              <a:t>30-May-17</a:t>
             </a:fld>
             <a:endParaRPr lang="en-US"/>
           </a:p>
@@ -11759,7 +12257,7 @@
                 </a:solidFill>
               </a:rPr>
               <a:pPr/>
-              <a:t>30/5/2017</a:t>
+              <a:t>30-May-17</a:t>
             </a:fld>
             <a:endParaRPr lang="en-US">
               <a:solidFill>
@@ -12089,7 +12587,7 @@
                 </a:solidFill>
               </a:rPr>
               <a:pPr/>
-              <a:t>30/5/2017</a:t>
+              <a:t>30-May-17</a:t>
             </a:fld>
             <a:endParaRPr lang="en-US">
               <a:solidFill>
@@ -12400,7 +12898,7 @@
                 </a:solidFill>
               </a:rPr>
               <a:pPr/>
-              <a:t>30/5/2017</a:t>
+              <a:t>30-May-17</a:t>
             </a:fld>
             <a:endParaRPr lang="en-US">
               <a:solidFill>
@@ -12606,7 +13104,7 @@
                 </a:solidFill>
               </a:rPr>
               <a:pPr/>
-              <a:t>30/5/2017</a:t>
+              <a:t>30-May-17</a:t>
             </a:fld>
             <a:endParaRPr lang="en-US">
               <a:solidFill>
@@ -12822,7 +13320,7 @@
                 </a:solidFill>
               </a:rPr>
               <a:pPr/>
-              <a:t>30/5/2017</a:t>
+              <a:t>30-May-17</a:t>
             </a:fld>
             <a:endParaRPr lang="en-US">
               <a:solidFill>
@@ -13107,7 +13605,7 @@
             <a:fld id="{1D8BD707-D9CF-40AE-B4C6-C98DA3205C09}" type="datetimeFigureOut">
               <a:rPr lang="en-US" smtClean="0"/>
               <a:pPr/>
-              <a:t>30/5/2017</a:t>
+              <a:t>30-May-17</a:t>
             </a:fld>
             <a:endParaRPr lang="en-US"/>
           </a:p>
@@ -13336,7 +13834,7 @@
             <a:fld id="{1D8BD707-D9CF-40AE-B4C6-C98DA3205C09}" type="datetimeFigureOut">
               <a:rPr lang="en-US" smtClean="0"/>
               <a:pPr/>
-              <a:t>30/5/2017</a:t>
+              <a:t>30-May-17</a:t>
             </a:fld>
             <a:endParaRPr lang="en-US"/>
           </a:p>
@@ -13428,7 +13926,7 @@
             <a:fld id="{1D8BD707-D9CF-40AE-B4C6-C98DA3205C09}" type="datetimeFigureOut">
               <a:rPr lang="en-US" smtClean="0"/>
               <a:pPr/>
-              <a:t>30/5/2017</a:t>
+              <a:t>30-May-17</a:t>
             </a:fld>
             <a:endParaRPr lang="en-US"/>
           </a:p>
@@ -13718,7 +14216,7 @@
             <a:fld id="{1D8BD707-D9CF-40AE-B4C6-C98DA3205C09}" type="datetimeFigureOut">
               <a:rPr lang="en-US" smtClean="0"/>
               <a:pPr/>
-              <a:t>30/5/2017</a:t>
+              <a:t>30-May-17</a:t>
             </a:fld>
             <a:endParaRPr lang="en-US"/>
           </a:p>
@@ -13989,7 +14487,7 @@
             <a:fld id="{1D8BD707-D9CF-40AE-B4C6-C98DA3205C09}" type="datetimeFigureOut">
               <a:rPr lang="en-US" smtClean="0"/>
               <a:pPr/>
-              <a:t>30/5/2017</a:t>
+              <a:t>30-May-17</a:t>
             </a:fld>
             <a:endParaRPr lang="en-US"/>
           </a:p>
@@ -14201,7 +14699,7 @@
             <a:fld id="{1D8BD707-D9CF-40AE-B4C6-C98DA3205C09}" type="datetimeFigureOut">
               <a:rPr lang="en-US" smtClean="0"/>
               <a:pPr/>
-              <a:t>30/5/2017</a:t>
+              <a:t>30-May-17</a:t>
             </a:fld>
             <a:endParaRPr lang="en-US"/>
           </a:p>
@@ -14865,7 +15363,7 @@
                 </a:solidFill>
               </a:rPr>
               <a:pPr/>
-              <a:t>30/5/2017</a:t>
+              <a:t>30-May-17</a:t>
             </a:fld>
             <a:endParaRPr lang="en-US">
               <a:solidFill>
@@ -15563,7 +16061,7 @@
                 </a:solidFill>
               </a:rPr>
               <a:pPr/>
-              <a:t>30/5/2017</a:t>
+              <a:t>30-May-17</a:t>
             </a:fld>
             <a:endParaRPr lang="en-US">
               <a:solidFill>
@@ -16261,7 +16759,7 @@
                 </a:solidFill>
               </a:rPr>
               <a:pPr/>
-              <a:t>30/5/2017</a:t>
+              <a:t>30-May-17</a:t>
             </a:fld>
             <a:endParaRPr lang="en-US">
               <a:solidFill>
@@ -16997,39 +17495,47 @@
           </a:bodyPr>
           <a:lstStyle/>
           <a:p>
+            <a:pPr algn="just"/>
             <a:r>
               <a:rPr lang="en-IN" sz="2200" dirty="0"/>
               <a:t>We obtained our language dataset from Audio Lingua.</a:t>
             </a:r>
           </a:p>
           <a:p>
+            <a:pPr algn="just"/>
             <a:endParaRPr lang="en-IN" sz="2200" dirty="0"/>
           </a:p>
           <a:p>
+            <a:pPr algn="just"/>
             <a:r>
               <a:rPr lang="en-IN" sz="2200" dirty="0"/>
               <a:t>The dataset includes 170 distinct speakers for each language.</a:t>
             </a:r>
           </a:p>
           <a:p>
+            <a:pPr algn="just"/>
             <a:endParaRPr lang="en-IN" sz="2200" dirty="0"/>
           </a:p>
           <a:p>
+            <a:pPr algn="just"/>
             <a:r>
               <a:rPr lang="en-IN" sz="2200" dirty="0"/>
               <a:t>The dataset is assumed to be clean. It is pre-processed and split to multiple equal sized (5 sec) audio samples.</a:t>
             </a:r>
           </a:p>
           <a:p>
+            <a:pPr algn="just"/>
             <a:endParaRPr lang="en-IN" sz="2200" dirty="0"/>
           </a:p>
           <a:p>
+            <a:pPr algn="just"/>
             <a:r>
               <a:rPr lang="en-IN" sz="2200" dirty="0"/>
               <a:t>One audio samples is treated as a single data point. This is done to average out any noise component in the speech. </a:t>
             </a:r>
           </a:p>
           <a:p>
+            <a:pPr algn="just"/>
             <a:endParaRPr lang="en-US" sz="2200" dirty="0"/>
           </a:p>
         </p:txBody>
@@ -17113,6 +17619,7 @@
           </a:bodyPr>
           <a:lstStyle/>
           <a:p>
+            <a:pPr algn="just"/>
             <a:r>
               <a:rPr lang="en-IN" sz="1800" dirty="0"/>
               <a:t>Audio Sample is divided into frames of 25ms(400 frames) with a window hop of 10ms(100 frames).</a:t>
@@ -17123,33 +17630,40 @@
             <a:endParaRPr lang="en-IN" sz="1800" dirty="0"/>
           </a:p>
           <a:p>
+            <a:pPr algn="just"/>
             <a:r>
               <a:rPr lang="en-IN" sz="1800" dirty="0"/>
               <a:t>Sliding Window is used processing the audio sample.</a:t>
             </a:r>
           </a:p>
           <a:p>
+            <a:pPr algn="just"/>
             <a:endParaRPr lang="en-IN" sz="1800" dirty="0"/>
           </a:p>
           <a:p>
+            <a:pPr algn="just"/>
             <a:r>
               <a:rPr lang="en-IN" sz="1800" dirty="0"/>
               <a:t>This overlapping of windows prevents spectral loss that is caused by framing.</a:t>
             </a:r>
           </a:p>
           <a:p>
+            <a:pPr algn="just"/>
             <a:endParaRPr lang="en-IN" sz="1800" dirty="0"/>
           </a:p>
           <a:p>
+            <a:pPr algn="just"/>
             <a:r>
               <a:rPr lang="en-IN" sz="1800" dirty="0"/>
               <a:t>For each frame 13 mfcc features are calculated.</a:t>
             </a:r>
           </a:p>
           <a:p>
+            <a:pPr algn="just"/>
             <a:endParaRPr lang="en-IN" sz="1800" dirty="0"/>
           </a:p>
           <a:p>
+            <a:pPr algn="just"/>
             <a:r>
               <a:rPr lang="en-IN" sz="1800" dirty="0"/>
               <a:t>Using these mfcc features, delta mfcc, delta </a:t>
@@ -17164,7 +17678,7 @@
             </a:r>
           </a:p>
           <a:p>
-            <a:pPr>
+            <a:pPr algn="just">
               <a:buNone/>
             </a:pPr>
             <a:endParaRPr lang="en-IN" sz="1800" dirty="0"/>
@@ -17471,8 +17985,8 @@
           </a:p>
         </p:txBody>
       </p:sp>
-      <mc:AlternateContent xmlns:mc="http://schemas.openxmlformats.org/markup-compatibility/2006" xmlns:a14="http://schemas.microsoft.com/office/drawing/2010/main">
-        <mc:Choice Requires="a14">
+      <mc:AlternateContent xmlns:mc="http://schemas.openxmlformats.org/markup-compatibility/2006">
+        <mc:Choice xmlns:a14="http://schemas.microsoft.com/office/drawing/2010/main" Requires="a14">
           <p:sp>
             <p:nvSpPr>
               <p:cNvPr id="3" name="Content Placeholder 2"/>
@@ -17491,265 +18005,272 @@
             </p:spPr>
             <p:txBody>
               <a:bodyPr>
-                <a:normAutofit/>
+                <a:normAutofit fontScale="92500"/>
               </a:bodyPr>
               <a:lstStyle/>
               <a:p>
+                <a:pPr algn="just"/>
                 <a:r>
                   <a:rPr lang="en-US" dirty="0"/>
                   <a:t>Advantages: Shorter training and prediction time, weeds out irrelevant features, less resource are used, prevents overfitting and avoids curse of dimensionality.</a:t>
                 </a:r>
               </a:p>
               <a:p>
+                <a:pPr algn="just"/>
                 <a:endParaRPr lang="en-US" dirty="0"/>
               </a:p>
               <a:p>
+                <a:pPr algn="just"/>
                 <a:r>
                   <a:rPr lang="en-US" dirty="0"/>
                   <a:t>Pearson's chi-squared statistics is used to calculate p-value of each feature using formula:</a:t>
                 </a:r>
               </a:p>
               <a:p>
-                <a:pPr marL="0" indent="0" algn="ctr">
+                <a:pPr marL="0" indent="0" algn="just">
                   <a:buNone/>
                 </a:pPr>
                 <a14:m>
-                  <m:oMath xmlns:m="http://schemas.openxmlformats.org/officeDocument/2006/math">
-                    <m:sSup>
-                      <m:sSupPr>
-                        <m:ctrlPr>
-                          <a:rPr lang="en-US" i="1">
-                            <a:latin typeface="Cambria Math"/>
-                          </a:rPr>
-                        </m:ctrlPr>
-                      </m:sSupPr>
-                      <m:e>
-                        <m:r>
-                          <m:rPr>
-                            <m:sty m:val="p"/>
-                          </m:rPr>
-                          <a:rPr lang="en-US">
-                            <a:latin typeface="Cambria Math"/>
-                          </a:rPr>
-                          <m:t>χ</m:t>
-                        </m:r>
-                      </m:e>
-                      <m:sup>
-                        <m:r>
-                          <a:rPr lang="en-US" i="1">
-                            <a:latin typeface="Cambria Math"/>
-                          </a:rPr>
-                          <m:t>2</m:t>
-                        </m:r>
-                      </m:sup>
-                    </m:sSup>
-                    <m:r>
-                      <a:rPr lang="en-US" i="1">
-                        <a:latin typeface="Cambria Math"/>
-                      </a:rPr>
-                      <m:t>=</m:t>
-                    </m:r>
-                    <m:nary>
-                      <m:naryPr>
-                        <m:chr m:val="∑"/>
-                        <m:grow m:val="on"/>
-                        <m:ctrlPr>
-                          <a:rPr lang="en-US" i="1">
-                            <a:latin typeface="Cambria Math"/>
-                          </a:rPr>
-                        </m:ctrlPr>
-                      </m:naryPr>
-                      <m:sub>
-                        <m:r>
-                          <a:rPr lang="en-US" i="1">
-                            <a:latin typeface="Cambria Math"/>
-                          </a:rPr>
-                          <m:t>𝑖</m:t>
-                        </m:r>
-                        <m:r>
-                          <a:rPr lang="en-US" i="1">
-                            <a:latin typeface="Cambria Math"/>
-                          </a:rPr>
-                          <m:t>=1</m:t>
-                        </m:r>
-                      </m:sub>
-                      <m:sup>
-                        <m:r>
-                          <a:rPr lang="en-US" i="1">
-                            <a:latin typeface="Cambria Math"/>
-                          </a:rPr>
-                          <m:t>𝑛</m:t>
-                        </m:r>
-                      </m:sup>
-                      <m:e>
-                        <m:f>
-                          <m:fPr>
-                            <m:ctrlPr>
-                              <a:rPr lang="en-US" i="1">
-                                <a:latin typeface="Cambria Math"/>
-                              </a:rPr>
-                            </m:ctrlPr>
-                          </m:fPr>
-                          <m:num>
-                            <m:sSup>
-                              <m:sSupPr>
-                                <m:ctrlPr>
-                                  <a:rPr lang="en-US" i="1">
-                                    <a:latin typeface="Cambria Math"/>
-                                  </a:rPr>
-                                </m:ctrlPr>
-                              </m:sSupPr>
-                              <m:e>
-                                <m:r>
-                                  <a:rPr lang="en-US" i="1">
-                                    <a:latin typeface="Cambria Math"/>
-                                  </a:rPr>
-                                  <m:t>(</m:t>
-                                </m:r>
-                                <m:sSub>
-                                  <m:sSubPr>
-                                    <m:ctrlPr>
-                                      <a:rPr lang="en-US" i="1">
-                                        <a:latin typeface="Cambria Math"/>
-                                      </a:rPr>
-                                    </m:ctrlPr>
-                                  </m:sSubPr>
-                                  <m:e>
-                                    <m:r>
-                                      <m:rPr>
-                                        <m:sty m:val="p"/>
-                                      </m:rPr>
-                                      <a:rPr lang="en-US">
-                                        <a:latin typeface="Cambria Math"/>
-                                      </a:rPr>
-                                      <m:t>O</m:t>
-                                    </m:r>
-                                  </m:e>
-                                  <m:sub>
-                                    <m:r>
-                                      <a:rPr lang="en-US" i="1">
-                                        <a:latin typeface="Cambria Math"/>
-                                      </a:rPr>
-                                      <m:t>𝑖</m:t>
-                                    </m:r>
-                                    <m:r>
-                                      <a:rPr lang="en-US" i="1">
-                                        <a:latin typeface="Cambria Math"/>
-                                      </a:rPr>
-                                      <m:t> </m:t>
-                                    </m:r>
-                                  </m:sub>
-                                </m:sSub>
-                                <m:r>
-                                  <a:rPr lang="en-US" i="1">
-                                    <a:latin typeface="Cambria Math"/>
-                                  </a:rPr>
-                                  <m:t>− </m:t>
-                                </m:r>
-                                <m:sSub>
-                                  <m:sSubPr>
-                                    <m:ctrlPr>
-                                      <a:rPr lang="en-US" i="1">
-                                        <a:latin typeface="Cambria Math"/>
-                                      </a:rPr>
-                                    </m:ctrlPr>
-                                  </m:sSubPr>
-                                  <m:e>
-                                    <m:r>
-                                      <m:rPr>
-                                        <m:sty m:val="p"/>
-                                      </m:rPr>
-                                      <a:rPr lang="en-US">
-                                        <a:latin typeface="Cambria Math"/>
-                                      </a:rPr>
-                                      <m:t>E</m:t>
-                                    </m:r>
-                                  </m:e>
-                                  <m:sub>
-                                    <m:r>
-                                      <a:rPr lang="en-US" i="1">
-                                        <a:latin typeface="Cambria Math"/>
-                                      </a:rPr>
-                                      <m:t>𝑖</m:t>
-                                    </m:r>
-                                  </m:sub>
-                                </m:sSub>
-                                <m:r>
-                                  <a:rPr lang="en-US" i="1">
-                                    <a:latin typeface="Cambria Math"/>
-                                  </a:rPr>
-                                  <m:t>)</m:t>
-                                </m:r>
-                              </m:e>
-                              <m:sup>
-                                <m:r>
-                                  <a:rPr lang="en-US" i="1">
-                                    <a:latin typeface="Cambria Math"/>
-                                  </a:rPr>
-                                  <m:t>2</m:t>
-                                </m:r>
-                              </m:sup>
-                            </m:sSup>
-                          </m:num>
-                          <m:den>
-                            <m:sSub>
-                              <m:sSubPr>
-                                <m:ctrlPr>
-                                  <a:rPr lang="en-US" i="1">
-                                    <a:latin typeface="Cambria Math"/>
-                                  </a:rPr>
-                                </m:ctrlPr>
-                              </m:sSubPr>
-                              <m:e>
-                                <m:r>
-                                  <m:rPr>
-                                    <m:sty m:val="p"/>
-                                  </m:rPr>
-                                  <a:rPr lang="en-US">
-                                    <a:latin typeface="Cambria Math"/>
-                                  </a:rPr>
-                                  <m:t>E</m:t>
-                                </m:r>
-                              </m:e>
-                              <m:sub>
-                                <m:r>
-                                  <a:rPr lang="en-US" i="1">
-                                    <a:latin typeface="Cambria Math"/>
-                                  </a:rPr>
-                                  <m:t>𝑖</m:t>
-                                </m:r>
-                              </m:sub>
-                            </m:sSub>
-                          </m:den>
-                        </m:f>
-                      </m:e>
-                    </m:nary>
-                  </m:oMath>
+                  <m:oMathPara xmlns:m="http://schemas.openxmlformats.org/officeDocument/2006/math">
+                    <m:oMathParaPr>
+                      <m:jc m:val="centerGroup"/>
+                    </m:oMathParaPr>
+                    <m:oMath xmlns:m="http://schemas.openxmlformats.org/officeDocument/2006/math">
+                      <m:sSup>
+                        <m:sSupPr>
+                          <m:ctrlPr>
+                            <a:rPr lang="en-US" i="1">
+                              <a:latin typeface="Cambria Math" panose="02040503050406030204" pitchFamily="18" charset="0"/>
+                            </a:rPr>
+                          </m:ctrlPr>
+                        </m:sSupPr>
+                        <m:e>
+                          <m:r>
+                            <m:rPr>
+                              <m:sty m:val="p"/>
+                            </m:rPr>
+                            <a:rPr lang="en-US">
+                              <a:latin typeface="Cambria Math"/>
+                            </a:rPr>
+                            <m:t>χ</m:t>
+                          </m:r>
+                        </m:e>
+                        <m:sup>
+                          <m:r>
+                            <a:rPr lang="en-US" i="1">
+                              <a:latin typeface="Cambria Math"/>
+                            </a:rPr>
+                            <m:t>2</m:t>
+                          </m:r>
+                        </m:sup>
+                      </m:sSup>
+                      <m:r>
+                        <a:rPr lang="en-US" i="1">
+                          <a:latin typeface="Cambria Math"/>
+                        </a:rPr>
+                        <m:t>=</m:t>
+                      </m:r>
+                      <m:nary>
+                        <m:naryPr>
+                          <m:chr m:val="∑"/>
+                          <m:grow m:val="on"/>
+                          <m:ctrlPr>
+                            <a:rPr lang="en-US" i="1">
+                              <a:latin typeface="Cambria Math" panose="02040503050406030204" pitchFamily="18" charset="0"/>
+                            </a:rPr>
+                          </m:ctrlPr>
+                        </m:naryPr>
+                        <m:sub>
+                          <m:r>
+                            <a:rPr lang="en-US" i="1">
+                              <a:latin typeface="Cambria Math"/>
+                            </a:rPr>
+                            <m:t>𝑖</m:t>
+                          </m:r>
+                          <m:r>
+                            <a:rPr lang="en-US" i="1">
+                              <a:latin typeface="Cambria Math"/>
+                            </a:rPr>
+                            <m:t>=1</m:t>
+                          </m:r>
+                        </m:sub>
+                        <m:sup>
+                          <m:r>
+                            <a:rPr lang="en-US" i="1">
+                              <a:latin typeface="Cambria Math"/>
+                            </a:rPr>
+                            <m:t>𝑛</m:t>
+                          </m:r>
+                        </m:sup>
+                        <m:e>
+                          <m:f>
+                            <m:fPr>
+                              <m:ctrlPr>
+                                <a:rPr lang="en-US" i="1">
+                                  <a:latin typeface="Cambria Math" panose="02040503050406030204" pitchFamily="18" charset="0"/>
+                                </a:rPr>
+                              </m:ctrlPr>
+                            </m:fPr>
+                            <m:num>
+                              <m:sSup>
+                                <m:sSupPr>
+                                  <m:ctrlPr>
+                                    <a:rPr lang="en-US" i="1">
+                                      <a:latin typeface="Cambria Math" panose="02040503050406030204" pitchFamily="18" charset="0"/>
+                                    </a:rPr>
+                                  </m:ctrlPr>
+                                </m:sSupPr>
+                                <m:e>
+                                  <m:r>
+                                    <a:rPr lang="en-US" i="1">
+                                      <a:latin typeface="Cambria Math"/>
+                                    </a:rPr>
+                                    <m:t>(</m:t>
+                                  </m:r>
+                                  <m:sSub>
+                                    <m:sSubPr>
+                                      <m:ctrlPr>
+                                        <a:rPr lang="en-US" i="1">
+                                          <a:latin typeface="Cambria Math" panose="02040503050406030204" pitchFamily="18" charset="0"/>
+                                        </a:rPr>
+                                      </m:ctrlPr>
+                                    </m:sSubPr>
+                                    <m:e>
+                                      <m:r>
+                                        <m:rPr>
+                                          <m:sty m:val="p"/>
+                                        </m:rPr>
+                                        <a:rPr lang="en-US">
+                                          <a:latin typeface="Cambria Math"/>
+                                        </a:rPr>
+                                        <m:t>O</m:t>
+                                      </m:r>
+                                    </m:e>
+                                    <m:sub>
+                                      <m:r>
+                                        <a:rPr lang="en-US" i="1">
+                                          <a:latin typeface="Cambria Math"/>
+                                        </a:rPr>
+                                        <m:t>𝑖</m:t>
+                                      </m:r>
+                                      <m:r>
+                                        <a:rPr lang="en-US" i="1">
+                                          <a:latin typeface="Cambria Math"/>
+                                        </a:rPr>
+                                        <m:t> </m:t>
+                                      </m:r>
+                                    </m:sub>
+                                  </m:sSub>
+                                  <m:r>
+                                    <a:rPr lang="en-US" i="1">
+                                      <a:latin typeface="Cambria Math"/>
+                                    </a:rPr>
+                                    <m:t>− </m:t>
+                                  </m:r>
+                                  <m:sSub>
+                                    <m:sSubPr>
+                                      <m:ctrlPr>
+                                        <a:rPr lang="en-US" i="1">
+                                          <a:latin typeface="Cambria Math" panose="02040503050406030204" pitchFamily="18" charset="0"/>
+                                        </a:rPr>
+                                      </m:ctrlPr>
+                                    </m:sSubPr>
+                                    <m:e>
+                                      <m:r>
+                                        <m:rPr>
+                                          <m:sty m:val="p"/>
+                                        </m:rPr>
+                                        <a:rPr lang="en-US">
+                                          <a:latin typeface="Cambria Math"/>
+                                        </a:rPr>
+                                        <m:t>E</m:t>
+                                      </m:r>
+                                    </m:e>
+                                    <m:sub>
+                                      <m:r>
+                                        <a:rPr lang="en-US" i="1">
+                                          <a:latin typeface="Cambria Math"/>
+                                        </a:rPr>
+                                        <m:t>𝑖</m:t>
+                                      </m:r>
+                                    </m:sub>
+                                  </m:sSub>
+                                  <m:r>
+                                    <a:rPr lang="en-US" i="1">
+                                      <a:latin typeface="Cambria Math"/>
+                                    </a:rPr>
+                                    <m:t>)</m:t>
+                                  </m:r>
+                                </m:e>
+                                <m:sup>
+                                  <m:r>
+                                    <a:rPr lang="en-US" i="1">
+                                      <a:latin typeface="Cambria Math"/>
+                                    </a:rPr>
+                                    <m:t>2</m:t>
+                                  </m:r>
+                                </m:sup>
+                              </m:sSup>
+                            </m:num>
+                            <m:den>
+                              <m:sSub>
+                                <m:sSubPr>
+                                  <m:ctrlPr>
+                                    <a:rPr lang="en-US" i="1">
+                                      <a:latin typeface="Cambria Math" panose="02040503050406030204" pitchFamily="18" charset="0"/>
+                                    </a:rPr>
+                                  </m:ctrlPr>
+                                </m:sSubPr>
+                                <m:e>
+                                  <m:r>
+                                    <m:rPr>
+                                      <m:sty m:val="p"/>
+                                    </m:rPr>
+                                    <a:rPr lang="en-US">
+                                      <a:latin typeface="Cambria Math"/>
+                                    </a:rPr>
+                                    <m:t>E</m:t>
+                                  </m:r>
+                                </m:e>
+                                <m:sub>
+                                  <m:r>
+                                    <a:rPr lang="en-US" i="1">
+                                      <a:latin typeface="Cambria Math"/>
+                                    </a:rPr>
+                                    <m:t>𝑖</m:t>
+                                  </m:r>
+                                </m:sub>
+                              </m:sSub>
+                            </m:den>
+                          </m:f>
+                        </m:e>
+                      </m:nary>
+                    </m:oMath>
+                  </m:oMathPara>
                 </a14:m>
-                <a:r>
-                  <a:rPr lang="en-US" dirty="0"/>
-                  <a:t> </a:t>
-                </a:r>
+                <a:endParaRPr lang="en-US" dirty="0"/>
               </a:p>
               <a:p>
-                <a:pPr marL="0" indent="0">
+                <a:pPr marL="0" indent="0" algn="just">
                   <a:buNone/>
                 </a:pPr>
                 <a:endParaRPr lang="en-US" dirty="0"/>
               </a:p>
               <a:p>
+                <a:pPr algn="just"/>
                 <a:r>
                   <a:rPr lang="en-US" dirty="0"/>
                   <a:t>Feature are then selected on the basis of their respective p-values.</a:t>
                 </a:r>
               </a:p>
               <a:p>
+                <a:pPr algn="just"/>
                 <a:endParaRPr lang="en-US" dirty="0"/>
               </a:p>
             </p:txBody>
           </p:sp>
         </mc:Choice>
-        <mc:Fallback xmlns="">
+        <mc:Fallback>
           <p:sp>
             <p:nvSpPr>
               <p:cNvPr id="3" name="Content Placeholder 2"/>
@@ -17768,7 +18289,7 @@
               <a:blipFill>
                 <a:blip r:embed="rId3"/>
                 <a:stretch>
-                  <a:fillRect l="-963" t="-984" b="-1722"/>
+                  <a:fillRect l="-815" t="-861" r="-963"/>
                 </a:stretch>
               </a:blipFill>
             </p:spPr>
@@ -17888,7 +18409,7 @@
           <p:nvPr/>
         </p:nvPicPr>
         <p:blipFill>
-          <a:blip r:embed="rId2"/>
+          <a:blip r:embed="rId3"/>
           <a:stretch>
             <a:fillRect/>
           </a:stretch>
@@ -18982,6 +19503,7 @@
           </a:bodyPr>
           <a:lstStyle/>
           <a:p>
+            <a:pPr algn="just"/>
             <a:r>
               <a:rPr lang="en-US" sz="1600" b="1" dirty="0"/>
               <a:t>HoldOut Validation</a:t>
@@ -19051,6 +19573,7 @@
           </a:bodyPr>
           <a:lstStyle/>
           <a:p>
+            <a:pPr algn="just"/>
             <a:r>
               <a:rPr lang="en-US" b="1" dirty="0"/>
               <a:t>In this type of validation, we set out 60% of the entire data for training and rest 30% for holdout test. The 30% test samples were independent of training samples, i.e. even the speakers were distinct in both the sample sets.</a:t>
@@ -19058,6 +19581,7 @@
             <a:endParaRPr lang="en-IN" dirty="0"/>
           </a:p>
           <a:p>
+            <a:pPr algn="just"/>
             <a:endParaRPr lang="en-IN" dirty="0"/>
           </a:p>
         </p:txBody>
@@ -19136,6 +19660,7 @@
           </a:bodyPr>
           <a:lstStyle/>
           <a:p>
+            <a:pPr algn="just"/>
             <a:r>
               <a:rPr lang="en-US" sz="1600" b="1" dirty="0"/>
               <a:t>KFold Validation</a:t>
@@ -19209,10 +19734,7 @@
           </a:bodyPr>
           <a:lstStyle/>
           <a:p>
-            <a:r>
-              <a:rPr lang="en-IN" dirty="0"/>
-              <a:t/>
-            </a:r>
+            <a:pPr algn="just"/>
             <a:br>
               <a:rPr lang="en-IN" dirty="0"/>
             </a:br>
@@ -19378,28 +19900,28 @@
                 <a:gridCol w="1471838">
                   <a:extLst>
                     <a:ext uri="{9D8B030D-6E8A-4147-A177-3AD203B41FA5}">
-                      <a16:colId xmlns="" xmlns:a16="http://schemas.microsoft.com/office/drawing/2014/main" val="20000"/>
+                      <a16:colId xmlns:a16="http://schemas.microsoft.com/office/drawing/2014/main" val="20000"/>
                     </a:ext>
                   </a:extLst>
                 </a:gridCol>
                 <a:gridCol w="1471838">
                   <a:extLst>
                     <a:ext uri="{9D8B030D-6E8A-4147-A177-3AD203B41FA5}">
-                      <a16:colId xmlns="" xmlns:a16="http://schemas.microsoft.com/office/drawing/2014/main" val="20001"/>
+                      <a16:colId xmlns:a16="http://schemas.microsoft.com/office/drawing/2014/main" val="20001"/>
                     </a:ext>
                   </a:extLst>
                 </a:gridCol>
                 <a:gridCol w="1472468">
                   <a:extLst>
                     <a:ext uri="{9D8B030D-6E8A-4147-A177-3AD203B41FA5}">
-                      <a16:colId xmlns="" xmlns:a16="http://schemas.microsoft.com/office/drawing/2014/main" val="20002"/>
+                      <a16:colId xmlns:a16="http://schemas.microsoft.com/office/drawing/2014/main" val="20002"/>
                     </a:ext>
                   </a:extLst>
                 </a:gridCol>
                 <a:gridCol w="1472468">
                   <a:extLst>
                     <a:ext uri="{9D8B030D-6E8A-4147-A177-3AD203B41FA5}">
-                      <a16:colId xmlns="" xmlns:a16="http://schemas.microsoft.com/office/drawing/2014/main" val="20003"/>
+                      <a16:colId xmlns:a16="http://schemas.microsoft.com/office/drawing/2014/main" val="20003"/>
                     </a:ext>
                   </a:extLst>
                 </a:gridCol>
@@ -19667,7 +20189,7 @@
                 </a:tc>
                 <a:extLst>
                   <a:ext uri="{0D108BD9-81ED-4DB2-BD59-A6C34878D82A}">
-                    <a16:rowId xmlns="" xmlns:a16="http://schemas.microsoft.com/office/drawing/2014/main" val="10000"/>
+                    <a16:rowId xmlns:a16="http://schemas.microsoft.com/office/drawing/2014/main" val="10000"/>
                   </a:ext>
                 </a:extLst>
               </a:tr>
@@ -19942,7 +20464,7 @@
                 </a:tc>
                 <a:extLst>
                   <a:ext uri="{0D108BD9-81ED-4DB2-BD59-A6C34878D82A}">
-                    <a16:rowId xmlns="" xmlns:a16="http://schemas.microsoft.com/office/drawing/2014/main" val="10001"/>
+                    <a16:rowId xmlns:a16="http://schemas.microsoft.com/office/drawing/2014/main" val="10001"/>
                   </a:ext>
                 </a:extLst>
               </a:tr>
@@ -20217,7 +20739,7 @@
                 </a:tc>
                 <a:extLst>
                   <a:ext uri="{0D108BD9-81ED-4DB2-BD59-A6C34878D82A}">
-                    <a16:rowId xmlns="" xmlns:a16="http://schemas.microsoft.com/office/drawing/2014/main" val="10002"/>
+                    <a16:rowId xmlns:a16="http://schemas.microsoft.com/office/drawing/2014/main" val="10002"/>
                   </a:ext>
                 </a:extLst>
               </a:tr>
@@ -20492,7 +21014,7 @@
                 </a:tc>
                 <a:extLst>
                   <a:ext uri="{0D108BD9-81ED-4DB2-BD59-A6C34878D82A}">
-                    <a16:rowId xmlns="" xmlns:a16="http://schemas.microsoft.com/office/drawing/2014/main" val="10003"/>
+                    <a16:rowId xmlns:a16="http://schemas.microsoft.com/office/drawing/2014/main" val="10003"/>
                   </a:ext>
                 </a:extLst>
               </a:tr>
@@ -20598,24 +21120,29 @@
           </a:bodyPr>
           <a:lstStyle/>
           <a:p>
+            <a:pPr algn="just"/>
             <a:r>
               <a:rPr lang="en-US" dirty="0"/>
               <a:t>The problem of automatic language identification (LID) can be defined as the process of automatically identifying the language of a given spoken utterance.</a:t>
             </a:r>
           </a:p>
           <a:p>
+            <a:pPr algn="just"/>
             <a:endParaRPr lang="en-US" dirty="0"/>
           </a:p>
           <a:p>
+            <a:pPr algn="just"/>
             <a:r>
               <a:rPr lang="en-US" dirty="0"/>
               <a:t>LID can be used by speech recognition systems, multilingual translation systems or call-centers(e.g., emergency calls) routing.</a:t>
             </a:r>
           </a:p>
           <a:p>
+            <a:pPr algn="just"/>
             <a:endParaRPr lang="en-US" dirty="0"/>
           </a:p>
           <a:p>
+            <a:pPr algn="just"/>
             <a:r>
               <a:rPr lang="en-US" dirty="0"/>
               <a:t>Also LID can be used by intelligence and security, where the language identities of recorded messages need to be established before any information can be extracted.</a:t>
@@ -20694,7 +21221,7 @@
           <p:nvPr/>
         </p:nvPicPr>
         <p:blipFill>
-          <a:blip r:embed="rId2"/>
+          <a:blip r:embed="rId3"/>
           <a:srcRect/>
           <a:stretch>
             <a:fillRect/>
@@ -20868,21 +21395,21 @@
                 <a:gridCol w="1978660">
                   <a:extLst>
                     <a:ext uri="{9D8B030D-6E8A-4147-A177-3AD203B41FA5}">
-                      <a16:colId xmlns="" xmlns:a16="http://schemas.microsoft.com/office/drawing/2014/main" val="20000"/>
+                      <a16:colId xmlns:a16="http://schemas.microsoft.com/office/drawing/2014/main" val="20000"/>
                     </a:ext>
                   </a:extLst>
                 </a:gridCol>
                 <a:gridCol w="1979295">
                   <a:extLst>
                     <a:ext uri="{9D8B030D-6E8A-4147-A177-3AD203B41FA5}">
-                      <a16:colId xmlns="" xmlns:a16="http://schemas.microsoft.com/office/drawing/2014/main" val="20001"/>
+                      <a16:colId xmlns:a16="http://schemas.microsoft.com/office/drawing/2014/main" val="20001"/>
                     </a:ext>
                   </a:extLst>
                 </a:gridCol>
                 <a:gridCol w="1979295">
                   <a:extLst>
                     <a:ext uri="{9D8B030D-6E8A-4147-A177-3AD203B41FA5}">
-                      <a16:colId xmlns="" xmlns:a16="http://schemas.microsoft.com/office/drawing/2014/main" val="20002"/>
+                      <a16:colId xmlns:a16="http://schemas.microsoft.com/office/drawing/2014/main" val="20002"/>
                     </a:ext>
                   </a:extLst>
                 </a:gridCol>
@@ -21083,7 +21610,7 @@
                 </a:tc>
                 <a:extLst>
                   <a:ext uri="{0D108BD9-81ED-4DB2-BD59-A6C34878D82A}">
-                    <a16:rowId xmlns="" xmlns:a16="http://schemas.microsoft.com/office/drawing/2014/main" val="10000"/>
+                    <a16:rowId xmlns:a16="http://schemas.microsoft.com/office/drawing/2014/main" val="10000"/>
                   </a:ext>
                 </a:extLst>
               </a:tr>
@@ -21291,7 +21818,7 @@
                 </a:tc>
                 <a:extLst>
                   <a:ext uri="{0D108BD9-81ED-4DB2-BD59-A6C34878D82A}">
-                    <a16:rowId xmlns="" xmlns:a16="http://schemas.microsoft.com/office/drawing/2014/main" val="10001"/>
+                    <a16:rowId xmlns:a16="http://schemas.microsoft.com/office/drawing/2014/main" val="10001"/>
                   </a:ext>
                 </a:extLst>
               </a:tr>
@@ -21499,7 +22026,7 @@
                 </a:tc>
                 <a:extLst>
                   <a:ext uri="{0D108BD9-81ED-4DB2-BD59-A6C34878D82A}">
-                    <a16:rowId xmlns="" xmlns:a16="http://schemas.microsoft.com/office/drawing/2014/main" val="10002"/>
+                    <a16:rowId xmlns:a16="http://schemas.microsoft.com/office/drawing/2014/main" val="10002"/>
                   </a:ext>
                 </a:extLst>
               </a:tr>
@@ -21527,21 +22054,21 @@
                 <a:gridCol w="1978660">
                   <a:extLst>
                     <a:ext uri="{9D8B030D-6E8A-4147-A177-3AD203B41FA5}">
-                      <a16:colId xmlns="" xmlns:a16="http://schemas.microsoft.com/office/drawing/2014/main" val="20000"/>
+                      <a16:colId xmlns:a16="http://schemas.microsoft.com/office/drawing/2014/main" val="20000"/>
                     </a:ext>
                   </a:extLst>
                 </a:gridCol>
                 <a:gridCol w="1979295">
                   <a:extLst>
                     <a:ext uri="{9D8B030D-6E8A-4147-A177-3AD203B41FA5}">
-                      <a16:colId xmlns="" xmlns:a16="http://schemas.microsoft.com/office/drawing/2014/main" val="20001"/>
+                      <a16:colId xmlns:a16="http://schemas.microsoft.com/office/drawing/2014/main" val="20001"/>
                     </a:ext>
                   </a:extLst>
                 </a:gridCol>
                 <a:gridCol w="1979295">
                   <a:extLst>
                     <a:ext uri="{9D8B030D-6E8A-4147-A177-3AD203B41FA5}">
-                      <a16:colId xmlns="" xmlns:a16="http://schemas.microsoft.com/office/drawing/2014/main" val="20002"/>
+                      <a16:colId xmlns:a16="http://schemas.microsoft.com/office/drawing/2014/main" val="20002"/>
                     </a:ext>
                   </a:extLst>
                 </a:gridCol>
@@ -21742,7 +22269,7 @@
                 </a:tc>
                 <a:extLst>
                   <a:ext uri="{0D108BD9-81ED-4DB2-BD59-A6C34878D82A}">
-                    <a16:rowId xmlns="" xmlns:a16="http://schemas.microsoft.com/office/drawing/2014/main" val="10000"/>
+                    <a16:rowId xmlns:a16="http://schemas.microsoft.com/office/drawing/2014/main" val="10000"/>
                   </a:ext>
                 </a:extLst>
               </a:tr>
@@ -21950,7 +22477,7 @@
                 </a:tc>
                 <a:extLst>
                   <a:ext uri="{0D108BD9-81ED-4DB2-BD59-A6C34878D82A}">
-                    <a16:rowId xmlns="" xmlns:a16="http://schemas.microsoft.com/office/drawing/2014/main" val="10001"/>
+                    <a16:rowId xmlns:a16="http://schemas.microsoft.com/office/drawing/2014/main" val="10001"/>
                   </a:ext>
                 </a:extLst>
               </a:tr>
@@ -22158,7 +22685,7 @@
                 </a:tc>
                 <a:extLst>
                   <a:ext uri="{0D108BD9-81ED-4DB2-BD59-A6C34878D82A}">
-                    <a16:rowId xmlns="" xmlns:a16="http://schemas.microsoft.com/office/drawing/2014/main" val="10002"/>
+                    <a16:rowId xmlns:a16="http://schemas.microsoft.com/office/drawing/2014/main" val="10002"/>
                   </a:ext>
                 </a:extLst>
               </a:tr>
@@ -22186,21 +22713,21 @@
                 <a:gridCol w="1978660">
                   <a:extLst>
                     <a:ext uri="{9D8B030D-6E8A-4147-A177-3AD203B41FA5}">
-                      <a16:colId xmlns="" xmlns:a16="http://schemas.microsoft.com/office/drawing/2014/main" val="20000"/>
+                      <a16:colId xmlns:a16="http://schemas.microsoft.com/office/drawing/2014/main" val="20000"/>
                     </a:ext>
                   </a:extLst>
                 </a:gridCol>
                 <a:gridCol w="1979295">
                   <a:extLst>
                     <a:ext uri="{9D8B030D-6E8A-4147-A177-3AD203B41FA5}">
-                      <a16:colId xmlns="" xmlns:a16="http://schemas.microsoft.com/office/drawing/2014/main" val="20001"/>
+                      <a16:colId xmlns:a16="http://schemas.microsoft.com/office/drawing/2014/main" val="20001"/>
                     </a:ext>
                   </a:extLst>
                 </a:gridCol>
                 <a:gridCol w="1979295">
                   <a:extLst>
                     <a:ext uri="{9D8B030D-6E8A-4147-A177-3AD203B41FA5}">
-                      <a16:colId xmlns="" xmlns:a16="http://schemas.microsoft.com/office/drawing/2014/main" val="20002"/>
+                      <a16:colId xmlns:a16="http://schemas.microsoft.com/office/drawing/2014/main" val="20002"/>
                     </a:ext>
                   </a:extLst>
                 </a:gridCol>
@@ -22401,7 +22928,7 @@
                 </a:tc>
                 <a:extLst>
                   <a:ext uri="{0D108BD9-81ED-4DB2-BD59-A6C34878D82A}">
-                    <a16:rowId xmlns="" xmlns:a16="http://schemas.microsoft.com/office/drawing/2014/main" val="10000"/>
+                    <a16:rowId xmlns:a16="http://schemas.microsoft.com/office/drawing/2014/main" val="10000"/>
                   </a:ext>
                 </a:extLst>
               </a:tr>
@@ -22612,7 +23139,7 @@
                 </a:tc>
                 <a:extLst>
                   <a:ext uri="{0D108BD9-81ED-4DB2-BD59-A6C34878D82A}">
-                    <a16:rowId xmlns="" xmlns:a16="http://schemas.microsoft.com/office/drawing/2014/main" val="10001"/>
+                    <a16:rowId xmlns:a16="http://schemas.microsoft.com/office/drawing/2014/main" val="10001"/>
                   </a:ext>
                 </a:extLst>
               </a:tr>
@@ -22820,7 +23347,7 @@
                 </a:tc>
                 <a:extLst>
                   <a:ext uri="{0D108BD9-81ED-4DB2-BD59-A6C34878D82A}">
-                    <a16:rowId xmlns="" xmlns:a16="http://schemas.microsoft.com/office/drawing/2014/main" val="10002"/>
+                    <a16:rowId xmlns:a16="http://schemas.microsoft.com/office/drawing/2014/main" val="10002"/>
                   </a:ext>
                 </a:extLst>
               </a:tr>
@@ -23052,7 +23579,7 @@
             </a:pPr>
             <a:r>
               <a:rPr lang="en-IN" dirty="0"/>
-              <a:t>Comparison of the language identification system with SVM Based Baseline Method</a:t>
+              <a:t>Comparison of the language identification system with SGD Based Baseline Method</a:t>
             </a:r>
           </a:p>
         </p:txBody>
@@ -23083,21 +23610,21 @@
                 <a:gridCol w="2351758">
                   <a:extLst>
                     <a:ext uri="{9D8B030D-6E8A-4147-A177-3AD203B41FA5}">
-                      <a16:colId xmlns="" xmlns:a16="http://schemas.microsoft.com/office/drawing/2014/main" val="20000"/>
+                      <a16:colId xmlns:a16="http://schemas.microsoft.com/office/drawing/2014/main" val="20000"/>
                     </a:ext>
                   </a:extLst>
                 </a:gridCol>
                 <a:gridCol w="2352513">
                   <a:extLst>
                     <a:ext uri="{9D8B030D-6E8A-4147-A177-3AD203B41FA5}">
-                      <a16:colId xmlns="" xmlns:a16="http://schemas.microsoft.com/office/drawing/2014/main" val="20001"/>
+                      <a16:colId xmlns:a16="http://schemas.microsoft.com/office/drawing/2014/main" val="20001"/>
                     </a:ext>
                   </a:extLst>
                 </a:gridCol>
                 <a:gridCol w="2352513">
                   <a:extLst>
                     <a:ext uri="{9D8B030D-6E8A-4147-A177-3AD203B41FA5}">
-                      <a16:colId xmlns="" xmlns:a16="http://schemas.microsoft.com/office/drawing/2014/main" val="20002"/>
+                      <a16:colId xmlns:a16="http://schemas.microsoft.com/office/drawing/2014/main" val="20002"/>
                     </a:ext>
                   </a:extLst>
                 </a:gridCol>
@@ -23298,7 +23825,7 @@
                 </a:tc>
                 <a:extLst>
                   <a:ext uri="{0D108BD9-81ED-4DB2-BD59-A6C34878D82A}">
-                    <a16:rowId xmlns="" xmlns:a16="http://schemas.microsoft.com/office/drawing/2014/main" val="10000"/>
+                    <a16:rowId xmlns:a16="http://schemas.microsoft.com/office/drawing/2014/main" val="10000"/>
                   </a:ext>
                 </a:extLst>
               </a:tr>
@@ -23506,7 +24033,7 @@
                 </a:tc>
                 <a:extLst>
                   <a:ext uri="{0D108BD9-81ED-4DB2-BD59-A6C34878D82A}">
-                    <a16:rowId xmlns="" xmlns:a16="http://schemas.microsoft.com/office/drawing/2014/main" val="10001"/>
+                    <a16:rowId xmlns:a16="http://schemas.microsoft.com/office/drawing/2014/main" val="10001"/>
                   </a:ext>
                 </a:extLst>
               </a:tr>
@@ -23714,7 +24241,7 @@
                 </a:tc>
                 <a:extLst>
                   <a:ext uri="{0D108BD9-81ED-4DB2-BD59-A6C34878D82A}">
-                    <a16:rowId xmlns="" xmlns:a16="http://schemas.microsoft.com/office/drawing/2014/main" val="10002"/>
+                    <a16:rowId xmlns:a16="http://schemas.microsoft.com/office/drawing/2014/main" val="10002"/>
                   </a:ext>
                 </a:extLst>
               </a:tr>
@@ -23922,7 +24449,7 @@
                 </a:tc>
                 <a:extLst>
                   <a:ext uri="{0D108BD9-81ED-4DB2-BD59-A6C34878D82A}">
-                    <a16:rowId xmlns="" xmlns:a16="http://schemas.microsoft.com/office/drawing/2014/main" val="10003"/>
+                    <a16:rowId xmlns:a16="http://schemas.microsoft.com/office/drawing/2014/main" val="10003"/>
                   </a:ext>
                 </a:extLst>
               </a:tr>
@@ -24354,35 +24881,32 @@
           </a:bodyPr>
           <a:lstStyle/>
           <a:p>
+            <a:pPr algn="just"/>
             <a:r>
               <a:rPr lang="en-US" dirty="0"/>
               <a:t>Acoustic modelling together with DNN is powerful enough to identify languages.</a:t>
             </a:r>
           </a:p>
           <a:p>
+            <a:pPr algn="just"/>
             <a:endParaRPr lang="en-US" dirty="0"/>
           </a:p>
           <a:p>
+            <a:pPr algn="just"/>
             <a:r>
               <a:rPr lang="en-US" dirty="0"/>
               <a:t>Languages are better resolved when considered pairwise as a feature which is useful in distinguishing some languages was irrelevant for some pair of languages.</a:t>
             </a:r>
           </a:p>
           <a:p>
+            <a:pPr algn="just"/>
             <a:endParaRPr lang="en-US" dirty="0"/>
           </a:p>
           <a:p>
+            <a:pPr algn="just"/>
             <a:r>
               <a:rPr lang="en-US" dirty="0"/>
-              <a:t>Our hybrid two stage classification model is definitely an </a:t>
-            </a:r>
-            <a:r>
-              <a:rPr lang="en-US" dirty="0" smtClean="0"/>
-              <a:t>improvement </a:t>
-            </a:r>
-            <a:r>
-              <a:rPr lang="en-US" dirty="0"/>
-              <a:t>over normal single stage classifier.</a:t>
+              <a:t>Our hybrid two stage classification model is definitely an improvement over normal single stage classifier.</a:t>
             </a:r>
           </a:p>
         </p:txBody>
@@ -24438,10 +24962,9 @@
           <a:lstStyle/>
           <a:p>
             <a:r>
-              <a:rPr lang="en-US" dirty="0" smtClean="0"/>
+              <a:rPr lang="en-US" dirty="0"/>
               <a:t>Future Work</a:t>
             </a:r>
-            <a:endParaRPr lang="en-US" dirty="0"/>
           </a:p>
         </p:txBody>
       </p:sp>
@@ -24463,43 +24986,43 @@
           <a:lstStyle/>
           <a:p>
             <a:r>
-              <a:rPr lang="en-US" dirty="0" smtClean="0"/>
+              <a:rPr lang="en-US" dirty="0"/>
               <a:t>Adding pre filter for noisy audio.</a:t>
             </a:r>
           </a:p>
           <a:p>
-            <a:endParaRPr lang="en-US" dirty="0" smtClean="0"/>
-          </a:p>
-          <a:p>
-            <a:r>
-              <a:rPr lang="en-US" dirty="0" smtClean="0"/>
+            <a:endParaRPr lang="en-US" dirty="0"/>
+          </a:p>
+          <a:p>
+            <a:r>
+              <a:rPr lang="en-US" dirty="0"/>
               <a:t>Using Shifted Delta Cepstral(SDC) features</a:t>
             </a:r>
           </a:p>
           <a:p>
-            <a:endParaRPr lang="en-US" dirty="0" smtClean="0"/>
-          </a:p>
-          <a:p>
-            <a:r>
-              <a:rPr lang="en-US" dirty="0" smtClean="0"/>
+            <a:endParaRPr lang="en-US" dirty="0"/>
+          </a:p>
+          <a:p>
+            <a:r>
+              <a:rPr lang="en-US" dirty="0"/>
               <a:t>Providing facility for incremental training.</a:t>
             </a:r>
           </a:p>
           <a:p>
-            <a:endParaRPr lang="en-US" dirty="0" smtClean="0"/>
-          </a:p>
-          <a:p>
-            <a:r>
-              <a:rPr lang="en-US" dirty="0" smtClean="0"/>
+            <a:endParaRPr lang="en-US" dirty="0"/>
+          </a:p>
+          <a:p>
+            <a:r>
+              <a:rPr lang="en-US" dirty="0"/>
               <a:t>Adding out of set option as possible output.</a:t>
             </a:r>
           </a:p>
           <a:p>
-            <a:endParaRPr lang="en-US" dirty="0" smtClean="0"/>
-          </a:p>
-          <a:p>
-            <a:r>
-              <a:rPr lang="en-US" dirty="0" smtClean="0"/>
+            <a:endParaRPr lang="en-US" dirty="0"/>
+          </a:p>
+          <a:p>
+            <a:r>
+              <a:rPr lang="en-US" dirty="0"/>
               <a:t>Improving real-time capabilities</a:t>
             </a:r>
           </a:p>
@@ -24561,26 +25084,18 @@
               </a:lnSpc>
             </a:pPr>
             <a:r>
-              <a:rPr lang="en-US" sz="6000" dirty="0" smtClean="0">
+              <a:rPr lang="en-US" sz="6000" dirty="0">
                 <a:solidFill>
                   <a:schemeClr val="tx1"/>
                 </a:solidFill>
               </a:rPr>
               <a:t>Thank You</a:t>
             </a:r>
-            <a:r>
-              <a:rPr lang="en-US" dirty="0" smtClean="0"/>
-              <a:t/>
-            </a:r>
             <a:br>
-              <a:rPr lang="en-US" dirty="0" smtClean="0"/>
+              <a:rPr lang="en-US" dirty="0"/>
             </a:br>
-            <a:r>
-              <a:rPr lang="en-US" dirty="0" smtClean="0"/>
-              <a:t/>
-            </a:r>
             <a:br>
-              <a:rPr lang="en-US" dirty="0" smtClean="0"/>
+              <a:rPr lang="en-US" dirty="0"/>
             </a:br>
             <a:endParaRPr lang="en-US" dirty="0"/>
           </a:p>
@@ -24639,52 +25154,36 @@
                 <a:spcPct val="100000"/>
               </a:lnSpc>
             </a:pPr>
-            <a:r>
-              <a:rPr lang="en-US" dirty="0" smtClean="0"/>
-              <a:t/>
-            </a:r>
             <a:br>
-              <a:rPr lang="en-US" dirty="0" smtClean="0"/>
+              <a:rPr lang="en-US" dirty="0"/>
             </a:br>
-            <a:r>
-              <a:rPr lang="en-US" dirty="0" smtClean="0"/>
-              <a:t/>
-            </a:r>
             <a:br>
-              <a:rPr lang="en-US" dirty="0" smtClean="0"/>
+              <a:rPr lang="en-US" dirty="0"/>
             </a:br>
             <a:r>
-              <a:rPr lang="zh-CN" altLang="en-US" dirty="0" smtClean="0">
+              <a:rPr lang="zh-CN" altLang="en-US" dirty="0">
                 <a:solidFill>
                   <a:srgbClr val="FF0000"/>
                 </a:solidFill>
               </a:rPr>
               <a:t>谢谢</a:t>
             </a:r>
-            <a:r>
-              <a:rPr lang="en-US" altLang="zh-CN" dirty="0" smtClean="0"/>
-              <a:t/>
-            </a:r>
             <a:br>
-              <a:rPr lang="en-US" altLang="zh-CN" dirty="0" smtClean="0"/>
+              <a:rPr lang="en-US" altLang="zh-CN" dirty="0"/>
             </a:br>
             <a:r>
-              <a:rPr lang="en-US" altLang="zh-CN" dirty="0" smtClean="0">
+              <a:rPr lang="en-US" altLang="zh-CN" dirty="0">
                 <a:solidFill>
                   <a:srgbClr val="00B050"/>
                 </a:solidFill>
               </a:rPr>
               <a:t>Merci</a:t>
             </a:r>
-            <a:r>
-              <a:rPr lang="en-US" altLang="zh-CN" dirty="0" smtClean="0"/>
-              <a:t/>
-            </a:r>
             <a:br>
-              <a:rPr lang="en-US" altLang="zh-CN" dirty="0" smtClean="0"/>
+              <a:rPr lang="en-US" altLang="zh-CN" dirty="0"/>
             </a:br>
             <a:r>
-              <a:rPr lang="de-DE" dirty="0" smtClean="0"/>
+              <a:rPr lang="de-DE" dirty="0"/>
               <a:t>Danke</a:t>
             </a:r>
             <a:endParaRPr lang="en-US" dirty="0"/>
@@ -24765,36 +25264,42 @@
           </a:bodyPr>
           <a:lstStyle/>
           <a:p>
+            <a:pPr algn="just"/>
             <a:r>
               <a:rPr lang="en-US" dirty="0"/>
               <a:t>Our project aims at spoken language identification in speech audio samples using Deep Learning Models (DNNs). </a:t>
             </a:r>
           </a:p>
           <a:p>
-            <a:pPr>
+            <a:pPr algn="just">
               <a:buNone/>
             </a:pPr>
             <a:endParaRPr lang="en-US" dirty="0"/>
           </a:p>
           <a:p>
+            <a:pPr algn="just"/>
             <a:r>
               <a:rPr lang="en-US" dirty="0"/>
               <a:t>We have used acoustic modelling for our LID system. Audio is divided into small chunks called frames and raw audio signal from each frame is transformed by applying the mel-frequency cepstrum. </a:t>
             </a:r>
           </a:p>
           <a:p>
+            <a:pPr algn="just"/>
             <a:endParaRPr lang="en-US" dirty="0"/>
           </a:p>
           <a:p>
+            <a:pPr algn="just"/>
             <a:r>
               <a:rPr lang="en-US" dirty="0"/>
               <a:t>The coefficients from this transformation called MFCCs are used as input to the acoustic model.</a:t>
             </a:r>
           </a:p>
           <a:p>
+            <a:pPr algn="just"/>
             <a:endParaRPr lang="en-US" dirty="0"/>
           </a:p>
           <a:p>
+            <a:pPr algn="just"/>
             <a:endParaRPr lang="en-US" dirty="0"/>
           </a:p>
         </p:txBody>
@@ -24963,10 +25468,9 @@
           <a:lstStyle/>
           <a:p>
             <a:r>
-              <a:rPr lang="en-US" dirty="0" smtClean="0"/>
+              <a:rPr lang="en-US" dirty="0"/>
               <a:t>Related Work</a:t>
             </a:r>
-            <a:endParaRPr lang="en-US" dirty="0"/>
           </a:p>
         </p:txBody>
       </p:sp>
@@ -24992,7 +25496,7 @@
           </a:bodyPr>
           <a:lstStyle/>
           <a:p>
-            <a:pPr marL="457200" indent="-457200">
+            <a:pPr marL="457200" indent="-457200" algn="just">
               <a:buFont typeface="+mj-lt"/>
               <a:buAutoNum type="arabicPeriod"/>
             </a:pPr>
@@ -25001,99 +25505,75 @@
               <a:t>MA </a:t>
             </a:r>
             <a:r>
-              <a:rPr lang="en-US" sz="2200" b="1" dirty="0" err="1" smtClean="0"/>
+              <a:rPr lang="en-US" sz="2200" b="1" dirty="0" err="1"/>
               <a:t>Zeissman</a:t>
             </a:r>
             <a:r>
-              <a:rPr lang="en-US" sz="2200" b="1" dirty="0" smtClean="0"/>
-              <a:t> </a:t>
-            </a:r>
-            <a:r>
               <a:rPr lang="en-US" sz="2200" b="1" dirty="0"/>
-              <a:t>in Lincoln </a:t>
-            </a:r>
-            <a:r>
-              <a:rPr lang="en-US" sz="2200" b="1" dirty="0" smtClean="0"/>
-              <a:t>Laboratory</a:t>
-            </a:r>
-            <a:r>
-              <a:rPr lang="en-US" sz="2200" b="1" baseline="30000" dirty="0" smtClean="0"/>
+              <a:t> in Lincoln Laboratory</a:t>
+            </a:r>
+            <a:r>
+              <a:rPr lang="en-US" sz="2200" b="1" baseline="30000" dirty="0"/>
               <a:t>[1]</a:t>
             </a:r>
           </a:p>
           <a:p>
-            <a:pPr>
+            <a:pPr algn="just">
               <a:buFont typeface="Century Gothic" panose="020B0502020202020204" pitchFamily="34" charset="0"/>
               <a:buChar char="―"/>
             </a:pPr>
-            <a:endParaRPr lang="en-US" sz="2200" dirty="0" smtClean="0"/>
-          </a:p>
-          <a:p>
-            <a:pPr>
+            <a:endParaRPr lang="en-US" sz="2200" dirty="0"/>
+          </a:p>
+          <a:p>
+            <a:pPr algn="just">
               <a:buFont typeface="Century Gothic" panose="020B0502020202020204" pitchFamily="34" charset="0"/>
               <a:buChar char="―"/>
             </a:pPr>
             <a:r>
-              <a:rPr lang="en-US" sz="2200" dirty="0" smtClean="0"/>
-              <a:t>uses PRLM(Phone </a:t>
-            </a:r>
-            <a:r>
-              <a:rPr lang="en-US" sz="2200" dirty="0" err="1" smtClean="0"/>
+              <a:rPr lang="en-US" sz="2000" dirty="0"/>
+              <a:t>Uses PRLM (Phone </a:t>
+            </a:r>
+            <a:r>
+              <a:rPr lang="en-US" sz="2000" dirty="0" err="1"/>
               <a:t>Recognization</a:t>
             </a:r>
             <a:r>
-              <a:rPr lang="en-US" sz="2200" dirty="0" smtClean="0"/>
+              <a:rPr lang="en-US" sz="2000" dirty="0"/>
               <a:t> followed by language modelling)</a:t>
             </a:r>
           </a:p>
           <a:p>
-            <a:pPr>
+            <a:pPr algn="just">
               <a:buFont typeface="Century Gothic" panose="020B0502020202020204" pitchFamily="34" charset="0"/>
               <a:buChar char="―"/>
             </a:pPr>
-            <a:endParaRPr lang="en-US" sz="1000" dirty="0" smtClean="0"/>
-          </a:p>
-          <a:p>
-            <a:pPr>
+            <a:endParaRPr lang="en-US" sz="2000" dirty="0"/>
+          </a:p>
+          <a:p>
+            <a:pPr algn="just">
               <a:buFont typeface="Century Gothic" panose="020B0502020202020204" pitchFamily="34" charset="0"/>
               <a:buChar char="―"/>
             </a:pPr>
             <a:r>
-              <a:rPr lang="en-US" sz="2200" dirty="0" smtClean="0"/>
-              <a:t>It consists of single language phone recognition followed by </a:t>
-            </a:r>
-            <a:r>
               <a:rPr lang="en-US" sz="2000" dirty="0"/>
-              <a:t>language modeling with an n-gram </a:t>
-            </a:r>
-            <a:r>
-              <a:rPr lang="en-US" sz="2000" dirty="0" smtClean="0"/>
-              <a:t>analyzer.</a:t>
-            </a:r>
-          </a:p>
-          <a:p>
-            <a:pPr>
+              <a:t>It consists of single language phone recognition followed by language modeling with an n-gram analyzer.</a:t>
+            </a:r>
+          </a:p>
+          <a:p>
+            <a:pPr algn="just">
               <a:buFont typeface="Century Gothic" panose="020B0502020202020204" pitchFamily="34" charset="0"/>
               <a:buChar char="―"/>
             </a:pPr>
-            <a:endParaRPr lang="en-US" sz="1000" dirty="0" smtClean="0"/>
-          </a:p>
-          <a:p>
-            <a:pPr>
+            <a:endParaRPr lang="en-US" sz="2000" dirty="0"/>
+          </a:p>
+          <a:p>
+            <a:pPr algn="just">
               <a:buFont typeface="Century Gothic" panose="020B0502020202020204" pitchFamily="34" charset="0"/>
               <a:buChar char="―"/>
             </a:pPr>
             <a:r>
-              <a:rPr lang="en-US" sz="2000" dirty="0" smtClean="0"/>
-              <a:t>PRLM can be further </a:t>
-            </a:r>
-            <a:r>
               <a:rPr lang="en-US" sz="2000" dirty="0"/>
-              <a:t>extended to Parallel PRLM and Parallel Phone Recognition</a:t>
-            </a:r>
-            <a:r>
-              <a:rPr lang="en-US" sz="2000" dirty="0" smtClean="0"/>
-              <a:t>.</a:t>
+              <a:t>PRLM can be further extended to Parallel PRLM and Parallel Phone Recognition.</a:t>
             </a:r>
             <a:endParaRPr lang="en-US" sz="2000" b="1" dirty="0"/>
           </a:p>
@@ -25152,12 +25632,8 @@
           <a:p>
             <a:pPr lvl="0"/>
             <a:r>
-              <a:rPr lang="en-US" sz="1200" dirty="0" smtClean="0"/>
-              <a:t>[1] M</a:t>
-            </a:r>
-            <a:r>
               <a:rPr lang="en-US" sz="1200" dirty="0"/>
-              <a:t>. </a:t>
+              <a:t>[1] M. </a:t>
             </a:r>
             <a:r>
               <a:rPr lang="en-US" sz="1200" dirty="0" err="1"/>
@@ -25188,13 +25664,6 @@
   <p:clrMapOvr>
     <a:masterClrMapping/>
   </p:clrMapOvr>
-  <p:timing>
-    <p:tnLst>
-      <p:par>
-        <p:cTn id="1" dur="indefinite" restart="never" nodeType="tmRoot"/>
-      </p:par>
-    </p:tnLst>
-  </p:timing>
 </p:sld>
 </file>
 
@@ -25237,77 +25706,77 @@
           </a:bodyPr>
           <a:lstStyle/>
           <a:p>
-            <a:pPr marL="457200" indent="-457200">
+            <a:pPr marL="457200" indent="-457200" algn="just">
               <a:buFont typeface="+mj-lt"/>
               <a:buAutoNum type="arabicPeriod" startAt="2"/>
             </a:pPr>
             <a:r>
-              <a:rPr lang="en-US" sz="2200" b="1" dirty="0" err="1" smtClean="0"/>
+              <a:rPr lang="en-US" sz="2200" b="1" dirty="0" err="1"/>
               <a:t>KshirodSarmah</a:t>
             </a:r>
             <a:r>
-              <a:rPr lang="en-US" sz="2200" b="1" dirty="0" smtClean="0"/>
+              <a:rPr lang="en-US" sz="2200" b="1" dirty="0"/>
               <a:t> and </a:t>
             </a:r>
             <a:r>
-              <a:rPr lang="en-US" sz="2200" b="1" dirty="0" err="1" smtClean="0"/>
+              <a:rPr lang="en-US" sz="2200" b="1" dirty="0" err="1"/>
               <a:t>UtpalBhattacharjee</a:t>
             </a:r>
             <a:r>
-              <a:rPr lang="en-US" sz="2200" b="1" baseline="30000" dirty="0" smtClean="0"/>
+              <a:rPr lang="en-US" sz="2200" b="1" baseline="30000" dirty="0"/>
               <a:t>[2]</a:t>
             </a:r>
-            <a:endParaRPr lang="en-US" sz="2200" baseline="30000" dirty="0" smtClean="0"/>
-          </a:p>
-          <a:p>
-            <a:pPr>
+            <a:endParaRPr lang="en-US" sz="2200" baseline="30000" dirty="0"/>
+          </a:p>
+          <a:p>
+            <a:pPr algn="just">
               <a:buFont typeface="Century Gothic" panose="020B0502020202020204" pitchFamily="34" charset="0"/>
               <a:buChar char="―"/>
             </a:pPr>
-            <a:endParaRPr lang="en-US" sz="600" dirty="0" smtClean="0"/>
-          </a:p>
-          <a:p>
-            <a:pPr>
+            <a:endParaRPr lang="en-US" sz="600" dirty="0"/>
+          </a:p>
+          <a:p>
+            <a:pPr algn="just">
               <a:buFont typeface="Century Gothic" panose="020B0502020202020204" pitchFamily="34" charset="0"/>
               <a:buChar char="―"/>
             </a:pPr>
             <a:r>
-              <a:rPr lang="en-US" sz="2200" dirty="0" smtClean="0"/>
+              <a:rPr lang="en-US" sz="2200" dirty="0"/>
               <a:t>GMM based Language Identification using MFCC and SDC Features</a:t>
             </a:r>
-            <a:endParaRPr lang="en-IN" sz="2200" dirty="0" smtClean="0"/>
-          </a:p>
-          <a:p>
-            <a:pPr marL="0" indent="0">
+            <a:endParaRPr lang="en-IN" sz="2200" dirty="0"/>
+          </a:p>
+          <a:p>
+            <a:pPr marL="0" indent="0" algn="just">
               <a:buNone/>
             </a:pPr>
             <a:endParaRPr lang="en-US" sz="2200" dirty="0"/>
           </a:p>
           <a:p>
-            <a:pPr marL="457200" indent="-457200">
+            <a:pPr marL="457200" indent="-457200" algn="just">
               <a:buFont typeface="+mj-lt"/>
               <a:buAutoNum type="arabicPeriod" startAt="3"/>
             </a:pPr>
             <a:r>
-              <a:rPr lang="en-US" sz="2200" b="1" dirty="0" smtClean="0"/>
+              <a:rPr lang="en-US" sz="2200" b="1" dirty="0"/>
               <a:t>Pedro A. Torres-</a:t>
             </a:r>
             <a:r>
-              <a:rPr lang="en-US" sz="2200" b="1" dirty="0" err="1" smtClean="0"/>
+              <a:rPr lang="en-US" sz="2200" b="1" dirty="0" err="1"/>
               <a:t>Carrasquillo</a:t>
             </a:r>
             <a:r>
-              <a:rPr lang="en-US" sz="2200" b="1" baseline="30000" dirty="0" smtClean="0"/>
+              <a:rPr lang="en-US" sz="2200" b="1" baseline="30000" dirty="0"/>
               <a:t>[3]</a:t>
             </a:r>
           </a:p>
           <a:p>
-            <a:pPr>
+            <a:pPr algn="just">
               <a:buFont typeface="Century Gothic" panose="020B0502020202020204" pitchFamily="34" charset="0"/>
               <a:buChar char="―"/>
             </a:pPr>
             <a:r>
-              <a:rPr lang="en-US" sz="2200" dirty="0" smtClean="0"/>
+              <a:rPr lang="en-US" sz="2200" dirty="0"/>
               <a:t>Language Identification using Gaussian Mixture Model Tokenization</a:t>
             </a:r>
             <a:endParaRPr lang="en-IN" sz="2200" dirty="0"/>
@@ -25369,36 +25838,32 @@
           <a:lstStyle/>
           <a:p>
             <a:r>
-              <a:rPr lang="en-US" sz="1200" dirty="0" smtClean="0"/>
+              <a:rPr lang="en-US" sz="1200" dirty="0"/>
               <a:t>[2]        </a:t>
             </a:r>
             <a:r>
-              <a:rPr lang="en-US" sz="1200" dirty="0" err="1" smtClean="0"/>
+              <a:rPr lang="en-US" sz="1200" dirty="0" err="1"/>
               <a:t>Kshirod</a:t>
             </a:r>
             <a:r>
-              <a:rPr lang="en-US" sz="1200" dirty="0" smtClean="0"/>
+              <a:rPr lang="en-US" sz="1200" dirty="0"/>
               <a:t> </a:t>
             </a:r>
             <a:r>
-              <a:rPr lang="en-US" sz="1200" dirty="0" err="1" smtClean="0"/>
+              <a:rPr lang="en-US" sz="1200" dirty="0" err="1"/>
               <a:t>Sarmah</a:t>
             </a:r>
             <a:r>
-              <a:rPr lang="en-US" sz="1200" dirty="0" smtClean="0"/>
+              <a:rPr lang="en-US" sz="1200" dirty="0"/>
               <a:t>, </a:t>
             </a:r>
             <a:r>
-              <a:rPr lang="en-IN" sz="1200" dirty="0" smtClean="0"/>
+              <a:rPr lang="en-IN" sz="1200" dirty="0"/>
               <a:t>“</a:t>
             </a:r>
             <a:r>
-              <a:rPr lang="en-US" sz="1200" dirty="0" smtClean="0"/>
-              <a:t>GMM based Language Identification </a:t>
-            </a:r>
-            <a:r>
               <a:rPr lang="en-US" sz="1200" dirty="0"/>
-              <a:t>using MFCC and SDC Features</a:t>
+              <a:t>GMM based Language Identification using MFCC and SDC Features</a:t>
             </a:r>
             <a:r>
               <a:rPr lang="en-IN" sz="1200" dirty="0"/>
@@ -25406,32 +25871,20 @@
             </a:r>
             <a:r>
               <a:rPr lang="en-US" sz="1200" dirty="0"/>
-              <a:t>International Journal of </a:t>
-            </a:r>
-            <a:r>
-              <a:rPr lang="en-US" sz="1200" dirty="0" smtClean="0"/>
-              <a:t>Computer</a:t>
+              <a:t>International Journal of Computer</a:t>
             </a:r>
           </a:p>
           <a:p>
             <a:pPr lvl="1"/>
             <a:r>
-              <a:rPr lang="en-US" sz="1200" dirty="0" smtClean="0"/>
-              <a:t>Applications </a:t>
-            </a:r>
-            <a:r>
               <a:rPr lang="en-US" sz="1200" dirty="0"/>
-              <a:t>(0975 – 8887) Volume 85 – No 5, January 2014</a:t>
-            </a:r>
-          </a:p>
-          <a:p>
-            <a:r>
-              <a:rPr lang="en-US" sz="1200" dirty="0" smtClean="0"/>
-              <a:t>[3]       Pedro </a:t>
-            </a:r>
+              <a:t>Applications (0975 – 8887) Volume 85 – No 5, January 2014</a:t>
+            </a:r>
+          </a:p>
+          <a:p>
             <a:r>
               <a:rPr lang="en-US" sz="1200" dirty="0"/>
-              <a:t>A. Torres-</a:t>
+              <a:t>[3]       Pedro A. Torres-</a:t>
             </a:r>
             <a:r>
               <a:rPr lang="en-US" sz="1200" dirty="0" err="1"/>
@@ -25439,22 +25892,14 @@
             </a:r>
             <a:r>
               <a:rPr lang="en-US" sz="1200" dirty="0"/>
-              <a:t>, “Language Identification using Gaussian Mixture Model Tokenization”, Lincoln </a:t>
-            </a:r>
-            <a:r>
-              <a:rPr lang="en-US" sz="1200" dirty="0" smtClean="0"/>
-              <a:t>Laboratory,</a:t>
+              <a:t>, “Language Identification using Gaussian Mixture Model Tokenization”, Lincoln Laboratory,</a:t>
             </a:r>
           </a:p>
           <a:p>
             <a:pPr lvl="1"/>
             <a:r>
-              <a:rPr lang="en-US" sz="1200" dirty="0" smtClean="0"/>
-              <a:t>Massachusetts </a:t>
-            </a:r>
-            <a:r>
               <a:rPr lang="en-US" sz="1200" dirty="0"/>
-              <a:t>Institute of Technology</a:t>
+              <a:t>Massachusetts Institute of Technology</a:t>
             </a:r>
           </a:p>
         </p:txBody>
@@ -25511,56 +25956,46 @@
           </a:bodyPr>
           <a:lstStyle/>
           <a:p>
-            <a:pPr marL="457200" indent="-457200">
+            <a:pPr marL="457200" indent="-457200" algn="just">
               <a:buFont typeface="+mj-lt"/>
               <a:buAutoNum type="arabicPeriod" startAt="5"/>
             </a:pPr>
             <a:r>
-              <a:rPr lang="en-US" sz="1900" b="1" dirty="0" smtClean="0"/>
+              <a:rPr lang="en-US" sz="1900" b="1" dirty="0"/>
               <a:t>Ignacio Lopez-Moreno</a:t>
             </a:r>
             <a:r>
-              <a:rPr lang="en-US" sz="1900" b="1" baseline="30000" dirty="0" smtClean="0"/>
+              <a:rPr lang="en-US" sz="1900" b="1" baseline="30000" dirty="0"/>
               <a:t>[5]</a:t>
             </a:r>
           </a:p>
           <a:p>
-            <a:r>
-              <a:rPr lang="en-US" sz="1900" dirty="0" smtClean="0"/>
+            <a:pPr algn="just"/>
+            <a:r>
+              <a:rPr lang="en-US" sz="1900" dirty="0"/>
               <a:t>Automatic Language Identification Using Deep Neural Networks</a:t>
             </a:r>
           </a:p>
           <a:p>
-            <a:r>
-              <a:rPr lang="en-US" sz="1900" dirty="0" smtClean="0"/>
-              <a:t>Motivated </a:t>
-            </a:r>
-            <a:r>
-              <a:rPr lang="en-US" sz="1900" dirty="0" smtClean="0"/>
-              <a:t>by their recent success in acoustic </a:t>
-            </a:r>
-            <a:r>
-              <a:rPr lang="en-US" sz="1900" dirty="0" smtClean="0"/>
-              <a:t>modelling.</a:t>
-            </a:r>
-            <a:endParaRPr lang="en-US" sz="1900" dirty="0" smtClean="0"/>
-          </a:p>
-          <a:p>
-            <a:r>
-              <a:rPr lang="en-US" sz="1900" dirty="0" smtClean="0"/>
+            <a:pPr algn="just"/>
+            <a:r>
+              <a:rPr lang="en-US" sz="1900" dirty="0"/>
+              <a:t>Motivated by their recent success in acoustic modelling.</a:t>
+            </a:r>
+          </a:p>
+          <a:p>
+            <a:pPr algn="just"/>
+            <a:r>
+              <a:rPr lang="en-US" sz="1900" dirty="0"/>
               <a:t>The proposed approach is compared to state-of-the-art </a:t>
             </a:r>
             <a:r>
-              <a:rPr lang="en-US" sz="1900" dirty="0" err="1" smtClean="0"/>
+              <a:rPr lang="en-US" sz="1900" dirty="0" err="1"/>
               <a:t>i</a:t>
             </a:r>
             <a:r>
-              <a:rPr lang="en-US" sz="1900" dirty="0" smtClean="0"/>
-              <a:t>-vector based acoustic </a:t>
-            </a:r>
-            <a:r>
-              <a:rPr lang="en-US" sz="1900" dirty="0" smtClean="0"/>
-              <a:t>systems.</a:t>
+              <a:rPr lang="en-US" sz="1900" dirty="0"/>
+              <a:t>-vector based acoustic systems.</a:t>
             </a:r>
             <a:endParaRPr lang="en-IN" sz="1900" dirty="0"/>
           </a:p>
@@ -25621,16 +26056,8 @@
           <a:lstStyle/>
           <a:p>
             <a:r>
-              <a:rPr lang="en-US" sz="1200" dirty="0" smtClean="0"/>
-              <a:t>[5]    </a:t>
-            </a:r>
-            <a:r>
-              <a:rPr lang="en-US" sz="1200" dirty="0" smtClean="0"/>
-              <a:t>Ignacio </a:t>
-            </a:r>
-            <a:r>
               <a:rPr lang="en-US" sz="1200" dirty="0"/>
-              <a:t>Lopez-Moreno, </a:t>
+              <a:t>[5]    Ignacio Lopez-Moreno, </a:t>
             </a:r>
             <a:r>
               <a:rPr lang="en-IN" sz="1200" dirty="0"/>
@@ -25638,21 +26065,13 @@
             </a:r>
             <a:r>
               <a:rPr lang="en-US" sz="1200" dirty="0"/>
-              <a:t>AUTOMATIC LANGUAGE IDENTIFICATION USING DEEP NEURAL NETWORKS”, 2014 </a:t>
-            </a:r>
-            <a:r>
-              <a:rPr lang="en-US" sz="1200" dirty="0" smtClean="0"/>
-              <a:t>IEEE</a:t>
-            </a:r>
-          </a:p>
-          <a:p>
-            <a:r>
-              <a:rPr lang="en-US" sz="1200" dirty="0" smtClean="0"/>
-              <a:t>         International </a:t>
-            </a:r>
+              <a:t>AUTOMATIC LANGUAGE IDENTIFICATION USING DEEP NEURAL NETWORKS”, 2014 IEEE</a:t>
+            </a:r>
+          </a:p>
+          <a:p>
             <a:r>
               <a:rPr lang="en-US" sz="1200" dirty="0"/>
-              <a:t>Conference on Acoustic, Speech and Signal Processing (ICASSP),2014 (context windows)</a:t>
+              <a:t>         International Conference on Acoustic, Speech and Signal Processing (ICASSP),2014 (context windows)</a:t>
             </a:r>
             <a:endParaRPr lang="en-IN" sz="1200" dirty="0"/>
           </a:p>
@@ -25844,29 +26263,31 @@
             </a:lvl9pPr>
           </a:lstStyle>
           <a:p>
-            <a:pPr marL="457200" indent="-457200">
+            <a:pPr marL="457200" indent="-457200" algn="just">
               <a:buFont typeface="+mj-lt"/>
               <a:buAutoNum type="arabicPeriod" startAt="4"/>
             </a:pPr>
             <a:r>
-              <a:rPr lang="en-US" sz="1900" b="1" dirty="0" smtClean="0"/>
+              <a:rPr lang="en-US" sz="1900" b="1" dirty="0"/>
               <a:t>Julien De Mori</a:t>
             </a:r>
             <a:r>
-              <a:rPr lang="en-US" sz="1900" b="1" baseline="30000" dirty="0" smtClean="0"/>
+              <a:rPr lang="en-US" sz="1900" b="1" baseline="30000" dirty="0"/>
               <a:t>[4]</a:t>
             </a:r>
-            <a:endParaRPr lang="en-US" sz="1900" baseline="30000" dirty="0" smtClean="0"/>
-          </a:p>
-          <a:p>
-            <a:r>
-              <a:rPr lang="en-US" sz="1900" dirty="0" smtClean="0"/>
+            <a:endParaRPr lang="en-US" sz="1900" baseline="30000" dirty="0"/>
+          </a:p>
+          <a:p>
+            <a:pPr algn="just"/>
+            <a:r>
+              <a:rPr lang="en-US" sz="1900" dirty="0"/>
               <a:t>Presented and compared Support Vector Machine(SVM) based methods, Gaussian Mixture Model(GMM) based methods and Neural network.</a:t>
             </a:r>
           </a:p>
           <a:p>
-            <a:r>
-              <a:rPr lang="en-US" sz="1900" dirty="0" smtClean="0"/>
+            <a:pPr algn="just"/>
+            <a:r>
+              <a:rPr lang="en-US" sz="1900" dirty="0"/>
               <a:t>Used Neural Network and Computing features for each 25ms frame. </a:t>
             </a:r>
             <a:endParaRPr lang="en-IN" sz="1900" dirty="0"/>
@@ -25896,12 +26317,8 @@
           <a:p>
             <a:pPr lvl="0"/>
             <a:r>
-              <a:rPr lang="en-US" sz="1200" dirty="0" smtClean="0"/>
-              <a:t>[4]    Julien </a:t>
-            </a:r>
-            <a:r>
               <a:rPr lang="en-US" sz="1200" dirty="0"/>
-              <a:t>De Mori, “Spoken Language </a:t>
+              <a:t>[4]    Julien De Mori, “Spoken Language </a:t>
             </a:r>
             <a:r>
               <a:rPr lang="en-US" sz="1200" dirty="0" err="1"/>
@@ -25989,33 +26406,40 @@
           </a:bodyPr>
           <a:lstStyle/>
           <a:p>
+            <a:pPr algn="just"/>
             <a:r>
               <a:rPr lang="en-US" sz="2200" dirty="0"/>
               <a:t>We propose a hybrid neural network that consists of two levels. </a:t>
             </a:r>
           </a:p>
           <a:p>
+            <a:pPr algn="just"/>
             <a:endParaRPr lang="en-US" sz="1400" dirty="0"/>
           </a:p>
           <a:p>
+            <a:pPr algn="just"/>
             <a:r>
               <a:rPr lang="en-US" sz="2200" dirty="0"/>
               <a:t>An initial neural network gives the probability of the belongingness of data sample to all class of languages.</a:t>
             </a:r>
           </a:p>
           <a:p>
+            <a:pPr algn="just"/>
             <a:endParaRPr lang="en-US" sz="1400" dirty="0"/>
           </a:p>
           <a:p>
+            <a:pPr algn="just"/>
             <a:r>
               <a:rPr lang="en-US" sz="2200" dirty="0"/>
               <a:t>The second level, or the binary classifier finally outputs the class to which the data sample belongs amongst the best two sub-candidates.</a:t>
             </a:r>
           </a:p>
           <a:p>
+            <a:pPr algn="just"/>
             <a:endParaRPr lang="en-US" sz="1400" dirty="0"/>
           </a:p>
           <a:p>
+            <a:pPr algn="just"/>
             <a:r>
               <a:rPr lang="en-US" sz="2200" dirty="0"/>
               <a:t>The idea behind this hypothesis is the fact that different languages need different  set of features to differentiate them.</a:t>
@@ -26026,6 +26450,7 @@
             </a:r>
           </a:p>
           <a:p>
+            <a:pPr algn="just"/>
             <a:endParaRPr lang="en-US" dirty="0"/>
           </a:p>
         </p:txBody>
